--- a/Latex/tex1/proposal.pptx
+++ b/Latex/tex1/proposal.pptx
@@ -242,7 +242,7 @@
           <a:p>
             <a:fld id="{63335B88-4C89-4578-A075-4D3E83B0A887}" type="datetimeFigureOut">
               <a:rPr lang="en-US" smtClean="0"/>
-              <a:t>10/26/2020</a:t>
+              <a:t>10/27/2020</a:t>
             </a:fld>
             <a:endParaRPr lang="en-US"/>
           </a:p>
@@ -868,7 +868,7 @@
           <a:p>
             <a:fld id="{102FD3FC-A6A4-4BBE-88BE-C90E1A0B39F2}" type="datetime1">
               <a:rPr lang="en-US" smtClean="0"/>
-              <a:t>10/26/2020</a:t>
+              <a:t>10/27/2020</a:t>
             </a:fld>
             <a:endParaRPr lang="en-US" dirty="0"/>
           </a:p>
@@ -1277,7 +1277,7 @@
           <a:p>
             <a:fld id="{500EBF83-42AA-4080-A25F-B6C244B90351}" type="datetime1">
               <a:rPr lang="en-US" smtClean="0"/>
-              <a:t>10/26/2020</a:t>
+              <a:t>10/27/2020</a:t>
             </a:fld>
             <a:endParaRPr lang="en-US" dirty="0"/>
           </a:p>
@@ -1674,7 +1674,7 @@
           <a:p>
             <a:fld id="{F57CF355-3907-422E-8B7C-820CA8D6EB5A}" type="datetime1">
               <a:rPr lang="en-US" smtClean="0"/>
-              <a:t>10/26/2020</a:t>
+              <a:t>10/27/2020</a:t>
             </a:fld>
             <a:endParaRPr lang="en-US" dirty="0"/>
           </a:p>
@@ -2006,7 +2006,7 @@
           <a:p>
             <a:fld id="{DEF7EAC8-3EBA-4748-A303-26E90B6EDFEE}" type="datetime1">
               <a:rPr lang="en-US" smtClean="0"/>
-              <a:t>10/26/2020</a:t>
+              <a:t>10/27/2020</a:t>
             </a:fld>
             <a:endParaRPr lang="en-US" dirty="0"/>
           </a:p>
@@ -2322,7 +2322,7 @@
           <a:p>
             <a:fld id="{A10E341C-2FAB-4674-AAA6-D6DDC78F7006}" type="datetime1">
               <a:rPr lang="en-US" smtClean="0"/>
-              <a:t>10/26/2020</a:t>
+              <a:t>10/27/2020</a:t>
             </a:fld>
             <a:endParaRPr lang="en-US" dirty="0"/>
           </a:p>
@@ -2714,7 +2714,7 @@
           <a:p>
             <a:fld id="{20DDCB11-80C5-4728-9D44-8E5B7F9196EA}" type="datetime1">
               <a:rPr lang="en-US" smtClean="0"/>
-              <a:t>10/26/2020</a:t>
+              <a:t>10/27/2020</a:t>
             </a:fld>
             <a:endParaRPr lang="en-US" dirty="0"/>
           </a:p>
@@ -2967,7 +2967,7 @@
           <a:p>
             <a:fld id="{A2BC3563-488A-4932-8A59-4429075D34FD}" type="datetime1">
               <a:rPr lang="en-US" smtClean="0"/>
-              <a:t>10/26/2020</a:t>
+              <a:t>10/27/2020</a:t>
             </a:fld>
             <a:endParaRPr lang="en-US" dirty="0"/>
           </a:p>
@@ -3225,7 +3225,7 @@
           <a:p>
             <a:fld id="{F7627634-CF1B-46B3-8EE4-B644C9544DF0}" type="datetime1">
               <a:rPr lang="en-US" smtClean="0"/>
-              <a:t>10/26/2020</a:t>
+              <a:t>10/27/2020</a:t>
             </a:fld>
             <a:endParaRPr lang="en-US" dirty="0"/>
           </a:p>
@@ -3597,7 +3597,7 @@
           <a:p>
             <a:fld id="{767CFF7B-0BD2-4CF4-8D69-00C9D332468C}" type="datetime1">
               <a:rPr lang="en-US" smtClean="0"/>
-              <a:t>10/26/2020</a:t>
+              <a:t>10/27/2020</a:t>
             </a:fld>
             <a:endParaRPr lang="en-US" dirty="0"/>
           </a:p>
@@ -4002,7 +4002,7 @@
           <a:p>
             <a:fld id="{E051B3F5-C1AF-435D-B351-281A7B7E274E}" type="datetime1">
               <a:rPr lang="en-US" smtClean="0"/>
-              <a:t>10/26/2020</a:t>
+              <a:t>10/27/2020</a:t>
             </a:fld>
             <a:endParaRPr lang="en-US" dirty="0"/>
           </a:p>
@@ -4396,7 +4396,7 @@
           <a:p>
             <a:fld id="{46A6BAA6-6689-426B-A95A-C9488DDE3222}" type="datetime1">
               <a:rPr lang="en-US" smtClean="0"/>
-              <a:t>10/26/2020</a:t>
+              <a:t>10/27/2020</a:t>
             </a:fld>
             <a:endParaRPr lang="en-US" dirty="0"/>
           </a:p>
@@ -4909,7 +4909,7 @@
           <a:p>
             <a:fld id="{40113CE9-0FFC-41E9-9175-664E45580D83}" type="datetime1">
               <a:rPr lang="en-US" smtClean="0"/>
-              <a:t>10/26/2020</a:t>
+              <a:t>10/27/2020</a:t>
             </a:fld>
             <a:endParaRPr lang="en-US" dirty="0"/>
           </a:p>
@@ -5110,7 +5110,7 @@
           <a:p>
             <a:fld id="{8B917943-A53D-4690-9C64-999D3450F003}" type="datetime1">
               <a:rPr lang="en-US" smtClean="0"/>
-              <a:t>10/26/2020</a:t>
+              <a:t>10/27/2020</a:t>
             </a:fld>
             <a:endParaRPr lang="en-US" dirty="0"/>
           </a:p>
@@ -5348,7 +5348,7 @@
           <a:p>
             <a:fld id="{D0E93F5F-9FB5-4473-A087-BD864B1BF6AF}" type="datetime1">
               <a:rPr lang="en-US" smtClean="0"/>
-              <a:t>10/26/2020</a:t>
+              <a:t>10/27/2020</a:t>
             </a:fld>
             <a:endParaRPr lang="en-US" dirty="0"/>
           </a:p>
@@ -5677,7 +5677,7 @@
           <a:p>
             <a:fld id="{702B3A61-3CFA-45EC-B4D8-84D14B604D1A}" type="datetime1">
               <a:rPr lang="en-US" smtClean="0"/>
-              <a:t>10/26/2020</a:t>
+              <a:t>10/27/2020</a:t>
             </a:fld>
             <a:endParaRPr lang="en-US" dirty="0"/>
           </a:p>
@@ -6018,7 +6018,7 @@
           <a:p>
             <a:fld id="{C0008FC9-9451-4BE2-86BD-35D7F1634EFA}" type="datetime1">
               <a:rPr lang="en-US" smtClean="0"/>
-              <a:t>10/26/2020</a:t>
+              <a:t>10/27/2020</a:t>
             </a:fld>
             <a:endParaRPr lang="en-US" dirty="0"/>
           </a:p>
@@ -8131,7 +8131,7 @@
           <a:p>
             <a:fld id="{481B42E5-FAC4-415C-A1CC-C4AD5CD39577}" type="datetime1">
               <a:rPr lang="en-US" smtClean="0"/>
-              <a:t>10/26/2020</a:t>
+              <a:t>10/27/2020</a:t>
             </a:fld>
             <a:endParaRPr lang="en-US" dirty="0"/>
           </a:p>
@@ -19681,7 +19681,7 @@
           <a:graphicData uri="http://schemas.openxmlformats.org/presentationml/2006/ole">
             <mc:AlternateContent xmlns:mc="http://schemas.openxmlformats.org/markup-compatibility/2006">
               <mc:Choice xmlns:v="urn:schemas-microsoft-com:vml" Requires="v">
-                <p:oleObj spid="_x0000_s2055" name="PDF" r:id="rId4" imgW="0" imgH="360" progId="FoxitReader.Document">
+                <p:oleObj spid="_x0000_s2056" name="PDF" r:id="rId4" imgW="0" imgH="360" progId="FoxitReader.Document">
                   <p:embed/>
                 </p:oleObj>
               </mc:Choice>
@@ -40123,7 +40123,23 @@
             <a:pPr lvl="2"/>
             <a:r>
               <a:rPr lang="ar-IQ" dirty="0"/>
-              <a:t>رابطهای استاندارد و باز قابلیت پشتیبانی از فروشنده‌های متعدد همکاری اثبات شده دارند</a:t>
+              <a:t>رابطهای استاندارد و باز قابلیت پشتیبانی از فروشنده‌های متعدد </a:t>
+            </a:r>
+            <a:r>
+              <a:rPr lang="fa-IR" dirty="0"/>
+              <a:t>و </a:t>
+            </a:r>
+            <a:r>
+              <a:rPr lang="ar-IQ" dirty="0"/>
+              <a:t>همکاری اثبات شده </a:t>
+            </a:r>
+            <a:r>
+              <a:rPr lang="fa-IR"/>
+              <a:t>را </a:t>
+            </a:r>
+            <a:r>
+              <a:rPr lang="ar-IQ"/>
+              <a:t>دارند</a:t>
             </a:r>
             <a:endParaRPr lang="en-US" dirty="0"/>
           </a:p>

--- a/Latex/tex1/proposal.pptx
+++ b/Latex/tex1/proposal.pptx
@@ -242,7 +242,7 @@
           <a:p>
             <a:fld id="{63335B88-4C89-4578-A075-4D3E83B0A887}" type="datetimeFigureOut">
               <a:rPr lang="en-US" smtClean="0"/>
-              <a:t>10/27/2020</a:t>
+              <a:t>10/28/2020</a:t>
             </a:fld>
             <a:endParaRPr lang="en-US"/>
           </a:p>
@@ -868,7 +868,7 @@
           <a:p>
             <a:fld id="{102FD3FC-A6A4-4BBE-88BE-C90E1A0B39F2}" type="datetime1">
               <a:rPr lang="en-US" smtClean="0"/>
-              <a:t>10/27/2020</a:t>
+              <a:t>10/28/2020</a:t>
             </a:fld>
             <a:endParaRPr lang="en-US" dirty="0"/>
           </a:p>
@@ -1277,7 +1277,7 @@
           <a:p>
             <a:fld id="{500EBF83-42AA-4080-A25F-B6C244B90351}" type="datetime1">
               <a:rPr lang="en-US" smtClean="0"/>
-              <a:t>10/27/2020</a:t>
+              <a:t>10/28/2020</a:t>
             </a:fld>
             <a:endParaRPr lang="en-US" dirty="0"/>
           </a:p>
@@ -1674,7 +1674,7 @@
           <a:p>
             <a:fld id="{F57CF355-3907-422E-8B7C-820CA8D6EB5A}" type="datetime1">
               <a:rPr lang="en-US" smtClean="0"/>
-              <a:t>10/27/2020</a:t>
+              <a:t>10/28/2020</a:t>
             </a:fld>
             <a:endParaRPr lang="en-US" dirty="0"/>
           </a:p>
@@ -2006,7 +2006,7 @@
           <a:p>
             <a:fld id="{DEF7EAC8-3EBA-4748-A303-26E90B6EDFEE}" type="datetime1">
               <a:rPr lang="en-US" smtClean="0"/>
-              <a:t>10/27/2020</a:t>
+              <a:t>10/28/2020</a:t>
             </a:fld>
             <a:endParaRPr lang="en-US" dirty="0"/>
           </a:p>
@@ -2322,7 +2322,7 @@
           <a:p>
             <a:fld id="{A10E341C-2FAB-4674-AAA6-D6DDC78F7006}" type="datetime1">
               <a:rPr lang="en-US" smtClean="0"/>
-              <a:t>10/27/2020</a:t>
+              <a:t>10/28/2020</a:t>
             </a:fld>
             <a:endParaRPr lang="en-US" dirty="0"/>
           </a:p>
@@ -2714,7 +2714,7 @@
           <a:p>
             <a:fld id="{20DDCB11-80C5-4728-9D44-8E5B7F9196EA}" type="datetime1">
               <a:rPr lang="en-US" smtClean="0"/>
-              <a:t>10/27/2020</a:t>
+              <a:t>10/28/2020</a:t>
             </a:fld>
             <a:endParaRPr lang="en-US" dirty="0"/>
           </a:p>
@@ -2967,7 +2967,7 @@
           <a:p>
             <a:fld id="{A2BC3563-488A-4932-8A59-4429075D34FD}" type="datetime1">
               <a:rPr lang="en-US" smtClean="0"/>
-              <a:t>10/27/2020</a:t>
+              <a:t>10/28/2020</a:t>
             </a:fld>
             <a:endParaRPr lang="en-US" dirty="0"/>
           </a:p>
@@ -3225,7 +3225,7 @@
           <a:p>
             <a:fld id="{F7627634-CF1B-46B3-8EE4-B644C9544DF0}" type="datetime1">
               <a:rPr lang="en-US" smtClean="0"/>
-              <a:t>10/27/2020</a:t>
+              <a:t>10/28/2020</a:t>
             </a:fld>
             <a:endParaRPr lang="en-US" dirty="0"/>
           </a:p>
@@ -3597,7 +3597,7 @@
           <a:p>
             <a:fld id="{767CFF7B-0BD2-4CF4-8D69-00C9D332468C}" type="datetime1">
               <a:rPr lang="en-US" smtClean="0"/>
-              <a:t>10/27/2020</a:t>
+              <a:t>10/28/2020</a:t>
             </a:fld>
             <a:endParaRPr lang="en-US" dirty="0"/>
           </a:p>
@@ -4002,7 +4002,7 @@
           <a:p>
             <a:fld id="{E051B3F5-C1AF-435D-B351-281A7B7E274E}" type="datetime1">
               <a:rPr lang="en-US" smtClean="0"/>
-              <a:t>10/27/2020</a:t>
+              <a:t>10/28/2020</a:t>
             </a:fld>
             <a:endParaRPr lang="en-US" dirty="0"/>
           </a:p>
@@ -4396,7 +4396,7 @@
           <a:p>
             <a:fld id="{46A6BAA6-6689-426B-A95A-C9488DDE3222}" type="datetime1">
               <a:rPr lang="en-US" smtClean="0"/>
-              <a:t>10/27/2020</a:t>
+              <a:t>10/28/2020</a:t>
             </a:fld>
             <a:endParaRPr lang="en-US" dirty="0"/>
           </a:p>
@@ -4909,7 +4909,7 @@
           <a:p>
             <a:fld id="{40113CE9-0FFC-41E9-9175-664E45580D83}" type="datetime1">
               <a:rPr lang="en-US" smtClean="0"/>
-              <a:t>10/27/2020</a:t>
+              <a:t>10/28/2020</a:t>
             </a:fld>
             <a:endParaRPr lang="en-US" dirty="0"/>
           </a:p>
@@ -5110,7 +5110,7 @@
           <a:p>
             <a:fld id="{8B917943-A53D-4690-9C64-999D3450F003}" type="datetime1">
               <a:rPr lang="en-US" smtClean="0"/>
-              <a:t>10/27/2020</a:t>
+              <a:t>10/28/2020</a:t>
             </a:fld>
             <a:endParaRPr lang="en-US" dirty="0"/>
           </a:p>
@@ -5348,7 +5348,7 @@
           <a:p>
             <a:fld id="{D0E93F5F-9FB5-4473-A087-BD864B1BF6AF}" type="datetime1">
               <a:rPr lang="en-US" smtClean="0"/>
-              <a:t>10/27/2020</a:t>
+              <a:t>10/28/2020</a:t>
             </a:fld>
             <a:endParaRPr lang="en-US" dirty="0"/>
           </a:p>
@@ -5677,7 +5677,7 @@
           <a:p>
             <a:fld id="{702B3A61-3CFA-45EC-B4D8-84D14B604D1A}" type="datetime1">
               <a:rPr lang="en-US" smtClean="0"/>
-              <a:t>10/27/2020</a:t>
+              <a:t>10/28/2020</a:t>
             </a:fld>
             <a:endParaRPr lang="en-US" dirty="0"/>
           </a:p>
@@ -6018,7 +6018,7 @@
           <a:p>
             <a:fld id="{C0008FC9-9451-4BE2-86BD-35D7F1634EFA}" type="datetime1">
               <a:rPr lang="en-US" smtClean="0"/>
-              <a:t>10/27/2020</a:t>
+              <a:t>10/28/2020</a:t>
             </a:fld>
             <a:endParaRPr lang="en-US" dirty="0"/>
           </a:p>
@@ -8131,7 +8131,7 @@
           <a:p>
             <a:fld id="{481B42E5-FAC4-415C-A1CC-C4AD5CD39577}" type="datetime1">
               <a:rPr lang="en-US" smtClean="0"/>
-              <a:t>10/27/2020</a:t>
+              <a:t>10/28/2020</a:t>
             </a:fld>
             <a:endParaRPr lang="en-US" dirty="0"/>
           </a:p>
@@ -10370,102 +10370,123 @@
         </p:spPr>
         <p:txBody>
           <a:bodyPr>
-            <a:normAutofit fontScale="92500" lnSpcReduction="10000"/>
+            <a:normAutofit fontScale="55000" lnSpcReduction="20000"/>
           </a:bodyPr>
           <a:lstStyle/>
           <a:p>
             <a:r>
-              <a:rPr lang="ar-IQ" dirty="0"/>
+              <a:rPr lang="ar-IQ" sz="3800" dirty="0"/>
               <a:t>جداسازی المانهای نرم افزاری و سخت افزاری شبکه صورت</a:t>
             </a:r>
             <a:r>
-              <a:rPr lang="en-US" dirty="0"/>
+              <a:rPr lang="en-US" sz="3800" dirty="0"/>
               <a:t> </a:t>
             </a:r>
             <a:r>
-              <a:rPr lang="ar-IQ" dirty="0"/>
+              <a:rPr lang="ar-IQ" sz="3800" dirty="0"/>
               <a:t>گرفته است و به عنوان مجازی سازی توابع شبکه</a:t>
             </a:r>
             <a:r>
-              <a:rPr lang="en-US" dirty="0"/>
+              <a:rPr lang="en-US" sz="3800" dirty="0"/>
               <a:t> (NFV)</a:t>
             </a:r>
             <a:r>
-              <a:rPr lang="ar-IQ" dirty="0"/>
+              <a:rPr lang="ar-IQ" sz="3800" dirty="0"/>
               <a:t>معرفی شده است </a:t>
             </a:r>
-            <a:endParaRPr lang="en-US" dirty="0"/>
-          </a:p>
-          <a:p>
-            <a:r>
-              <a:rPr lang="ar-IQ" dirty="0"/>
+            <a:endParaRPr lang="en-US" sz="3800" dirty="0"/>
+          </a:p>
+          <a:p>
+            <a:pPr marL="0" indent="0">
+              <a:buNone/>
+            </a:pPr>
+            <a:endParaRPr lang="en-US" sz="3800" dirty="0"/>
+          </a:p>
+          <a:p>
+            <a:r>
+              <a:rPr lang="ar-IQ" sz="3800" dirty="0"/>
               <a:t>توابع شبکه ی مجازی</a:t>
             </a:r>
             <a:r>
-              <a:rPr lang="en-US" dirty="0"/>
+              <a:rPr lang="en-US" sz="3800" dirty="0"/>
               <a:t> VNF</a:t>
             </a:r>
             <a:r>
-              <a:rPr lang="ar-IQ" dirty="0"/>
+              <a:rPr lang="ar-IQ" sz="3800" dirty="0"/>
               <a:t>بلوکهای توابع سیستم هستند </a:t>
             </a:r>
-            <a:endParaRPr lang="en-US" dirty="0"/>
-          </a:p>
-          <a:p>
-            <a:r>
-              <a:rPr lang="ar-IQ" dirty="0"/>
+            <a:endParaRPr lang="en-US" sz="3800" dirty="0"/>
+          </a:p>
+          <a:p>
+            <a:pPr marL="0" indent="0">
+              <a:buNone/>
+            </a:pPr>
+            <a:endParaRPr lang="en-US" sz="3800" dirty="0"/>
+          </a:p>
+          <a:p>
+            <a:r>
+              <a:rPr lang="ar-IQ" sz="3800" dirty="0"/>
               <a:t>ایده اصلی </a:t>
             </a:r>
             <a:r>
-              <a:rPr lang="en-US" dirty="0"/>
+              <a:rPr lang="en-US" sz="3800" dirty="0"/>
               <a:t>NFV</a:t>
             </a:r>
             <a:r>
-              <a:rPr lang="ar-IQ" dirty="0"/>
+              <a:rPr lang="ar-IQ" sz="3800" dirty="0"/>
               <a:t>جداسازی تجهیزات شبکه فیزیکی از توابع اجرا شده</a:t>
             </a:r>
             <a:r>
-              <a:rPr lang="fa-IR" dirty="0"/>
+              <a:rPr lang="fa-IR" sz="3800" dirty="0"/>
               <a:t> </a:t>
             </a:r>
             <a:r>
-              <a:rPr lang="ar-IQ" dirty="0"/>
+              <a:rPr lang="ar-IQ" sz="3800" dirty="0"/>
               <a:t>بر روی آنها است </a:t>
             </a:r>
-            <a:endParaRPr lang="fa-IR" dirty="0"/>
-          </a:p>
-          <a:p>
-            <a:r>
-              <a:rPr lang="fa-IR" dirty="0"/>
+            <a:endParaRPr lang="en-US" sz="3800" dirty="0"/>
+          </a:p>
+          <a:p>
+            <a:endParaRPr lang="fa-IR" sz="3800" dirty="0"/>
+          </a:p>
+          <a:p>
+            <a:r>
+              <a:rPr lang="fa-IR" sz="3800" dirty="0"/>
               <a:t>ویژگی های </a:t>
             </a:r>
             <a:r>
-              <a:rPr lang="en-US" dirty="0"/>
+              <a:rPr lang="en-US" sz="3800" dirty="0"/>
               <a:t>NFV</a:t>
             </a:r>
           </a:p>
           <a:p>
             <a:pPr lvl="1"/>
             <a:r>
-              <a:rPr lang="ar-IQ" dirty="0"/>
+              <a:rPr lang="ar-IQ" sz="2600" dirty="0"/>
               <a:t>جدا سازی بخش نرم افزار از سخت افزار</a:t>
             </a:r>
-            <a:endParaRPr lang="en-US" dirty="0"/>
+            <a:endParaRPr lang="en-US" sz="2600" dirty="0"/>
           </a:p>
           <a:p>
             <a:pPr lvl="1"/>
             <a:r>
-              <a:rPr lang="ar-IQ" dirty="0"/>
+              <a:rPr lang="ar-IQ" sz="2600" dirty="0"/>
               <a:t>استقرار عملکرد شبکه انعطاف پذیر </a:t>
             </a:r>
-            <a:endParaRPr lang="en-US" dirty="0"/>
+            <a:endParaRPr lang="en-US" sz="2600" dirty="0"/>
           </a:p>
           <a:p>
             <a:pPr lvl="1"/>
             <a:r>
-              <a:rPr lang="ar-IQ" dirty="0"/>
-              <a:t>استقرار عملکرد شبکه انعطاف پذیر </a:t>
-            </a:r>
+              <a:rPr lang="fa-IR" sz="2600" dirty="0"/>
+              <a:t>مقیاس گذاری پویا</a:t>
+            </a:r>
+            <a:endParaRPr lang="en-US" sz="2600" dirty="0"/>
+          </a:p>
+          <a:p>
+            <a:pPr marL="457200" lvl="1" indent="0">
+              <a:buNone/>
+            </a:pPr>
             <a:br>
               <a:rPr lang="ar-IQ" dirty="0"/>
             </a:br>
@@ -12607,7 +12628,15 @@
             </a:r>
             <a:r>
               <a:rPr lang="ar-IQ" dirty="0"/>
-              <a:t>فیزیکی به چندین شبکه منطقی، برششبکه میتواند ازخدمات متناسب</a:t>
+              <a:t>فیزیکی به چندین شبکه منطقی، برش</a:t>
+            </a:r>
+            <a:r>
+              <a:rPr lang="fa-IR" dirty="0"/>
+              <a:t> </a:t>
+            </a:r>
+            <a:r>
+              <a:rPr lang="ar-IQ" dirty="0"/>
+              <a:t>شبکه میتواند ازخدمات متناسب</a:t>
             </a:r>
             <a:r>
               <a:rPr lang="fa-IR" dirty="0"/>
@@ -18818,8 +18847,8 @@
           </a:p>
         </p:txBody>
       </p:sp>
-      <mc:AlternateContent xmlns:mc="http://schemas.openxmlformats.org/markup-compatibility/2006" xmlns:a14="http://schemas.microsoft.com/office/drawing/2010/main">
-        <mc:Choice Requires="a14">
+      <mc:AlternateContent xmlns:mc="http://schemas.openxmlformats.org/markup-compatibility/2006">
+        <mc:Choice xmlns:a14="http://schemas.microsoft.com/office/drawing/2010/main" Requires="a14">
           <p:sp>
             <p:nvSpPr>
               <p:cNvPr id="3" name="Content Placeholder 2"/>
@@ -19025,7 +19054,7 @@
                 <a14:m>
                   <m:oMath xmlns:m="http://schemas.openxmlformats.org/officeDocument/2006/math">
                     <m:r>
-                      <a:rPr lang="fa-IR" sz="4400" i="1">
+                      <a:rPr lang="fa-IR" sz="3800" i="1">
                         <a:latin typeface="Cambria Math" panose="02040503050406030204" pitchFamily="18" charset="0"/>
                       </a:rPr>
                       <m:t> </m:t>
@@ -19033,14 +19062,14 @@
                     <m:sSub>
                       <m:sSubPr>
                         <m:ctrlPr>
-                          <a:rPr lang="en-US" sz="4400" i="1">
+                          <a:rPr lang="en-US" sz="3800" i="1">
                             <a:latin typeface="Cambria Math" panose="02040503050406030204" pitchFamily="18" charset="0"/>
                           </a:rPr>
                         </m:ctrlPr>
                       </m:sSubPr>
                       <m:e>
                         <m:r>
-                          <a:rPr lang="en-US" sz="4400" i="1">
+                          <a:rPr lang="en-US" sz="3800" i="1">
                             <a:latin typeface="Cambria Math" panose="02040503050406030204" pitchFamily="18" charset="0"/>
                           </a:rPr>
                           <m:t>𝑀</m:t>
@@ -19048,36 +19077,36 @@
                       </m:e>
                       <m:sub>
                         <m:r>
-                          <a:rPr lang="en-US" sz="4400" i="1">
+                          <a:rPr lang="en-US" sz="3800" i="1">
                             <a:latin typeface="Cambria Math" panose="02040503050406030204" pitchFamily="18" charset="0"/>
                           </a:rPr>
                           <m:t>𝑠</m:t>
                         </m:r>
                         <m:r>
-                          <a:rPr lang="en-US" sz="4400" i="1">
+                          <a:rPr lang="en-US" sz="3800" i="1">
                             <a:latin typeface="Cambria Math" panose="02040503050406030204" pitchFamily="18" charset="0"/>
                           </a:rPr>
                           <m:t>,</m:t>
                         </m:r>
                         <m:r>
-                          <a:rPr lang="en-US" sz="4400" i="1">
+                          <a:rPr lang="en-US" sz="3800" b="0" i="1" smtClean="0">
                             <a:latin typeface="Cambria Math" panose="02040503050406030204" pitchFamily="18" charset="0"/>
                           </a:rPr>
-                          <m:t>1</m:t>
+                          <m:t>2</m:t>
                         </m:r>
                       </m:sub>
                     </m:sSub>
                   </m:oMath>
                 </a14:m>
                 <a:r>
-                  <a:rPr lang="fa-IR" sz="4400" dirty="0"/>
+                  <a:rPr lang="fa-IR" sz="3800" dirty="0"/>
                   <a:t>تا </a:t>
                 </a:r>
                 <a:r>
-                  <a:rPr lang="en-US" sz="4400" dirty="0"/>
+                  <a:rPr lang="en-US" sz="3800" dirty="0"/>
                   <a:t>VNF</a:t>
                 </a:r>
-                <a:endParaRPr lang="fa-IR" sz="4200" dirty="0"/>
+                <a:endParaRPr lang="fa-IR" sz="3400" dirty="0"/>
               </a:p>
               <a:p>
                 <a:r>
@@ -19158,7 +19187,7 @@
             </p:txBody>
           </p:sp>
         </mc:Choice>
-        <mc:Fallback xmlns="">
+        <mc:Fallback>
           <p:sp>
             <p:nvSpPr>
               <p:cNvPr id="3" name="Content Placeholder 2"/>
@@ -19681,7 +19710,7 @@
           <a:graphicData uri="http://schemas.openxmlformats.org/presentationml/2006/ole">
             <mc:AlternateContent xmlns:mc="http://schemas.openxmlformats.org/markup-compatibility/2006">
               <mc:Choice xmlns:v="urn:schemas-microsoft-com:vml" Requires="v">
-                <p:oleObj spid="_x0000_s2056" name="PDF" r:id="rId4" imgW="0" imgH="360" progId="FoxitReader.Document">
+                <p:oleObj spid="_x0000_s2063" name="PDF" r:id="rId4" imgW="0" imgH="360" progId="FoxitReader.Document">
                   <p:embed/>
                 </p:oleObj>
               </mc:Choice>
@@ -21472,7 +21501,7 @@
         </p:nvSpPr>
         <p:spPr>
           <a:xfrm>
-            <a:off x="1941510" y="2069621"/>
+            <a:off x="1565965" y="1953563"/>
             <a:ext cx="9120189" cy="3836230"/>
           </a:xfrm>
         </p:spPr>
@@ -22282,8 +22311,8 @@
           </a:p>
         </p:txBody>
       </p:sp>
-      <mc:AlternateContent xmlns:mc="http://schemas.openxmlformats.org/markup-compatibility/2006" xmlns:a14="http://schemas.microsoft.com/office/drawing/2010/main">
-        <mc:Choice Requires="a14">
+      <mc:AlternateContent xmlns:mc="http://schemas.openxmlformats.org/markup-compatibility/2006">
+        <mc:Choice xmlns:a14="http://schemas.microsoft.com/office/drawing/2010/main" Requires="a14">
           <p:sp>
             <p:nvSpPr>
               <p:cNvPr id="3" name="Content Placeholder 2">
@@ -22302,7 +22331,7 @@
             </p:nvSpPr>
             <p:spPr>
               <a:xfrm>
-                <a:off x="1799159" y="1898272"/>
+                <a:off x="1605974" y="1898272"/>
                 <a:ext cx="9196390" cy="4445351"/>
               </a:xfrm>
             </p:spPr>
@@ -22649,7 +22678,7 @@
             </p:txBody>
           </p:sp>
         </mc:Choice>
-        <mc:Fallback xmlns="">
+        <mc:Fallback>
           <p:sp>
             <p:nvSpPr>
               <p:cNvPr id="3" name="Content Placeholder 2">
@@ -22668,7 +22697,7 @@
             </p:nvSpPr>
             <p:spPr>
               <a:xfrm>
-                <a:off x="1799159" y="1898272"/>
+                <a:off x="1605974" y="1898272"/>
                 <a:ext cx="9196390" cy="4445351"/>
               </a:xfrm>
               <a:blipFill>
@@ -22745,7 +22774,7 @@
         </p:blipFill>
         <p:spPr>
           <a:xfrm>
-            <a:off x="1799159" y="3633229"/>
+            <a:off x="324826" y="3302347"/>
             <a:ext cx="3400425" cy="619125"/>
           </a:xfrm>
           <a:prstGeom prst="rect">

--- a/Latex/tex1/proposal.pptx
+++ b/Latex/tex1/proposal.pptx
@@ -242,7 +242,7 @@
           <a:p>
             <a:fld id="{63335B88-4C89-4578-A075-4D3E83B0A887}" type="datetimeFigureOut">
               <a:rPr lang="en-US" smtClean="0"/>
-              <a:t>10/28/2020</a:t>
+              <a:t>11/9/2020</a:t>
             </a:fld>
             <a:endParaRPr lang="en-US"/>
           </a:p>
@@ -868,7 +868,7 @@
           <a:p>
             <a:fld id="{102FD3FC-A6A4-4BBE-88BE-C90E1A0B39F2}" type="datetime1">
               <a:rPr lang="en-US" smtClean="0"/>
-              <a:t>10/28/2020</a:t>
+              <a:t>11/9/2020</a:t>
             </a:fld>
             <a:endParaRPr lang="en-US" dirty="0"/>
           </a:p>
@@ -1277,7 +1277,7 @@
           <a:p>
             <a:fld id="{500EBF83-42AA-4080-A25F-B6C244B90351}" type="datetime1">
               <a:rPr lang="en-US" smtClean="0"/>
-              <a:t>10/28/2020</a:t>
+              <a:t>11/9/2020</a:t>
             </a:fld>
             <a:endParaRPr lang="en-US" dirty="0"/>
           </a:p>
@@ -1674,7 +1674,7 @@
           <a:p>
             <a:fld id="{F57CF355-3907-422E-8B7C-820CA8D6EB5A}" type="datetime1">
               <a:rPr lang="en-US" smtClean="0"/>
-              <a:t>10/28/2020</a:t>
+              <a:t>11/9/2020</a:t>
             </a:fld>
             <a:endParaRPr lang="en-US" dirty="0"/>
           </a:p>
@@ -2006,7 +2006,7 @@
           <a:p>
             <a:fld id="{DEF7EAC8-3EBA-4748-A303-26E90B6EDFEE}" type="datetime1">
               <a:rPr lang="en-US" smtClean="0"/>
-              <a:t>10/28/2020</a:t>
+              <a:t>11/9/2020</a:t>
             </a:fld>
             <a:endParaRPr lang="en-US" dirty="0"/>
           </a:p>
@@ -2322,7 +2322,7 @@
           <a:p>
             <a:fld id="{A10E341C-2FAB-4674-AAA6-D6DDC78F7006}" type="datetime1">
               <a:rPr lang="en-US" smtClean="0"/>
-              <a:t>10/28/2020</a:t>
+              <a:t>11/9/2020</a:t>
             </a:fld>
             <a:endParaRPr lang="en-US" dirty="0"/>
           </a:p>
@@ -2714,7 +2714,7 @@
           <a:p>
             <a:fld id="{20DDCB11-80C5-4728-9D44-8E5B7F9196EA}" type="datetime1">
               <a:rPr lang="en-US" smtClean="0"/>
-              <a:t>10/28/2020</a:t>
+              <a:t>11/9/2020</a:t>
             </a:fld>
             <a:endParaRPr lang="en-US" dirty="0"/>
           </a:p>
@@ -2967,7 +2967,7 @@
           <a:p>
             <a:fld id="{A2BC3563-488A-4932-8A59-4429075D34FD}" type="datetime1">
               <a:rPr lang="en-US" smtClean="0"/>
-              <a:t>10/28/2020</a:t>
+              <a:t>11/9/2020</a:t>
             </a:fld>
             <a:endParaRPr lang="en-US" dirty="0"/>
           </a:p>
@@ -3225,7 +3225,7 @@
           <a:p>
             <a:fld id="{F7627634-CF1B-46B3-8EE4-B644C9544DF0}" type="datetime1">
               <a:rPr lang="en-US" smtClean="0"/>
-              <a:t>10/28/2020</a:t>
+              <a:t>11/9/2020</a:t>
             </a:fld>
             <a:endParaRPr lang="en-US" dirty="0"/>
           </a:p>
@@ -3597,7 +3597,7 @@
           <a:p>
             <a:fld id="{767CFF7B-0BD2-4CF4-8D69-00C9D332468C}" type="datetime1">
               <a:rPr lang="en-US" smtClean="0"/>
-              <a:t>10/28/2020</a:t>
+              <a:t>11/9/2020</a:t>
             </a:fld>
             <a:endParaRPr lang="en-US" dirty="0"/>
           </a:p>
@@ -4002,7 +4002,7 @@
           <a:p>
             <a:fld id="{E051B3F5-C1AF-435D-B351-281A7B7E274E}" type="datetime1">
               <a:rPr lang="en-US" smtClean="0"/>
-              <a:t>10/28/2020</a:t>
+              <a:t>11/9/2020</a:t>
             </a:fld>
             <a:endParaRPr lang="en-US" dirty="0"/>
           </a:p>
@@ -4396,7 +4396,7 @@
           <a:p>
             <a:fld id="{46A6BAA6-6689-426B-A95A-C9488DDE3222}" type="datetime1">
               <a:rPr lang="en-US" smtClean="0"/>
-              <a:t>10/28/2020</a:t>
+              <a:t>11/9/2020</a:t>
             </a:fld>
             <a:endParaRPr lang="en-US" dirty="0"/>
           </a:p>
@@ -4909,7 +4909,7 @@
           <a:p>
             <a:fld id="{40113CE9-0FFC-41E9-9175-664E45580D83}" type="datetime1">
               <a:rPr lang="en-US" smtClean="0"/>
-              <a:t>10/28/2020</a:t>
+              <a:t>11/9/2020</a:t>
             </a:fld>
             <a:endParaRPr lang="en-US" dirty="0"/>
           </a:p>
@@ -5110,7 +5110,7 @@
           <a:p>
             <a:fld id="{8B917943-A53D-4690-9C64-999D3450F003}" type="datetime1">
               <a:rPr lang="en-US" smtClean="0"/>
-              <a:t>10/28/2020</a:t>
+              <a:t>11/9/2020</a:t>
             </a:fld>
             <a:endParaRPr lang="en-US" dirty="0"/>
           </a:p>
@@ -5348,7 +5348,7 @@
           <a:p>
             <a:fld id="{D0E93F5F-9FB5-4473-A087-BD864B1BF6AF}" type="datetime1">
               <a:rPr lang="en-US" smtClean="0"/>
-              <a:t>10/28/2020</a:t>
+              <a:t>11/9/2020</a:t>
             </a:fld>
             <a:endParaRPr lang="en-US" dirty="0"/>
           </a:p>
@@ -5677,7 +5677,7 @@
           <a:p>
             <a:fld id="{702B3A61-3CFA-45EC-B4D8-84D14B604D1A}" type="datetime1">
               <a:rPr lang="en-US" smtClean="0"/>
-              <a:t>10/28/2020</a:t>
+              <a:t>11/9/2020</a:t>
             </a:fld>
             <a:endParaRPr lang="en-US" dirty="0"/>
           </a:p>
@@ -6018,7 +6018,7 @@
           <a:p>
             <a:fld id="{C0008FC9-9451-4BE2-86BD-35D7F1634EFA}" type="datetime1">
               <a:rPr lang="en-US" smtClean="0"/>
-              <a:t>10/28/2020</a:t>
+              <a:t>11/9/2020</a:t>
             </a:fld>
             <a:endParaRPr lang="en-US" dirty="0"/>
           </a:p>
@@ -8131,7 +8131,7 @@
           <a:p>
             <a:fld id="{481B42E5-FAC4-415C-A1CC-C4AD5CD39577}" type="datetime1">
               <a:rPr lang="en-US" smtClean="0"/>
-              <a:t>10/28/2020</a:t>
+              <a:t>11/9/2020</a:t>
             </a:fld>
             <a:endParaRPr lang="en-US" dirty="0"/>
           </a:p>
@@ -10364,124 +10364,125 @@
         </p:nvSpPr>
         <p:spPr>
           <a:xfrm>
-            <a:off x="1143764" y="1382086"/>
-            <a:ext cx="9709435" cy="5084027"/>
+            <a:off x="1690755" y="1382086"/>
+            <a:ext cx="9162444" cy="4501879"/>
           </a:xfrm>
         </p:spPr>
         <p:txBody>
           <a:bodyPr>
-            <a:normAutofit fontScale="55000" lnSpcReduction="20000"/>
+            <a:normAutofit fontScale="77500" lnSpcReduction="20000"/>
           </a:bodyPr>
           <a:lstStyle/>
           <a:p>
             <a:r>
-              <a:rPr lang="ar-IQ" sz="3800" dirty="0"/>
+              <a:rPr lang="ar-IQ" sz="3100" dirty="0"/>
               <a:t>جداسازی المانهای نرم افزاری و سخت افزاری شبکه صورت</a:t>
             </a:r>
             <a:r>
-              <a:rPr lang="en-US" sz="3800" dirty="0"/>
+              <a:rPr lang="en-US" sz="3100" dirty="0"/>
               <a:t> </a:t>
             </a:r>
             <a:r>
-              <a:rPr lang="ar-IQ" sz="3800" dirty="0"/>
+              <a:rPr lang="ar-IQ" sz="3100" dirty="0"/>
               <a:t>گرفته است و به عنوان مجازی سازی توابع شبکه</a:t>
             </a:r>
             <a:r>
-              <a:rPr lang="en-US" sz="3800" dirty="0"/>
-              <a:t> (NFV)</a:t>
-            </a:r>
-            <a:r>
-              <a:rPr lang="ar-IQ" sz="3800" dirty="0"/>
+              <a:rPr lang="en-US" sz="3100" dirty="0"/>
+              <a:t> (</a:t>
+            </a:r>
+            <a:r>
+              <a:rPr lang="en-US" sz="2600" dirty="0"/>
+              <a:t>NFV</a:t>
+            </a:r>
+            <a:r>
+              <a:rPr lang="en-US" sz="3100" dirty="0"/>
+              <a:t>)</a:t>
+            </a:r>
+            <a:r>
+              <a:rPr lang="ar-IQ" sz="3100" dirty="0"/>
               <a:t>معرفی شده است </a:t>
             </a:r>
-            <a:endParaRPr lang="en-US" sz="3800" dirty="0"/>
-          </a:p>
-          <a:p>
-            <a:pPr marL="0" indent="0">
-              <a:buNone/>
-            </a:pPr>
-            <a:endParaRPr lang="en-US" sz="3800" dirty="0"/>
-          </a:p>
-          <a:p>
-            <a:r>
-              <a:rPr lang="ar-IQ" sz="3800" dirty="0"/>
+            <a:endParaRPr lang="en-US" sz="3100" dirty="0"/>
+          </a:p>
+          <a:p>
+            <a:r>
+              <a:rPr lang="ar-IQ" sz="3100" dirty="0"/>
               <a:t>توابع شبکه ی مجازی</a:t>
             </a:r>
             <a:r>
-              <a:rPr lang="en-US" sz="3800" dirty="0"/>
-              <a:t> VNF</a:t>
-            </a:r>
-            <a:r>
-              <a:rPr lang="ar-IQ" sz="3800" dirty="0"/>
+              <a:rPr lang="en-US" sz="3100" dirty="0"/>
+              <a:t> </a:t>
+            </a:r>
+            <a:r>
+              <a:rPr lang="en-US" sz="2600" dirty="0"/>
+              <a:t>VNF</a:t>
+            </a:r>
+            <a:r>
+              <a:rPr lang="ar-IQ" sz="3100" dirty="0"/>
               <a:t>بلوکهای توابع سیستم هستند </a:t>
             </a:r>
-            <a:endParaRPr lang="en-US" sz="3800" dirty="0"/>
-          </a:p>
-          <a:p>
-            <a:pPr marL="0" indent="0">
-              <a:buNone/>
-            </a:pPr>
-            <a:endParaRPr lang="en-US" sz="3800" dirty="0"/>
-          </a:p>
-          <a:p>
-            <a:r>
-              <a:rPr lang="ar-IQ" sz="3800" dirty="0"/>
-              <a:t>ایده اصلی </a:t>
-            </a:r>
-            <a:r>
-              <a:rPr lang="en-US" sz="3800" dirty="0"/>
+            <a:endParaRPr lang="en-US" sz="3100" dirty="0"/>
+          </a:p>
+          <a:p>
+            <a:r>
+              <a:rPr lang="ar-IQ" sz="3100" dirty="0"/>
+              <a:t>ایده اصلی</a:t>
+            </a:r>
+            <a:r>
+              <a:rPr lang="en-US" sz="2600" dirty="0"/>
               <a:t>NFV</a:t>
             </a:r>
             <a:r>
-              <a:rPr lang="ar-IQ" sz="3800" dirty="0"/>
+              <a:rPr lang="fa-IR" sz="3100" dirty="0"/>
+              <a:t> </a:t>
+            </a:r>
+            <a:r>
+              <a:rPr lang="ar-IQ" sz="3100" dirty="0"/>
               <a:t>جداسازی تجهیزات شبکه فیزیکی از توابع اجرا شده</a:t>
             </a:r>
             <a:r>
-              <a:rPr lang="fa-IR" sz="3800" dirty="0"/>
+              <a:rPr lang="fa-IR" sz="3100" dirty="0"/>
               <a:t> </a:t>
             </a:r>
             <a:r>
-              <a:rPr lang="ar-IQ" sz="3800" dirty="0"/>
+              <a:rPr lang="ar-IQ" sz="3100" dirty="0"/>
               <a:t>بر روی آنها است </a:t>
             </a:r>
-            <a:endParaRPr lang="en-US" sz="3800" dirty="0"/>
-          </a:p>
-          <a:p>
-            <a:endParaRPr lang="fa-IR" sz="3800" dirty="0"/>
-          </a:p>
-          <a:p>
-            <a:r>
-              <a:rPr lang="fa-IR" sz="3800" dirty="0"/>
+            <a:endParaRPr lang="fa-IR" sz="3100" dirty="0"/>
+          </a:p>
+          <a:p>
+            <a:r>
+              <a:rPr lang="fa-IR" sz="3100" dirty="0"/>
               <a:t>ویژگی های </a:t>
             </a:r>
             <a:r>
-              <a:rPr lang="en-US" sz="3800" dirty="0"/>
+              <a:rPr lang="en-US" sz="2600" dirty="0"/>
               <a:t>NFV</a:t>
             </a:r>
           </a:p>
           <a:p>
             <a:pPr lvl="1"/>
             <a:r>
-              <a:rPr lang="ar-IQ" sz="2600" dirty="0"/>
+              <a:rPr lang="ar-IQ" sz="2300" dirty="0"/>
               <a:t>جدا سازی بخش نرم افزار از سخت افزار</a:t>
             </a:r>
-            <a:endParaRPr lang="en-US" sz="2600" dirty="0"/>
+            <a:endParaRPr lang="en-US" sz="2300" dirty="0"/>
           </a:p>
           <a:p>
             <a:pPr lvl="1"/>
             <a:r>
-              <a:rPr lang="ar-IQ" sz="2600" dirty="0"/>
+              <a:rPr lang="ar-IQ" sz="2300" dirty="0"/>
               <a:t>استقرار عملکرد شبکه انعطاف پذیر </a:t>
             </a:r>
-            <a:endParaRPr lang="en-US" sz="2600" dirty="0"/>
+            <a:endParaRPr lang="en-US" sz="2300" dirty="0"/>
           </a:p>
           <a:p>
             <a:pPr lvl="1"/>
             <a:r>
-              <a:rPr lang="fa-IR" sz="2600" dirty="0"/>
+              <a:rPr lang="fa-IR" sz="2300" dirty="0"/>
               <a:t>مقیاس گذاری پویا</a:t>
             </a:r>
-            <a:endParaRPr lang="en-US" sz="2600" dirty="0"/>
+            <a:endParaRPr lang="en-US" sz="2300" dirty="0"/>
           </a:p>
           <a:p>
             <a:pPr marL="457200" lvl="1" indent="0">
@@ -11621,11 +11622,15 @@
             <a:pPr lvl="2"/>
             <a:r>
               <a:rPr lang="ar-IQ" dirty="0"/>
-              <a:t>یک سرویس مجموعه ای از ها </a:t>
+              <a:t>یک سرویس مجموعه ای از </a:t>
             </a:r>
             <a:r>
               <a:rPr lang="en-US" dirty="0"/>
               <a:t>VNF</a:t>
+            </a:r>
+            <a:r>
+              <a:rPr lang="fa-IR" dirty="0"/>
+              <a:t>ها </a:t>
             </a:r>
             <a:r>
               <a:rPr lang="ar-IQ" dirty="0"/>
@@ -11649,10 +11654,6 @@
           </a:p>
           <a:p>
             <a:pPr lvl="2"/>
-            <a:r>
-              <a:rPr lang="en-US" dirty="0"/>
-              <a:t>I</a:t>
-            </a:r>
             <a:r>
               <a:rPr lang="ar-IQ" dirty="0"/>
               <a:t>شامل اتصال شبکه بین مکانها، به عنوان مثال، بین مراکز داده</a:t>
@@ -11849,7 +11850,7 @@
         </p:nvSpPr>
         <p:spPr>
           <a:xfrm>
-            <a:off x="1687042" y="2107468"/>
+            <a:off x="1687042" y="1540189"/>
             <a:ext cx="8915400" cy="3777622"/>
           </a:xfrm>
         </p:spPr>
@@ -12678,8 +12679,12 @@
               <a:t>صورت پویا و کارآمد به برشهای شبکه منطقی با توجه به خواسته های </a:t>
             </a:r>
             <a:r>
-              <a:rPr lang="en-US" dirty="0" err="1"/>
+              <a:rPr lang="en-US" dirty="0"/>
               <a:t>QoS</a:t>
+            </a:r>
+            <a:r>
+              <a:rPr lang="fa-IR" dirty="0"/>
+              <a:t> </a:t>
             </a:r>
             <a:r>
               <a:rPr lang="ar-IQ" dirty="0"/>
@@ -18267,7 +18272,7 @@
         </p:blipFill>
         <p:spPr>
           <a:xfrm>
-            <a:off x="960981" y="4097131"/>
+            <a:off x="642114" y="3996218"/>
             <a:ext cx="5542189" cy="2431616"/>
           </a:xfrm>
           <a:prstGeom prst="rect">
@@ -18847,8 +18852,8 @@
           </a:p>
         </p:txBody>
       </p:sp>
-      <mc:AlternateContent xmlns:mc="http://schemas.openxmlformats.org/markup-compatibility/2006">
-        <mc:Choice xmlns:a14="http://schemas.microsoft.com/office/drawing/2010/main" Requires="a14">
+      <mc:AlternateContent xmlns:mc="http://schemas.openxmlformats.org/markup-compatibility/2006" xmlns:a14="http://schemas.microsoft.com/office/drawing/2010/main">
+        <mc:Choice Requires="a14">
           <p:sp>
             <p:nvSpPr>
               <p:cNvPr id="3" name="Content Placeholder 2"/>
@@ -19187,7 +19192,7 @@
             </p:txBody>
           </p:sp>
         </mc:Choice>
-        <mc:Fallback>
+        <mc:Fallback xmlns="">
           <p:sp>
             <p:nvSpPr>
               <p:cNvPr id="3" name="Content Placeholder 2"/>
@@ -19710,7 +19715,7 @@
           <a:graphicData uri="http://schemas.openxmlformats.org/presentationml/2006/ole">
             <mc:AlternateContent xmlns:mc="http://schemas.openxmlformats.org/markup-compatibility/2006">
               <mc:Choice xmlns:v="urn:schemas-microsoft-com:vml" Requires="v">
-                <p:oleObj spid="_x0000_s2063" name="PDF" r:id="rId4" imgW="0" imgH="360" progId="FoxitReader.Document">
+                <p:oleObj spid="_x0000_s2069" name="PDF" r:id="rId4" imgW="0" imgH="360" progId="FoxitReader.Document">
                   <p:embed/>
                 </p:oleObj>
               </mc:Choice>
@@ -20380,7 +20385,7 @@
         </p:blipFill>
         <p:spPr>
           <a:xfrm>
-            <a:off x="2315404" y="1404071"/>
+            <a:off x="1532953" y="1430508"/>
             <a:ext cx="3104736" cy="694000"/>
           </a:xfrm>
           <a:prstGeom prst="rect">
@@ -20410,7 +20415,7 @@
         </p:blipFill>
         <p:spPr>
           <a:xfrm>
-            <a:off x="2302582" y="2113150"/>
+            <a:off x="1552322" y="2150945"/>
             <a:ext cx="3981450" cy="857250"/>
           </a:xfrm>
           <a:prstGeom prst="rect">
@@ -20418,12 +20423,50 @@
           </a:prstGeom>
         </p:spPr>
       </p:pic>
+      <p:sp>
+        <p:nvSpPr>
+          <p:cNvPr id="15" name="Slide Number Placeholder 14">
+            <a:extLst>
+              <a:ext uri="{FF2B5EF4-FFF2-40B4-BE49-F238E27FC236}">
+                <a16:creationId xmlns:a16="http://schemas.microsoft.com/office/drawing/2014/main" id="{005B86CE-8F8A-42DB-85FB-4978F9E40879}"/>
+              </a:ext>
+            </a:extLst>
+          </p:cNvPr>
+          <p:cNvSpPr>
+            <a:spLocks noGrp="1"/>
+          </p:cNvSpPr>
+          <p:nvPr>
+            <p:ph type="sldNum" sz="quarter" idx="12"/>
+          </p:nvPr>
+        </p:nvSpPr>
+        <p:spPr/>
+        <p:txBody>
+          <a:bodyPr/>
+          <a:lstStyle/>
+          <a:p>
+            <a:fld id="{D57F1E4F-1CFF-5643-939E-217C01CDF565}" type="slidenum">
+              <a:rPr lang="en-US" smtClean="0"/>
+              <a:pPr/>
+              <a:t>25</a:t>
+            </a:fld>
+            <a:r>
+              <a:rPr lang="en-US"/>
+              <a:t>/</a:t>
+            </a:r>
+            <a:r>
+              <a:rPr lang="fa-IR"/>
+              <a:t>46</a:t>
+            </a:r>
+            <a:endParaRPr lang="en-US" dirty="0"/>
+          </a:p>
+        </p:txBody>
+      </p:sp>
       <p:pic>
         <p:nvPicPr>
-          <p:cNvPr id="13" name="Picture 12">
+          <p:cNvPr id="16" name="Picture 15">
             <a:extLst>
               <a:ext uri="{FF2B5EF4-FFF2-40B4-BE49-F238E27FC236}">
-                <a16:creationId xmlns:a16="http://schemas.microsoft.com/office/drawing/2014/main" id="{9D3F1DA6-8962-4056-806E-42A1D12F4E17}"/>
+                <a16:creationId xmlns:a16="http://schemas.microsoft.com/office/drawing/2014/main" id="{74C908C5-D1D3-42DF-9261-A6152896C3EA}"/>
               </a:ext>
             </a:extLst>
           </p:cNvPr>
@@ -20440,8 +20483,8 @@
         </p:blipFill>
         <p:spPr>
           <a:xfrm>
-            <a:off x="2315404" y="2985479"/>
-            <a:ext cx="5076825" cy="3476625"/>
+            <a:off x="1532953" y="6149307"/>
+            <a:ext cx="4991100" cy="466725"/>
           </a:xfrm>
           <a:prstGeom prst="rect">
             <a:avLst/>
@@ -20450,10 +20493,10 @@
       </p:pic>
       <p:pic>
         <p:nvPicPr>
-          <p:cNvPr id="14" name="Picture 13">
+          <p:cNvPr id="17" name="Picture 16">
             <a:extLst>
               <a:ext uri="{FF2B5EF4-FFF2-40B4-BE49-F238E27FC236}">
-                <a16:creationId xmlns:a16="http://schemas.microsoft.com/office/drawing/2014/main" id="{3EBC6ADF-1746-493A-882D-E21B5FFC9C6A}"/>
+                <a16:creationId xmlns:a16="http://schemas.microsoft.com/office/drawing/2014/main" id="{F538C848-0A47-41BB-AABD-CEC3A4B6908D}"/>
               </a:ext>
             </a:extLst>
           </p:cNvPr>
@@ -20470,52 +20513,14 @@
         </p:blipFill>
         <p:spPr>
           <a:xfrm>
-            <a:off x="6371329" y="5558807"/>
-            <a:ext cx="4314825" cy="409575"/>
+            <a:off x="1532953" y="3034632"/>
+            <a:ext cx="3790950" cy="3114675"/>
           </a:xfrm>
           <a:prstGeom prst="rect">
             <a:avLst/>
           </a:prstGeom>
         </p:spPr>
       </p:pic>
-      <p:sp>
-        <p:nvSpPr>
-          <p:cNvPr id="15" name="Slide Number Placeholder 14">
-            <a:extLst>
-              <a:ext uri="{FF2B5EF4-FFF2-40B4-BE49-F238E27FC236}">
-                <a16:creationId xmlns:a16="http://schemas.microsoft.com/office/drawing/2014/main" id="{005B86CE-8F8A-42DB-85FB-4978F9E40879}"/>
-              </a:ext>
-            </a:extLst>
-          </p:cNvPr>
-          <p:cNvSpPr>
-            <a:spLocks noGrp="1"/>
-          </p:cNvSpPr>
-          <p:nvPr>
-            <p:ph type="sldNum" sz="quarter" idx="12"/>
-          </p:nvPr>
-        </p:nvSpPr>
-        <p:spPr/>
-        <p:txBody>
-          <a:bodyPr/>
-          <a:lstStyle/>
-          <a:p>
-            <a:fld id="{D57F1E4F-1CFF-5643-939E-217C01CDF565}" type="slidenum">
-              <a:rPr lang="en-US" smtClean="0"/>
-              <a:pPr/>
-              <a:t>25</a:t>
-            </a:fld>
-            <a:r>
-              <a:rPr lang="en-US"/>
-              <a:t>/</a:t>
-            </a:r>
-            <a:r>
-              <a:rPr lang="fa-IR"/>
-              <a:t>46</a:t>
-            </a:r>
-            <a:endParaRPr lang="en-US" dirty="0"/>
-          </a:p>
-        </p:txBody>
-      </p:sp>
     </p:spTree>
     <p:extLst>
       <p:ext uri="{BB962C8B-B14F-4D97-AF65-F5344CB8AC3E}">
@@ -20869,66 +20874,6 @@
           </p:sp>
         </mc:Fallback>
       </mc:AlternateContent>
-      <p:pic>
-        <p:nvPicPr>
-          <p:cNvPr id="5" name="Picture 4">
-            <a:extLst>
-              <a:ext uri="{FF2B5EF4-FFF2-40B4-BE49-F238E27FC236}">
-                <a16:creationId xmlns:a16="http://schemas.microsoft.com/office/drawing/2014/main" id="{982C7AC8-CC37-494A-90F3-D0226C18D89B}"/>
-              </a:ext>
-            </a:extLst>
-          </p:cNvPr>
-          <p:cNvPicPr>
-            <a:picLocks noChangeAspect="1"/>
-          </p:cNvPicPr>
-          <p:nvPr/>
-        </p:nvPicPr>
-        <p:blipFill>
-          <a:blip r:embed="rId3"/>
-          <a:stretch>
-            <a:fillRect/>
-          </a:stretch>
-        </p:blipFill>
-        <p:spPr>
-          <a:xfrm>
-            <a:off x="2787650" y="2847975"/>
-            <a:ext cx="4533900" cy="581025"/>
-          </a:xfrm>
-          <a:prstGeom prst="rect">
-            <a:avLst/>
-          </a:prstGeom>
-        </p:spPr>
-      </p:pic>
-      <p:pic>
-        <p:nvPicPr>
-          <p:cNvPr id="6" name="Picture 5">
-            <a:extLst>
-              <a:ext uri="{FF2B5EF4-FFF2-40B4-BE49-F238E27FC236}">
-                <a16:creationId xmlns:a16="http://schemas.microsoft.com/office/drawing/2014/main" id="{7129B3C9-5B14-452F-BA31-349F22242223}"/>
-              </a:ext>
-            </a:extLst>
-          </p:cNvPr>
-          <p:cNvPicPr>
-            <a:picLocks noChangeAspect="1"/>
-          </p:cNvPicPr>
-          <p:nvPr/>
-        </p:nvPicPr>
-        <p:blipFill>
-          <a:blip r:embed="rId4"/>
-          <a:stretch>
-            <a:fillRect/>
-          </a:stretch>
-        </p:blipFill>
-        <p:spPr>
-          <a:xfrm>
-            <a:off x="2863850" y="4148746"/>
-            <a:ext cx="4457700" cy="771525"/>
-          </a:xfrm>
-          <a:prstGeom prst="rect">
-            <a:avLst/>
-          </a:prstGeom>
-        </p:spPr>
-      </p:pic>
       <p:sp>
         <p:nvSpPr>
           <p:cNvPr id="8" name="Rounded Rectangle 15">
@@ -21424,6 +21369,66 @@
           </a:p>
         </p:txBody>
       </p:sp>
+      <p:pic>
+        <p:nvPicPr>
+          <p:cNvPr id="4" name="Picture 3">
+            <a:extLst>
+              <a:ext uri="{FF2B5EF4-FFF2-40B4-BE49-F238E27FC236}">
+                <a16:creationId xmlns:a16="http://schemas.microsoft.com/office/drawing/2014/main" id="{ACD7BF43-E8C2-4570-A943-2E163819B03A}"/>
+              </a:ext>
+            </a:extLst>
+          </p:cNvPr>
+          <p:cNvPicPr>
+            <a:picLocks noChangeAspect="1"/>
+          </p:cNvPicPr>
+          <p:nvPr/>
+        </p:nvPicPr>
+        <p:blipFill>
+          <a:blip r:embed="rId3"/>
+          <a:stretch>
+            <a:fillRect/>
+          </a:stretch>
+        </p:blipFill>
+        <p:spPr>
+          <a:xfrm>
+            <a:off x="3237258" y="2882178"/>
+            <a:ext cx="4286250" cy="561975"/>
+          </a:xfrm>
+          <a:prstGeom prst="rect">
+            <a:avLst/>
+          </a:prstGeom>
+        </p:spPr>
+      </p:pic>
+      <p:pic>
+        <p:nvPicPr>
+          <p:cNvPr id="14" name="Picture 13">
+            <a:extLst>
+              <a:ext uri="{FF2B5EF4-FFF2-40B4-BE49-F238E27FC236}">
+                <a16:creationId xmlns:a16="http://schemas.microsoft.com/office/drawing/2014/main" id="{BA8151D5-0308-4628-B96F-80C3AB14AD12}"/>
+              </a:ext>
+            </a:extLst>
+          </p:cNvPr>
+          <p:cNvPicPr>
+            <a:picLocks noChangeAspect="1"/>
+          </p:cNvPicPr>
+          <p:nvPr/>
+        </p:nvPicPr>
+        <p:blipFill>
+          <a:blip r:embed="rId4"/>
+          <a:stretch>
+            <a:fillRect/>
+          </a:stretch>
+        </p:blipFill>
+        <p:spPr>
+          <a:xfrm>
+            <a:off x="3237259" y="4027634"/>
+            <a:ext cx="4647578" cy="781050"/>
+          </a:xfrm>
+          <a:prstGeom prst="rect">
+            <a:avLst/>
+          </a:prstGeom>
+        </p:spPr>
+      </p:pic>
     </p:spTree>
     <p:extLst>
       <p:ext uri="{BB962C8B-B14F-4D97-AF65-F5344CB8AC3E}">
@@ -21511,7 +21516,7 @@
           <a:p>
             <a:r>
               <a:rPr lang="fa-IR" dirty="0"/>
-              <a:t>پردازش باند پایه هر ،</a:t>
+              <a:t>پردازش باند پایه هر</a:t>
             </a:r>
             <a:r>
               <a:rPr lang="en-US" dirty="0"/>
@@ -21519,7 +21524,7 @@
             </a:r>
             <a:r>
               <a:rPr lang="fa-IR" dirty="0"/>
-              <a:t>بوسیله ی پردازش صف </a:t>
+              <a:t> بوسیله ی پردازش صف </a:t>
             </a:r>
             <a:r>
               <a:rPr lang="en-US" dirty="0"/>
@@ -21659,7 +21664,7 @@
         </p:blipFill>
         <p:spPr>
           <a:xfrm>
-            <a:off x="6417859" y="5001907"/>
+            <a:off x="6679797" y="4839122"/>
             <a:ext cx="2314575" cy="695325"/>
           </a:xfrm>
           <a:prstGeom prst="rect">
@@ -21689,7 +21694,7 @@
         </p:blipFill>
         <p:spPr>
           <a:xfrm>
-            <a:off x="1448204" y="2654675"/>
+            <a:off x="1310409" y="2442906"/>
             <a:ext cx="2514600" cy="466725"/>
           </a:xfrm>
           <a:prstGeom prst="rect">
@@ -22252,6 +22257,36 @@
           </a:p>
         </p:txBody>
       </p:sp>
+      <p:pic>
+        <p:nvPicPr>
+          <p:cNvPr id="18" name="Picture 17">
+            <a:extLst>
+              <a:ext uri="{FF2B5EF4-FFF2-40B4-BE49-F238E27FC236}">
+                <a16:creationId xmlns:a16="http://schemas.microsoft.com/office/drawing/2014/main" id="{E6C5A48F-3159-4274-B127-CA495F10A71A}"/>
+              </a:ext>
+            </a:extLst>
+          </p:cNvPr>
+          <p:cNvPicPr>
+            <a:picLocks noChangeAspect="1"/>
+          </p:cNvPicPr>
+          <p:nvPr/>
+        </p:nvPicPr>
+        <p:blipFill>
+          <a:blip r:embed="rId8"/>
+          <a:stretch>
+            <a:fillRect/>
+          </a:stretch>
+        </p:blipFill>
+        <p:spPr>
+          <a:xfrm>
+            <a:off x="310949" y="4729758"/>
+            <a:ext cx="6334772" cy="1761147"/>
+          </a:xfrm>
+          <a:prstGeom prst="rect">
+            <a:avLst/>
+          </a:prstGeom>
+        </p:spPr>
+      </p:pic>
     </p:spTree>
     <p:extLst>
       <p:ext uri="{BB962C8B-B14F-4D97-AF65-F5344CB8AC3E}">
@@ -22621,7 +22656,7 @@
                     <a:effectLst/>
                     <a:latin typeface="IRLotus"/>
                   </a:rPr>
-                  <a:t>متغیرصفرو یکی است که در صورت یکبودن نشان می دهد مرکزداده ی </a:t>
+                  <a:t>متغیرصفرو یکی است که در صورت یک بودن نشان می دهد مرکزداده ی </a:t>
                 </a:r>
                 <a:r>
                   <a:rPr lang="en-US" b="0" i="1" dirty="0">
@@ -22661,7 +22696,7 @@
                     <a:effectLst/>
                     <a:latin typeface="IRLotus"/>
                   </a:rPr>
-                  <a:t>امین برش، منابع فیزیکی اختصاص داده </a:t>
+                  <a:t>امین برش، منابع فیزیکی اختصاص داده است </a:t>
                 </a:r>
                 <a:r>
                   <a:rPr lang="fa-IR" dirty="0"/>
@@ -23989,7 +24024,7 @@
         </p:blipFill>
         <p:spPr>
           <a:xfrm>
-            <a:off x="1726172" y="1461608"/>
+            <a:off x="1621737" y="1476929"/>
             <a:ext cx="2933700" cy="790575"/>
           </a:xfrm>
           <a:prstGeom prst="rect">
@@ -24019,20 +24054,58 @@
         </p:blipFill>
         <p:spPr>
           <a:xfrm>
-            <a:off x="1624572" y="2761349"/>
-            <a:ext cx="2286000" cy="523875"/>
+            <a:off x="1624571" y="2761348"/>
+            <a:ext cx="2589620" cy="593455"/>
           </a:xfrm>
           <a:prstGeom prst="rect">
             <a:avLst/>
           </a:prstGeom>
         </p:spPr>
       </p:pic>
+      <p:sp>
+        <p:nvSpPr>
+          <p:cNvPr id="5" name="Slide Number Placeholder 4">
+            <a:extLst>
+              <a:ext uri="{FF2B5EF4-FFF2-40B4-BE49-F238E27FC236}">
+                <a16:creationId xmlns:a16="http://schemas.microsoft.com/office/drawing/2014/main" id="{416697B4-CC85-4DAE-8350-5C51A34E1C68}"/>
+              </a:ext>
+            </a:extLst>
+          </p:cNvPr>
+          <p:cNvSpPr>
+            <a:spLocks noGrp="1"/>
+          </p:cNvSpPr>
+          <p:nvPr>
+            <p:ph type="sldNum" sz="quarter" idx="12"/>
+          </p:nvPr>
+        </p:nvSpPr>
+        <p:spPr/>
+        <p:txBody>
+          <a:bodyPr/>
+          <a:lstStyle/>
+          <a:p>
+            <a:fld id="{D57F1E4F-1CFF-5643-939E-217C01CDF565}" type="slidenum">
+              <a:rPr lang="en-US" smtClean="0"/>
+              <a:pPr/>
+              <a:t>29</a:t>
+            </a:fld>
+            <a:r>
+              <a:rPr lang="en-US"/>
+              <a:t>/</a:t>
+            </a:r>
+            <a:r>
+              <a:rPr lang="fa-IR"/>
+              <a:t>46</a:t>
+            </a:r>
+            <a:endParaRPr lang="en-US" dirty="0"/>
+          </a:p>
+        </p:txBody>
+      </p:sp>
       <p:pic>
         <p:nvPicPr>
-          <p:cNvPr id="23" name="Picture 22">
+          <p:cNvPr id="4" name="Picture 3">
             <a:extLst>
               <a:ext uri="{FF2B5EF4-FFF2-40B4-BE49-F238E27FC236}">
-                <a16:creationId xmlns:a16="http://schemas.microsoft.com/office/drawing/2014/main" id="{42E3824C-6C57-4C85-8FF3-6CF953CB0AF1}"/>
+                <a16:creationId xmlns:a16="http://schemas.microsoft.com/office/drawing/2014/main" id="{C7015C03-00A1-44E2-A9D3-EF70C298D70F}"/>
               </a:ext>
             </a:extLst>
           </p:cNvPr>
@@ -24049,52 +24122,14 @@
         </p:blipFill>
         <p:spPr>
           <a:xfrm>
-            <a:off x="1624572" y="4320068"/>
-            <a:ext cx="2990850" cy="571500"/>
+            <a:off x="1624571" y="4605817"/>
+            <a:ext cx="5039909" cy="790574"/>
           </a:xfrm>
           <a:prstGeom prst="rect">
             <a:avLst/>
           </a:prstGeom>
         </p:spPr>
       </p:pic>
-      <p:sp>
-        <p:nvSpPr>
-          <p:cNvPr id="5" name="Slide Number Placeholder 4">
-            <a:extLst>
-              <a:ext uri="{FF2B5EF4-FFF2-40B4-BE49-F238E27FC236}">
-                <a16:creationId xmlns:a16="http://schemas.microsoft.com/office/drawing/2014/main" id="{416697B4-CC85-4DAE-8350-5C51A34E1C68}"/>
-              </a:ext>
-            </a:extLst>
-          </p:cNvPr>
-          <p:cNvSpPr>
-            <a:spLocks noGrp="1"/>
-          </p:cNvSpPr>
-          <p:nvPr>
-            <p:ph type="sldNum" sz="quarter" idx="12"/>
-          </p:nvPr>
-        </p:nvSpPr>
-        <p:spPr/>
-        <p:txBody>
-          <a:bodyPr/>
-          <a:lstStyle/>
-          <a:p>
-            <a:fld id="{D57F1E4F-1CFF-5643-939E-217C01CDF565}" type="slidenum">
-              <a:rPr lang="en-US" smtClean="0"/>
-              <a:pPr/>
-              <a:t>29</a:t>
-            </a:fld>
-            <a:r>
-              <a:rPr lang="en-US"/>
-              <a:t>/</a:t>
-            </a:r>
-            <a:r>
-              <a:rPr lang="fa-IR"/>
-              <a:t>46</a:t>
-            </a:r>
-            <a:endParaRPr lang="en-US" dirty="0"/>
-          </a:p>
-        </p:txBody>
-      </p:sp>
     </p:spTree>
     <p:extLst>
       <p:ext uri="{BB962C8B-B14F-4D97-AF65-F5344CB8AC3E}">
@@ -40781,16 +40816,16 @@
               <a:t> شبکه‌های دسترسی رادیویی مجازی</a:t>
             </a:r>
             <a:r>
+              <a:rPr lang="en-US" dirty="0"/>
+              <a:t> </a:t>
+            </a:r>
+            <a:r>
+              <a:rPr lang="en-US" sz="2200" dirty="0"/>
+              <a:t>BBU</a:t>
+            </a:r>
+            <a:r>
               <a:rPr lang="fa-IR" dirty="0"/>
-              <a:t>-</a:t>
-            </a:r>
-            <a:r>
-              <a:rPr lang="en-US" dirty="0"/>
-              <a:t> BBU</a:t>
-            </a:r>
-            <a:r>
-              <a:rPr lang="fa-IR" dirty="0"/>
-              <a:t> مجازی می شود</a:t>
+              <a:t>مجازی می شود</a:t>
             </a:r>
           </a:p>
           <a:p>
@@ -40832,10 +40867,10 @@
           <a:p>
             <a:r>
               <a:rPr lang="ar-IQ" dirty="0"/>
-              <a:t>معماری </a:t>
-            </a:r>
-            <a:r>
-              <a:rPr lang="en-US" dirty="0" err="1"/>
+              <a:t>معماری</a:t>
+            </a:r>
+            <a:r>
+              <a:rPr lang="en-US" sz="2200" dirty="0" err="1"/>
               <a:t>vRAN</a:t>
             </a:r>
             <a:r>
@@ -40843,12 +40878,24 @@
               <a:t> </a:t>
             </a:r>
             <a:r>
+              <a:rPr lang="fa-IR" dirty="0"/>
+              <a:t> </a:t>
+            </a:r>
+            <a:r>
               <a:rPr lang="ar-IQ" dirty="0"/>
-              <a:t>همچنین امکان انتقال اترنت و </a:t>
+              <a:t>همچنین امکان انتقال اترنت و</a:t>
+            </a:r>
+            <a:r>
+              <a:rPr lang="en-US" sz="2200" dirty="0"/>
+              <a:t>IP</a:t>
             </a:r>
             <a:r>
               <a:rPr lang="en-US" dirty="0"/>
-              <a:t>IP </a:t>
+              <a:t> </a:t>
+            </a:r>
+            <a:r>
+              <a:rPr lang="fa-IR" dirty="0"/>
+              <a:t> </a:t>
             </a:r>
             <a:r>
               <a:rPr lang="ar-IQ" dirty="0"/>
@@ -40863,11 +40910,15 @@
               <a:t> که به ارائه‌دهندگان خدمات گزینه‌های مقرون به صرفه‌تری برای انتقال </a:t>
             </a:r>
             <a:r>
-              <a:rPr lang="en-US" dirty="0" err="1"/>
+              <a:rPr lang="en-US" sz="2200" dirty="0"/>
               <a:t>fronthaul</a:t>
             </a:r>
             <a:r>
               <a:rPr lang="en-US" dirty="0"/>
+              <a:t> </a:t>
+            </a:r>
+            <a:r>
+              <a:rPr lang="fa-IR" dirty="0"/>
               <a:t> </a:t>
             </a:r>
             <a:r>

--- a/Latex/tex1/proposal.pptx
+++ b/Latex/tex1/proposal.pptx
@@ -16911,7 +16911,7 @@
           <a:graphicData uri="http://schemas.openxmlformats.org/presentationml/2006/ole">
             <mc:AlternateContent xmlns:mc="http://schemas.openxmlformats.org/markup-compatibility/2006">
               <mc:Choice xmlns:v="urn:schemas-microsoft-com:vml" Requires="v">
-                <p:oleObj spid="_x0000_s2074" name="PDF" r:id="rId4" imgW="0" imgH="360" progId="FoxitReader.Document">
+                <p:oleObj spid="_x0000_s2076" name="PDF" r:id="rId4" imgW="0" imgH="360" progId="FoxitReader.Document">
                   <p:embed/>
                 </p:oleObj>
               </mc:Choice>
@@ -18878,7 +18878,7 @@
         </p:blipFill>
         <p:spPr>
           <a:xfrm>
-            <a:off x="1310409" y="2442906"/>
+            <a:off x="1542078" y="2442906"/>
             <a:ext cx="2514600" cy="466725"/>
           </a:xfrm>
           <a:prstGeom prst="rect">
@@ -19403,36 +19403,6 @@
           </a:p>
         </p:txBody>
       </p:sp>
-      <p:pic>
-        <p:nvPicPr>
-          <p:cNvPr id="18" name="Picture 17">
-            <a:extLst>
-              <a:ext uri="{FF2B5EF4-FFF2-40B4-BE49-F238E27FC236}">
-                <a16:creationId xmlns:a16="http://schemas.microsoft.com/office/drawing/2014/main" id="{E6C5A48F-3159-4274-B127-CA495F10A71A}"/>
-              </a:ext>
-            </a:extLst>
-          </p:cNvPr>
-          <p:cNvPicPr>
-            <a:picLocks noChangeAspect="1"/>
-          </p:cNvPicPr>
-          <p:nvPr/>
-        </p:nvPicPr>
-        <p:blipFill>
-          <a:blip r:embed="rId8"/>
-          <a:stretch>
-            <a:fillRect/>
-          </a:stretch>
-        </p:blipFill>
-        <p:spPr>
-          <a:xfrm>
-            <a:off x="310949" y="4729758"/>
-            <a:ext cx="6334772" cy="1761147"/>
-          </a:xfrm>
-          <a:prstGeom prst="rect">
-            <a:avLst/>
-          </a:prstGeom>
-        </p:spPr>
-      </p:pic>
       <p:sp>
         <p:nvSpPr>
           <p:cNvPr id="4" name="Slide Number Placeholder 3">
@@ -21847,7 +21817,7 @@
         </p:blipFill>
         <p:spPr>
           <a:xfrm>
-            <a:off x="1460682" y="1223380"/>
+            <a:off x="1670785" y="1121642"/>
             <a:ext cx="3162300" cy="1581150"/>
           </a:xfrm>
           <a:prstGeom prst="rect">
@@ -21877,7 +21847,7 @@
         </p:blipFill>
         <p:spPr>
           <a:xfrm>
-            <a:off x="1480285" y="2818623"/>
+            <a:off x="1670785" y="2714919"/>
             <a:ext cx="3352800" cy="2724150"/>
           </a:xfrm>
           <a:prstGeom prst="rect">
@@ -21969,7 +21939,7 @@
         </p:blipFill>
         <p:spPr>
           <a:xfrm>
-            <a:off x="7080231" y="2944314"/>
+            <a:off x="6985840" y="3124194"/>
             <a:ext cx="2457450" cy="1466850"/>
           </a:xfrm>
           <a:prstGeom prst="rect">
@@ -29257,7 +29227,7 @@
         </p:blipFill>
         <p:spPr>
           <a:xfrm>
-            <a:off x="2340973" y="2568368"/>
+            <a:off x="2205896" y="2588849"/>
             <a:ext cx="631508" cy="647700"/>
           </a:xfrm>
           <a:prstGeom prst="rect">
@@ -29287,7 +29257,7 @@
         </p:blipFill>
         <p:spPr>
           <a:xfrm>
-            <a:off x="4311355" y="2979984"/>
+            <a:off x="4014540" y="3216067"/>
             <a:ext cx="2382814" cy="779830"/>
           </a:xfrm>
           <a:prstGeom prst="rect">
@@ -29317,8 +29287,8 @@
         </p:blipFill>
         <p:spPr>
           <a:xfrm>
-            <a:off x="2656727" y="4394010"/>
-            <a:ext cx="4217060" cy="944960"/>
+            <a:off x="2994990" y="4498627"/>
+            <a:ext cx="3743719" cy="838894"/>
           </a:xfrm>
           <a:prstGeom prst="rect">
             <a:avLst/>
@@ -36515,7 +36485,7 @@
         </p:blipFill>
         <p:spPr>
           <a:xfrm>
-            <a:off x="0" y="3521728"/>
+            <a:off x="738495" y="3409406"/>
             <a:ext cx="4454236" cy="1803054"/>
           </a:xfrm>
           <a:prstGeom prst="rect">
@@ -37032,7 +37002,7 @@
         </p:blipFill>
         <p:spPr>
           <a:xfrm>
-            <a:off x="3040077" y="5155966"/>
+            <a:off x="738495" y="5165510"/>
             <a:ext cx="3183320" cy="1662505"/>
           </a:xfrm>
           <a:prstGeom prst="rect">

--- a/Latex/tex1/proposal.pptx
+++ b/Latex/tex1/proposal.pptx
@@ -5,7 +5,7 @@
     <p:sldMasterId id="2147483648" r:id="rId1"/>
   </p:sldMasterIdLst>
   <p:notesMasterIdLst>
-    <p:notesMasterId r:id="rId39"/>
+    <p:notesMasterId r:id="rId40"/>
   </p:notesMasterIdLst>
   <p:sldIdLst>
     <p:sldId id="256" r:id="rId2"/>
@@ -22,29 +22,30 @@
     <p:sldId id="334" r:id="rId13"/>
     <p:sldId id="337" r:id="rId14"/>
     <p:sldId id="338" r:id="rId15"/>
-    <p:sldId id="341" r:id="rId16"/>
+    <p:sldId id="367" r:id="rId16"/>
     <p:sldId id="336" r:id="rId17"/>
-    <p:sldId id="285" r:id="rId18"/>
-    <p:sldId id="344" r:id="rId19"/>
-    <p:sldId id="347" r:id="rId20"/>
-    <p:sldId id="345" r:id="rId21"/>
-    <p:sldId id="346" r:id="rId22"/>
-    <p:sldId id="289" r:id="rId23"/>
-    <p:sldId id="348" r:id="rId24"/>
-    <p:sldId id="349" r:id="rId25"/>
-    <p:sldId id="351" r:id="rId26"/>
-    <p:sldId id="350" r:id="rId27"/>
-    <p:sldId id="352" r:id="rId28"/>
-    <p:sldId id="314" r:id="rId29"/>
-    <p:sldId id="353" r:id="rId30"/>
-    <p:sldId id="355" r:id="rId31"/>
-    <p:sldId id="356" r:id="rId32"/>
-    <p:sldId id="357" r:id="rId33"/>
-    <p:sldId id="359" r:id="rId34"/>
-    <p:sldId id="361" r:id="rId35"/>
-    <p:sldId id="363" r:id="rId36"/>
-    <p:sldId id="365" r:id="rId37"/>
-    <p:sldId id="366" r:id="rId38"/>
+    <p:sldId id="368" r:id="rId18"/>
+    <p:sldId id="285" r:id="rId19"/>
+    <p:sldId id="344" r:id="rId20"/>
+    <p:sldId id="347" r:id="rId21"/>
+    <p:sldId id="345" r:id="rId22"/>
+    <p:sldId id="346" r:id="rId23"/>
+    <p:sldId id="289" r:id="rId24"/>
+    <p:sldId id="348" r:id="rId25"/>
+    <p:sldId id="349" r:id="rId26"/>
+    <p:sldId id="351" r:id="rId27"/>
+    <p:sldId id="350" r:id="rId28"/>
+    <p:sldId id="352" r:id="rId29"/>
+    <p:sldId id="314" r:id="rId30"/>
+    <p:sldId id="353" r:id="rId31"/>
+    <p:sldId id="355" r:id="rId32"/>
+    <p:sldId id="356" r:id="rId33"/>
+    <p:sldId id="357" r:id="rId34"/>
+    <p:sldId id="359" r:id="rId35"/>
+    <p:sldId id="361" r:id="rId36"/>
+    <p:sldId id="363" r:id="rId37"/>
+    <p:sldId id="365" r:id="rId38"/>
+    <p:sldId id="366" r:id="rId39"/>
   </p:sldIdLst>
   <p:sldSz cx="12192000" cy="6858000"/>
   <p:notesSz cx="6858000" cy="9144000"/>
@@ -233,7 +234,7 @@
           <a:p>
             <a:fld id="{63335B88-4C89-4578-A075-4D3E83B0A887}" type="datetimeFigureOut">
               <a:rPr lang="en-US" smtClean="0"/>
-              <a:t>11/11/2020</a:t>
+              <a:t>11/12/2020</a:t>
             </a:fld>
             <a:endParaRPr lang="en-US"/>
           </a:p>
@@ -859,7 +860,7 @@
           <a:p>
             <a:fld id="{EEFF465E-F645-4F17-A8AB-FE27547FACB4}" type="datetime1">
               <a:rPr lang="en-US" smtClean="0"/>
-              <a:t>11/11/2020</a:t>
+              <a:t>11/12/2020</a:t>
             </a:fld>
             <a:endParaRPr lang="en-US" dirty="0"/>
           </a:p>
@@ -1263,7 +1264,7 @@
           <a:p>
             <a:fld id="{DFFA16B1-DBD6-46CA-A7D2-FACBFB4D33B6}" type="datetime1">
               <a:rPr lang="en-US" smtClean="0"/>
-              <a:t>11/11/2020</a:t>
+              <a:t>11/12/2020</a:t>
             </a:fld>
             <a:endParaRPr lang="en-US" dirty="0"/>
           </a:p>
@@ -1660,7 +1661,7 @@
           <a:p>
             <a:fld id="{976B9DC8-0697-4334-BBC3-DB9BE19170FF}" type="datetime1">
               <a:rPr lang="en-US" smtClean="0"/>
-              <a:t>11/11/2020</a:t>
+              <a:t>11/12/2020</a:t>
             </a:fld>
             <a:endParaRPr lang="en-US" dirty="0"/>
           </a:p>
@@ -1992,7 +1993,7 @@
           <a:p>
             <a:fld id="{AF2C3C11-6C1A-4491-88F2-1001D070627A}" type="datetime1">
               <a:rPr lang="en-US" smtClean="0"/>
-              <a:t>11/11/2020</a:t>
+              <a:t>11/12/2020</a:t>
             </a:fld>
             <a:endParaRPr lang="en-US" dirty="0"/>
           </a:p>
@@ -2308,7 +2309,7 @@
           <a:p>
             <a:fld id="{2F241CC7-F960-4C2E-BEB4-20E2F82B79B8}" type="datetime1">
               <a:rPr lang="en-US" smtClean="0"/>
-              <a:t>11/11/2020</a:t>
+              <a:t>11/12/2020</a:t>
             </a:fld>
             <a:endParaRPr lang="en-US" dirty="0"/>
           </a:p>
@@ -2700,7 +2701,7 @@
           <a:p>
             <a:fld id="{91C3C4B0-D8E3-46D3-85A8-D2F1A29E637E}" type="datetime1">
               <a:rPr lang="en-US" smtClean="0"/>
-              <a:t>11/11/2020</a:t>
+              <a:t>11/12/2020</a:t>
             </a:fld>
             <a:endParaRPr lang="en-US" dirty="0"/>
           </a:p>
@@ -2953,7 +2954,7 @@
           <a:p>
             <a:fld id="{195B1AA7-8099-4FB1-ADB1-CB09816C573D}" type="datetime1">
               <a:rPr lang="en-US" smtClean="0"/>
-              <a:t>11/11/2020</a:t>
+              <a:t>11/12/2020</a:t>
             </a:fld>
             <a:endParaRPr lang="en-US" dirty="0"/>
           </a:p>
@@ -3211,7 +3212,7 @@
           <a:p>
             <a:fld id="{79E234D6-51B3-41ED-A059-A364AF729054}" type="datetime1">
               <a:rPr lang="en-US" smtClean="0"/>
-              <a:t>11/11/2020</a:t>
+              <a:t>11/12/2020</a:t>
             </a:fld>
             <a:endParaRPr lang="en-US" dirty="0"/>
           </a:p>
@@ -3583,7 +3584,7 @@
           <a:p>
             <a:fld id="{3B6F5FD0-4504-4D66-8F27-985BCDCE24E0}" type="datetime1">
               <a:rPr lang="en-US" smtClean="0"/>
-              <a:t>11/11/2020</a:t>
+              <a:t>11/12/2020</a:t>
             </a:fld>
             <a:endParaRPr lang="en-US" dirty="0"/>
           </a:p>
@@ -3723,10 +3724,9 @@
               <a:t>‹#›</a:t>
             </a:fld>
             <a:r>
-              <a:rPr lang="en-US" dirty="0" smtClean="0"/>
+              <a:rPr lang="en-US" dirty="0"/>
               <a:t>/37</a:t>
             </a:r>
-            <a:endParaRPr lang="en-US" dirty="0"/>
           </a:p>
         </p:txBody>
       </p:sp>
@@ -3984,7 +3984,7 @@
           <a:p>
             <a:fld id="{1B5AF4E2-45A6-490D-BDAF-24EAF64EFD8B}" type="datetime1">
               <a:rPr lang="en-US" smtClean="0"/>
-              <a:t>11/11/2020</a:t>
+              <a:t>11/12/2020</a:t>
             </a:fld>
             <a:endParaRPr lang="en-US" dirty="0"/>
           </a:p>
@@ -4124,10 +4124,9 @@
               <a:t>‹#›</a:t>
             </a:fld>
             <a:r>
-              <a:rPr lang="en-US" dirty="0" smtClean="0"/>
+              <a:rPr lang="en-US" dirty="0"/>
               <a:t>/37</a:t>
             </a:r>
-            <a:endParaRPr lang="en-US" dirty="0"/>
           </a:p>
         </p:txBody>
       </p:sp>
@@ -4374,7 +4373,7 @@
           <a:p>
             <a:fld id="{CBCB8F54-41BC-4EA6-9A93-1BEC82775119}" type="datetime1">
               <a:rPr lang="en-US" smtClean="0"/>
-              <a:t>11/11/2020</a:t>
+              <a:t>11/12/2020</a:t>
             </a:fld>
             <a:endParaRPr lang="en-US" dirty="0"/>
           </a:p>
@@ -4887,7 +4886,7 @@
           <a:p>
             <a:fld id="{568E471B-45A8-4B51-9173-C8EDAA30DFE7}" type="datetime1">
               <a:rPr lang="en-US" smtClean="0"/>
-              <a:t>11/11/2020</a:t>
+              <a:t>11/12/2020</a:t>
             </a:fld>
             <a:endParaRPr lang="en-US" dirty="0"/>
           </a:p>
@@ -5088,7 +5087,7 @@
           <a:p>
             <a:fld id="{49A7E824-2837-4AC4-BF6B-345F12EABEF3}" type="datetime1">
               <a:rPr lang="en-US" smtClean="0"/>
-              <a:t>11/11/2020</a:t>
+              <a:t>11/12/2020</a:t>
             </a:fld>
             <a:endParaRPr lang="en-US" dirty="0"/>
           </a:p>
@@ -5326,7 +5325,7 @@
           <a:p>
             <a:fld id="{0D54413D-4A9E-4F71-8267-94D9AB74FC1B}" type="datetime1">
               <a:rPr lang="en-US" smtClean="0"/>
-              <a:t>11/11/2020</a:t>
+              <a:t>11/12/2020</a:t>
             </a:fld>
             <a:endParaRPr lang="en-US" dirty="0"/>
           </a:p>
@@ -5655,7 +5654,7 @@
           <a:p>
             <a:fld id="{B6C009A7-F244-4D01-9F30-B6119C2F6A5B}" type="datetime1">
               <a:rPr lang="en-US" smtClean="0"/>
-              <a:t>11/11/2020</a:t>
+              <a:t>11/12/2020</a:t>
             </a:fld>
             <a:endParaRPr lang="en-US" dirty="0"/>
           </a:p>
@@ -5996,7 +5995,7 @@
           <a:p>
             <a:fld id="{8EBF92F6-B7EE-4B39-B15A-4244A50D9D04}" type="datetime1">
               <a:rPr lang="en-US" smtClean="0"/>
-              <a:t>11/11/2020</a:t>
+              <a:t>11/12/2020</a:t>
             </a:fld>
             <a:endParaRPr lang="en-US" dirty="0"/>
           </a:p>
@@ -6144,8 +6143,8 @@
 <p:sldMaster xmlns:a="http://schemas.openxmlformats.org/drawingml/2006/main" xmlns:r="http://schemas.openxmlformats.org/officeDocument/2006/relationships" xmlns:p="http://schemas.openxmlformats.org/presentationml/2006/main">
   <p:cSld>
     <p:bg>
-      <p:bgRef idx="1003">
-        <a:schemeClr val="bg2"/>
+      <p:bgRef idx="1001">
+        <a:schemeClr val="bg1"/>
       </p:bgRef>
     </p:bg>
     <p:spTree>
@@ -8109,7 +8108,7 @@
           <a:p>
             <a:fld id="{9114BFB9-6752-4981-84B9-858B72051C3A}" type="datetime1">
               <a:rPr lang="en-US" smtClean="0"/>
-              <a:t>11/11/2020</a:t>
+              <a:t>11/12/2020</a:t>
             </a:fld>
             <a:endParaRPr lang="en-US" dirty="0"/>
           </a:p>
@@ -8663,15 +8662,11 @@
             </a:br>
             <a:r>
               <a:rPr lang="fa-IR" sz="2200" b="1" dirty="0"/>
-              <a:t>پروپزال دکتری</a:t>
+              <a:t>پیشنهاد رساله ی دکتری</a:t>
             </a:r>
             <a:br>
               <a:rPr lang="fa-IR" sz="2200" b="1" dirty="0"/>
             </a:br>
-            <a:r>
-              <a:rPr lang="en-US" dirty="0"/>
-              <a:t/>
-            </a:r>
             <a:br>
               <a:rPr lang="en-US" dirty="0"/>
             </a:br>
@@ -8788,10 +8783,9 @@
               <a:t>1</a:t>
             </a:fld>
             <a:r>
-              <a:rPr lang="en-US" dirty="0" smtClean="0"/>
+              <a:rPr lang="en-US" dirty="0"/>
               <a:t>/37</a:t>
             </a:r>
-            <a:endParaRPr lang="en-US" dirty="0"/>
           </a:p>
         </p:txBody>
       </p:sp>
@@ -8805,13 +8799,6 @@
   <p:clrMapOvr>
     <a:masterClrMapping/>
   </p:clrMapOvr>
-  <p:timing>
-    <p:tnLst>
-      <p:par>
-        <p:cTn id="1" dur="indefinite" restart="never" nodeType="tmRoot"/>
-      </p:par>
-    </p:tnLst>
-  </p:timing>
 </p:sld>
 </file>
 
@@ -9022,7 +9009,7 @@
               <a:t> و </a:t>
             </a:r>
             <a:r>
-              <a:rPr lang="en-US" dirty="0" smtClean="0">
+              <a:rPr lang="en-US" dirty="0">
                 <a:sym typeface="Wingdings" panose="05000000000000000000" pitchFamily="2" charset="2"/>
               </a:rPr>
               <a:t>SDAP</a:t>
@@ -9054,11 +9041,11 @@
           <a:p>
             <a:pPr lvl="1"/>
             <a:r>
-              <a:rPr lang="en-US" dirty="0" smtClean="0"/>
+              <a:rPr lang="en-US" dirty="0"/>
               <a:t>DU</a:t>
             </a:r>
             <a:r>
-              <a:rPr lang="fa-IR" dirty="0" smtClean="0"/>
+              <a:rPr lang="fa-IR" dirty="0"/>
               <a:t> </a:t>
             </a:r>
             <a:r>
@@ -9098,7 +9085,7 @@
               <a:t> و </a:t>
             </a:r>
             <a:r>
-              <a:rPr lang="en-US" dirty="0" smtClean="0">
+              <a:rPr lang="en-US" dirty="0">
                 <a:sym typeface="Wingdings" panose="05000000000000000000" pitchFamily="2" charset="2"/>
               </a:rPr>
               <a:t>MAC</a:t>
@@ -9654,7 +9641,7 @@
               <a:t>10</a:t>
             </a:fld>
             <a:r>
-              <a:rPr lang="en-US" smtClean="0"/>
+              <a:rPr lang="en-US"/>
               <a:t>/37</a:t>
             </a:r>
             <a:endParaRPr lang="en-US" dirty="0"/>
@@ -9671,13 +9658,6 @@
   <p:clrMapOvr>
     <a:masterClrMapping/>
   </p:clrMapOvr>
-  <p:timing>
-    <p:tnLst>
-      <p:par>
-        <p:cTn id="1" dur="indefinite" restart="never" nodeType="tmRoot"/>
-      </p:par>
-    </p:tnLst>
-  </p:timing>
 </p:sld>
 </file>
 
@@ -9865,17 +9845,9 @@
             <a:pPr marL="457200" lvl="1" indent="0">
               <a:buNone/>
             </a:pPr>
-            <a:r>
-              <a:rPr lang="ar-IQ" dirty="0"/>
-              <a:t/>
-            </a:r>
             <a:br>
               <a:rPr lang="ar-IQ" dirty="0"/>
             </a:br>
-            <a:r>
-              <a:rPr lang="ar-IQ" dirty="0"/>
-              <a:t/>
-            </a:r>
             <a:br>
               <a:rPr lang="ar-IQ" dirty="0"/>
             </a:br>
@@ -9886,24 +9858,12 @@
             <a:br>
               <a:rPr lang="ar-IQ" dirty="0"/>
             </a:br>
-            <a:r>
-              <a:rPr lang="ar-IQ" dirty="0"/>
-              <a:t/>
-            </a:r>
             <a:br>
               <a:rPr lang="ar-IQ" dirty="0"/>
             </a:br>
-            <a:r>
-              <a:rPr lang="ar-IQ" dirty="0"/>
-              <a:t/>
-            </a:r>
             <a:br>
               <a:rPr lang="ar-IQ" dirty="0"/>
             </a:br>
-            <a:r>
-              <a:rPr lang="ar-IQ" dirty="0"/>
-              <a:t/>
-            </a:r>
             <a:br>
               <a:rPr lang="ar-IQ" dirty="0"/>
             </a:br>
@@ -10449,7 +10409,7 @@
               <a:t>11</a:t>
             </a:fld>
             <a:r>
-              <a:rPr lang="en-US" smtClean="0"/>
+              <a:rPr lang="en-US"/>
               <a:t>/37</a:t>
             </a:r>
             <a:endParaRPr lang="en-US" dirty="0"/>
@@ -10466,13 +10426,6 @@
   <p:clrMapOvr>
     <a:masterClrMapping/>
   </p:clrMapOvr>
-  <p:timing>
-    <p:tnLst>
-      <p:par>
-        <p:cTn id="1" dur="indefinite" restart="never" nodeType="tmRoot"/>
-      </p:par>
-    </p:tnLst>
-  </p:timing>
 </p:sld>
 </file>
 
@@ -10542,7 +10495,7 @@
         </p:spPr>
         <p:txBody>
           <a:bodyPr>
-            <a:normAutofit/>
+            <a:normAutofit fontScale="92500"/>
           </a:bodyPr>
           <a:lstStyle/>
           <a:p>
@@ -10566,12 +10519,8 @@
           </a:p>
           <a:p>
             <a:r>
-              <a:rPr lang="ar-IQ" dirty="0" smtClean="0"/>
-              <a:t>با </a:t>
-            </a:r>
-            <a:r>
               <a:rPr lang="ar-IQ" dirty="0"/>
-              <a:t>خرد کردن یک شبکه</a:t>
+              <a:t>با خرد کردن یک شبکه</a:t>
             </a:r>
             <a:r>
               <a:rPr lang="fa-IR" dirty="0"/>
@@ -10638,29 +10587,35 @@
             </a:r>
             <a:r>
               <a:rPr lang="ar-IQ" dirty="0"/>
-              <a:t>مربوطه اختصاص داده شوند </a:t>
+              <a:t>مربوطه اختصاص داده شوند</a:t>
+            </a:r>
+            <a:endParaRPr lang="en-US" dirty="0"/>
+          </a:p>
+          <a:p>
+            <a:r>
+              <a:rPr lang="ar-IQ" dirty="0"/>
+              <a:t> یکی از انتظارات اصلی برش شبکه ، جداسازی منابع است.</a:t>
+            </a:r>
+            <a:endParaRPr lang="en-US" dirty="0"/>
+          </a:p>
+          <a:p>
+            <a:r>
+              <a:rPr lang="en-US" dirty="0"/>
+              <a:t> </a:t>
+            </a:r>
+            <a:r>
+              <a:rPr lang="fa-IR" dirty="0"/>
+              <a:t>سطح و قدرت جداسازی ممکن است بسته به نیاز برش و سناریوهای استفاده متفاوت باشد</a:t>
             </a:r>
             <a:br>
               <a:rPr lang="ar-IQ" dirty="0"/>
             </a:br>
-            <a:r>
-              <a:rPr lang="ar-IQ" dirty="0"/>
-              <a:t/>
-            </a:r>
             <a:br>
               <a:rPr lang="ar-IQ" dirty="0"/>
             </a:br>
-            <a:r>
-              <a:rPr lang="ar-IQ" dirty="0"/>
-              <a:t/>
-            </a:r>
             <a:br>
               <a:rPr lang="ar-IQ" dirty="0"/>
             </a:br>
-            <a:r>
-              <a:rPr lang="ar-IQ" dirty="0"/>
-              <a:t/>
-            </a:r>
             <a:br>
               <a:rPr lang="ar-IQ" dirty="0"/>
             </a:br>
@@ -11177,8 +11132,8 @@
         </p:blipFill>
         <p:spPr>
           <a:xfrm>
-            <a:off x="2442754" y="3558865"/>
-            <a:ext cx="3809795" cy="3299135"/>
+            <a:off x="1553529" y="4017883"/>
+            <a:ext cx="3279727" cy="2840117"/>
           </a:xfrm>
           <a:prstGeom prst="rect">
             <a:avLst/>
@@ -11206,7 +11161,7 @@
               <a:t>12</a:t>
             </a:fld>
             <a:r>
-              <a:rPr lang="en-US" smtClean="0"/>
+              <a:rPr lang="en-US"/>
               <a:t>/37</a:t>
             </a:r>
             <a:endParaRPr lang="en-US" dirty="0"/>
@@ -11223,13 +11178,6 @@
   <p:clrMapOvr>
     <a:masterClrMapping/>
   </p:clrMapOvr>
-  <p:timing>
-    <p:tnLst>
-      <p:par>
-        <p:cTn id="1" dur="indefinite" restart="never" nodeType="tmRoot"/>
-      </p:par>
-    </p:tnLst>
-  </p:timing>
 </p:sld>
 </file>
 
@@ -11294,7 +11242,34 @@
           <a:lstStyle/>
           <a:p>
             <a:r>
-              <a:rPr lang="en-US" dirty="0"/>
+              <a:rPr lang="ar-IQ" dirty="0"/>
+              <a:t>می خواهیم تعدادی شی با وزنهای</a:t>
+            </a:r>
+            <a:r>
+              <a:rPr lang="fa-IR" dirty="0"/>
+              <a:t> </a:t>
+            </a:r>
+            <a:r>
+              <a:rPr lang="ar-IQ" dirty="0"/>
+              <a:t>مختلف را در تعدادی جایگاه با ظرفیت مشخص قرار دهیم. هدف در این مسئله قرارگیری بیشترین تعداد اشیاء در</a:t>
+            </a:r>
+            <a:r>
+              <a:rPr lang="fa-IR" dirty="0"/>
+              <a:t> </a:t>
+            </a:r>
+            <a:r>
+              <a:rPr lang="ar-IQ" dirty="0"/>
+              <a:t>این جایگاه ها می باشد </a:t>
+            </a:r>
+            <a:endParaRPr lang="en-US" dirty="0"/>
+          </a:p>
+          <a:p>
+            <a:r>
+              <a:rPr lang="fa-IR" dirty="0"/>
+              <a:t>مسئله </a:t>
+            </a:r>
+            <a:r>
+              <a:rPr lang="en-US" sz="2000" dirty="0"/>
               <a:t>NP-Hard</a:t>
             </a:r>
             <a:r>
@@ -11303,26 +11278,9 @@
             </a:r>
           </a:p>
           <a:p>
-            <a:r>
-              <a:rPr lang="ar-IQ" dirty="0"/>
-              <a:t>می خواهیم تعدادی شی با وزنهای</a:t>
-            </a:r>
-            <a:r>
-              <a:rPr lang="fa-IR" dirty="0"/>
-              <a:t> </a:t>
-            </a:r>
-            <a:r>
-              <a:rPr lang="ar-IQ" dirty="0"/>
-              <a:t>مختلف را در تعدادی جایگاه با ظرفیت مشخص قرار دهیم. هدف در این مسئله قرارگیری بیشترین تعداد اشیاء در</a:t>
-            </a:r>
-            <a:r>
-              <a:rPr lang="fa-IR" dirty="0"/>
-              <a:t> </a:t>
-            </a:r>
-            <a:r>
-              <a:rPr lang="ar-IQ" dirty="0"/>
-              <a:t>این جایگاه ها می باشد </a:t>
-            </a:r>
+            <a:pPr marL="0" indent="0">
+              <a:buNone/>
+            </a:pPr>
             <a:br>
               <a:rPr lang="ar-IQ" dirty="0"/>
             </a:br>
@@ -11378,7 +11336,7 @@
               <a:t>13</a:t>
             </a:fld>
             <a:r>
-              <a:rPr lang="en-US" smtClean="0"/>
+              <a:rPr lang="en-US"/>
               <a:t>/37</a:t>
             </a:r>
             <a:endParaRPr lang="en-US" dirty="0"/>
@@ -11870,13 +11828,6 @@
   <p:clrMapOvr>
     <a:masterClrMapping/>
   </p:clrMapOvr>
-  <p:timing>
-    <p:tnLst>
-      <p:par>
-        <p:cTn id="1" dur="indefinite" restart="never" nodeType="tmRoot"/>
-      </p:par>
-    </p:tnLst>
-  </p:timing>
 </p:sld>
 </file>
 
@@ -11941,7 +11892,25 @@
           <a:lstStyle/>
           <a:p>
             <a:r>
-              <a:rPr lang="en-US" dirty="0"/>
+              <a:rPr lang="ar-IQ" dirty="0"/>
+              <a:t>هدف قرار دادن تعدادی شیء در تعدادی جعبه با ظرفیت مشخص می باشد </a:t>
+            </a:r>
+            <a:endParaRPr lang="fa-IR" dirty="0"/>
+          </a:p>
+          <a:p>
+            <a:r>
+              <a:rPr lang="ar-IQ" dirty="0"/>
+              <a:t>هدف کمینه کردن تعداد جعبه های ورودی با فرض اینکه همه ی اشیا در آن جا شوند </a:t>
+            </a:r>
+            <a:endParaRPr lang="fa-IR" dirty="0"/>
+          </a:p>
+          <a:p>
+            <a:r>
+              <a:rPr lang="fa-IR" dirty="0"/>
+              <a:t>مسئله </a:t>
+            </a:r>
+            <a:r>
+              <a:rPr lang="en-US" sz="2000" dirty="0"/>
               <a:t>NP-Hard</a:t>
             </a:r>
             <a:r>
@@ -11950,31 +11919,15 @@
             </a:r>
           </a:p>
           <a:p>
-            <a:r>
-              <a:rPr lang="ar-IQ" dirty="0"/>
-              <a:t>هدف قرار دادن تعدادی شیء در تعدادی جعبه با ظرفیت مشخص می باشد </a:t>
-            </a:r>
-            <a:endParaRPr lang="fa-IR" dirty="0"/>
-          </a:p>
-          <a:p>
-            <a:r>
-              <a:rPr lang="ar-IQ" dirty="0"/>
-              <a:t>هدف کمینه کردن تعداد جعبه های ورودی با فرض اینکه همه ی اشیا در آن جا شوند </a:t>
-            </a:r>
+            <a:pPr marL="0" indent="0">
+              <a:buNone/>
+            </a:pPr>
             <a:br>
               <a:rPr lang="ar-IQ" dirty="0"/>
             </a:br>
-            <a:r>
-              <a:rPr lang="ar-IQ" dirty="0"/>
-              <a:t/>
-            </a:r>
             <a:br>
               <a:rPr lang="ar-IQ" dirty="0"/>
             </a:br>
-            <a:r>
-              <a:rPr lang="ar-IQ" dirty="0"/>
-              <a:t/>
-            </a:r>
             <a:br>
               <a:rPr lang="ar-IQ" dirty="0"/>
             </a:br>
@@ -12066,7 +12019,7 @@
               <a:t>14</a:t>
             </a:fld>
             <a:r>
-              <a:rPr lang="en-US" smtClean="0"/>
+              <a:rPr lang="en-US"/>
               <a:t>/37</a:t>
             </a:r>
             <a:endParaRPr lang="en-US" dirty="0"/>
@@ -12558,13 +12511,6 @@
   <p:clrMapOvr>
     <a:masterClrMapping/>
   </p:clrMapOvr>
-  <p:timing>
-    <p:tnLst>
-      <p:par>
-        <p:cTn id="1" dur="indefinite" restart="never" nodeType="tmRoot"/>
-      </p:par>
-    </p:tnLst>
-  </p:timing>
 </p:sld>
 </file>
 
@@ -12587,7 +12533,13 @@
       </p:grpSpPr>
       <p:sp>
         <p:nvSpPr>
-          <p:cNvPr id="2" name="Title 1"/>
+          <p:cNvPr id="2" name="Title 1">
+            <a:extLst>
+              <a:ext uri="{FF2B5EF4-FFF2-40B4-BE49-F238E27FC236}">
+                <a16:creationId xmlns:a16="http://schemas.microsoft.com/office/drawing/2014/main" id="{60DECAA3-7303-451E-A5BB-79A9E7A6B95C}"/>
+              </a:ext>
+            </a:extLst>
+          </p:cNvPr>
           <p:cNvSpPr>
             <a:spLocks noGrp="1"/>
           </p:cNvSpPr>
@@ -12608,26 +12560,117 @@
               <a:rPr lang="fa-IR" dirty="0"/>
               <a:t>در حل مسئله</a:t>
             </a:r>
-            <a:r>
-              <a:rPr lang="ar-IQ" dirty="0"/>
-              <a:t/>
-            </a:r>
-            <a:br>
-              <a:rPr lang="ar-IQ" dirty="0"/>
-            </a:br>
             <a:endParaRPr lang="en-US" dirty="0"/>
           </a:p>
         </p:txBody>
       </p:sp>
-      <p:pic>
-        <p:nvPicPr>
-          <p:cNvPr id="6" name="Content Placeholder 5"/>
-          <p:cNvPicPr>
-            <a:picLocks noGrp="1" noChangeAspect="1"/>
-          </p:cNvPicPr>
+      <p:sp>
+        <p:nvSpPr>
+          <p:cNvPr id="3" name="Content Placeholder 2">
+            <a:extLst>
+              <a:ext uri="{FF2B5EF4-FFF2-40B4-BE49-F238E27FC236}">
+                <a16:creationId xmlns:a16="http://schemas.microsoft.com/office/drawing/2014/main" id="{A91F6192-6C18-4A5B-8834-09C38DA74ACD}"/>
+              </a:ext>
+            </a:extLst>
+          </p:cNvPr>
+          <p:cNvSpPr>
+            <a:spLocks noGrp="1"/>
+          </p:cNvSpPr>
           <p:nvPr>
             <p:ph idx="1"/>
           </p:nvPr>
+        </p:nvSpPr>
+        <p:spPr>
+          <a:xfrm>
+            <a:off x="1941511" y="1540189"/>
+            <a:ext cx="8915400" cy="3777622"/>
+          </a:xfrm>
+        </p:spPr>
+        <p:txBody>
+          <a:bodyPr/>
+          <a:lstStyle/>
+          <a:p>
+            <a:r>
+              <a:rPr lang="fa-IR" dirty="0"/>
+              <a:t>محیط : جهان فیزیکی که عانل در آن عمل می کند</a:t>
+            </a:r>
+          </a:p>
+          <a:p>
+            <a:r>
+              <a:rPr lang="fa-IR" dirty="0"/>
+              <a:t>حالت : موقعیت کنونی عامل</a:t>
+            </a:r>
+          </a:p>
+          <a:p>
+            <a:r>
+              <a:rPr lang="fa-IR" dirty="0"/>
+              <a:t>پاداش : بازخورد از محیط</a:t>
+            </a:r>
+          </a:p>
+          <a:p>
+            <a:r>
+              <a:rPr lang="fa-IR" dirty="0"/>
+              <a:t>سیاست : روشی برای نگاشت حالت عامل به عمل</a:t>
+            </a:r>
+          </a:p>
+          <a:p>
+            <a:r>
+              <a:rPr lang="fa-IR" dirty="0"/>
+              <a:t>ارزش : پاداش آینده که یک عامل  با اقدام به عمل در یک حالت خاص به آن دست می یابند</a:t>
+            </a:r>
+          </a:p>
+          <a:p>
+            <a:endParaRPr lang="en-US" dirty="0"/>
+          </a:p>
+        </p:txBody>
+      </p:sp>
+      <p:sp>
+        <p:nvSpPr>
+          <p:cNvPr id="4" name="Slide Number Placeholder 3">
+            <a:extLst>
+              <a:ext uri="{FF2B5EF4-FFF2-40B4-BE49-F238E27FC236}">
+                <a16:creationId xmlns:a16="http://schemas.microsoft.com/office/drawing/2014/main" id="{2355A0D3-70B4-4355-A9D2-5283E10EFF5D}"/>
+              </a:ext>
+            </a:extLst>
+          </p:cNvPr>
+          <p:cNvSpPr>
+            <a:spLocks noGrp="1"/>
+          </p:cNvSpPr>
+          <p:nvPr>
+            <p:ph type="sldNum" sz="quarter" idx="12"/>
+          </p:nvPr>
+        </p:nvSpPr>
+        <p:spPr/>
+        <p:txBody>
+          <a:bodyPr/>
+          <a:lstStyle/>
+          <a:p>
+            <a:fld id="{D57F1E4F-1CFF-5643-939E-217C01CDF565}" type="slidenum">
+              <a:rPr lang="en-US" smtClean="0"/>
+              <a:pPr/>
+              <a:t>15</a:t>
+            </a:fld>
+            <a:r>
+              <a:rPr lang="en-US"/>
+              <a:t>/37</a:t>
+            </a:r>
+            <a:endParaRPr lang="en-US" dirty="0"/>
+          </a:p>
+        </p:txBody>
+      </p:sp>
+      <p:pic>
+        <p:nvPicPr>
+          <p:cNvPr id="5" name="Picture 4">
+            <a:extLst>
+              <a:ext uri="{FF2B5EF4-FFF2-40B4-BE49-F238E27FC236}">
+                <a16:creationId xmlns:a16="http://schemas.microsoft.com/office/drawing/2014/main" id="{48C7E851-CEE7-4789-AC5E-142852822AAB}"/>
+              </a:ext>
+            </a:extLst>
+          </p:cNvPr>
+          <p:cNvPicPr>
+            <a:picLocks noChangeAspect="1"/>
+          </p:cNvPicPr>
+          <p:nvPr/>
         </p:nvPicPr>
         <p:blipFill>
           <a:blip r:embed="rId2"/>
@@ -12637,44 +12680,20 @@
         </p:blipFill>
         <p:spPr>
           <a:xfrm>
-            <a:off x="2551205" y="1612421"/>
-            <a:ext cx="8301993" cy="2752105"/>
+            <a:off x="1639889" y="4342755"/>
+            <a:ext cx="5895975" cy="2171700"/>
           </a:xfrm>
           <a:prstGeom prst="rect">
             <a:avLst/>
           </a:prstGeom>
         </p:spPr>
       </p:pic>
-      <p:pic>
-        <p:nvPicPr>
-          <p:cNvPr id="7" name="Picture 6"/>
-          <p:cNvPicPr>
-            <a:picLocks noChangeAspect="1"/>
-          </p:cNvPicPr>
-          <p:nvPr/>
-        </p:nvPicPr>
-        <p:blipFill>
-          <a:blip r:embed="rId3"/>
-          <a:stretch>
-            <a:fillRect/>
-          </a:stretch>
-        </p:blipFill>
-        <p:spPr>
-          <a:xfrm>
-            <a:off x="4831823" y="4364526"/>
-            <a:ext cx="5895975" cy="2171700"/>
-          </a:xfrm>
-          <a:prstGeom prst="rect">
-            <a:avLst/>
-          </a:prstGeom>
-        </p:spPr>
-      </p:pic>
-      <p:sp>
-        <p:nvSpPr>
-          <p:cNvPr id="8" name="Rounded Rectangle 10">
+      <p:sp>
+        <p:nvSpPr>
+          <p:cNvPr id="6" name="Rounded Rectangle 10">
             <a:extLst>
               <a:ext uri="{FF2B5EF4-FFF2-40B4-BE49-F238E27FC236}">
-                <a16:creationId xmlns:a16="http://schemas.microsoft.com/office/drawing/2014/main" id="{5CA220EA-4AFC-4AC8-8966-6013F09A17D7}"/>
+                <a16:creationId xmlns:a16="http://schemas.microsoft.com/office/drawing/2014/main" id="{64597149-8A22-45CA-8F53-1D9C2D9B48F2}"/>
               </a:ext>
             </a:extLst>
           </p:cNvPr>
@@ -12748,10 +12767,10 @@
       </p:sp>
       <p:sp>
         <p:nvSpPr>
-          <p:cNvPr id="9" name="Rectangle 8">
+          <p:cNvPr id="7" name="Rectangle 6">
             <a:extLst>
               <a:ext uri="{FF2B5EF4-FFF2-40B4-BE49-F238E27FC236}">
-                <a16:creationId xmlns:a16="http://schemas.microsoft.com/office/drawing/2014/main" id="{268CB366-97C1-436E-B473-11C0B8A2B94B}"/>
+                <a16:creationId xmlns:a16="http://schemas.microsoft.com/office/drawing/2014/main" id="{C9EAF04F-E335-414C-8702-0F04CCDCBEA9}"/>
               </a:ext>
             </a:extLst>
           </p:cNvPr>
@@ -12814,10 +12833,10 @@
       </p:sp>
       <p:sp>
         <p:nvSpPr>
-          <p:cNvPr id="10" name="Rectangle 9">
+          <p:cNvPr id="8" name="Rectangle 7">
             <a:extLst>
               <a:ext uri="{FF2B5EF4-FFF2-40B4-BE49-F238E27FC236}">
-                <a16:creationId xmlns:a16="http://schemas.microsoft.com/office/drawing/2014/main" id="{4BD395B4-C568-4FE4-8C83-4C5CAA018C54}"/>
+                <a16:creationId xmlns:a16="http://schemas.microsoft.com/office/drawing/2014/main" id="{C172551F-D9C7-435E-BAD9-C0F087A78FB0}"/>
               </a:ext>
             </a:extLst>
           </p:cNvPr>
@@ -12888,10 +12907,10 @@
       </p:sp>
       <p:sp>
         <p:nvSpPr>
-          <p:cNvPr id="11" name="Rectangle 10">
+          <p:cNvPr id="9" name="Rectangle 8">
             <a:extLst>
               <a:ext uri="{FF2B5EF4-FFF2-40B4-BE49-F238E27FC236}">
-                <a16:creationId xmlns:a16="http://schemas.microsoft.com/office/drawing/2014/main" id="{1967F121-CEC3-4B97-8062-058D15C8F6D9}"/>
+                <a16:creationId xmlns:a16="http://schemas.microsoft.com/office/drawing/2014/main" id="{7508B625-D949-4C12-AC39-62ADBA09F00B}"/>
               </a:ext>
             </a:extLst>
           </p:cNvPr>
@@ -12974,10 +12993,10 @@
       </p:sp>
       <p:sp>
         <p:nvSpPr>
-          <p:cNvPr id="12" name="Rectangle 11">
+          <p:cNvPr id="10" name="Rectangle 9">
             <a:extLst>
               <a:ext uri="{FF2B5EF4-FFF2-40B4-BE49-F238E27FC236}">
-                <a16:creationId xmlns:a16="http://schemas.microsoft.com/office/drawing/2014/main" id="{92B5EB91-6867-4210-98DE-9C6E48E31DF3}"/>
+                <a16:creationId xmlns:a16="http://schemas.microsoft.com/office/drawing/2014/main" id="{C8D94D89-4501-438A-85B7-5498CC224039}"/>
               </a:ext>
             </a:extLst>
           </p:cNvPr>
@@ -13060,10 +13079,10 @@
       </p:sp>
       <p:sp>
         <p:nvSpPr>
-          <p:cNvPr id="13" name="Rectangle 12">
+          <p:cNvPr id="11" name="Rectangle 10">
             <a:extLst>
               <a:ext uri="{FF2B5EF4-FFF2-40B4-BE49-F238E27FC236}">
-                <a16:creationId xmlns:a16="http://schemas.microsoft.com/office/drawing/2014/main" id="{043FCFD6-E24B-444D-B891-C4D66ED6A729}"/>
+                <a16:creationId xmlns:a16="http://schemas.microsoft.com/office/drawing/2014/main" id="{0D0F9CC0-D0E3-4E20-9C7B-93252104B74C}"/>
               </a:ext>
             </a:extLst>
           </p:cNvPr>
@@ -13144,51 +13163,16 @@
           </a:p>
         </p:txBody>
       </p:sp>
-      <p:sp>
-        <p:nvSpPr>
-          <p:cNvPr id="5" name="Slide Number Placeholder 4"/>
-          <p:cNvSpPr>
-            <a:spLocks noGrp="1"/>
-          </p:cNvSpPr>
-          <p:nvPr>
-            <p:ph type="sldNum" sz="quarter" idx="12"/>
-          </p:nvPr>
-        </p:nvSpPr>
-        <p:spPr/>
-        <p:txBody>
-          <a:bodyPr/>
-          <a:lstStyle/>
-          <a:p>
-            <a:fld id="{D57F1E4F-1CFF-5643-939E-217C01CDF565}" type="slidenum">
-              <a:rPr lang="en-US" smtClean="0"/>
-              <a:pPr/>
-              <a:t>15</a:t>
-            </a:fld>
-            <a:r>
-              <a:rPr lang="en-US" smtClean="0"/>
-              <a:t>/37</a:t>
-            </a:r>
-            <a:endParaRPr lang="en-US" dirty="0"/>
-          </a:p>
-        </p:txBody>
-      </p:sp>
     </p:spTree>
     <p:extLst>
       <p:ext uri="{BB962C8B-B14F-4D97-AF65-F5344CB8AC3E}">
-        <p14:creationId xmlns:p14="http://schemas.microsoft.com/office/powerpoint/2010/main" val="3990399910"/>
+        <p14:creationId xmlns:p14="http://schemas.microsoft.com/office/powerpoint/2010/main" val="388994331"/>
       </p:ext>
     </p:extLst>
   </p:cSld>
   <p:clrMapOvr>
     <a:masterClrMapping/>
   </p:clrMapOvr>
-  <p:timing>
-    <p:tnLst>
-      <p:par>
-        <p:cTn id="1" dur="indefinite" restart="never" nodeType="tmRoot"/>
-      </p:par>
-    </p:tnLst>
-  </p:timing>
 </p:sld>
 </file>
 
@@ -13360,10 +13344,6 @@
             <a:br>
               <a:rPr lang="ar-IQ" dirty="0"/>
             </a:br>
-            <a:r>
-              <a:rPr lang="ar-IQ" dirty="0"/>
-              <a:t/>
-            </a:r>
             <a:br>
               <a:rPr lang="ar-IQ" dirty="0"/>
             </a:br>
@@ -13897,7 +13877,7 @@
               <a:t>16</a:t>
             </a:fld>
             <a:r>
-              <a:rPr lang="en-US" smtClean="0"/>
+              <a:rPr lang="en-US"/>
               <a:t>/37</a:t>
             </a:r>
             <a:endParaRPr lang="en-US" dirty="0"/>
@@ -13914,17 +13894,702 @@
   <p:clrMapOvr>
     <a:masterClrMapping/>
   </p:clrMapOvr>
-  <p:timing>
-    <p:tnLst>
-      <p:par>
-        <p:cTn id="1" dur="indefinite" restart="never" nodeType="tmRoot"/>
-      </p:par>
-    </p:tnLst>
-  </p:timing>
 </p:sld>
 </file>
 
 <file path=ppt/slides/slide17.xml><?xml version="1.0" encoding="utf-8"?>
+<p:sld xmlns:a="http://schemas.openxmlformats.org/drawingml/2006/main" xmlns:r="http://schemas.openxmlformats.org/officeDocument/2006/relationships" xmlns:p="http://schemas.openxmlformats.org/presentationml/2006/main">
+  <p:cSld>
+    <p:spTree>
+      <p:nvGrpSpPr>
+        <p:cNvPr id="1" name=""/>
+        <p:cNvGrpSpPr/>
+        <p:nvPr/>
+      </p:nvGrpSpPr>
+      <p:grpSpPr>
+        <a:xfrm>
+          <a:off x="0" y="0"/>
+          <a:ext cx="0" cy="0"/>
+          <a:chOff x="0" y="0"/>
+          <a:chExt cx="0" cy="0"/>
+        </a:xfrm>
+      </p:grpSpPr>
+      <p:sp>
+        <p:nvSpPr>
+          <p:cNvPr id="2" name="Title 1">
+            <a:extLst>
+              <a:ext uri="{FF2B5EF4-FFF2-40B4-BE49-F238E27FC236}">
+                <a16:creationId xmlns:a16="http://schemas.microsoft.com/office/drawing/2014/main" id="{F071EB0B-0D3C-46B1-8D20-B480A7BE6158}"/>
+              </a:ext>
+            </a:extLst>
+          </p:cNvPr>
+          <p:cNvSpPr>
+            <a:spLocks noGrp="1"/>
+          </p:cNvSpPr>
+          <p:nvPr>
+            <p:ph type="title"/>
+          </p:nvPr>
+        </p:nvSpPr>
+        <p:spPr/>
+        <p:txBody>
+          <a:bodyPr/>
+          <a:lstStyle/>
+          <a:p>
+            <a:r>
+              <a:rPr lang="fa-IR" dirty="0"/>
+              <a:t>انگیزه ی پژوهشی</a:t>
+            </a:r>
+            <a:endParaRPr lang="en-US" dirty="0"/>
+          </a:p>
+        </p:txBody>
+      </p:sp>
+      <p:sp>
+        <p:nvSpPr>
+          <p:cNvPr id="3" name="Content Placeholder 2">
+            <a:extLst>
+              <a:ext uri="{FF2B5EF4-FFF2-40B4-BE49-F238E27FC236}">
+                <a16:creationId xmlns:a16="http://schemas.microsoft.com/office/drawing/2014/main" id="{F3A681AD-6638-483B-8D8A-BF197A6B6CBC}"/>
+              </a:ext>
+            </a:extLst>
+          </p:cNvPr>
+          <p:cNvSpPr>
+            <a:spLocks noGrp="1"/>
+          </p:cNvSpPr>
+          <p:nvPr>
+            <p:ph idx="1"/>
+          </p:nvPr>
+        </p:nvSpPr>
+        <p:spPr>
+          <a:xfrm>
+            <a:off x="1770755" y="2038299"/>
+            <a:ext cx="8915400" cy="3777622"/>
+          </a:xfrm>
+        </p:spPr>
+        <p:txBody>
+          <a:bodyPr/>
+          <a:lstStyle/>
+          <a:p>
+            <a:r>
+              <a:rPr lang="fa-IR" sz="2000" b="0" i="0" dirty="0">
+                <a:solidFill>
+                  <a:srgbClr val="000000"/>
+                </a:solidFill>
+                <a:effectLst/>
+              </a:rPr>
+              <a:t>اتحاد </a:t>
+            </a:r>
+            <a:r>
+              <a:rPr lang="en-US" sz="2000" b="0" i="0" dirty="0">
+                <a:solidFill>
+                  <a:srgbClr val="000000"/>
+                </a:solidFill>
+                <a:effectLst/>
+              </a:rPr>
+              <a:t> ORAN</a:t>
+            </a:r>
+            <a:r>
+              <a:rPr lang="fa-IR" sz="2000" b="0" i="0" dirty="0">
+                <a:solidFill>
+                  <a:srgbClr val="000000"/>
+                </a:solidFill>
+                <a:effectLst/>
+              </a:rPr>
+              <a:t>در جستجوی چشم انداز </a:t>
+            </a:r>
+            <a:r>
+              <a:rPr lang="fa-IR" sz="2000" b="1" i="0" dirty="0">
+                <a:solidFill>
+                  <a:srgbClr val="000000"/>
+                </a:solidFill>
+                <a:effectLst/>
+              </a:rPr>
+              <a:t>باز بودن </a:t>
+            </a:r>
+            <a:r>
+              <a:rPr lang="fa-IR" sz="2000" b="0" i="0" dirty="0">
+                <a:solidFill>
+                  <a:srgbClr val="000000"/>
+                </a:solidFill>
+                <a:effectLst/>
+              </a:rPr>
+              <a:t>و </a:t>
+            </a:r>
+            <a:r>
+              <a:rPr lang="fa-IR" sz="2000" b="1" i="0" dirty="0">
+                <a:solidFill>
+                  <a:srgbClr val="000000"/>
+                </a:solidFill>
+                <a:effectLst/>
+              </a:rPr>
+              <a:t>هوشمندی</a:t>
+            </a:r>
+            <a:r>
+              <a:rPr lang="fa-IR" sz="2000" b="0" i="0" dirty="0">
+                <a:solidFill>
+                  <a:srgbClr val="000000"/>
+                </a:solidFill>
+                <a:effectLst/>
+              </a:rPr>
+              <a:t> برای شبکه های بی سیم نسل بعدی و فراتر</a:t>
+            </a:r>
+            <a:br>
+              <a:rPr lang="fa-IR" sz="2000" b="0" i="0" dirty="0">
+                <a:solidFill>
+                  <a:srgbClr val="000000"/>
+                </a:solidFill>
+                <a:effectLst/>
+              </a:rPr>
+            </a:br>
+            <a:r>
+              <a:rPr lang="fa-IR" sz="2000" b="0" i="0" dirty="0">
+                <a:solidFill>
+                  <a:srgbClr val="000000"/>
+                </a:solidFill>
+                <a:effectLst/>
+              </a:rPr>
+              <a:t>از آن است</a:t>
+            </a:r>
+            <a:r>
+              <a:rPr lang="fa-IR" sz="2000" dirty="0"/>
+              <a:t> </a:t>
+            </a:r>
+            <a:endParaRPr lang="en-US" sz="2000" dirty="0"/>
+          </a:p>
+          <a:p>
+            <a:r>
+              <a:rPr lang="fa-IR" sz="2000" dirty="0"/>
+              <a:t>در حال حاضر مقالات در </a:t>
+            </a:r>
+            <a:br>
+              <a:rPr lang="fa-IR" dirty="0"/>
+            </a:br>
+            <a:endParaRPr lang="en-US" dirty="0"/>
+          </a:p>
+        </p:txBody>
+      </p:sp>
+      <p:sp>
+        <p:nvSpPr>
+          <p:cNvPr id="4" name="Slide Number Placeholder 3">
+            <a:extLst>
+              <a:ext uri="{FF2B5EF4-FFF2-40B4-BE49-F238E27FC236}">
+                <a16:creationId xmlns:a16="http://schemas.microsoft.com/office/drawing/2014/main" id="{862195EC-AAA5-41D6-AB67-130EE069D2A1}"/>
+              </a:ext>
+            </a:extLst>
+          </p:cNvPr>
+          <p:cNvSpPr>
+            <a:spLocks noGrp="1"/>
+          </p:cNvSpPr>
+          <p:nvPr>
+            <p:ph type="sldNum" sz="quarter" idx="12"/>
+          </p:nvPr>
+        </p:nvSpPr>
+        <p:spPr/>
+        <p:txBody>
+          <a:bodyPr/>
+          <a:lstStyle/>
+          <a:p>
+            <a:fld id="{D57F1E4F-1CFF-5643-939E-217C01CDF565}" type="slidenum">
+              <a:rPr lang="en-US" smtClean="0"/>
+              <a:pPr/>
+              <a:t>17</a:t>
+            </a:fld>
+            <a:r>
+              <a:rPr lang="en-US"/>
+              <a:t>/37</a:t>
+            </a:r>
+            <a:endParaRPr lang="en-US" dirty="0"/>
+          </a:p>
+        </p:txBody>
+      </p:sp>
+      <p:sp>
+        <p:nvSpPr>
+          <p:cNvPr id="5" name="Rounded Rectangle 10">
+            <a:extLst>
+              <a:ext uri="{FF2B5EF4-FFF2-40B4-BE49-F238E27FC236}">
+                <a16:creationId xmlns:a16="http://schemas.microsoft.com/office/drawing/2014/main" id="{60C9085C-D3E4-4D8A-A0F0-E8280D055E37}"/>
+              </a:ext>
+            </a:extLst>
+          </p:cNvPr>
+          <p:cNvSpPr/>
+          <p:nvPr/>
+        </p:nvSpPr>
+        <p:spPr>
+          <a:xfrm>
+            <a:off x="10782746" y="1177835"/>
+            <a:ext cx="1300766" cy="5586089"/>
+          </a:xfrm>
+          <a:prstGeom prst="roundRect">
+            <a:avLst/>
+          </a:prstGeom>
+          <a:gradFill flip="none" rotWithShape="1">
+            <a:gsLst>
+              <a:gs pos="0">
+                <a:schemeClr val="accent1">
+                  <a:tint val="66000"/>
+                  <a:satMod val="160000"/>
+                </a:schemeClr>
+              </a:gs>
+              <a:gs pos="50000">
+                <a:schemeClr val="accent1">
+                  <a:tint val="44500"/>
+                  <a:satMod val="160000"/>
+                </a:schemeClr>
+              </a:gs>
+              <a:gs pos="100000">
+                <a:schemeClr val="accent1">
+                  <a:tint val="23500"/>
+                  <a:satMod val="160000"/>
+                </a:schemeClr>
+              </a:gs>
+            </a:gsLst>
+            <a:path path="circle">
+              <a:fillToRect l="100000" t="100000"/>
+            </a:path>
+            <a:tileRect r="-100000" b="-100000"/>
+          </a:gradFill>
+          <a:ln>
+            <a:prstDash val="solid"/>
+          </a:ln>
+        </p:spPr>
+        <p:style>
+          <a:lnRef idx="2">
+            <a:schemeClr val="accent1">
+              <a:shade val="50000"/>
+            </a:schemeClr>
+          </a:lnRef>
+          <a:fillRef idx="1">
+            <a:schemeClr val="accent1"/>
+          </a:fillRef>
+          <a:effectRef idx="0">
+            <a:schemeClr val="accent1"/>
+          </a:effectRef>
+          <a:fontRef idx="minor">
+            <a:schemeClr val="lt1"/>
+          </a:fontRef>
+        </p:style>
+        <p:txBody>
+          <a:bodyPr rtlCol="0" anchor="ctr"/>
+          <a:lstStyle/>
+          <a:p>
+            <a:pPr algn="ctr"/>
+            <a:endParaRPr lang="en-US" sz="1500">
+              <a:cs typeface="B Nazanin" panose="00000400000000000000" pitchFamily="2" charset="-78"/>
+            </a:endParaRPr>
+          </a:p>
+        </p:txBody>
+      </p:sp>
+      <p:sp>
+        <p:nvSpPr>
+          <p:cNvPr id="6" name="Rectangle 5">
+            <a:extLst>
+              <a:ext uri="{FF2B5EF4-FFF2-40B4-BE49-F238E27FC236}">
+                <a16:creationId xmlns:a16="http://schemas.microsoft.com/office/drawing/2014/main" id="{84C9E0DD-B909-43DF-9922-BE31D7347F1D}"/>
+              </a:ext>
+            </a:extLst>
+          </p:cNvPr>
+          <p:cNvSpPr/>
+          <p:nvPr/>
+        </p:nvSpPr>
+        <p:spPr>
+          <a:xfrm>
+            <a:off x="10975929" y="1382087"/>
+            <a:ext cx="927279" cy="872108"/>
+          </a:xfrm>
+          <a:prstGeom prst="rect">
+            <a:avLst/>
+          </a:prstGeom>
+          <a:solidFill>
+            <a:schemeClr val="tx2">
+              <a:lumMod val="60000"/>
+              <a:lumOff val="40000"/>
+            </a:schemeClr>
+          </a:solidFill>
+        </p:spPr>
+        <p:style>
+          <a:lnRef idx="2">
+            <a:schemeClr val="accent1">
+              <a:shade val="50000"/>
+            </a:schemeClr>
+          </a:lnRef>
+          <a:fillRef idx="1">
+            <a:schemeClr val="accent1"/>
+          </a:fillRef>
+          <a:effectRef idx="0">
+            <a:schemeClr val="accent1"/>
+          </a:effectRef>
+          <a:fontRef idx="minor">
+            <a:schemeClr val="lt1"/>
+          </a:fontRef>
+        </p:style>
+        <p:txBody>
+          <a:bodyPr rtlCol="0" anchor="ctr"/>
+          <a:lstStyle/>
+          <a:p>
+            <a:pPr algn="ctr"/>
+            <a:r>
+              <a:rPr lang="fa-IR" dirty="0">
+                <a:solidFill>
+                  <a:schemeClr val="tx1"/>
+                </a:solidFill>
+                <a:cs typeface="B Nazanin" panose="00000400000000000000" pitchFamily="2" charset="-78"/>
+              </a:rPr>
+              <a:t>مقدمه</a:t>
+            </a:r>
+            <a:endParaRPr lang="en-US" dirty="0">
+              <a:solidFill>
+                <a:schemeClr val="tx1"/>
+              </a:solidFill>
+              <a:cs typeface="B Nazanin" panose="00000400000000000000" pitchFamily="2" charset="-78"/>
+            </a:endParaRPr>
+          </a:p>
+        </p:txBody>
+      </p:sp>
+      <p:sp>
+        <p:nvSpPr>
+          <p:cNvPr id="7" name="Rectangle 6">
+            <a:extLst>
+              <a:ext uri="{FF2B5EF4-FFF2-40B4-BE49-F238E27FC236}">
+                <a16:creationId xmlns:a16="http://schemas.microsoft.com/office/drawing/2014/main" id="{94AA5673-AB6D-4AF0-875B-8DA7E7A5B140}"/>
+              </a:ext>
+            </a:extLst>
+          </p:cNvPr>
+          <p:cNvSpPr/>
+          <p:nvPr/>
+        </p:nvSpPr>
+        <p:spPr>
+          <a:xfrm>
+            <a:off x="10975929" y="2415082"/>
+            <a:ext cx="914400" cy="914400"/>
+          </a:xfrm>
+          <a:prstGeom prst="rect">
+            <a:avLst/>
+          </a:prstGeom>
+          <a:solidFill>
+            <a:schemeClr val="tx2">
+              <a:lumMod val="60000"/>
+              <a:lumOff val="40000"/>
+            </a:schemeClr>
+          </a:solidFill>
+          <a:ln>
+            <a:solidFill>
+              <a:schemeClr val="tx2">
+                <a:lumMod val="60000"/>
+                <a:lumOff val="40000"/>
+              </a:schemeClr>
+            </a:solidFill>
+          </a:ln>
+        </p:spPr>
+        <p:style>
+          <a:lnRef idx="2">
+            <a:schemeClr val="accent1">
+              <a:shade val="50000"/>
+            </a:schemeClr>
+          </a:lnRef>
+          <a:fillRef idx="1">
+            <a:schemeClr val="accent1"/>
+          </a:fillRef>
+          <a:effectRef idx="0">
+            <a:schemeClr val="accent1"/>
+          </a:effectRef>
+          <a:fontRef idx="minor">
+            <a:schemeClr val="lt1"/>
+          </a:fontRef>
+        </p:style>
+        <p:txBody>
+          <a:bodyPr rtlCol="0" anchor="ctr"/>
+          <a:lstStyle/>
+          <a:p>
+            <a:pPr algn="ctr"/>
+            <a:r>
+              <a:rPr lang="fa-IR" sz="1500" b="1" dirty="0">
+                <a:solidFill>
+                  <a:schemeClr val="bg1"/>
+                </a:solidFill>
+                <a:cs typeface="B Nazanin" panose="00000400000000000000" pitchFamily="2" charset="-78"/>
+              </a:rPr>
+              <a:t>پیشینه ی تحقیق</a:t>
+            </a:r>
+            <a:endParaRPr lang="en-US" sz="1500" b="1" dirty="0">
+              <a:solidFill>
+                <a:schemeClr val="bg1"/>
+              </a:solidFill>
+              <a:cs typeface="B Nazanin" panose="00000400000000000000" pitchFamily="2" charset="-78"/>
+            </a:endParaRPr>
+          </a:p>
+        </p:txBody>
+      </p:sp>
+      <p:sp>
+        <p:nvSpPr>
+          <p:cNvPr id="8" name="Rectangle 7">
+            <a:extLst>
+              <a:ext uri="{FF2B5EF4-FFF2-40B4-BE49-F238E27FC236}">
+                <a16:creationId xmlns:a16="http://schemas.microsoft.com/office/drawing/2014/main" id="{52A80A28-987D-4F19-B306-D0919DFD7800}"/>
+              </a:ext>
+            </a:extLst>
+          </p:cNvPr>
+          <p:cNvSpPr/>
+          <p:nvPr/>
+        </p:nvSpPr>
+        <p:spPr>
+          <a:xfrm>
+            <a:off x="10975929" y="3409406"/>
+            <a:ext cx="914400" cy="1173749"/>
+          </a:xfrm>
+          <a:prstGeom prst="rect">
+            <a:avLst/>
+          </a:prstGeom>
+          <a:gradFill flip="none" rotWithShape="1">
+            <a:gsLst>
+              <a:gs pos="0">
+                <a:schemeClr val="accent1">
+                  <a:tint val="66000"/>
+                  <a:satMod val="160000"/>
+                </a:schemeClr>
+              </a:gs>
+              <a:gs pos="50000">
+                <a:schemeClr val="accent1">
+                  <a:tint val="44500"/>
+                  <a:satMod val="160000"/>
+                </a:schemeClr>
+              </a:gs>
+              <a:gs pos="100000">
+                <a:schemeClr val="accent1">
+                  <a:tint val="23500"/>
+                  <a:satMod val="160000"/>
+                </a:schemeClr>
+              </a:gs>
+            </a:gsLst>
+            <a:path path="circle">
+              <a:fillToRect l="50000" t="50000" r="50000" b="50000"/>
+            </a:path>
+            <a:tileRect/>
+          </a:gradFill>
+        </p:spPr>
+        <p:style>
+          <a:lnRef idx="2">
+            <a:schemeClr val="accent1">
+              <a:shade val="50000"/>
+            </a:schemeClr>
+          </a:lnRef>
+          <a:fillRef idx="1">
+            <a:schemeClr val="accent1"/>
+          </a:fillRef>
+          <a:effectRef idx="0">
+            <a:schemeClr val="accent1"/>
+          </a:effectRef>
+          <a:fontRef idx="minor">
+            <a:schemeClr val="lt1"/>
+          </a:fontRef>
+        </p:style>
+        <p:txBody>
+          <a:bodyPr rtlCol="0" anchor="ctr"/>
+          <a:lstStyle/>
+          <a:p>
+            <a:pPr algn="ctr"/>
+            <a:r>
+              <a:rPr lang="fa-IR" sz="1500" dirty="0">
+                <a:solidFill>
+                  <a:schemeClr val="tx1"/>
+                </a:solidFill>
+                <a:cs typeface="B Nazanin" panose="00000400000000000000" pitchFamily="2" charset="-78"/>
+              </a:rPr>
+              <a:t>تخصیص منابع در شبکه دسترسی رادیویی باز </a:t>
+            </a:r>
+            <a:endParaRPr lang="en-US" sz="1500" dirty="0">
+              <a:solidFill>
+                <a:schemeClr val="tx1"/>
+              </a:solidFill>
+              <a:cs typeface="B Nazanin" panose="00000400000000000000" pitchFamily="2" charset="-78"/>
+            </a:endParaRPr>
+          </a:p>
+        </p:txBody>
+      </p:sp>
+      <p:sp>
+        <p:nvSpPr>
+          <p:cNvPr id="9" name="Rectangle 8">
+            <a:extLst>
+              <a:ext uri="{FF2B5EF4-FFF2-40B4-BE49-F238E27FC236}">
+                <a16:creationId xmlns:a16="http://schemas.microsoft.com/office/drawing/2014/main" id="{74DDC670-5BE6-4A9D-8998-087A67FF1526}"/>
+              </a:ext>
+            </a:extLst>
+          </p:cNvPr>
+          <p:cNvSpPr/>
+          <p:nvPr/>
+        </p:nvSpPr>
+        <p:spPr>
+          <a:xfrm>
+            <a:off x="10948455" y="4708310"/>
+            <a:ext cx="914400" cy="914400"/>
+          </a:xfrm>
+          <a:prstGeom prst="rect">
+            <a:avLst/>
+          </a:prstGeom>
+          <a:gradFill flip="none" rotWithShape="1">
+            <a:gsLst>
+              <a:gs pos="0">
+                <a:schemeClr val="accent1">
+                  <a:tint val="66000"/>
+                  <a:satMod val="160000"/>
+                </a:schemeClr>
+              </a:gs>
+              <a:gs pos="50000">
+                <a:schemeClr val="accent1">
+                  <a:tint val="44500"/>
+                  <a:satMod val="160000"/>
+                </a:schemeClr>
+              </a:gs>
+              <a:gs pos="100000">
+                <a:schemeClr val="accent1">
+                  <a:tint val="23500"/>
+                  <a:satMod val="160000"/>
+                </a:schemeClr>
+              </a:gs>
+            </a:gsLst>
+            <a:path path="circle">
+              <a:fillToRect l="50000" t="50000" r="50000" b="50000"/>
+            </a:path>
+            <a:tileRect/>
+          </a:gradFill>
+        </p:spPr>
+        <p:style>
+          <a:lnRef idx="2">
+            <a:schemeClr val="accent1">
+              <a:shade val="50000"/>
+            </a:schemeClr>
+          </a:lnRef>
+          <a:fillRef idx="1">
+            <a:schemeClr val="accent1"/>
+          </a:fillRef>
+          <a:effectRef idx="0">
+            <a:schemeClr val="accent1"/>
+          </a:effectRef>
+          <a:fontRef idx="minor">
+            <a:schemeClr val="lt1"/>
+          </a:fontRef>
+        </p:style>
+        <p:txBody>
+          <a:bodyPr rtlCol="0" anchor="ctr"/>
+          <a:lstStyle/>
+          <a:p>
+            <a:pPr algn="ctr" rtl="1"/>
+            <a:r>
+              <a:rPr lang="fa-IR" sz="1500" dirty="0">
+                <a:solidFill>
+                  <a:schemeClr val="tx1"/>
+                </a:solidFill>
+                <a:cs typeface="B Nazanin" pitchFamily="2" charset="-78"/>
+              </a:rPr>
+              <a:t>تخصیص برش شبکه به صورت دینامیکی</a:t>
+            </a:r>
+            <a:endParaRPr lang="en-US" sz="1500" dirty="0">
+              <a:solidFill>
+                <a:schemeClr val="tx1"/>
+              </a:solidFill>
+              <a:cs typeface="B Nazanin" pitchFamily="2" charset="-78"/>
+            </a:endParaRPr>
+          </a:p>
+        </p:txBody>
+      </p:sp>
+      <p:sp>
+        <p:nvSpPr>
+          <p:cNvPr id="10" name="Rectangle 9">
+            <a:extLst>
+              <a:ext uri="{FF2B5EF4-FFF2-40B4-BE49-F238E27FC236}">
+                <a16:creationId xmlns:a16="http://schemas.microsoft.com/office/drawing/2014/main" id="{C1985BC2-FF90-47F6-8493-B3FF348592E1}"/>
+              </a:ext>
+            </a:extLst>
+          </p:cNvPr>
+          <p:cNvSpPr/>
+          <p:nvPr/>
+        </p:nvSpPr>
+        <p:spPr>
+          <a:xfrm>
+            <a:off x="10975929" y="5747865"/>
+            <a:ext cx="914400" cy="1005335"/>
+          </a:xfrm>
+          <a:prstGeom prst="rect">
+            <a:avLst/>
+          </a:prstGeom>
+          <a:gradFill flip="none" rotWithShape="1">
+            <a:gsLst>
+              <a:gs pos="0">
+                <a:schemeClr val="accent1">
+                  <a:tint val="66000"/>
+                  <a:satMod val="160000"/>
+                </a:schemeClr>
+              </a:gs>
+              <a:gs pos="50000">
+                <a:schemeClr val="accent1">
+                  <a:tint val="44500"/>
+                  <a:satMod val="160000"/>
+                </a:schemeClr>
+              </a:gs>
+              <a:gs pos="100000">
+                <a:schemeClr val="accent1">
+                  <a:tint val="23500"/>
+                  <a:satMod val="160000"/>
+                </a:schemeClr>
+              </a:gs>
+            </a:gsLst>
+            <a:path path="circle">
+              <a:fillToRect l="50000" t="50000" r="50000" b="50000"/>
+            </a:path>
+            <a:tileRect/>
+          </a:gradFill>
+        </p:spPr>
+        <p:style>
+          <a:lnRef idx="2">
+            <a:schemeClr val="accent1">
+              <a:shade val="50000"/>
+            </a:schemeClr>
+          </a:lnRef>
+          <a:fillRef idx="1">
+            <a:schemeClr val="accent1"/>
+          </a:fillRef>
+          <a:effectRef idx="0">
+            <a:schemeClr val="accent1"/>
+          </a:effectRef>
+          <a:fontRef idx="minor">
+            <a:schemeClr val="lt1"/>
+          </a:fontRef>
+        </p:style>
+        <p:txBody>
+          <a:bodyPr rtlCol="0" anchor="ctr"/>
+          <a:lstStyle/>
+          <a:p>
+            <a:pPr algn="ctr"/>
+            <a:r>
+              <a:rPr lang="fa-IR" sz="1500" dirty="0">
+                <a:solidFill>
+                  <a:schemeClr val="tx1"/>
+                </a:solidFill>
+                <a:cs typeface="B Nazanin" panose="00000400000000000000" pitchFamily="2" charset="-78"/>
+              </a:rPr>
+              <a:t>نتیجه گیری و پیشنهادات</a:t>
+            </a:r>
+            <a:endParaRPr lang="en-US" sz="1500" dirty="0">
+              <a:solidFill>
+                <a:schemeClr val="tx1"/>
+              </a:solidFill>
+              <a:cs typeface="B Nazanin" panose="00000400000000000000" pitchFamily="2" charset="-78"/>
+            </a:endParaRPr>
+          </a:p>
+        </p:txBody>
+      </p:sp>
+    </p:spTree>
+    <p:extLst>
+      <p:ext uri="{BB962C8B-B14F-4D97-AF65-F5344CB8AC3E}">
+        <p14:creationId xmlns:p14="http://schemas.microsoft.com/office/powerpoint/2010/main" val="1681087191"/>
+      </p:ext>
+    </p:extLst>
+  </p:cSld>
+  <p:clrMapOvr>
+    <a:masterClrMapping/>
+  </p:clrMapOvr>
+</p:sld>
+</file>
+
+<file path=ppt/slides/slide18.xml><?xml version="1.0" encoding="utf-8"?>
 <p:sld xmlns:a="http://schemas.openxmlformats.org/drawingml/2006/main" xmlns:r="http://schemas.openxmlformats.org/officeDocument/2006/relationships" xmlns:p="http://schemas.openxmlformats.org/presentationml/2006/main">
   <p:cSld>
     <p:spTree>
@@ -14299,17 +14964,9 @@
                 <a:pPr marL="0" indent="0">
                   <a:buNone/>
                 </a:pPr>
-                <a:r>
-                  <a:rPr lang="fa-IR" dirty="0"/>
-                  <a:t/>
-                </a:r>
                 <a:br>
                   <a:rPr lang="fa-IR" dirty="0"/>
                 </a:br>
-                <a:r>
-                  <a:rPr lang="fa-IR" dirty="0"/>
-                  <a:t/>
-                </a:r>
                 <a:br>
                   <a:rPr lang="fa-IR" dirty="0"/>
                 </a:br>
@@ -14855,10 +15512,10 @@
             <a:fld id="{D57F1E4F-1CFF-5643-939E-217C01CDF565}" type="slidenum">
               <a:rPr lang="en-US" smtClean="0"/>
               <a:pPr/>
-              <a:t>17</a:t>
+              <a:t>18</a:t>
             </a:fld>
             <a:r>
-              <a:rPr lang="en-US" smtClean="0"/>
+              <a:rPr lang="en-US"/>
               <a:t>/37</a:t>
             </a:r>
             <a:endParaRPr lang="en-US" dirty="0"/>
@@ -14875,17 +15532,10 @@
   <p:clrMapOvr>
     <a:masterClrMapping/>
   </p:clrMapOvr>
-  <p:timing>
-    <p:tnLst>
-      <p:par>
-        <p:cTn id="1" dur="indefinite" restart="never" nodeType="tmRoot"/>
-      </p:par>
-    </p:tnLst>
-  </p:timing>
 </p:sld>
 </file>
 
-<file path=ppt/slides/slide18.xml><?xml version="1.0" encoding="utf-8"?>
+<file path=ppt/slides/slide19.xml><?xml version="1.0" encoding="utf-8"?>
 <p:sld xmlns:a="http://schemas.openxmlformats.org/drawingml/2006/main" xmlns:r="http://schemas.openxmlformats.org/officeDocument/2006/relationships" xmlns:p="http://schemas.openxmlformats.org/presentationml/2006/main">
   <p:cSld>
     <p:spTree>
@@ -15469,8 +16119,8 @@
         </p:blipFill>
         <p:spPr>
           <a:xfrm>
-            <a:off x="1532953" y="1430508"/>
-            <a:ext cx="3104736" cy="694000"/>
+            <a:off x="1818780" y="1452400"/>
+            <a:ext cx="2939706" cy="657111"/>
           </a:xfrm>
           <a:prstGeom prst="rect">
             <a:avLst/>
@@ -15499,7 +16149,7 @@
         </p:blipFill>
         <p:spPr>
           <a:xfrm>
-            <a:off x="1552322" y="2150945"/>
+            <a:off x="1822493" y="2150945"/>
             <a:ext cx="3981450" cy="857250"/>
           </a:xfrm>
           <a:prstGeom prst="rect">
@@ -15529,7 +16179,7 @@
         </p:blipFill>
         <p:spPr>
           <a:xfrm>
-            <a:off x="1532953" y="6149307"/>
+            <a:off x="1941511" y="6149307"/>
             <a:ext cx="4991100" cy="466725"/>
           </a:xfrm>
           <a:prstGeom prst="rect">
@@ -15559,7 +16209,7 @@
         </p:blipFill>
         <p:spPr>
           <a:xfrm>
-            <a:off x="1532953" y="3034632"/>
+            <a:off x="1917743" y="3034632"/>
             <a:ext cx="3790950" cy="3114675"/>
           </a:xfrm>
           <a:prstGeom prst="rect">
@@ -15585,10 +16235,10 @@
             <a:fld id="{D57F1E4F-1CFF-5643-939E-217C01CDF565}" type="slidenum">
               <a:rPr lang="en-US" smtClean="0"/>
               <a:pPr/>
-              <a:t>18</a:t>
+              <a:t>19</a:t>
             </a:fld>
             <a:r>
-              <a:rPr lang="en-US" smtClean="0"/>
+              <a:rPr lang="en-US"/>
               <a:t>/37</a:t>
             </a:r>
             <a:endParaRPr lang="en-US" dirty="0"/>
@@ -15605,17 +16255,142 @@
   <p:clrMapOvr>
     <a:masterClrMapping/>
   </p:clrMapOvr>
-  <p:timing>
-    <p:tnLst>
-      <p:par>
-        <p:cTn id="1" dur="indefinite" restart="never" nodeType="tmRoot"/>
-      </p:par>
-    </p:tnLst>
-  </p:timing>
 </p:sld>
 </file>
 
-<file path=ppt/slides/slide19.xml><?xml version="1.0" encoding="utf-8"?>
+<file path=ppt/slides/slide2.xml><?xml version="1.0" encoding="utf-8"?>
+<p:sld xmlns:a="http://schemas.openxmlformats.org/drawingml/2006/main" xmlns:r="http://schemas.openxmlformats.org/officeDocument/2006/relationships" xmlns:p="http://schemas.openxmlformats.org/presentationml/2006/main">
+  <p:cSld>
+    <p:spTree>
+      <p:nvGrpSpPr>
+        <p:cNvPr id="1" name=""/>
+        <p:cNvGrpSpPr/>
+        <p:nvPr/>
+      </p:nvGrpSpPr>
+      <p:grpSpPr>
+        <a:xfrm>
+          <a:off x="0" y="0"/>
+          <a:ext cx="0" cy="0"/>
+          <a:chOff x="0" y="0"/>
+          <a:chExt cx="0" cy="0"/>
+        </a:xfrm>
+      </p:grpSpPr>
+      <p:pic>
+        <p:nvPicPr>
+          <p:cNvPr id="4" name="Content Placeholder 3" descr="god.jpg"/>
+          <p:cNvPicPr>
+            <a:picLocks noGrp="1"/>
+          </p:cNvPicPr>
+          <p:nvPr>
+            <p:ph idx="1"/>
+          </p:nvPr>
+        </p:nvPicPr>
+        <p:blipFill>
+          <a:blip r:embed="rId2" cstate="print">
+            <a:biLevel thresh="25000"/>
+          </a:blip>
+          <a:stretch>
+            <a:fillRect/>
+          </a:stretch>
+        </p:blipFill>
+        <p:spPr>
+          <a:xfrm>
+            <a:off x="2962142" y="876300"/>
+            <a:ext cx="8023358" cy="4597400"/>
+          </a:xfrm>
+          <a:prstGeom prst="roundRect">
+            <a:avLst>
+              <a:gd name="adj" fmla="val 16667"/>
+            </a:avLst>
+          </a:prstGeom>
+          <a:gradFill flip="none" rotWithShape="1">
+            <a:gsLst>
+              <a:gs pos="0">
+                <a:srgbClr val="67CDF5">
+                  <a:lumMod val="80000"/>
+                  <a:lumOff val="20000"/>
+                </a:srgbClr>
+              </a:gs>
+              <a:gs pos="0">
+                <a:srgbClr val="00B0F0"/>
+              </a:gs>
+              <a:gs pos="100000">
+                <a:schemeClr val="bg2">
+                  <a:shade val="98000"/>
+                  <a:satMod val="120000"/>
+                  <a:lumMod val="98000"/>
+                </a:schemeClr>
+              </a:gs>
+            </a:gsLst>
+            <a:lin ang="5400000" scaled="0"/>
+            <a:tileRect/>
+          </a:gradFill>
+          <a:ln>
+            <a:noFill/>
+          </a:ln>
+          <a:effectLst>
+            <a:outerShdw blurRad="152400" dist="12000" dir="900000" sy="98000" kx="110000" ky="200000" algn="tl" rotWithShape="0">
+              <a:srgbClr val="000000">
+                <a:alpha val="30000"/>
+              </a:srgbClr>
+            </a:outerShdw>
+          </a:effectLst>
+          <a:scene3d>
+            <a:camera prst="perspectiveRelaxed">
+              <a:rot lat="19800000" lon="1200000" rev="20820000"/>
+            </a:camera>
+            <a:lightRig rig="threePt" dir="t"/>
+          </a:scene3d>
+          <a:sp3d contourW="6350" prstMaterial="matte">
+            <a:bevelT w="101600" h="101600"/>
+            <a:contourClr>
+              <a:srgbClr val="969696"/>
+            </a:contourClr>
+          </a:sp3d>
+        </p:spPr>
+      </p:pic>
+      <p:sp>
+        <p:nvSpPr>
+          <p:cNvPr id="2" name="Slide Number Placeholder 1"/>
+          <p:cNvSpPr>
+            <a:spLocks noGrp="1"/>
+          </p:cNvSpPr>
+          <p:nvPr>
+            <p:ph type="sldNum" sz="quarter" idx="12"/>
+          </p:nvPr>
+        </p:nvSpPr>
+        <p:spPr/>
+        <p:txBody>
+          <a:bodyPr/>
+          <a:lstStyle/>
+          <a:p>
+            <a:fld id="{D57F1E4F-1CFF-5643-939E-217C01CDF565}" type="slidenum">
+              <a:rPr lang="en-US" smtClean="0"/>
+              <a:pPr/>
+              <a:t>2</a:t>
+            </a:fld>
+            <a:r>
+              <a:rPr lang="en-US"/>
+              <a:t>/37</a:t>
+            </a:r>
+            <a:endParaRPr lang="en-US" dirty="0"/>
+          </a:p>
+        </p:txBody>
+      </p:sp>
+    </p:spTree>
+    <p:extLst>
+      <p:ext uri="{BB962C8B-B14F-4D97-AF65-F5344CB8AC3E}">
+        <p14:creationId xmlns:p14="http://schemas.microsoft.com/office/powerpoint/2010/main" val="1961345261"/>
+      </p:ext>
+    </p:extLst>
+  </p:cSld>
+  <p:clrMapOvr>
+    <a:masterClrMapping/>
+  </p:clrMapOvr>
+</p:sld>
+</file>
+
+<file path=ppt/slides/slide20.xml><?xml version="1.0" encoding="utf-8"?>
 <p:sld xmlns:a="http://schemas.openxmlformats.org/drawingml/2006/main" xmlns:r="http://schemas.openxmlformats.org/officeDocument/2006/relationships" xmlns:p="http://schemas.openxmlformats.org/presentationml/2006/main">
   <p:cSld>
     <p:spTree>
@@ -15828,17 +16603,9 @@
                   </a:rPr>
                   <a:t>ام با واحد توزیع شده </a:t>
                 </a:r>
-                <a:r>
-                  <a:rPr lang="fa-IR" dirty="0"/>
-                  <a:t/>
-                </a:r>
                 <a:br>
                   <a:rPr lang="fa-IR" dirty="0"/>
                 </a:br>
-                <a:r>
-                  <a:rPr lang="fa-IR" dirty="0"/>
-                  <a:t/>
-                </a:r>
                 <a:br>
                   <a:rPr lang="fa-IR" dirty="0"/>
                 </a:br>
@@ -16498,10 +17265,10 @@
             <a:fld id="{D57F1E4F-1CFF-5643-939E-217C01CDF565}" type="slidenum">
               <a:rPr lang="en-US" smtClean="0"/>
               <a:pPr/>
-              <a:t>19</a:t>
+              <a:t>20</a:t>
             </a:fld>
             <a:r>
-              <a:rPr lang="en-US" smtClean="0"/>
+              <a:rPr lang="en-US"/>
               <a:t>/37</a:t>
             </a:r>
             <a:endParaRPr lang="en-US" dirty="0"/>
@@ -16518,156 +17285,10 @@
   <p:clrMapOvr>
     <a:masterClrMapping/>
   </p:clrMapOvr>
-  <p:timing>
-    <p:tnLst>
-      <p:par>
-        <p:cTn id="1" dur="indefinite" restart="never" nodeType="tmRoot"/>
-      </p:par>
-    </p:tnLst>
-  </p:timing>
 </p:sld>
 </file>
 
-<file path=ppt/slides/slide2.xml><?xml version="1.0" encoding="utf-8"?>
-<p:sld xmlns:a="http://schemas.openxmlformats.org/drawingml/2006/main" xmlns:r="http://schemas.openxmlformats.org/officeDocument/2006/relationships" xmlns:p="http://schemas.openxmlformats.org/presentationml/2006/main">
-  <p:cSld>
-    <p:spTree>
-      <p:nvGrpSpPr>
-        <p:cNvPr id="1" name=""/>
-        <p:cNvGrpSpPr/>
-        <p:nvPr/>
-      </p:nvGrpSpPr>
-      <p:grpSpPr>
-        <a:xfrm>
-          <a:off x="0" y="0"/>
-          <a:ext cx="0" cy="0"/>
-          <a:chOff x="0" y="0"/>
-          <a:chExt cx="0" cy="0"/>
-        </a:xfrm>
-      </p:grpSpPr>
-      <p:pic>
-        <p:nvPicPr>
-          <p:cNvPr id="4" name="Content Placeholder 3" descr="god.jpg"/>
-          <p:cNvPicPr>
-            <a:picLocks noGrp="1"/>
-          </p:cNvPicPr>
-          <p:nvPr>
-            <p:ph idx="1"/>
-          </p:nvPr>
-        </p:nvPicPr>
-        <p:blipFill>
-          <a:blip r:embed="rId2" cstate="print">
-            <a:biLevel thresh="25000"/>
-          </a:blip>
-          <a:stretch>
-            <a:fillRect/>
-          </a:stretch>
-        </p:blipFill>
-        <p:spPr>
-          <a:xfrm>
-            <a:off x="2962142" y="876300"/>
-            <a:ext cx="8023358" cy="4597400"/>
-          </a:xfrm>
-          <a:prstGeom prst="roundRect">
-            <a:avLst>
-              <a:gd name="adj" fmla="val 16667"/>
-            </a:avLst>
-          </a:prstGeom>
-          <a:gradFill flip="none" rotWithShape="1">
-            <a:gsLst>
-              <a:gs pos="0">
-                <a:srgbClr val="67CDF5">
-                  <a:lumMod val="80000"/>
-                  <a:lumOff val="20000"/>
-                </a:srgbClr>
-              </a:gs>
-              <a:gs pos="0">
-                <a:srgbClr val="00B0F0"/>
-              </a:gs>
-              <a:gs pos="100000">
-                <a:schemeClr val="bg2">
-                  <a:shade val="98000"/>
-                  <a:satMod val="120000"/>
-                  <a:lumMod val="98000"/>
-                </a:schemeClr>
-              </a:gs>
-            </a:gsLst>
-            <a:lin ang="5400000" scaled="0"/>
-            <a:tileRect/>
-          </a:gradFill>
-          <a:ln>
-            <a:noFill/>
-          </a:ln>
-          <a:effectLst>
-            <a:outerShdw blurRad="152400" dist="12000" dir="900000" sy="98000" kx="110000" ky="200000" algn="tl" rotWithShape="0">
-              <a:srgbClr val="000000">
-                <a:alpha val="30000"/>
-              </a:srgbClr>
-            </a:outerShdw>
-          </a:effectLst>
-          <a:scene3d>
-            <a:camera prst="perspectiveRelaxed">
-              <a:rot lat="19800000" lon="1200000" rev="20820000"/>
-            </a:camera>
-            <a:lightRig rig="threePt" dir="t"/>
-          </a:scene3d>
-          <a:sp3d contourW="6350" prstMaterial="matte">
-            <a:bevelT w="101600" h="101600"/>
-            <a:contourClr>
-              <a:srgbClr val="969696"/>
-            </a:contourClr>
-          </a:sp3d>
-        </p:spPr>
-      </p:pic>
-      <p:sp>
-        <p:nvSpPr>
-          <p:cNvPr id="2" name="Slide Number Placeholder 1"/>
-          <p:cNvSpPr>
-            <a:spLocks noGrp="1"/>
-          </p:cNvSpPr>
-          <p:nvPr>
-            <p:ph type="sldNum" sz="quarter" idx="12"/>
-          </p:nvPr>
-        </p:nvSpPr>
-        <p:spPr/>
-        <p:txBody>
-          <a:bodyPr/>
-          <a:lstStyle/>
-          <a:p>
-            <a:fld id="{D57F1E4F-1CFF-5643-939E-217C01CDF565}" type="slidenum">
-              <a:rPr lang="en-US" smtClean="0"/>
-              <a:pPr/>
-              <a:t>2</a:t>
-            </a:fld>
-            <a:r>
-              <a:rPr lang="en-US" smtClean="0"/>
-              <a:t>/37</a:t>
-            </a:r>
-            <a:endParaRPr lang="en-US" dirty="0"/>
-          </a:p>
-        </p:txBody>
-      </p:sp>
-    </p:spTree>
-    <p:extLst>
-      <p:ext uri="{BB962C8B-B14F-4D97-AF65-F5344CB8AC3E}">
-        <p14:creationId xmlns:p14="http://schemas.microsoft.com/office/powerpoint/2010/main" val="1961345261"/>
-      </p:ext>
-    </p:extLst>
-  </p:cSld>
-  <p:clrMapOvr>
-    <a:masterClrMapping/>
-  </p:clrMapOvr>
-  <p:timing>
-    <p:tnLst>
-      <p:par>
-        <p:cTn id="1" dur="indefinite" restart="never" nodeType="tmRoot"/>
-      </p:par>
-    </p:tnLst>
-  </p:timing>
-</p:sld>
-</file>
-
-<file path=ppt/slides/slide20.xml><?xml version="1.0" encoding="utf-8"?>
+<file path=ppt/slides/slide21.xml><?xml version="1.0" encoding="utf-8"?>
 <p:sld xmlns:a="http://schemas.openxmlformats.org/drawingml/2006/main" xmlns:r="http://schemas.openxmlformats.org/officeDocument/2006/relationships" xmlns:p="http://schemas.openxmlformats.org/presentationml/2006/main">
   <p:cSld>
     <p:spTree>
@@ -17462,10 +18083,10 @@
             <a:fld id="{D57F1E4F-1CFF-5643-939E-217C01CDF565}" type="slidenum">
               <a:rPr lang="en-US" smtClean="0"/>
               <a:pPr/>
-              <a:t>20</a:t>
+              <a:t>21</a:t>
             </a:fld>
             <a:r>
-              <a:rPr lang="en-US" smtClean="0"/>
+              <a:rPr lang="en-US"/>
               <a:t>/37</a:t>
             </a:r>
             <a:endParaRPr lang="en-US" dirty="0"/>
@@ -17482,17 +18103,10 @@
   <p:clrMapOvr>
     <a:masterClrMapping/>
   </p:clrMapOvr>
-  <p:timing>
-    <p:tnLst>
-      <p:par>
-        <p:cTn id="1" dur="indefinite" restart="never" nodeType="tmRoot"/>
-      </p:par>
-    </p:tnLst>
-  </p:timing>
 </p:sld>
 </file>
 
-<file path=ppt/slides/slide21.xml><?xml version="1.0" encoding="utf-8"?>
+<file path=ppt/slides/slide22.xml><?xml version="1.0" encoding="utf-8"?>
 <p:sld xmlns:a="http://schemas.openxmlformats.org/drawingml/2006/main" xmlns:r="http://schemas.openxmlformats.org/officeDocument/2006/relationships" xmlns:p="http://schemas.openxmlformats.org/presentationml/2006/main">
   <p:cSld>
     <p:spTree>
@@ -17538,8 +18152,8 @@
           </a:p>
         </p:txBody>
       </p:sp>
-      <mc:AlternateContent xmlns:mc="http://schemas.openxmlformats.org/markup-compatibility/2006" xmlns:a14="http://schemas.microsoft.com/office/drawing/2010/main">
-        <mc:Choice Requires="a14">
+      <mc:AlternateContent xmlns:mc="http://schemas.openxmlformats.org/markup-compatibility/2006">
+        <mc:Choice xmlns:a14="http://schemas.microsoft.com/office/drawing/2010/main" Requires="a14">
           <p:sp>
             <p:nvSpPr>
               <p:cNvPr id="3" name="Content Placeholder 2">
@@ -17851,12 +18465,12 @@
                   <a:t>متغیرصفرو یکی است که در صورت یک بودن نشان می دهد مرکزداده ی </a:t>
                 </a:r>
                 <a:r>
-                  <a:rPr lang="en-US" b="0" i="1" dirty="0">
+                  <a:rPr lang="en-US" sz="2000" b="0" i="1" dirty="0">
                     <a:solidFill>
                       <a:srgbClr val="000000"/>
                     </a:solidFill>
                     <a:effectLst/>
-                    <a:latin typeface="CMMI12"/>
+                    <a:cs typeface="Times New Roman" panose="02020603050405020304" pitchFamily="18" charset="0"/>
                   </a:rPr>
                   <a:t>d</a:t>
                 </a:r>
@@ -17871,12 +18485,12 @@
                   <a:t>ام به </a:t>
                 </a:r>
                 <a:r>
-                  <a:rPr lang="en-US" b="0" i="1" dirty="0">
+                  <a:rPr lang="en-US" sz="2000" b="0" i="1" dirty="0">
                     <a:solidFill>
                       <a:srgbClr val="000000"/>
                     </a:solidFill>
                     <a:effectLst/>
-                    <a:latin typeface="CMMI12"/>
+                    <a:cs typeface="Times New Roman" panose="02020603050405020304" pitchFamily="18" charset="0"/>
                   </a:rPr>
                   <a:t>s</a:t>
                 </a:r>
@@ -17897,10 +18511,6 @@
                 <a:br>
                   <a:rPr lang="fa-IR" dirty="0"/>
                 </a:br>
-                <a:r>
-                  <a:rPr lang="fa-IR" dirty="0"/>
-                  <a:t/>
-                </a:r>
                 <a:br>
                   <a:rPr lang="fa-IR" dirty="0"/>
                 </a:br>
@@ -17909,7 +18519,7 @@
             </p:txBody>
           </p:sp>
         </mc:Choice>
-        <mc:Fallback xmlns="">
+        <mc:Fallback>
           <p:sp>
             <p:nvSpPr>
               <p:cNvPr id="3" name="Content Placeholder 2">
@@ -17975,7 +18585,7 @@
         </p:blipFill>
         <p:spPr>
           <a:xfrm>
-            <a:off x="2805112" y="2652154"/>
+            <a:off x="4142803" y="2809073"/>
             <a:ext cx="2219325" cy="447675"/>
           </a:xfrm>
           <a:prstGeom prst="rect">
@@ -18005,7 +18615,7 @@
         </p:blipFill>
         <p:spPr>
           <a:xfrm>
-            <a:off x="324826" y="3302347"/>
+            <a:off x="1941511" y="3673355"/>
             <a:ext cx="3400425" cy="619125"/>
           </a:xfrm>
           <a:prstGeom prst="rect">
@@ -18518,10 +19128,10 @@
             <a:fld id="{D57F1E4F-1CFF-5643-939E-217C01CDF565}" type="slidenum">
               <a:rPr lang="en-US" smtClean="0"/>
               <a:pPr/>
-              <a:t>21</a:t>
+              <a:t>22</a:t>
             </a:fld>
             <a:r>
-              <a:rPr lang="en-US" smtClean="0"/>
+              <a:rPr lang="en-US"/>
               <a:t>/37</a:t>
             </a:r>
             <a:endParaRPr lang="en-US" dirty="0"/>
@@ -18538,17 +19148,10 @@
   <p:clrMapOvr>
     <a:masterClrMapping/>
   </p:clrMapOvr>
-  <p:timing>
-    <p:tnLst>
-      <p:par>
-        <p:cTn id="1" dur="indefinite" restart="never" nodeType="tmRoot"/>
-      </p:par>
-    </p:tnLst>
-  </p:timing>
 </p:sld>
 </file>
 
-<file path=ppt/slides/slide22.xml><?xml version="1.0" encoding="utf-8"?>
+<file path=ppt/slides/slide23.xml><?xml version="1.0" encoding="utf-8"?>
 <p:sld xmlns:a="http://schemas.openxmlformats.org/drawingml/2006/main" xmlns:r="http://schemas.openxmlformats.org/officeDocument/2006/relationships" xmlns:p="http://schemas.openxmlformats.org/presentationml/2006/main">
   <p:cSld>
     <p:spTree>
@@ -18725,24 +19328,12 @@
               <a:rPr lang="fa-IR" sz="3200" dirty="0"/>
               <a:t> </a:t>
             </a:r>
-            <a:r>
-              <a:rPr lang="fa-IR" dirty="0"/>
-              <a:t/>
-            </a:r>
             <a:br>
               <a:rPr lang="fa-IR" dirty="0"/>
             </a:br>
-            <a:r>
-              <a:rPr lang="fa-IR" dirty="0"/>
-              <a:t/>
-            </a:r>
             <a:br>
               <a:rPr lang="fa-IR" dirty="0"/>
             </a:br>
-            <a:r>
-              <a:rPr lang="fa-IR" dirty="0"/>
-              <a:t/>
-            </a:r>
             <a:br>
               <a:rPr lang="fa-IR" dirty="0"/>
             </a:br>
@@ -19229,7 +19820,7 @@
         </p:blipFill>
         <p:spPr>
           <a:xfrm>
-            <a:off x="1621737" y="1476929"/>
+            <a:off x="1624571" y="1461609"/>
             <a:ext cx="2933700" cy="790575"/>
           </a:xfrm>
           <a:prstGeom prst="rect">
@@ -19259,7 +19850,7 @@
         </p:blipFill>
         <p:spPr>
           <a:xfrm>
-            <a:off x="1624571" y="2761348"/>
+            <a:off x="3263461" y="2818623"/>
             <a:ext cx="2589620" cy="593455"/>
           </a:xfrm>
           <a:prstGeom prst="rect">
@@ -19289,7 +19880,7 @@
         </p:blipFill>
         <p:spPr>
           <a:xfrm>
-            <a:off x="1624571" y="4605817"/>
+            <a:off x="3576045" y="4558615"/>
             <a:ext cx="5039909" cy="790574"/>
           </a:xfrm>
           <a:prstGeom prst="rect">
@@ -19315,10 +19906,10 @@
             <a:fld id="{D57F1E4F-1CFF-5643-939E-217C01CDF565}" type="slidenum">
               <a:rPr lang="en-US" smtClean="0"/>
               <a:pPr/>
-              <a:t>22</a:t>
+              <a:t>23</a:t>
             </a:fld>
             <a:r>
-              <a:rPr lang="en-US" smtClean="0"/>
+              <a:rPr lang="en-US"/>
               <a:t>/37</a:t>
             </a:r>
             <a:endParaRPr lang="en-US" dirty="0"/>
@@ -19335,17 +19926,10 @@
   <p:clrMapOvr>
     <a:masterClrMapping/>
   </p:clrMapOvr>
-  <p:timing>
-    <p:tnLst>
-      <p:par>
-        <p:cTn id="1" dur="indefinite" restart="never" nodeType="tmRoot"/>
-      </p:par>
-    </p:tnLst>
-  </p:timing>
 </p:sld>
 </file>
 
-<file path=ppt/slides/slide23.xml><?xml version="1.0" encoding="utf-8"?>
+<file path=ppt/slides/slide24.xml><?xml version="1.0" encoding="utf-8"?>
 <p:sld xmlns:a="http://schemas.openxmlformats.org/drawingml/2006/main" xmlns:r="http://schemas.openxmlformats.org/officeDocument/2006/relationships" xmlns:p="http://schemas.openxmlformats.org/presentationml/2006/main">
   <p:cSld>
     <p:spTree>
@@ -19877,7 +20461,7 @@
         </p:blipFill>
         <p:spPr>
           <a:xfrm>
-            <a:off x="1670785" y="1121642"/>
+            <a:off x="2771768" y="1145912"/>
             <a:ext cx="3162300" cy="1581150"/>
           </a:xfrm>
           <a:prstGeom prst="rect">
@@ -19907,7 +20491,7 @@
         </p:blipFill>
         <p:spPr>
           <a:xfrm>
-            <a:off x="1670785" y="2714919"/>
+            <a:off x="3021548" y="2655064"/>
             <a:ext cx="3352800" cy="2724150"/>
           </a:xfrm>
           <a:prstGeom prst="rect">
@@ -19937,7 +20521,7 @@
         </p:blipFill>
         <p:spPr>
           <a:xfrm>
-            <a:off x="5159104" y="4608972"/>
+            <a:off x="5223507" y="4521157"/>
             <a:ext cx="4819650" cy="1847850"/>
           </a:xfrm>
           <a:prstGeom prst="rect">
@@ -19969,7 +20553,7 @@
         </p:blipFill>
         <p:spPr>
           <a:xfrm>
-            <a:off x="6330679" y="1139872"/>
+            <a:off x="6749125" y="1126055"/>
             <a:ext cx="3648075" cy="2105025"/>
           </a:xfrm>
           <a:prstGeom prst="rect">
@@ -19999,7 +20583,7 @@
         </p:blipFill>
         <p:spPr>
           <a:xfrm>
-            <a:off x="6985840" y="3124194"/>
+            <a:off x="7344437" y="3142122"/>
             <a:ext cx="2457450" cy="1466850"/>
           </a:xfrm>
           <a:prstGeom prst="rect">
@@ -20025,10 +20609,10 @@
             <a:fld id="{D57F1E4F-1CFF-5643-939E-217C01CDF565}" type="slidenum">
               <a:rPr lang="en-US" smtClean="0"/>
               <a:pPr/>
-              <a:t>23</a:t>
+              <a:t>24</a:t>
             </a:fld>
             <a:r>
-              <a:rPr lang="en-US" smtClean="0"/>
+              <a:rPr lang="en-US"/>
               <a:t>/37</a:t>
             </a:r>
             <a:endParaRPr lang="en-US" dirty="0"/>
@@ -20045,17 +20629,10 @@
   <p:clrMapOvr>
     <a:masterClrMapping/>
   </p:clrMapOvr>
-  <p:timing>
-    <p:tnLst>
-      <p:par>
-        <p:cTn id="1" dur="indefinite" restart="never" nodeType="tmRoot"/>
-      </p:par>
-    </p:tnLst>
-  </p:timing>
 </p:sld>
 </file>
 
-<file path=ppt/slides/slide24.xml><?xml version="1.0" encoding="utf-8"?>
+<file path=ppt/slides/slide25.xml><?xml version="1.0" encoding="utf-8"?>
 <p:sld xmlns:a="http://schemas.openxmlformats.org/drawingml/2006/main" xmlns:r="http://schemas.openxmlformats.org/officeDocument/2006/relationships" xmlns:p="http://schemas.openxmlformats.org/presentationml/2006/main">
   <p:cSld>
     <p:spTree>
@@ -20611,10 +21188,10 @@
             <a:fld id="{D57F1E4F-1CFF-5643-939E-217C01CDF565}" type="slidenum">
               <a:rPr lang="en-US" smtClean="0"/>
               <a:pPr/>
-              <a:t>24</a:t>
+              <a:t>25</a:t>
             </a:fld>
             <a:r>
-              <a:rPr lang="en-US" smtClean="0"/>
+              <a:rPr lang="en-US"/>
               <a:t>/37</a:t>
             </a:r>
             <a:endParaRPr lang="en-US" dirty="0"/>
@@ -20631,17 +21208,10 @@
   <p:clrMapOvr>
     <a:masterClrMapping/>
   </p:clrMapOvr>
-  <p:timing>
-    <p:tnLst>
-      <p:par>
-        <p:cTn id="1" dur="indefinite" restart="never" nodeType="tmRoot"/>
-      </p:par>
-    </p:tnLst>
-  </p:timing>
 </p:sld>
 </file>
 
-<file path=ppt/slides/slide25.xml><?xml version="1.0" encoding="utf-8"?>
+<file path=ppt/slides/slide26.xml><?xml version="1.0" encoding="utf-8"?>
 <p:sld xmlns:a="http://schemas.openxmlformats.org/drawingml/2006/main" xmlns:r="http://schemas.openxmlformats.org/officeDocument/2006/relationships" xmlns:p="http://schemas.openxmlformats.org/presentationml/2006/main">
   <p:cSld>
     <p:spTree>
@@ -21312,10 +21882,10 @@
             <a:fld id="{D57F1E4F-1CFF-5643-939E-217C01CDF565}" type="slidenum">
               <a:rPr lang="en-US" smtClean="0"/>
               <a:pPr/>
-              <a:t>25</a:t>
+              <a:t>26</a:t>
             </a:fld>
             <a:r>
-              <a:rPr lang="en-US" smtClean="0"/>
+              <a:rPr lang="en-US"/>
               <a:t>/37</a:t>
             </a:r>
             <a:endParaRPr lang="en-US" dirty="0"/>
@@ -21332,17 +21902,10 @@
   <p:clrMapOvr>
     <a:masterClrMapping/>
   </p:clrMapOvr>
-  <p:timing>
-    <p:tnLst>
-      <p:par>
-        <p:cTn id="1" dur="indefinite" restart="never" nodeType="tmRoot"/>
-      </p:par>
-    </p:tnLst>
-  </p:timing>
 </p:sld>
 </file>
 
-<file path=ppt/slides/slide26.xml><?xml version="1.0" encoding="utf-8"?>
+<file path=ppt/slides/slide27.xml><?xml version="1.0" encoding="utf-8"?>
 <p:sld xmlns:a="http://schemas.openxmlformats.org/drawingml/2006/main" xmlns:r="http://schemas.openxmlformats.org/officeDocument/2006/relationships" xmlns:p="http://schemas.openxmlformats.org/presentationml/2006/main">
   <p:cSld>
     <p:spTree>
@@ -21893,10 +22456,10 @@
             <a:fld id="{D57F1E4F-1CFF-5643-939E-217C01CDF565}" type="slidenum">
               <a:rPr lang="en-US" smtClean="0"/>
               <a:pPr/>
-              <a:t>26</a:t>
+              <a:t>27</a:t>
             </a:fld>
             <a:r>
-              <a:rPr lang="en-US" smtClean="0"/>
+              <a:rPr lang="en-US"/>
               <a:t>/37</a:t>
             </a:r>
             <a:endParaRPr lang="en-US" dirty="0"/>
@@ -21913,17 +22476,10 @@
   <p:clrMapOvr>
     <a:masterClrMapping/>
   </p:clrMapOvr>
-  <p:timing>
-    <p:tnLst>
-      <p:par>
-        <p:cTn id="1" dur="indefinite" restart="never" nodeType="tmRoot"/>
-      </p:par>
-    </p:tnLst>
-  </p:timing>
 </p:sld>
 </file>
 
-<file path=ppt/slides/slide27.xml><?xml version="1.0" encoding="utf-8"?>
+<file path=ppt/slides/slide28.xml><?xml version="1.0" encoding="utf-8"?>
 <p:sld xmlns:a="http://schemas.openxmlformats.org/drawingml/2006/main" xmlns:r="http://schemas.openxmlformats.org/officeDocument/2006/relationships" xmlns:p="http://schemas.openxmlformats.org/presentationml/2006/main">
   <p:cSld>
     <p:spTree>
@@ -22541,10 +23097,10 @@
             <a:fld id="{D57F1E4F-1CFF-5643-939E-217C01CDF565}" type="slidenum">
               <a:rPr lang="en-US" smtClean="0"/>
               <a:pPr/>
-              <a:t>27</a:t>
+              <a:t>28</a:t>
             </a:fld>
             <a:r>
-              <a:rPr lang="en-US" smtClean="0"/>
+              <a:rPr lang="en-US"/>
               <a:t>/37</a:t>
             </a:r>
             <a:endParaRPr lang="en-US" dirty="0"/>
@@ -22561,17 +23117,10 @@
   <p:clrMapOvr>
     <a:masterClrMapping/>
   </p:clrMapOvr>
-  <p:timing>
-    <p:tnLst>
-      <p:par>
-        <p:cTn id="1" dur="indefinite" restart="never" nodeType="tmRoot"/>
-      </p:par>
-    </p:tnLst>
-  </p:timing>
 </p:sld>
 </file>
 
-<file path=ppt/slides/slide28.xml><?xml version="1.0" encoding="utf-8"?>
+<file path=ppt/slides/slide29.xml><?xml version="1.0" encoding="utf-8"?>
 <p:sld xmlns:a="http://schemas.openxmlformats.org/drawingml/2006/main" xmlns:r="http://schemas.openxmlformats.org/officeDocument/2006/relationships" xmlns:p="http://schemas.openxmlformats.org/presentationml/2006/main">
   <p:cSld>
     <p:spTree>
@@ -23211,10 +23760,10 @@
             <a:fld id="{D57F1E4F-1CFF-5643-939E-217C01CDF565}" type="slidenum">
               <a:rPr lang="en-US" smtClean="0"/>
               <a:pPr/>
-              <a:t>28</a:t>
+              <a:t>29</a:t>
             </a:fld>
             <a:r>
-              <a:rPr lang="en-US" smtClean="0"/>
+              <a:rPr lang="en-US"/>
               <a:t>/37</a:t>
             </a:r>
             <a:endParaRPr lang="en-US" dirty="0"/>
@@ -23231,661 +23780,6 @@
   <p:clrMapOvr>
     <a:masterClrMapping/>
   </p:clrMapOvr>
-  <p:timing>
-    <p:tnLst>
-      <p:par>
-        <p:cTn id="1" dur="indefinite" restart="never" nodeType="tmRoot"/>
-      </p:par>
-    </p:tnLst>
-  </p:timing>
-</p:sld>
-</file>
-
-<file path=ppt/slides/slide29.xml><?xml version="1.0" encoding="utf-8"?>
-<p:sld xmlns:a="http://schemas.openxmlformats.org/drawingml/2006/main" xmlns:r="http://schemas.openxmlformats.org/officeDocument/2006/relationships" xmlns:p="http://schemas.openxmlformats.org/presentationml/2006/main">
-  <p:cSld>
-    <p:spTree>
-      <p:nvGrpSpPr>
-        <p:cNvPr id="1" name=""/>
-        <p:cNvGrpSpPr/>
-        <p:nvPr/>
-      </p:nvGrpSpPr>
-      <p:grpSpPr>
-        <a:xfrm>
-          <a:off x="0" y="0"/>
-          <a:ext cx="0" cy="0"/>
-          <a:chOff x="0" y="0"/>
-          <a:chExt cx="0" cy="0"/>
-        </a:xfrm>
-      </p:grpSpPr>
-      <p:sp>
-        <p:nvSpPr>
-          <p:cNvPr id="2" name="Title 1">
-            <a:extLst>
-              <a:ext uri="{FF2B5EF4-FFF2-40B4-BE49-F238E27FC236}">
-                <a16:creationId xmlns:a16="http://schemas.microsoft.com/office/drawing/2014/main" id="{CBEB093E-1C29-4DA4-BACB-1A754279807B}"/>
-              </a:ext>
-            </a:extLst>
-          </p:cNvPr>
-          <p:cNvSpPr>
-            <a:spLocks noGrp="1"/>
-          </p:cNvSpPr>
-          <p:nvPr>
-            <p:ph type="title"/>
-          </p:nvPr>
-        </p:nvSpPr>
-        <p:spPr>
-          <a:xfrm>
-            <a:off x="1970539" y="254187"/>
-            <a:ext cx="8911687" cy="1280890"/>
-          </a:xfrm>
-        </p:spPr>
-        <p:txBody>
-          <a:bodyPr/>
-          <a:lstStyle/>
-          <a:p>
-            <a:r>
-              <a:rPr lang="fa-IR" dirty="0"/>
-              <a:t>نتایج عددی مسئله ی دوم</a:t>
-            </a:r>
-            <a:endParaRPr lang="en-US" dirty="0"/>
-          </a:p>
-        </p:txBody>
-      </p:sp>
-      <p:pic>
-        <p:nvPicPr>
-          <p:cNvPr id="5" name="Content Placeholder 4">
-            <a:extLst>
-              <a:ext uri="{FF2B5EF4-FFF2-40B4-BE49-F238E27FC236}">
-                <a16:creationId xmlns:a16="http://schemas.microsoft.com/office/drawing/2014/main" id="{37338FA8-ACC6-4953-9BCD-C69241631148}"/>
-              </a:ext>
-            </a:extLst>
-          </p:cNvPr>
-          <p:cNvPicPr>
-            <a:picLocks noGrp="1" noChangeAspect="1"/>
-          </p:cNvPicPr>
-          <p:nvPr>
-            <p:ph idx="1"/>
-          </p:nvPr>
-        </p:nvPicPr>
-        <p:blipFill>
-          <a:blip r:embed="rId2"/>
-          <a:stretch>
-            <a:fillRect/>
-          </a:stretch>
-        </p:blipFill>
-        <p:spPr>
-          <a:xfrm>
-            <a:off x="2924769" y="1352550"/>
-            <a:ext cx="2209800" cy="1981200"/>
-          </a:xfrm>
-          <a:prstGeom prst="rect">
-            <a:avLst/>
-          </a:prstGeom>
-        </p:spPr>
-      </p:pic>
-      <p:pic>
-        <p:nvPicPr>
-          <p:cNvPr id="6" name="Picture 5">
-            <a:extLst>
-              <a:ext uri="{FF2B5EF4-FFF2-40B4-BE49-F238E27FC236}">
-                <a16:creationId xmlns:a16="http://schemas.microsoft.com/office/drawing/2014/main" id="{ADA4A33E-AC6A-4FAF-BA11-F15CAA7C6D07}"/>
-              </a:ext>
-            </a:extLst>
-          </p:cNvPr>
-          <p:cNvPicPr>
-            <a:picLocks noChangeAspect="1"/>
-          </p:cNvPicPr>
-          <p:nvPr/>
-        </p:nvPicPr>
-        <p:blipFill>
-          <a:blip r:embed="rId3"/>
-          <a:stretch>
-            <a:fillRect/>
-          </a:stretch>
-        </p:blipFill>
-        <p:spPr>
-          <a:xfrm>
-            <a:off x="186436" y="3333750"/>
-            <a:ext cx="4800600" cy="3524250"/>
-          </a:xfrm>
-          <a:prstGeom prst="rect">
-            <a:avLst/>
-          </a:prstGeom>
-        </p:spPr>
-      </p:pic>
-      <p:pic>
-        <p:nvPicPr>
-          <p:cNvPr id="7" name="Picture 6">
-            <a:extLst>
-              <a:ext uri="{FF2B5EF4-FFF2-40B4-BE49-F238E27FC236}">
-                <a16:creationId xmlns:a16="http://schemas.microsoft.com/office/drawing/2014/main" id="{558B6729-5E5C-4F4F-932D-DAA2C3DA9184}"/>
-              </a:ext>
-            </a:extLst>
-          </p:cNvPr>
-          <p:cNvPicPr>
-            <a:picLocks noChangeAspect="1"/>
-          </p:cNvPicPr>
-          <p:nvPr/>
-        </p:nvPicPr>
-        <p:blipFill>
-          <a:blip r:embed="rId4"/>
-          <a:stretch>
-            <a:fillRect/>
-          </a:stretch>
-        </p:blipFill>
-        <p:spPr>
-          <a:xfrm>
-            <a:off x="5405927" y="1063171"/>
-            <a:ext cx="4933950" cy="3533775"/>
-          </a:xfrm>
-          <a:prstGeom prst="rect">
-            <a:avLst/>
-          </a:prstGeom>
-        </p:spPr>
-      </p:pic>
-      <p:sp>
-        <p:nvSpPr>
-          <p:cNvPr id="8" name="Rounded Rectangle 15">
-            <a:extLst>
-              <a:ext uri="{FF2B5EF4-FFF2-40B4-BE49-F238E27FC236}">
-                <a16:creationId xmlns:a16="http://schemas.microsoft.com/office/drawing/2014/main" id="{95B9E0A5-0908-47B4-AF09-AF8F044F2B4F}"/>
-              </a:ext>
-            </a:extLst>
-          </p:cNvPr>
-          <p:cNvSpPr/>
-          <p:nvPr/>
-        </p:nvSpPr>
-        <p:spPr>
-          <a:xfrm>
-            <a:off x="10891234" y="1271911"/>
-            <a:ext cx="1300766" cy="5586089"/>
-          </a:xfrm>
-          <a:prstGeom prst="roundRect">
-            <a:avLst/>
-          </a:prstGeom>
-          <a:gradFill flip="none" rotWithShape="1">
-            <a:gsLst>
-              <a:gs pos="0">
-                <a:schemeClr val="accent1">
-                  <a:tint val="66000"/>
-                  <a:satMod val="160000"/>
-                </a:schemeClr>
-              </a:gs>
-              <a:gs pos="50000">
-                <a:schemeClr val="accent1">
-                  <a:tint val="44500"/>
-                  <a:satMod val="160000"/>
-                </a:schemeClr>
-              </a:gs>
-              <a:gs pos="100000">
-                <a:schemeClr val="accent1">
-                  <a:tint val="23500"/>
-                  <a:satMod val="160000"/>
-                </a:schemeClr>
-              </a:gs>
-            </a:gsLst>
-            <a:path path="circle">
-              <a:fillToRect l="100000" t="100000"/>
-            </a:path>
-            <a:tileRect r="-100000" b="-100000"/>
-          </a:gradFill>
-          <a:ln>
-            <a:prstDash val="solid"/>
-          </a:ln>
-        </p:spPr>
-        <p:style>
-          <a:lnRef idx="2">
-            <a:schemeClr val="accent1">
-              <a:shade val="50000"/>
-            </a:schemeClr>
-          </a:lnRef>
-          <a:fillRef idx="1">
-            <a:schemeClr val="accent1"/>
-          </a:fillRef>
-          <a:effectRef idx="0">
-            <a:schemeClr val="accent1"/>
-          </a:effectRef>
-          <a:fontRef idx="minor">
-            <a:schemeClr val="lt1"/>
-          </a:fontRef>
-        </p:style>
-        <p:txBody>
-          <a:bodyPr rtlCol="0" anchor="ctr"/>
-          <a:lstStyle/>
-          <a:p>
-            <a:pPr algn="ctr"/>
-            <a:endParaRPr lang="en-US" sz="1500">
-              <a:cs typeface="B Nazanin" panose="00000400000000000000" pitchFamily="2" charset="-78"/>
-            </a:endParaRPr>
-          </a:p>
-        </p:txBody>
-      </p:sp>
-      <p:sp>
-        <p:nvSpPr>
-          <p:cNvPr id="9" name="Rectangle 8">
-            <a:extLst>
-              <a:ext uri="{FF2B5EF4-FFF2-40B4-BE49-F238E27FC236}">
-                <a16:creationId xmlns:a16="http://schemas.microsoft.com/office/drawing/2014/main" id="{1D506D2B-494B-4D41-B5F9-D8C3A432BE35}"/>
-              </a:ext>
-            </a:extLst>
-          </p:cNvPr>
-          <p:cNvSpPr/>
-          <p:nvPr/>
-        </p:nvSpPr>
-        <p:spPr>
-          <a:xfrm>
-            <a:off x="11084417" y="1476163"/>
-            <a:ext cx="927279" cy="872108"/>
-          </a:xfrm>
-          <a:prstGeom prst="rect">
-            <a:avLst/>
-          </a:prstGeom>
-          <a:solidFill>
-            <a:schemeClr val="tx2">
-              <a:lumMod val="60000"/>
-              <a:lumOff val="40000"/>
-            </a:schemeClr>
-          </a:solidFill>
-        </p:spPr>
-        <p:style>
-          <a:lnRef idx="2">
-            <a:schemeClr val="accent1">
-              <a:shade val="50000"/>
-            </a:schemeClr>
-          </a:lnRef>
-          <a:fillRef idx="1">
-            <a:schemeClr val="accent1"/>
-          </a:fillRef>
-          <a:effectRef idx="0">
-            <a:schemeClr val="accent1"/>
-          </a:effectRef>
-          <a:fontRef idx="minor">
-            <a:schemeClr val="lt1"/>
-          </a:fontRef>
-        </p:style>
-        <p:txBody>
-          <a:bodyPr rtlCol="0" anchor="ctr"/>
-          <a:lstStyle/>
-          <a:p>
-            <a:pPr algn="ctr"/>
-            <a:r>
-              <a:rPr lang="fa-IR" dirty="0">
-                <a:solidFill>
-                  <a:schemeClr val="tx1"/>
-                </a:solidFill>
-                <a:cs typeface="B Nazanin" panose="00000400000000000000" pitchFamily="2" charset="-78"/>
-              </a:rPr>
-              <a:t>مقدمه</a:t>
-            </a:r>
-            <a:endParaRPr lang="en-US" dirty="0">
-              <a:solidFill>
-                <a:schemeClr val="tx1"/>
-              </a:solidFill>
-              <a:cs typeface="B Nazanin" panose="00000400000000000000" pitchFamily="2" charset="-78"/>
-            </a:endParaRPr>
-          </a:p>
-        </p:txBody>
-      </p:sp>
-      <p:sp>
-        <p:nvSpPr>
-          <p:cNvPr id="10" name="Rectangle 9">
-            <a:extLst>
-              <a:ext uri="{FF2B5EF4-FFF2-40B4-BE49-F238E27FC236}">
-                <a16:creationId xmlns:a16="http://schemas.microsoft.com/office/drawing/2014/main" id="{9381BF1E-AB7A-4212-A01A-468A5F758111}"/>
-              </a:ext>
-            </a:extLst>
-          </p:cNvPr>
-          <p:cNvSpPr/>
-          <p:nvPr/>
-        </p:nvSpPr>
-        <p:spPr>
-          <a:xfrm>
-            <a:off x="11084417" y="2455499"/>
-            <a:ext cx="914400" cy="914400"/>
-          </a:xfrm>
-          <a:prstGeom prst="rect">
-            <a:avLst/>
-          </a:prstGeom>
-          <a:solidFill>
-            <a:schemeClr val="tx2">
-              <a:lumMod val="60000"/>
-              <a:lumOff val="40000"/>
-            </a:schemeClr>
-          </a:solidFill>
-          <a:ln>
-            <a:solidFill>
-              <a:schemeClr val="tx2">
-                <a:lumMod val="60000"/>
-                <a:lumOff val="40000"/>
-              </a:schemeClr>
-            </a:solidFill>
-          </a:ln>
-        </p:spPr>
-        <p:style>
-          <a:lnRef idx="2">
-            <a:schemeClr val="accent1">
-              <a:shade val="50000"/>
-            </a:schemeClr>
-          </a:lnRef>
-          <a:fillRef idx="1">
-            <a:schemeClr val="accent1"/>
-          </a:fillRef>
-          <a:effectRef idx="0">
-            <a:schemeClr val="accent1"/>
-          </a:effectRef>
-          <a:fontRef idx="minor">
-            <a:schemeClr val="lt1"/>
-          </a:fontRef>
-        </p:style>
-        <p:txBody>
-          <a:bodyPr rtlCol="0" anchor="ctr"/>
-          <a:lstStyle/>
-          <a:p>
-            <a:pPr algn="ctr"/>
-            <a:r>
-              <a:rPr lang="fa-IR" sz="1500" dirty="0">
-                <a:solidFill>
-                  <a:schemeClr val="tx1"/>
-                </a:solidFill>
-                <a:cs typeface="B Nazanin" panose="00000400000000000000" pitchFamily="2" charset="-78"/>
-              </a:rPr>
-              <a:t>پیشینه ی تحقیق</a:t>
-            </a:r>
-            <a:endParaRPr lang="en-US" sz="1500" dirty="0">
-              <a:solidFill>
-                <a:schemeClr val="tx1"/>
-              </a:solidFill>
-              <a:cs typeface="B Nazanin" panose="00000400000000000000" pitchFamily="2" charset="-78"/>
-            </a:endParaRPr>
-          </a:p>
-        </p:txBody>
-      </p:sp>
-      <p:sp>
-        <p:nvSpPr>
-          <p:cNvPr id="11" name="Rectangle 10">
-            <a:extLst>
-              <a:ext uri="{FF2B5EF4-FFF2-40B4-BE49-F238E27FC236}">
-                <a16:creationId xmlns:a16="http://schemas.microsoft.com/office/drawing/2014/main" id="{5239F94F-1A1F-444A-945B-1905EA08A277}"/>
-              </a:ext>
-            </a:extLst>
-          </p:cNvPr>
-          <p:cNvSpPr/>
-          <p:nvPr/>
-        </p:nvSpPr>
-        <p:spPr>
-          <a:xfrm>
-            <a:off x="11091156" y="3405402"/>
-            <a:ext cx="907660" cy="1343185"/>
-          </a:xfrm>
-          <a:prstGeom prst="rect">
-            <a:avLst/>
-          </a:prstGeom>
-          <a:solidFill>
-            <a:schemeClr val="accent1"/>
-          </a:solidFill>
-          <a:ln>
-            <a:solidFill>
-              <a:schemeClr val="accent1"/>
-            </a:solidFill>
-          </a:ln>
-        </p:spPr>
-        <p:style>
-          <a:lnRef idx="2">
-            <a:schemeClr val="accent1">
-              <a:shade val="50000"/>
-            </a:schemeClr>
-          </a:lnRef>
-          <a:fillRef idx="1">
-            <a:schemeClr val="accent1"/>
-          </a:fillRef>
-          <a:effectRef idx="0">
-            <a:schemeClr val="accent1"/>
-          </a:effectRef>
-          <a:fontRef idx="minor">
-            <a:schemeClr val="lt1"/>
-          </a:fontRef>
-        </p:style>
-        <p:txBody>
-          <a:bodyPr rtlCol="0" anchor="ctr"/>
-          <a:lstStyle/>
-          <a:p>
-            <a:pPr algn="ctr"/>
-            <a:r>
-              <a:rPr lang="fa-IR" sz="1500" b="1" dirty="0">
-                <a:solidFill>
-                  <a:schemeClr val="bg1"/>
-                </a:solidFill>
-                <a:cs typeface="B Nazanin" panose="00000400000000000000" pitchFamily="2" charset="-78"/>
-              </a:rPr>
-              <a:t>تخصیص منابع در شبکه دسترسی رادیویی باز </a:t>
-            </a:r>
-            <a:endParaRPr lang="en-US" sz="1500" b="1" dirty="0">
-              <a:solidFill>
-                <a:schemeClr val="bg1"/>
-              </a:solidFill>
-              <a:cs typeface="B Nazanin" panose="00000400000000000000" pitchFamily="2" charset="-78"/>
-            </a:endParaRPr>
-          </a:p>
-        </p:txBody>
-      </p:sp>
-      <p:sp>
-        <p:nvSpPr>
-          <p:cNvPr id="12" name="Rectangle 11">
-            <a:extLst>
-              <a:ext uri="{FF2B5EF4-FFF2-40B4-BE49-F238E27FC236}">
-                <a16:creationId xmlns:a16="http://schemas.microsoft.com/office/drawing/2014/main" id="{0DB6ACF8-CAE7-45F2-9666-10320CE54921}"/>
-              </a:ext>
-            </a:extLst>
-          </p:cNvPr>
-          <p:cNvSpPr/>
-          <p:nvPr/>
-        </p:nvSpPr>
-        <p:spPr>
-          <a:xfrm>
-            <a:off x="11097296" y="4795393"/>
-            <a:ext cx="914400" cy="914400"/>
-          </a:xfrm>
-          <a:prstGeom prst="rect">
-            <a:avLst/>
-          </a:prstGeom>
-          <a:gradFill flip="none" rotWithShape="1">
-            <a:gsLst>
-              <a:gs pos="0">
-                <a:schemeClr val="accent1">
-                  <a:tint val="66000"/>
-                  <a:satMod val="160000"/>
-                </a:schemeClr>
-              </a:gs>
-              <a:gs pos="50000">
-                <a:schemeClr val="accent1">
-                  <a:tint val="44500"/>
-                  <a:satMod val="160000"/>
-                </a:schemeClr>
-              </a:gs>
-              <a:gs pos="100000">
-                <a:schemeClr val="accent1">
-                  <a:tint val="23500"/>
-                  <a:satMod val="160000"/>
-                </a:schemeClr>
-              </a:gs>
-            </a:gsLst>
-            <a:path path="circle">
-              <a:fillToRect l="50000" t="50000" r="50000" b="50000"/>
-            </a:path>
-            <a:tileRect/>
-          </a:gradFill>
-        </p:spPr>
-        <p:style>
-          <a:lnRef idx="2">
-            <a:schemeClr val="accent1">
-              <a:shade val="50000"/>
-            </a:schemeClr>
-          </a:lnRef>
-          <a:fillRef idx="1">
-            <a:schemeClr val="accent1"/>
-          </a:fillRef>
-          <a:effectRef idx="0">
-            <a:schemeClr val="accent1"/>
-          </a:effectRef>
-          <a:fontRef idx="minor">
-            <a:schemeClr val="lt1"/>
-          </a:fontRef>
-        </p:style>
-        <p:txBody>
-          <a:bodyPr rtlCol="0" anchor="ctr"/>
-          <a:lstStyle/>
-          <a:p>
-            <a:pPr algn="ctr" rtl="1"/>
-            <a:r>
-              <a:rPr lang="fa-IR" sz="1500" dirty="0">
-                <a:solidFill>
-                  <a:schemeClr val="tx1"/>
-                </a:solidFill>
-                <a:cs typeface="B Nazanin" pitchFamily="2" charset="-78"/>
-              </a:rPr>
-              <a:t>تخصیص برش شبکه به صورت دینامیکی</a:t>
-            </a:r>
-            <a:endParaRPr lang="en-US" sz="1500" dirty="0">
-              <a:solidFill>
-                <a:schemeClr val="tx1"/>
-              </a:solidFill>
-              <a:cs typeface="B Nazanin" pitchFamily="2" charset="-78"/>
-            </a:endParaRPr>
-          </a:p>
-        </p:txBody>
-      </p:sp>
-      <p:sp>
-        <p:nvSpPr>
-          <p:cNvPr id="13" name="Rectangle 12">
-            <a:extLst>
-              <a:ext uri="{FF2B5EF4-FFF2-40B4-BE49-F238E27FC236}">
-                <a16:creationId xmlns:a16="http://schemas.microsoft.com/office/drawing/2014/main" id="{D1E40B5C-0D99-463B-96EE-9AD9BC27EF9E}"/>
-              </a:ext>
-            </a:extLst>
-          </p:cNvPr>
-          <p:cNvSpPr/>
-          <p:nvPr/>
-        </p:nvSpPr>
-        <p:spPr>
-          <a:xfrm>
-            <a:off x="11084417" y="5841941"/>
-            <a:ext cx="914400" cy="1005335"/>
-          </a:xfrm>
-          <a:prstGeom prst="rect">
-            <a:avLst/>
-          </a:prstGeom>
-          <a:gradFill flip="none" rotWithShape="1">
-            <a:gsLst>
-              <a:gs pos="0">
-                <a:schemeClr val="accent1">
-                  <a:tint val="66000"/>
-                  <a:satMod val="160000"/>
-                </a:schemeClr>
-              </a:gs>
-              <a:gs pos="50000">
-                <a:schemeClr val="accent1">
-                  <a:tint val="44500"/>
-                  <a:satMod val="160000"/>
-                </a:schemeClr>
-              </a:gs>
-              <a:gs pos="100000">
-                <a:schemeClr val="accent1">
-                  <a:tint val="23500"/>
-                  <a:satMod val="160000"/>
-                </a:schemeClr>
-              </a:gs>
-            </a:gsLst>
-            <a:path path="circle">
-              <a:fillToRect l="50000" t="50000" r="50000" b="50000"/>
-            </a:path>
-            <a:tileRect/>
-          </a:gradFill>
-        </p:spPr>
-        <p:style>
-          <a:lnRef idx="2">
-            <a:schemeClr val="accent1">
-              <a:shade val="50000"/>
-            </a:schemeClr>
-          </a:lnRef>
-          <a:fillRef idx="1">
-            <a:schemeClr val="accent1"/>
-          </a:fillRef>
-          <a:effectRef idx="0">
-            <a:schemeClr val="accent1"/>
-          </a:effectRef>
-          <a:fontRef idx="minor">
-            <a:schemeClr val="lt1"/>
-          </a:fontRef>
-        </p:style>
-        <p:txBody>
-          <a:bodyPr rtlCol="0" anchor="ctr"/>
-          <a:lstStyle/>
-          <a:p>
-            <a:pPr algn="ctr"/>
-            <a:r>
-              <a:rPr lang="fa-IR" sz="1500" dirty="0">
-                <a:solidFill>
-                  <a:schemeClr val="tx1"/>
-                </a:solidFill>
-                <a:cs typeface="B Nazanin" panose="00000400000000000000" pitchFamily="2" charset="-78"/>
-              </a:rPr>
-              <a:t>نتیجه گیری و پیشنهادات</a:t>
-            </a:r>
-            <a:endParaRPr lang="en-US" sz="1500" dirty="0">
-              <a:solidFill>
-                <a:schemeClr val="tx1"/>
-              </a:solidFill>
-              <a:cs typeface="B Nazanin" panose="00000400000000000000" pitchFamily="2" charset="-78"/>
-            </a:endParaRPr>
-          </a:p>
-        </p:txBody>
-      </p:sp>
-      <p:sp>
-        <p:nvSpPr>
-          <p:cNvPr id="3" name="Slide Number Placeholder 2"/>
-          <p:cNvSpPr>
-            <a:spLocks noGrp="1"/>
-          </p:cNvSpPr>
-          <p:nvPr>
-            <p:ph type="sldNum" sz="quarter" idx="12"/>
-          </p:nvPr>
-        </p:nvSpPr>
-        <p:spPr/>
-        <p:txBody>
-          <a:bodyPr/>
-          <a:lstStyle/>
-          <a:p>
-            <a:fld id="{D57F1E4F-1CFF-5643-939E-217C01CDF565}" type="slidenum">
-              <a:rPr lang="en-US" smtClean="0"/>
-              <a:pPr/>
-              <a:t>29</a:t>
-            </a:fld>
-            <a:r>
-              <a:rPr lang="en-US" smtClean="0"/>
-              <a:t>/37</a:t>
-            </a:r>
-            <a:endParaRPr lang="en-US" dirty="0"/>
-          </a:p>
-        </p:txBody>
-      </p:sp>
-    </p:spTree>
-    <p:extLst>
-      <p:ext uri="{BB962C8B-B14F-4D97-AF65-F5344CB8AC3E}">
-        <p14:creationId xmlns:p14="http://schemas.microsoft.com/office/powerpoint/2010/main" val="2904826782"/>
-      </p:ext>
-    </p:extLst>
-  </p:cSld>
-  <p:clrMapOvr>
-    <a:masterClrMapping/>
-  </p:clrMapOvr>
-  <p:timing>
-    <p:tnLst>
-      <p:par>
-        <p:cTn id="1" dur="indefinite" restart="never" nodeType="tmRoot"/>
-      </p:par>
-    </p:tnLst>
-  </p:timing>
 </p:sld>
 </file>
 
@@ -25462,7 +25356,7 @@
           <p:cNvPr id="2" name="Title 1">
             <a:extLst>
               <a:ext uri="{FF2B5EF4-FFF2-40B4-BE49-F238E27FC236}">
-                <a16:creationId xmlns:a16="http://schemas.microsoft.com/office/drawing/2014/main" id="{05569867-6B96-41A9-B2F3-7E04750333DD}"/>
+                <a16:creationId xmlns:a16="http://schemas.microsoft.com/office/drawing/2014/main" id="{CBEB093E-1C29-4DA4-BACB-1A754279807B}"/>
               </a:ext>
             </a:extLst>
           </p:cNvPr>
@@ -25473,241 +25367,39 @@
             <p:ph type="title"/>
           </p:nvPr>
         </p:nvSpPr>
-        <p:spPr/>
-        <p:txBody>
-          <a:bodyPr>
-            <a:normAutofit fontScale="90000"/>
-          </a:bodyPr>
-          <a:lstStyle/>
-          <a:p>
-            <a:r>
-              <a:rPr lang="fa-IR" sz="4000" b="1" i="0" dirty="0">
-                <a:solidFill>
-                  <a:srgbClr val="000000"/>
-                </a:solidFill>
-                <a:effectLst/>
-                <a:latin typeface="IRlotus-Bold"/>
-              </a:rPr>
-              <a:t>مدل سیستم و صورت مسئله ی بخش رادیویی</a:t>
-            </a:r>
-            <a:r>
-              <a:rPr lang="fa-IR" sz="6700" dirty="0"/>
-              <a:t> </a:t>
-            </a:r>
+        <p:spPr>
+          <a:xfrm>
+            <a:off x="1970539" y="254187"/>
+            <a:ext cx="8911687" cy="1280890"/>
+          </a:xfrm>
+        </p:spPr>
+        <p:txBody>
+          <a:bodyPr/>
+          <a:lstStyle/>
+          <a:p>
             <a:r>
               <a:rPr lang="fa-IR" dirty="0"/>
-              <a:t/>
-            </a:r>
-            <a:br>
-              <a:rPr lang="fa-IR" dirty="0"/>
-            </a:br>
+              <a:t>نتایج عددی مسئله ی دوم</a:t>
+            </a:r>
             <a:endParaRPr lang="en-US" dirty="0"/>
           </a:p>
         </p:txBody>
       </p:sp>
-      <p:sp>
-        <p:nvSpPr>
-          <p:cNvPr id="3" name="Content Placeholder 2">
+      <p:pic>
+        <p:nvPicPr>
+          <p:cNvPr id="5" name="Content Placeholder 4">
             <a:extLst>
               <a:ext uri="{FF2B5EF4-FFF2-40B4-BE49-F238E27FC236}">
-                <a16:creationId xmlns:a16="http://schemas.microsoft.com/office/drawing/2014/main" id="{BE9AE378-4899-4E24-9C4B-51347ADA3C1F}"/>
-              </a:ext>
-            </a:extLst>
-          </p:cNvPr>
-          <p:cNvSpPr>
-            <a:spLocks noGrp="1"/>
-          </p:cNvSpPr>
-          <p:nvPr>
-            <p:ph idx="1"/>
-          </p:nvPr>
-        </p:nvSpPr>
-        <p:spPr/>
-        <p:txBody>
-          <a:bodyPr/>
-          <a:lstStyle/>
-          <a:p>
-            <a:r>
-              <a:rPr lang="fa-IR" sz="2000" dirty="0">
-                <a:solidFill>
-                  <a:srgbClr val="000000"/>
-                </a:solidFill>
-                <a:cs typeface="Times New Roman" panose="02020603050405020304" pitchFamily="18" charset="0"/>
-              </a:rPr>
-              <a:t> </a:t>
-            </a:r>
-            <a:r>
-              <a:rPr lang="fa-IR" dirty="0">
-                <a:solidFill>
-                  <a:srgbClr val="000000"/>
-                </a:solidFill>
-              </a:rPr>
-              <a:t>سیستم شامل : </a:t>
-            </a:r>
-            <a:r>
-              <a:rPr lang="en-US" sz="2000" b="0" dirty="0">
-                <a:solidFill>
-                  <a:srgbClr val="000000"/>
-                </a:solidFill>
-                <a:effectLst/>
-                <a:cs typeface="Times New Roman" panose="02020603050405020304" pitchFamily="18" charset="0"/>
-              </a:rPr>
-              <a:t>S</a:t>
-            </a:r>
-            <a:r>
-              <a:rPr lang="fa-IR" b="0" i="1" dirty="0">
-                <a:solidFill>
-                  <a:srgbClr val="000000"/>
-                </a:solidFill>
-                <a:effectLst/>
-                <a:latin typeface="CMMI12"/>
-              </a:rPr>
-              <a:t> </a:t>
-            </a:r>
-            <a:r>
-              <a:rPr lang="fa-IR" b="0" i="0" dirty="0">
-                <a:solidFill>
-                  <a:srgbClr val="000000"/>
-                </a:solidFill>
-                <a:effectLst/>
-                <a:latin typeface="IRLotus"/>
-              </a:rPr>
-              <a:t>برش شبکه</a:t>
-            </a:r>
-            <a:r>
-              <a:rPr lang="en-US" b="0" i="0" dirty="0">
-                <a:solidFill>
-                  <a:srgbClr val="000000"/>
-                </a:solidFill>
-                <a:effectLst/>
-                <a:latin typeface="IRLotus"/>
-              </a:rPr>
-              <a:t>- </a:t>
-            </a:r>
-            <a:r>
-              <a:rPr lang="fa-IR" b="0" i="0" dirty="0">
-                <a:solidFill>
-                  <a:srgbClr val="000000"/>
-                </a:solidFill>
-                <a:effectLst/>
-                <a:latin typeface="IRLotus"/>
-              </a:rPr>
-              <a:t> </a:t>
-            </a:r>
-            <a:r>
-              <a:rPr lang="en-US" sz="2000" b="0" dirty="0">
-                <a:solidFill>
-                  <a:srgbClr val="000000"/>
-                </a:solidFill>
-                <a:effectLst/>
-                <a:cs typeface="Times New Roman" panose="02020603050405020304" pitchFamily="18" charset="0"/>
-              </a:rPr>
-              <a:t>V</a:t>
-            </a:r>
-            <a:r>
-              <a:rPr lang="fa-IR" b="0" i="1" dirty="0">
-                <a:solidFill>
-                  <a:srgbClr val="000000"/>
-                </a:solidFill>
-                <a:effectLst/>
-                <a:latin typeface="CMMI12"/>
-              </a:rPr>
-              <a:t> </a:t>
-            </a:r>
-            <a:r>
-              <a:rPr lang="fa-IR" b="0" i="0" dirty="0">
-                <a:solidFill>
-                  <a:srgbClr val="000000"/>
-                </a:solidFill>
-                <a:effectLst/>
-                <a:latin typeface="IRLotus"/>
-              </a:rPr>
-              <a:t>سرویس مختلف</a:t>
-            </a:r>
-            <a:endParaRPr lang="en-US" b="0" i="0" dirty="0">
-              <a:solidFill>
-                <a:srgbClr val="000000"/>
-              </a:solidFill>
-              <a:effectLst/>
-              <a:latin typeface="IRLotus"/>
-            </a:endParaRPr>
-          </a:p>
-          <a:p>
-            <a:r>
-              <a:rPr lang="fa-IR" dirty="0">
-                <a:solidFill>
-                  <a:srgbClr val="000000"/>
-                </a:solidFill>
-                <a:latin typeface="IRLotus"/>
-              </a:rPr>
-              <a:t>هدف حل مسئله در هر اسلات زمانی </a:t>
-            </a:r>
-            <a:r>
-              <a:rPr lang="en-US" sz="2000" dirty="0">
-                <a:solidFill>
-                  <a:srgbClr val="000000"/>
-                </a:solidFill>
-                <a:cs typeface="Times New Roman" panose="02020603050405020304" pitchFamily="18" charset="0"/>
-              </a:rPr>
-              <a:t>t</a:t>
-            </a:r>
-            <a:r>
-              <a:rPr lang="fa-IR" dirty="0">
-                <a:solidFill>
-                  <a:srgbClr val="000000"/>
-                </a:solidFill>
-                <a:latin typeface="IRLotus"/>
-              </a:rPr>
-              <a:t> می باشد </a:t>
-            </a:r>
-          </a:p>
-          <a:p>
-            <a:r>
-              <a:rPr lang="fa-IR" dirty="0">
-                <a:solidFill>
-                  <a:srgbClr val="000000"/>
-                </a:solidFill>
-                <a:latin typeface="IRLotus"/>
-              </a:rPr>
-              <a:t>هدف در اینجا بیشینه سازی تعداد سرویسهای پذیرفته شده توسط برشهای شبکه می باشد به صورتی که شرط تاخیر و نرخ سرویس را ضمانت کنند </a:t>
-            </a:r>
-            <a:r>
-              <a:rPr lang="fa-IR" dirty="0"/>
-              <a:t/>
-            </a:r>
-            <a:br>
-              <a:rPr lang="fa-IR" dirty="0"/>
-            </a:br>
-            <a:r>
-              <a:rPr lang="fa-IR" dirty="0"/>
-              <a:t/>
-            </a:r>
-            <a:br>
-              <a:rPr lang="fa-IR" dirty="0"/>
-            </a:br>
-            <a:r>
-              <a:rPr lang="fa-IR" dirty="0"/>
-              <a:t/>
-            </a:r>
-            <a:br>
-              <a:rPr lang="fa-IR" dirty="0"/>
-            </a:br>
-            <a:endParaRPr lang="en-US" dirty="0"/>
-          </a:p>
-        </p:txBody>
-      </p:sp>
-      <p:pic>
-        <p:nvPicPr>
-          <p:cNvPr id="5" name="Picture 4">
-            <a:extLst>
-              <a:ext uri="{FF2B5EF4-FFF2-40B4-BE49-F238E27FC236}">
-                <a16:creationId xmlns:a16="http://schemas.microsoft.com/office/drawing/2014/main" id="{E11A08DD-565C-4D99-9047-519C0FEBD510}"/>
+                <a16:creationId xmlns:a16="http://schemas.microsoft.com/office/drawing/2014/main" id="{37338FA8-ACC6-4953-9BCD-C69241631148}"/>
               </a:ext>
             </a:extLst>
           </p:cNvPr>
           <p:cNvPicPr>
-            <a:picLocks noChangeAspect="1"/>
+            <a:picLocks noGrp="1" noChangeAspect="1"/>
           </p:cNvPicPr>
-          <p:nvPr/>
+          <p:nvPr>
+            <p:ph idx="1"/>
+          </p:nvPr>
         </p:nvPicPr>
         <p:blipFill>
           <a:blip r:embed="rId2"/>
@@ -25717,8 +25409,8 @@
         </p:blipFill>
         <p:spPr>
           <a:xfrm>
-            <a:off x="2427967" y="4305754"/>
-            <a:ext cx="2952750" cy="1352550"/>
+            <a:off x="2924769" y="1352550"/>
+            <a:ext cx="2209800" cy="1981200"/>
           </a:xfrm>
           <a:prstGeom prst="rect">
             <a:avLst/>
@@ -25730,7 +25422,7 @@
           <p:cNvPr id="6" name="Picture 5">
             <a:extLst>
               <a:ext uri="{FF2B5EF4-FFF2-40B4-BE49-F238E27FC236}">
-                <a16:creationId xmlns:a16="http://schemas.microsoft.com/office/drawing/2014/main" id="{AB1E10AB-FFC8-4A5F-9165-2673A0C21A8B}"/>
+                <a16:creationId xmlns:a16="http://schemas.microsoft.com/office/drawing/2014/main" id="{ADA4A33E-AC6A-4FAF-BA11-F15CAA7C6D07}"/>
               </a:ext>
             </a:extLst>
           </p:cNvPr>
@@ -25747,20 +25439,50 @@
         </p:blipFill>
         <p:spPr>
           <a:xfrm>
-            <a:off x="7030358" y="4353379"/>
-            <a:ext cx="2733675" cy="1304925"/>
+            <a:off x="186436" y="3333750"/>
+            <a:ext cx="4800600" cy="3524250"/>
           </a:xfrm>
           <a:prstGeom prst="rect">
             <a:avLst/>
           </a:prstGeom>
         </p:spPr>
       </p:pic>
-      <p:sp>
-        <p:nvSpPr>
-          <p:cNvPr id="7" name="Rounded Rectangle 15">
+      <p:pic>
+        <p:nvPicPr>
+          <p:cNvPr id="7" name="Picture 6">
             <a:extLst>
               <a:ext uri="{FF2B5EF4-FFF2-40B4-BE49-F238E27FC236}">
-                <a16:creationId xmlns:a16="http://schemas.microsoft.com/office/drawing/2014/main" id="{E87D833B-E016-4839-A08E-C7575EF6B90B}"/>
+                <a16:creationId xmlns:a16="http://schemas.microsoft.com/office/drawing/2014/main" id="{558B6729-5E5C-4F4F-932D-DAA2C3DA9184}"/>
+              </a:ext>
+            </a:extLst>
+          </p:cNvPr>
+          <p:cNvPicPr>
+            <a:picLocks noChangeAspect="1"/>
+          </p:cNvPicPr>
+          <p:nvPr/>
+        </p:nvPicPr>
+        <p:blipFill>
+          <a:blip r:embed="rId4"/>
+          <a:stretch>
+            <a:fillRect/>
+          </a:stretch>
+        </p:blipFill>
+        <p:spPr>
+          <a:xfrm>
+            <a:off x="5405927" y="1063171"/>
+            <a:ext cx="4933950" cy="3533775"/>
+          </a:xfrm>
+          <a:prstGeom prst="rect">
+            <a:avLst/>
+          </a:prstGeom>
+        </p:spPr>
+      </p:pic>
+      <p:sp>
+        <p:nvSpPr>
+          <p:cNvPr id="8" name="Rounded Rectangle 15">
+            <a:extLst>
+              <a:ext uri="{FF2B5EF4-FFF2-40B4-BE49-F238E27FC236}">
+                <a16:creationId xmlns:a16="http://schemas.microsoft.com/office/drawing/2014/main" id="{95B9E0A5-0908-47B4-AF09-AF8F044F2B4F}"/>
               </a:ext>
             </a:extLst>
           </p:cNvPr>
@@ -25834,10 +25556,10 @@
       </p:sp>
       <p:sp>
         <p:nvSpPr>
-          <p:cNvPr id="8" name="Rectangle 7">
+          <p:cNvPr id="9" name="Rectangle 8">
             <a:extLst>
               <a:ext uri="{FF2B5EF4-FFF2-40B4-BE49-F238E27FC236}">
-                <a16:creationId xmlns:a16="http://schemas.microsoft.com/office/drawing/2014/main" id="{A59D47C2-595C-4060-AB29-CCE96F5BD391}"/>
+                <a16:creationId xmlns:a16="http://schemas.microsoft.com/office/drawing/2014/main" id="{1D506D2B-494B-4D41-B5F9-D8C3A432BE35}"/>
               </a:ext>
             </a:extLst>
           </p:cNvPr>
@@ -25900,10 +25622,10 @@
       </p:sp>
       <p:sp>
         <p:nvSpPr>
-          <p:cNvPr id="9" name="Rectangle 8">
+          <p:cNvPr id="10" name="Rectangle 9">
             <a:extLst>
               <a:ext uri="{FF2B5EF4-FFF2-40B4-BE49-F238E27FC236}">
-                <a16:creationId xmlns:a16="http://schemas.microsoft.com/office/drawing/2014/main" id="{AE7A59FA-DFCA-4405-9469-FDE5995B176F}"/>
+                <a16:creationId xmlns:a16="http://schemas.microsoft.com/office/drawing/2014/main" id="{9381BF1E-AB7A-4212-A01A-468A5F758111}"/>
               </a:ext>
             </a:extLst>
           </p:cNvPr>
@@ -25974,10 +25696,10 @@
       </p:sp>
       <p:sp>
         <p:nvSpPr>
-          <p:cNvPr id="10" name="Rectangle 9">
+          <p:cNvPr id="11" name="Rectangle 10">
             <a:extLst>
               <a:ext uri="{FF2B5EF4-FFF2-40B4-BE49-F238E27FC236}">
-                <a16:creationId xmlns:a16="http://schemas.microsoft.com/office/drawing/2014/main" id="{7BC9DE5A-1479-46EA-BE85-9B2E47A83044}"/>
+                <a16:creationId xmlns:a16="http://schemas.microsoft.com/office/drawing/2014/main" id="{5239F94F-1A1F-444A-945B-1905EA08A277}"/>
               </a:ext>
             </a:extLst>
           </p:cNvPr>
@@ -25986,8 +25708,8 @@
         </p:nvSpPr>
         <p:spPr>
           <a:xfrm>
-            <a:off x="11097296" y="3429000"/>
-            <a:ext cx="901520" cy="1234245"/>
+            <a:off x="11091156" y="3405402"/>
+            <a:ext cx="907660" cy="1343185"/>
           </a:xfrm>
           <a:prstGeom prst="rect">
             <a:avLst/>
@@ -26023,17 +25745,17 @@
           <a:p>
             <a:pPr algn="ctr"/>
             <a:r>
-              <a:rPr lang="fa-IR" sz="1500" dirty="0">
+              <a:rPr lang="fa-IR" sz="1500" b="1" dirty="0">
                 <a:solidFill>
-                  <a:schemeClr val="tx1"/>
+                  <a:schemeClr val="bg1"/>
                 </a:solidFill>
                 <a:cs typeface="B Nazanin" panose="00000400000000000000" pitchFamily="2" charset="-78"/>
               </a:rPr>
               <a:t>تخصیص منابع در شبکه دسترسی رادیویی باز </a:t>
             </a:r>
-            <a:endParaRPr lang="en-US" sz="1500" dirty="0">
+            <a:endParaRPr lang="en-US" sz="1500" b="1" dirty="0">
               <a:solidFill>
-                <a:schemeClr val="tx1"/>
+                <a:schemeClr val="bg1"/>
               </a:solidFill>
               <a:cs typeface="B Nazanin" panose="00000400000000000000" pitchFamily="2" charset="-78"/>
             </a:endParaRPr>
@@ -26042,10 +25764,10 @@
       </p:sp>
       <p:sp>
         <p:nvSpPr>
-          <p:cNvPr id="11" name="Rectangle 10">
+          <p:cNvPr id="12" name="Rectangle 11">
             <a:extLst>
               <a:ext uri="{FF2B5EF4-FFF2-40B4-BE49-F238E27FC236}">
-                <a16:creationId xmlns:a16="http://schemas.microsoft.com/office/drawing/2014/main" id="{1D3C871C-CA31-4012-B1C5-1CCE34DB202A}"/>
+                <a16:creationId xmlns:a16="http://schemas.microsoft.com/office/drawing/2014/main" id="{0DB6ACF8-CAE7-45F2-9666-10320CE54921}"/>
               </a:ext>
             </a:extLst>
           </p:cNvPr>
@@ -26054,71 +25776,8 @@
         </p:nvSpPr>
         <p:spPr>
           <a:xfrm>
-            <a:off x="11110176" y="4722346"/>
-            <a:ext cx="901520" cy="987447"/>
-          </a:xfrm>
-          <a:prstGeom prst="rect">
-            <a:avLst/>
-          </a:prstGeom>
-          <a:solidFill>
-            <a:schemeClr val="accent1"/>
-          </a:solidFill>
-        </p:spPr>
-        <p:style>
-          <a:lnRef idx="2">
-            <a:schemeClr val="accent1">
-              <a:shade val="50000"/>
-            </a:schemeClr>
-          </a:lnRef>
-          <a:fillRef idx="1">
-            <a:schemeClr val="accent1"/>
-          </a:fillRef>
-          <a:effectRef idx="0">
-            <a:schemeClr val="accent1"/>
-          </a:effectRef>
-          <a:fontRef idx="minor">
-            <a:schemeClr val="lt1"/>
-          </a:fontRef>
-        </p:style>
-        <p:txBody>
-          <a:bodyPr rtlCol="0" anchor="ctr"/>
-          <a:lstStyle/>
-          <a:p>
-            <a:pPr algn="ctr" rtl="1"/>
-            <a:r>
-              <a:rPr lang="fa-IR" sz="1500" b="1" dirty="0">
-                <a:solidFill>
-                  <a:schemeClr val="bg1"/>
-                </a:solidFill>
-                <a:cs typeface="B Nazanin" pitchFamily="2" charset="-78"/>
-              </a:rPr>
-              <a:t>تخصیص برش شبکه به صورت دینامیکی</a:t>
-            </a:r>
-            <a:endParaRPr lang="en-US" sz="1500" b="1" dirty="0">
-              <a:solidFill>
-                <a:schemeClr val="bg1"/>
-              </a:solidFill>
-              <a:cs typeface="B Nazanin" pitchFamily="2" charset="-78"/>
-            </a:endParaRPr>
-          </a:p>
-        </p:txBody>
-      </p:sp>
-      <p:sp>
-        <p:nvSpPr>
-          <p:cNvPr id="12" name="Rectangle 11">
-            <a:extLst>
-              <a:ext uri="{FF2B5EF4-FFF2-40B4-BE49-F238E27FC236}">
-                <a16:creationId xmlns:a16="http://schemas.microsoft.com/office/drawing/2014/main" id="{946280CD-AB29-42BE-966D-61EB85B59121}"/>
-              </a:ext>
-            </a:extLst>
-          </p:cNvPr>
-          <p:cNvSpPr/>
-          <p:nvPr/>
-        </p:nvSpPr>
-        <p:spPr>
-          <a:xfrm>
-            <a:off x="11084417" y="5841941"/>
-            <a:ext cx="914400" cy="1005335"/>
+            <a:off x="11097296" y="4795393"/>
+            <a:ext cx="914400" cy="914400"/>
           </a:xfrm>
           <a:prstGeom prst="rect">
             <a:avLst/>
@@ -26170,6 +25829,92 @@
           <a:bodyPr rtlCol="0" anchor="ctr"/>
           <a:lstStyle/>
           <a:p>
+            <a:pPr algn="ctr" rtl="1"/>
+            <a:r>
+              <a:rPr lang="fa-IR" sz="1500" dirty="0">
+                <a:solidFill>
+                  <a:schemeClr val="tx1"/>
+                </a:solidFill>
+                <a:cs typeface="B Nazanin" pitchFamily="2" charset="-78"/>
+              </a:rPr>
+              <a:t>تخصیص برش شبکه به صورت دینامیکی</a:t>
+            </a:r>
+            <a:endParaRPr lang="en-US" sz="1500" dirty="0">
+              <a:solidFill>
+                <a:schemeClr val="tx1"/>
+              </a:solidFill>
+              <a:cs typeface="B Nazanin" pitchFamily="2" charset="-78"/>
+            </a:endParaRPr>
+          </a:p>
+        </p:txBody>
+      </p:sp>
+      <p:sp>
+        <p:nvSpPr>
+          <p:cNvPr id="13" name="Rectangle 12">
+            <a:extLst>
+              <a:ext uri="{FF2B5EF4-FFF2-40B4-BE49-F238E27FC236}">
+                <a16:creationId xmlns:a16="http://schemas.microsoft.com/office/drawing/2014/main" id="{D1E40B5C-0D99-463B-96EE-9AD9BC27EF9E}"/>
+              </a:ext>
+            </a:extLst>
+          </p:cNvPr>
+          <p:cNvSpPr/>
+          <p:nvPr/>
+        </p:nvSpPr>
+        <p:spPr>
+          <a:xfrm>
+            <a:off x="11084417" y="5841941"/>
+            <a:ext cx="914400" cy="1005335"/>
+          </a:xfrm>
+          <a:prstGeom prst="rect">
+            <a:avLst/>
+          </a:prstGeom>
+          <a:gradFill flip="none" rotWithShape="1">
+            <a:gsLst>
+              <a:gs pos="0">
+                <a:schemeClr val="accent1">
+                  <a:tint val="66000"/>
+                  <a:satMod val="160000"/>
+                </a:schemeClr>
+              </a:gs>
+              <a:gs pos="50000">
+                <a:schemeClr val="accent1">
+                  <a:tint val="44500"/>
+                  <a:satMod val="160000"/>
+                </a:schemeClr>
+              </a:gs>
+              <a:gs pos="100000">
+                <a:schemeClr val="accent1">
+                  <a:tint val="23500"/>
+                  <a:satMod val="160000"/>
+                </a:schemeClr>
+              </a:gs>
+            </a:gsLst>
+            <a:path path="circle">
+              <a:fillToRect l="50000" t="50000" r="50000" b="50000"/>
+            </a:path>
+            <a:tileRect/>
+          </a:gradFill>
+        </p:spPr>
+        <p:style>
+          <a:lnRef idx="2">
+            <a:schemeClr val="accent1">
+              <a:shade val="50000"/>
+            </a:schemeClr>
+          </a:lnRef>
+          <a:fillRef idx="1">
+            <a:schemeClr val="accent1"/>
+          </a:fillRef>
+          <a:effectRef idx="0">
+            <a:schemeClr val="accent1"/>
+          </a:effectRef>
+          <a:fontRef idx="minor">
+            <a:schemeClr val="lt1"/>
+          </a:fontRef>
+        </p:style>
+        <p:txBody>
+          <a:bodyPr rtlCol="0" anchor="ctr"/>
+          <a:lstStyle/>
+          <a:p>
             <a:pPr algn="ctr"/>
             <a:r>
               <a:rPr lang="fa-IR" sz="1500" dirty="0">
@@ -26191,7 +25936,7 @@
       </p:sp>
       <p:sp>
         <p:nvSpPr>
-          <p:cNvPr id="13" name="Slide Number Placeholder 12"/>
+          <p:cNvPr id="3" name="Slide Number Placeholder 2"/>
           <p:cNvSpPr>
             <a:spLocks noGrp="1"/>
           </p:cNvSpPr>
@@ -26210,7 +25955,7 @@
               <a:t>30</a:t>
             </a:fld>
             <a:r>
-              <a:rPr lang="en-US" smtClean="0"/>
+              <a:rPr lang="en-US"/>
               <a:t>/37</a:t>
             </a:r>
             <a:endParaRPr lang="en-US" dirty="0"/>
@@ -26220,20 +25965,13 @@
     </p:spTree>
     <p:extLst>
       <p:ext uri="{BB962C8B-B14F-4D97-AF65-F5344CB8AC3E}">
-        <p14:creationId xmlns:p14="http://schemas.microsoft.com/office/powerpoint/2010/main" val="1636882990"/>
+        <p14:creationId xmlns:p14="http://schemas.microsoft.com/office/powerpoint/2010/main" val="2904826782"/>
       </p:ext>
     </p:extLst>
   </p:cSld>
   <p:clrMapOvr>
     <a:masterClrMapping/>
   </p:clrMapOvr>
-  <p:timing>
-    <p:tnLst>
-      <p:par>
-        <p:cTn id="1" dur="indefinite" restart="never" nodeType="tmRoot"/>
-      </p:par>
-    </p:tnLst>
-  </p:timing>
 </p:sld>
 </file>
 
@@ -26259,6 +25997,780 @@
           <p:cNvPr id="2" name="Title 1">
             <a:extLst>
               <a:ext uri="{FF2B5EF4-FFF2-40B4-BE49-F238E27FC236}">
+                <a16:creationId xmlns:a16="http://schemas.microsoft.com/office/drawing/2014/main" id="{05569867-6B96-41A9-B2F3-7E04750333DD}"/>
+              </a:ext>
+            </a:extLst>
+          </p:cNvPr>
+          <p:cNvSpPr>
+            <a:spLocks noGrp="1"/>
+          </p:cNvSpPr>
+          <p:nvPr>
+            <p:ph type="title"/>
+          </p:nvPr>
+        </p:nvSpPr>
+        <p:spPr/>
+        <p:txBody>
+          <a:bodyPr>
+            <a:normAutofit fontScale="90000"/>
+          </a:bodyPr>
+          <a:lstStyle/>
+          <a:p>
+            <a:r>
+              <a:rPr lang="fa-IR" sz="4000" b="1" i="0" dirty="0">
+                <a:solidFill>
+                  <a:srgbClr val="000000"/>
+                </a:solidFill>
+                <a:effectLst/>
+                <a:latin typeface="IRlotus-Bold"/>
+              </a:rPr>
+              <a:t>مدل سیستم و صورت مسئله ی بخش رادیویی</a:t>
+            </a:r>
+            <a:r>
+              <a:rPr lang="fa-IR" sz="6700" dirty="0"/>
+              <a:t> </a:t>
+            </a:r>
+            <a:br>
+              <a:rPr lang="fa-IR" dirty="0"/>
+            </a:br>
+            <a:endParaRPr lang="en-US" dirty="0"/>
+          </a:p>
+        </p:txBody>
+      </p:sp>
+      <p:sp>
+        <p:nvSpPr>
+          <p:cNvPr id="3" name="Content Placeholder 2">
+            <a:extLst>
+              <a:ext uri="{FF2B5EF4-FFF2-40B4-BE49-F238E27FC236}">
+                <a16:creationId xmlns:a16="http://schemas.microsoft.com/office/drawing/2014/main" id="{BE9AE378-4899-4E24-9C4B-51347ADA3C1F}"/>
+              </a:ext>
+            </a:extLst>
+          </p:cNvPr>
+          <p:cNvSpPr>
+            <a:spLocks noGrp="1"/>
+          </p:cNvSpPr>
+          <p:nvPr>
+            <p:ph idx="1"/>
+          </p:nvPr>
+        </p:nvSpPr>
+        <p:spPr/>
+        <p:txBody>
+          <a:bodyPr/>
+          <a:lstStyle/>
+          <a:p>
+            <a:r>
+              <a:rPr lang="fa-IR" sz="2000" dirty="0">
+                <a:solidFill>
+                  <a:srgbClr val="000000"/>
+                </a:solidFill>
+                <a:cs typeface="Times New Roman" panose="02020603050405020304" pitchFamily="18" charset="0"/>
+              </a:rPr>
+              <a:t> </a:t>
+            </a:r>
+            <a:r>
+              <a:rPr lang="fa-IR" dirty="0">
+                <a:solidFill>
+                  <a:srgbClr val="000000"/>
+                </a:solidFill>
+              </a:rPr>
+              <a:t>سیستم شامل : </a:t>
+            </a:r>
+            <a:r>
+              <a:rPr lang="en-US" sz="2000" b="0" dirty="0">
+                <a:solidFill>
+                  <a:srgbClr val="000000"/>
+                </a:solidFill>
+                <a:effectLst/>
+                <a:cs typeface="Times New Roman" panose="02020603050405020304" pitchFamily="18" charset="0"/>
+              </a:rPr>
+              <a:t>S</a:t>
+            </a:r>
+            <a:r>
+              <a:rPr lang="fa-IR" b="0" i="1" dirty="0">
+                <a:solidFill>
+                  <a:srgbClr val="000000"/>
+                </a:solidFill>
+                <a:effectLst/>
+                <a:latin typeface="CMMI12"/>
+              </a:rPr>
+              <a:t> </a:t>
+            </a:r>
+            <a:r>
+              <a:rPr lang="fa-IR" b="0" i="0" dirty="0">
+                <a:solidFill>
+                  <a:srgbClr val="000000"/>
+                </a:solidFill>
+                <a:effectLst/>
+                <a:latin typeface="IRLotus"/>
+              </a:rPr>
+              <a:t>برش شبکه</a:t>
+            </a:r>
+            <a:r>
+              <a:rPr lang="en-US" b="0" i="0" dirty="0">
+                <a:solidFill>
+                  <a:srgbClr val="000000"/>
+                </a:solidFill>
+                <a:effectLst/>
+                <a:latin typeface="IRLotus"/>
+              </a:rPr>
+              <a:t>- </a:t>
+            </a:r>
+            <a:r>
+              <a:rPr lang="fa-IR" b="0" i="0" dirty="0">
+                <a:solidFill>
+                  <a:srgbClr val="000000"/>
+                </a:solidFill>
+                <a:effectLst/>
+                <a:latin typeface="IRLotus"/>
+              </a:rPr>
+              <a:t> </a:t>
+            </a:r>
+            <a:r>
+              <a:rPr lang="en-US" sz="2000" b="0" dirty="0">
+                <a:solidFill>
+                  <a:srgbClr val="000000"/>
+                </a:solidFill>
+                <a:effectLst/>
+                <a:cs typeface="Times New Roman" panose="02020603050405020304" pitchFamily="18" charset="0"/>
+              </a:rPr>
+              <a:t>V</a:t>
+            </a:r>
+            <a:r>
+              <a:rPr lang="fa-IR" b="0" i="1" dirty="0">
+                <a:solidFill>
+                  <a:srgbClr val="000000"/>
+                </a:solidFill>
+                <a:effectLst/>
+                <a:latin typeface="CMMI12"/>
+              </a:rPr>
+              <a:t> </a:t>
+            </a:r>
+            <a:r>
+              <a:rPr lang="fa-IR" b="0" i="0" dirty="0">
+                <a:solidFill>
+                  <a:srgbClr val="000000"/>
+                </a:solidFill>
+                <a:effectLst/>
+                <a:latin typeface="IRLotus"/>
+              </a:rPr>
+              <a:t>سرویس مختلف</a:t>
+            </a:r>
+            <a:endParaRPr lang="en-US" b="0" i="0" dirty="0">
+              <a:solidFill>
+                <a:srgbClr val="000000"/>
+              </a:solidFill>
+              <a:effectLst/>
+              <a:latin typeface="IRLotus"/>
+            </a:endParaRPr>
+          </a:p>
+          <a:p>
+            <a:r>
+              <a:rPr lang="fa-IR" dirty="0">
+                <a:solidFill>
+                  <a:srgbClr val="000000"/>
+                </a:solidFill>
+                <a:latin typeface="IRLotus"/>
+              </a:rPr>
+              <a:t>هدف حل مسئله در هر اسلات زمانی </a:t>
+            </a:r>
+            <a:r>
+              <a:rPr lang="en-US" sz="2000" dirty="0">
+                <a:solidFill>
+                  <a:srgbClr val="000000"/>
+                </a:solidFill>
+                <a:cs typeface="Times New Roman" panose="02020603050405020304" pitchFamily="18" charset="0"/>
+              </a:rPr>
+              <a:t>t</a:t>
+            </a:r>
+            <a:r>
+              <a:rPr lang="fa-IR" dirty="0">
+                <a:solidFill>
+                  <a:srgbClr val="000000"/>
+                </a:solidFill>
+                <a:latin typeface="IRLotus"/>
+              </a:rPr>
+              <a:t> می باشد </a:t>
+            </a:r>
+          </a:p>
+          <a:p>
+            <a:r>
+              <a:rPr lang="fa-IR" dirty="0">
+                <a:solidFill>
+                  <a:srgbClr val="000000"/>
+                </a:solidFill>
+                <a:latin typeface="IRLotus"/>
+              </a:rPr>
+              <a:t>هدف در اینجا بیشینه سازی تعداد سرویسهای پذیرفته شده توسط برشهای شبکه می باشد به صورتی که شرط تاخیر و نرخ سرویس را ضمانت کنند </a:t>
+            </a:r>
+            <a:br>
+              <a:rPr lang="fa-IR" dirty="0"/>
+            </a:br>
+            <a:br>
+              <a:rPr lang="fa-IR" dirty="0"/>
+            </a:br>
+            <a:br>
+              <a:rPr lang="fa-IR" dirty="0"/>
+            </a:br>
+            <a:endParaRPr lang="en-US" dirty="0"/>
+          </a:p>
+        </p:txBody>
+      </p:sp>
+      <p:pic>
+        <p:nvPicPr>
+          <p:cNvPr id="5" name="Picture 4">
+            <a:extLst>
+              <a:ext uri="{FF2B5EF4-FFF2-40B4-BE49-F238E27FC236}">
+                <a16:creationId xmlns:a16="http://schemas.microsoft.com/office/drawing/2014/main" id="{E11A08DD-565C-4D99-9047-519C0FEBD510}"/>
+              </a:ext>
+            </a:extLst>
+          </p:cNvPr>
+          <p:cNvPicPr>
+            <a:picLocks noChangeAspect="1"/>
+          </p:cNvPicPr>
+          <p:nvPr/>
+        </p:nvPicPr>
+        <p:blipFill>
+          <a:blip r:embed="rId2"/>
+          <a:stretch>
+            <a:fillRect/>
+          </a:stretch>
+        </p:blipFill>
+        <p:spPr>
+          <a:xfrm>
+            <a:off x="2427967" y="4305754"/>
+            <a:ext cx="2952750" cy="1352550"/>
+          </a:xfrm>
+          <a:prstGeom prst="rect">
+            <a:avLst/>
+          </a:prstGeom>
+        </p:spPr>
+      </p:pic>
+      <p:pic>
+        <p:nvPicPr>
+          <p:cNvPr id="6" name="Picture 5">
+            <a:extLst>
+              <a:ext uri="{FF2B5EF4-FFF2-40B4-BE49-F238E27FC236}">
+                <a16:creationId xmlns:a16="http://schemas.microsoft.com/office/drawing/2014/main" id="{AB1E10AB-FFC8-4A5F-9165-2673A0C21A8B}"/>
+              </a:ext>
+            </a:extLst>
+          </p:cNvPr>
+          <p:cNvPicPr>
+            <a:picLocks noChangeAspect="1"/>
+          </p:cNvPicPr>
+          <p:nvPr/>
+        </p:nvPicPr>
+        <p:blipFill>
+          <a:blip r:embed="rId3"/>
+          <a:stretch>
+            <a:fillRect/>
+          </a:stretch>
+        </p:blipFill>
+        <p:spPr>
+          <a:xfrm>
+            <a:off x="7030358" y="4353379"/>
+            <a:ext cx="2733675" cy="1304925"/>
+          </a:xfrm>
+          <a:prstGeom prst="rect">
+            <a:avLst/>
+          </a:prstGeom>
+        </p:spPr>
+      </p:pic>
+      <p:sp>
+        <p:nvSpPr>
+          <p:cNvPr id="7" name="Rounded Rectangle 15">
+            <a:extLst>
+              <a:ext uri="{FF2B5EF4-FFF2-40B4-BE49-F238E27FC236}">
+                <a16:creationId xmlns:a16="http://schemas.microsoft.com/office/drawing/2014/main" id="{E87D833B-E016-4839-A08E-C7575EF6B90B}"/>
+              </a:ext>
+            </a:extLst>
+          </p:cNvPr>
+          <p:cNvSpPr/>
+          <p:nvPr/>
+        </p:nvSpPr>
+        <p:spPr>
+          <a:xfrm>
+            <a:off x="10891234" y="1271911"/>
+            <a:ext cx="1300766" cy="5586089"/>
+          </a:xfrm>
+          <a:prstGeom prst="roundRect">
+            <a:avLst/>
+          </a:prstGeom>
+          <a:gradFill flip="none" rotWithShape="1">
+            <a:gsLst>
+              <a:gs pos="0">
+                <a:schemeClr val="accent1">
+                  <a:tint val="66000"/>
+                  <a:satMod val="160000"/>
+                </a:schemeClr>
+              </a:gs>
+              <a:gs pos="50000">
+                <a:schemeClr val="accent1">
+                  <a:tint val="44500"/>
+                  <a:satMod val="160000"/>
+                </a:schemeClr>
+              </a:gs>
+              <a:gs pos="100000">
+                <a:schemeClr val="accent1">
+                  <a:tint val="23500"/>
+                  <a:satMod val="160000"/>
+                </a:schemeClr>
+              </a:gs>
+            </a:gsLst>
+            <a:path path="circle">
+              <a:fillToRect l="100000" t="100000"/>
+            </a:path>
+            <a:tileRect r="-100000" b="-100000"/>
+          </a:gradFill>
+          <a:ln>
+            <a:prstDash val="solid"/>
+          </a:ln>
+        </p:spPr>
+        <p:style>
+          <a:lnRef idx="2">
+            <a:schemeClr val="accent1">
+              <a:shade val="50000"/>
+            </a:schemeClr>
+          </a:lnRef>
+          <a:fillRef idx="1">
+            <a:schemeClr val="accent1"/>
+          </a:fillRef>
+          <a:effectRef idx="0">
+            <a:schemeClr val="accent1"/>
+          </a:effectRef>
+          <a:fontRef idx="minor">
+            <a:schemeClr val="lt1"/>
+          </a:fontRef>
+        </p:style>
+        <p:txBody>
+          <a:bodyPr rtlCol="0" anchor="ctr"/>
+          <a:lstStyle/>
+          <a:p>
+            <a:pPr algn="ctr"/>
+            <a:endParaRPr lang="en-US" sz="1500">
+              <a:cs typeface="B Nazanin" panose="00000400000000000000" pitchFamily="2" charset="-78"/>
+            </a:endParaRPr>
+          </a:p>
+        </p:txBody>
+      </p:sp>
+      <p:sp>
+        <p:nvSpPr>
+          <p:cNvPr id="8" name="Rectangle 7">
+            <a:extLst>
+              <a:ext uri="{FF2B5EF4-FFF2-40B4-BE49-F238E27FC236}">
+                <a16:creationId xmlns:a16="http://schemas.microsoft.com/office/drawing/2014/main" id="{A59D47C2-595C-4060-AB29-CCE96F5BD391}"/>
+              </a:ext>
+            </a:extLst>
+          </p:cNvPr>
+          <p:cNvSpPr/>
+          <p:nvPr/>
+        </p:nvSpPr>
+        <p:spPr>
+          <a:xfrm>
+            <a:off x="11084417" y="1476163"/>
+            <a:ext cx="927279" cy="872108"/>
+          </a:xfrm>
+          <a:prstGeom prst="rect">
+            <a:avLst/>
+          </a:prstGeom>
+          <a:solidFill>
+            <a:schemeClr val="tx2">
+              <a:lumMod val="60000"/>
+              <a:lumOff val="40000"/>
+            </a:schemeClr>
+          </a:solidFill>
+        </p:spPr>
+        <p:style>
+          <a:lnRef idx="2">
+            <a:schemeClr val="accent1">
+              <a:shade val="50000"/>
+            </a:schemeClr>
+          </a:lnRef>
+          <a:fillRef idx="1">
+            <a:schemeClr val="accent1"/>
+          </a:fillRef>
+          <a:effectRef idx="0">
+            <a:schemeClr val="accent1"/>
+          </a:effectRef>
+          <a:fontRef idx="minor">
+            <a:schemeClr val="lt1"/>
+          </a:fontRef>
+        </p:style>
+        <p:txBody>
+          <a:bodyPr rtlCol="0" anchor="ctr"/>
+          <a:lstStyle/>
+          <a:p>
+            <a:pPr algn="ctr"/>
+            <a:r>
+              <a:rPr lang="fa-IR" dirty="0">
+                <a:solidFill>
+                  <a:schemeClr val="tx1"/>
+                </a:solidFill>
+                <a:cs typeface="B Nazanin" panose="00000400000000000000" pitchFamily="2" charset="-78"/>
+              </a:rPr>
+              <a:t>مقدمه</a:t>
+            </a:r>
+            <a:endParaRPr lang="en-US" dirty="0">
+              <a:solidFill>
+                <a:schemeClr val="tx1"/>
+              </a:solidFill>
+              <a:cs typeface="B Nazanin" panose="00000400000000000000" pitchFamily="2" charset="-78"/>
+            </a:endParaRPr>
+          </a:p>
+        </p:txBody>
+      </p:sp>
+      <p:sp>
+        <p:nvSpPr>
+          <p:cNvPr id="9" name="Rectangle 8">
+            <a:extLst>
+              <a:ext uri="{FF2B5EF4-FFF2-40B4-BE49-F238E27FC236}">
+                <a16:creationId xmlns:a16="http://schemas.microsoft.com/office/drawing/2014/main" id="{AE7A59FA-DFCA-4405-9469-FDE5995B176F}"/>
+              </a:ext>
+            </a:extLst>
+          </p:cNvPr>
+          <p:cNvSpPr/>
+          <p:nvPr/>
+        </p:nvSpPr>
+        <p:spPr>
+          <a:xfrm>
+            <a:off x="11084417" y="2455499"/>
+            <a:ext cx="914400" cy="914400"/>
+          </a:xfrm>
+          <a:prstGeom prst="rect">
+            <a:avLst/>
+          </a:prstGeom>
+          <a:solidFill>
+            <a:schemeClr val="tx2">
+              <a:lumMod val="60000"/>
+              <a:lumOff val="40000"/>
+            </a:schemeClr>
+          </a:solidFill>
+          <a:ln>
+            <a:solidFill>
+              <a:schemeClr val="tx2">
+                <a:lumMod val="60000"/>
+                <a:lumOff val="40000"/>
+              </a:schemeClr>
+            </a:solidFill>
+          </a:ln>
+        </p:spPr>
+        <p:style>
+          <a:lnRef idx="2">
+            <a:schemeClr val="accent1">
+              <a:shade val="50000"/>
+            </a:schemeClr>
+          </a:lnRef>
+          <a:fillRef idx="1">
+            <a:schemeClr val="accent1"/>
+          </a:fillRef>
+          <a:effectRef idx="0">
+            <a:schemeClr val="accent1"/>
+          </a:effectRef>
+          <a:fontRef idx="minor">
+            <a:schemeClr val="lt1"/>
+          </a:fontRef>
+        </p:style>
+        <p:txBody>
+          <a:bodyPr rtlCol="0" anchor="ctr"/>
+          <a:lstStyle/>
+          <a:p>
+            <a:pPr algn="ctr"/>
+            <a:r>
+              <a:rPr lang="fa-IR" sz="1500" dirty="0">
+                <a:solidFill>
+                  <a:schemeClr val="tx1"/>
+                </a:solidFill>
+                <a:cs typeface="B Nazanin" panose="00000400000000000000" pitchFamily="2" charset="-78"/>
+              </a:rPr>
+              <a:t>پیشینه ی تحقیق</a:t>
+            </a:r>
+            <a:endParaRPr lang="en-US" sz="1500" dirty="0">
+              <a:solidFill>
+                <a:schemeClr val="tx1"/>
+              </a:solidFill>
+              <a:cs typeface="B Nazanin" panose="00000400000000000000" pitchFamily="2" charset="-78"/>
+            </a:endParaRPr>
+          </a:p>
+        </p:txBody>
+      </p:sp>
+      <p:sp>
+        <p:nvSpPr>
+          <p:cNvPr id="10" name="Rectangle 9">
+            <a:extLst>
+              <a:ext uri="{FF2B5EF4-FFF2-40B4-BE49-F238E27FC236}">
+                <a16:creationId xmlns:a16="http://schemas.microsoft.com/office/drawing/2014/main" id="{7BC9DE5A-1479-46EA-BE85-9B2E47A83044}"/>
+              </a:ext>
+            </a:extLst>
+          </p:cNvPr>
+          <p:cNvSpPr/>
+          <p:nvPr/>
+        </p:nvSpPr>
+        <p:spPr>
+          <a:xfrm>
+            <a:off x="11097296" y="3429000"/>
+            <a:ext cx="901520" cy="1234245"/>
+          </a:xfrm>
+          <a:prstGeom prst="rect">
+            <a:avLst/>
+          </a:prstGeom>
+          <a:solidFill>
+            <a:schemeClr val="accent1"/>
+          </a:solidFill>
+          <a:ln>
+            <a:solidFill>
+              <a:schemeClr val="accent1"/>
+            </a:solidFill>
+          </a:ln>
+        </p:spPr>
+        <p:style>
+          <a:lnRef idx="2">
+            <a:schemeClr val="accent1">
+              <a:shade val="50000"/>
+            </a:schemeClr>
+          </a:lnRef>
+          <a:fillRef idx="1">
+            <a:schemeClr val="accent1"/>
+          </a:fillRef>
+          <a:effectRef idx="0">
+            <a:schemeClr val="accent1"/>
+          </a:effectRef>
+          <a:fontRef idx="minor">
+            <a:schemeClr val="lt1"/>
+          </a:fontRef>
+        </p:style>
+        <p:txBody>
+          <a:bodyPr rtlCol="0" anchor="ctr"/>
+          <a:lstStyle/>
+          <a:p>
+            <a:pPr algn="ctr"/>
+            <a:r>
+              <a:rPr lang="fa-IR" sz="1500" dirty="0">
+                <a:solidFill>
+                  <a:schemeClr val="tx1"/>
+                </a:solidFill>
+                <a:cs typeface="B Nazanin" panose="00000400000000000000" pitchFamily="2" charset="-78"/>
+              </a:rPr>
+              <a:t>تخصیص منابع در شبکه دسترسی رادیویی باز </a:t>
+            </a:r>
+            <a:endParaRPr lang="en-US" sz="1500" dirty="0">
+              <a:solidFill>
+                <a:schemeClr val="tx1"/>
+              </a:solidFill>
+              <a:cs typeface="B Nazanin" panose="00000400000000000000" pitchFamily="2" charset="-78"/>
+            </a:endParaRPr>
+          </a:p>
+        </p:txBody>
+      </p:sp>
+      <p:sp>
+        <p:nvSpPr>
+          <p:cNvPr id="11" name="Rectangle 10">
+            <a:extLst>
+              <a:ext uri="{FF2B5EF4-FFF2-40B4-BE49-F238E27FC236}">
+                <a16:creationId xmlns:a16="http://schemas.microsoft.com/office/drawing/2014/main" id="{1D3C871C-CA31-4012-B1C5-1CCE34DB202A}"/>
+              </a:ext>
+            </a:extLst>
+          </p:cNvPr>
+          <p:cNvSpPr/>
+          <p:nvPr/>
+        </p:nvSpPr>
+        <p:spPr>
+          <a:xfrm>
+            <a:off x="11110176" y="4722346"/>
+            <a:ext cx="901520" cy="987447"/>
+          </a:xfrm>
+          <a:prstGeom prst="rect">
+            <a:avLst/>
+          </a:prstGeom>
+          <a:solidFill>
+            <a:schemeClr val="accent1"/>
+          </a:solidFill>
+        </p:spPr>
+        <p:style>
+          <a:lnRef idx="2">
+            <a:schemeClr val="accent1">
+              <a:shade val="50000"/>
+            </a:schemeClr>
+          </a:lnRef>
+          <a:fillRef idx="1">
+            <a:schemeClr val="accent1"/>
+          </a:fillRef>
+          <a:effectRef idx="0">
+            <a:schemeClr val="accent1"/>
+          </a:effectRef>
+          <a:fontRef idx="minor">
+            <a:schemeClr val="lt1"/>
+          </a:fontRef>
+        </p:style>
+        <p:txBody>
+          <a:bodyPr rtlCol="0" anchor="ctr"/>
+          <a:lstStyle/>
+          <a:p>
+            <a:pPr algn="ctr" rtl="1"/>
+            <a:r>
+              <a:rPr lang="fa-IR" sz="1500" b="1" dirty="0">
+                <a:solidFill>
+                  <a:schemeClr val="bg1"/>
+                </a:solidFill>
+                <a:cs typeface="B Nazanin" pitchFamily="2" charset="-78"/>
+              </a:rPr>
+              <a:t>تخصیص برش شبکه به صورت دینامیکی</a:t>
+            </a:r>
+            <a:endParaRPr lang="en-US" sz="1500" b="1" dirty="0">
+              <a:solidFill>
+                <a:schemeClr val="bg1"/>
+              </a:solidFill>
+              <a:cs typeface="B Nazanin" pitchFamily="2" charset="-78"/>
+            </a:endParaRPr>
+          </a:p>
+        </p:txBody>
+      </p:sp>
+      <p:sp>
+        <p:nvSpPr>
+          <p:cNvPr id="12" name="Rectangle 11">
+            <a:extLst>
+              <a:ext uri="{FF2B5EF4-FFF2-40B4-BE49-F238E27FC236}">
+                <a16:creationId xmlns:a16="http://schemas.microsoft.com/office/drawing/2014/main" id="{946280CD-AB29-42BE-966D-61EB85B59121}"/>
+              </a:ext>
+            </a:extLst>
+          </p:cNvPr>
+          <p:cNvSpPr/>
+          <p:nvPr/>
+        </p:nvSpPr>
+        <p:spPr>
+          <a:xfrm>
+            <a:off x="11084417" y="5841941"/>
+            <a:ext cx="914400" cy="1005335"/>
+          </a:xfrm>
+          <a:prstGeom prst="rect">
+            <a:avLst/>
+          </a:prstGeom>
+          <a:gradFill flip="none" rotWithShape="1">
+            <a:gsLst>
+              <a:gs pos="0">
+                <a:schemeClr val="accent1">
+                  <a:tint val="66000"/>
+                  <a:satMod val="160000"/>
+                </a:schemeClr>
+              </a:gs>
+              <a:gs pos="50000">
+                <a:schemeClr val="accent1">
+                  <a:tint val="44500"/>
+                  <a:satMod val="160000"/>
+                </a:schemeClr>
+              </a:gs>
+              <a:gs pos="100000">
+                <a:schemeClr val="accent1">
+                  <a:tint val="23500"/>
+                  <a:satMod val="160000"/>
+                </a:schemeClr>
+              </a:gs>
+            </a:gsLst>
+            <a:path path="circle">
+              <a:fillToRect l="50000" t="50000" r="50000" b="50000"/>
+            </a:path>
+            <a:tileRect/>
+          </a:gradFill>
+        </p:spPr>
+        <p:style>
+          <a:lnRef idx="2">
+            <a:schemeClr val="accent1">
+              <a:shade val="50000"/>
+            </a:schemeClr>
+          </a:lnRef>
+          <a:fillRef idx="1">
+            <a:schemeClr val="accent1"/>
+          </a:fillRef>
+          <a:effectRef idx="0">
+            <a:schemeClr val="accent1"/>
+          </a:effectRef>
+          <a:fontRef idx="minor">
+            <a:schemeClr val="lt1"/>
+          </a:fontRef>
+        </p:style>
+        <p:txBody>
+          <a:bodyPr rtlCol="0" anchor="ctr"/>
+          <a:lstStyle/>
+          <a:p>
+            <a:pPr algn="ctr"/>
+            <a:r>
+              <a:rPr lang="fa-IR" sz="1500" dirty="0">
+                <a:solidFill>
+                  <a:schemeClr val="tx1"/>
+                </a:solidFill>
+                <a:cs typeface="B Nazanin" panose="00000400000000000000" pitchFamily="2" charset="-78"/>
+              </a:rPr>
+              <a:t>نتیجه گیری و پیشنهادات</a:t>
+            </a:r>
+            <a:endParaRPr lang="en-US" sz="1500" dirty="0">
+              <a:solidFill>
+                <a:schemeClr val="tx1"/>
+              </a:solidFill>
+              <a:cs typeface="B Nazanin" panose="00000400000000000000" pitchFamily="2" charset="-78"/>
+            </a:endParaRPr>
+          </a:p>
+        </p:txBody>
+      </p:sp>
+      <p:sp>
+        <p:nvSpPr>
+          <p:cNvPr id="13" name="Slide Number Placeholder 12"/>
+          <p:cNvSpPr>
+            <a:spLocks noGrp="1"/>
+          </p:cNvSpPr>
+          <p:nvPr>
+            <p:ph type="sldNum" sz="quarter" idx="12"/>
+          </p:nvPr>
+        </p:nvSpPr>
+        <p:spPr/>
+        <p:txBody>
+          <a:bodyPr/>
+          <a:lstStyle/>
+          <a:p>
+            <a:fld id="{D57F1E4F-1CFF-5643-939E-217C01CDF565}" type="slidenum">
+              <a:rPr lang="en-US" smtClean="0"/>
+              <a:pPr/>
+              <a:t>31</a:t>
+            </a:fld>
+            <a:r>
+              <a:rPr lang="en-US"/>
+              <a:t>/37</a:t>
+            </a:r>
+            <a:endParaRPr lang="en-US" dirty="0"/>
+          </a:p>
+        </p:txBody>
+      </p:sp>
+    </p:spTree>
+    <p:extLst>
+      <p:ext uri="{BB962C8B-B14F-4D97-AF65-F5344CB8AC3E}">
+        <p14:creationId xmlns:p14="http://schemas.microsoft.com/office/powerpoint/2010/main" val="1636882990"/>
+      </p:ext>
+    </p:extLst>
+  </p:cSld>
+  <p:clrMapOvr>
+    <a:masterClrMapping/>
+  </p:clrMapOvr>
+</p:sld>
+</file>
+
+<file path=ppt/slides/slide32.xml><?xml version="1.0" encoding="utf-8"?>
+<p:sld xmlns:a="http://schemas.openxmlformats.org/drawingml/2006/main" xmlns:r="http://schemas.openxmlformats.org/officeDocument/2006/relationships" xmlns:p="http://schemas.openxmlformats.org/presentationml/2006/main">
+  <p:cSld>
+    <p:spTree>
+      <p:nvGrpSpPr>
+        <p:cNvPr id="1" name=""/>
+        <p:cNvGrpSpPr/>
+        <p:nvPr/>
+      </p:nvGrpSpPr>
+      <p:grpSpPr>
+        <a:xfrm>
+          <a:off x="0" y="0"/>
+          <a:ext cx="0" cy="0"/>
+          <a:chOff x="0" y="0"/>
+          <a:chExt cx="0" cy="0"/>
+        </a:xfrm>
+      </p:grpSpPr>
+      <p:sp>
+        <p:nvSpPr>
+          <p:cNvPr id="2" name="Title 1">
+            <a:extLst>
+              <a:ext uri="{FF2B5EF4-FFF2-40B4-BE49-F238E27FC236}">
                 <a16:creationId xmlns:a16="http://schemas.microsoft.com/office/drawing/2014/main" id="{7A9F9F0D-F2F3-4D3C-91CA-9FB23E1E4149}"/>
               </a:ext>
             </a:extLst>
@@ -26291,10 +26803,6 @@
               <a:rPr lang="fa-IR" sz="7300" dirty="0"/>
               <a:t> </a:t>
             </a:r>
-            <a:r>
-              <a:rPr lang="fa-IR" dirty="0"/>
-              <a:t/>
-            </a:r>
             <a:br>
               <a:rPr lang="fa-IR" dirty="0"/>
             </a:br>
@@ -26302,8 +26810,8 @@
           </a:p>
         </p:txBody>
       </p:sp>
-      <mc:AlternateContent xmlns:mc="http://schemas.openxmlformats.org/markup-compatibility/2006">
-        <mc:Choice xmlns:a14="http://schemas.microsoft.com/office/drawing/2010/main" Requires="a14">
+      <mc:AlternateContent xmlns:mc="http://schemas.openxmlformats.org/markup-compatibility/2006" xmlns:a14="http://schemas.microsoft.com/office/drawing/2010/main">
+        <mc:Choice Requires="a14">
           <p:sp>
             <p:nvSpPr>
               <p:cNvPr id="3" name="Content Placeholder 2">
@@ -26409,19 +26917,10 @@
                     </a:solidFill>
                     <a:latin typeface="IRLotus"/>
                   </a:rPr>
-                  <a:t>تنها منبع مورد نیاز </a:t>
+                  <a:t>تنها منبع مورد نیاز برای </a:t>
                 </a:r>
                 <a:r>
-                  <a:rPr lang="fa-IR" dirty="0" smtClean="0">
-                    <a:solidFill>
-                      <a:srgbClr val="000000"/>
-                    </a:solidFill>
-                    <a:latin typeface="IRLotus"/>
-                  </a:rPr>
-                  <a:t>برای </a:t>
-                </a:r>
-                <a:r>
-                  <a:rPr lang="en-US" sz="2000" dirty="0" smtClean="0">
+                  <a:rPr lang="en-US" sz="2000" dirty="0">
                     <a:solidFill>
                       <a:srgbClr val="000000"/>
                     </a:solidFill>
@@ -26430,7 +26929,7 @@
                   <a:t>f</a:t>
                 </a:r>
                 <a:r>
-                  <a:rPr lang="fa-IR" sz="2000" dirty="0" smtClean="0">
+                  <a:rPr lang="fa-IR" sz="2000" dirty="0">
                     <a:solidFill>
                       <a:srgbClr val="000000"/>
                     </a:solidFill>
@@ -26439,7 +26938,7 @@
                   <a:t> </a:t>
                 </a:r>
                 <a:r>
-                  <a:rPr lang="fa-IR" dirty="0" smtClean="0">
+                  <a:rPr lang="fa-IR" dirty="0">
                     <a:solidFill>
                       <a:srgbClr val="000000"/>
                     </a:solidFill>
@@ -26765,24 +27264,12 @@
                     </m:r>
                   </m:oMath>
                 </a14:m>
-                <a:r>
-                  <a:rPr lang="en-US" dirty="0"/>
-                  <a:t/>
-                </a:r>
                 <a:br>
                   <a:rPr lang="en-US" dirty="0"/>
                 </a:br>
-                <a:r>
-                  <a:rPr lang="fa-IR" dirty="0"/>
-                  <a:t/>
-                </a:r>
                 <a:br>
                   <a:rPr lang="fa-IR" dirty="0"/>
                 </a:br>
-                <a:r>
-                  <a:rPr lang="fa-IR" dirty="0"/>
-                  <a:t/>
-                </a:r>
                 <a:br>
                   <a:rPr lang="fa-IR" dirty="0"/>
                 </a:br>
@@ -26849,10 +27336,6 @@
                   <a:rPr lang="en-US" dirty="0"/>
                   <a:t>d</a:t>
                 </a:r>
-                <a:r>
-                  <a:rPr lang="fa-IR" dirty="0"/>
-                  <a:t/>
-                </a:r>
                 <a:br>
                   <a:rPr lang="fa-IR" dirty="0"/>
                 </a:br>
@@ -26861,7 +27344,7 @@
             </p:txBody>
           </p:sp>
         </mc:Choice>
-        <mc:Fallback>
+        <mc:Fallback xmlns="">
           <p:sp>
             <p:nvSpPr>
               <p:cNvPr id="3" name="Content Placeholder 2">
@@ -27447,10 +27930,10 @@
             <a:fld id="{D57F1E4F-1CFF-5643-939E-217C01CDF565}" type="slidenum">
               <a:rPr lang="en-US" smtClean="0"/>
               <a:pPr/>
-              <a:t>31</a:t>
+              <a:t>32</a:t>
             </a:fld>
             <a:r>
-              <a:rPr lang="en-US" smtClean="0"/>
+              <a:rPr lang="en-US"/>
               <a:t>/37</a:t>
             </a:r>
             <a:endParaRPr lang="en-US" dirty="0"/>
@@ -27467,17 +27950,10 @@
   <p:clrMapOvr>
     <a:masterClrMapping/>
   </p:clrMapOvr>
-  <p:timing>
-    <p:tnLst>
-      <p:par>
-        <p:cTn id="1" dur="indefinite" restart="never" nodeType="tmRoot"/>
-      </p:par>
-    </p:tnLst>
-  </p:timing>
 </p:sld>
 </file>
 
-<file path=ppt/slides/slide32.xml><?xml version="1.0" encoding="utf-8"?>
+<file path=ppt/slides/slide33.xml><?xml version="1.0" encoding="utf-8"?>
 <p:sld xmlns:a="http://schemas.openxmlformats.org/drawingml/2006/main" xmlns:r="http://schemas.openxmlformats.org/officeDocument/2006/relationships" xmlns:p="http://schemas.openxmlformats.org/presentationml/2006/main">
   <p:cSld>
     <p:spTree>
@@ -27585,19 +28061,10 @@
                 </a:solidFill>
                 <a:effectLst/>
               </a:rPr>
-              <a:t>کنید درهرزمان قراردادن هرمجموعه </a:t>
-            </a:r>
-            <a:r>
-              <a:rPr lang="fa-IR" b="0" i="0" dirty="0" smtClean="0">
-                <a:solidFill>
-                  <a:srgbClr val="000000"/>
-                </a:solidFill>
-                <a:effectLst/>
-              </a:rPr>
-              <a:t>ی</a:t>
-            </a:r>
-            <a:r>
-              <a:rPr lang="en-US" b="0" i="0" dirty="0" smtClean="0">
+              <a:t>کنید درهرزمان قراردادن هرمجموعه ی</a:t>
+            </a:r>
+            <a:r>
+              <a:rPr lang="en-US" b="0" i="0" dirty="0">
                 <a:solidFill>
                   <a:srgbClr val="000000"/>
                 </a:solidFill>
@@ -27606,7 +28073,7 @@
               <a:t> </a:t>
             </a:r>
             <a:r>
-              <a:rPr lang="fa-IR" b="0" i="0" dirty="0" smtClean="0">
+              <a:rPr lang="fa-IR" b="0" i="0" dirty="0">
                 <a:solidFill>
                   <a:srgbClr val="000000"/>
                 </a:solidFill>
@@ -28321,10 +28788,10 @@
             <a:fld id="{D57F1E4F-1CFF-5643-939E-217C01CDF565}" type="slidenum">
               <a:rPr lang="en-US" smtClean="0"/>
               <a:pPr/>
-              <a:t>32</a:t>
+              <a:t>33</a:t>
             </a:fld>
             <a:r>
-              <a:rPr lang="en-US" smtClean="0"/>
+              <a:rPr lang="en-US"/>
               <a:t>/37</a:t>
             </a:r>
             <a:endParaRPr lang="en-US" dirty="0"/>
@@ -28341,17 +28808,10 @@
   <p:clrMapOvr>
     <a:masterClrMapping/>
   </p:clrMapOvr>
-  <p:timing>
-    <p:tnLst>
-      <p:par>
-        <p:cTn id="1" dur="indefinite" restart="never" nodeType="tmRoot"/>
-      </p:par>
-    </p:tnLst>
-  </p:timing>
 </p:sld>
 </file>
 
-<file path=ppt/slides/slide33.xml><?xml version="1.0" encoding="utf-8"?>
+<file path=ppt/slides/slide34.xml><?xml version="1.0" encoding="utf-8"?>
 <p:sld xmlns:a="http://schemas.openxmlformats.org/drawingml/2006/main" xmlns:r="http://schemas.openxmlformats.org/officeDocument/2006/relationships" xmlns:p="http://schemas.openxmlformats.org/presentationml/2006/main">
   <p:cSld>
     <p:spTree>
@@ -28959,10 +29419,10 @@
             <a:fld id="{D57F1E4F-1CFF-5643-939E-217C01CDF565}" type="slidenum">
               <a:rPr lang="en-US" smtClean="0"/>
               <a:pPr/>
-              <a:t>33</a:t>
+              <a:t>34</a:t>
             </a:fld>
             <a:r>
-              <a:rPr lang="en-US" smtClean="0"/>
+              <a:rPr lang="en-US"/>
               <a:t>/37</a:t>
             </a:r>
             <a:endParaRPr lang="en-US" dirty="0"/>
@@ -28979,17 +29439,10 @@
   <p:clrMapOvr>
     <a:masterClrMapping/>
   </p:clrMapOvr>
-  <p:timing>
-    <p:tnLst>
-      <p:par>
-        <p:cTn id="1" dur="indefinite" restart="never" nodeType="tmRoot"/>
-      </p:par>
-    </p:tnLst>
-  </p:timing>
 </p:sld>
 </file>
 
-<file path=ppt/slides/slide34.xml><?xml version="1.0" encoding="utf-8"?>
+<file path=ppt/slides/slide35.xml><?xml version="1.0" encoding="utf-8"?>
 <p:sld xmlns:a="http://schemas.openxmlformats.org/drawingml/2006/main" xmlns:r="http://schemas.openxmlformats.org/officeDocument/2006/relationships" xmlns:p="http://schemas.openxmlformats.org/presentationml/2006/main">
   <p:cSld>
     <p:spTree>
@@ -29565,10 +30018,10 @@
             <a:fld id="{D57F1E4F-1CFF-5643-939E-217C01CDF565}" type="slidenum">
               <a:rPr lang="en-US" smtClean="0"/>
               <a:pPr/>
-              <a:t>34</a:t>
+              <a:t>35</a:t>
             </a:fld>
             <a:r>
-              <a:rPr lang="en-US" smtClean="0"/>
+              <a:rPr lang="en-US"/>
               <a:t>/37</a:t>
             </a:r>
             <a:endParaRPr lang="en-US" dirty="0"/>
@@ -29585,17 +30038,10 @@
   <p:clrMapOvr>
     <a:masterClrMapping/>
   </p:clrMapOvr>
-  <p:timing>
-    <p:tnLst>
-      <p:par>
-        <p:cTn id="1" dur="indefinite" restart="never" nodeType="tmRoot"/>
-      </p:par>
-    </p:tnLst>
-  </p:timing>
 </p:sld>
 </file>
 
-<file path=ppt/slides/slide35.xml><?xml version="1.0" encoding="utf-8"?>
+<file path=ppt/slides/slide36.xml><?xml version="1.0" encoding="utf-8"?>
 <p:sld xmlns:a="http://schemas.openxmlformats.org/drawingml/2006/main" xmlns:r="http://schemas.openxmlformats.org/officeDocument/2006/relationships" xmlns:p="http://schemas.openxmlformats.org/presentationml/2006/main">
   <p:cSld>
     <p:spTree>
@@ -29635,11 +30081,7 @@
           <a:p>
             <a:r>
               <a:rPr lang="fa-IR" dirty="0"/>
-              <a:t>نتیجه </a:t>
-            </a:r>
-            <a:r>
-              <a:rPr lang="fa-IR" dirty="0" smtClean="0"/>
-              <a:t>گیری</a:t>
+              <a:t>نتیجه گیری</a:t>
             </a:r>
             <a:endParaRPr lang="en-US" dirty="0"/>
           </a:p>
@@ -29690,12 +30132,8 @@
           </a:p>
           <a:p>
             <a:r>
-              <a:rPr lang="fa-IR" sz="9600" dirty="0" smtClean="0"/>
-              <a:t>مسئله </a:t>
-            </a:r>
-            <a:r>
               <a:rPr lang="fa-IR" sz="9600" dirty="0"/>
-              <a:t>را می توان به دو مسئله تبدیل کرد و هر کدام را با الگوریتمهای مرکزی حل نمود</a:t>
+              <a:t>مسئله را می توان به دو مسئله تبدیل کرد و هر کدام را با الگوریتمهای مرکزی حل نمود</a:t>
             </a:r>
           </a:p>
           <a:p>
@@ -29705,16 +30143,6 @@
             </a:r>
           </a:p>
           <a:p>
-            <a:r>
-              <a:rPr lang="fa-IR" sz="9600" b="0" i="0" dirty="0" smtClean="0">
-                <a:solidFill>
-                  <a:srgbClr val="000000"/>
-                </a:solidFill>
-                <a:effectLst/>
-                <a:latin typeface="IRLotus"/>
-              </a:rPr>
-              <a:t>حالتی </a:t>
-            </a:r>
             <a:r>
               <a:rPr lang="fa-IR" sz="9600" b="0" i="0" dirty="0">
                 <a:solidFill>
@@ -29723,13 +30151,13 @@
                 <a:effectLst/>
                 <a:latin typeface="IRLotus"/>
               </a:rPr>
-              <a:t>که تداخل به نسبت کم باشد به حالت بهینه بسیار نزدیک است</a:t>
+              <a:t>حالتی که تداخل به نسبت کم باشد به حالت بهینه بسیار نزدیک است</a:t>
             </a:r>
             <a:r>
               <a:rPr lang="fa-IR" sz="9600" dirty="0"/>
               <a:t> </a:t>
             </a:r>
-            <a:endParaRPr lang="en-US" sz="9600" dirty="0" smtClean="0"/>
+            <a:endParaRPr lang="en-US" sz="9600" dirty="0"/>
           </a:p>
           <a:p>
             <a:r>
@@ -29752,21 +30180,9 @@
           <a:p>
             <a:r>
               <a:rPr lang="fa-IR" sz="9600" dirty="0"/>
-              <a:t>با افزایش تعداد برشهای شبکه مقدار </a:t>
-            </a:r>
-            <a:r>
-              <a:rPr lang="fa-IR" sz="9600" dirty="0" smtClean="0"/>
-              <a:t>خروجی </a:t>
-            </a:r>
-            <a:r>
-              <a:rPr lang="fa-IR" sz="9600" dirty="0"/>
-              <a:t>از مقدار بهینه فاصله می </a:t>
-            </a:r>
-            <a:r>
-              <a:rPr lang="fa-IR" sz="9600" dirty="0" smtClean="0"/>
-              <a:t>گیرد</a:t>
-            </a:r>
-            <a:endParaRPr lang="en-US" sz="9600" dirty="0" smtClean="0"/>
+              <a:t>با افزایش تعداد برشهای شبکه مقدار خروجی از مقدار بهینه فاصله می گیرد</a:t>
+            </a:r>
+            <a:endParaRPr lang="en-US" sz="9600" dirty="0"/>
           </a:p>
           <a:p>
             <a:endParaRPr lang="fa-IR" sz="9600" dirty="0"/>
@@ -29775,17 +30191,9 @@
             <a:pPr marL="0" indent="0">
               <a:buNone/>
             </a:pPr>
-            <a:r>
-              <a:rPr lang="fa-IR" dirty="0"/>
-              <a:t/>
-            </a:r>
             <a:br>
               <a:rPr lang="fa-IR" dirty="0"/>
             </a:br>
-            <a:r>
-              <a:rPr lang="fa-IR" dirty="0"/>
-              <a:t/>
-            </a:r>
             <a:br>
               <a:rPr lang="fa-IR" dirty="0"/>
             </a:br>
@@ -30222,10 +30630,10 @@
             <a:fld id="{D57F1E4F-1CFF-5643-939E-217C01CDF565}" type="slidenum">
               <a:rPr lang="en-US" smtClean="0"/>
               <a:pPr/>
-              <a:t>35</a:t>
+              <a:t>36</a:t>
             </a:fld>
             <a:r>
-              <a:rPr lang="en-US" smtClean="0"/>
+              <a:rPr lang="en-US"/>
               <a:t>/37</a:t>
             </a:r>
             <a:endParaRPr lang="en-US" dirty="0"/>
@@ -30242,17 +30650,10 @@
   <p:clrMapOvr>
     <a:masterClrMapping/>
   </p:clrMapOvr>
-  <p:timing>
-    <p:tnLst>
-      <p:par>
-        <p:cTn id="1" dur="indefinite" restart="never" nodeType="tmRoot"/>
-      </p:par>
-    </p:tnLst>
-  </p:timing>
 </p:sld>
 </file>
 
-<file path=ppt/slides/slide36.xml><?xml version="1.0" encoding="utf-8"?>
+<file path=ppt/slides/slide37.xml><?xml version="1.0" encoding="utf-8"?>
 <p:sld xmlns:a="http://schemas.openxmlformats.org/drawingml/2006/main" xmlns:r="http://schemas.openxmlformats.org/officeDocument/2006/relationships" xmlns:p="http://schemas.openxmlformats.org/presentationml/2006/main">
   <p:cSld>
     <p:spTree>
@@ -30353,37 +30754,20 @@
                 </a:solidFill>
                 <a:effectLst/>
               </a:rPr>
-              <a:t>تخصیص منابع به روش توزیع شده برای برش شبکه از منابع محاسباتی و منابع دیگر همانند پهنای باند می </a:t>
-            </a:r>
-            <a:r>
-              <a:rPr lang="fa-IR" sz="3100" b="0" i="0" dirty="0" smtClean="0">
-                <a:solidFill>
-                  <a:srgbClr val="000000"/>
-                </a:solidFill>
-                <a:effectLst/>
-              </a:rPr>
-              <a:t>باشد</a:t>
-            </a:r>
-          </a:p>
-          <a:p>
-            <a:r>
-              <a:rPr lang="fa-IR" sz="3100" dirty="0" smtClean="0">
-                <a:solidFill>
-                  <a:srgbClr val="000000"/>
-                </a:solidFill>
-              </a:rPr>
-              <a:t>بدست </a:t>
-            </a:r>
+              <a:t>تخصیص منابع به روش توزیع شده برای برش شبکه از منابع محاسباتی و منابع دیگر همانند پهنای باند می باشد</a:t>
+            </a:r>
+          </a:p>
+          <a:p>
             <a:r>
               <a:rPr lang="fa-IR" sz="3100" dirty="0">
                 <a:solidFill>
                   <a:srgbClr val="000000"/>
                 </a:solidFill>
               </a:rPr>
-              <a:t>آوردن پارامترهای کیفیت سرویس </a:t>
-            </a:r>
-            <a:r>
-              <a:rPr lang="en-US" sz="2800" dirty="0" err="1" smtClean="0">
+              <a:t>بدست آوردن پارامترهای کیفیت سرویس </a:t>
+            </a:r>
+            <a:r>
+              <a:rPr lang="en-US" sz="2800" dirty="0" err="1">
                 <a:solidFill>
                   <a:srgbClr val="000000"/>
                 </a:solidFill>
@@ -30391,7 +30775,7 @@
               <a:t>QoS</a:t>
             </a:r>
             <a:r>
-              <a:rPr lang="fa-IR" sz="2800" dirty="0" smtClean="0">
+              <a:rPr lang="fa-IR" sz="2800" dirty="0">
                 <a:solidFill>
                   <a:srgbClr val="000000"/>
                 </a:solidFill>
@@ -30399,20 +30783,12 @@
               <a:t> </a:t>
             </a:r>
             <a:r>
-              <a:rPr lang="fa-IR" sz="3100" dirty="0" smtClean="0">
-                <a:solidFill>
-                  <a:srgbClr val="000000"/>
-                </a:solidFill>
-              </a:rPr>
-              <a:t>در </a:t>
-            </a:r>
-            <a:r>
               <a:rPr lang="fa-IR" sz="3100" dirty="0">
                 <a:solidFill>
                   <a:srgbClr val="000000"/>
                 </a:solidFill>
               </a:rPr>
-              <a:t>شبکه های دسترسی باز</a:t>
+              <a:t>در شبکه های دسترسی باز</a:t>
             </a:r>
             <a:r>
               <a:rPr lang="en-US" sz="3100" dirty="0">
@@ -30428,33 +30804,17 @@
                   <a:srgbClr val="000000"/>
                 </a:solidFill>
               </a:rPr>
-              <a:t>می باشد که شامل تاخیر انتها به انتها، میزان از دست دادن بسته ها ، قابلیت اطمینان و ... می </a:t>
-            </a:r>
-            <a:r>
-              <a:rPr lang="fa-IR" sz="3100" dirty="0" smtClean="0">
-                <a:solidFill>
-                  <a:srgbClr val="000000"/>
-                </a:solidFill>
-              </a:rPr>
-              <a:t>باشد. </a:t>
-            </a:r>
-          </a:p>
-          <a:p>
-            <a:r>
-              <a:rPr lang="fa-IR" sz="3100" dirty="0" smtClean="0">
-                <a:solidFill>
-                  <a:srgbClr val="000000"/>
-                </a:solidFill>
-              </a:rPr>
-              <a:t>بارهای </a:t>
-            </a:r>
+              <a:t>می باشد که شامل تاخیر انتها به انتها، میزان از دست دادن بسته ها ، قابلیت اطمینان و ... می باشد. </a:t>
+            </a:r>
+          </a:p>
+          <a:p>
             <a:r>
               <a:rPr lang="fa-IR" sz="3100" dirty="0">
                 <a:solidFill>
                   <a:srgbClr val="000000"/>
                 </a:solidFill>
               </a:rPr>
-              <a:t>ترافیکی در برش های مختلف با گذشت زمان تحت تغییر</a:t>
+              <a:t>بارهای ترافیکی در برش های مختلف با گذشت زمان تحت تغییر</a:t>
             </a:r>
             <a:r>
               <a:rPr lang="en-US" sz="3100" dirty="0">
@@ -30488,38 +30848,18 @@
               </a:rPr>
               <a:t>حل این مشکل از کارهای آتی می باشد</a:t>
             </a:r>
-            <a:r>
-              <a:rPr lang="fa-IR" dirty="0"/>
-              <a:t/>
-            </a:r>
             <a:br>
               <a:rPr lang="fa-IR" dirty="0"/>
             </a:br>
-            <a:r>
-              <a:rPr lang="fa-IR" dirty="0"/>
-              <a:t/>
-            </a:r>
             <a:br>
               <a:rPr lang="fa-IR" dirty="0"/>
             </a:br>
-            <a:r>
-              <a:rPr lang="fa-IR" dirty="0"/>
-              <a:t/>
-            </a:r>
             <a:br>
               <a:rPr lang="fa-IR" dirty="0"/>
             </a:br>
-            <a:r>
-              <a:rPr lang="fa-IR" dirty="0"/>
-              <a:t/>
-            </a:r>
             <a:br>
               <a:rPr lang="fa-IR" dirty="0"/>
             </a:br>
-            <a:r>
-              <a:rPr lang="fa-IR" dirty="0"/>
-              <a:t/>
-            </a:r>
             <a:br>
               <a:rPr lang="fa-IR" dirty="0"/>
             </a:br>
@@ -30956,10 +31296,10 @@
             <a:fld id="{D57F1E4F-1CFF-5643-939E-217C01CDF565}" type="slidenum">
               <a:rPr lang="en-US" smtClean="0"/>
               <a:pPr/>
-              <a:t>36</a:t>
+              <a:t>37</a:t>
             </a:fld>
             <a:r>
-              <a:rPr lang="en-US" smtClean="0"/>
+              <a:rPr lang="en-US"/>
               <a:t>/37</a:t>
             </a:r>
             <a:endParaRPr lang="en-US" dirty="0"/>
@@ -30976,17 +31316,10 @@
   <p:clrMapOvr>
     <a:masterClrMapping/>
   </p:clrMapOvr>
-  <p:timing>
-    <p:tnLst>
-      <p:par>
-        <p:cTn id="1" dur="indefinite" restart="never" nodeType="tmRoot"/>
-      </p:par>
-    </p:tnLst>
-  </p:timing>
 </p:sld>
 </file>
 
-<file path=ppt/slides/slide37.xml><?xml version="1.0" encoding="utf-8"?>
+<file path=ppt/slides/slide38.xml><?xml version="1.0" encoding="utf-8"?>
 <p:sld xmlns:a="http://schemas.openxmlformats.org/drawingml/2006/main" xmlns:r="http://schemas.openxmlformats.org/officeDocument/2006/relationships" xmlns:p="http://schemas.openxmlformats.org/presentationml/2006/main">
   <p:cSld>
     <p:spTree>
@@ -31055,10 +31388,10 @@
             <a:fld id="{D57F1E4F-1CFF-5643-939E-217C01CDF565}" type="slidenum">
               <a:rPr lang="en-US" smtClean="0"/>
               <a:pPr/>
-              <a:t>37</a:t>
+              <a:t>38</a:t>
             </a:fld>
             <a:r>
-              <a:rPr lang="en-US" smtClean="0"/>
+              <a:rPr lang="en-US"/>
               <a:t>/37</a:t>
             </a:r>
             <a:endParaRPr lang="en-US" dirty="0"/>
@@ -31075,13 +31408,6 @@
   <p:clrMapOvr>
     <a:masterClrMapping/>
   </p:clrMapOvr>
-  <p:timing>
-    <p:tnLst>
-      <p:par>
-        <p:cTn id="1" dur="indefinite" restart="never" nodeType="tmRoot"/>
-      </p:par>
-    </p:tnLst>
-  </p:timing>
 </p:sld>
 </file>
 
@@ -31146,13 +31472,13 @@
         </p:nvSpPr>
         <p:spPr>
           <a:xfrm>
-            <a:off x="666206" y="1659242"/>
+            <a:off x="668618" y="1449300"/>
             <a:ext cx="9514412" cy="5093958"/>
           </a:xfrm>
         </p:spPr>
         <p:txBody>
           <a:bodyPr>
-            <a:normAutofit fontScale="92500" lnSpcReduction="20000"/>
+            <a:normAutofit fontScale="92500" lnSpcReduction="10000"/>
           </a:bodyPr>
           <a:lstStyle/>
           <a:p>
@@ -31324,13 +31650,22 @@
           <a:p>
             <a:pPr lvl="1"/>
             <a:r>
-              <a:rPr lang="en-US" dirty="0">
-                <a:solidFill>
-                  <a:schemeClr val="tx1"/>
-                </a:solidFill>
-              </a:rPr>
-              <a:t>ORAN</a:t>
-            </a:r>
+              <a:rPr lang="ar-IQ" dirty="0"/>
+              <a:t>شبکه ی تعریف شده ی نرم افزاری </a:t>
+            </a:r>
+            <a:r>
+              <a:rPr lang="en-US" dirty="0"/>
+              <a:t>SDN</a:t>
+            </a:r>
+            <a:r>
+              <a:rPr lang="ar-IQ" dirty="0"/>
+              <a:t> </a:t>
+            </a:r>
+            <a:endParaRPr lang="en-US" dirty="0">
+              <a:solidFill>
+                <a:schemeClr val="tx1"/>
+              </a:solidFill>
+            </a:endParaRPr>
           </a:p>
           <a:p>
             <a:pPr lvl="1"/>
@@ -31355,26 +31690,6 @@
             </a:r>
           </a:p>
           <a:p>
-            <a:pPr lvl="1"/>
-            <a:r>
-              <a:rPr lang="ar-IQ" dirty="0"/>
-              <a:t>شبکه ی تعریف شده ی نرم افزاری </a:t>
-            </a:r>
-            <a:r>
-              <a:rPr lang="en-US" dirty="0"/>
-              <a:t>SDN</a:t>
-            </a:r>
-            <a:r>
-              <a:rPr lang="ar-IQ" dirty="0"/>
-              <a:t> </a:t>
-            </a:r>
-            <a:endParaRPr lang="fa-IR" dirty="0">
-              <a:solidFill>
-                <a:schemeClr val="tx1"/>
-              </a:solidFill>
-            </a:endParaRPr>
-          </a:p>
-          <a:p>
             <a:pPr lvl="1">
               <a:buFont typeface="Wingdings" panose="05000000000000000000" pitchFamily="2" charset="2"/>
               <a:buChar char="Ø"/>
@@ -31419,6 +31734,25 @@
                 </a:solidFill>
               </a:rPr>
               <a:t>Massive MIMO</a:t>
+            </a:r>
+            <a:endParaRPr lang="fa-IR" sz="1800" dirty="0">
+              <a:solidFill>
+                <a:schemeClr val="tx1"/>
+              </a:solidFill>
+            </a:endParaRPr>
+          </a:p>
+          <a:p>
+            <a:pPr lvl="1">
+              <a:buFont typeface="Wingdings" panose="05000000000000000000" pitchFamily="2" charset="2"/>
+              <a:buChar char="Ø"/>
+            </a:pPr>
+            <a:r>
+              <a:rPr lang="en-US" sz="1800" dirty="0">
+                <a:solidFill>
+                  <a:schemeClr val="tx1"/>
+                </a:solidFill>
+              </a:rPr>
+              <a:t>ORAN</a:t>
             </a:r>
           </a:p>
           <a:p>
@@ -31912,7 +32246,7 @@
               <a:t>4</a:t>
             </a:fld>
             <a:r>
-              <a:rPr lang="en-US" smtClean="0"/>
+              <a:rPr lang="en-US"/>
               <a:t>/37</a:t>
             </a:r>
             <a:endParaRPr lang="en-US" dirty="0"/>
@@ -31929,13 +32263,6 @@
   <p:clrMapOvr>
     <a:masterClrMapping/>
   </p:clrMapOvr>
-  <p:timing>
-    <p:tnLst>
-      <p:par>
-        <p:cTn id="1" dur="indefinite" restart="never" nodeType="tmRoot"/>
-      </p:par>
-    </p:tnLst>
-  </p:timing>
 </p:sld>
 </file>
 
@@ -32700,7 +33027,7 @@
               <a:t>5</a:t>
             </a:fld>
             <a:r>
-              <a:rPr lang="en-US" smtClean="0"/>
+              <a:rPr lang="en-US"/>
               <a:t>/37</a:t>
             </a:r>
             <a:endParaRPr lang="en-US" dirty="0"/>
@@ -32717,13 +33044,6 @@
   <p:clrMapOvr>
     <a:masterClrMapping/>
   </p:clrMapOvr>
-  <p:timing>
-    <p:tnLst>
-      <p:par>
-        <p:cTn id="1" dur="indefinite" restart="never" nodeType="tmRoot"/>
-      </p:par>
-    </p:tnLst>
-  </p:timing>
 </p:sld>
 </file>
 
@@ -32976,10 +33296,6 @@
             <a:pPr marL="457200" lvl="1" indent="0" algn="r" rtl="1">
               <a:buNone/>
             </a:pPr>
-            <a:r>
-              <a:rPr lang="en-US" dirty="0"/>
-              <a:t/>
-            </a:r>
             <a:br>
               <a:rPr lang="en-US" dirty="0"/>
             </a:br>
@@ -33549,7 +33865,7 @@
               <a:t>6</a:t>
             </a:fld>
             <a:r>
-              <a:rPr lang="en-US" smtClean="0"/>
+              <a:rPr lang="en-US"/>
               <a:t>/37</a:t>
             </a:r>
             <a:endParaRPr lang="en-US" dirty="0"/>
@@ -33566,13 +33882,6 @@
   <p:clrMapOvr>
     <a:masterClrMapping/>
   </p:clrMapOvr>
-  <p:timing>
-    <p:tnLst>
-      <p:par>
-        <p:cTn id="1" dur="indefinite" restart="never" nodeType="tmRoot"/>
-      </p:par>
-    </p:tnLst>
-  </p:timing>
 </p:sld>
 </file>
 
@@ -34285,7 +34594,7 @@
               <a:t>7</a:t>
             </a:fld>
             <a:r>
-              <a:rPr lang="en-US" smtClean="0"/>
+              <a:rPr lang="en-US"/>
               <a:t>/37</a:t>
             </a:r>
             <a:endParaRPr lang="en-US" dirty="0"/>
@@ -34302,13 +34611,6 @@
   <p:clrMapOvr>
     <a:masterClrMapping/>
   </p:clrMapOvr>
-  <p:timing>
-    <p:tnLst>
-      <p:par>
-        <p:cTn id="1" dur="indefinite" restart="never" nodeType="tmRoot"/>
-      </p:par>
-    </p:tnLst>
-  </p:timing>
 </p:sld>
 </file>
 
@@ -35026,7 +35328,7 @@
               <a:t>8</a:t>
             </a:fld>
             <a:r>
-              <a:rPr lang="en-US" smtClean="0"/>
+              <a:rPr lang="en-US"/>
               <a:t>/37</a:t>
             </a:r>
             <a:endParaRPr lang="en-US" dirty="0"/>
@@ -35043,13 +35345,6 @@
   <p:clrMapOvr>
     <a:masterClrMapping/>
   </p:clrMapOvr>
-  <p:timing>
-    <p:tnLst>
-      <p:par>
-        <p:cTn id="1" dur="indefinite" restart="never" nodeType="tmRoot"/>
-      </p:par>
-    </p:tnLst>
-  </p:timing>
 </p:sld>
 </file>
 
@@ -35136,13 +35431,9 @@
             </a:r>
             <a:r>
               <a:rPr lang="ar-IQ" dirty="0"/>
-              <a:t>تعیین می‌کند</a:t>
-            </a:r>
-            <a:r>
-              <a:rPr lang="ar-IQ" dirty="0" smtClean="0"/>
-              <a:t>.</a:t>
-            </a:r>
-            <a:endParaRPr lang="en-US" dirty="0" smtClean="0"/>
+              <a:t>تعیین می‌کند.</a:t>
+            </a:r>
+            <a:endParaRPr lang="en-US" dirty="0"/>
           </a:p>
           <a:p>
             <a:r>
@@ -35174,7 +35465,7 @@
               <a:t> و </a:t>
             </a:r>
             <a:r>
-              <a:rPr lang="en-US" dirty="0" smtClean="0"/>
+              <a:rPr lang="en-US" dirty="0"/>
               <a:t>XRAN</a:t>
             </a:r>
             <a:endParaRPr lang="fa-IR" dirty="0"/>
@@ -35185,7 +35476,7 @@
               <a:t>استفاده از روشهای یادگیری ماشین برای هوشمندسازی لایه‌های </a:t>
             </a:r>
             <a:r>
-              <a:rPr lang="en-US" dirty="0" smtClean="0"/>
+              <a:rPr lang="en-US" dirty="0"/>
               <a:t>RAN</a:t>
             </a:r>
           </a:p>
@@ -35793,7 +36084,7 @@
               <a:t>9</a:t>
             </a:fld>
             <a:r>
-              <a:rPr lang="en-US" smtClean="0"/>
+              <a:rPr lang="en-US"/>
               <a:t>/37</a:t>
             </a:r>
             <a:endParaRPr lang="en-US" dirty="0"/>
@@ -35810,13 +36101,6 @@
   <p:clrMapOvr>
     <a:masterClrMapping/>
   </p:clrMapOvr>
-  <p:timing>
-    <p:tnLst>
-      <p:par>
-        <p:cTn id="1" dur="indefinite" restart="never" nodeType="tmRoot"/>
-      </p:par>
-    </p:tnLst>
-  </p:timing>
 </p:sld>
 </file>
 

--- a/Latex/tex1/proposal.pptx
+++ b/Latex/tex1/proposal.pptx
@@ -5,7 +5,7 @@
     <p:sldMasterId id="2147483648" r:id="rId1"/>
   </p:sldMasterIdLst>
   <p:notesMasterIdLst>
-    <p:notesMasterId r:id="rId40"/>
+    <p:notesMasterId r:id="rId42"/>
   </p:notesMasterIdLst>
   <p:sldIdLst>
     <p:sldId id="256" r:id="rId2"/>
@@ -43,9 +43,11 @@
     <p:sldId id="357" r:id="rId34"/>
     <p:sldId id="359" r:id="rId35"/>
     <p:sldId id="361" r:id="rId36"/>
-    <p:sldId id="363" r:id="rId37"/>
-    <p:sldId id="365" r:id="rId38"/>
-    <p:sldId id="366" r:id="rId39"/>
+    <p:sldId id="365" r:id="rId37"/>
+    <p:sldId id="369" r:id="rId38"/>
+    <p:sldId id="370" r:id="rId39"/>
+    <p:sldId id="363" r:id="rId40"/>
+    <p:sldId id="366" r:id="rId41"/>
   </p:sldIdLst>
   <p:sldSz cx="12192000" cy="6858000"/>
   <p:notesSz cx="6858000" cy="9144000"/>
@@ -234,7 +236,7 @@
           <a:p>
             <a:fld id="{63335B88-4C89-4578-A075-4D3E83B0A887}" type="datetimeFigureOut">
               <a:rPr lang="en-US" smtClean="0"/>
-              <a:t>11/12/2020</a:t>
+              <a:t>11/14/2020</a:t>
             </a:fld>
             <a:endParaRPr lang="en-US"/>
           </a:p>
@@ -858,9 +860,9 @@
           <a:bodyPr/>
           <a:lstStyle/>
           <a:p>
-            <a:fld id="{EEFF465E-F645-4F17-A8AB-FE27547FACB4}" type="datetime1">
+            <a:fld id="{867030E2-AD92-4124-9E62-245B8A727018}" type="datetime1">
               <a:rPr lang="en-US" smtClean="0"/>
-              <a:t>11/12/2020</a:t>
+              <a:t>11/14/2020</a:t>
             </a:fld>
             <a:endParaRPr lang="en-US" dirty="0"/>
           </a:p>
@@ -1262,9 +1264,9 @@
           <a:bodyPr/>
           <a:lstStyle/>
           <a:p>
-            <a:fld id="{DFFA16B1-DBD6-46CA-A7D2-FACBFB4D33B6}" type="datetime1">
+            <a:fld id="{48617192-EB60-4DB6-A223-4EF2CBC9BE40}" type="datetime1">
               <a:rPr lang="en-US" smtClean="0"/>
-              <a:t>11/12/2020</a:t>
+              <a:t>11/14/2020</a:t>
             </a:fld>
             <a:endParaRPr lang="en-US" dirty="0"/>
           </a:p>
@@ -1659,9 +1661,9 @@
           <a:bodyPr/>
           <a:lstStyle/>
           <a:p>
-            <a:fld id="{976B9DC8-0697-4334-BBC3-DB9BE19170FF}" type="datetime1">
+            <a:fld id="{00E0AF8D-FE0A-4694-8360-159B045B3614}" type="datetime1">
               <a:rPr lang="en-US" smtClean="0"/>
-              <a:t>11/12/2020</a:t>
+              <a:t>11/14/2020</a:t>
             </a:fld>
             <a:endParaRPr lang="en-US" dirty="0"/>
           </a:p>
@@ -1991,9 +1993,9 @@
           <a:bodyPr/>
           <a:lstStyle/>
           <a:p>
-            <a:fld id="{AF2C3C11-6C1A-4491-88F2-1001D070627A}" type="datetime1">
+            <a:fld id="{86E34266-5A4B-451A-9D00-652005285E7A}" type="datetime1">
               <a:rPr lang="en-US" smtClean="0"/>
-              <a:t>11/12/2020</a:t>
+              <a:t>11/14/2020</a:t>
             </a:fld>
             <a:endParaRPr lang="en-US" dirty="0"/>
           </a:p>
@@ -2307,9 +2309,9 @@
           <a:bodyPr/>
           <a:lstStyle/>
           <a:p>
-            <a:fld id="{2F241CC7-F960-4C2E-BEB4-20E2F82B79B8}" type="datetime1">
+            <a:fld id="{EEC937F3-200E-4DFF-8A4D-B4D2D09ABD60}" type="datetime1">
               <a:rPr lang="en-US" smtClean="0"/>
-              <a:t>11/12/2020</a:t>
+              <a:t>11/14/2020</a:t>
             </a:fld>
             <a:endParaRPr lang="en-US" dirty="0"/>
           </a:p>
@@ -2699,9 +2701,9 @@
           <a:bodyPr/>
           <a:lstStyle/>
           <a:p>
-            <a:fld id="{91C3C4B0-D8E3-46D3-85A8-D2F1A29E637E}" type="datetime1">
+            <a:fld id="{1F259103-A106-443A-BA41-4EECB824BB8C}" type="datetime1">
               <a:rPr lang="en-US" smtClean="0"/>
-              <a:t>11/12/2020</a:t>
+              <a:t>11/14/2020</a:t>
             </a:fld>
             <a:endParaRPr lang="en-US" dirty="0"/>
           </a:p>
@@ -2952,9 +2954,9 @@
           <a:bodyPr/>
           <a:lstStyle/>
           <a:p>
-            <a:fld id="{195B1AA7-8099-4FB1-ADB1-CB09816C573D}" type="datetime1">
+            <a:fld id="{6A898A6F-F090-4FB2-AA13-2639E0F88832}" type="datetime1">
               <a:rPr lang="en-US" smtClean="0"/>
-              <a:t>11/12/2020</a:t>
+              <a:t>11/14/2020</a:t>
             </a:fld>
             <a:endParaRPr lang="en-US" dirty="0"/>
           </a:p>
@@ -3210,9 +3212,9 @@
           <a:bodyPr/>
           <a:lstStyle/>
           <a:p>
-            <a:fld id="{79E234D6-51B3-41ED-A059-A364AF729054}" type="datetime1">
+            <a:fld id="{99433ABF-94D5-4867-9BFC-99B13D2941F4}" type="datetime1">
               <a:rPr lang="en-US" smtClean="0"/>
-              <a:t>11/12/2020</a:t>
+              <a:t>11/14/2020</a:t>
             </a:fld>
             <a:endParaRPr lang="en-US" dirty="0"/>
           </a:p>
@@ -3582,9 +3584,9 @@
           <a:bodyPr/>
           <a:lstStyle/>
           <a:p>
-            <a:fld id="{3B6F5FD0-4504-4D66-8F27-985BCDCE24E0}" type="datetime1">
+            <a:fld id="{6AB78748-66E8-40D3-84CC-26F3DA6C09D7}" type="datetime1">
               <a:rPr lang="en-US" smtClean="0"/>
-              <a:t>11/12/2020</a:t>
+              <a:t>11/14/2020</a:t>
             </a:fld>
             <a:endParaRPr lang="en-US" dirty="0"/>
           </a:p>
@@ -3725,8 +3727,13 @@
             </a:fld>
             <a:r>
               <a:rPr lang="en-US" dirty="0"/>
-              <a:t>/37</a:t>
-            </a:r>
+              <a:t>/3</a:t>
+            </a:r>
+            <a:r>
+              <a:rPr lang="fa-IR" dirty="0"/>
+              <a:t>9</a:t>
+            </a:r>
+            <a:endParaRPr lang="en-US" dirty="0"/>
           </a:p>
         </p:txBody>
       </p:sp>
@@ -3982,9 +3989,9 @@
           <a:bodyPr/>
           <a:lstStyle/>
           <a:p>
-            <a:fld id="{1B5AF4E2-45A6-490D-BDAF-24EAF64EFD8B}" type="datetime1">
+            <a:fld id="{AA3C4549-9E32-4233-8AC0-4083AF5328D5}" type="datetime1">
               <a:rPr lang="en-US" smtClean="0"/>
-              <a:t>11/12/2020</a:t>
+              <a:t>11/14/2020</a:t>
             </a:fld>
             <a:endParaRPr lang="en-US" dirty="0"/>
           </a:p>
@@ -4125,8 +4132,13 @@
             </a:fld>
             <a:r>
               <a:rPr lang="en-US" dirty="0"/>
-              <a:t>/37</a:t>
-            </a:r>
+              <a:t>/3</a:t>
+            </a:r>
+            <a:r>
+              <a:rPr lang="fa-IR" dirty="0"/>
+              <a:t>9</a:t>
+            </a:r>
+            <a:endParaRPr lang="en-US" dirty="0"/>
           </a:p>
         </p:txBody>
       </p:sp>
@@ -4371,9 +4383,9 @@
           <a:bodyPr/>
           <a:lstStyle/>
           <a:p>
-            <a:fld id="{CBCB8F54-41BC-4EA6-9A93-1BEC82775119}" type="datetime1">
+            <a:fld id="{15099726-8316-4212-9FF6-21BDE334E70C}" type="datetime1">
               <a:rPr lang="en-US" smtClean="0"/>
-              <a:t>11/12/2020</a:t>
+              <a:t>11/14/2020</a:t>
             </a:fld>
             <a:endParaRPr lang="en-US" dirty="0"/>
           </a:p>
@@ -4884,9 +4896,9 @@
           <a:bodyPr/>
           <a:lstStyle/>
           <a:p>
-            <a:fld id="{568E471B-45A8-4B51-9173-C8EDAA30DFE7}" type="datetime1">
+            <a:fld id="{B324B5CE-B8C3-4E09-AD7F-51949DFF9E2D}" type="datetime1">
               <a:rPr lang="en-US" smtClean="0"/>
-              <a:t>11/12/2020</a:t>
+              <a:t>11/14/2020</a:t>
             </a:fld>
             <a:endParaRPr lang="en-US" dirty="0"/>
           </a:p>
@@ -5085,9 +5097,9 @@
           <a:bodyPr/>
           <a:lstStyle/>
           <a:p>
-            <a:fld id="{49A7E824-2837-4AC4-BF6B-345F12EABEF3}" type="datetime1">
+            <a:fld id="{FEC500A9-9B20-4805-A05B-BBF908858AB8}" type="datetime1">
               <a:rPr lang="en-US" smtClean="0"/>
-              <a:t>11/12/2020</a:t>
+              <a:t>11/14/2020</a:t>
             </a:fld>
             <a:endParaRPr lang="en-US" dirty="0"/>
           </a:p>
@@ -5323,9 +5335,9 @@
           <a:bodyPr/>
           <a:lstStyle/>
           <a:p>
-            <a:fld id="{0D54413D-4A9E-4F71-8267-94D9AB74FC1B}" type="datetime1">
+            <a:fld id="{48E16F13-920A-4A78-BC58-3454A7B391E7}" type="datetime1">
               <a:rPr lang="en-US" smtClean="0"/>
-              <a:t>11/12/2020</a:t>
+              <a:t>11/14/2020</a:t>
             </a:fld>
             <a:endParaRPr lang="en-US" dirty="0"/>
           </a:p>
@@ -5652,9 +5664,9 @@
           <a:bodyPr/>
           <a:lstStyle/>
           <a:p>
-            <a:fld id="{B6C009A7-F244-4D01-9F30-B6119C2F6A5B}" type="datetime1">
+            <a:fld id="{A3FC062E-FDF8-4946-86BC-54EF60326C86}" type="datetime1">
               <a:rPr lang="en-US" smtClean="0"/>
-              <a:t>11/12/2020</a:t>
+              <a:t>11/14/2020</a:t>
             </a:fld>
             <a:endParaRPr lang="en-US" dirty="0"/>
           </a:p>
@@ -5993,9 +6005,9 @@
           <a:bodyPr/>
           <a:lstStyle/>
           <a:p>
-            <a:fld id="{8EBF92F6-B7EE-4B39-B15A-4244A50D9D04}" type="datetime1">
+            <a:fld id="{537A95DD-3D1D-439B-9B3E-6284D7FC85D4}" type="datetime1">
               <a:rPr lang="en-US" smtClean="0"/>
-              <a:t>11/12/2020</a:t>
+              <a:t>11/14/2020</a:t>
             </a:fld>
             <a:endParaRPr lang="en-US" dirty="0"/>
           </a:p>
@@ -8106,9 +8118,9 @@
             </a:lvl1pPr>
           </a:lstStyle>
           <a:p>
-            <a:fld id="{9114BFB9-6752-4981-84B9-858B72051C3A}" type="datetime1">
+            <a:fld id="{A7BF2141-20BA-4C25-A1B5-98B2A3E100BD}" type="datetime1">
               <a:rPr lang="en-US" smtClean="0"/>
-              <a:t>11/12/2020</a:t>
+              <a:t>11/14/2020</a:t>
             </a:fld>
             <a:endParaRPr lang="en-US" dirty="0"/>
           </a:p>
@@ -8764,7 +8776,13 @@
       </p:sp>
       <p:sp>
         <p:nvSpPr>
-          <p:cNvPr id="4" name="Slide Number Placeholder 3"/>
+          <p:cNvPr id="5" name="Slide Number Placeholder 4">
+            <a:extLst>
+              <a:ext uri="{FF2B5EF4-FFF2-40B4-BE49-F238E27FC236}">
+                <a16:creationId xmlns:a16="http://schemas.microsoft.com/office/drawing/2014/main" id="{7B516AF1-72AC-4F48-8A15-28ADF34245FA}"/>
+              </a:ext>
+            </a:extLst>
+          </p:cNvPr>
           <p:cNvSpPr>
             <a:spLocks noGrp="1"/>
           </p:cNvSpPr>
@@ -8784,7 +8802,7 @@
             </a:fld>
             <a:r>
               <a:rPr lang="en-US" dirty="0"/>
-              <a:t>/37</a:t>
+              <a:t>/39</a:t>
             </a:r>
           </a:p>
         </p:txBody>
@@ -8868,7 +8886,7 @@
               <a:t>ساختار </a:t>
             </a:r>
             <a:r>
-              <a:rPr lang="en-US" dirty="0"/>
+              <a:rPr lang="en-US" sz="2000" dirty="0"/>
               <a:t>ORAN</a:t>
             </a:r>
             <a:endParaRPr lang="fa-IR" dirty="0"/>
@@ -8880,86 +8898,106 @@
               <a:t>کنترلگر هوشمند </a:t>
             </a:r>
             <a:r>
+              <a:rPr lang="en-US" sz="1800" dirty="0"/>
+              <a:t>RAN</a:t>
+            </a:r>
+            <a:r>
+              <a:rPr lang="fa-IR" dirty="0"/>
+              <a:t> </a:t>
+            </a:r>
+            <a:r>
+              <a:rPr lang="en-US" dirty="0"/>
+              <a:t>(</a:t>
+            </a:r>
+            <a:r>
+              <a:rPr lang="en-US" sz="1800" dirty="0"/>
+              <a:t>RIC</a:t>
+            </a:r>
+            <a:r>
+              <a:rPr lang="en-US" dirty="0"/>
+              <a:t>)</a:t>
+            </a:r>
+            <a:r>
+              <a:rPr lang="fa-IR" dirty="0"/>
+              <a:t> ،غیر زمان واقعی (بالاتر از یک ثانیه)</a:t>
+            </a:r>
+          </a:p>
+          <a:p>
+            <a:pPr lvl="2"/>
+            <a:r>
+              <a:rPr lang="fa-IR" dirty="0"/>
+              <a:t>مدیریت سیاست</a:t>
+            </a:r>
+          </a:p>
+          <a:p>
+            <a:pPr lvl="2"/>
+            <a:r>
+              <a:rPr lang="fa-IR" dirty="0"/>
+              <a:t>آنالیز </a:t>
+            </a:r>
+            <a:r>
               <a:rPr lang="en-US" dirty="0"/>
               <a:t>RAN</a:t>
             </a:r>
+          </a:p>
+          <a:p>
+            <a:pPr lvl="2"/>
+            <a:r>
+              <a:rPr lang="fa-IR" dirty="0"/>
+              <a:t>مدیریت توابعی که از هوش مصنوعی استفاده می گردد</a:t>
+            </a:r>
+          </a:p>
+          <a:p>
+            <a:pPr lvl="1"/>
+            <a:r>
+              <a:rPr lang="fa-IR" dirty="0"/>
+              <a:t>کنترلگر هوشمند </a:t>
+            </a:r>
+            <a:r>
+              <a:rPr lang="en-US" dirty="0"/>
+              <a:t>(</a:t>
+            </a:r>
+            <a:r>
+              <a:rPr lang="en-US" sz="1800" dirty="0"/>
+              <a:t>RIC</a:t>
+            </a:r>
+            <a:r>
+              <a:rPr lang="en-US" dirty="0"/>
+              <a:t>)</a:t>
+            </a:r>
+            <a:r>
+              <a:rPr lang="fa-IR" dirty="0"/>
+              <a:t> ، نزدیک به زمان واقعی(کمتر از یک ثانیه )</a:t>
+            </a:r>
+          </a:p>
+          <a:p>
+            <a:pPr lvl="2"/>
+            <a:r>
+              <a:rPr lang="en-US" sz="1600" dirty="0"/>
+              <a:t>RRM</a:t>
+            </a:r>
+            <a:r>
+              <a:rPr lang="en-US" dirty="0"/>
+              <a:t> </a:t>
+            </a:r>
+            <a:r>
+              <a:rPr lang="fa-IR" dirty="0"/>
+              <a:t> -مدیریت تعادل بار، </a:t>
+            </a:r>
+            <a:r>
+              <a:rPr lang="en-US" sz="1600" dirty="0"/>
+              <a:t>RB</a:t>
+            </a:r>
             <a:r>
               <a:rPr lang="fa-IR" dirty="0"/>
               <a:t> </a:t>
             </a:r>
-            <a:r>
-              <a:rPr lang="en-US" dirty="0"/>
-              <a:t>(RIC)</a:t>
-            </a:r>
-            <a:r>
-              <a:rPr lang="fa-IR" dirty="0"/>
-              <a:t> ،غیر زمان واقعی (بالاتر از یک ثانیه)</a:t>
-            </a:r>
+            <a:endParaRPr lang="en-US" dirty="0"/>
           </a:p>
           <a:p>
             <a:pPr lvl="2"/>
             <a:r>
-              <a:rPr lang="fa-IR" dirty="0"/>
-              <a:t>مدیریت سیاست</a:t>
-            </a:r>
-          </a:p>
-          <a:p>
-            <a:pPr lvl="2"/>
-            <a:r>
-              <a:rPr lang="fa-IR" dirty="0"/>
-              <a:t>آنالیز </a:t>
-            </a:r>
-            <a:r>
-              <a:rPr lang="en-US" dirty="0"/>
-              <a:t>RAN</a:t>
-            </a:r>
-          </a:p>
-          <a:p>
-            <a:pPr lvl="2"/>
-            <a:r>
-              <a:rPr lang="fa-IR" dirty="0"/>
-              <a:t>مدیریت توابعی که از هوش مصنوعی استفاده می گردد</a:t>
-            </a:r>
-          </a:p>
-          <a:p>
-            <a:pPr lvl="1"/>
-            <a:r>
-              <a:rPr lang="fa-IR" dirty="0"/>
-              <a:t>کنترلگر هوشمند </a:t>
-            </a:r>
-            <a:r>
-              <a:rPr lang="en-US" dirty="0"/>
-              <a:t>(RIC)</a:t>
-            </a:r>
-            <a:r>
-              <a:rPr lang="fa-IR" dirty="0"/>
-              <a:t> ، نزدیک به زمان واقعی(کمتر از یک ثانیه )</a:t>
-            </a:r>
-          </a:p>
-          <a:p>
-            <a:pPr lvl="2"/>
-            <a:r>
-              <a:rPr lang="en-US" dirty="0"/>
-              <a:t>RRM </a:t>
-            </a:r>
-            <a:r>
-              <a:rPr lang="fa-IR" dirty="0"/>
-              <a:t> -مدیریت تعادل بار، </a:t>
-            </a:r>
-            <a:r>
-              <a:rPr lang="en-US" dirty="0"/>
-              <a:t>RB</a:t>
-            </a:r>
-            <a:r>
-              <a:rPr lang="fa-IR" dirty="0"/>
-              <a:t> </a:t>
-            </a:r>
-            <a:endParaRPr lang="en-US" dirty="0"/>
-          </a:p>
-          <a:p>
-            <a:pPr lvl="2"/>
-            <a:r>
-              <a:rPr lang="en-US" dirty="0" err="1"/>
+              <a:rPr lang="en-US" sz="1600" dirty="0" err="1"/>
               <a:t>QoS</a:t>
             </a:r>
             <a:endParaRPr lang="fa-IR" dirty="0"/>
@@ -8971,7 +9009,7 @@
               <a:t>پشته پروتکل </a:t>
             </a:r>
             <a:r>
-              <a:rPr lang="en-US" dirty="0"/>
+              <a:rPr lang="en-US" sz="1800" dirty="0"/>
               <a:t>CU</a:t>
             </a:r>
             <a:r>
@@ -8985,7 +9023,7 @@
               <a:t> </a:t>
             </a:r>
             <a:r>
-              <a:rPr lang="en-US" dirty="0">
+              <a:rPr lang="en-US" sz="1800" dirty="0">
                 <a:sym typeface="Wingdings" panose="05000000000000000000" pitchFamily="2" charset="2"/>
               </a:rPr>
               <a:t>RRC</a:t>
@@ -8997,7 +9035,7 @@
               <a:t>، </a:t>
             </a:r>
             <a:r>
-              <a:rPr lang="en-US" dirty="0">
+              <a:rPr lang="en-US" sz="1800" dirty="0">
                 <a:sym typeface="Wingdings" panose="05000000000000000000" pitchFamily="2" charset="2"/>
               </a:rPr>
               <a:t>PDCP</a:t>
@@ -9009,7 +9047,7 @@
               <a:t> و </a:t>
             </a:r>
             <a:r>
-              <a:rPr lang="en-US" dirty="0">
+              <a:rPr lang="en-US" sz="1800" dirty="0">
                 <a:sym typeface="Wingdings" panose="05000000000000000000" pitchFamily="2" charset="2"/>
               </a:rPr>
               <a:t>SDAP</a:t>
@@ -9041,7 +9079,7 @@
           <a:p>
             <a:pPr lvl="1"/>
             <a:r>
-              <a:rPr lang="en-US" dirty="0"/>
+              <a:rPr lang="en-US" sz="1800" dirty="0"/>
               <a:t>DU</a:t>
             </a:r>
             <a:r>
@@ -9055,7 +9093,7 @@
               <a:t> </a:t>
             </a:r>
             <a:r>
-              <a:rPr lang="en-US" dirty="0" err="1">
+              <a:rPr lang="en-US" sz="1800" dirty="0" err="1">
                 <a:sym typeface="Wingdings" panose="05000000000000000000" pitchFamily="2" charset="2"/>
               </a:rPr>
               <a:t>phy</a:t>
@@ -9073,7 +9111,7 @@
               <a:t> لایه بالاتر، </a:t>
             </a:r>
             <a:r>
-              <a:rPr lang="en-US" dirty="0">
+              <a:rPr lang="en-US" sz="1600" dirty="0">
                 <a:sym typeface="Wingdings" panose="05000000000000000000" pitchFamily="2" charset="2"/>
               </a:rPr>
               <a:t>RLC</a:t>
@@ -9085,16 +9123,19 @@
               <a:t> و </a:t>
             </a:r>
             <a:r>
-              <a:rPr lang="en-US" dirty="0">
+              <a:rPr lang="en-US" sz="1600" dirty="0">
                 <a:sym typeface="Wingdings" panose="05000000000000000000" pitchFamily="2" charset="2"/>
               </a:rPr>
               <a:t>MAC</a:t>
             </a:r>
+            <a:endParaRPr lang="en-US" dirty="0">
+              <a:sym typeface="Wingdings" panose="05000000000000000000" pitchFamily="2" charset="2"/>
+            </a:endParaRPr>
           </a:p>
           <a:p>
             <a:pPr lvl="1"/>
             <a:r>
-              <a:rPr lang="en-US" dirty="0"/>
+              <a:rPr lang="en-US" sz="1800" dirty="0"/>
               <a:t>RU</a:t>
             </a:r>
             <a:r>
@@ -9108,7 +9149,7 @@
               <a:t> </a:t>
             </a:r>
             <a:r>
-              <a:rPr lang="en-US" dirty="0" err="1">
+              <a:rPr lang="en-US" sz="1800" dirty="0" err="1">
                 <a:sym typeface="Wingdings" panose="05000000000000000000" pitchFamily="2" charset="2"/>
               </a:rPr>
               <a:t>phy</a:t>
@@ -9622,7 +9663,13 @@
       </p:sp>
       <p:sp>
         <p:nvSpPr>
-          <p:cNvPr id="11" name="Slide Number Placeholder 10"/>
+          <p:cNvPr id="4" name="Slide Number Placeholder 3">
+            <a:extLst>
+              <a:ext uri="{FF2B5EF4-FFF2-40B4-BE49-F238E27FC236}">
+                <a16:creationId xmlns:a16="http://schemas.microsoft.com/office/drawing/2014/main" id="{4EEF226A-9D03-48ED-8433-6512A7E2DA2A}"/>
+              </a:ext>
+            </a:extLst>
+          </p:cNvPr>
           <p:cNvSpPr>
             <a:spLocks noGrp="1"/>
           </p:cNvSpPr>
@@ -9642,7 +9689,11 @@
             </a:fld>
             <a:r>
               <a:rPr lang="en-US"/>
-              <a:t>/37</a:t>
+              <a:t>/3</a:t>
+            </a:r>
+            <a:r>
+              <a:rPr lang="fa-IR"/>
+              <a:t>9</a:t>
             </a:r>
             <a:endParaRPr lang="en-US" dirty="0"/>
           </a:p>
@@ -9748,7 +9799,7 @@
               <a:t> (</a:t>
             </a:r>
             <a:r>
-              <a:rPr lang="en-US" sz="2600" dirty="0"/>
+              <a:rPr lang="en-US" sz="2300" dirty="0"/>
               <a:t>NFV</a:t>
             </a:r>
             <a:r>
@@ -10390,7 +10441,13 @@
       </p:pic>
       <p:sp>
         <p:nvSpPr>
-          <p:cNvPr id="12" name="Slide Number Placeholder 11"/>
+          <p:cNvPr id="4" name="Slide Number Placeholder 3">
+            <a:extLst>
+              <a:ext uri="{FF2B5EF4-FFF2-40B4-BE49-F238E27FC236}">
+                <a16:creationId xmlns:a16="http://schemas.microsoft.com/office/drawing/2014/main" id="{CA8957A5-9489-4152-AFDC-204FD35384C7}"/>
+              </a:ext>
+            </a:extLst>
+          </p:cNvPr>
           <p:cNvSpPr>
             <a:spLocks noGrp="1"/>
           </p:cNvSpPr>
@@ -10410,7 +10467,11 @@
             </a:fld>
             <a:r>
               <a:rPr lang="en-US"/>
-              <a:t>/37</a:t>
+              <a:t>/3</a:t>
+            </a:r>
+            <a:r>
+              <a:rPr lang="fa-IR"/>
+              <a:t>9</a:t>
             </a:r>
             <a:endParaRPr lang="en-US" dirty="0"/>
           </a:p>
@@ -10504,7 +10565,7 @@
               <a:t>یک برش شبکه، یک شبکه منطقی </a:t>
             </a:r>
             <a:r>
-              <a:rPr lang="en-US" dirty="0"/>
+              <a:rPr lang="en-US" sz="2200" dirty="0"/>
               <a:t>end-to-end</a:t>
             </a:r>
             <a:r>
@@ -10578,7 +10639,7 @@
               <a:t>صورت پویا و کارآمد به برشهای شبکه منطقی با توجه به خواسته های </a:t>
             </a:r>
             <a:r>
-              <a:rPr lang="en-US" dirty="0"/>
+              <a:rPr lang="en-US" sz="2200" dirty="0"/>
               <a:t>QoS</a:t>
             </a:r>
             <a:r>
@@ -11142,7 +11203,13 @@
       </p:pic>
       <p:sp>
         <p:nvSpPr>
-          <p:cNvPr id="12" name="Slide Number Placeholder 11"/>
+          <p:cNvPr id="4" name="Slide Number Placeholder 3">
+            <a:extLst>
+              <a:ext uri="{FF2B5EF4-FFF2-40B4-BE49-F238E27FC236}">
+                <a16:creationId xmlns:a16="http://schemas.microsoft.com/office/drawing/2014/main" id="{7C49CA33-3D84-41E8-BB90-57730F053B6F}"/>
+              </a:ext>
+            </a:extLst>
+          </p:cNvPr>
           <p:cNvSpPr>
             <a:spLocks noGrp="1"/>
           </p:cNvSpPr>
@@ -11162,7 +11229,11 @@
             </a:fld>
             <a:r>
               <a:rPr lang="en-US"/>
-              <a:t>/37</a:t>
+              <a:t>/3</a:t>
+            </a:r>
+            <a:r>
+              <a:rPr lang="fa-IR"/>
+              <a:t>9</a:t>
             </a:r>
             <a:endParaRPr lang="en-US" dirty="0"/>
           </a:p>
@@ -11315,34 +11386,6 @@
           </a:prstGeom>
         </p:spPr>
       </p:pic>
-      <p:sp>
-        <p:nvSpPr>
-          <p:cNvPr id="12" name="Slide Number Placeholder 11"/>
-          <p:cNvSpPr>
-            <a:spLocks noGrp="1"/>
-          </p:cNvSpPr>
-          <p:nvPr>
-            <p:ph type="sldNum" sz="quarter" idx="12"/>
-          </p:nvPr>
-        </p:nvSpPr>
-        <p:spPr/>
-        <p:txBody>
-          <a:bodyPr/>
-          <a:lstStyle/>
-          <a:p>
-            <a:fld id="{D57F1E4F-1CFF-5643-939E-217C01CDF565}" type="slidenum">
-              <a:rPr lang="en-US" smtClean="0"/>
-              <a:pPr/>
-              <a:t>13</a:t>
-            </a:fld>
-            <a:r>
-              <a:rPr lang="en-US"/>
-              <a:t>/37</a:t>
-            </a:r>
-            <a:endParaRPr lang="en-US" dirty="0"/>
-          </a:p>
-        </p:txBody>
-      </p:sp>
       <p:sp>
         <p:nvSpPr>
           <p:cNvPr id="13" name="Rounded Rectangle 10">
@@ -11818,6 +11861,44 @@
           </a:p>
         </p:txBody>
       </p:sp>
+      <p:sp>
+        <p:nvSpPr>
+          <p:cNvPr id="4" name="Slide Number Placeholder 3">
+            <a:extLst>
+              <a:ext uri="{FF2B5EF4-FFF2-40B4-BE49-F238E27FC236}">
+                <a16:creationId xmlns:a16="http://schemas.microsoft.com/office/drawing/2014/main" id="{0BADCFF6-641E-4588-BDBC-1D7D2C9AADA4}"/>
+              </a:ext>
+            </a:extLst>
+          </p:cNvPr>
+          <p:cNvSpPr>
+            <a:spLocks noGrp="1"/>
+          </p:cNvSpPr>
+          <p:nvPr>
+            <p:ph type="sldNum" sz="quarter" idx="12"/>
+          </p:nvPr>
+        </p:nvSpPr>
+        <p:spPr/>
+        <p:txBody>
+          <a:bodyPr/>
+          <a:lstStyle/>
+          <a:p>
+            <a:fld id="{D57F1E4F-1CFF-5643-939E-217C01CDF565}" type="slidenum">
+              <a:rPr lang="en-US" smtClean="0"/>
+              <a:pPr/>
+              <a:t>13</a:t>
+            </a:fld>
+            <a:r>
+              <a:rPr lang="en-US"/>
+              <a:t>/3</a:t>
+            </a:r>
+            <a:r>
+              <a:rPr lang="fa-IR"/>
+              <a:t>9</a:t>
+            </a:r>
+            <a:endParaRPr lang="en-US" dirty="0"/>
+          </a:p>
+        </p:txBody>
+      </p:sp>
     </p:spTree>
     <p:extLst>
       <p:ext uri="{BB962C8B-B14F-4D97-AF65-F5344CB8AC3E}">
@@ -11998,34 +12079,6 @@
           </a:prstGeom>
         </p:spPr>
       </p:pic>
-      <p:sp>
-        <p:nvSpPr>
-          <p:cNvPr id="11" name="Slide Number Placeholder 10"/>
-          <p:cNvSpPr>
-            <a:spLocks noGrp="1"/>
-          </p:cNvSpPr>
-          <p:nvPr>
-            <p:ph type="sldNum" sz="quarter" idx="12"/>
-          </p:nvPr>
-        </p:nvSpPr>
-        <p:spPr/>
-        <p:txBody>
-          <a:bodyPr/>
-          <a:lstStyle/>
-          <a:p>
-            <a:fld id="{D57F1E4F-1CFF-5643-939E-217C01CDF565}" type="slidenum">
-              <a:rPr lang="en-US" smtClean="0"/>
-              <a:pPr/>
-              <a:t>14</a:t>
-            </a:fld>
-            <a:r>
-              <a:rPr lang="en-US"/>
-              <a:t>/37</a:t>
-            </a:r>
-            <a:endParaRPr lang="en-US" dirty="0"/>
-          </a:p>
-        </p:txBody>
-      </p:sp>
       <p:sp>
         <p:nvSpPr>
           <p:cNvPr id="15" name="Rounded Rectangle 10">
@@ -12501,6 +12554,44 @@
           </a:p>
         </p:txBody>
       </p:sp>
+      <p:sp>
+        <p:nvSpPr>
+          <p:cNvPr id="5" name="Slide Number Placeholder 4">
+            <a:extLst>
+              <a:ext uri="{FF2B5EF4-FFF2-40B4-BE49-F238E27FC236}">
+                <a16:creationId xmlns:a16="http://schemas.microsoft.com/office/drawing/2014/main" id="{E8ACD4E0-5222-4500-B009-3D707DF83521}"/>
+              </a:ext>
+            </a:extLst>
+          </p:cNvPr>
+          <p:cNvSpPr>
+            <a:spLocks noGrp="1"/>
+          </p:cNvSpPr>
+          <p:nvPr>
+            <p:ph type="sldNum" sz="quarter" idx="12"/>
+          </p:nvPr>
+        </p:nvSpPr>
+        <p:spPr/>
+        <p:txBody>
+          <a:bodyPr/>
+          <a:lstStyle/>
+          <a:p>
+            <a:fld id="{D57F1E4F-1CFF-5643-939E-217C01CDF565}" type="slidenum">
+              <a:rPr lang="en-US" smtClean="0"/>
+              <a:pPr/>
+              <a:t>14</a:t>
+            </a:fld>
+            <a:r>
+              <a:rPr lang="en-US"/>
+              <a:t>/3</a:t>
+            </a:r>
+            <a:r>
+              <a:rPr lang="fa-IR"/>
+              <a:t>9</a:t>
+            </a:r>
+            <a:endParaRPr lang="en-US" dirty="0"/>
+          </a:p>
+        </p:txBody>
+      </p:sp>
     </p:spTree>
     <p:extLst>
       <p:ext uri="{BB962C8B-B14F-4D97-AF65-F5344CB8AC3E}">
@@ -12592,7 +12683,7 @@
           <a:p>
             <a:r>
               <a:rPr lang="fa-IR" dirty="0"/>
-              <a:t>محیط : جهان فیزیکی که عانل در آن عمل می کند</a:t>
+              <a:t>محیط : جهان فیزیکی که عامل در آن عمل می کند</a:t>
             </a:r>
           </a:p>
           <a:p>
@@ -12620,40 +12711,6 @@
             </a:r>
           </a:p>
           <a:p>
-            <a:endParaRPr lang="en-US" dirty="0"/>
-          </a:p>
-        </p:txBody>
-      </p:sp>
-      <p:sp>
-        <p:nvSpPr>
-          <p:cNvPr id="4" name="Slide Number Placeholder 3">
-            <a:extLst>
-              <a:ext uri="{FF2B5EF4-FFF2-40B4-BE49-F238E27FC236}">
-                <a16:creationId xmlns:a16="http://schemas.microsoft.com/office/drawing/2014/main" id="{2355A0D3-70B4-4355-A9D2-5283E10EFF5D}"/>
-              </a:ext>
-            </a:extLst>
-          </p:cNvPr>
-          <p:cNvSpPr>
-            <a:spLocks noGrp="1"/>
-          </p:cNvSpPr>
-          <p:nvPr>
-            <p:ph type="sldNum" sz="quarter" idx="12"/>
-          </p:nvPr>
-        </p:nvSpPr>
-        <p:spPr/>
-        <p:txBody>
-          <a:bodyPr/>
-          <a:lstStyle/>
-          <a:p>
-            <a:fld id="{D57F1E4F-1CFF-5643-939E-217C01CDF565}" type="slidenum">
-              <a:rPr lang="en-US" smtClean="0"/>
-              <a:pPr/>
-              <a:t>15</a:t>
-            </a:fld>
-            <a:r>
-              <a:rPr lang="en-US"/>
-              <a:t>/37</a:t>
-            </a:r>
             <a:endParaRPr lang="en-US" dirty="0"/>
           </a:p>
         </p:txBody>
@@ -13163,6 +13220,44 @@
           </a:p>
         </p:txBody>
       </p:sp>
+      <p:sp>
+        <p:nvSpPr>
+          <p:cNvPr id="12" name="Slide Number Placeholder 11">
+            <a:extLst>
+              <a:ext uri="{FF2B5EF4-FFF2-40B4-BE49-F238E27FC236}">
+                <a16:creationId xmlns:a16="http://schemas.microsoft.com/office/drawing/2014/main" id="{1CF7F279-8267-4386-A9ED-01A79B1ADBBE}"/>
+              </a:ext>
+            </a:extLst>
+          </p:cNvPr>
+          <p:cNvSpPr>
+            <a:spLocks noGrp="1"/>
+          </p:cNvSpPr>
+          <p:nvPr>
+            <p:ph type="sldNum" sz="quarter" idx="12"/>
+          </p:nvPr>
+        </p:nvSpPr>
+        <p:spPr/>
+        <p:txBody>
+          <a:bodyPr/>
+          <a:lstStyle/>
+          <a:p>
+            <a:fld id="{D57F1E4F-1CFF-5643-939E-217C01CDF565}" type="slidenum">
+              <a:rPr lang="en-US" smtClean="0"/>
+              <a:pPr/>
+              <a:t>15</a:t>
+            </a:fld>
+            <a:r>
+              <a:rPr lang="en-US"/>
+              <a:t>/3</a:t>
+            </a:r>
+            <a:r>
+              <a:rPr lang="fa-IR"/>
+              <a:t>9</a:t>
+            </a:r>
+            <a:endParaRPr lang="en-US" dirty="0"/>
+          </a:p>
+        </p:txBody>
+      </p:sp>
     </p:spTree>
     <p:extLst>
       <p:ext uri="{BB962C8B-B14F-4D97-AF65-F5344CB8AC3E}">
@@ -13858,7 +13953,13 @@
       </p:pic>
       <p:sp>
         <p:nvSpPr>
-          <p:cNvPr id="11" name="Slide Number Placeholder 10"/>
+          <p:cNvPr id="4" name="Slide Number Placeholder 3">
+            <a:extLst>
+              <a:ext uri="{FF2B5EF4-FFF2-40B4-BE49-F238E27FC236}">
+                <a16:creationId xmlns:a16="http://schemas.microsoft.com/office/drawing/2014/main" id="{45D65F30-58AB-4945-8122-45115F91EEEF}"/>
+              </a:ext>
+            </a:extLst>
+          </p:cNvPr>
           <p:cNvSpPr>
             <a:spLocks noGrp="1"/>
           </p:cNvSpPr>
@@ -13878,7 +13979,11 @@
             </a:fld>
             <a:r>
               <a:rPr lang="en-US"/>
-              <a:t>/37</a:t>
+              <a:t>/3</a:t>
+            </a:r>
+            <a:r>
+              <a:rPr lang="fa-IR"/>
+              <a:t>9</a:t>
             </a:r>
             <a:endParaRPr lang="en-US" dirty="0"/>
           </a:p>
@@ -13930,7 +14035,12 @@
             <p:ph type="title"/>
           </p:nvPr>
         </p:nvSpPr>
-        <p:spPr/>
+        <p:spPr>
+          <a:xfrm>
+            <a:off x="1883938" y="468087"/>
+            <a:ext cx="8911687" cy="1280890"/>
+          </a:xfrm>
+        </p:spPr>
         <p:txBody>
           <a:bodyPr/>
           <a:lstStyle/>
@@ -13961,12 +14071,14 @@
         </p:nvSpPr>
         <p:spPr>
           <a:xfrm>
-            <a:off x="1770755" y="2038299"/>
-            <a:ext cx="8915400" cy="3777622"/>
-          </a:xfrm>
-        </p:spPr>
-        <p:txBody>
-          <a:bodyPr/>
+            <a:off x="1469571" y="1426964"/>
+            <a:ext cx="9258227" cy="4962949"/>
+          </a:xfrm>
+        </p:spPr>
+        <p:txBody>
+          <a:bodyPr>
+            <a:normAutofit lnSpcReduction="10000"/>
+          </a:bodyPr>
           <a:lstStyle/>
           <a:p>
             <a:r>
@@ -14058,45 +14170,52 @@
           <a:p>
             <a:r>
               <a:rPr lang="fa-IR" sz="2000" dirty="0"/>
-              <a:t>در حال حاضر مقالات در </a:t>
+              <a:t>در حال حاضر مقالات زیادی در زمینه ی تخصیص منابع در شبکه های دسترسی رادیویی ابری و مهی وجود دارد که نیازمند ارتقا به شبکه های دسترسی رادیویی باز می باشد که منجر به استفاده از روشهای هوش مصنوعی در بخش </a:t>
+            </a:r>
+            <a:r>
+              <a:rPr lang="fa-IR" sz="2000" dirty="0" err="1"/>
+              <a:t>کنترلگر</a:t>
+            </a:r>
+            <a:r>
+              <a:rPr lang="fa-IR" sz="2000" dirty="0"/>
+              <a:t> غیر زمان واقعی و نزدیک به زمان واقعی می باشد.</a:t>
+            </a:r>
+          </a:p>
+          <a:p>
+            <a:r>
+              <a:rPr lang="fa-IR" sz="2000" dirty="0"/>
+              <a:t>روشهای یادگیری تقویتی، درحال حاضر یکی از روشهای مورد توجه در زمینه ی تخصیص منابع می باشد که برای بدست آوردن متغیرهای پیوسته همانند توان کاربران نیازمند استفاده از روش یادگیری عمیق هستیم.</a:t>
+            </a:r>
+          </a:p>
+          <a:p>
+            <a:r>
+              <a:rPr lang="fa-IR" sz="2000" dirty="0"/>
+              <a:t>بدست آوردن </a:t>
+            </a:r>
+            <a:r>
+              <a:rPr lang="en-US" sz="2000" dirty="0"/>
+              <a:t>QoS</a:t>
+            </a:r>
+            <a:r>
+              <a:rPr lang="fa-IR" sz="2000" dirty="0"/>
+              <a:t> همانند تاخیر و نرخ در شبکه های دسترسی رادیویی باز و تخصیص پویای منابع به کاربران از اهداف رساله می باشد.</a:t>
+            </a:r>
+          </a:p>
+          <a:p>
+            <a:r>
+              <a:rPr lang="fa-IR" sz="2000" dirty="0"/>
+              <a:t>برش شبکه در بخش هسته و رادیویی، در نسل 5ام بسیار مورد توجه قرار گرفته شده که یکی از اهداف رساله، برش دهی شبکه ی دسترسی رادیویی باز می باشد.   </a:t>
+            </a:r>
+            <a:endParaRPr lang="en-US" sz="2000" dirty="0"/>
+          </a:p>
+          <a:p>
+            <a:r>
+              <a:rPr lang="fa-IR" sz="2000" dirty="0"/>
+              <a:t>همچنین قرار گیری توابع شبکه ی مجازی بر روی مراکز داده و تخصیص دینامیکی آن به صورتی که میزان هزینه ی مصرفی به کاهش یابد مورد توجه قرار گرفته است</a:t>
             </a:r>
             <a:br>
               <a:rPr lang="fa-IR" dirty="0"/>
             </a:br>
-            <a:endParaRPr lang="en-US" dirty="0"/>
-          </a:p>
-        </p:txBody>
-      </p:sp>
-      <p:sp>
-        <p:nvSpPr>
-          <p:cNvPr id="4" name="Slide Number Placeholder 3">
-            <a:extLst>
-              <a:ext uri="{FF2B5EF4-FFF2-40B4-BE49-F238E27FC236}">
-                <a16:creationId xmlns:a16="http://schemas.microsoft.com/office/drawing/2014/main" id="{862195EC-AAA5-41D6-AB67-130EE069D2A1}"/>
-              </a:ext>
-            </a:extLst>
-          </p:cNvPr>
-          <p:cNvSpPr>
-            <a:spLocks noGrp="1"/>
-          </p:cNvSpPr>
-          <p:nvPr>
-            <p:ph type="sldNum" sz="quarter" idx="12"/>
-          </p:nvPr>
-        </p:nvSpPr>
-        <p:spPr/>
-        <p:txBody>
-          <a:bodyPr/>
-          <a:lstStyle/>
-          <a:p>
-            <a:fld id="{D57F1E4F-1CFF-5643-939E-217C01CDF565}" type="slidenum">
-              <a:rPr lang="en-US" smtClean="0"/>
-              <a:pPr/>
-              <a:t>17</a:t>
-            </a:fld>
-            <a:r>
-              <a:rPr lang="en-US"/>
-              <a:t>/37</a:t>
-            </a:r>
             <a:endParaRPr lang="en-US" dirty="0"/>
           </a:p>
         </p:txBody>
@@ -14573,6 +14692,44 @@
               </a:solidFill>
               <a:cs typeface="B Nazanin" panose="00000400000000000000" pitchFamily="2" charset="-78"/>
             </a:endParaRPr>
+          </a:p>
+        </p:txBody>
+      </p:sp>
+      <p:sp>
+        <p:nvSpPr>
+          <p:cNvPr id="11" name="Slide Number Placeholder 10">
+            <a:extLst>
+              <a:ext uri="{FF2B5EF4-FFF2-40B4-BE49-F238E27FC236}">
+                <a16:creationId xmlns:a16="http://schemas.microsoft.com/office/drawing/2014/main" id="{4BC65D51-7BB1-48BA-9908-964A0CB9BEFA}"/>
+              </a:ext>
+            </a:extLst>
+          </p:cNvPr>
+          <p:cNvSpPr>
+            <a:spLocks noGrp="1"/>
+          </p:cNvSpPr>
+          <p:nvPr>
+            <p:ph type="sldNum" sz="quarter" idx="12"/>
+          </p:nvPr>
+        </p:nvSpPr>
+        <p:spPr/>
+        <p:txBody>
+          <a:bodyPr/>
+          <a:lstStyle/>
+          <a:p>
+            <a:fld id="{D57F1E4F-1CFF-5643-939E-217C01CDF565}" type="slidenum">
+              <a:rPr lang="en-US" smtClean="0"/>
+              <a:pPr/>
+              <a:t>17</a:t>
+            </a:fld>
+            <a:r>
+              <a:rPr lang="en-US"/>
+              <a:t>/3</a:t>
+            </a:r>
+            <a:r>
+              <a:rPr lang="fa-IR"/>
+              <a:t>9</a:t>
+            </a:r>
+            <a:endParaRPr lang="en-US" dirty="0"/>
           </a:p>
         </p:txBody>
       </p:sp>
@@ -15496,7 +15653,13 @@
       </p:pic>
       <p:sp>
         <p:nvSpPr>
-          <p:cNvPr id="6" name="Slide Number Placeholder 5"/>
+          <p:cNvPr id="4" name="Slide Number Placeholder 3">
+            <a:extLst>
+              <a:ext uri="{FF2B5EF4-FFF2-40B4-BE49-F238E27FC236}">
+                <a16:creationId xmlns:a16="http://schemas.microsoft.com/office/drawing/2014/main" id="{60CE8F0B-EED8-419D-8083-B9D960F61B3B}"/>
+              </a:ext>
+            </a:extLst>
+          </p:cNvPr>
           <p:cNvSpPr>
             <a:spLocks noGrp="1"/>
           </p:cNvSpPr>
@@ -15516,7 +15679,11 @@
             </a:fld>
             <a:r>
               <a:rPr lang="en-US"/>
-              <a:t>/37</a:t>
+              <a:t>/3</a:t>
+            </a:r>
+            <a:r>
+              <a:rPr lang="fa-IR"/>
+              <a:t>9</a:t>
             </a:r>
             <a:endParaRPr lang="en-US" dirty="0"/>
           </a:p>
@@ -16219,7 +16386,13 @@
       </p:pic>
       <p:sp>
         <p:nvSpPr>
-          <p:cNvPr id="13" name="Slide Number Placeholder 12"/>
+          <p:cNvPr id="4" name="Slide Number Placeholder 3">
+            <a:extLst>
+              <a:ext uri="{FF2B5EF4-FFF2-40B4-BE49-F238E27FC236}">
+                <a16:creationId xmlns:a16="http://schemas.microsoft.com/office/drawing/2014/main" id="{E8C9DB88-838F-4E04-A9EC-546B52EFA0FA}"/>
+              </a:ext>
+            </a:extLst>
+          </p:cNvPr>
           <p:cNvSpPr>
             <a:spLocks noGrp="1"/>
           </p:cNvSpPr>
@@ -16239,7 +16412,11 @@
             </a:fld>
             <a:r>
               <a:rPr lang="en-US"/>
-              <a:t>/37</a:t>
+              <a:t>/3</a:t>
+            </a:r>
+            <a:r>
+              <a:rPr lang="fa-IR"/>
+              <a:t>9</a:t>
             </a:r>
             <a:endParaRPr lang="en-US" dirty="0"/>
           </a:p>
@@ -16351,7 +16528,13 @@
       </p:pic>
       <p:sp>
         <p:nvSpPr>
-          <p:cNvPr id="2" name="Slide Number Placeholder 1"/>
+          <p:cNvPr id="3" name="Slide Number Placeholder 2">
+            <a:extLst>
+              <a:ext uri="{FF2B5EF4-FFF2-40B4-BE49-F238E27FC236}">
+                <a16:creationId xmlns:a16="http://schemas.microsoft.com/office/drawing/2014/main" id="{CE783131-044F-4E3C-9001-C6AC4C78EC1D}"/>
+              </a:ext>
+            </a:extLst>
+          </p:cNvPr>
           <p:cNvSpPr>
             <a:spLocks noGrp="1"/>
           </p:cNvSpPr>
@@ -16371,7 +16554,11 @@
             </a:fld>
             <a:r>
               <a:rPr lang="en-US"/>
-              <a:t>/37</a:t>
+              <a:t>/3</a:t>
+            </a:r>
+            <a:r>
+              <a:rPr lang="fa-IR"/>
+              <a:t>9</a:t>
             </a:r>
             <a:endParaRPr lang="en-US" dirty="0"/>
           </a:p>
@@ -17249,7 +17436,13 @@
       </p:pic>
       <p:sp>
         <p:nvSpPr>
-          <p:cNvPr id="6" name="Slide Number Placeholder 5"/>
+          <p:cNvPr id="5" name="Slide Number Placeholder 4">
+            <a:extLst>
+              <a:ext uri="{FF2B5EF4-FFF2-40B4-BE49-F238E27FC236}">
+                <a16:creationId xmlns:a16="http://schemas.microsoft.com/office/drawing/2014/main" id="{9C589D9D-2A28-466F-9483-9425FB32B5BE}"/>
+              </a:ext>
+            </a:extLst>
+          </p:cNvPr>
           <p:cNvSpPr>
             <a:spLocks noGrp="1"/>
           </p:cNvSpPr>
@@ -17269,7 +17462,11 @@
             </a:fld>
             <a:r>
               <a:rPr lang="en-US"/>
-              <a:t>/37</a:t>
+              <a:t>/3</a:t>
+            </a:r>
+            <a:r>
+              <a:rPr lang="fa-IR"/>
+              <a:t>9</a:t>
             </a:r>
             <a:endParaRPr lang="en-US" dirty="0"/>
           </a:p>
@@ -17378,14 +17575,7 @@
             </a:r>
             <a:r>
               <a:rPr lang="fa-IR" dirty="0"/>
-              <a:t>نشان</a:t>
-            </a:r>
-            <a:br>
-              <a:rPr lang="fa-IR" dirty="0"/>
-            </a:br>
-            <a:r>
-              <a:rPr lang="fa-IR" dirty="0"/>
-              <a:t>داده می شود </a:t>
+              <a:t>مدل می شود </a:t>
             </a:r>
             <a:endParaRPr lang="en-US" dirty="0"/>
           </a:p>
@@ -18067,7 +18257,13 @@
       </p:sp>
       <p:sp>
         <p:nvSpPr>
-          <p:cNvPr id="17" name="Slide Number Placeholder 16"/>
+          <p:cNvPr id="4" name="Slide Number Placeholder 3">
+            <a:extLst>
+              <a:ext uri="{FF2B5EF4-FFF2-40B4-BE49-F238E27FC236}">
+                <a16:creationId xmlns:a16="http://schemas.microsoft.com/office/drawing/2014/main" id="{FF43D37E-F15F-409C-A03B-6A4E0E20E8EC}"/>
+              </a:ext>
+            </a:extLst>
+          </p:cNvPr>
           <p:cNvSpPr>
             <a:spLocks noGrp="1"/>
           </p:cNvSpPr>
@@ -18087,7 +18283,11 @@
             </a:fld>
             <a:r>
               <a:rPr lang="en-US"/>
-              <a:t>/37</a:t>
+              <a:t>/3</a:t>
+            </a:r>
+            <a:r>
+              <a:rPr lang="fa-IR"/>
+              <a:t>9</a:t>
             </a:r>
             <a:endParaRPr lang="en-US" dirty="0"/>
           </a:p>
@@ -18146,14 +18346,14 @@
           <a:p>
             <a:r>
               <a:rPr lang="fa-IR" dirty="0"/>
-              <a:t>مرکز داده ی فیزیکی</a:t>
+              <a:t>مراکز داده ی فیزیکی</a:t>
             </a:r>
             <a:endParaRPr lang="en-US" dirty="0"/>
           </a:p>
         </p:txBody>
       </p:sp>
-      <mc:AlternateContent xmlns:mc="http://schemas.openxmlformats.org/markup-compatibility/2006">
-        <mc:Choice xmlns:a14="http://schemas.microsoft.com/office/drawing/2010/main" Requires="a14">
+      <mc:AlternateContent xmlns:mc="http://schemas.openxmlformats.org/markup-compatibility/2006" xmlns:a14="http://schemas.microsoft.com/office/drawing/2010/main">
+        <mc:Choice Requires="a14">
           <p:sp>
             <p:nvSpPr>
               <p:cNvPr id="3" name="Content Placeholder 2">
@@ -18519,7 +18719,7 @@
             </p:txBody>
           </p:sp>
         </mc:Choice>
-        <mc:Fallback>
+        <mc:Fallback xmlns="">
           <p:sp>
             <p:nvSpPr>
               <p:cNvPr id="3" name="Content Placeholder 2">
@@ -19112,7 +19312,13 @@
       </p:sp>
       <p:sp>
         <p:nvSpPr>
-          <p:cNvPr id="14" name="Slide Number Placeholder 13"/>
+          <p:cNvPr id="4" name="Slide Number Placeholder 3">
+            <a:extLst>
+              <a:ext uri="{FF2B5EF4-FFF2-40B4-BE49-F238E27FC236}">
+                <a16:creationId xmlns:a16="http://schemas.microsoft.com/office/drawing/2014/main" id="{92940862-409B-4E47-92E1-F5B9B039C518}"/>
+              </a:ext>
+            </a:extLst>
+          </p:cNvPr>
           <p:cNvSpPr>
             <a:spLocks noGrp="1"/>
           </p:cNvSpPr>
@@ -19132,7 +19338,11 @@
             </a:fld>
             <a:r>
               <a:rPr lang="en-US"/>
-              <a:t>/37</a:t>
+              <a:t>/3</a:t>
+            </a:r>
+            <a:r>
+              <a:rPr lang="fa-IR"/>
+              <a:t>9</a:t>
             </a:r>
             <a:endParaRPr lang="en-US" dirty="0"/>
           </a:p>
@@ -19890,7 +20100,13 @@
       </p:pic>
       <p:sp>
         <p:nvSpPr>
-          <p:cNvPr id="5" name="Slide Number Placeholder 4"/>
+          <p:cNvPr id="6" name="Slide Number Placeholder 5">
+            <a:extLst>
+              <a:ext uri="{FF2B5EF4-FFF2-40B4-BE49-F238E27FC236}">
+                <a16:creationId xmlns:a16="http://schemas.microsoft.com/office/drawing/2014/main" id="{15D5126F-7003-42A5-AF8B-626536F29EAA}"/>
+              </a:ext>
+            </a:extLst>
+          </p:cNvPr>
           <p:cNvSpPr>
             <a:spLocks noGrp="1"/>
           </p:cNvSpPr>
@@ -19910,7 +20126,11 @@
             </a:fld>
             <a:r>
               <a:rPr lang="en-US"/>
-              <a:t>/37</a:t>
+              <a:t>/3</a:t>
+            </a:r>
+            <a:r>
+              <a:rPr lang="fa-IR"/>
+              <a:t>9</a:t>
             </a:r>
             <a:endParaRPr lang="en-US" dirty="0"/>
           </a:p>
@@ -20593,7 +20813,13 @@
       </p:pic>
       <p:sp>
         <p:nvSpPr>
-          <p:cNvPr id="3" name="Slide Number Placeholder 2"/>
+          <p:cNvPr id="4" name="Slide Number Placeholder 3">
+            <a:extLst>
+              <a:ext uri="{FF2B5EF4-FFF2-40B4-BE49-F238E27FC236}">
+                <a16:creationId xmlns:a16="http://schemas.microsoft.com/office/drawing/2014/main" id="{E419219F-B403-45E4-A78C-1D20F7579C7A}"/>
+              </a:ext>
+            </a:extLst>
+          </p:cNvPr>
           <p:cNvSpPr>
             <a:spLocks noGrp="1"/>
           </p:cNvSpPr>
@@ -20613,7 +20839,11 @@
             </a:fld>
             <a:r>
               <a:rPr lang="en-US"/>
-              <a:t>/37</a:t>
+              <a:t>/3</a:t>
+            </a:r>
+            <a:r>
+              <a:rPr lang="fa-IR"/>
+              <a:t>9</a:t>
             </a:r>
             <a:endParaRPr lang="en-US" dirty="0"/>
           </a:p>
@@ -20676,8 +20906,12 @@
           <a:lstStyle/>
           <a:p>
             <a:r>
+              <a:rPr lang="fa-IR" dirty="0" err="1"/>
+              <a:t>الگوریتم</a:t>
+            </a:r>
+            <a:r>
               <a:rPr lang="fa-IR" dirty="0"/>
-              <a:t>حل مسئله ی اول بخش اول</a:t>
+              <a:t> اختصاص برش شبکه به سرویس</a:t>
             </a:r>
             <a:endParaRPr lang="en-US" dirty="0"/>
           </a:p>
@@ -21172,7 +21406,13 @@
       </p:sp>
       <p:sp>
         <p:nvSpPr>
-          <p:cNvPr id="3" name="Slide Number Placeholder 2"/>
+          <p:cNvPr id="4" name="Slide Number Placeholder 3">
+            <a:extLst>
+              <a:ext uri="{FF2B5EF4-FFF2-40B4-BE49-F238E27FC236}">
+                <a16:creationId xmlns:a16="http://schemas.microsoft.com/office/drawing/2014/main" id="{32761FB4-2FDE-4A46-821D-A3184F1F8DE3}"/>
+              </a:ext>
+            </a:extLst>
+          </p:cNvPr>
           <p:cNvSpPr>
             <a:spLocks noGrp="1"/>
           </p:cNvSpPr>
@@ -21192,7 +21432,11 @@
             </a:fld>
             <a:r>
               <a:rPr lang="en-US"/>
-              <a:t>/37</a:t>
+              <a:t>/3</a:t>
+            </a:r>
+            <a:r>
+              <a:rPr lang="fa-IR"/>
+              <a:t>9</a:t>
             </a:r>
             <a:endParaRPr lang="en-US" dirty="0"/>
           </a:p>
@@ -21251,7 +21495,7 @@
           <a:p>
             <a:r>
               <a:rPr lang="fa-IR" dirty="0"/>
-              <a:t>حل مسئله ی اول بخش دوم</a:t>
+              <a:t>حل مسئله ی تخصیص توان به کاربران</a:t>
             </a:r>
             <a:endParaRPr lang="en-US" dirty="0"/>
           </a:p>
@@ -21866,7 +22110,13 @@
       </p:sp>
       <p:sp>
         <p:nvSpPr>
-          <p:cNvPr id="3" name="Slide Number Placeholder 2"/>
+          <p:cNvPr id="4" name="Slide Number Placeholder 3">
+            <a:extLst>
+              <a:ext uri="{FF2B5EF4-FFF2-40B4-BE49-F238E27FC236}">
+                <a16:creationId xmlns:a16="http://schemas.microsoft.com/office/drawing/2014/main" id="{7D64A65D-37AF-44DC-9FE6-3E65E864ED1D}"/>
+              </a:ext>
+            </a:extLst>
+          </p:cNvPr>
           <p:cNvSpPr>
             <a:spLocks noGrp="1"/>
           </p:cNvSpPr>
@@ -21886,7 +22136,11 @@
             </a:fld>
             <a:r>
               <a:rPr lang="en-US"/>
-              <a:t>/37</a:t>
+              <a:t>/3</a:t>
+            </a:r>
+            <a:r>
+              <a:rPr lang="fa-IR"/>
+              <a:t>9</a:t>
             </a:r>
             <a:endParaRPr lang="en-US" dirty="0"/>
           </a:p>
@@ -21944,8 +22198,12 @@
           <a:lstStyle/>
           <a:p>
             <a:r>
+              <a:rPr lang="fa-IR" dirty="0" err="1"/>
+              <a:t>الگوریتم</a:t>
+            </a:r>
+            <a:r>
               <a:rPr lang="fa-IR" dirty="0"/>
-              <a:t>الگوریتم مسئله ی اول </a:t>
+              <a:t> تخصیص برش شبکه و توان به کاربران سرویس   </a:t>
             </a:r>
             <a:endParaRPr lang="en-US" dirty="0"/>
           </a:p>
@@ -22440,7 +22698,13 @@
       </p:pic>
       <p:sp>
         <p:nvSpPr>
-          <p:cNvPr id="3" name="Slide Number Placeholder 2"/>
+          <p:cNvPr id="4" name="Slide Number Placeholder 3">
+            <a:extLst>
+              <a:ext uri="{FF2B5EF4-FFF2-40B4-BE49-F238E27FC236}">
+                <a16:creationId xmlns:a16="http://schemas.microsoft.com/office/drawing/2014/main" id="{CF52BFF9-35BE-41B4-B7D0-857BD0C45E27}"/>
+              </a:ext>
+            </a:extLst>
+          </p:cNvPr>
           <p:cNvSpPr>
             <a:spLocks noGrp="1"/>
           </p:cNvSpPr>
@@ -22460,7 +22724,11 @@
             </a:fld>
             <a:r>
               <a:rPr lang="en-US"/>
-              <a:t>/37</a:t>
+              <a:t>/3</a:t>
+            </a:r>
+            <a:r>
+              <a:rPr lang="fa-IR"/>
+              <a:t>9</a:t>
             </a:r>
             <a:endParaRPr lang="en-US" dirty="0"/>
           </a:p>
@@ -22524,7 +22792,7 @@
           <a:p>
             <a:r>
               <a:rPr lang="fa-IR" dirty="0"/>
-              <a:t>حل مسئله ی دوم</a:t>
+              <a:t>تخصیص منابع فیزیکی به توابع مجازی شبکه</a:t>
             </a:r>
             <a:endParaRPr lang="en-US" dirty="0"/>
           </a:p>
@@ -23081,7 +23349,13 @@
       </p:pic>
       <p:sp>
         <p:nvSpPr>
-          <p:cNvPr id="3" name="Slide Number Placeholder 2"/>
+          <p:cNvPr id="4" name="Slide Number Placeholder 3">
+            <a:extLst>
+              <a:ext uri="{FF2B5EF4-FFF2-40B4-BE49-F238E27FC236}">
+                <a16:creationId xmlns:a16="http://schemas.microsoft.com/office/drawing/2014/main" id="{6866DC8D-B55A-49D3-9BE8-EA1E9D7D5CF0}"/>
+              </a:ext>
+            </a:extLst>
+          </p:cNvPr>
           <p:cNvSpPr>
             <a:spLocks noGrp="1"/>
           </p:cNvSpPr>
@@ -23101,7 +23375,11 @@
             </a:fld>
             <a:r>
               <a:rPr lang="en-US"/>
-              <a:t>/37</a:t>
+              <a:t>/3</a:t>
+            </a:r>
+            <a:r>
+              <a:rPr lang="fa-IR"/>
+              <a:t>9</a:t>
             </a:r>
             <a:endParaRPr lang="en-US" dirty="0"/>
           </a:p>
@@ -23159,7 +23437,7 @@
           <a:p>
             <a:r>
               <a:rPr lang="fa-IR" dirty="0"/>
-              <a:t>نتایج عددی مسئله ی اول</a:t>
+              <a:t>نتایج عددی مسئله ی تخصیص منابع در بخش رادیویی</a:t>
             </a:r>
             <a:endParaRPr lang="en-US" dirty="0"/>
           </a:p>
@@ -23744,7 +24022,13 @@
       </p:sp>
       <p:sp>
         <p:nvSpPr>
-          <p:cNvPr id="5" name="Slide Number Placeholder 4"/>
+          <p:cNvPr id="4" name="Slide Number Placeholder 3">
+            <a:extLst>
+              <a:ext uri="{FF2B5EF4-FFF2-40B4-BE49-F238E27FC236}">
+                <a16:creationId xmlns:a16="http://schemas.microsoft.com/office/drawing/2014/main" id="{ECE8155E-C29F-427C-837C-4CDCF79DA227}"/>
+              </a:ext>
+            </a:extLst>
+          </p:cNvPr>
           <p:cNvSpPr>
             <a:spLocks noGrp="1"/>
           </p:cNvSpPr>
@@ -23764,7 +24048,11 @@
             </a:fld>
             <a:r>
               <a:rPr lang="en-US"/>
-              <a:t>/37</a:t>
+              <a:t>/3</a:t>
+            </a:r>
+            <a:r>
+              <a:rPr lang="fa-IR"/>
+              <a:t>9</a:t>
             </a:r>
             <a:endParaRPr lang="en-US" dirty="0"/>
           </a:p>
@@ -24798,7 +25086,13 @@
       </p:sp>
       <p:sp>
         <p:nvSpPr>
-          <p:cNvPr id="3" name="Slide Number Placeholder 2"/>
+          <p:cNvPr id="4" name="Slide Number Placeholder 3">
+            <a:extLst>
+              <a:ext uri="{FF2B5EF4-FFF2-40B4-BE49-F238E27FC236}">
+                <a16:creationId xmlns:a16="http://schemas.microsoft.com/office/drawing/2014/main" id="{3498A2F0-1CC2-4810-A97F-501240F03E87}"/>
+              </a:ext>
+            </a:extLst>
+          </p:cNvPr>
           <p:cNvSpPr>
             <a:spLocks noGrp="1"/>
           </p:cNvSpPr>
@@ -25379,7 +25673,7 @@
           <a:p>
             <a:r>
               <a:rPr lang="fa-IR" dirty="0"/>
-              <a:t>نتایج عددی مسئله ی دوم</a:t>
+              <a:t>نتایج عددی مسئله ی تخصیص منابع فیزیکی به توابع مجازی</a:t>
             </a:r>
             <a:endParaRPr lang="en-US" dirty="0"/>
           </a:p>
@@ -25469,7 +25763,7 @@
         </p:blipFill>
         <p:spPr>
           <a:xfrm>
-            <a:off x="5405927" y="1063171"/>
+            <a:off x="5393889" y="1718818"/>
             <a:ext cx="4933950" cy="3533775"/>
           </a:xfrm>
           <a:prstGeom prst="rect">
@@ -25936,7 +26230,13 @@
       </p:sp>
       <p:sp>
         <p:nvSpPr>
-          <p:cNvPr id="3" name="Slide Number Placeholder 2"/>
+          <p:cNvPr id="4" name="Slide Number Placeholder 3">
+            <a:extLst>
+              <a:ext uri="{FF2B5EF4-FFF2-40B4-BE49-F238E27FC236}">
+                <a16:creationId xmlns:a16="http://schemas.microsoft.com/office/drawing/2014/main" id="{AC32E465-ABB8-4178-B68A-6DA25F5257EB}"/>
+              </a:ext>
+            </a:extLst>
+          </p:cNvPr>
           <p:cNvSpPr>
             <a:spLocks noGrp="1"/>
           </p:cNvSpPr>
@@ -25956,7 +26256,11 @@
             </a:fld>
             <a:r>
               <a:rPr lang="en-US"/>
-              <a:t>/37</a:t>
+              <a:t>/3</a:t>
+            </a:r>
+            <a:r>
+              <a:rPr lang="fa-IR"/>
+              <a:t>9</a:t>
             </a:r>
             <a:endParaRPr lang="en-US" dirty="0"/>
           </a:p>
@@ -26710,7 +27014,13 @@
       </p:sp>
       <p:sp>
         <p:nvSpPr>
-          <p:cNvPr id="13" name="Slide Number Placeholder 12"/>
+          <p:cNvPr id="4" name="Slide Number Placeholder 3">
+            <a:extLst>
+              <a:ext uri="{FF2B5EF4-FFF2-40B4-BE49-F238E27FC236}">
+                <a16:creationId xmlns:a16="http://schemas.microsoft.com/office/drawing/2014/main" id="{04255FEA-69B3-4F73-B3BC-F347D852784E}"/>
+              </a:ext>
+            </a:extLst>
+          </p:cNvPr>
           <p:cNvSpPr>
             <a:spLocks noGrp="1"/>
           </p:cNvSpPr>
@@ -26730,7 +27040,11 @@
             </a:fld>
             <a:r>
               <a:rPr lang="en-US"/>
-              <a:t>/37</a:t>
+              <a:t>/3</a:t>
+            </a:r>
+            <a:r>
+              <a:rPr lang="fa-IR"/>
+              <a:t>9</a:t>
             </a:r>
             <a:endParaRPr lang="en-US" dirty="0"/>
           </a:p>
@@ -27914,7 +28228,13 @@
       </p:pic>
       <p:sp>
         <p:nvSpPr>
-          <p:cNvPr id="11" name="Slide Number Placeholder 10"/>
+          <p:cNvPr id="4" name="Slide Number Placeholder 3">
+            <a:extLst>
+              <a:ext uri="{FF2B5EF4-FFF2-40B4-BE49-F238E27FC236}">
+                <a16:creationId xmlns:a16="http://schemas.microsoft.com/office/drawing/2014/main" id="{EBBFCE75-9A23-453E-96F0-9F9E93EDAAE9}"/>
+              </a:ext>
+            </a:extLst>
+          </p:cNvPr>
           <p:cNvSpPr>
             <a:spLocks noGrp="1"/>
           </p:cNvSpPr>
@@ -27934,7 +28254,11 @@
             </a:fld>
             <a:r>
               <a:rPr lang="en-US"/>
-              <a:t>/37</a:t>
+              <a:t>/3</a:t>
+            </a:r>
+            <a:r>
+              <a:rPr lang="fa-IR"/>
+              <a:t>9</a:t>
             </a:r>
             <a:endParaRPr lang="en-US" dirty="0"/>
           </a:p>
@@ -28772,7 +29096,13 @@
       </p:pic>
       <p:sp>
         <p:nvSpPr>
-          <p:cNvPr id="14" name="Slide Number Placeholder 13"/>
+          <p:cNvPr id="4" name="Slide Number Placeholder 3">
+            <a:extLst>
+              <a:ext uri="{FF2B5EF4-FFF2-40B4-BE49-F238E27FC236}">
+                <a16:creationId xmlns:a16="http://schemas.microsoft.com/office/drawing/2014/main" id="{3B0AF921-7C2B-4D5F-ABE4-67A51A51E576}"/>
+              </a:ext>
+            </a:extLst>
+          </p:cNvPr>
           <p:cNvSpPr>
             <a:spLocks noGrp="1"/>
           </p:cNvSpPr>
@@ -28792,7 +29122,11 @@
             </a:fld>
             <a:r>
               <a:rPr lang="en-US"/>
-              <a:t>/37</a:t>
+              <a:t>/3</a:t>
+            </a:r>
+            <a:r>
+              <a:rPr lang="fa-IR"/>
+              <a:t>9</a:t>
             </a:r>
             <a:endParaRPr lang="en-US" dirty="0"/>
           </a:p>
@@ -28862,7 +29196,16 @@
                 <a:effectLst/>
                 <a:latin typeface="IRlotus-Bold"/>
               </a:rPr>
-              <a:t>نتایج عددی مسئله ی اول</a:t>
+              <a:t>نتایج عددی مسئله </a:t>
+            </a:r>
+            <a:r>
+              <a:rPr lang="fa-IR" dirty="0">
+                <a:solidFill>
+                  <a:srgbClr val="000000"/>
+                </a:solidFill>
+                <a:latin typeface="IRlotus-Bold"/>
+              </a:rPr>
+              <a:t>ی بخش رادیویی</a:t>
             </a:r>
             <a:r>
               <a:rPr lang="fa-IR" dirty="0"/>
@@ -29403,7 +29746,13 @@
       </p:sp>
       <p:sp>
         <p:nvSpPr>
-          <p:cNvPr id="3" name="Slide Number Placeholder 2"/>
+          <p:cNvPr id="4" name="Slide Number Placeholder 3">
+            <a:extLst>
+              <a:ext uri="{FF2B5EF4-FFF2-40B4-BE49-F238E27FC236}">
+                <a16:creationId xmlns:a16="http://schemas.microsoft.com/office/drawing/2014/main" id="{30804B8E-1DAE-40C7-AFD0-98E8B169F4D4}"/>
+              </a:ext>
+            </a:extLst>
+          </p:cNvPr>
           <p:cNvSpPr>
             <a:spLocks noGrp="1"/>
           </p:cNvSpPr>
@@ -29423,7 +29772,11 @@
             </a:fld>
             <a:r>
               <a:rPr lang="en-US"/>
-              <a:t>/37</a:t>
+              <a:t>/3</a:t>
+            </a:r>
+            <a:r>
+              <a:rPr lang="fa-IR"/>
+              <a:t>9</a:t>
             </a:r>
             <a:endParaRPr lang="en-US" dirty="0"/>
           </a:p>
@@ -29493,7 +29846,7 @@
                 <a:effectLst/>
                 <a:latin typeface="IRlotus-Bold"/>
               </a:rPr>
-              <a:t>نتایج عددی مسئله ی دوم</a:t>
+              <a:t>نتایج عددی مسئله ی بخش هسته</a:t>
             </a:r>
             <a:r>
               <a:rPr lang="fa-IR" dirty="0"/>
@@ -30002,7 +30355,13 @@
       </p:pic>
       <p:sp>
         <p:nvSpPr>
-          <p:cNvPr id="3" name="Slide Number Placeholder 2"/>
+          <p:cNvPr id="4" name="Slide Number Placeholder 3">
+            <a:extLst>
+              <a:ext uri="{FF2B5EF4-FFF2-40B4-BE49-F238E27FC236}">
+                <a16:creationId xmlns:a16="http://schemas.microsoft.com/office/drawing/2014/main" id="{FCA0FBE6-D7E8-49C5-866A-39F7F6D2EC5D}"/>
+              </a:ext>
+            </a:extLst>
+          </p:cNvPr>
           <p:cNvSpPr>
             <a:spLocks noGrp="1"/>
           </p:cNvSpPr>
@@ -30022,7 +30381,11 @@
             </a:fld>
             <a:r>
               <a:rPr lang="en-US"/>
-              <a:t>/37</a:t>
+              <a:t>/3</a:t>
+            </a:r>
+            <a:r>
+              <a:rPr lang="fa-IR"/>
+              <a:t>9</a:t>
             </a:r>
             <a:endParaRPr lang="en-US" dirty="0"/>
           </a:p>
@@ -30063,7 +30426,7 @@
           <p:cNvPr id="2" name="Title 1">
             <a:extLst>
               <a:ext uri="{FF2B5EF4-FFF2-40B4-BE49-F238E27FC236}">
-                <a16:creationId xmlns:a16="http://schemas.microsoft.com/office/drawing/2014/main" id="{B9834827-EA64-4773-99FB-9C8E5839F54E}"/>
+                <a16:creationId xmlns:a16="http://schemas.microsoft.com/office/drawing/2014/main" id="{CD7A814F-A3EA-4CB4-9E5A-F0214C321EF5}"/>
               </a:ext>
             </a:extLst>
           </p:cNvPr>
@@ -30074,14 +30437,19 @@
             <p:ph type="title"/>
           </p:nvPr>
         </p:nvSpPr>
-        <p:spPr/>
+        <p:spPr>
+          <a:xfrm>
+            <a:off x="1799243" y="195273"/>
+            <a:ext cx="8911687" cy="1280890"/>
+          </a:xfrm>
+        </p:spPr>
         <p:txBody>
           <a:bodyPr/>
           <a:lstStyle/>
           <a:p>
             <a:r>
               <a:rPr lang="fa-IR" dirty="0"/>
-              <a:t>نتیجه گیری</a:t>
+              <a:t>پیشنهادات</a:t>
             </a:r>
             <a:endParaRPr lang="en-US" dirty="0"/>
           </a:p>
@@ -30092,7 +30460,7 @@
           <p:cNvPr id="3" name="Content Placeholder 2">
             <a:extLst>
               <a:ext uri="{FF2B5EF4-FFF2-40B4-BE49-F238E27FC236}">
-                <a16:creationId xmlns:a16="http://schemas.microsoft.com/office/drawing/2014/main" id="{9E5977FC-AB01-4C81-8BAE-2A5C6A7983C1}"/>
+                <a16:creationId xmlns:a16="http://schemas.microsoft.com/office/drawing/2014/main" id="{D112ADFE-BD6E-48E7-B25E-2D6CCB118E1C}"/>
               </a:ext>
             </a:extLst>
           </p:cNvPr>
@@ -30105,92 +30473,221 @@
         </p:nvSpPr>
         <p:spPr>
           <a:xfrm>
-            <a:off x="1336948" y="1621306"/>
-            <a:ext cx="9328916" cy="5165258"/>
+            <a:off x="1754562" y="1784521"/>
+            <a:ext cx="9001048" cy="4560867"/>
           </a:xfrm>
         </p:spPr>
         <p:txBody>
           <a:bodyPr>
-            <a:normAutofit fontScale="25000" lnSpcReduction="20000"/>
+            <a:normAutofit/>
           </a:bodyPr>
           <a:lstStyle/>
           <a:p>
             <a:r>
-              <a:rPr lang="fa-IR" sz="9600" b="0" i="0" dirty="0">
+              <a:rPr lang="fa-IR" sz="2200" b="0" i="0" dirty="0">
                 <a:solidFill>
                   <a:srgbClr val="000000"/>
                 </a:solidFill>
                 <a:effectLst/>
-                <a:latin typeface="IRLotus"/>
               </a:rPr>
-              <a:t>مسئله ی برش شبکه در بخش رادیویی و قرارگیری توابع مجازی شبکه برروی مراکز داده باهم مورد بررسی قرار گرفته شد</a:t>
-            </a:r>
-            <a:r>
-              <a:rPr lang="fa-IR" sz="9600" dirty="0"/>
-              <a:t> </a:t>
-            </a:r>
-          </a:p>
-          <a:p>
-            <a:r>
-              <a:rPr lang="fa-IR" sz="9600" dirty="0"/>
-              <a:t>مسئله را می توان به دو مسئله تبدیل کرد و هر کدام را با الگوریتمهای مرکزی حل نمود</a:t>
-            </a:r>
-          </a:p>
-          <a:p>
-            <a:r>
-              <a:rPr lang="fa-IR" sz="9600" dirty="0"/>
-              <a:t>این دو مسئله به صورت مسئله ی بسته بندی جعبه چند بعدی می باشد</a:t>
-            </a:r>
-          </a:p>
-          <a:p>
-            <a:r>
-              <a:rPr lang="fa-IR" sz="9600" b="0" i="0" dirty="0">
+              <a:t>مدل کردن برش شبکه در ساختار شبکه ی دسترسی رادیویی باز و حل آن بوسیله ی روش یادگیری تقویتی عمیق یا روشهای یادگیری</a:t>
+            </a:r>
+            <a:r>
+              <a:rPr lang="en-US" sz="2200" b="0" i="0" dirty="0">
                 <a:solidFill>
                   <a:srgbClr val="000000"/>
                 </a:solidFill>
                 <a:effectLst/>
-                <a:latin typeface="IRLotus"/>
               </a:rPr>
-              <a:t>حالتی که تداخل به نسبت کم باشد به حالت بهینه بسیار نزدیک است</a:t>
-            </a:r>
-            <a:r>
-              <a:rPr lang="fa-IR" sz="9600" dirty="0"/>
               <a:t> </a:t>
             </a:r>
-            <a:endParaRPr lang="en-US" sz="9600" dirty="0"/>
-          </a:p>
-          <a:p>
-            <a:r>
-              <a:rPr lang="fa-IR" sz="9600" dirty="0"/>
-              <a:t>مسئله بخش رادیویی و هسته به صورت ساده شده در حالت دینامیکی حل گردیده است</a:t>
-            </a:r>
-          </a:p>
-          <a:p>
-            <a:r>
-              <a:rPr lang="fa-IR" sz="9600" dirty="0"/>
-              <a:t>از روش یادگیری تقویتی برای حل مسئله استفاده شده است</a:t>
-            </a:r>
-          </a:p>
-          <a:p>
-            <a:r>
-              <a:rPr lang="fa-IR" sz="9600" dirty="0"/>
-              <a:t>در این مسئله مقادیر طوری در نظر گرفته شده اند که تعداد حالتها و اعمال گسسته و قابل شمارش باشند </a:t>
-            </a:r>
-          </a:p>
-          <a:p>
-            <a:r>
-              <a:rPr lang="fa-IR" sz="9600" dirty="0"/>
-              <a:t>با افزایش تعداد برشهای شبکه مقدار خروجی از مقدار بهینه فاصله می گیرد</a:t>
-            </a:r>
-            <a:endParaRPr lang="en-US" sz="9600" dirty="0"/>
-          </a:p>
-          <a:p>
-            <a:endParaRPr lang="fa-IR" sz="9600" dirty="0"/>
-          </a:p>
-          <a:p>
-            <a:pPr marL="0" indent="0">
-              <a:buNone/>
-            </a:pPr>
+            <a:r>
+              <a:rPr lang="fa-IR" sz="2200" b="0" i="0" dirty="0">
+                <a:solidFill>
+                  <a:srgbClr val="000000"/>
+                </a:solidFill>
+                <a:effectLst/>
+              </a:rPr>
+              <a:t>تحت نظارت </a:t>
+            </a:r>
+            <a:r>
+              <a:rPr lang="fa-IR" sz="2200" dirty="0">
+                <a:solidFill>
+                  <a:srgbClr val="000000"/>
+                </a:solidFill>
+              </a:rPr>
+              <a:t>از کارهای آینده </a:t>
+            </a:r>
+            <a:r>
+              <a:rPr lang="fa-IR" sz="2200" b="0" i="0" dirty="0">
+                <a:solidFill>
+                  <a:srgbClr val="000000"/>
+                </a:solidFill>
+                <a:effectLst/>
+              </a:rPr>
+              <a:t>می باشد</a:t>
+            </a:r>
+            <a:r>
+              <a:rPr lang="fa-IR" sz="2200" dirty="0">
+                <a:solidFill>
+                  <a:srgbClr val="000000"/>
+                </a:solidFill>
+              </a:rPr>
+              <a:t>. کنترلگر هوشمند رادیویی غیر زمان واقعی و نزدیک به زمان واقعی برای استفاده از یادگیری مدل و ارزیابی آن مورد استفاده قرار می گیرند.</a:t>
+            </a:r>
+            <a:endParaRPr lang="fa-IR" sz="2200" dirty="0"/>
+          </a:p>
+          <a:p>
+            <a:r>
+              <a:rPr lang="fa-IR" sz="2200" b="0" i="0" dirty="0">
+                <a:solidFill>
+                  <a:srgbClr val="000000"/>
+                </a:solidFill>
+                <a:effectLst/>
+              </a:rPr>
+              <a:t>تخصیص منابع به روش توزیع شده برای برش شبکه از منابع </a:t>
+            </a:r>
+            <a:r>
+              <a:rPr lang="fa-IR" sz="2200" b="0" i="0" dirty="0" err="1">
+                <a:solidFill>
+                  <a:srgbClr val="000000"/>
+                </a:solidFill>
+                <a:effectLst/>
+              </a:rPr>
+              <a:t>محاسباتی</a:t>
+            </a:r>
+            <a:r>
+              <a:rPr lang="fa-IR" sz="2200" b="0" i="0" dirty="0">
+                <a:solidFill>
+                  <a:srgbClr val="000000"/>
+                </a:solidFill>
+                <a:effectLst/>
+              </a:rPr>
+              <a:t> و منابع دیگر همانند پهنای باند می باشد. همچنین از روش توزیع شده در لینک </a:t>
+            </a:r>
+            <a:r>
+              <a:rPr lang="fa-IR" sz="2200" b="0" i="0" dirty="0" err="1">
+                <a:solidFill>
+                  <a:srgbClr val="000000"/>
+                </a:solidFill>
+                <a:effectLst/>
+              </a:rPr>
+              <a:t>فراسو</a:t>
+            </a:r>
+            <a:r>
+              <a:rPr lang="fa-IR" sz="2200" b="0" i="0" dirty="0">
+                <a:solidFill>
+                  <a:srgbClr val="000000"/>
+                </a:solidFill>
+                <a:effectLst/>
+              </a:rPr>
+              <a:t> </a:t>
+            </a:r>
+            <a:r>
+              <a:rPr lang="fa-IR" sz="2200" dirty="0">
+                <a:solidFill>
+                  <a:srgbClr val="0000FF"/>
+                </a:solidFill>
+              </a:rPr>
+              <a:t> </a:t>
+            </a:r>
+            <a:r>
+              <a:rPr lang="fa-IR" sz="2200" b="0" i="0" dirty="0">
+                <a:solidFill>
+                  <a:srgbClr val="000000"/>
+                </a:solidFill>
+                <a:effectLst/>
+              </a:rPr>
+              <a:t>برای تخصیص توان کاربران، تخصیص پهنای باند و ... استفاده می گردد. یکی از روشها، استفاده از </a:t>
+            </a:r>
+            <a:r>
+              <a:rPr lang="en-US" sz="2000" b="0" i="0" dirty="0">
+                <a:solidFill>
+                  <a:srgbClr val="000000"/>
+                </a:solidFill>
+                <a:effectLst/>
+              </a:rPr>
+              <a:t>Distributed ADMM</a:t>
+            </a:r>
+            <a:r>
+              <a:rPr lang="fa-IR" sz="2000" b="0" i="0" dirty="0">
+                <a:solidFill>
+                  <a:srgbClr val="000000"/>
+                </a:solidFill>
+                <a:effectLst/>
+              </a:rPr>
+              <a:t> </a:t>
+            </a:r>
+            <a:r>
+              <a:rPr lang="fa-IR" sz="2200" b="0" i="0" dirty="0">
+                <a:solidFill>
+                  <a:srgbClr val="000000"/>
+                </a:solidFill>
+                <a:effectLst/>
+              </a:rPr>
+              <a:t>می باشد که در این روش</a:t>
+            </a:r>
+            <a:r>
+              <a:rPr lang="en-US" sz="2200" b="0" i="0" dirty="0">
+                <a:solidFill>
+                  <a:srgbClr val="000000"/>
+                </a:solidFill>
+                <a:effectLst/>
+              </a:rPr>
+              <a:t> </a:t>
+            </a:r>
+            <a:r>
+              <a:rPr lang="fa-IR" sz="2200" b="0" i="0" dirty="0">
+                <a:solidFill>
+                  <a:srgbClr val="000000"/>
+                </a:solidFill>
+                <a:effectLst/>
+              </a:rPr>
+              <a:t>تعدادی عامل به صورت </a:t>
+            </a:r>
+            <a:r>
+              <a:rPr lang="fa-IR" sz="2200" b="0" i="0" dirty="0" err="1">
+                <a:solidFill>
+                  <a:srgbClr val="000000"/>
+                </a:solidFill>
+                <a:effectLst/>
+              </a:rPr>
+              <a:t>همکارانه</a:t>
+            </a:r>
+            <a:r>
+              <a:rPr lang="fa-IR" sz="2200" b="0" i="0" dirty="0">
+                <a:solidFill>
+                  <a:srgbClr val="000000"/>
+                </a:solidFill>
+                <a:effectLst/>
+              </a:rPr>
+              <a:t> سعی در حل یک معادله ی بهینه سازی مشترک دارند که تابع هدف </a:t>
+            </a:r>
+            <a:r>
+              <a:rPr lang="fa-IR" sz="2200" b="0" i="0" dirty="0" err="1">
+                <a:solidFill>
+                  <a:srgbClr val="000000"/>
+                </a:solidFill>
+                <a:effectLst/>
+              </a:rPr>
+              <a:t>مجموعی</a:t>
+            </a:r>
+            <a:r>
+              <a:rPr lang="fa-IR" sz="2200" b="0" i="0" dirty="0">
+                <a:solidFill>
+                  <a:srgbClr val="000000"/>
+                </a:solidFill>
+                <a:effectLst/>
+              </a:rPr>
+              <a:t> از مقدارهای خصوصی هر عامل می باشد.</a:t>
+            </a:r>
+            <a:r>
+              <a:rPr lang="fa-IR" sz="2200" dirty="0"/>
+              <a:t> </a:t>
+            </a:r>
+            <a:br>
+              <a:rPr lang="fa-IR" dirty="0"/>
+            </a:br>
             <a:br>
               <a:rPr lang="fa-IR" dirty="0"/>
             </a:br>
@@ -30199,6 +30696,9 @@
             </a:br>
             <a:endParaRPr lang="en-US" dirty="0"/>
           </a:p>
+          <a:p>
+            <a:endParaRPr lang="en-US" dirty="0"/>
+          </a:p>
         </p:txBody>
       </p:sp>
       <p:sp>
@@ -30206,7 +30706,7 @@
           <p:cNvPr id="5" name="Rounded Rectangle 15">
             <a:extLst>
               <a:ext uri="{FF2B5EF4-FFF2-40B4-BE49-F238E27FC236}">
-                <a16:creationId xmlns:a16="http://schemas.microsoft.com/office/drawing/2014/main" id="{1748D836-D739-4E10-8B42-31F5850C44CF}"/>
+                <a16:creationId xmlns:a16="http://schemas.microsoft.com/office/drawing/2014/main" id="{C66F732F-DD43-49EE-A5F7-33532139F50D}"/>
               </a:ext>
             </a:extLst>
           </p:cNvPr>
@@ -30283,7 +30783,7 @@
           <p:cNvPr id="6" name="Rectangle 5">
             <a:extLst>
               <a:ext uri="{FF2B5EF4-FFF2-40B4-BE49-F238E27FC236}">
-                <a16:creationId xmlns:a16="http://schemas.microsoft.com/office/drawing/2014/main" id="{B97418D3-2DBA-4EA8-8E3B-0784D0FC82C2}"/>
+                <a16:creationId xmlns:a16="http://schemas.microsoft.com/office/drawing/2014/main" id="{6D3311FC-25B6-44B0-819F-3CE906A2F831}"/>
               </a:ext>
             </a:extLst>
           </p:cNvPr>
@@ -30349,7 +30849,7 @@
           <p:cNvPr id="7" name="Rectangle 6">
             <a:extLst>
               <a:ext uri="{FF2B5EF4-FFF2-40B4-BE49-F238E27FC236}">
-                <a16:creationId xmlns:a16="http://schemas.microsoft.com/office/drawing/2014/main" id="{B420E5A3-32DC-4519-8E67-2DF912C68621}"/>
+                <a16:creationId xmlns:a16="http://schemas.microsoft.com/office/drawing/2014/main" id="{6869592F-97DC-43EC-83DD-91E48D1EA038}"/>
               </a:ext>
             </a:extLst>
           </p:cNvPr>
@@ -30423,7 +30923,7 @@
           <p:cNvPr id="8" name="Rectangle 7">
             <a:extLst>
               <a:ext uri="{FF2B5EF4-FFF2-40B4-BE49-F238E27FC236}">
-                <a16:creationId xmlns:a16="http://schemas.microsoft.com/office/drawing/2014/main" id="{30ADA281-566B-497E-9A6D-4687BC410F54}"/>
+                <a16:creationId xmlns:a16="http://schemas.microsoft.com/office/drawing/2014/main" id="{6DC05853-00E6-4B00-89F8-D52A258D029E}"/>
               </a:ext>
             </a:extLst>
           </p:cNvPr>
@@ -30491,7 +30991,7 @@
           <p:cNvPr id="9" name="Rectangle 8">
             <a:extLst>
               <a:ext uri="{FF2B5EF4-FFF2-40B4-BE49-F238E27FC236}">
-                <a16:creationId xmlns:a16="http://schemas.microsoft.com/office/drawing/2014/main" id="{A4AA7B1A-76B9-4D9D-907C-868E92F7CA03}"/>
+                <a16:creationId xmlns:a16="http://schemas.microsoft.com/office/drawing/2014/main" id="{0533F045-822A-4312-86BC-BC7F05294E7B}"/>
               </a:ext>
             </a:extLst>
           </p:cNvPr>
@@ -30554,7 +31054,7 @@
           <p:cNvPr id="10" name="Rectangle 9">
             <a:extLst>
               <a:ext uri="{FF2B5EF4-FFF2-40B4-BE49-F238E27FC236}">
-                <a16:creationId xmlns:a16="http://schemas.microsoft.com/office/drawing/2014/main" id="{43BA74E0-177B-4ABD-A8BC-BE4E97BCA6C6}"/>
+                <a16:creationId xmlns:a16="http://schemas.microsoft.com/office/drawing/2014/main" id="{A0D512BE-EF34-44DB-B821-BF8E42F10C7D}"/>
               </a:ext>
             </a:extLst>
           </p:cNvPr>
@@ -30614,7 +31114,13 @@
       </p:sp>
       <p:sp>
         <p:nvSpPr>
-          <p:cNvPr id="11" name="Slide Number Placeholder 10"/>
+          <p:cNvPr id="4" name="Slide Number Placeholder 3">
+            <a:extLst>
+              <a:ext uri="{FF2B5EF4-FFF2-40B4-BE49-F238E27FC236}">
+                <a16:creationId xmlns:a16="http://schemas.microsoft.com/office/drawing/2014/main" id="{A0BCD735-4B9F-4651-A221-23374B4DD0AF}"/>
+              </a:ext>
+            </a:extLst>
+          </p:cNvPr>
           <p:cNvSpPr>
             <a:spLocks noGrp="1"/>
           </p:cNvSpPr>
@@ -30634,7 +31140,11 @@
             </a:fld>
             <a:r>
               <a:rPr lang="en-US"/>
-              <a:t>/37</a:t>
+              <a:t>/3</a:t>
+            </a:r>
+            <a:r>
+              <a:rPr lang="fa-IR"/>
+              <a:t>9</a:t>
             </a:r>
             <a:endParaRPr lang="en-US" dirty="0"/>
           </a:p>
@@ -30643,7 +31153,7 @@
     </p:spTree>
     <p:extLst>
       <p:ext uri="{BB962C8B-B14F-4D97-AF65-F5344CB8AC3E}">
-        <p14:creationId xmlns:p14="http://schemas.microsoft.com/office/powerpoint/2010/main" val="1847395843"/>
+        <p14:creationId xmlns:p14="http://schemas.microsoft.com/office/powerpoint/2010/main" val="3482573162"/>
       </p:ext>
     </p:extLst>
   </p:cSld>
@@ -30722,44 +31232,23 @@
         </p:nvSpPr>
         <p:spPr>
           <a:xfrm>
-            <a:off x="265742" y="1428531"/>
-            <a:ext cx="10625491" cy="6587629"/>
+            <a:off x="1124444" y="1416336"/>
+            <a:ext cx="9657319" cy="5259571"/>
           </a:xfrm>
         </p:spPr>
         <p:txBody>
           <a:bodyPr>
-            <a:normAutofit fontScale="92500"/>
+            <a:normAutofit fontScale="77500" lnSpcReduction="20000"/>
           </a:bodyPr>
           <a:lstStyle/>
           <a:p>
-            <a:r>
-              <a:rPr lang="fa-IR" sz="3100" b="0" i="0" dirty="0">
-                <a:solidFill>
-                  <a:srgbClr val="000000"/>
-                </a:solidFill>
-                <a:effectLst/>
-              </a:rPr>
-              <a:t>مدل کردن برش شبکه در ساختار شبکه ی دسترسی رادیویی باز و حل آن بوسیله ی روش یادگیری تقویتی عمیق می باشد</a:t>
-            </a:r>
-            <a:r>
-              <a:rPr lang="fa-IR" sz="3600" dirty="0"/>
-              <a:t> </a:t>
-            </a:r>
-          </a:p>
-          <a:p>
-            <a:r>
-              <a:rPr lang="fa-IR" sz="3100" b="0" i="0" dirty="0">
-                <a:solidFill>
-                  <a:srgbClr val="000000"/>
-                </a:solidFill>
-                <a:effectLst/>
-              </a:rPr>
-              <a:t>تخصیص منابع به روش توزیع شده برای برش شبکه از منابع محاسباتی و منابع دیگر همانند پهنای باند می باشد</a:t>
-            </a:r>
-          </a:p>
-          <a:p>
-            <a:r>
-              <a:rPr lang="fa-IR" sz="3100" dirty="0">
+            <a:pPr>
+              <a:lnSpc>
+                <a:spcPct val="120000"/>
+              </a:lnSpc>
+            </a:pPr>
+            <a:r>
+              <a:rPr lang="fa-IR" dirty="0">
                 <a:solidFill>
                   <a:srgbClr val="000000"/>
                 </a:solidFill>
@@ -30767,7 +31256,7 @@
               <a:t>بدست آوردن پارامترهای کیفیت سرویس </a:t>
             </a:r>
             <a:r>
-              <a:rPr lang="en-US" sz="2800" dirty="0" err="1">
+              <a:rPr lang="en-US" dirty="0">
                 <a:solidFill>
                   <a:srgbClr val="000000"/>
                 </a:solidFill>
@@ -30775,7 +31264,15 @@
               <a:t>QoS</a:t>
             </a:r>
             <a:r>
-              <a:rPr lang="fa-IR" sz="2800" dirty="0">
+              <a:rPr lang="fa-IR" dirty="0">
+                <a:solidFill>
+                  <a:srgbClr val="000000"/>
+                </a:solidFill>
+              </a:rPr>
+              <a:t> در شبکه های دسترسی باز</a:t>
+            </a:r>
+            <a:r>
+              <a:rPr lang="en-US" dirty="0">
                 <a:solidFill>
                   <a:srgbClr val="000000"/>
                 </a:solidFill>
@@ -30783,15 +31280,15 @@
               <a:t> </a:t>
             </a:r>
             <a:r>
-              <a:rPr lang="fa-IR" sz="3100" dirty="0">
+              <a:rPr lang="fa-IR" dirty="0">
                 <a:solidFill>
                   <a:srgbClr val="000000"/>
                 </a:solidFill>
               </a:rPr>
-              <a:t>در شبکه های دسترسی باز</a:t>
-            </a:r>
-            <a:r>
-              <a:rPr lang="en-US" sz="3100" dirty="0">
+              <a:t>که شامل تاخیر انتها به انتها، میزان از دست دادن بسته ها ، قابلیت اطمینان و ... می باشد. در</a:t>
+            </a:r>
+            <a:r>
+              <a:rPr lang="en-US" dirty="0">
                 <a:solidFill>
                   <a:srgbClr val="000000"/>
                 </a:solidFill>
@@ -30799,17 +31296,70 @@
               <a:t> </a:t>
             </a:r>
             <a:r>
-              <a:rPr lang="fa-IR" sz="3100" dirty="0">
+              <a:rPr lang="fa-IR" dirty="0">
                 <a:solidFill>
                   <a:srgbClr val="000000"/>
                 </a:solidFill>
               </a:rPr>
-              <a:t>می باشد که شامل تاخیر انتها به انتها، میزان از دست دادن بسته ها ، قابلیت اطمینان و ... می باشد. </a:t>
-            </a:r>
-          </a:p>
-          <a:p>
-            <a:r>
-              <a:rPr lang="fa-IR" sz="3100" dirty="0">
+              <a:t>اینجا می توان تاخیر را هم در بخش رادیویی هم در بخش هسته ی شبکه بدست آورد. همچنین، به منظور</a:t>
+            </a:r>
+            <a:r>
+              <a:rPr lang="en-US" dirty="0">
+                <a:solidFill>
+                  <a:srgbClr val="000000"/>
+                </a:solidFill>
+              </a:rPr>
+              <a:t> </a:t>
+            </a:r>
+            <a:r>
+              <a:rPr lang="fa-IR" dirty="0">
+                <a:solidFill>
+                  <a:srgbClr val="000000"/>
+                </a:solidFill>
+              </a:rPr>
+              <a:t>نشان دادن نقش هوش در </a:t>
+            </a:r>
+            <a:r>
+              <a:rPr lang="en-US" dirty="0">
+                <a:solidFill>
+                  <a:srgbClr val="000000"/>
+                </a:solidFill>
+              </a:rPr>
+              <a:t>ORAN </a:t>
+            </a:r>
+            <a:r>
+              <a:rPr lang="fa-IR" dirty="0">
+                <a:solidFill>
+                  <a:srgbClr val="000000"/>
+                </a:solidFill>
+              </a:rPr>
+              <a:t> طرح مدیریت هوشمند منابع رادیویی را برای کنترل تراکم ترافیک و</a:t>
+            </a:r>
+            <a:r>
+              <a:rPr lang="en-US" dirty="0">
+                <a:solidFill>
+                  <a:srgbClr val="000000"/>
+                </a:solidFill>
+              </a:rPr>
+              <a:t> </a:t>
+            </a:r>
+            <a:r>
+              <a:rPr lang="fa-IR" dirty="0">
+                <a:solidFill>
+                  <a:srgbClr val="000000"/>
+                </a:solidFill>
+              </a:rPr>
+              <a:t>نشان دادن کارایی آن در یک مجموعه داده واقعی از یک اپراتور بزرگ بدست می آوریم </a:t>
+            </a:r>
+          </a:p>
+          <a:p>
+            <a:pPr>
+              <a:lnSpc>
+                <a:spcPct val="120000"/>
+              </a:lnSpc>
+            </a:pPr>
+            <a:r>
+              <a:rPr lang="fa-IR" dirty="0">
                 <a:solidFill>
                   <a:srgbClr val="000000"/>
                 </a:solidFill>
@@ -30817,7 +31367,7 @@
               <a:t>بارهای ترافیکی در برش های مختلف با گذشت زمان تحت تغییر</a:t>
             </a:r>
             <a:r>
-              <a:rPr lang="en-US" sz="3100" dirty="0">
+              <a:rPr lang="en-US" dirty="0">
                 <a:solidFill>
                   <a:srgbClr val="000000"/>
                 </a:solidFill>
@@ -30825,28 +31375,66 @@
               <a:t> </a:t>
             </a:r>
             <a:r>
-              <a:rPr lang="fa-IR" sz="3100" dirty="0">
+              <a:rPr lang="fa-IR" dirty="0">
                 <a:solidFill>
                   <a:srgbClr val="000000"/>
                 </a:solidFill>
               </a:rPr>
-              <a:t>قرار می گیرند ، در نتیجه چالش هایی برای تأمین کیفیت مداوم ایجاد می شود</a:t>
-            </a:r>
-            <a:r>
-              <a:rPr lang="fa-IR" sz="5100" dirty="0">
+              <a:t>قرار می گیرند در نتیجه چالش هایی برای تأمین کیفیت مداوم ایجاد می شود. حل این مشکل از کارهای آتی می باشد که</a:t>
+            </a:r>
+            <a:r>
+              <a:rPr lang="en-US" dirty="0">
                 <a:solidFill>
                   <a:srgbClr val="000000"/>
                 </a:solidFill>
               </a:rPr>
-              <a:t>. </a:t>
-            </a:r>
-            <a:r>
-              <a:rPr lang="fa-IR" sz="3100" dirty="0">
+              <a:t> </a:t>
+            </a:r>
+            <a:r>
+              <a:rPr lang="fa-IR" b="0" i="0" dirty="0">
                 <a:solidFill>
                   <a:srgbClr val="000000"/>
                 </a:solidFill>
+                <a:effectLst/>
+                <a:latin typeface="IRLotus"/>
               </a:rPr>
-              <a:t>حل این مشکل از کارهای آتی می باشد</a:t>
+              <a:t>یک مشکل انتقال جریان پویا برای سرویس های متصل شده به برش شبکه، برای پاسخگویی به نیازهای تأخیر پایان</a:t>
+            </a:r>
+            <a:r>
+              <a:rPr lang="en-US" b="0" i="0" dirty="0">
+                <a:solidFill>
+                  <a:srgbClr val="000000"/>
+                </a:solidFill>
+                <a:effectLst/>
+                <a:latin typeface="IRLotus"/>
+              </a:rPr>
+              <a:t> </a:t>
+            </a:r>
+            <a:r>
+              <a:rPr lang="fa-IR" b="0" i="0" dirty="0">
+                <a:solidFill>
+                  <a:srgbClr val="000000"/>
+                </a:solidFill>
+                <a:effectLst/>
+                <a:latin typeface="IRLotus"/>
+              </a:rPr>
+              <a:t>انتها به انتها  با ترافیک متغیر، مورد بررسی قرار خواهد گرفت</a:t>
+            </a:r>
+            <a:r>
+              <a:rPr lang="fa-IR" dirty="0"/>
+              <a:t> </a:t>
+            </a:r>
+            <a:endParaRPr lang="en-US" dirty="0"/>
+          </a:p>
+          <a:p>
+            <a:pPr>
+              <a:lnSpc>
+                <a:spcPct val="120000"/>
+              </a:lnSpc>
+            </a:pPr>
+            <a:r>
+              <a:rPr lang="fa-IR" dirty="0"/>
+              <a:t>یکی دیگر از مسائل مورد توجه، مسئله ی برش شبکه در شبکه ی دسترسی  رادیویی باز که شامل تخصیص منابع محدود به صورت دینامیکی به کاربران شهر هوشمند شامل دستگاه های زیاد با توان کم و وسایل نقلیه با سرعت  می باشد که نیازمند تاخیر کم و قابلیت اطمینان بالا هستند. در این حالت بخشی از پردازش در قسمت لبه ی شبکه انجام می پذیرد.</a:t>
             </a:r>
             <a:br>
               <a:rPr lang="fa-IR" dirty="0"/>
@@ -30863,6 +31451,12 @@
             <a:br>
               <a:rPr lang="fa-IR" dirty="0"/>
             </a:br>
+            <a:br>
+              <a:rPr lang="fa-IR" dirty="0"/>
+            </a:br>
+            <a:endParaRPr lang="en-US" dirty="0"/>
+          </a:p>
+          <a:p>
             <a:endParaRPr lang="en-US" dirty="0"/>
           </a:p>
         </p:txBody>
@@ -31280,7 +31874,13 @@
       </p:sp>
       <p:sp>
         <p:nvSpPr>
-          <p:cNvPr id="11" name="Slide Number Placeholder 10"/>
+          <p:cNvPr id="4" name="Slide Number Placeholder 3">
+            <a:extLst>
+              <a:ext uri="{FF2B5EF4-FFF2-40B4-BE49-F238E27FC236}">
+                <a16:creationId xmlns:a16="http://schemas.microsoft.com/office/drawing/2014/main" id="{D4CFC062-200B-4E4B-A62C-C4204A4583A0}"/>
+              </a:ext>
+            </a:extLst>
+          </p:cNvPr>
           <p:cNvSpPr>
             <a:spLocks noGrp="1"/>
           </p:cNvSpPr>
@@ -31300,7 +31900,11 @@
             </a:fld>
             <a:r>
               <a:rPr lang="en-US"/>
-              <a:t>/37</a:t>
+              <a:t>/3</a:t>
+            </a:r>
+            <a:r>
+              <a:rPr lang="fa-IR"/>
+              <a:t>9</a:t>
             </a:r>
             <a:endParaRPr lang="en-US" dirty="0"/>
           </a:p>
@@ -31309,7 +31913,7 @@
     </p:spTree>
     <p:extLst>
       <p:ext uri="{BB962C8B-B14F-4D97-AF65-F5344CB8AC3E}">
-        <p14:creationId xmlns:p14="http://schemas.microsoft.com/office/powerpoint/2010/main" val="3482573162"/>
+        <p14:creationId xmlns:p14="http://schemas.microsoft.com/office/powerpoint/2010/main" val="3094776330"/>
       </p:ext>
     </p:extLst>
   </p:cSld>
@@ -31341,7 +31945,7 @@
           <p:cNvPr id="2" name="Title 1">
             <a:extLst>
               <a:ext uri="{FF2B5EF4-FFF2-40B4-BE49-F238E27FC236}">
-                <a16:creationId xmlns:a16="http://schemas.microsoft.com/office/drawing/2014/main" id="{2760E7C4-AF64-449B-B817-4889A73A52AA}"/>
+                <a16:creationId xmlns:a16="http://schemas.microsoft.com/office/drawing/2014/main" id="{59A69E87-2F38-4600-8E81-82BC2F24008F}"/>
               </a:ext>
             </a:extLst>
           </p:cNvPr>
@@ -31352,19 +31956,14 @@
             <p:ph type="title"/>
           </p:nvPr>
         </p:nvSpPr>
-        <p:spPr>
-          <a:xfrm>
-            <a:off x="2478540" y="2678410"/>
-            <a:ext cx="8911687" cy="1280890"/>
-          </a:xfrm>
-        </p:spPr>
+        <p:spPr/>
         <p:txBody>
           <a:bodyPr/>
           <a:lstStyle/>
           <a:p>
             <a:r>
               <a:rPr lang="fa-IR" dirty="0"/>
-              <a:t>با تشکر فراوان </a:t>
+              <a:t>پیشنهادات</a:t>
             </a:r>
             <a:endParaRPr lang="en-US" dirty="0"/>
           </a:p>
@@ -31372,7 +31971,51 @@
       </p:sp>
       <p:sp>
         <p:nvSpPr>
-          <p:cNvPr id="4" name="Slide Number Placeholder 3"/>
+          <p:cNvPr id="3" name="Content Placeholder 2">
+            <a:extLst>
+              <a:ext uri="{FF2B5EF4-FFF2-40B4-BE49-F238E27FC236}">
+                <a16:creationId xmlns:a16="http://schemas.microsoft.com/office/drawing/2014/main" id="{8D8D7E13-F387-4BBC-8EB8-DB0F6910A0A2}"/>
+              </a:ext>
+            </a:extLst>
+          </p:cNvPr>
+          <p:cNvSpPr>
+            <a:spLocks noGrp="1"/>
+          </p:cNvSpPr>
+          <p:nvPr>
+            <p:ph idx="1"/>
+          </p:nvPr>
+        </p:nvSpPr>
+        <p:spPr/>
+        <p:txBody>
+          <a:bodyPr/>
+          <a:lstStyle/>
+          <a:p>
+            <a:r>
+              <a:rPr lang="fa-IR"/>
+              <a:t>قرارگیری توابع مجازی شبکه بر روی مراکز داده و حل دینامیکی آن برای کاربران هر سرویس، در برش شبکه، یکی دیگر از اهداف ما خواهد بود که از روشهای یادگیری تقویتی عمیق می بایست استفاده کرد.</a:t>
+            </a:r>
+            <a:endParaRPr lang="en-US" dirty="0"/>
+          </a:p>
+          <a:p>
+            <a:r>
+              <a:rPr lang="fa-IR" dirty="0"/>
+              <a:t>دستگاه های کم توان اینترنت اشیا در نسل پنجم مورد توجه واقع شدند که یکی دیگر از کارهای آتی، استفاده از تکنیک مجازی سازی شبکه برای دسترسی به منابع و اختصاص منابع شبکه به کاربران اینترنت اشیا با استفاده از روشهای یادگیری تقویتی عمیق می باشد. درخواستهای این کاربران به زنجیره های توابع سرویس مدل می شود و حل آن به وسیله ی روشهای یادگیری تقویتی عمیق چند عامله می باشد. همچنین در اینجا قرارگیری نودها و لینکها و تخصیص منابع مجازی به فیزیکی مورد توجه قرار می گیرد.</a:t>
+            </a:r>
+          </a:p>
+          <a:p>
+            <a:endParaRPr lang="en-US" dirty="0"/>
+          </a:p>
+        </p:txBody>
+      </p:sp>
+      <p:sp>
+        <p:nvSpPr>
+          <p:cNvPr id="4" name="Slide Number Placeholder 3">
+            <a:extLst>
+              <a:ext uri="{FF2B5EF4-FFF2-40B4-BE49-F238E27FC236}">
+                <a16:creationId xmlns:a16="http://schemas.microsoft.com/office/drawing/2014/main" id="{8FAA5576-D7DF-4CAA-8440-1F7A1C386B9F}"/>
+              </a:ext>
+            </a:extLst>
+          </p:cNvPr>
           <p:cNvSpPr>
             <a:spLocks noGrp="1"/>
           </p:cNvSpPr>
@@ -31392,397 +32035,31 @@
             </a:fld>
             <a:r>
               <a:rPr lang="en-US"/>
-              <a:t>/37</a:t>
+              <a:t>/3</a:t>
+            </a:r>
+            <a:r>
+              <a:rPr lang="fa-IR"/>
+              <a:t>9</a:t>
             </a:r>
             <a:endParaRPr lang="en-US" dirty="0"/>
           </a:p>
         </p:txBody>
       </p:sp>
-    </p:spTree>
-    <p:extLst>
-      <p:ext uri="{BB962C8B-B14F-4D97-AF65-F5344CB8AC3E}">
-        <p14:creationId xmlns:p14="http://schemas.microsoft.com/office/powerpoint/2010/main" val="1741780493"/>
-      </p:ext>
-    </p:extLst>
-  </p:cSld>
-  <p:clrMapOvr>
-    <a:masterClrMapping/>
-  </p:clrMapOvr>
-</p:sld>
-</file>
-
-<file path=ppt/slides/slide4.xml><?xml version="1.0" encoding="utf-8"?>
-<p:sld xmlns:a="http://schemas.openxmlformats.org/drawingml/2006/main" xmlns:r="http://schemas.openxmlformats.org/officeDocument/2006/relationships" xmlns:p="http://schemas.openxmlformats.org/presentationml/2006/main">
-  <p:cSld>
-    <p:spTree>
-      <p:nvGrpSpPr>
-        <p:cNvPr id="1" name=""/>
-        <p:cNvGrpSpPr/>
-        <p:nvPr/>
-      </p:nvGrpSpPr>
-      <p:grpSpPr>
-        <a:xfrm>
-          <a:off x="0" y="0"/>
-          <a:ext cx="0" cy="0"/>
-          <a:chOff x="0" y="0"/>
-          <a:chExt cx="0" cy="0"/>
-        </a:xfrm>
-      </p:grpSpPr>
-      <p:sp>
-        <p:nvSpPr>
-          <p:cNvPr id="2" name="Title 1"/>
-          <p:cNvSpPr>
-            <a:spLocks noGrp="1"/>
-          </p:cNvSpPr>
-          <p:nvPr>
-            <p:ph type="title"/>
-          </p:nvPr>
-        </p:nvSpPr>
-        <p:spPr>
-          <a:xfrm>
-            <a:off x="1178779" y="634407"/>
-            <a:ext cx="8911687" cy="1054705"/>
-          </a:xfrm>
-        </p:spPr>
-        <p:txBody>
-          <a:bodyPr/>
-          <a:lstStyle/>
-          <a:p>
-            <a:pPr algn="ctr"/>
-            <a:r>
-              <a:rPr lang="fa-IR" b="1" dirty="0"/>
-              <a:t>نسل پنجم مخابرات </a:t>
-            </a:r>
-            <a:r>
-              <a:rPr lang="en-US" sz="3200" b="1" dirty="0"/>
-              <a:t>5G</a:t>
-            </a:r>
-          </a:p>
-        </p:txBody>
-      </p:sp>
-      <p:sp>
-        <p:nvSpPr>
-          <p:cNvPr id="3" name="Content Placeholder 2"/>
-          <p:cNvSpPr>
-            <a:spLocks noGrp="1"/>
-          </p:cNvSpPr>
-          <p:nvPr>
-            <p:ph idx="1"/>
-          </p:nvPr>
-        </p:nvSpPr>
-        <p:spPr>
-          <a:xfrm>
-            <a:off x="668618" y="1449300"/>
-            <a:ext cx="9514412" cy="5093958"/>
-          </a:xfrm>
-        </p:spPr>
-        <p:txBody>
-          <a:bodyPr>
-            <a:normAutofit fontScale="92500" lnSpcReduction="10000"/>
-          </a:bodyPr>
-          <a:lstStyle/>
-          <a:p>
-            <a:pPr>
-              <a:buFont typeface="Wingdings" panose="05000000000000000000" pitchFamily="2" charset="2"/>
-              <a:buChar char="Ø"/>
-            </a:pPr>
-            <a:r>
-              <a:rPr lang="fa-IR" dirty="0">
-                <a:solidFill>
-                  <a:schemeClr val="tx1"/>
-                </a:solidFill>
-              </a:rPr>
-              <a:t>مزایای </a:t>
-            </a:r>
-            <a:r>
-              <a:rPr lang="en-US" sz="1800" dirty="0">
-                <a:solidFill>
-                  <a:schemeClr val="tx1"/>
-                </a:solidFill>
-              </a:rPr>
-              <a:t>5G</a:t>
-            </a:r>
-            <a:r>
-              <a:rPr lang="fa-IR" sz="2400" dirty="0">
-                <a:solidFill>
-                  <a:schemeClr val="tx1"/>
-                </a:solidFill>
-              </a:rPr>
-              <a:t> </a:t>
-            </a:r>
-            <a:r>
-              <a:rPr lang="fa-IR" dirty="0">
-                <a:solidFill>
-                  <a:schemeClr val="tx1"/>
-                </a:solidFill>
-              </a:rPr>
-              <a:t>در برابر </a:t>
-            </a:r>
-            <a:r>
-              <a:rPr lang="en-US" sz="1800" dirty="0">
-                <a:solidFill>
-                  <a:schemeClr val="tx1"/>
-                </a:solidFill>
-              </a:rPr>
-              <a:t>4G</a:t>
-            </a:r>
-            <a:r>
-              <a:rPr lang="fa-IR" sz="2400" dirty="0">
-                <a:solidFill>
-                  <a:schemeClr val="tx1"/>
-                </a:solidFill>
-              </a:rPr>
-              <a:t> </a:t>
-            </a:r>
-            <a:r>
-              <a:rPr lang="fa-IR" dirty="0">
-                <a:solidFill>
-                  <a:schemeClr val="tx1"/>
-                </a:solidFill>
-              </a:rPr>
-              <a:t>:</a:t>
-            </a:r>
-          </a:p>
-          <a:p>
-            <a:pPr lvl="1">
-              <a:buFont typeface="Wingdings" panose="05000000000000000000" pitchFamily="2" charset="2"/>
-              <a:buChar char="Ø"/>
-            </a:pPr>
-            <a:r>
-              <a:rPr lang="fa-IR" dirty="0">
-                <a:solidFill>
-                  <a:schemeClr val="tx1"/>
-                </a:solidFill>
-              </a:rPr>
-              <a:t>ارائه طیف بالاتر و بهره وری انرژی بیشتر</a:t>
-            </a:r>
-            <a:endParaRPr lang="en-US" dirty="0">
-              <a:solidFill>
-                <a:schemeClr val="tx1"/>
-              </a:solidFill>
-            </a:endParaRPr>
-          </a:p>
-          <a:p>
-            <a:pPr lvl="1">
-              <a:buFont typeface="Wingdings" panose="05000000000000000000" pitchFamily="2" charset="2"/>
-              <a:buChar char="Ø"/>
-            </a:pPr>
-            <a:r>
-              <a:rPr lang="fa-IR" dirty="0">
-                <a:solidFill>
-                  <a:schemeClr val="tx1"/>
-                </a:solidFill>
-              </a:rPr>
-              <a:t>دستیابی</a:t>
-            </a:r>
-            <a:r>
-              <a:rPr lang="en-US" sz="1800" dirty="0">
-                <a:solidFill>
-                  <a:schemeClr val="tx1"/>
-                </a:solidFill>
-              </a:rPr>
-              <a:t>5G</a:t>
-            </a:r>
-            <a:r>
-              <a:rPr lang="en-US" dirty="0">
-                <a:solidFill>
-                  <a:schemeClr val="tx1"/>
-                </a:solidFill>
-              </a:rPr>
-              <a:t> </a:t>
-            </a:r>
-            <a:r>
-              <a:rPr lang="fa-IR" dirty="0">
-                <a:solidFill>
-                  <a:schemeClr val="tx1"/>
-                </a:solidFill>
-              </a:rPr>
-              <a:t> به رشد ظرفیت سیستم با ضریب حداقل 1000</a:t>
-            </a:r>
-          </a:p>
-          <a:p>
-            <a:pPr lvl="1">
-              <a:buFont typeface="Wingdings" panose="05000000000000000000" pitchFamily="2" charset="2"/>
-              <a:buChar char="Ø"/>
-            </a:pPr>
-            <a:r>
-              <a:rPr lang="fa-IR" dirty="0">
-                <a:solidFill>
-                  <a:schemeClr val="tx1"/>
-                </a:solidFill>
-              </a:rPr>
-              <a:t> بهینه سازی انرژی با ضریب حداقل 10</a:t>
-            </a:r>
-          </a:p>
-          <a:p>
-            <a:pPr>
-              <a:buFont typeface="Wingdings" panose="05000000000000000000" pitchFamily="2" charset="2"/>
-              <a:buChar char="Ø"/>
-            </a:pPr>
-            <a:r>
-              <a:rPr lang="fa-IR" dirty="0">
-                <a:solidFill>
-                  <a:schemeClr val="tx1"/>
-                </a:solidFill>
-              </a:rPr>
-              <a:t>شامل یک شبکه ی فشرده با هسته ی هوشمند و منعطف</a:t>
-            </a:r>
-          </a:p>
-          <a:p>
-            <a:pPr>
-              <a:buFont typeface="Wingdings" panose="05000000000000000000" pitchFamily="2" charset="2"/>
-              <a:buChar char="Ø"/>
-            </a:pPr>
-            <a:r>
-              <a:rPr lang="fa-IR" dirty="0">
-                <a:solidFill>
-                  <a:schemeClr val="tx1"/>
-                </a:solidFill>
-              </a:rPr>
-              <a:t>فناوری های مورد استفاده</a:t>
-            </a:r>
-            <a:endParaRPr lang="en-US" dirty="0">
-              <a:solidFill>
-                <a:schemeClr val="tx1"/>
-              </a:solidFill>
-            </a:endParaRPr>
-          </a:p>
-          <a:p>
-            <a:pPr lvl="1"/>
-            <a:r>
-              <a:rPr lang="ar-IQ" dirty="0"/>
-              <a:t>شبکه ی تعریف شده ی نرم افزاری </a:t>
-            </a:r>
-            <a:r>
-              <a:rPr lang="en-US" dirty="0"/>
-              <a:t>SDN</a:t>
-            </a:r>
-            <a:r>
-              <a:rPr lang="ar-IQ" dirty="0"/>
-              <a:t> </a:t>
-            </a:r>
-            <a:endParaRPr lang="en-US" dirty="0">
-              <a:solidFill>
-                <a:schemeClr val="tx1"/>
-              </a:solidFill>
-            </a:endParaRPr>
-          </a:p>
-          <a:p>
-            <a:pPr lvl="1"/>
-            <a:r>
-              <a:rPr lang="fa-IR" dirty="0">
-                <a:solidFill>
-                  <a:schemeClr val="tx1"/>
-                </a:solidFill>
-              </a:rPr>
-              <a:t>برش شبکه</a:t>
-            </a:r>
-          </a:p>
-          <a:p>
-            <a:pPr lvl="1"/>
-            <a:r>
-              <a:rPr lang="fa-IR" dirty="0">
-                <a:solidFill>
-                  <a:schemeClr val="tx1"/>
-                </a:solidFill>
-              </a:rPr>
-              <a:t>مجازی سازی توابع شبکه</a:t>
-            </a:r>
-          </a:p>
-          <a:p>
-            <a:pPr lvl="1">
-              <a:buFont typeface="Wingdings" panose="05000000000000000000" pitchFamily="2" charset="2"/>
-              <a:buChar char="Ø"/>
-            </a:pPr>
-            <a:r>
-              <a:rPr lang="fa-IR" dirty="0">
-                <a:solidFill>
-                  <a:schemeClr val="tx1"/>
-                </a:solidFill>
-              </a:rPr>
-              <a:t>موج میلیمتری</a:t>
-            </a:r>
-          </a:p>
-          <a:p>
-            <a:pPr lvl="1">
-              <a:buFont typeface="Wingdings" panose="05000000000000000000" pitchFamily="2" charset="2"/>
-              <a:buChar char="Ø"/>
-            </a:pPr>
-            <a:r>
-              <a:rPr lang="en-US" dirty="0">
-                <a:solidFill>
-                  <a:schemeClr val="tx1"/>
-                </a:solidFill>
-              </a:rPr>
-              <a:t>femtocell</a:t>
-            </a:r>
-            <a:endParaRPr lang="fa-IR" dirty="0">
-              <a:solidFill>
-                <a:schemeClr val="tx1"/>
-              </a:solidFill>
-            </a:endParaRPr>
-          </a:p>
-          <a:p>
-            <a:pPr lvl="1">
-              <a:buFont typeface="Wingdings" panose="05000000000000000000" pitchFamily="2" charset="2"/>
-              <a:buChar char="Ø"/>
-            </a:pPr>
-            <a:r>
-              <a:rPr lang="en-US" sz="1800" dirty="0">
-                <a:solidFill>
-                  <a:schemeClr val="tx1"/>
-                </a:solidFill>
-              </a:rPr>
-              <a:t>Massive MIMO</a:t>
-            </a:r>
-            <a:endParaRPr lang="fa-IR" sz="1800" dirty="0">
-              <a:solidFill>
-                <a:schemeClr val="tx1"/>
-              </a:solidFill>
-            </a:endParaRPr>
-          </a:p>
-          <a:p>
-            <a:pPr lvl="1">
-              <a:buFont typeface="Wingdings" panose="05000000000000000000" pitchFamily="2" charset="2"/>
-              <a:buChar char="Ø"/>
-            </a:pPr>
-            <a:r>
-              <a:rPr lang="en-US" sz="1800" dirty="0">
-                <a:solidFill>
-                  <a:schemeClr val="tx1"/>
-                </a:solidFill>
-              </a:rPr>
-              <a:t>ORAN</a:t>
-            </a:r>
-          </a:p>
-          <a:p>
-            <a:pPr lvl="1">
-              <a:buFont typeface="Wingdings" panose="05000000000000000000" pitchFamily="2" charset="2"/>
-              <a:buChar char="Ø"/>
-            </a:pPr>
-            <a:endParaRPr lang="fa-IR" dirty="0">
-              <a:solidFill>
-                <a:schemeClr val="tx1"/>
-              </a:solidFill>
-            </a:endParaRPr>
-          </a:p>
-          <a:p>
-            <a:pPr marL="0" indent="0">
-              <a:buNone/>
-            </a:pPr>
-            <a:endParaRPr lang="en-US" dirty="0"/>
-          </a:p>
-        </p:txBody>
-      </p:sp>
-      <p:sp>
-        <p:nvSpPr>
-          <p:cNvPr id="11" name="Rounded Rectangle 10"/>
+      <p:sp>
+        <p:nvSpPr>
+          <p:cNvPr id="5" name="Rounded Rectangle 15">
+            <a:extLst>
+              <a:ext uri="{FF2B5EF4-FFF2-40B4-BE49-F238E27FC236}">
+                <a16:creationId xmlns:a16="http://schemas.microsoft.com/office/drawing/2014/main" id="{C4936644-50BA-4448-935F-1CA4D7AED60F}"/>
+              </a:ext>
+            </a:extLst>
+          </p:cNvPr>
           <p:cNvSpPr/>
           <p:nvPr/>
         </p:nvSpPr>
         <p:spPr>
           <a:xfrm>
-            <a:off x="10782746" y="1203235"/>
+            <a:off x="10891234" y="1271911"/>
             <a:ext cx="1300766" cy="5586089"/>
           </a:xfrm>
           <a:prstGeom prst="roundRect">
@@ -31847,13 +32124,19 @@
       </p:sp>
       <p:sp>
         <p:nvSpPr>
-          <p:cNvPr id="12" name="Rectangle 11"/>
+          <p:cNvPr id="6" name="Rectangle 5">
+            <a:extLst>
+              <a:ext uri="{FF2B5EF4-FFF2-40B4-BE49-F238E27FC236}">
+                <a16:creationId xmlns:a16="http://schemas.microsoft.com/office/drawing/2014/main" id="{E42D7423-E554-4DE2-B246-F7C2FC7F3011}"/>
+              </a:ext>
+            </a:extLst>
+          </p:cNvPr>
           <p:cNvSpPr/>
           <p:nvPr/>
         </p:nvSpPr>
         <p:spPr>
           <a:xfrm>
-            <a:off x="10975929" y="1382087"/>
+            <a:off x="11084417" y="1476163"/>
             <a:ext cx="927279" cy="872108"/>
           </a:xfrm>
           <a:prstGeom prst="rect">
@@ -31888,17 +32171,17 @@
           <a:p>
             <a:pPr algn="ctr"/>
             <a:r>
-              <a:rPr lang="fa-IR" b="1" dirty="0">
+              <a:rPr lang="fa-IR" dirty="0">
                 <a:solidFill>
-                  <a:schemeClr val="bg1"/>
+                  <a:schemeClr val="tx1"/>
                 </a:solidFill>
                 <a:cs typeface="B Nazanin" panose="00000400000000000000" pitchFamily="2" charset="-78"/>
               </a:rPr>
               <a:t>مقدمه</a:t>
             </a:r>
-            <a:endParaRPr lang="en-US" b="1" dirty="0">
+            <a:endParaRPr lang="en-US" dirty="0">
               <a:solidFill>
-                <a:schemeClr val="bg1"/>
+                <a:schemeClr val="tx1"/>
               </a:solidFill>
               <a:cs typeface="B Nazanin" panose="00000400000000000000" pitchFamily="2" charset="-78"/>
             </a:endParaRPr>
@@ -31907,44 +32190,38 @@
       </p:sp>
       <p:sp>
         <p:nvSpPr>
-          <p:cNvPr id="13" name="Rectangle 12"/>
+          <p:cNvPr id="7" name="Rectangle 6">
+            <a:extLst>
+              <a:ext uri="{FF2B5EF4-FFF2-40B4-BE49-F238E27FC236}">
+                <a16:creationId xmlns:a16="http://schemas.microsoft.com/office/drawing/2014/main" id="{DD952588-EECB-4401-AA8D-053556425B94}"/>
+              </a:ext>
+            </a:extLst>
+          </p:cNvPr>
           <p:cNvSpPr/>
           <p:nvPr/>
         </p:nvSpPr>
         <p:spPr>
           <a:xfrm>
-            <a:off x="10975929" y="2415082"/>
+            <a:off x="11084417" y="2455499"/>
             <a:ext cx="914400" cy="914400"/>
           </a:xfrm>
           <a:prstGeom prst="rect">
             <a:avLst/>
           </a:prstGeom>
-          <a:gradFill flip="none" rotWithShape="1">
-            <a:gsLst>
-              <a:gs pos="0">
-                <a:schemeClr val="accent1">
-                  <a:tint val="66000"/>
-                  <a:satMod val="160000"/>
-                </a:schemeClr>
-              </a:gs>
-              <a:gs pos="50000">
-                <a:schemeClr val="accent1">
-                  <a:tint val="44500"/>
-                  <a:satMod val="160000"/>
-                </a:schemeClr>
-              </a:gs>
-              <a:gs pos="100000">
-                <a:schemeClr val="accent1">
-                  <a:tint val="23500"/>
-                  <a:satMod val="160000"/>
-                </a:schemeClr>
-              </a:gs>
-            </a:gsLst>
-            <a:path path="circle">
-              <a:fillToRect l="100000" t="100000"/>
-            </a:path>
-            <a:tileRect r="-100000" b="-100000"/>
-          </a:gradFill>
+          <a:solidFill>
+            <a:schemeClr val="tx2">
+              <a:lumMod val="60000"/>
+              <a:lumOff val="40000"/>
+            </a:schemeClr>
+          </a:solidFill>
+          <a:ln>
+            <a:solidFill>
+              <a:schemeClr val="tx2">
+                <a:lumMod val="60000"/>
+                <a:lumOff val="40000"/>
+              </a:schemeClr>
+            </a:solidFill>
+          </a:ln>
         </p:spPr>
         <p:style>
           <a:lnRef idx="2">
@@ -31987,44 +32264,32 @@
       </p:sp>
       <p:sp>
         <p:nvSpPr>
-          <p:cNvPr id="14" name="Rectangle 13"/>
+          <p:cNvPr id="8" name="Rectangle 7">
+            <a:extLst>
+              <a:ext uri="{FF2B5EF4-FFF2-40B4-BE49-F238E27FC236}">
+                <a16:creationId xmlns:a16="http://schemas.microsoft.com/office/drawing/2014/main" id="{9EFE82F3-5D4E-4575-A401-AD31E67EE36A}"/>
+              </a:ext>
+            </a:extLst>
+          </p:cNvPr>
           <p:cNvSpPr/>
           <p:nvPr/>
         </p:nvSpPr>
         <p:spPr>
           <a:xfrm>
-            <a:off x="10975929" y="3409406"/>
-            <a:ext cx="914400" cy="1173749"/>
+            <a:off x="11097296" y="3429000"/>
+            <a:ext cx="901520" cy="1234245"/>
           </a:xfrm>
           <a:prstGeom prst="rect">
             <a:avLst/>
           </a:prstGeom>
-          <a:gradFill flip="none" rotWithShape="1">
-            <a:gsLst>
-              <a:gs pos="0">
-                <a:schemeClr val="accent1">
-                  <a:tint val="66000"/>
-                  <a:satMod val="160000"/>
-                </a:schemeClr>
-              </a:gs>
-              <a:gs pos="50000">
-                <a:schemeClr val="accent1">
-                  <a:tint val="44500"/>
-                  <a:satMod val="160000"/>
-                </a:schemeClr>
-              </a:gs>
-              <a:gs pos="100000">
-                <a:schemeClr val="accent1">
-                  <a:tint val="23500"/>
-                  <a:satMod val="160000"/>
-                </a:schemeClr>
-              </a:gs>
-            </a:gsLst>
-            <a:path path="circle">
-              <a:fillToRect l="50000" t="50000" r="50000" b="50000"/>
-            </a:path>
-            <a:tileRect/>
-          </a:gradFill>
+          <a:solidFill>
+            <a:schemeClr val="accent1"/>
+          </a:solidFill>
+          <a:ln>
+            <a:solidFill>
+              <a:schemeClr val="accent1"/>
+            </a:solidFill>
+          </a:ln>
         </p:spPr>
         <p:style>
           <a:lnRef idx="2">
@@ -32067,44 +32332,27 @@
       </p:sp>
       <p:sp>
         <p:nvSpPr>
-          <p:cNvPr id="15" name="Rectangle 14"/>
+          <p:cNvPr id="9" name="Rectangle 8">
+            <a:extLst>
+              <a:ext uri="{FF2B5EF4-FFF2-40B4-BE49-F238E27FC236}">
+                <a16:creationId xmlns:a16="http://schemas.microsoft.com/office/drawing/2014/main" id="{66E60C60-B4CD-4D0A-8652-26702D3E878E}"/>
+              </a:ext>
+            </a:extLst>
+          </p:cNvPr>
           <p:cNvSpPr/>
           <p:nvPr/>
         </p:nvSpPr>
         <p:spPr>
           <a:xfrm>
-            <a:off x="10948455" y="4708310"/>
-            <a:ext cx="914400" cy="914400"/>
+            <a:off x="11110176" y="4722346"/>
+            <a:ext cx="901520" cy="987447"/>
           </a:xfrm>
           <a:prstGeom prst="rect">
             <a:avLst/>
           </a:prstGeom>
-          <a:gradFill flip="none" rotWithShape="1">
-            <a:gsLst>
-              <a:gs pos="0">
-                <a:schemeClr val="accent1">
-                  <a:tint val="66000"/>
-                  <a:satMod val="160000"/>
-                </a:schemeClr>
-              </a:gs>
-              <a:gs pos="50000">
-                <a:schemeClr val="accent1">
-                  <a:tint val="44500"/>
-                  <a:satMod val="160000"/>
-                </a:schemeClr>
-              </a:gs>
-              <a:gs pos="100000">
-                <a:schemeClr val="accent1">
-                  <a:tint val="23500"/>
-                  <a:satMod val="160000"/>
-                </a:schemeClr>
-              </a:gs>
-            </a:gsLst>
-            <a:path path="circle">
-              <a:fillToRect l="50000" t="50000" r="50000" b="50000"/>
-            </a:path>
-            <a:tileRect/>
-          </a:gradFill>
+          <a:solidFill>
+            <a:schemeClr val="accent1"/>
+          </a:solidFill>
         </p:spPr>
         <p:style>
           <a:lnRef idx="2">
@@ -32147,44 +32395,27 @@
       </p:sp>
       <p:sp>
         <p:nvSpPr>
-          <p:cNvPr id="16" name="Rectangle 15"/>
+          <p:cNvPr id="10" name="Rectangle 9">
+            <a:extLst>
+              <a:ext uri="{FF2B5EF4-FFF2-40B4-BE49-F238E27FC236}">
+                <a16:creationId xmlns:a16="http://schemas.microsoft.com/office/drawing/2014/main" id="{89280754-78FA-4C7A-B9AC-5313D2A40C05}"/>
+              </a:ext>
+            </a:extLst>
+          </p:cNvPr>
           <p:cNvSpPr/>
           <p:nvPr/>
         </p:nvSpPr>
         <p:spPr>
           <a:xfrm>
-            <a:off x="10975929" y="5747865"/>
+            <a:off x="11110176" y="5781229"/>
             <a:ext cx="914400" cy="1005335"/>
           </a:xfrm>
           <a:prstGeom prst="rect">
             <a:avLst/>
           </a:prstGeom>
-          <a:gradFill flip="none" rotWithShape="1">
-            <a:gsLst>
-              <a:gs pos="0">
-                <a:schemeClr val="accent1">
-                  <a:tint val="66000"/>
-                  <a:satMod val="160000"/>
-                </a:schemeClr>
-              </a:gs>
-              <a:gs pos="50000">
-                <a:schemeClr val="accent1">
-                  <a:tint val="44500"/>
-                  <a:satMod val="160000"/>
-                </a:schemeClr>
-              </a:gs>
-              <a:gs pos="100000">
-                <a:schemeClr val="accent1">
-                  <a:tint val="23500"/>
-                  <a:satMod val="160000"/>
-                </a:schemeClr>
-              </a:gs>
-            </a:gsLst>
-            <a:path path="circle">
-              <a:fillToRect l="50000" t="50000" r="50000" b="50000"/>
-            </a:path>
-            <a:tileRect/>
-          </a:gradFill>
+          <a:solidFill>
+            <a:schemeClr val="accent1"/>
+          </a:solidFill>
         </p:spPr>
         <p:style>
           <a:lnRef idx="2">
@@ -32208,55 +32439,27 @@
           <a:p>
             <a:pPr algn="ctr"/>
             <a:r>
-              <a:rPr lang="fa-IR" sz="1500" dirty="0">
+              <a:rPr lang="fa-IR" sz="1500" b="1" dirty="0">
                 <a:solidFill>
-                  <a:schemeClr val="tx1"/>
+                  <a:schemeClr val="bg1"/>
                 </a:solidFill>
                 <a:cs typeface="B Nazanin" panose="00000400000000000000" pitchFamily="2" charset="-78"/>
               </a:rPr>
               <a:t>نتیجه گیری و پیشنهادات</a:t>
             </a:r>
-            <a:endParaRPr lang="en-US" sz="1500" dirty="0">
+            <a:endParaRPr lang="en-US" sz="1500" b="1" dirty="0">
               <a:solidFill>
-                <a:schemeClr val="tx1"/>
+                <a:schemeClr val="bg1"/>
               </a:solidFill>
               <a:cs typeface="B Nazanin" panose="00000400000000000000" pitchFamily="2" charset="-78"/>
             </a:endParaRPr>
           </a:p>
         </p:txBody>
       </p:sp>
-      <p:sp>
-        <p:nvSpPr>
-          <p:cNvPr id="4" name="Slide Number Placeholder 3"/>
-          <p:cNvSpPr>
-            <a:spLocks noGrp="1"/>
-          </p:cNvSpPr>
-          <p:nvPr>
-            <p:ph type="sldNum" sz="quarter" idx="12"/>
-          </p:nvPr>
-        </p:nvSpPr>
-        <p:spPr/>
-        <p:txBody>
-          <a:bodyPr/>
-          <a:lstStyle/>
-          <a:p>
-            <a:fld id="{D57F1E4F-1CFF-5643-939E-217C01CDF565}" type="slidenum">
-              <a:rPr lang="en-US" smtClean="0"/>
-              <a:pPr/>
-              <a:t>4</a:t>
-            </a:fld>
-            <a:r>
-              <a:rPr lang="en-US"/>
-              <a:t>/37</a:t>
-            </a:r>
-            <a:endParaRPr lang="en-US" dirty="0"/>
-          </a:p>
-        </p:txBody>
-      </p:sp>
     </p:spTree>
     <p:extLst>
       <p:ext uri="{BB962C8B-B14F-4D97-AF65-F5344CB8AC3E}">
-        <p14:creationId xmlns:p14="http://schemas.microsoft.com/office/powerpoint/2010/main" val="3427082847"/>
+        <p14:creationId xmlns:p14="http://schemas.microsoft.com/office/powerpoint/2010/main" val="4228556555"/>
       </p:ext>
     </p:extLst>
   </p:cSld>
@@ -32266,7 +32469,7 @@
 </p:sld>
 </file>
 
-<file path=ppt/slides/slide5.xml><?xml version="1.0" encoding="utf-8"?>
+<file path=ppt/slides/slide39.xml><?xml version="1.0" encoding="utf-8"?>
 <p:sld xmlns:a="http://schemas.openxmlformats.org/drawingml/2006/main" xmlns:r="http://schemas.openxmlformats.org/officeDocument/2006/relationships" xmlns:p="http://schemas.openxmlformats.org/presentationml/2006/main">
   <p:cSld>
     <p:spTree>
@@ -32285,7 +32488,13 @@
       </p:grpSpPr>
       <p:sp>
         <p:nvSpPr>
-          <p:cNvPr id="2" name="Title 1"/>
+          <p:cNvPr id="2" name="Title 1">
+            <a:extLst>
+              <a:ext uri="{FF2B5EF4-FFF2-40B4-BE49-F238E27FC236}">
+                <a16:creationId xmlns:a16="http://schemas.microsoft.com/office/drawing/2014/main" id="{B9834827-EA64-4773-99FB-9C8E5839F54E}"/>
+              </a:ext>
+            </a:extLst>
+          </p:cNvPr>
           <p:cNvSpPr>
             <a:spLocks noGrp="1"/>
           </p:cNvSpPr>
@@ -32293,32 +32502,14 @@
             <p:ph type="title"/>
           </p:nvPr>
         </p:nvSpPr>
-        <p:spPr>
-          <a:xfrm>
-            <a:off x="1608986" y="391197"/>
-            <a:ext cx="8911687" cy="1280890"/>
-          </a:xfrm>
-        </p:spPr>
+        <p:spPr/>
         <p:txBody>
           <a:bodyPr/>
           <a:lstStyle/>
           <a:p>
-            <a:pPr algn="ctr" rtl="1"/>
             <a:r>
               <a:rPr lang="fa-IR" dirty="0"/>
-              <a:t>تکامل ساختار ایستگاه های پایه(</a:t>
-            </a:r>
-            <a:r>
-              <a:rPr lang="en-US" dirty="0"/>
-              <a:t> (</a:t>
-            </a:r>
-            <a:r>
-              <a:rPr lang="en-US" sz="3200" dirty="0"/>
-              <a:t>BS</a:t>
-            </a:r>
-            <a:r>
-              <a:rPr lang="fa-IR" dirty="0"/>
-              <a:t>ها</a:t>
+              <a:t>نتیجه گیری</a:t>
             </a:r>
             <a:endParaRPr lang="en-US" dirty="0"/>
           </a:p>
@@ -32326,7 +32517,13 @@
       </p:sp>
       <p:sp>
         <p:nvSpPr>
-          <p:cNvPr id="3" name="Content Placeholder 2"/>
+          <p:cNvPr id="3" name="Content Placeholder 2">
+            <a:extLst>
+              <a:ext uri="{FF2B5EF4-FFF2-40B4-BE49-F238E27FC236}">
+                <a16:creationId xmlns:a16="http://schemas.microsoft.com/office/drawing/2014/main" id="{9E5977FC-AB01-4C81-8BAE-2A5C6A7983C1}"/>
+              </a:ext>
+            </a:extLst>
+          </p:cNvPr>
           <p:cNvSpPr>
             <a:spLocks noGrp="1"/>
           </p:cNvSpPr>
@@ -32336,165 +32533,108 @@
         </p:nvSpPr>
         <p:spPr>
           <a:xfrm>
-            <a:off x="376369" y="1569603"/>
-            <a:ext cx="10131425" cy="4165600"/>
-          </a:xfrm>
-        </p:spPr>
-        <p:txBody>
-          <a:bodyPr anchor="t"/>
-          <a:lstStyle/>
-          <a:p>
-            <a:pPr algn="r" rtl="1">
-              <a:buFont typeface="Wingdings" panose="05000000000000000000" pitchFamily="2" charset="2"/>
-              <a:buChar char="Ø"/>
-            </a:pPr>
-            <a:r>
-              <a:rPr lang="fa-IR" dirty="0"/>
-              <a:t>ساختار های سنتی </a:t>
-            </a:r>
-          </a:p>
-          <a:p>
-            <a:pPr algn="r" rtl="1">
-              <a:buFont typeface="Wingdings" panose="05000000000000000000" pitchFamily="2" charset="2"/>
-              <a:buChar char="Ø"/>
-            </a:pPr>
-            <a:r>
-              <a:rPr lang="fa-IR" dirty="0"/>
-              <a:t>ایستگاه های پایه با </a:t>
-            </a:r>
-            <a:r>
-              <a:rPr lang="en-US" sz="1800" dirty="0"/>
-              <a:t>RRH</a:t>
-            </a:r>
-            <a:r>
-              <a:rPr lang="fa-IR" dirty="0"/>
-              <a:t> </a:t>
-            </a:r>
-            <a:endParaRPr lang="en-US" dirty="0"/>
-          </a:p>
-          <a:p>
-            <a:pPr algn="r" rtl="1">
-              <a:buFont typeface="Wingdings" panose="05000000000000000000" pitchFamily="2" charset="2"/>
-              <a:buChar char="Ø"/>
-            </a:pPr>
-            <a:r>
-              <a:rPr lang="fa-IR" dirty="0"/>
-              <a:t>شبکه های دسترسی رادیوی ابری</a:t>
-            </a:r>
-          </a:p>
-          <a:p>
-            <a:pPr lvl="2"/>
-            <a:r>
-              <a:rPr lang="en-US" dirty="0"/>
-              <a:t>C-RAN</a:t>
-            </a:r>
-          </a:p>
-          <a:p>
-            <a:pPr lvl="2"/>
-            <a:r>
-              <a:rPr lang="en-US" dirty="0"/>
-              <a:t>H-CRAN</a:t>
-            </a:r>
-          </a:p>
-          <a:p>
-            <a:pPr lvl="2"/>
-            <a:r>
-              <a:rPr lang="en-US" dirty="0"/>
-              <a:t>F-RAN</a:t>
-            </a:r>
-          </a:p>
-          <a:p>
-            <a:pPr lvl="1" algn="r" rtl="1">
-              <a:buFont typeface="Wingdings" panose="05000000000000000000" pitchFamily="2" charset="2"/>
-              <a:buChar char="Ø"/>
-            </a:pPr>
-            <a:r>
-              <a:rPr lang="en-US" sz="1800" dirty="0"/>
-              <a:t>X-RAN</a:t>
-            </a:r>
-          </a:p>
-          <a:p>
-            <a:pPr lvl="1" algn="r" rtl="1">
-              <a:buFont typeface="Wingdings" panose="05000000000000000000" pitchFamily="2" charset="2"/>
-              <a:buChar char="Ø"/>
-            </a:pPr>
-            <a:r>
-              <a:rPr lang="en-US" sz="1800" dirty="0"/>
-              <a:t>VRAN</a:t>
-            </a:r>
-          </a:p>
-          <a:p>
-            <a:pPr lvl="1" algn="r" rtl="1">
-              <a:buFont typeface="Wingdings" panose="05000000000000000000" pitchFamily="2" charset="2"/>
-              <a:buChar char="Ø"/>
-            </a:pPr>
-            <a:r>
-              <a:rPr lang="en-US" b="1" dirty="0"/>
-              <a:t>ORAN</a:t>
-            </a:r>
-          </a:p>
-        </p:txBody>
-      </p:sp>
-      <p:pic>
-        <p:nvPicPr>
-          <p:cNvPr id="6" name="Picture 5" descr="MacroBS.png"/>
-          <p:cNvPicPr>
-            <a:picLocks noChangeAspect="1"/>
-          </p:cNvPicPr>
-          <p:nvPr/>
-        </p:nvPicPr>
-        <p:blipFill>
-          <a:blip r:embed="rId2">
-            <a:extLst>
-              <a:ext uri="{28A0092B-C50C-407E-A947-70E740481C1C}">
-                <a14:useLocalDpi xmlns:a14="http://schemas.microsoft.com/office/drawing/2010/main" val="0"/>
-              </a:ext>
-            </a:extLst>
-          </a:blip>
-          <a:srcRect/>
-          <a:stretch>
-            <a:fillRect/>
-          </a:stretch>
-        </p:blipFill>
-        <p:spPr bwMode="auto">
-          <a:xfrm>
-            <a:off x="2483912" y="3030340"/>
-            <a:ext cx="3580917" cy="3436463"/>
-          </a:xfrm>
-          <a:prstGeom prst="rect">
-            <a:avLst/>
-          </a:prstGeom>
-          <a:noFill/>
-          <a:ln>
-            <a:noFill/>
-          </a:ln>
-          <a:extLst>
-            <a:ext uri="{909E8E84-426E-40DD-AFC4-6F175D3DCCD1}">
-              <a14:hiddenFill xmlns:a14="http://schemas.microsoft.com/office/drawing/2010/main">
-                <a:solidFill>
-                  <a:srgbClr val="FFFFFF"/>
-                </a:solidFill>
-              </a14:hiddenFill>
-            </a:ext>
-            <a:ext uri="{91240B29-F687-4F45-9708-019B960494DF}">
-              <a14:hiddenLine xmlns:a14="http://schemas.microsoft.com/office/drawing/2010/main" w="9525">
+            <a:off x="1336948" y="1621306"/>
+            <a:ext cx="9328916" cy="5165258"/>
+          </a:xfrm>
+        </p:spPr>
+        <p:txBody>
+          <a:bodyPr>
+            <a:normAutofit fontScale="25000" lnSpcReduction="20000"/>
+          </a:bodyPr>
+          <a:lstStyle/>
+          <a:p>
+            <a:r>
+              <a:rPr lang="fa-IR" sz="9600" b="0" i="0" dirty="0">
                 <a:solidFill>
                   <a:srgbClr val="000000"/>
                 </a:solidFill>
-                <a:miter lim="800000"/>
-                <a:headEnd/>
-                <a:tailEnd/>
-              </a14:hiddenLine>
-            </a:ext>
-          </a:extLst>
-        </p:spPr>
-      </p:pic>
-      <p:sp>
-        <p:nvSpPr>
-          <p:cNvPr id="12" name="Rounded Rectangle 10">
+                <a:effectLst/>
+                <a:latin typeface="IRLotus"/>
+              </a:rPr>
+              <a:t>مسئله ی برش شبکه در بخش رادیویی و قرارگیری توابع مجازی شبکه برروی مراکز داده باهم مورد بررسی قرار گرفته شد</a:t>
+            </a:r>
+            <a:r>
+              <a:rPr lang="fa-IR" sz="9600" dirty="0"/>
+              <a:t> </a:t>
+            </a:r>
+          </a:p>
+          <a:p>
+            <a:r>
+              <a:rPr lang="fa-IR" sz="9600" dirty="0"/>
+              <a:t>مسئله را می توان به دو مسئله تبدیل کرد و هر کدام را با الگوریتمهای مرکزی حل نمود</a:t>
+            </a:r>
+          </a:p>
+          <a:p>
+            <a:r>
+              <a:rPr lang="fa-IR" sz="9600" dirty="0"/>
+              <a:t>این دو مسئله به صورت مسئله ی بسته بندی جعبه چند بعدی می باشد</a:t>
+            </a:r>
+          </a:p>
+          <a:p>
+            <a:r>
+              <a:rPr lang="fa-IR" sz="9600" b="0" i="0" dirty="0">
+                <a:solidFill>
+                  <a:srgbClr val="000000"/>
+                </a:solidFill>
+                <a:effectLst/>
+                <a:latin typeface="IRLotus"/>
+              </a:rPr>
+              <a:t>حالتی که تداخل به نسبت کم باشد به حالت بهینه بسیار نزدیک است</a:t>
+            </a:r>
+            <a:r>
+              <a:rPr lang="fa-IR" sz="9600" dirty="0"/>
+              <a:t> </a:t>
+            </a:r>
+            <a:endParaRPr lang="en-US" sz="9600" dirty="0"/>
+          </a:p>
+          <a:p>
+            <a:r>
+              <a:rPr lang="fa-IR" sz="9600" dirty="0"/>
+              <a:t>مسئله بخش رادیویی و هسته به صورت ساده شده در حالت دینامیکی حل گردیده است</a:t>
+            </a:r>
+          </a:p>
+          <a:p>
+            <a:r>
+              <a:rPr lang="fa-IR" sz="9600" dirty="0"/>
+              <a:t>از روش یادگیری تقویتی برای حل مسئله استفاده شده است</a:t>
+            </a:r>
+          </a:p>
+          <a:p>
+            <a:r>
+              <a:rPr lang="fa-IR" sz="9600" dirty="0"/>
+              <a:t>در این مسئله مقادیر طوری در نظر گرفته شده اند که تعداد حالتها و اعمال گسسته و قابل شمارش باشند </a:t>
+            </a:r>
+          </a:p>
+          <a:p>
+            <a:r>
+              <a:rPr lang="fa-IR" sz="9600" dirty="0"/>
+              <a:t>با افزایش تعداد برشهای شبکه مقدار خروجی از مقدار بهینه فاصله می گیرد</a:t>
+            </a:r>
+            <a:endParaRPr lang="en-US" sz="9600" dirty="0"/>
+          </a:p>
+          <a:p>
+            <a:endParaRPr lang="fa-IR" sz="9600" dirty="0"/>
+          </a:p>
+          <a:p>
+            <a:pPr marL="0" indent="0">
+              <a:buNone/>
+            </a:pPr>
+            <a:br>
+              <a:rPr lang="fa-IR" dirty="0"/>
+            </a:br>
+            <a:br>
+              <a:rPr lang="fa-IR" dirty="0"/>
+            </a:br>
+            <a:endParaRPr lang="en-US" dirty="0"/>
+          </a:p>
+        </p:txBody>
+      </p:sp>
+      <p:sp>
+        <p:nvSpPr>
+          <p:cNvPr id="5" name="Rounded Rectangle 15">
             <a:extLst>
               <a:ext uri="{FF2B5EF4-FFF2-40B4-BE49-F238E27FC236}">
-                <a16:creationId xmlns:a16="http://schemas.microsoft.com/office/drawing/2014/main" id="{5975D007-74D1-4FEC-BBEC-379ECD9272A8}"/>
+                <a16:creationId xmlns:a16="http://schemas.microsoft.com/office/drawing/2014/main" id="{1748D836-D739-4E10-8B42-31F5850C44CF}"/>
               </a:ext>
             </a:extLst>
           </p:cNvPr>
@@ -32503,7 +32643,7 @@
         </p:nvSpPr>
         <p:spPr>
           <a:xfrm>
-            <a:off x="10782746" y="1203235"/>
+            <a:off x="10891234" y="1271911"/>
             <a:ext cx="1300766" cy="5586089"/>
           </a:xfrm>
           <a:prstGeom prst="roundRect">
@@ -32568,10 +32708,10 @@
       </p:sp>
       <p:sp>
         <p:nvSpPr>
-          <p:cNvPr id="13" name="Rectangle 12">
+          <p:cNvPr id="6" name="Rectangle 5">
             <a:extLst>
               <a:ext uri="{FF2B5EF4-FFF2-40B4-BE49-F238E27FC236}">
-                <a16:creationId xmlns:a16="http://schemas.microsoft.com/office/drawing/2014/main" id="{AD7C9362-80E1-440A-9CA1-F01B91D281AE}"/>
+                <a16:creationId xmlns:a16="http://schemas.microsoft.com/office/drawing/2014/main" id="{B97418D3-2DBA-4EA8-8E3B-0784D0FC82C2}"/>
               </a:ext>
             </a:extLst>
           </p:cNvPr>
@@ -32580,7 +32720,7 @@
         </p:nvSpPr>
         <p:spPr>
           <a:xfrm>
-            <a:off x="10975929" y="1382087"/>
+            <a:off x="11084417" y="1476163"/>
             <a:ext cx="927279" cy="872108"/>
           </a:xfrm>
           <a:prstGeom prst="rect">
@@ -32615,17 +32755,17 @@
           <a:p>
             <a:pPr algn="ctr"/>
             <a:r>
-              <a:rPr lang="fa-IR" b="1" dirty="0">
+              <a:rPr lang="fa-IR" dirty="0">
                 <a:solidFill>
-                  <a:schemeClr val="bg1"/>
+                  <a:schemeClr val="tx1"/>
                 </a:solidFill>
                 <a:cs typeface="B Nazanin" panose="00000400000000000000" pitchFamily="2" charset="-78"/>
               </a:rPr>
               <a:t>مقدمه</a:t>
             </a:r>
-            <a:endParaRPr lang="en-US" b="1" dirty="0">
+            <a:endParaRPr lang="en-US" dirty="0">
               <a:solidFill>
-                <a:schemeClr val="bg1"/>
+                <a:schemeClr val="tx1"/>
               </a:solidFill>
               <a:cs typeface="B Nazanin" panose="00000400000000000000" pitchFamily="2" charset="-78"/>
             </a:endParaRPr>
@@ -32634,10 +32774,10 @@
       </p:sp>
       <p:sp>
         <p:nvSpPr>
-          <p:cNvPr id="14" name="Rectangle 13">
+          <p:cNvPr id="7" name="Rectangle 6">
             <a:extLst>
               <a:ext uri="{FF2B5EF4-FFF2-40B4-BE49-F238E27FC236}">
-                <a16:creationId xmlns:a16="http://schemas.microsoft.com/office/drawing/2014/main" id="{664EE215-A5CD-47E5-A210-D59CE7FFD76D}"/>
+                <a16:creationId xmlns:a16="http://schemas.microsoft.com/office/drawing/2014/main" id="{B420E5A3-32DC-4519-8E67-2DF912C68621}"/>
               </a:ext>
             </a:extLst>
           </p:cNvPr>
@@ -32646,38 +32786,26 @@
         </p:nvSpPr>
         <p:spPr>
           <a:xfrm>
-            <a:off x="10975929" y="2415082"/>
+            <a:off x="11084417" y="2455499"/>
             <a:ext cx="914400" cy="914400"/>
           </a:xfrm>
           <a:prstGeom prst="rect">
             <a:avLst/>
           </a:prstGeom>
-          <a:gradFill flip="none" rotWithShape="1">
-            <a:gsLst>
-              <a:gs pos="0">
-                <a:schemeClr val="accent1">
-                  <a:tint val="66000"/>
-                  <a:satMod val="160000"/>
-                </a:schemeClr>
-              </a:gs>
-              <a:gs pos="50000">
-                <a:schemeClr val="accent1">
-                  <a:tint val="44500"/>
-                  <a:satMod val="160000"/>
-                </a:schemeClr>
-              </a:gs>
-              <a:gs pos="100000">
-                <a:schemeClr val="accent1">
-                  <a:tint val="23500"/>
-                  <a:satMod val="160000"/>
-                </a:schemeClr>
-              </a:gs>
-            </a:gsLst>
-            <a:path path="circle">
-              <a:fillToRect l="100000" t="100000"/>
-            </a:path>
-            <a:tileRect r="-100000" b="-100000"/>
-          </a:gradFill>
+          <a:solidFill>
+            <a:schemeClr val="tx2">
+              <a:lumMod val="60000"/>
+              <a:lumOff val="40000"/>
+            </a:schemeClr>
+          </a:solidFill>
+          <a:ln>
+            <a:solidFill>
+              <a:schemeClr val="tx2">
+                <a:lumMod val="60000"/>
+                <a:lumOff val="40000"/>
+              </a:schemeClr>
+            </a:solidFill>
+          </a:ln>
         </p:spPr>
         <p:style>
           <a:lnRef idx="2">
@@ -32720,10 +32848,10 @@
       </p:sp>
       <p:sp>
         <p:nvSpPr>
-          <p:cNvPr id="15" name="Rectangle 14">
+          <p:cNvPr id="8" name="Rectangle 7">
             <a:extLst>
               <a:ext uri="{FF2B5EF4-FFF2-40B4-BE49-F238E27FC236}">
-                <a16:creationId xmlns:a16="http://schemas.microsoft.com/office/drawing/2014/main" id="{B290FDBA-BD70-4382-BD94-8C83B1EFA26B}"/>
+                <a16:creationId xmlns:a16="http://schemas.microsoft.com/office/drawing/2014/main" id="{30ADA281-566B-497E-9A6D-4687BC410F54}"/>
               </a:ext>
             </a:extLst>
           </p:cNvPr>
@@ -32732,38 +32860,20 @@
         </p:nvSpPr>
         <p:spPr>
           <a:xfrm>
-            <a:off x="10975929" y="3409406"/>
-            <a:ext cx="914400" cy="1173749"/>
+            <a:off x="11097296" y="3429000"/>
+            <a:ext cx="901520" cy="1234245"/>
           </a:xfrm>
           <a:prstGeom prst="rect">
             <a:avLst/>
           </a:prstGeom>
-          <a:gradFill flip="none" rotWithShape="1">
-            <a:gsLst>
-              <a:gs pos="0">
-                <a:schemeClr val="accent1">
-                  <a:tint val="66000"/>
-                  <a:satMod val="160000"/>
-                </a:schemeClr>
-              </a:gs>
-              <a:gs pos="50000">
-                <a:schemeClr val="accent1">
-                  <a:tint val="44500"/>
-                  <a:satMod val="160000"/>
-                </a:schemeClr>
-              </a:gs>
-              <a:gs pos="100000">
-                <a:schemeClr val="accent1">
-                  <a:tint val="23500"/>
-                  <a:satMod val="160000"/>
-                </a:schemeClr>
-              </a:gs>
-            </a:gsLst>
-            <a:path path="circle">
-              <a:fillToRect l="50000" t="50000" r="50000" b="50000"/>
-            </a:path>
-            <a:tileRect/>
-          </a:gradFill>
+          <a:solidFill>
+            <a:schemeClr val="accent1"/>
+          </a:solidFill>
+          <a:ln>
+            <a:solidFill>
+              <a:schemeClr val="accent1"/>
+            </a:solidFill>
+          </a:ln>
         </p:spPr>
         <p:style>
           <a:lnRef idx="2">
@@ -32806,10 +32916,10 @@
       </p:sp>
       <p:sp>
         <p:nvSpPr>
-          <p:cNvPr id="16" name="Rectangle 15">
+          <p:cNvPr id="9" name="Rectangle 8">
             <a:extLst>
               <a:ext uri="{FF2B5EF4-FFF2-40B4-BE49-F238E27FC236}">
-                <a16:creationId xmlns:a16="http://schemas.microsoft.com/office/drawing/2014/main" id="{4D311E31-5195-47CD-A235-02627C44419B}"/>
+                <a16:creationId xmlns:a16="http://schemas.microsoft.com/office/drawing/2014/main" id="{A4AA7B1A-76B9-4D9D-907C-868E92F7CA03}"/>
               </a:ext>
             </a:extLst>
           </p:cNvPr>
@@ -32818,38 +32928,15 @@
         </p:nvSpPr>
         <p:spPr>
           <a:xfrm>
-            <a:off x="10948455" y="4708310"/>
-            <a:ext cx="914400" cy="914400"/>
+            <a:off x="11110176" y="4722346"/>
+            <a:ext cx="901520" cy="987447"/>
           </a:xfrm>
           <a:prstGeom prst="rect">
             <a:avLst/>
           </a:prstGeom>
-          <a:gradFill flip="none" rotWithShape="1">
-            <a:gsLst>
-              <a:gs pos="0">
-                <a:schemeClr val="accent1">
-                  <a:tint val="66000"/>
-                  <a:satMod val="160000"/>
-                </a:schemeClr>
-              </a:gs>
-              <a:gs pos="50000">
-                <a:schemeClr val="accent1">
-                  <a:tint val="44500"/>
-                  <a:satMod val="160000"/>
-                </a:schemeClr>
-              </a:gs>
-              <a:gs pos="100000">
-                <a:schemeClr val="accent1">
-                  <a:tint val="23500"/>
-                  <a:satMod val="160000"/>
-                </a:schemeClr>
-              </a:gs>
-            </a:gsLst>
-            <a:path path="circle">
-              <a:fillToRect l="50000" t="50000" r="50000" b="50000"/>
-            </a:path>
-            <a:tileRect/>
-          </a:gradFill>
+          <a:solidFill>
+            <a:schemeClr val="accent1"/>
+          </a:solidFill>
         </p:spPr>
         <p:style>
           <a:lnRef idx="2">
@@ -32892,10 +32979,10 @@
       </p:sp>
       <p:sp>
         <p:nvSpPr>
-          <p:cNvPr id="17" name="Rectangle 16">
+          <p:cNvPr id="10" name="Rectangle 9">
             <a:extLst>
               <a:ext uri="{FF2B5EF4-FFF2-40B4-BE49-F238E27FC236}">
-                <a16:creationId xmlns:a16="http://schemas.microsoft.com/office/drawing/2014/main" id="{79C150C4-CA8A-4BD0-872C-F0EADBC75D59}"/>
+                <a16:creationId xmlns:a16="http://schemas.microsoft.com/office/drawing/2014/main" id="{43BA74E0-177B-4ABD-A8BC-BE4E97BCA6C6}"/>
               </a:ext>
             </a:extLst>
           </p:cNvPr>
@@ -32904,38 +32991,15 @@
         </p:nvSpPr>
         <p:spPr>
           <a:xfrm>
-            <a:off x="10975929" y="5747865"/>
+            <a:off x="11110176" y="5781229"/>
             <a:ext cx="914400" cy="1005335"/>
           </a:xfrm>
           <a:prstGeom prst="rect">
             <a:avLst/>
           </a:prstGeom>
-          <a:gradFill flip="none" rotWithShape="1">
-            <a:gsLst>
-              <a:gs pos="0">
-                <a:schemeClr val="accent1">
-                  <a:tint val="66000"/>
-                  <a:satMod val="160000"/>
-                </a:schemeClr>
-              </a:gs>
-              <a:gs pos="50000">
-                <a:schemeClr val="accent1">
-                  <a:tint val="44500"/>
-                  <a:satMod val="160000"/>
-                </a:schemeClr>
-              </a:gs>
-              <a:gs pos="100000">
-                <a:schemeClr val="accent1">
-                  <a:tint val="23500"/>
-                  <a:satMod val="160000"/>
-                </a:schemeClr>
-              </a:gs>
-            </a:gsLst>
-            <a:path path="circle">
-              <a:fillToRect l="50000" t="50000" r="50000" b="50000"/>
-            </a:path>
-            <a:tileRect/>
-          </a:gradFill>
+          <a:solidFill>
+            <a:schemeClr val="accent1"/>
+          </a:solidFill>
         </p:spPr>
         <p:style>
           <a:lnRef idx="2">
@@ -32959,56 +33023,32 @@
           <a:p>
             <a:pPr algn="ctr"/>
             <a:r>
-              <a:rPr lang="fa-IR" sz="1500" dirty="0">
+              <a:rPr lang="fa-IR" sz="1500" b="1" dirty="0">
                 <a:solidFill>
-                  <a:schemeClr val="tx1"/>
+                  <a:schemeClr val="bg1"/>
                 </a:solidFill>
                 <a:cs typeface="B Nazanin" panose="00000400000000000000" pitchFamily="2" charset="-78"/>
               </a:rPr>
               <a:t>نتیجه گیری و پیشنهادات</a:t>
             </a:r>
-            <a:endParaRPr lang="en-US" sz="1500" dirty="0">
+            <a:endParaRPr lang="en-US" sz="1500" b="1" dirty="0">
               <a:solidFill>
-                <a:schemeClr val="tx1"/>
+                <a:schemeClr val="bg1"/>
               </a:solidFill>
               <a:cs typeface="B Nazanin" panose="00000400000000000000" pitchFamily="2" charset="-78"/>
             </a:endParaRPr>
           </a:p>
         </p:txBody>
       </p:sp>
-      <p:pic>
-        <p:nvPicPr>
-          <p:cNvPr id="18" name="Content Placeholder 4">
+      <p:sp>
+        <p:nvSpPr>
+          <p:cNvPr id="4" name="Slide Number Placeholder 3">
             <a:extLst>
               <a:ext uri="{FF2B5EF4-FFF2-40B4-BE49-F238E27FC236}">
-                <a16:creationId xmlns:a16="http://schemas.microsoft.com/office/drawing/2014/main" id="{FFC612D3-09AD-4087-B6E0-96818F08FB9E}"/>
+                <a16:creationId xmlns:a16="http://schemas.microsoft.com/office/drawing/2014/main" id="{4D3EC6E1-19B6-4F98-B187-B4E263217E12}"/>
               </a:ext>
             </a:extLst>
           </p:cNvPr>
-          <p:cNvPicPr>
-            <a:picLocks noChangeAspect="1"/>
-          </p:cNvPicPr>
-          <p:nvPr/>
-        </p:nvPicPr>
-        <p:blipFill>
-          <a:blip r:embed="rId3"/>
-          <a:stretch>
-            <a:fillRect/>
-          </a:stretch>
-        </p:blipFill>
-        <p:spPr>
-          <a:xfrm>
-            <a:off x="2571521" y="1122797"/>
-            <a:ext cx="3736093" cy="1653613"/>
-          </a:xfrm>
-          <a:prstGeom prst="rect">
-            <a:avLst/>
-          </a:prstGeom>
-        </p:spPr>
-      </p:pic>
-      <p:sp>
-        <p:nvSpPr>
-          <p:cNvPr id="5" name="Slide Number Placeholder 4"/>
           <p:cNvSpPr>
             <a:spLocks noGrp="1"/>
           </p:cNvSpPr>
@@ -33024,11 +33064,15 @@
             <a:fld id="{D57F1E4F-1CFF-5643-939E-217C01CDF565}" type="slidenum">
               <a:rPr lang="en-US" smtClean="0"/>
               <a:pPr/>
-              <a:t>5</a:t>
+              <a:t>39</a:t>
             </a:fld>
             <a:r>
               <a:rPr lang="en-US"/>
-              <a:t>/37</a:t>
+              <a:t>/3</a:t>
+            </a:r>
+            <a:r>
+              <a:rPr lang="fa-IR"/>
+              <a:t>9</a:t>
             </a:r>
             <a:endParaRPr lang="en-US" dirty="0"/>
           </a:p>
@@ -33037,7 +33081,7 @@
     </p:spTree>
     <p:extLst>
       <p:ext uri="{BB962C8B-B14F-4D97-AF65-F5344CB8AC3E}">
-        <p14:creationId xmlns:p14="http://schemas.microsoft.com/office/powerpoint/2010/main" val="1764568196"/>
+        <p14:creationId xmlns:p14="http://schemas.microsoft.com/office/powerpoint/2010/main" val="1847395843"/>
       </p:ext>
     </p:extLst>
   </p:cSld>
@@ -33047,7 +33091,7 @@
 </p:sld>
 </file>
 
-<file path=ppt/slides/slide6.xml><?xml version="1.0" encoding="utf-8"?>
+<file path=ppt/slides/slide4.xml><?xml version="1.0" encoding="utf-8"?>
 <p:sld xmlns:a="http://schemas.openxmlformats.org/drawingml/2006/main" xmlns:r="http://schemas.openxmlformats.org/officeDocument/2006/relationships" xmlns:p="http://schemas.openxmlformats.org/presentationml/2006/main">
   <p:cSld>
     <p:spTree>
@@ -33076,8 +33120,8 @@
         </p:nvSpPr>
         <p:spPr>
           <a:xfrm>
-            <a:off x="1390208" y="591548"/>
-            <a:ext cx="8911687" cy="1160618"/>
+            <a:off x="1178779" y="634407"/>
+            <a:ext cx="8911687" cy="1054705"/>
           </a:xfrm>
         </p:spPr>
         <p:txBody>
@@ -33086,12 +33130,12 @@
           <a:p>
             <a:pPr algn="ctr"/>
             <a:r>
-              <a:rPr lang="fa-IR" dirty="0"/>
-              <a:t>شبکه ی دسترسی رادیویی ابری- </a:t>
-            </a:r>
-            <a:r>
-              <a:rPr lang="en-US" sz="3200" dirty="0"/>
-              <a:t>C-RAN</a:t>
+              <a:rPr lang="fa-IR" b="1" dirty="0"/>
+              <a:t>نسل پنجم مخابرات </a:t>
+            </a:r>
+            <a:r>
+              <a:rPr lang="en-US" sz="3200" b="1" dirty="0"/>
+              <a:t>5G</a:t>
             </a:r>
           </a:p>
         </p:txBody>
@@ -33108,13 +33152,13 @@
         </p:nvSpPr>
         <p:spPr>
           <a:xfrm>
-            <a:off x="1624615" y="1382087"/>
-            <a:ext cx="9249376" cy="4834730"/>
+            <a:off x="668618" y="1449300"/>
+            <a:ext cx="9514412" cy="5093958"/>
           </a:xfrm>
         </p:spPr>
         <p:txBody>
           <a:bodyPr>
-            <a:normAutofit lnSpcReduction="10000"/>
+            <a:normAutofit fontScale="92500" lnSpcReduction="10000"/>
           </a:bodyPr>
           <a:lstStyle/>
           <a:p>
@@ -33123,143 +33167,60 @@
               <a:buChar char="Ø"/>
             </a:pPr>
             <a:r>
-              <a:rPr lang="fa-IR" b="1" dirty="0"/>
-              <a:t>واحد مرکزی باند پایه-</a:t>
-            </a:r>
-            <a:r>
-              <a:rPr lang="en-US" sz="2000" b="1" dirty="0"/>
-              <a:t>Centralized Based Band Unit</a:t>
-            </a:r>
-            <a:endParaRPr lang="fa-IR" sz="2000" b="1" dirty="0"/>
-          </a:p>
-          <a:p>
-            <a:pPr lvl="1" algn="r" rtl="1">
-              <a:buFont typeface="Wingdings" panose="05000000000000000000" pitchFamily="2" charset="2"/>
-              <a:buChar char="Ø"/>
-            </a:pPr>
-            <a:r>
-              <a:rPr lang="fa-IR" dirty="0"/>
-              <a:t>شکل گیری </a:t>
-            </a:r>
-            <a:r>
-              <a:rPr lang="en-US" sz="1800" dirty="0"/>
-              <a:t>BBU</a:t>
-            </a:r>
-            <a:r>
-              <a:rPr lang="fa-IR" dirty="0"/>
-              <a:t> ها به صورت یک مجموعه ی واحد تحت عنوان </a:t>
-            </a:r>
-            <a:r>
-              <a:rPr lang="en-US" sz="1800" dirty="0"/>
-              <a:t>BBU Pool</a:t>
-            </a:r>
-            <a:endParaRPr lang="fa-IR" sz="1800" dirty="0"/>
-          </a:p>
-          <a:p>
-            <a:pPr lvl="2" algn="r" rtl="1">
-              <a:buFont typeface="Wingdings" panose="05000000000000000000" pitchFamily="2" charset="2"/>
-              <a:buChar char="Ø"/>
-            </a:pPr>
-            <a:r>
-              <a:rPr lang="fa-IR" dirty="0"/>
-              <a:t>در راستای بهینه سازی عملکرد </a:t>
-            </a:r>
-            <a:r>
-              <a:rPr lang="en-US" sz="1600" dirty="0"/>
-              <a:t>BBU</a:t>
-            </a:r>
-            <a:r>
-              <a:rPr lang="fa-IR" dirty="0"/>
-              <a:t> ها در مواجهه باایستگاههای پایه پر ترافیک و کم ترافیک</a:t>
-            </a:r>
-          </a:p>
-          <a:p>
-            <a:pPr lvl="1" algn="r" rtl="1">
-              <a:buFont typeface="Wingdings" panose="05000000000000000000" pitchFamily="2" charset="2"/>
-              <a:buChar char="Ø"/>
-            </a:pPr>
-            <a:r>
-              <a:rPr lang="fa-IR" dirty="0"/>
-              <a:t>به اشتراک گزاری این مجموعه بین چندین سلول</a:t>
-            </a:r>
-          </a:p>
-          <a:p>
-            <a:pPr lvl="1" algn="r" rtl="1">
-              <a:buFont typeface="Wingdings" panose="05000000000000000000" pitchFamily="2" charset="2"/>
-              <a:buChar char="Ø"/>
-            </a:pPr>
-            <a:r>
-              <a:rPr lang="fa-IR" dirty="0"/>
-              <a:t>در نظر گرفتن </a:t>
-            </a:r>
-            <a:r>
-              <a:rPr lang="en-US" sz="1800" dirty="0"/>
-              <a:t>BBU Pool</a:t>
-            </a:r>
-            <a:r>
-              <a:rPr lang="fa-IR" dirty="0"/>
-              <a:t> به عنوان یک خوشه ی مجازی</a:t>
-            </a:r>
-            <a:r>
-              <a:rPr lang="en-US" dirty="0"/>
+              <a:rPr lang="fa-IR" dirty="0">
+                <a:solidFill>
+                  <a:schemeClr val="tx1"/>
+                </a:solidFill>
+              </a:rPr>
+              <a:t>مزایای </a:t>
+            </a:r>
+            <a:r>
+              <a:rPr lang="en-US" sz="1800" dirty="0">
+                <a:solidFill>
+                  <a:schemeClr val="tx1"/>
+                </a:solidFill>
+              </a:rPr>
+              <a:t>5G</a:t>
+            </a:r>
+            <a:r>
+              <a:rPr lang="fa-IR" sz="2400" dirty="0">
+                <a:solidFill>
+                  <a:schemeClr val="tx1"/>
+                </a:solidFill>
+              </a:rPr>
               <a:t> </a:t>
             </a:r>
             <a:r>
-              <a:rPr lang="fa-IR" dirty="0"/>
-              <a:t>که شامل پردازش گرهایی است که پردازش های باند پایه را انجام می دهند</a:t>
-            </a:r>
-          </a:p>
-          <a:p>
-            <a:pPr lvl="1" algn="r" rtl="1">
-              <a:buFont typeface="Wingdings" panose="05000000000000000000" pitchFamily="2" charset="2"/>
-              <a:buChar char="Ø"/>
-            </a:pPr>
-            <a:r>
-              <a:rPr lang="fa-IR" b="1" dirty="0"/>
+              <a:rPr lang="fa-IR" dirty="0">
+                <a:solidFill>
+                  <a:schemeClr val="tx1"/>
+                </a:solidFill>
+              </a:rPr>
+              <a:t>در برابر </a:t>
+            </a:r>
+            <a:r>
+              <a:rPr lang="en-US" sz="1800" dirty="0">
+                <a:solidFill>
+                  <a:schemeClr val="tx1"/>
+                </a:solidFill>
+              </a:rPr>
+              <a:t>4G</a:t>
+            </a:r>
+            <a:r>
+              <a:rPr lang="fa-IR" sz="2400" dirty="0">
+                <a:solidFill>
+                  <a:schemeClr val="tx1"/>
+                </a:solidFill>
+              </a:rPr>
               <a:t> </a:t>
             </a:r>
             <a:r>
-              <a:rPr lang="fa-IR" sz="2400" b="1" dirty="0"/>
-              <a:t>لینک</a:t>
-            </a:r>
-            <a:r>
-              <a:rPr lang="fa-IR" b="1" dirty="0"/>
-              <a:t> </a:t>
-            </a:r>
-            <a:r>
-              <a:rPr lang="en-US" b="1" dirty="0"/>
-              <a:t>Fronthaul</a:t>
-            </a:r>
-            <a:r>
-              <a:rPr lang="fa-IR" b="1" dirty="0"/>
-              <a:t> </a:t>
-            </a:r>
-            <a:endParaRPr lang="en-US" b="1" dirty="0"/>
-          </a:p>
-          <a:p>
-            <a:pPr lvl="2">
-              <a:buFont typeface="Wingdings" panose="05000000000000000000" pitchFamily="2" charset="2"/>
-              <a:buChar char="Ø"/>
-            </a:pPr>
-            <a:r>
-              <a:rPr lang="fa-IR" sz="2000" dirty="0"/>
-              <a:t>به مرحله ی اتصال سایت های </a:t>
-            </a:r>
-            <a:r>
-              <a:rPr lang="en-US" dirty="0"/>
-              <a:t>RRH</a:t>
-            </a:r>
-            <a:r>
-              <a:rPr lang="fa-IR" dirty="0"/>
-              <a:t> </a:t>
-            </a:r>
-            <a:r>
-              <a:rPr lang="fa-IR" sz="2000" dirty="0"/>
-              <a:t>به</a:t>
-            </a:r>
-            <a:r>
-              <a:rPr lang="en-US" dirty="0"/>
-              <a:t> BBU Pool </a:t>
+              <a:rPr lang="fa-IR" dirty="0">
+                <a:solidFill>
+                  <a:schemeClr val="tx1"/>
+                </a:solidFill>
+              </a:rPr>
+              <a:t>:</a:t>
             </a:r>
           </a:p>
           <a:p>
@@ -33268,74 +33229,234 @@
               <a:buChar char="Ø"/>
             </a:pPr>
             <a:r>
-              <a:rPr lang="en-US" b="1" dirty="0"/>
-              <a:t>Backhaul</a:t>
-            </a:r>
-            <a:endParaRPr lang="fa-IR" b="1" dirty="0"/>
-          </a:p>
-          <a:p>
-            <a:pPr lvl="2"/>
-            <a:r>
-              <a:rPr lang="fa-IR" dirty="0"/>
-              <a:t>اتصال </a:t>
-            </a:r>
-            <a:r>
-              <a:rPr lang="en-US" sz="1600" dirty="0"/>
-              <a:t>BBU Pool</a:t>
+              <a:rPr lang="fa-IR" dirty="0">
+                <a:solidFill>
+                  <a:schemeClr val="tx1"/>
+                </a:solidFill>
+              </a:rPr>
+              <a:t>ارائه طیف بالاتر و بهره وری انرژی بیشتر</a:t>
+            </a:r>
+            <a:endParaRPr lang="en-US" dirty="0">
+              <a:solidFill>
+                <a:schemeClr val="tx1"/>
+              </a:solidFill>
+            </a:endParaRPr>
+          </a:p>
+          <a:p>
+            <a:pPr lvl="1">
+              <a:buFont typeface="Wingdings" panose="05000000000000000000" pitchFamily="2" charset="2"/>
+              <a:buChar char="Ø"/>
+            </a:pPr>
+            <a:r>
+              <a:rPr lang="fa-IR" dirty="0">
+                <a:solidFill>
+                  <a:schemeClr val="tx1"/>
+                </a:solidFill>
+              </a:rPr>
+              <a:t>دستیابی</a:t>
+            </a:r>
+            <a:r>
+              <a:rPr lang="en-US" sz="1800" dirty="0">
+                <a:solidFill>
+                  <a:schemeClr val="tx1"/>
+                </a:solidFill>
+              </a:rPr>
+              <a:t>5G</a:t>
+            </a:r>
+            <a:r>
+              <a:rPr lang="en-US" dirty="0">
+                <a:solidFill>
+                  <a:schemeClr val="tx1"/>
+                </a:solidFill>
+              </a:rPr>
+              <a:t> </a:t>
+            </a:r>
+            <a:r>
+              <a:rPr lang="fa-IR" dirty="0">
+                <a:solidFill>
+                  <a:schemeClr val="tx1"/>
+                </a:solidFill>
+              </a:rPr>
+              <a:t> به رشد ظرفیت سیستم با ضریب حداقل 1000</a:t>
+            </a:r>
+          </a:p>
+          <a:p>
+            <a:pPr lvl="1">
+              <a:buFont typeface="Wingdings" panose="05000000000000000000" pitchFamily="2" charset="2"/>
+              <a:buChar char="Ø"/>
+            </a:pPr>
+            <a:r>
+              <a:rPr lang="fa-IR" dirty="0">
+                <a:solidFill>
+                  <a:schemeClr val="tx1"/>
+                </a:solidFill>
+              </a:rPr>
+              <a:t> بهینه سازی انرژی با ضریب حداقل 10</a:t>
+            </a:r>
+          </a:p>
+          <a:p>
+            <a:pPr>
+              <a:buFont typeface="Wingdings" panose="05000000000000000000" pitchFamily="2" charset="2"/>
+              <a:buChar char="Ø"/>
+            </a:pPr>
+            <a:r>
+              <a:rPr lang="fa-IR" dirty="0">
+                <a:solidFill>
+                  <a:schemeClr val="tx1"/>
+                </a:solidFill>
+              </a:rPr>
+              <a:t>شامل یک شبکه ی فشرده با هسته ی هوشمند و منعطف</a:t>
+            </a:r>
+          </a:p>
+          <a:p>
+            <a:pPr>
+              <a:buFont typeface="Wingdings" panose="05000000000000000000" pitchFamily="2" charset="2"/>
+              <a:buChar char="Ø"/>
+            </a:pPr>
+            <a:r>
+              <a:rPr lang="fa-IR" dirty="0">
+                <a:solidFill>
+                  <a:schemeClr val="tx1"/>
+                </a:solidFill>
+              </a:rPr>
+              <a:t>فناوری های مورد استفاده</a:t>
+            </a:r>
+            <a:endParaRPr lang="en-US" dirty="0">
+              <a:solidFill>
+                <a:schemeClr val="tx1"/>
+              </a:solidFill>
+            </a:endParaRPr>
+          </a:p>
+          <a:p>
+            <a:pPr lvl="1"/>
+            <a:r>
+              <a:rPr lang="ar-IQ" dirty="0"/>
+              <a:t>شبکه ی تعریف شده ی نرم افزاری </a:t>
             </a:r>
             <a:r>
               <a:rPr lang="en-US" dirty="0"/>
+              <a:t>SDN</a:t>
+            </a:r>
+            <a:r>
+              <a:rPr lang="ar-IQ" dirty="0"/>
               <a:t> </a:t>
             </a:r>
-            <a:r>
-              <a:rPr lang="fa-IR" dirty="0"/>
-              <a:t> به هسته ی شبکه ی سیار</a:t>
-            </a:r>
-          </a:p>
-          <a:p>
-            <a:pPr marL="457200" lvl="1" indent="0" algn="r" rtl="1">
+            <a:endParaRPr lang="en-US" dirty="0">
+              <a:solidFill>
+                <a:schemeClr val="tx1"/>
+              </a:solidFill>
+            </a:endParaRPr>
+          </a:p>
+          <a:p>
+            <a:pPr lvl="1"/>
+            <a:r>
+              <a:rPr lang="fa-IR" dirty="0">
+                <a:solidFill>
+                  <a:schemeClr val="tx1"/>
+                </a:solidFill>
+              </a:rPr>
+              <a:t>برش شبکه</a:t>
+            </a:r>
+          </a:p>
+          <a:p>
+            <a:pPr lvl="1"/>
+            <a:r>
+              <a:rPr lang="fa-IR" dirty="0">
+                <a:solidFill>
+                  <a:schemeClr val="tx1"/>
+                </a:solidFill>
+              </a:rPr>
+              <a:t>مجازی سازی توابع شبکه</a:t>
+            </a:r>
+          </a:p>
+          <a:p>
+            <a:pPr lvl="1">
+              <a:buFont typeface="Wingdings" panose="05000000000000000000" pitchFamily="2" charset="2"/>
+              <a:buChar char="Ø"/>
+            </a:pPr>
+            <a:r>
+              <a:rPr lang="fa-IR" dirty="0">
+                <a:solidFill>
+                  <a:schemeClr val="tx1"/>
+                </a:solidFill>
+              </a:rPr>
+              <a:t>موج میلیمتری</a:t>
+            </a:r>
+          </a:p>
+          <a:p>
+            <a:pPr lvl="1">
+              <a:buFont typeface="Wingdings" panose="05000000000000000000" pitchFamily="2" charset="2"/>
+              <a:buChar char="Ø"/>
+            </a:pPr>
+            <a:r>
+              <a:rPr lang="en-US" dirty="0">
+                <a:solidFill>
+                  <a:schemeClr val="tx1"/>
+                </a:solidFill>
+              </a:rPr>
+              <a:t>femtocell</a:t>
+            </a:r>
+            <a:endParaRPr lang="fa-IR" dirty="0">
+              <a:solidFill>
+                <a:schemeClr val="tx1"/>
+              </a:solidFill>
+            </a:endParaRPr>
+          </a:p>
+          <a:p>
+            <a:pPr lvl="1">
+              <a:buFont typeface="Wingdings" panose="05000000000000000000" pitchFamily="2" charset="2"/>
+              <a:buChar char="Ø"/>
+            </a:pPr>
+            <a:r>
+              <a:rPr lang="en-US" sz="1800" dirty="0">
+                <a:solidFill>
+                  <a:schemeClr val="tx1"/>
+                </a:solidFill>
+              </a:rPr>
+              <a:t>Massive MIMO</a:t>
+            </a:r>
+            <a:endParaRPr lang="fa-IR" sz="1800" dirty="0">
+              <a:solidFill>
+                <a:schemeClr val="tx1"/>
+              </a:solidFill>
+            </a:endParaRPr>
+          </a:p>
+          <a:p>
+            <a:pPr lvl="1">
+              <a:buFont typeface="Wingdings" panose="05000000000000000000" pitchFamily="2" charset="2"/>
+              <a:buChar char="Ø"/>
+            </a:pPr>
+            <a:r>
+              <a:rPr lang="en-US" sz="1800" dirty="0">
+                <a:solidFill>
+                  <a:schemeClr val="tx1"/>
+                </a:solidFill>
+              </a:rPr>
+              <a:t>ORAN</a:t>
+            </a:r>
+          </a:p>
+          <a:p>
+            <a:pPr lvl="1">
+              <a:buFont typeface="Wingdings" panose="05000000000000000000" pitchFamily="2" charset="2"/>
+              <a:buChar char="Ø"/>
+            </a:pPr>
+            <a:endParaRPr lang="fa-IR" dirty="0">
+              <a:solidFill>
+                <a:schemeClr val="tx1"/>
+              </a:solidFill>
+            </a:endParaRPr>
+          </a:p>
+          <a:p>
+            <a:pPr marL="0" indent="0">
               <a:buNone/>
             </a:pPr>
-            <a:br>
-              <a:rPr lang="en-US" dirty="0"/>
-            </a:br>
             <a:endParaRPr lang="en-US" dirty="0"/>
           </a:p>
         </p:txBody>
       </p:sp>
-      <p:pic>
-        <p:nvPicPr>
-          <p:cNvPr id="5" name="Picture 4"/>
-          <p:cNvPicPr>
-            <a:picLocks noChangeAspect="1"/>
-          </p:cNvPicPr>
-          <p:nvPr/>
-        </p:nvPicPr>
-        <p:blipFill>
-          <a:blip r:embed="rId2"/>
-          <a:stretch>
-            <a:fillRect/>
-          </a:stretch>
-        </p:blipFill>
-        <p:spPr>
-          <a:xfrm>
-            <a:off x="738495" y="3409406"/>
-            <a:ext cx="4454236" cy="1803054"/>
-          </a:xfrm>
-          <a:prstGeom prst="rect">
-            <a:avLst/>
-          </a:prstGeom>
-        </p:spPr>
-      </p:pic>
-      <p:sp>
-        <p:nvSpPr>
-          <p:cNvPr id="12" name="Rounded Rectangle 10">
-            <a:extLst>
-              <a:ext uri="{FF2B5EF4-FFF2-40B4-BE49-F238E27FC236}">
-                <a16:creationId xmlns:a16="http://schemas.microsoft.com/office/drawing/2014/main" id="{5A6EA133-C8C5-4472-BE96-3365D634D2F9}"/>
-              </a:ext>
-            </a:extLst>
-          </p:cNvPr>
+      <p:sp>
+        <p:nvSpPr>
+          <p:cNvPr id="11" name="Rounded Rectangle 10"/>
           <p:cNvSpPr/>
           <p:nvPr/>
         </p:nvSpPr>
@@ -33406,13 +33527,7 @@
       </p:sp>
       <p:sp>
         <p:nvSpPr>
-          <p:cNvPr id="13" name="Rectangle 12">
-            <a:extLst>
-              <a:ext uri="{FF2B5EF4-FFF2-40B4-BE49-F238E27FC236}">
-                <a16:creationId xmlns:a16="http://schemas.microsoft.com/office/drawing/2014/main" id="{56A5DBD6-5281-4B16-BF19-A4A2DF2D452A}"/>
-              </a:ext>
-            </a:extLst>
-          </p:cNvPr>
+          <p:cNvPr id="12" name="Rectangle 11"/>
           <p:cNvSpPr/>
           <p:nvPr/>
         </p:nvSpPr>
@@ -33472,13 +33587,7 @@
       </p:sp>
       <p:sp>
         <p:nvSpPr>
-          <p:cNvPr id="14" name="Rectangle 13">
-            <a:extLst>
-              <a:ext uri="{FF2B5EF4-FFF2-40B4-BE49-F238E27FC236}">
-                <a16:creationId xmlns:a16="http://schemas.microsoft.com/office/drawing/2014/main" id="{F3516286-D3B6-442E-91FF-D3A7286CCAD7}"/>
-              </a:ext>
-            </a:extLst>
-          </p:cNvPr>
+          <p:cNvPr id="13" name="Rectangle 12"/>
           <p:cNvSpPr/>
           <p:nvPr/>
         </p:nvSpPr>
@@ -33558,13 +33667,7 @@
       </p:sp>
       <p:sp>
         <p:nvSpPr>
-          <p:cNvPr id="15" name="Rectangle 14">
-            <a:extLst>
-              <a:ext uri="{FF2B5EF4-FFF2-40B4-BE49-F238E27FC236}">
-                <a16:creationId xmlns:a16="http://schemas.microsoft.com/office/drawing/2014/main" id="{61AE9E62-7F04-472B-BEAD-1446FD39AB19}"/>
-              </a:ext>
-            </a:extLst>
-          </p:cNvPr>
+          <p:cNvPr id="14" name="Rectangle 13"/>
           <p:cNvSpPr/>
           <p:nvPr/>
         </p:nvSpPr>
@@ -33644,13 +33747,7 @@
       </p:sp>
       <p:sp>
         <p:nvSpPr>
-          <p:cNvPr id="16" name="Rectangle 15">
-            <a:extLst>
-              <a:ext uri="{FF2B5EF4-FFF2-40B4-BE49-F238E27FC236}">
-                <a16:creationId xmlns:a16="http://schemas.microsoft.com/office/drawing/2014/main" id="{003D5EF3-72A1-40B5-903C-D50A3DB3C8C1}"/>
-              </a:ext>
-            </a:extLst>
-          </p:cNvPr>
+          <p:cNvPr id="15" name="Rectangle 14"/>
           <p:cNvSpPr/>
           <p:nvPr/>
         </p:nvSpPr>
@@ -33730,13 +33827,7 @@
       </p:sp>
       <p:sp>
         <p:nvSpPr>
-          <p:cNvPr id="17" name="Rectangle 16">
-            <a:extLst>
-              <a:ext uri="{FF2B5EF4-FFF2-40B4-BE49-F238E27FC236}">
-                <a16:creationId xmlns:a16="http://schemas.microsoft.com/office/drawing/2014/main" id="{E0CABA0D-B182-4C05-BE53-A0A9ECED6C47}"/>
-              </a:ext>
-            </a:extLst>
-          </p:cNvPr>
+          <p:cNvPr id="16" name="Rectangle 15"/>
           <p:cNvSpPr/>
           <p:nvPr/>
         </p:nvSpPr>
@@ -33814,39 +33905,15 @@
           </a:p>
         </p:txBody>
       </p:sp>
-      <p:pic>
-        <p:nvPicPr>
-          <p:cNvPr id="18" name="Content Placeholder 4">
+      <p:sp>
+        <p:nvSpPr>
+          <p:cNvPr id="5" name="Slide Number Placeholder 4">
             <a:extLst>
               <a:ext uri="{FF2B5EF4-FFF2-40B4-BE49-F238E27FC236}">
-                <a16:creationId xmlns:a16="http://schemas.microsoft.com/office/drawing/2014/main" id="{5A36D180-C238-4BC3-8898-A9BEA365C0D0}"/>
+                <a16:creationId xmlns:a16="http://schemas.microsoft.com/office/drawing/2014/main" id="{723D8EBB-EFB6-4342-8757-582748EDF95D}"/>
               </a:ext>
             </a:extLst>
           </p:cNvPr>
-          <p:cNvPicPr>
-            <a:picLocks noChangeAspect="1"/>
-          </p:cNvPicPr>
-          <p:nvPr/>
-        </p:nvPicPr>
-        <p:blipFill>
-          <a:blip r:embed="rId3"/>
-          <a:stretch>
-            <a:fillRect/>
-          </a:stretch>
-        </p:blipFill>
-        <p:spPr>
-          <a:xfrm>
-            <a:off x="738495" y="5165510"/>
-            <a:ext cx="3183320" cy="1662505"/>
-          </a:xfrm>
-          <a:prstGeom prst="rect">
-            <a:avLst/>
-          </a:prstGeom>
-        </p:spPr>
-      </p:pic>
-      <p:sp>
-        <p:nvSpPr>
-          <p:cNvPr id="6" name="Slide Number Placeholder 5"/>
           <p:cNvSpPr>
             <a:spLocks noGrp="1"/>
           </p:cNvSpPr>
@@ -33862,11 +33929,15 @@
             <a:fld id="{D57F1E4F-1CFF-5643-939E-217C01CDF565}" type="slidenum">
               <a:rPr lang="en-US" smtClean="0"/>
               <a:pPr/>
-              <a:t>6</a:t>
+              <a:t>4</a:t>
             </a:fld>
             <a:r>
               <a:rPr lang="en-US"/>
-              <a:t>/37</a:t>
+              <a:t>/3</a:t>
+            </a:r>
+            <a:r>
+              <a:rPr lang="fa-IR"/>
+              <a:t>9</a:t>
             </a:r>
             <a:endParaRPr lang="en-US" dirty="0"/>
           </a:p>
@@ -33875,7 +33946,7 @@
     </p:spTree>
     <p:extLst>
       <p:ext uri="{BB962C8B-B14F-4D97-AF65-F5344CB8AC3E}">
-        <p14:creationId xmlns:p14="http://schemas.microsoft.com/office/powerpoint/2010/main" val="2107054461"/>
+        <p14:creationId xmlns:p14="http://schemas.microsoft.com/office/powerpoint/2010/main" val="3427082847"/>
       </p:ext>
     </p:extLst>
   </p:cSld>
@@ -33885,7 +33956,7 @@
 </p:sld>
 </file>
 
-<file path=ppt/slides/slide7.xml><?xml version="1.0" encoding="utf-8"?>
+<file path=ppt/slides/slide40.xml><?xml version="1.0" encoding="utf-8"?>
 <p:sld xmlns:a="http://schemas.openxmlformats.org/drawingml/2006/main" xmlns:r="http://schemas.openxmlformats.org/officeDocument/2006/relationships" xmlns:p="http://schemas.openxmlformats.org/presentationml/2006/main">
   <p:cSld>
     <p:spTree>
@@ -33904,6 +33975,108 @@
       </p:grpSpPr>
       <p:sp>
         <p:nvSpPr>
+          <p:cNvPr id="2" name="Title 1">
+            <a:extLst>
+              <a:ext uri="{FF2B5EF4-FFF2-40B4-BE49-F238E27FC236}">
+                <a16:creationId xmlns:a16="http://schemas.microsoft.com/office/drawing/2014/main" id="{2760E7C4-AF64-449B-B817-4889A73A52AA}"/>
+              </a:ext>
+            </a:extLst>
+          </p:cNvPr>
+          <p:cNvSpPr>
+            <a:spLocks noGrp="1"/>
+          </p:cNvSpPr>
+          <p:nvPr>
+            <p:ph type="title"/>
+          </p:nvPr>
+        </p:nvSpPr>
+        <p:spPr>
+          <a:xfrm>
+            <a:off x="2478540" y="2678410"/>
+            <a:ext cx="8911687" cy="1280890"/>
+          </a:xfrm>
+        </p:spPr>
+        <p:txBody>
+          <a:bodyPr/>
+          <a:lstStyle/>
+          <a:p>
+            <a:r>
+              <a:rPr lang="fa-IR" dirty="0"/>
+              <a:t>با تشکر فراوان </a:t>
+            </a:r>
+            <a:endParaRPr lang="en-US" dirty="0"/>
+          </a:p>
+        </p:txBody>
+      </p:sp>
+      <p:sp>
+        <p:nvSpPr>
+          <p:cNvPr id="3" name="Slide Number Placeholder 2">
+            <a:extLst>
+              <a:ext uri="{FF2B5EF4-FFF2-40B4-BE49-F238E27FC236}">
+                <a16:creationId xmlns:a16="http://schemas.microsoft.com/office/drawing/2014/main" id="{191BE204-428F-457D-A733-B19DFA2B31AC}"/>
+              </a:ext>
+            </a:extLst>
+          </p:cNvPr>
+          <p:cNvSpPr>
+            <a:spLocks noGrp="1"/>
+          </p:cNvSpPr>
+          <p:nvPr>
+            <p:ph type="sldNum" sz="quarter" idx="12"/>
+          </p:nvPr>
+        </p:nvSpPr>
+        <p:spPr/>
+        <p:txBody>
+          <a:bodyPr/>
+          <a:lstStyle/>
+          <a:p>
+            <a:fld id="{D57F1E4F-1CFF-5643-939E-217C01CDF565}" type="slidenum">
+              <a:rPr lang="en-US" smtClean="0"/>
+              <a:pPr/>
+              <a:t>40</a:t>
+            </a:fld>
+            <a:r>
+              <a:rPr lang="en-US"/>
+              <a:t>/3</a:t>
+            </a:r>
+            <a:r>
+              <a:rPr lang="fa-IR"/>
+              <a:t>9</a:t>
+            </a:r>
+            <a:endParaRPr lang="en-US" dirty="0"/>
+          </a:p>
+        </p:txBody>
+      </p:sp>
+    </p:spTree>
+    <p:extLst>
+      <p:ext uri="{BB962C8B-B14F-4D97-AF65-F5344CB8AC3E}">
+        <p14:creationId xmlns:p14="http://schemas.microsoft.com/office/powerpoint/2010/main" val="1741780493"/>
+      </p:ext>
+    </p:extLst>
+  </p:cSld>
+  <p:clrMapOvr>
+    <a:masterClrMapping/>
+  </p:clrMapOvr>
+</p:sld>
+</file>
+
+<file path=ppt/slides/slide5.xml><?xml version="1.0" encoding="utf-8"?>
+<p:sld xmlns:a="http://schemas.openxmlformats.org/drawingml/2006/main" xmlns:r="http://schemas.openxmlformats.org/officeDocument/2006/relationships" xmlns:p="http://schemas.openxmlformats.org/presentationml/2006/main">
+  <p:cSld>
+    <p:spTree>
+      <p:nvGrpSpPr>
+        <p:cNvPr id="1" name=""/>
+        <p:cNvGrpSpPr/>
+        <p:nvPr/>
+      </p:nvGrpSpPr>
+      <p:grpSpPr>
+        <a:xfrm>
+          <a:off x="0" y="0"/>
+          <a:ext cx="0" cy="0"/>
+          <a:chOff x="0" y="0"/>
+          <a:chExt cx="0" cy="0"/>
+        </a:xfrm>
+      </p:grpSpPr>
+      <p:sp>
+        <p:nvSpPr>
           <p:cNvPr id="2" name="Title 1"/>
           <p:cNvSpPr>
             <a:spLocks noGrp="1"/>
@@ -33912,15 +34085,34 @@
             <p:ph type="title"/>
           </p:nvPr>
         </p:nvSpPr>
-        <p:spPr/>
+        <p:spPr>
+          <a:xfrm>
+            <a:off x="1608986" y="391197"/>
+            <a:ext cx="8911687" cy="1280890"/>
+          </a:xfrm>
+        </p:spPr>
         <p:txBody>
           <a:bodyPr/>
           <a:lstStyle/>
           <a:p>
+            <a:pPr algn="ctr" rtl="1"/>
+            <a:r>
+              <a:rPr lang="fa-IR" dirty="0"/>
+              <a:t>تکامل ساختار ایستگاه های پایه(</a:t>
+            </a:r>
             <a:r>
               <a:rPr lang="en-US" dirty="0"/>
-              <a:t>XRAN</a:t>
-            </a:r>
+              <a:t> (</a:t>
+            </a:r>
+            <a:r>
+              <a:rPr lang="en-US" sz="3200" dirty="0"/>
+              <a:t>BS</a:t>
+            </a:r>
+            <a:r>
+              <a:rPr lang="fa-IR" dirty="0"/>
+              <a:t>ها</a:t>
+            </a:r>
+            <a:endParaRPr lang="en-US" dirty="0"/>
           </a:p>
         </p:txBody>
       </p:sp>
@@ -33936,162 +34128,165 @@
         </p:nvSpPr>
         <p:spPr>
           <a:xfrm>
-            <a:off x="1598506" y="1580606"/>
-            <a:ext cx="9253358" cy="4325245"/>
-          </a:xfrm>
-        </p:spPr>
-        <p:txBody>
-          <a:bodyPr/>
-          <a:lstStyle/>
-          <a:p>
-            <a:r>
-              <a:rPr lang="ar-IQ" dirty="0"/>
-              <a:t>یک جایگزین انعطاف پذیر و باز برای</a:t>
+            <a:off x="376369" y="1569603"/>
+            <a:ext cx="10131425" cy="4165600"/>
+          </a:xfrm>
+        </p:spPr>
+        <p:txBody>
+          <a:bodyPr anchor="t"/>
+          <a:lstStyle/>
+          <a:p>
+            <a:pPr algn="r" rtl="1">
+              <a:buFont typeface="Wingdings" panose="05000000000000000000" pitchFamily="2" charset="2"/>
+              <a:buChar char="Ø"/>
+            </a:pPr>
+            <a:r>
+              <a:rPr lang="fa-IR" dirty="0"/>
+              <a:t>ساختار های سنتی </a:t>
+            </a:r>
+          </a:p>
+          <a:p>
+            <a:pPr algn="r" rtl="1">
+              <a:buFont typeface="Wingdings" panose="05000000000000000000" pitchFamily="2" charset="2"/>
+              <a:buChar char="Ø"/>
+            </a:pPr>
+            <a:r>
+              <a:rPr lang="fa-IR" dirty="0"/>
+              <a:t>ایستگاه های پایه با </a:t>
+            </a:r>
+            <a:r>
+              <a:rPr lang="en-US" sz="1800" dirty="0"/>
+              <a:t>RRH</a:t>
             </a:r>
             <a:r>
               <a:rPr lang="fa-IR" dirty="0"/>
               <a:t> </a:t>
             </a:r>
+            <a:endParaRPr lang="en-US" dirty="0"/>
+          </a:p>
+          <a:p>
+            <a:pPr algn="r" rtl="1">
+              <a:buFont typeface="Wingdings" panose="05000000000000000000" pitchFamily="2" charset="2"/>
+              <a:buChar char="Ø"/>
+            </a:pPr>
+            <a:r>
+              <a:rPr lang="fa-IR" dirty="0"/>
+              <a:t>شبکه های دسترسی رادیوی ابری</a:t>
+            </a:r>
+          </a:p>
+          <a:p>
+            <a:pPr lvl="2"/>
             <a:r>
               <a:rPr lang="en-US" dirty="0"/>
-              <a:t>RAN</a:t>
-            </a:r>
-            <a:r>
-              <a:rPr lang="fa-IR" dirty="0"/>
-              <a:t> </a:t>
-            </a:r>
-            <a:r>
-              <a:rPr lang="ar-IQ" dirty="0"/>
-              <a:t>مبتنی بر سخت افزار سنتی بدست آمده‌است.</a:t>
-            </a:r>
-            <a:endParaRPr lang="fa-IR" dirty="0"/>
-          </a:p>
-          <a:p>
-            <a:r>
-              <a:rPr lang="ar-IQ" dirty="0"/>
-              <a:t>سه حوزه ی مهم</a:t>
-            </a:r>
-            <a:r>
-              <a:rPr lang="fa-IR" dirty="0"/>
-              <a:t> در این ساختار</a:t>
-            </a:r>
-          </a:p>
-          <a:p>
-            <a:pPr lvl="1"/>
-            <a:r>
-              <a:rPr lang="ar-IQ" dirty="0"/>
-              <a:t>جداسازی بخش</a:t>
-            </a:r>
-            <a:r>
-              <a:rPr lang="fa-IR" dirty="0"/>
-              <a:t> </a:t>
-            </a:r>
-            <a:r>
-              <a:rPr lang="ar-IQ" dirty="0"/>
-              <a:t>صفحه ی کنترل</a:t>
-            </a:r>
-            <a:r>
-              <a:rPr lang="fa-IR" dirty="0"/>
-              <a:t> از </a:t>
-            </a:r>
-            <a:r>
-              <a:rPr lang="ar-IQ" dirty="0"/>
-              <a:t>صفحه‌ی کاربر</a:t>
-            </a:r>
-            <a:endParaRPr lang="fa-IR" dirty="0"/>
+              <a:t>C-RAN</a:t>
+            </a:r>
           </a:p>
           <a:p>
             <a:pPr lvl="2"/>
             <a:r>
-              <a:rPr lang="fa-IR" dirty="0"/>
-              <a:t> </a:t>
-            </a:r>
-            <a:r>
               <a:rPr lang="en-US" dirty="0"/>
-              <a:t>RAN</a:t>
-            </a:r>
-            <a:r>
-              <a:rPr lang="fa-IR" dirty="0"/>
-              <a:t> به عنوان یک استخر منطقی از ظرفیت، با کارایی بیشتری کار کند.</a:t>
+              <a:t>H-CRAN</a:t>
             </a:r>
           </a:p>
           <a:p>
             <a:pPr lvl="2"/>
             <a:r>
-              <a:rPr lang="fa-IR" dirty="0"/>
-              <a:t>جدایی نرم افزار از سخت افزار</a:t>
-            </a:r>
-          </a:p>
-          <a:p>
-            <a:pPr lvl="1"/>
-            <a:r>
-              <a:rPr lang="ar-IQ" dirty="0"/>
-              <a:t>ساختن یک پشته نرم‌افزاری</a:t>
-            </a:r>
-            <a:r>
               <a:rPr lang="en-US" dirty="0"/>
-              <a:t> </a:t>
-            </a:r>
-            <a:r>
-              <a:rPr lang="fa-IR" dirty="0"/>
-              <a:t> </a:t>
-            </a:r>
-            <a:r>
-              <a:rPr lang="en-US" dirty="0" err="1"/>
-              <a:t>eNodeB</a:t>
-            </a:r>
-            <a:r>
-              <a:rPr lang="fa-IR" dirty="0"/>
-              <a:t> مدولار</a:t>
-            </a:r>
-          </a:p>
-          <a:p>
-            <a:pPr lvl="2"/>
-            <a:r>
-              <a:rPr lang="fa-IR" dirty="0"/>
-              <a:t>با طرح های مجازی سازی هماهنگی دارد</a:t>
-            </a:r>
-          </a:p>
-          <a:p>
-            <a:pPr lvl="1"/>
-            <a:r>
-              <a:rPr lang="ar-IQ" dirty="0"/>
-              <a:t>انتشار رابطهای باز شمال و جنوب</a:t>
-            </a:r>
-            <a:endParaRPr lang="fa-IR" dirty="0"/>
-          </a:p>
-          <a:p>
-            <a:pPr lvl="2"/>
-            <a:r>
-              <a:rPr lang="ar-IQ" dirty="0"/>
-              <a:t>رابطهای استاندارد و باز قابلیت پشتیبانی از فروشنده‌های متعدد </a:t>
-            </a:r>
-            <a:r>
-              <a:rPr lang="fa-IR" dirty="0"/>
-              <a:t>و </a:t>
-            </a:r>
-            <a:r>
-              <a:rPr lang="ar-IQ" dirty="0"/>
-              <a:t>همکاری اثبات شده </a:t>
-            </a:r>
-            <a:r>
-              <a:rPr lang="fa-IR"/>
-              <a:t>را </a:t>
-            </a:r>
-            <a:r>
-              <a:rPr lang="ar-IQ"/>
-              <a:t>دارند</a:t>
-            </a:r>
-            <a:endParaRPr lang="en-US" dirty="0"/>
-          </a:p>
-        </p:txBody>
-      </p:sp>
-      <p:sp>
-        <p:nvSpPr>
-          <p:cNvPr id="5" name="Rounded Rectangle 10">
+              <a:t>F-RAN</a:t>
+            </a:r>
+          </a:p>
+          <a:p>
+            <a:pPr lvl="1" algn="r" rtl="1">
+              <a:buFont typeface="Wingdings" panose="05000000000000000000" pitchFamily="2" charset="2"/>
+              <a:buChar char="Ø"/>
+            </a:pPr>
+            <a:r>
+              <a:rPr lang="en-US" sz="1800" dirty="0"/>
+              <a:t>X-RAN</a:t>
+            </a:r>
+          </a:p>
+          <a:p>
+            <a:pPr lvl="1" algn="r" rtl="1">
+              <a:buFont typeface="Wingdings" panose="05000000000000000000" pitchFamily="2" charset="2"/>
+              <a:buChar char="Ø"/>
+            </a:pPr>
+            <a:r>
+              <a:rPr lang="en-US" sz="1800" dirty="0"/>
+              <a:t>VRAN</a:t>
+            </a:r>
+          </a:p>
+          <a:p>
+            <a:pPr lvl="1" algn="r" rtl="1">
+              <a:buFont typeface="Wingdings" panose="05000000000000000000" pitchFamily="2" charset="2"/>
+              <a:buChar char="Ø"/>
+            </a:pPr>
+            <a:r>
+              <a:rPr lang="en-US" b="1" dirty="0"/>
+              <a:t>ORAN</a:t>
+            </a:r>
+          </a:p>
+        </p:txBody>
+      </p:sp>
+      <p:pic>
+        <p:nvPicPr>
+          <p:cNvPr id="6" name="Picture 5" descr="MacroBS.png"/>
+          <p:cNvPicPr>
+            <a:picLocks noChangeAspect="1"/>
+          </p:cNvPicPr>
+          <p:nvPr/>
+        </p:nvPicPr>
+        <p:blipFill>
+          <a:blip r:embed="rId2">
+            <a:extLst>
+              <a:ext uri="{28A0092B-C50C-407E-A947-70E740481C1C}">
+                <a14:useLocalDpi xmlns:a14="http://schemas.microsoft.com/office/drawing/2010/main" val="0"/>
+              </a:ext>
+            </a:extLst>
+          </a:blip>
+          <a:srcRect/>
+          <a:stretch>
+            <a:fillRect/>
+          </a:stretch>
+        </p:blipFill>
+        <p:spPr bwMode="auto">
+          <a:xfrm>
+            <a:off x="2483912" y="3030340"/>
+            <a:ext cx="3580917" cy="3436463"/>
+          </a:xfrm>
+          <a:prstGeom prst="rect">
+            <a:avLst/>
+          </a:prstGeom>
+          <a:noFill/>
+          <a:ln>
+            <a:noFill/>
+          </a:ln>
+          <a:extLst>
+            <a:ext uri="{909E8E84-426E-40DD-AFC4-6F175D3DCCD1}">
+              <a14:hiddenFill xmlns:a14="http://schemas.microsoft.com/office/drawing/2010/main">
+                <a:solidFill>
+                  <a:srgbClr val="FFFFFF"/>
+                </a:solidFill>
+              </a14:hiddenFill>
+            </a:ext>
+            <a:ext uri="{91240B29-F687-4F45-9708-019B960494DF}">
+              <a14:hiddenLine xmlns:a14="http://schemas.microsoft.com/office/drawing/2010/main" w="9525">
+                <a:solidFill>
+                  <a:srgbClr val="000000"/>
+                </a:solidFill>
+                <a:miter lim="800000"/>
+                <a:headEnd/>
+                <a:tailEnd/>
+              </a14:hiddenLine>
+            </a:ext>
+          </a:extLst>
+        </p:spPr>
+      </p:pic>
+      <p:sp>
+        <p:nvSpPr>
+          <p:cNvPr id="12" name="Rounded Rectangle 10">
             <a:extLst>
               <a:ext uri="{FF2B5EF4-FFF2-40B4-BE49-F238E27FC236}">
-                <a16:creationId xmlns:a16="http://schemas.microsoft.com/office/drawing/2014/main" id="{5CA220EA-4AFC-4AC8-8966-6013F09A17D7}"/>
+                <a16:creationId xmlns:a16="http://schemas.microsoft.com/office/drawing/2014/main" id="{5975D007-74D1-4FEC-BBEC-379ECD9272A8}"/>
               </a:ext>
             </a:extLst>
           </p:cNvPr>
@@ -34165,10 +34360,10 @@
       </p:sp>
       <p:sp>
         <p:nvSpPr>
-          <p:cNvPr id="6" name="Rectangle 5">
+          <p:cNvPr id="13" name="Rectangle 12">
             <a:extLst>
               <a:ext uri="{FF2B5EF4-FFF2-40B4-BE49-F238E27FC236}">
-                <a16:creationId xmlns:a16="http://schemas.microsoft.com/office/drawing/2014/main" id="{268CB366-97C1-436E-B473-11C0B8A2B94B}"/>
+                <a16:creationId xmlns:a16="http://schemas.microsoft.com/office/drawing/2014/main" id="{AD7C9362-80E1-440A-9CA1-F01B91D281AE}"/>
               </a:ext>
             </a:extLst>
           </p:cNvPr>
@@ -34231,10 +34426,10 @@
       </p:sp>
       <p:sp>
         <p:nvSpPr>
-          <p:cNvPr id="7" name="Rectangle 6">
+          <p:cNvPr id="14" name="Rectangle 13">
             <a:extLst>
               <a:ext uri="{FF2B5EF4-FFF2-40B4-BE49-F238E27FC236}">
-                <a16:creationId xmlns:a16="http://schemas.microsoft.com/office/drawing/2014/main" id="{4BD395B4-C568-4FE4-8C83-4C5CAA018C54}"/>
+                <a16:creationId xmlns:a16="http://schemas.microsoft.com/office/drawing/2014/main" id="{664EE215-A5CD-47E5-A210-D59CE7FFD76D}"/>
               </a:ext>
             </a:extLst>
           </p:cNvPr>
@@ -34317,10 +34512,10 @@
       </p:sp>
       <p:sp>
         <p:nvSpPr>
-          <p:cNvPr id="8" name="Rectangle 7">
+          <p:cNvPr id="15" name="Rectangle 14">
             <a:extLst>
               <a:ext uri="{FF2B5EF4-FFF2-40B4-BE49-F238E27FC236}">
-                <a16:creationId xmlns:a16="http://schemas.microsoft.com/office/drawing/2014/main" id="{1967F121-CEC3-4B97-8062-058D15C8F6D9}"/>
+                <a16:creationId xmlns:a16="http://schemas.microsoft.com/office/drawing/2014/main" id="{B290FDBA-BD70-4382-BD94-8C83B1EFA26B}"/>
               </a:ext>
             </a:extLst>
           </p:cNvPr>
@@ -34403,10 +34598,10 @@
       </p:sp>
       <p:sp>
         <p:nvSpPr>
-          <p:cNvPr id="9" name="Rectangle 8">
+          <p:cNvPr id="16" name="Rectangle 15">
             <a:extLst>
               <a:ext uri="{FF2B5EF4-FFF2-40B4-BE49-F238E27FC236}">
-                <a16:creationId xmlns:a16="http://schemas.microsoft.com/office/drawing/2014/main" id="{92B5EB91-6867-4210-98DE-9C6E48E31DF3}"/>
+                <a16:creationId xmlns:a16="http://schemas.microsoft.com/office/drawing/2014/main" id="{4D311E31-5195-47CD-A235-02627C44419B}"/>
               </a:ext>
             </a:extLst>
           </p:cNvPr>
@@ -34489,10 +34684,10 @@
       </p:sp>
       <p:sp>
         <p:nvSpPr>
-          <p:cNvPr id="10" name="Rectangle 9">
+          <p:cNvPr id="17" name="Rectangle 16">
             <a:extLst>
               <a:ext uri="{FF2B5EF4-FFF2-40B4-BE49-F238E27FC236}">
-                <a16:creationId xmlns:a16="http://schemas.microsoft.com/office/drawing/2014/main" id="{043FCFD6-E24B-444D-B891-C4D66ED6A729}"/>
+                <a16:creationId xmlns:a16="http://schemas.microsoft.com/office/drawing/2014/main" id="{79C150C4-CA8A-4BD0-872C-F0EADBC75D59}"/>
               </a:ext>
             </a:extLst>
           </p:cNvPr>
@@ -34573,9 +34768,45 @@
           </a:p>
         </p:txBody>
       </p:sp>
-      <p:sp>
-        <p:nvSpPr>
-          <p:cNvPr id="11" name="Slide Number Placeholder 10"/>
+      <p:pic>
+        <p:nvPicPr>
+          <p:cNvPr id="18" name="Content Placeholder 4">
+            <a:extLst>
+              <a:ext uri="{FF2B5EF4-FFF2-40B4-BE49-F238E27FC236}">
+                <a16:creationId xmlns:a16="http://schemas.microsoft.com/office/drawing/2014/main" id="{FFC612D3-09AD-4087-B6E0-96818F08FB9E}"/>
+              </a:ext>
+            </a:extLst>
+          </p:cNvPr>
+          <p:cNvPicPr>
+            <a:picLocks noChangeAspect="1"/>
+          </p:cNvPicPr>
+          <p:nvPr/>
+        </p:nvPicPr>
+        <p:blipFill>
+          <a:blip r:embed="rId3"/>
+          <a:stretch>
+            <a:fillRect/>
+          </a:stretch>
+        </p:blipFill>
+        <p:spPr>
+          <a:xfrm>
+            <a:off x="2571521" y="1122797"/>
+            <a:ext cx="3736093" cy="1653613"/>
+          </a:xfrm>
+          <a:prstGeom prst="rect">
+            <a:avLst/>
+          </a:prstGeom>
+        </p:spPr>
+      </p:pic>
+      <p:sp>
+        <p:nvSpPr>
+          <p:cNvPr id="4" name="Slide Number Placeholder 3">
+            <a:extLst>
+              <a:ext uri="{FF2B5EF4-FFF2-40B4-BE49-F238E27FC236}">
+                <a16:creationId xmlns:a16="http://schemas.microsoft.com/office/drawing/2014/main" id="{BEA19846-E4B1-4A71-8B1B-2015327F4AE7}"/>
+              </a:ext>
+            </a:extLst>
+          </p:cNvPr>
           <p:cNvSpPr>
             <a:spLocks noGrp="1"/>
           </p:cNvSpPr>
@@ -34591,11 +34822,15 @@
             <a:fld id="{D57F1E4F-1CFF-5643-939E-217C01CDF565}" type="slidenum">
               <a:rPr lang="en-US" smtClean="0"/>
               <a:pPr/>
-              <a:t>7</a:t>
+              <a:t>5</a:t>
             </a:fld>
             <a:r>
               <a:rPr lang="en-US"/>
-              <a:t>/37</a:t>
+              <a:t>/3</a:t>
+            </a:r>
+            <a:r>
+              <a:rPr lang="fa-IR"/>
+              <a:t>9</a:t>
             </a:r>
             <a:endParaRPr lang="en-US" dirty="0"/>
           </a:p>
@@ -34604,7 +34839,7 @@
     </p:spTree>
     <p:extLst>
       <p:ext uri="{BB962C8B-B14F-4D97-AF65-F5344CB8AC3E}">
-        <p14:creationId xmlns:p14="http://schemas.microsoft.com/office/powerpoint/2010/main" val="3318291668"/>
+        <p14:creationId xmlns:p14="http://schemas.microsoft.com/office/powerpoint/2010/main" val="1764568196"/>
       </p:ext>
     </p:extLst>
   </p:cSld>
@@ -34614,7 +34849,7 @@
 </p:sld>
 </file>
 
-<file path=ppt/slides/slide8.xml><?xml version="1.0" encoding="utf-8"?>
+<file path=ppt/slides/slide6.xml><?xml version="1.0" encoding="utf-8"?>
 <p:sld xmlns:a="http://schemas.openxmlformats.org/drawingml/2006/main" xmlns:r="http://schemas.openxmlformats.org/officeDocument/2006/relationships" xmlns:p="http://schemas.openxmlformats.org/presentationml/2006/main">
   <p:cSld>
     <p:spTree>
@@ -34643,17 +34878,22 @@
         </p:nvSpPr>
         <p:spPr>
           <a:xfrm>
-            <a:off x="1643491" y="101197"/>
-            <a:ext cx="8911687" cy="1280890"/>
+            <a:off x="1390208" y="591548"/>
+            <a:ext cx="8911687" cy="1160618"/>
           </a:xfrm>
         </p:spPr>
         <p:txBody>
           <a:bodyPr/>
           <a:lstStyle/>
           <a:p>
-            <a:r>
-              <a:rPr lang="en-US" dirty="0"/>
-              <a:t>VRAN</a:t>
+            <a:pPr algn="ctr"/>
+            <a:r>
+              <a:rPr lang="fa-IR" dirty="0"/>
+              <a:t>شبکه ی دسترسی رادیویی ابری- </a:t>
+            </a:r>
+            <a:r>
+              <a:rPr lang="en-US" sz="3200" dirty="0"/>
+              <a:t>C-RAN</a:t>
             </a:r>
           </a:p>
         </p:txBody>
@@ -34670,128 +34910,197 @@
         </p:nvSpPr>
         <p:spPr>
           <a:xfrm>
-            <a:off x="1549626" y="1266080"/>
-            <a:ext cx="8915400" cy="3777622"/>
-          </a:xfrm>
-        </p:spPr>
-        <p:txBody>
-          <a:bodyPr/>
-          <a:lstStyle/>
-          <a:p>
-            <a:r>
-              <a:rPr lang="ar-IQ" dirty="0"/>
-              <a:t> شبکه‌های دسترسی رادیویی مجازی</a:t>
+            <a:off x="1624615" y="1382087"/>
+            <a:ext cx="9249376" cy="4834730"/>
+          </a:xfrm>
+        </p:spPr>
+        <p:txBody>
+          <a:bodyPr>
+            <a:normAutofit lnSpcReduction="10000"/>
+          </a:bodyPr>
+          <a:lstStyle/>
+          <a:p>
+            <a:pPr>
+              <a:buFont typeface="Wingdings" panose="05000000000000000000" pitchFamily="2" charset="2"/>
+              <a:buChar char="Ø"/>
+            </a:pPr>
+            <a:r>
+              <a:rPr lang="fa-IR" b="1" dirty="0"/>
+              <a:t>واحد مرکزی باند پایه-</a:t>
+            </a:r>
+            <a:r>
+              <a:rPr lang="en-US" sz="2000" b="1" dirty="0"/>
+              <a:t>Centralized Based Band Unit</a:t>
+            </a:r>
+            <a:endParaRPr lang="fa-IR" sz="2000" b="1" dirty="0"/>
+          </a:p>
+          <a:p>
+            <a:pPr lvl="1" algn="r" rtl="1">
+              <a:buFont typeface="Wingdings" panose="05000000000000000000" pitchFamily="2" charset="2"/>
+              <a:buChar char="Ø"/>
+            </a:pPr>
+            <a:r>
+              <a:rPr lang="fa-IR" dirty="0"/>
+              <a:t>شکل گیری </a:t>
+            </a:r>
+            <a:r>
+              <a:rPr lang="en-US" sz="1800" dirty="0"/>
+              <a:t>BBU</a:t>
+            </a:r>
+            <a:r>
+              <a:rPr lang="fa-IR" dirty="0"/>
+              <a:t> ها به صورت یک مجموعه ی واحد تحت عنوان </a:t>
+            </a:r>
+            <a:r>
+              <a:rPr lang="en-US" sz="1800" dirty="0"/>
+              <a:t>BBU Pool</a:t>
+            </a:r>
+            <a:endParaRPr lang="fa-IR" sz="1800" dirty="0"/>
+          </a:p>
+          <a:p>
+            <a:pPr lvl="2" algn="r" rtl="1">
+              <a:buFont typeface="Wingdings" panose="05000000000000000000" pitchFamily="2" charset="2"/>
+              <a:buChar char="Ø"/>
+            </a:pPr>
+            <a:r>
+              <a:rPr lang="fa-IR" dirty="0"/>
+              <a:t>در راستای بهینه سازی عملکرد </a:t>
+            </a:r>
+            <a:r>
+              <a:rPr lang="en-US" sz="1600" dirty="0"/>
+              <a:t>BBU</a:t>
+            </a:r>
+            <a:r>
+              <a:rPr lang="fa-IR" dirty="0"/>
+              <a:t> ها در مواجهه باایستگاههای پایه پر ترافیک و کم ترافیک</a:t>
+            </a:r>
+          </a:p>
+          <a:p>
+            <a:pPr lvl="1" algn="r" rtl="1">
+              <a:buFont typeface="Wingdings" panose="05000000000000000000" pitchFamily="2" charset="2"/>
+              <a:buChar char="Ø"/>
+            </a:pPr>
+            <a:r>
+              <a:rPr lang="fa-IR" dirty="0"/>
+              <a:t>به اشتراک گزاری این مجموعه بین چندین سلول</a:t>
+            </a:r>
+          </a:p>
+          <a:p>
+            <a:pPr lvl="1" algn="r" rtl="1">
+              <a:buFont typeface="Wingdings" panose="05000000000000000000" pitchFamily="2" charset="2"/>
+              <a:buChar char="Ø"/>
+            </a:pPr>
+            <a:r>
+              <a:rPr lang="fa-IR" dirty="0"/>
+              <a:t>در نظر گرفتن </a:t>
+            </a:r>
+            <a:r>
+              <a:rPr lang="en-US" sz="1800" dirty="0"/>
+              <a:t>BBU Pool</a:t>
+            </a:r>
+            <a:r>
+              <a:rPr lang="fa-IR" dirty="0"/>
+              <a:t> به عنوان یک خوشه ی مجازی</a:t>
             </a:r>
             <a:r>
               <a:rPr lang="en-US" dirty="0"/>
               <a:t> </a:t>
             </a:r>
             <a:r>
-              <a:rPr lang="en-US" sz="2200" dirty="0"/>
-              <a:t>BBU</a:t>
-            </a:r>
-            <a:r>
               <a:rPr lang="fa-IR" dirty="0"/>
-              <a:t>مجازی می شود</a:t>
-            </a:r>
-          </a:p>
-          <a:p>
-            <a:r>
-              <a:rPr lang="ar-IQ" dirty="0"/>
-              <a:t>با اجرای توابع باند پایه مجازی بر روی سخت افزار سرور کالا، بر اساس اصول مجازی سازی توابع شبکه </a:t>
+              <a:t>که شامل پردازش گرهایی است که پردازش های باند پایه را انجام می دهند</a:t>
+            </a:r>
+          </a:p>
+          <a:p>
+            <a:pPr lvl="1" algn="r" rtl="1">
+              <a:buFont typeface="Wingdings" panose="05000000000000000000" pitchFamily="2" charset="2"/>
+              <a:buChar char="Ø"/>
+            </a:pPr>
+            <a:r>
+              <a:rPr lang="fa-IR" b="1" dirty="0"/>
+              <a:t> </a:t>
+            </a:r>
+            <a:r>
+              <a:rPr lang="fa-IR" sz="2400" b="1" dirty="0"/>
+              <a:t>لینک</a:t>
+            </a:r>
+            <a:r>
+              <a:rPr lang="fa-IR" b="1" dirty="0"/>
+              <a:t> </a:t>
+            </a:r>
+            <a:r>
+              <a:rPr lang="en-US" b="1" dirty="0"/>
+              <a:t>Fronthaul</a:t>
+            </a:r>
+            <a:r>
+              <a:rPr lang="fa-IR" b="1" dirty="0"/>
+              <a:t> </a:t>
+            </a:r>
+            <a:endParaRPr lang="en-US" b="1" dirty="0"/>
+          </a:p>
+          <a:p>
+            <a:pPr lvl="2">
+              <a:buFont typeface="Wingdings" panose="05000000000000000000" pitchFamily="2" charset="2"/>
+              <a:buChar char="Ø"/>
+            </a:pPr>
+            <a:r>
+              <a:rPr lang="fa-IR" sz="2000" dirty="0"/>
+              <a:t>به مرحله ی اتصال سایت های </a:t>
             </a:r>
             <a:r>
               <a:rPr lang="en-US" dirty="0"/>
-              <a:t>، </a:t>
-            </a:r>
-            <a:r>
-              <a:rPr lang="ar-IQ" dirty="0"/>
-              <a:t>فراتر از آخرین شبکه‌ی  متمرکز رادیویی</a:t>
+              <a:t>RRH</a:t>
+            </a:r>
+            <a:r>
+              <a:rPr lang="fa-IR" dirty="0"/>
+              <a:t> </a:t>
+            </a:r>
+            <a:r>
+              <a:rPr lang="fa-IR" sz="2000" dirty="0"/>
+              <a:t>به</a:t>
+            </a:r>
+            <a:r>
+              <a:rPr lang="en-US" dirty="0"/>
+              <a:t> BBU Pool </a:t>
+            </a:r>
+          </a:p>
+          <a:p>
+            <a:pPr lvl="1">
+              <a:buFont typeface="Wingdings" panose="05000000000000000000" pitchFamily="2" charset="2"/>
+              <a:buChar char="Ø"/>
+            </a:pPr>
+            <a:r>
+              <a:rPr lang="en-US" b="1" dirty="0"/>
+              <a:t>Backhaul</a:t>
+            </a:r>
+            <a:endParaRPr lang="fa-IR" b="1" dirty="0"/>
+          </a:p>
+          <a:p>
+            <a:pPr lvl="2"/>
+            <a:r>
+              <a:rPr lang="fa-IR" dirty="0"/>
+              <a:t>اتصال </a:t>
+            </a:r>
+            <a:r>
+              <a:rPr lang="en-US" sz="1600" dirty="0"/>
+              <a:t>BBU Pool</a:t>
             </a:r>
             <a:r>
               <a:rPr lang="en-US" dirty="0"/>
               <a:t> </a:t>
             </a:r>
             <a:r>
-              <a:rPr lang="ar-IQ" dirty="0"/>
-              <a:t>است</a:t>
-            </a:r>
-          </a:p>
-          <a:p>
-            <a:r>
-              <a:rPr lang="ar-IQ" dirty="0"/>
-              <a:t>افزایش هوشمندانه ظرفیت </a:t>
-            </a:r>
-            <a:endParaRPr lang="en-US" dirty="0"/>
-          </a:p>
-          <a:p>
-            <a:r>
-              <a:rPr lang="ar-IQ" dirty="0"/>
-              <a:t>کاهش چشمگیر هزینه‌ها</a:t>
-            </a:r>
-            <a:endParaRPr lang="en-US" dirty="0"/>
-          </a:p>
-          <a:p>
-            <a:r>
-              <a:rPr lang="ar-IQ" dirty="0"/>
-              <a:t>معماری</a:t>
-            </a:r>
-            <a:r>
-              <a:rPr lang="en-US" sz="2200" dirty="0" err="1"/>
-              <a:t>vRAN</a:t>
-            </a:r>
-            <a:r>
+              <a:rPr lang="fa-IR" dirty="0"/>
+              <a:t> به هسته ی شبکه ی سیار</a:t>
+            </a:r>
+          </a:p>
+          <a:p>
+            <a:pPr marL="457200" lvl="1" indent="0" algn="r" rtl="1">
+              <a:buNone/>
+            </a:pPr>
+            <a:br>
               <a:rPr lang="en-US" dirty="0"/>
-              <a:t> </a:t>
-            </a:r>
-            <a:r>
-              <a:rPr lang="fa-IR" dirty="0"/>
-              <a:t> </a:t>
-            </a:r>
-            <a:r>
-              <a:rPr lang="ar-IQ" dirty="0"/>
-              <a:t>همچنین امکان انتقال اترنت و</a:t>
-            </a:r>
-            <a:r>
-              <a:rPr lang="en-US" sz="2200" dirty="0"/>
-              <a:t>IP</a:t>
-            </a:r>
-            <a:r>
-              <a:rPr lang="en-US" dirty="0"/>
-              <a:t> </a:t>
-            </a:r>
-            <a:r>
-              <a:rPr lang="fa-IR" dirty="0"/>
-              <a:t> </a:t>
-            </a:r>
-            <a:r>
-              <a:rPr lang="ar-IQ" dirty="0"/>
-              <a:t>را فراهم می‌کند</a:t>
-            </a:r>
-            <a:endParaRPr lang="en-US" dirty="0"/>
-          </a:p>
-          <a:p>
-            <a:pPr lvl="1"/>
-            <a:r>
-              <a:rPr lang="ar-IQ" dirty="0"/>
-              <a:t> که به ارائه‌دهندگان خدمات گزینه‌های مقرون به صرفه‌تری برای انتقال </a:t>
-            </a:r>
-            <a:r>
-              <a:rPr lang="en-US" sz="2200" dirty="0"/>
-              <a:t>fronthaul</a:t>
-            </a:r>
-            <a:r>
-              <a:rPr lang="en-US" dirty="0"/>
-              <a:t> </a:t>
-            </a:r>
-            <a:r>
-              <a:rPr lang="fa-IR" dirty="0"/>
-              <a:t> </a:t>
-            </a:r>
-            <a:r>
-              <a:rPr lang="ar-IQ" dirty="0"/>
-              <a:t>می‌دهد</a:t>
-            </a:r>
+            </a:br>
             <a:endParaRPr lang="en-US" dirty="0"/>
           </a:p>
         </p:txBody>
@@ -34812,8 +35121,8 @@
         </p:blipFill>
         <p:spPr>
           <a:xfrm>
-            <a:off x="4310743" y="4474241"/>
-            <a:ext cx="4616731" cy="2280628"/>
+            <a:off x="738495" y="3409406"/>
+            <a:ext cx="4454236" cy="1803054"/>
           </a:xfrm>
           <a:prstGeom prst="rect">
             <a:avLst/>
@@ -34822,10 +35131,10 @@
       </p:pic>
       <p:sp>
         <p:nvSpPr>
-          <p:cNvPr id="6" name="Rounded Rectangle 10">
+          <p:cNvPr id="12" name="Rounded Rectangle 10">
             <a:extLst>
               <a:ext uri="{FF2B5EF4-FFF2-40B4-BE49-F238E27FC236}">
-                <a16:creationId xmlns:a16="http://schemas.microsoft.com/office/drawing/2014/main" id="{5CA220EA-4AFC-4AC8-8966-6013F09A17D7}"/>
+                <a16:creationId xmlns:a16="http://schemas.microsoft.com/office/drawing/2014/main" id="{5A6EA133-C8C5-4472-BE96-3365D634D2F9}"/>
               </a:ext>
             </a:extLst>
           </p:cNvPr>
@@ -34899,10 +35208,10 @@
       </p:sp>
       <p:sp>
         <p:nvSpPr>
-          <p:cNvPr id="7" name="Rectangle 6">
+          <p:cNvPr id="13" name="Rectangle 12">
             <a:extLst>
               <a:ext uri="{FF2B5EF4-FFF2-40B4-BE49-F238E27FC236}">
-                <a16:creationId xmlns:a16="http://schemas.microsoft.com/office/drawing/2014/main" id="{268CB366-97C1-436E-B473-11C0B8A2B94B}"/>
+                <a16:creationId xmlns:a16="http://schemas.microsoft.com/office/drawing/2014/main" id="{56A5DBD6-5281-4B16-BF19-A4A2DF2D452A}"/>
               </a:ext>
             </a:extLst>
           </p:cNvPr>
@@ -34965,10 +35274,10 @@
       </p:sp>
       <p:sp>
         <p:nvSpPr>
-          <p:cNvPr id="8" name="Rectangle 7">
+          <p:cNvPr id="14" name="Rectangle 13">
             <a:extLst>
               <a:ext uri="{FF2B5EF4-FFF2-40B4-BE49-F238E27FC236}">
-                <a16:creationId xmlns:a16="http://schemas.microsoft.com/office/drawing/2014/main" id="{4BD395B4-C568-4FE4-8C83-4C5CAA018C54}"/>
+                <a16:creationId xmlns:a16="http://schemas.microsoft.com/office/drawing/2014/main" id="{F3516286-D3B6-442E-91FF-D3A7286CCAD7}"/>
               </a:ext>
             </a:extLst>
           </p:cNvPr>
@@ -35051,10 +35360,10 @@
       </p:sp>
       <p:sp>
         <p:nvSpPr>
-          <p:cNvPr id="9" name="Rectangle 8">
+          <p:cNvPr id="15" name="Rectangle 14">
             <a:extLst>
               <a:ext uri="{FF2B5EF4-FFF2-40B4-BE49-F238E27FC236}">
-                <a16:creationId xmlns:a16="http://schemas.microsoft.com/office/drawing/2014/main" id="{1967F121-CEC3-4B97-8062-058D15C8F6D9}"/>
+                <a16:creationId xmlns:a16="http://schemas.microsoft.com/office/drawing/2014/main" id="{61AE9E62-7F04-472B-BEAD-1446FD39AB19}"/>
               </a:ext>
             </a:extLst>
           </p:cNvPr>
@@ -35137,10 +35446,10 @@
       </p:sp>
       <p:sp>
         <p:nvSpPr>
-          <p:cNvPr id="10" name="Rectangle 9">
+          <p:cNvPr id="16" name="Rectangle 15">
             <a:extLst>
               <a:ext uri="{FF2B5EF4-FFF2-40B4-BE49-F238E27FC236}">
-                <a16:creationId xmlns:a16="http://schemas.microsoft.com/office/drawing/2014/main" id="{92B5EB91-6867-4210-98DE-9C6E48E31DF3}"/>
+                <a16:creationId xmlns:a16="http://schemas.microsoft.com/office/drawing/2014/main" id="{003D5EF3-72A1-40B5-903C-D50A3DB3C8C1}"/>
               </a:ext>
             </a:extLst>
           </p:cNvPr>
@@ -35223,10 +35532,10 @@
       </p:sp>
       <p:sp>
         <p:nvSpPr>
-          <p:cNvPr id="11" name="Rectangle 10">
+          <p:cNvPr id="17" name="Rectangle 16">
             <a:extLst>
               <a:ext uri="{FF2B5EF4-FFF2-40B4-BE49-F238E27FC236}">
-                <a16:creationId xmlns:a16="http://schemas.microsoft.com/office/drawing/2014/main" id="{043FCFD6-E24B-444D-B891-C4D66ED6A729}"/>
+                <a16:creationId xmlns:a16="http://schemas.microsoft.com/office/drawing/2014/main" id="{E0CABA0D-B182-4C05-BE53-A0A9ECED6C47}"/>
               </a:ext>
             </a:extLst>
           </p:cNvPr>
@@ -35307,9 +35616,45 @@
           </a:p>
         </p:txBody>
       </p:sp>
-      <p:sp>
-        <p:nvSpPr>
-          <p:cNvPr id="12" name="Slide Number Placeholder 11"/>
+      <p:pic>
+        <p:nvPicPr>
+          <p:cNvPr id="18" name="Content Placeholder 4">
+            <a:extLst>
+              <a:ext uri="{FF2B5EF4-FFF2-40B4-BE49-F238E27FC236}">
+                <a16:creationId xmlns:a16="http://schemas.microsoft.com/office/drawing/2014/main" id="{5A36D180-C238-4BC3-8898-A9BEA365C0D0}"/>
+              </a:ext>
+            </a:extLst>
+          </p:cNvPr>
+          <p:cNvPicPr>
+            <a:picLocks noChangeAspect="1"/>
+          </p:cNvPicPr>
+          <p:nvPr/>
+        </p:nvPicPr>
+        <p:blipFill>
+          <a:blip r:embed="rId3"/>
+          <a:stretch>
+            <a:fillRect/>
+          </a:stretch>
+        </p:blipFill>
+        <p:spPr>
+          <a:xfrm>
+            <a:off x="738495" y="5165510"/>
+            <a:ext cx="3183320" cy="1662505"/>
+          </a:xfrm>
+          <a:prstGeom prst="rect">
+            <a:avLst/>
+          </a:prstGeom>
+        </p:spPr>
+      </p:pic>
+      <p:sp>
+        <p:nvSpPr>
+          <p:cNvPr id="4" name="Slide Number Placeholder 3">
+            <a:extLst>
+              <a:ext uri="{FF2B5EF4-FFF2-40B4-BE49-F238E27FC236}">
+                <a16:creationId xmlns:a16="http://schemas.microsoft.com/office/drawing/2014/main" id="{3B3AF3C5-844B-4E67-A88F-0F2D0311BD3F}"/>
+              </a:ext>
+            </a:extLst>
+          </p:cNvPr>
           <p:cNvSpPr>
             <a:spLocks noGrp="1"/>
           </p:cNvSpPr>
@@ -35325,11 +35670,15 @@
             <a:fld id="{D57F1E4F-1CFF-5643-939E-217C01CDF565}" type="slidenum">
               <a:rPr lang="en-US" smtClean="0"/>
               <a:pPr/>
-              <a:t>8</a:t>
+              <a:t>6</a:t>
             </a:fld>
             <a:r>
               <a:rPr lang="en-US"/>
-              <a:t>/37</a:t>
+              <a:t>/3</a:t>
+            </a:r>
+            <a:r>
+              <a:rPr lang="fa-IR"/>
+              <a:t>9</a:t>
             </a:r>
             <a:endParaRPr lang="en-US" dirty="0"/>
           </a:p>
@@ -35338,7 +35687,7 @@
     </p:spTree>
     <p:extLst>
       <p:ext uri="{BB962C8B-B14F-4D97-AF65-F5344CB8AC3E}">
-        <p14:creationId xmlns:p14="http://schemas.microsoft.com/office/powerpoint/2010/main" val="3555848785"/>
+        <p14:creationId xmlns:p14="http://schemas.microsoft.com/office/powerpoint/2010/main" val="2107054461"/>
       </p:ext>
     </p:extLst>
   </p:cSld>
@@ -35348,7 +35697,7 @@
 </p:sld>
 </file>
 
-<file path=ppt/slides/slide9.xml><?xml version="1.0" encoding="utf-8"?>
+<file path=ppt/slides/slide7.xml><?xml version="1.0" encoding="utf-8"?>
 <p:sld xmlns:a="http://schemas.openxmlformats.org/drawingml/2006/main" xmlns:r="http://schemas.openxmlformats.org/officeDocument/2006/relationships" xmlns:p="http://schemas.openxmlformats.org/presentationml/2006/main">
   <p:cSld>
     <p:spTree>
@@ -35382,7 +35731,7 @@
           <a:p>
             <a:r>
               <a:rPr lang="en-US" dirty="0"/>
-              <a:t>ORAN</a:t>
+              <a:t>XRAN</a:t>
             </a:r>
           </a:p>
         </p:txBody>
@@ -35399,31 +35748,25 @@
         </p:nvSpPr>
         <p:spPr>
           <a:xfrm>
-            <a:off x="1999163" y="1382087"/>
-            <a:ext cx="8949291" cy="4365778"/>
-          </a:xfrm>
-        </p:spPr>
-        <p:txBody>
-          <a:bodyPr>
-            <a:normAutofit lnSpcReduction="10000"/>
-          </a:bodyPr>
-          <a:lstStyle/>
-          <a:p>
-            <a:r>
-              <a:rPr lang="fa-IR" dirty="0"/>
-              <a:t>ا</a:t>
-            </a:r>
+            <a:off x="1598506" y="1580606"/>
+            <a:ext cx="9253358" cy="4325245"/>
+          </a:xfrm>
+        </p:spPr>
+        <p:txBody>
+          <a:bodyPr/>
+          <a:lstStyle/>
+          <a:p>
             <a:r>
               <a:rPr lang="ar-IQ" dirty="0"/>
-              <a:t>لمانهای شبکه ی دسترسی رادیویی را مجازی می‌کند، آنها را جدا کرده و رابطهای باز</a:t>
+              <a:t>یک جایگزین انعطاف پذیر و باز برای</a:t>
             </a:r>
             <a:r>
               <a:rPr lang="fa-IR" dirty="0"/>
               <a:t> </a:t>
             </a:r>
             <a:r>
-              <a:rPr lang="ar-IQ" dirty="0"/>
-              <a:t>مناسب را برای اتصال این عناصر</a:t>
+              <a:rPr lang="en-US" dirty="0"/>
+              <a:t>RAN</a:t>
             </a:r>
             <a:r>
               <a:rPr lang="fa-IR" dirty="0"/>
@@ -35431,59 +35774,71 @@
             </a:r>
             <a:r>
               <a:rPr lang="ar-IQ" dirty="0"/>
-              <a:t>تعیین می‌کند.</a:t>
-            </a:r>
-            <a:endParaRPr lang="en-US" dirty="0"/>
-          </a:p>
-          <a:p>
+              <a:t>مبتنی بر سخت افزار سنتی بدست آمده‌است.</a:t>
+            </a:r>
+            <a:endParaRPr lang="fa-IR" dirty="0"/>
+          </a:p>
+          <a:p>
+            <a:r>
+              <a:rPr lang="ar-IQ" dirty="0"/>
+              <a:t>سه حوزه ی مهم</a:t>
+            </a:r>
             <a:r>
               <a:rPr lang="fa-IR" dirty="0"/>
-              <a:t>از ترکیب </a:t>
-            </a:r>
-            <a:r>
-              <a:rPr lang="en-US" dirty="0"/>
-              <a:t>C-RAN</a:t>
+              <a:t> در این ساختار</a:t>
+            </a:r>
+          </a:p>
+          <a:p>
+            <a:pPr lvl="1"/>
+            <a:r>
+              <a:rPr lang="ar-IQ" dirty="0"/>
+              <a:t>جداسازی بخش</a:t>
             </a:r>
             <a:r>
               <a:rPr lang="fa-IR" dirty="0"/>
-              <a:t> و </a:t>
-            </a:r>
-            <a:r>
-              <a:rPr lang="en-US" dirty="0"/>
-              <a:t>VRAN </a:t>
+              <a:t> </a:t>
+            </a:r>
+            <a:r>
+              <a:rPr lang="ar-IQ" dirty="0"/>
+              <a:t>صفحه ی کنترل</a:t>
             </a:r>
             <a:r>
               <a:rPr lang="fa-IR" dirty="0"/>
-              <a:t> - </a:t>
-            </a:r>
-            <a:r>
-              <a:rPr lang="en-US" dirty="0"/>
-              <a:t>C-RAN</a:t>
-            </a:r>
+              <a:t> از </a:t>
+            </a:r>
+            <a:r>
+              <a:rPr lang="ar-IQ" dirty="0"/>
+              <a:t>صفحه‌ی کاربر</a:t>
+            </a:r>
+            <a:endParaRPr lang="fa-IR" dirty="0"/>
+          </a:p>
+          <a:p>
+            <a:pPr lvl="2"/>
             <a:r>
               <a:rPr lang="fa-IR" dirty="0"/>
-              <a:t> و </a:t>
-            </a:r>
-            <a:r>
-              <a:rPr lang="en-US" dirty="0"/>
-              <a:t>XRAN</a:t>
-            </a:r>
-            <a:endParaRPr lang="fa-IR" dirty="0"/>
-          </a:p>
-          <a:p>
-            <a:r>
-              <a:rPr lang="fa-IR" dirty="0"/>
-              <a:t>استفاده از روشهای یادگیری ماشین برای هوشمندسازی لایه‌های </a:t>
+              <a:t> </a:t>
             </a:r>
             <a:r>
               <a:rPr lang="en-US" dirty="0"/>
               <a:t>RAN</a:t>
             </a:r>
-          </a:p>
-          <a:p>
             <a:r>
               <a:rPr lang="fa-IR" dirty="0"/>
-              <a:t>ويژگی</a:t>
+              <a:t> به عنوان یک استخر منطقی از ظرفیت، با کارایی بیشتری کار کند.</a:t>
+            </a:r>
+          </a:p>
+          <a:p>
+            <a:pPr lvl="2"/>
+            <a:r>
+              <a:rPr lang="fa-IR" dirty="0"/>
+              <a:t>جدایی نرم افزار از سخت افزار</a:t>
+            </a:r>
+          </a:p>
+          <a:p>
+            <a:pPr lvl="1"/>
+            <a:r>
+              <a:rPr lang="ar-IQ" dirty="0"/>
+              <a:t>ساختن یک پشته نرم‌افزاری</a:t>
             </a:r>
             <a:r>
               <a:rPr lang="en-US" dirty="0"/>
@@ -35491,57 +35846,54 @@
             </a:r>
             <a:r>
               <a:rPr lang="fa-IR" dirty="0"/>
-              <a:t>های </a:t>
-            </a:r>
-            <a:r>
-              <a:rPr lang="en-US" dirty="0"/>
-              <a:t>ORAN</a:t>
+              <a:t> </a:t>
+            </a:r>
+            <a:r>
+              <a:rPr lang="en-US" dirty="0" err="1"/>
+              <a:t>eNodeB</a:t>
+            </a:r>
+            <a:r>
+              <a:rPr lang="fa-IR" dirty="0"/>
+              <a:t> مدولار</a:t>
+            </a:r>
+          </a:p>
+          <a:p>
+            <a:pPr lvl="2"/>
+            <a:r>
+              <a:rPr lang="fa-IR" dirty="0"/>
+              <a:t>با طرح های مجازی سازی هماهنگی دارد</a:t>
             </a:r>
           </a:p>
           <a:p>
             <a:pPr lvl="1"/>
             <a:r>
+              <a:rPr lang="ar-IQ" dirty="0"/>
+              <a:t>انتشار رابطهای باز شمال و جنوب</a:t>
+            </a:r>
+            <a:endParaRPr lang="fa-IR" dirty="0"/>
+          </a:p>
+          <a:p>
+            <a:pPr lvl="2"/>
+            <a:r>
+              <a:rPr lang="ar-IQ" dirty="0"/>
+              <a:t>رابطهای استاندارد و باز قابلیت پشتیبانی از فروشنده‌های متعدد </a:t>
+            </a:r>
+            <a:r>
               <a:rPr lang="fa-IR" dirty="0"/>
-              <a:t>باز بودن</a:t>
-            </a:r>
-          </a:p>
-          <a:p>
-            <a:pPr lvl="1"/>
-            <a:r>
-              <a:rPr lang="fa-IR" dirty="0"/>
-              <a:t>هوشمندی</a:t>
-            </a:r>
-          </a:p>
-          <a:p>
-            <a:pPr lvl="1"/>
-            <a:r>
-              <a:rPr lang="fa-IR" dirty="0"/>
-              <a:t>مجازی سازی بخش </a:t>
-            </a:r>
-            <a:r>
-              <a:rPr lang="en-US" dirty="0"/>
-              <a:t>RAN</a:t>
-            </a:r>
-          </a:p>
-          <a:p>
-            <a:pPr lvl="1"/>
-            <a:r>
-              <a:rPr lang="fa-IR" dirty="0"/>
-              <a:t>نرم افزار منبع باز</a:t>
-            </a:r>
-          </a:p>
-          <a:p>
-            <a:pPr lvl="1"/>
-            <a:r>
-              <a:rPr lang="fa-IR" dirty="0"/>
-              <a:t>سخت افزار سفید</a:t>
-            </a:r>
-            <a:endParaRPr lang="en-US" dirty="0"/>
-          </a:p>
-          <a:p>
-            <a:endParaRPr lang="en-US" dirty="0"/>
-          </a:p>
-          <a:p>
+              <a:t>و </a:t>
+            </a:r>
+            <a:r>
+              <a:rPr lang="ar-IQ" dirty="0"/>
+              <a:t>همکاری اثبات شده </a:t>
+            </a:r>
+            <a:r>
+              <a:rPr lang="fa-IR"/>
+              <a:t>را </a:t>
+            </a:r>
+            <a:r>
+              <a:rPr lang="ar-IQ"/>
+              <a:t>دارند</a:t>
+            </a:r>
             <a:endParaRPr lang="en-US" dirty="0"/>
           </a:p>
         </p:txBody>
@@ -36033,6 +36385,1492 @@
           </a:p>
         </p:txBody>
       </p:sp>
+      <p:sp>
+        <p:nvSpPr>
+          <p:cNvPr id="4" name="Slide Number Placeholder 3">
+            <a:extLst>
+              <a:ext uri="{FF2B5EF4-FFF2-40B4-BE49-F238E27FC236}">
+                <a16:creationId xmlns:a16="http://schemas.microsoft.com/office/drawing/2014/main" id="{3C774782-4F7E-40C8-9544-9BADA6F496C5}"/>
+              </a:ext>
+            </a:extLst>
+          </p:cNvPr>
+          <p:cNvSpPr>
+            <a:spLocks noGrp="1"/>
+          </p:cNvSpPr>
+          <p:nvPr>
+            <p:ph type="sldNum" sz="quarter" idx="12"/>
+          </p:nvPr>
+        </p:nvSpPr>
+        <p:spPr/>
+        <p:txBody>
+          <a:bodyPr/>
+          <a:lstStyle/>
+          <a:p>
+            <a:fld id="{D57F1E4F-1CFF-5643-939E-217C01CDF565}" type="slidenum">
+              <a:rPr lang="en-US" smtClean="0"/>
+              <a:pPr/>
+              <a:t>7</a:t>
+            </a:fld>
+            <a:r>
+              <a:rPr lang="en-US"/>
+              <a:t>/3</a:t>
+            </a:r>
+            <a:r>
+              <a:rPr lang="fa-IR"/>
+              <a:t>9</a:t>
+            </a:r>
+            <a:endParaRPr lang="en-US" dirty="0"/>
+          </a:p>
+        </p:txBody>
+      </p:sp>
+    </p:spTree>
+    <p:extLst>
+      <p:ext uri="{BB962C8B-B14F-4D97-AF65-F5344CB8AC3E}">
+        <p14:creationId xmlns:p14="http://schemas.microsoft.com/office/powerpoint/2010/main" val="3318291668"/>
+      </p:ext>
+    </p:extLst>
+  </p:cSld>
+  <p:clrMapOvr>
+    <a:masterClrMapping/>
+  </p:clrMapOvr>
+</p:sld>
+</file>
+
+<file path=ppt/slides/slide8.xml><?xml version="1.0" encoding="utf-8"?>
+<p:sld xmlns:a="http://schemas.openxmlformats.org/drawingml/2006/main" xmlns:r="http://schemas.openxmlformats.org/officeDocument/2006/relationships" xmlns:p="http://schemas.openxmlformats.org/presentationml/2006/main">
+  <p:cSld>
+    <p:spTree>
+      <p:nvGrpSpPr>
+        <p:cNvPr id="1" name=""/>
+        <p:cNvGrpSpPr/>
+        <p:nvPr/>
+      </p:nvGrpSpPr>
+      <p:grpSpPr>
+        <a:xfrm>
+          <a:off x="0" y="0"/>
+          <a:ext cx="0" cy="0"/>
+          <a:chOff x="0" y="0"/>
+          <a:chExt cx="0" cy="0"/>
+        </a:xfrm>
+      </p:grpSpPr>
+      <p:sp>
+        <p:nvSpPr>
+          <p:cNvPr id="2" name="Title 1"/>
+          <p:cNvSpPr>
+            <a:spLocks noGrp="1"/>
+          </p:cNvSpPr>
+          <p:nvPr>
+            <p:ph type="title"/>
+          </p:nvPr>
+        </p:nvSpPr>
+        <p:spPr>
+          <a:xfrm>
+            <a:off x="1643491" y="101197"/>
+            <a:ext cx="8911687" cy="1280890"/>
+          </a:xfrm>
+        </p:spPr>
+        <p:txBody>
+          <a:bodyPr/>
+          <a:lstStyle/>
+          <a:p>
+            <a:r>
+              <a:rPr lang="en-US" dirty="0"/>
+              <a:t>VRAN</a:t>
+            </a:r>
+          </a:p>
+        </p:txBody>
+      </p:sp>
+      <p:sp>
+        <p:nvSpPr>
+          <p:cNvPr id="3" name="Content Placeholder 2"/>
+          <p:cNvSpPr>
+            <a:spLocks noGrp="1"/>
+          </p:cNvSpPr>
+          <p:nvPr>
+            <p:ph idx="1"/>
+          </p:nvPr>
+        </p:nvSpPr>
+        <p:spPr>
+          <a:xfrm>
+            <a:off x="1549626" y="1266080"/>
+            <a:ext cx="8915400" cy="3777622"/>
+          </a:xfrm>
+        </p:spPr>
+        <p:txBody>
+          <a:bodyPr/>
+          <a:lstStyle/>
+          <a:p>
+            <a:r>
+              <a:rPr lang="ar-IQ" dirty="0"/>
+              <a:t> شبکه‌های دسترسی رادیویی مجازی</a:t>
+            </a:r>
+            <a:r>
+              <a:rPr lang="en-US" dirty="0"/>
+              <a:t> </a:t>
+            </a:r>
+            <a:r>
+              <a:rPr lang="en-US" sz="2200" dirty="0"/>
+              <a:t>BBU</a:t>
+            </a:r>
+            <a:r>
+              <a:rPr lang="fa-IR" dirty="0"/>
+              <a:t>مجازی می شود</a:t>
+            </a:r>
+          </a:p>
+          <a:p>
+            <a:r>
+              <a:rPr lang="ar-IQ" dirty="0"/>
+              <a:t>با اجرای توابع باند پایه مجازی بر روی سخت افزار سرور کالا، بر اساس اصول مجازی سازی توابع شبکه </a:t>
+            </a:r>
+            <a:r>
+              <a:rPr lang="en-US" dirty="0"/>
+              <a:t>، </a:t>
+            </a:r>
+            <a:r>
+              <a:rPr lang="ar-IQ" dirty="0"/>
+              <a:t>فراتر از آخرین شبکه‌ی  متمرکز رادیویی</a:t>
+            </a:r>
+            <a:r>
+              <a:rPr lang="en-US" dirty="0"/>
+              <a:t> </a:t>
+            </a:r>
+            <a:r>
+              <a:rPr lang="ar-IQ" dirty="0"/>
+              <a:t>است</a:t>
+            </a:r>
+          </a:p>
+          <a:p>
+            <a:r>
+              <a:rPr lang="ar-IQ" dirty="0"/>
+              <a:t>افزایش هوشمندانه ظرفیت </a:t>
+            </a:r>
+            <a:endParaRPr lang="en-US" dirty="0"/>
+          </a:p>
+          <a:p>
+            <a:r>
+              <a:rPr lang="ar-IQ" dirty="0"/>
+              <a:t>کاهش چشمگیر هزینه‌ها</a:t>
+            </a:r>
+            <a:endParaRPr lang="en-US" dirty="0"/>
+          </a:p>
+          <a:p>
+            <a:r>
+              <a:rPr lang="ar-IQ" dirty="0"/>
+              <a:t>معماری</a:t>
+            </a:r>
+            <a:r>
+              <a:rPr lang="en-US" sz="2200" dirty="0" err="1"/>
+              <a:t>vRAN</a:t>
+            </a:r>
+            <a:r>
+              <a:rPr lang="en-US" dirty="0"/>
+              <a:t> </a:t>
+            </a:r>
+            <a:r>
+              <a:rPr lang="fa-IR" dirty="0"/>
+              <a:t> </a:t>
+            </a:r>
+            <a:r>
+              <a:rPr lang="ar-IQ" dirty="0"/>
+              <a:t>همچنین امکان انتقال اترنت و</a:t>
+            </a:r>
+            <a:r>
+              <a:rPr lang="en-US" sz="2200" dirty="0"/>
+              <a:t>IP</a:t>
+            </a:r>
+            <a:r>
+              <a:rPr lang="en-US" dirty="0"/>
+              <a:t> </a:t>
+            </a:r>
+            <a:r>
+              <a:rPr lang="fa-IR" dirty="0"/>
+              <a:t> </a:t>
+            </a:r>
+            <a:r>
+              <a:rPr lang="ar-IQ" dirty="0"/>
+              <a:t>را فراهم می‌کند</a:t>
+            </a:r>
+            <a:endParaRPr lang="en-US" dirty="0"/>
+          </a:p>
+          <a:p>
+            <a:pPr lvl="1"/>
+            <a:r>
+              <a:rPr lang="ar-IQ" dirty="0"/>
+              <a:t> که به ارائه‌دهندگان خدمات گزینه‌های مقرون به صرفه‌تری برای انتقال </a:t>
+            </a:r>
+            <a:r>
+              <a:rPr lang="en-US" sz="2200" dirty="0"/>
+              <a:t>fronthaul</a:t>
+            </a:r>
+            <a:r>
+              <a:rPr lang="en-US" dirty="0"/>
+              <a:t> </a:t>
+            </a:r>
+            <a:r>
+              <a:rPr lang="fa-IR" dirty="0"/>
+              <a:t> </a:t>
+            </a:r>
+            <a:r>
+              <a:rPr lang="ar-IQ" dirty="0"/>
+              <a:t>می‌دهد</a:t>
+            </a:r>
+            <a:endParaRPr lang="en-US" dirty="0"/>
+          </a:p>
+        </p:txBody>
+      </p:sp>
+      <p:pic>
+        <p:nvPicPr>
+          <p:cNvPr id="5" name="Picture 4"/>
+          <p:cNvPicPr>
+            <a:picLocks noChangeAspect="1"/>
+          </p:cNvPicPr>
+          <p:nvPr/>
+        </p:nvPicPr>
+        <p:blipFill>
+          <a:blip r:embed="rId2"/>
+          <a:stretch>
+            <a:fillRect/>
+          </a:stretch>
+        </p:blipFill>
+        <p:spPr>
+          <a:xfrm>
+            <a:off x="4310743" y="4474241"/>
+            <a:ext cx="4616731" cy="2280628"/>
+          </a:xfrm>
+          <a:prstGeom prst="rect">
+            <a:avLst/>
+          </a:prstGeom>
+        </p:spPr>
+      </p:pic>
+      <p:sp>
+        <p:nvSpPr>
+          <p:cNvPr id="6" name="Rounded Rectangle 10">
+            <a:extLst>
+              <a:ext uri="{FF2B5EF4-FFF2-40B4-BE49-F238E27FC236}">
+                <a16:creationId xmlns:a16="http://schemas.microsoft.com/office/drawing/2014/main" id="{5CA220EA-4AFC-4AC8-8966-6013F09A17D7}"/>
+              </a:ext>
+            </a:extLst>
+          </p:cNvPr>
+          <p:cNvSpPr/>
+          <p:nvPr/>
+        </p:nvSpPr>
+        <p:spPr>
+          <a:xfrm>
+            <a:off x="10782746" y="1203235"/>
+            <a:ext cx="1300766" cy="5586089"/>
+          </a:xfrm>
+          <a:prstGeom prst="roundRect">
+            <a:avLst/>
+          </a:prstGeom>
+          <a:gradFill flip="none" rotWithShape="1">
+            <a:gsLst>
+              <a:gs pos="0">
+                <a:schemeClr val="accent1">
+                  <a:tint val="66000"/>
+                  <a:satMod val="160000"/>
+                </a:schemeClr>
+              </a:gs>
+              <a:gs pos="50000">
+                <a:schemeClr val="accent1">
+                  <a:tint val="44500"/>
+                  <a:satMod val="160000"/>
+                </a:schemeClr>
+              </a:gs>
+              <a:gs pos="100000">
+                <a:schemeClr val="accent1">
+                  <a:tint val="23500"/>
+                  <a:satMod val="160000"/>
+                </a:schemeClr>
+              </a:gs>
+            </a:gsLst>
+            <a:path path="circle">
+              <a:fillToRect l="100000" t="100000"/>
+            </a:path>
+            <a:tileRect r="-100000" b="-100000"/>
+          </a:gradFill>
+          <a:ln>
+            <a:prstDash val="solid"/>
+          </a:ln>
+        </p:spPr>
+        <p:style>
+          <a:lnRef idx="2">
+            <a:schemeClr val="accent1">
+              <a:shade val="50000"/>
+            </a:schemeClr>
+          </a:lnRef>
+          <a:fillRef idx="1">
+            <a:schemeClr val="accent1"/>
+          </a:fillRef>
+          <a:effectRef idx="0">
+            <a:schemeClr val="accent1"/>
+          </a:effectRef>
+          <a:fontRef idx="minor">
+            <a:schemeClr val="lt1"/>
+          </a:fontRef>
+        </p:style>
+        <p:txBody>
+          <a:bodyPr rtlCol="0" anchor="ctr"/>
+          <a:lstStyle/>
+          <a:p>
+            <a:pPr algn="ctr"/>
+            <a:endParaRPr lang="en-US" sz="1500">
+              <a:cs typeface="B Nazanin" panose="00000400000000000000" pitchFamily="2" charset="-78"/>
+            </a:endParaRPr>
+          </a:p>
+        </p:txBody>
+      </p:sp>
+      <p:sp>
+        <p:nvSpPr>
+          <p:cNvPr id="7" name="Rectangle 6">
+            <a:extLst>
+              <a:ext uri="{FF2B5EF4-FFF2-40B4-BE49-F238E27FC236}">
+                <a16:creationId xmlns:a16="http://schemas.microsoft.com/office/drawing/2014/main" id="{268CB366-97C1-436E-B473-11C0B8A2B94B}"/>
+              </a:ext>
+            </a:extLst>
+          </p:cNvPr>
+          <p:cNvSpPr/>
+          <p:nvPr/>
+        </p:nvSpPr>
+        <p:spPr>
+          <a:xfrm>
+            <a:off x="10975929" y="1382087"/>
+            <a:ext cx="927279" cy="872108"/>
+          </a:xfrm>
+          <a:prstGeom prst="rect">
+            <a:avLst/>
+          </a:prstGeom>
+          <a:solidFill>
+            <a:schemeClr val="tx2">
+              <a:lumMod val="60000"/>
+              <a:lumOff val="40000"/>
+            </a:schemeClr>
+          </a:solidFill>
+        </p:spPr>
+        <p:style>
+          <a:lnRef idx="2">
+            <a:schemeClr val="accent1">
+              <a:shade val="50000"/>
+            </a:schemeClr>
+          </a:lnRef>
+          <a:fillRef idx="1">
+            <a:schemeClr val="accent1"/>
+          </a:fillRef>
+          <a:effectRef idx="0">
+            <a:schemeClr val="accent1"/>
+          </a:effectRef>
+          <a:fontRef idx="minor">
+            <a:schemeClr val="lt1"/>
+          </a:fontRef>
+        </p:style>
+        <p:txBody>
+          <a:bodyPr rtlCol="0" anchor="ctr"/>
+          <a:lstStyle/>
+          <a:p>
+            <a:pPr algn="ctr"/>
+            <a:r>
+              <a:rPr lang="fa-IR" b="1" dirty="0">
+                <a:solidFill>
+                  <a:schemeClr val="bg1"/>
+                </a:solidFill>
+                <a:cs typeface="B Nazanin" panose="00000400000000000000" pitchFamily="2" charset="-78"/>
+              </a:rPr>
+              <a:t>مقدمه</a:t>
+            </a:r>
+            <a:endParaRPr lang="en-US" b="1" dirty="0">
+              <a:solidFill>
+                <a:schemeClr val="bg1"/>
+              </a:solidFill>
+              <a:cs typeface="B Nazanin" panose="00000400000000000000" pitchFamily="2" charset="-78"/>
+            </a:endParaRPr>
+          </a:p>
+        </p:txBody>
+      </p:sp>
+      <p:sp>
+        <p:nvSpPr>
+          <p:cNvPr id="8" name="Rectangle 7">
+            <a:extLst>
+              <a:ext uri="{FF2B5EF4-FFF2-40B4-BE49-F238E27FC236}">
+                <a16:creationId xmlns:a16="http://schemas.microsoft.com/office/drawing/2014/main" id="{4BD395B4-C568-4FE4-8C83-4C5CAA018C54}"/>
+              </a:ext>
+            </a:extLst>
+          </p:cNvPr>
+          <p:cNvSpPr/>
+          <p:nvPr/>
+        </p:nvSpPr>
+        <p:spPr>
+          <a:xfrm>
+            <a:off x="10975929" y="2415082"/>
+            <a:ext cx="914400" cy="914400"/>
+          </a:xfrm>
+          <a:prstGeom prst="rect">
+            <a:avLst/>
+          </a:prstGeom>
+          <a:gradFill flip="none" rotWithShape="1">
+            <a:gsLst>
+              <a:gs pos="0">
+                <a:schemeClr val="accent1">
+                  <a:tint val="66000"/>
+                  <a:satMod val="160000"/>
+                </a:schemeClr>
+              </a:gs>
+              <a:gs pos="50000">
+                <a:schemeClr val="accent1">
+                  <a:tint val="44500"/>
+                  <a:satMod val="160000"/>
+                </a:schemeClr>
+              </a:gs>
+              <a:gs pos="100000">
+                <a:schemeClr val="accent1">
+                  <a:tint val="23500"/>
+                  <a:satMod val="160000"/>
+                </a:schemeClr>
+              </a:gs>
+            </a:gsLst>
+            <a:path path="circle">
+              <a:fillToRect l="100000" t="100000"/>
+            </a:path>
+            <a:tileRect r="-100000" b="-100000"/>
+          </a:gradFill>
+        </p:spPr>
+        <p:style>
+          <a:lnRef idx="2">
+            <a:schemeClr val="accent1">
+              <a:shade val="50000"/>
+            </a:schemeClr>
+          </a:lnRef>
+          <a:fillRef idx="1">
+            <a:schemeClr val="accent1"/>
+          </a:fillRef>
+          <a:effectRef idx="0">
+            <a:schemeClr val="accent1"/>
+          </a:effectRef>
+          <a:fontRef idx="minor">
+            <a:schemeClr val="lt1"/>
+          </a:fontRef>
+        </p:style>
+        <p:txBody>
+          <a:bodyPr rtlCol="0" anchor="ctr"/>
+          <a:lstStyle/>
+          <a:p>
+            <a:pPr algn="ctr"/>
+            <a:r>
+              <a:rPr lang="fa-IR" sz="1500" dirty="0">
+                <a:solidFill>
+                  <a:schemeClr val="tx1"/>
+                </a:solidFill>
+                <a:cs typeface="B Nazanin" panose="00000400000000000000" pitchFamily="2" charset="-78"/>
+              </a:rPr>
+              <a:t>پیشینه ی تحقیق</a:t>
+            </a:r>
+            <a:endParaRPr lang="en-US" sz="1500" dirty="0">
+              <a:solidFill>
+                <a:schemeClr val="tx1"/>
+              </a:solidFill>
+              <a:cs typeface="B Nazanin" panose="00000400000000000000" pitchFamily="2" charset="-78"/>
+            </a:endParaRPr>
+          </a:p>
+        </p:txBody>
+      </p:sp>
+      <p:sp>
+        <p:nvSpPr>
+          <p:cNvPr id="9" name="Rectangle 8">
+            <a:extLst>
+              <a:ext uri="{FF2B5EF4-FFF2-40B4-BE49-F238E27FC236}">
+                <a16:creationId xmlns:a16="http://schemas.microsoft.com/office/drawing/2014/main" id="{1967F121-CEC3-4B97-8062-058D15C8F6D9}"/>
+              </a:ext>
+            </a:extLst>
+          </p:cNvPr>
+          <p:cNvSpPr/>
+          <p:nvPr/>
+        </p:nvSpPr>
+        <p:spPr>
+          <a:xfrm>
+            <a:off x="10975929" y="3409406"/>
+            <a:ext cx="914400" cy="1173749"/>
+          </a:xfrm>
+          <a:prstGeom prst="rect">
+            <a:avLst/>
+          </a:prstGeom>
+          <a:gradFill flip="none" rotWithShape="1">
+            <a:gsLst>
+              <a:gs pos="0">
+                <a:schemeClr val="accent1">
+                  <a:tint val="66000"/>
+                  <a:satMod val="160000"/>
+                </a:schemeClr>
+              </a:gs>
+              <a:gs pos="50000">
+                <a:schemeClr val="accent1">
+                  <a:tint val="44500"/>
+                  <a:satMod val="160000"/>
+                </a:schemeClr>
+              </a:gs>
+              <a:gs pos="100000">
+                <a:schemeClr val="accent1">
+                  <a:tint val="23500"/>
+                  <a:satMod val="160000"/>
+                </a:schemeClr>
+              </a:gs>
+            </a:gsLst>
+            <a:path path="circle">
+              <a:fillToRect l="50000" t="50000" r="50000" b="50000"/>
+            </a:path>
+            <a:tileRect/>
+          </a:gradFill>
+        </p:spPr>
+        <p:style>
+          <a:lnRef idx="2">
+            <a:schemeClr val="accent1">
+              <a:shade val="50000"/>
+            </a:schemeClr>
+          </a:lnRef>
+          <a:fillRef idx="1">
+            <a:schemeClr val="accent1"/>
+          </a:fillRef>
+          <a:effectRef idx="0">
+            <a:schemeClr val="accent1"/>
+          </a:effectRef>
+          <a:fontRef idx="minor">
+            <a:schemeClr val="lt1"/>
+          </a:fontRef>
+        </p:style>
+        <p:txBody>
+          <a:bodyPr rtlCol="0" anchor="ctr"/>
+          <a:lstStyle/>
+          <a:p>
+            <a:pPr algn="ctr"/>
+            <a:r>
+              <a:rPr lang="fa-IR" sz="1500" dirty="0">
+                <a:solidFill>
+                  <a:schemeClr val="tx1"/>
+                </a:solidFill>
+                <a:cs typeface="B Nazanin" panose="00000400000000000000" pitchFamily="2" charset="-78"/>
+              </a:rPr>
+              <a:t>تخصیص منابع در شبکه دسترسی رادیویی باز </a:t>
+            </a:r>
+            <a:endParaRPr lang="en-US" sz="1500" dirty="0">
+              <a:solidFill>
+                <a:schemeClr val="tx1"/>
+              </a:solidFill>
+              <a:cs typeface="B Nazanin" panose="00000400000000000000" pitchFamily="2" charset="-78"/>
+            </a:endParaRPr>
+          </a:p>
+        </p:txBody>
+      </p:sp>
+      <p:sp>
+        <p:nvSpPr>
+          <p:cNvPr id="10" name="Rectangle 9">
+            <a:extLst>
+              <a:ext uri="{FF2B5EF4-FFF2-40B4-BE49-F238E27FC236}">
+                <a16:creationId xmlns:a16="http://schemas.microsoft.com/office/drawing/2014/main" id="{92B5EB91-6867-4210-98DE-9C6E48E31DF3}"/>
+              </a:ext>
+            </a:extLst>
+          </p:cNvPr>
+          <p:cNvSpPr/>
+          <p:nvPr/>
+        </p:nvSpPr>
+        <p:spPr>
+          <a:xfrm>
+            <a:off x="10948455" y="4708310"/>
+            <a:ext cx="914400" cy="914400"/>
+          </a:xfrm>
+          <a:prstGeom prst="rect">
+            <a:avLst/>
+          </a:prstGeom>
+          <a:gradFill flip="none" rotWithShape="1">
+            <a:gsLst>
+              <a:gs pos="0">
+                <a:schemeClr val="accent1">
+                  <a:tint val="66000"/>
+                  <a:satMod val="160000"/>
+                </a:schemeClr>
+              </a:gs>
+              <a:gs pos="50000">
+                <a:schemeClr val="accent1">
+                  <a:tint val="44500"/>
+                  <a:satMod val="160000"/>
+                </a:schemeClr>
+              </a:gs>
+              <a:gs pos="100000">
+                <a:schemeClr val="accent1">
+                  <a:tint val="23500"/>
+                  <a:satMod val="160000"/>
+                </a:schemeClr>
+              </a:gs>
+            </a:gsLst>
+            <a:path path="circle">
+              <a:fillToRect l="50000" t="50000" r="50000" b="50000"/>
+            </a:path>
+            <a:tileRect/>
+          </a:gradFill>
+        </p:spPr>
+        <p:style>
+          <a:lnRef idx="2">
+            <a:schemeClr val="accent1">
+              <a:shade val="50000"/>
+            </a:schemeClr>
+          </a:lnRef>
+          <a:fillRef idx="1">
+            <a:schemeClr val="accent1"/>
+          </a:fillRef>
+          <a:effectRef idx="0">
+            <a:schemeClr val="accent1"/>
+          </a:effectRef>
+          <a:fontRef idx="minor">
+            <a:schemeClr val="lt1"/>
+          </a:fontRef>
+        </p:style>
+        <p:txBody>
+          <a:bodyPr rtlCol="0" anchor="ctr"/>
+          <a:lstStyle/>
+          <a:p>
+            <a:pPr algn="ctr" rtl="1"/>
+            <a:r>
+              <a:rPr lang="fa-IR" sz="1500" dirty="0">
+                <a:solidFill>
+                  <a:schemeClr val="tx1"/>
+                </a:solidFill>
+                <a:cs typeface="B Nazanin" pitchFamily="2" charset="-78"/>
+              </a:rPr>
+              <a:t>تخصیص برش شبکه به صورت دینامیکی</a:t>
+            </a:r>
+            <a:endParaRPr lang="en-US" sz="1500" dirty="0">
+              <a:solidFill>
+                <a:schemeClr val="tx1"/>
+              </a:solidFill>
+              <a:cs typeface="B Nazanin" pitchFamily="2" charset="-78"/>
+            </a:endParaRPr>
+          </a:p>
+        </p:txBody>
+      </p:sp>
+      <p:sp>
+        <p:nvSpPr>
+          <p:cNvPr id="11" name="Rectangle 10">
+            <a:extLst>
+              <a:ext uri="{FF2B5EF4-FFF2-40B4-BE49-F238E27FC236}">
+                <a16:creationId xmlns:a16="http://schemas.microsoft.com/office/drawing/2014/main" id="{043FCFD6-E24B-444D-B891-C4D66ED6A729}"/>
+              </a:ext>
+            </a:extLst>
+          </p:cNvPr>
+          <p:cNvSpPr/>
+          <p:nvPr/>
+        </p:nvSpPr>
+        <p:spPr>
+          <a:xfrm>
+            <a:off x="10975929" y="5747865"/>
+            <a:ext cx="914400" cy="1005335"/>
+          </a:xfrm>
+          <a:prstGeom prst="rect">
+            <a:avLst/>
+          </a:prstGeom>
+          <a:gradFill flip="none" rotWithShape="1">
+            <a:gsLst>
+              <a:gs pos="0">
+                <a:schemeClr val="accent1">
+                  <a:tint val="66000"/>
+                  <a:satMod val="160000"/>
+                </a:schemeClr>
+              </a:gs>
+              <a:gs pos="50000">
+                <a:schemeClr val="accent1">
+                  <a:tint val="44500"/>
+                  <a:satMod val="160000"/>
+                </a:schemeClr>
+              </a:gs>
+              <a:gs pos="100000">
+                <a:schemeClr val="accent1">
+                  <a:tint val="23500"/>
+                  <a:satMod val="160000"/>
+                </a:schemeClr>
+              </a:gs>
+            </a:gsLst>
+            <a:path path="circle">
+              <a:fillToRect l="50000" t="50000" r="50000" b="50000"/>
+            </a:path>
+            <a:tileRect/>
+          </a:gradFill>
+        </p:spPr>
+        <p:style>
+          <a:lnRef idx="2">
+            <a:schemeClr val="accent1">
+              <a:shade val="50000"/>
+            </a:schemeClr>
+          </a:lnRef>
+          <a:fillRef idx="1">
+            <a:schemeClr val="accent1"/>
+          </a:fillRef>
+          <a:effectRef idx="0">
+            <a:schemeClr val="accent1"/>
+          </a:effectRef>
+          <a:fontRef idx="minor">
+            <a:schemeClr val="lt1"/>
+          </a:fontRef>
+        </p:style>
+        <p:txBody>
+          <a:bodyPr rtlCol="0" anchor="ctr"/>
+          <a:lstStyle/>
+          <a:p>
+            <a:pPr algn="ctr"/>
+            <a:r>
+              <a:rPr lang="fa-IR" sz="1500" dirty="0">
+                <a:solidFill>
+                  <a:schemeClr val="tx1"/>
+                </a:solidFill>
+                <a:cs typeface="B Nazanin" panose="00000400000000000000" pitchFamily="2" charset="-78"/>
+              </a:rPr>
+              <a:t>نتیجه گیری و پیشنهادات</a:t>
+            </a:r>
+            <a:endParaRPr lang="en-US" sz="1500" dirty="0">
+              <a:solidFill>
+                <a:schemeClr val="tx1"/>
+              </a:solidFill>
+              <a:cs typeface="B Nazanin" panose="00000400000000000000" pitchFamily="2" charset="-78"/>
+            </a:endParaRPr>
+          </a:p>
+        </p:txBody>
+      </p:sp>
+      <p:sp>
+        <p:nvSpPr>
+          <p:cNvPr id="4" name="Slide Number Placeholder 3">
+            <a:extLst>
+              <a:ext uri="{FF2B5EF4-FFF2-40B4-BE49-F238E27FC236}">
+                <a16:creationId xmlns:a16="http://schemas.microsoft.com/office/drawing/2014/main" id="{0F323CDE-5937-4BF3-9427-A396516946B4}"/>
+              </a:ext>
+            </a:extLst>
+          </p:cNvPr>
+          <p:cNvSpPr>
+            <a:spLocks noGrp="1"/>
+          </p:cNvSpPr>
+          <p:nvPr>
+            <p:ph type="sldNum" sz="quarter" idx="12"/>
+          </p:nvPr>
+        </p:nvSpPr>
+        <p:spPr/>
+        <p:txBody>
+          <a:bodyPr/>
+          <a:lstStyle/>
+          <a:p>
+            <a:fld id="{D57F1E4F-1CFF-5643-939E-217C01CDF565}" type="slidenum">
+              <a:rPr lang="en-US" smtClean="0"/>
+              <a:pPr/>
+              <a:t>8</a:t>
+            </a:fld>
+            <a:r>
+              <a:rPr lang="en-US"/>
+              <a:t>/3</a:t>
+            </a:r>
+            <a:r>
+              <a:rPr lang="fa-IR"/>
+              <a:t>9</a:t>
+            </a:r>
+            <a:endParaRPr lang="en-US" dirty="0"/>
+          </a:p>
+        </p:txBody>
+      </p:sp>
+    </p:spTree>
+    <p:extLst>
+      <p:ext uri="{BB962C8B-B14F-4D97-AF65-F5344CB8AC3E}">
+        <p14:creationId xmlns:p14="http://schemas.microsoft.com/office/powerpoint/2010/main" val="3555848785"/>
+      </p:ext>
+    </p:extLst>
+  </p:cSld>
+  <p:clrMapOvr>
+    <a:masterClrMapping/>
+  </p:clrMapOvr>
+</p:sld>
+</file>
+
+<file path=ppt/slides/slide9.xml><?xml version="1.0" encoding="utf-8"?>
+<p:sld xmlns:a="http://schemas.openxmlformats.org/drawingml/2006/main" xmlns:r="http://schemas.openxmlformats.org/officeDocument/2006/relationships" xmlns:p="http://schemas.openxmlformats.org/presentationml/2006/main">
+  <p:cSld>
+    <p:spTree>
+      <p:nvGrpSpPr>
+        <p:cNvPr id="1" name=""/>
+        <p:cNvGrpSpPr/>
+        <p:nvPr/>
+      </p:nvGrpSpPr>
+      <p:grpSpPr>
+        <a:xfrm>
+          <a:off x="0" y="0"/>
+          <a:ext cx="0" cy="0"/>
+          <a:chOff x="0" y="0"/>
+          <a:chExt cx="0" cy="0"/>
+        </a:xfrm>
+      </p:grpSpPr>
+      <p:sp>
+        <p:nvSpPr>
+          <p:cNvPr id="2" name="Title 1"/>
+          <p:cNvSpPr>
+            <a:spLocks noGrp="1"/>
+          </p:cNvSpPr>
+          <p:nvPr>
+            <p:ph type="title"/>
+          </p:nvPr>
+        </p:nvSpPr>
+        <p:spPr/>
+        <p:txBody>
+          <a:bodyPr/>
+          <a:lstStyle/>
+          <a:p>
+            <a:r>
+              <a:rPr lang="en-US" dirty="0"/>
+              <a:t>ORAN</a:t>
+            </a:r>
+          </a:p>
+        </p:txBody>
+      </p:sp>
+      <p:sp>
+        <p:nvSpPr>
+          <p:cNvPr id="3" name="Content Placeholder 2"/>
+          <p:cNvSpPr>
+            <a:spLocks noGrp="1"/>
+          </p:cNvSpPr>
+          <p:nvPr>
+            <p:ph idx="1"/>
+          </p:nvPr>
+        </p:nvSpPr>
+        <p:spPr>
+          <a:xfrm>
+            <a:off x="1999163" y="1382087"/>
+            <a:ext cx="8949291" cy="4365778"/>
+          </a:xfrm>
+        </p:spPr>
+        <p:txBody>
+          <a:bodyPr>
+            <a:normAutofit lnSpcReduction="10000"/>
+          </a:bodyPr>
+          <a:lstStyle/>
+          <a:p>
+            <a:r>
+              <a:rPr lang="fa-IR" dirty="0"/>
+              <a:t>ا</a:t>
+            </a:r>
+            <a:r>
+              <a:rPr lang="ar-IQ" dirty="0"/>
+              <a:t>لمانهای شبکه ی دسترسی رادیویی را مجازی می‌کند، آنها را جدا کرده و رابطهای باز</a:t>
+            </a:r>
+            <a:r>
+              <a:rPr lang="fa-IR" dirty="0"/>
+              <a:t> </a:t>
+            </a:r>
+            <a:r>
+              <a:rPr lang="ar-IQ" dirty="0"/>
+              <a:t>مناسب را برای اتصال این عناصر</a:t>
+            </a:r>
+            <a:r>
+              <a:rPr lang="fa-IR" dirty="0"/>
+              <a:t> </a:t>
+            </a:r>
+            <a:r>
+              <a:rPr lang="ar-IQ" dirty="0"/>
+              <a:t>تعیین می‌کند.</a:t>
+            </a:r>
+            <a:endParaRPr lang="en-US" dirty="0"/>
+          </a:p>
+          <a:p>
+            <a:r>
+              <a:rPr lang="fa-IR" dirty="0"/>
+              <a:t>از ترکیب </a:t>
+            </a:r>
+            <a:r>
+              <a:rPr lang="en-US" sz="2200" dirty="0"/>
+              <a:t>C-RAN</a:t>
+            </a:r>
+            <a:r>
+              <a:rPr lang="fa-IR" dirty="0"/>
+              <a:t> و </a:t>
+            </a:r>
+            <a:r>
+              <a:rPr lang="en-US" sz="2200" dirty="0"/>
+              <a:t>VRAN</a:t>
+            </a:r>
+            <a:r>
+              <a:rPr lang="en-US" dirty="0"/>
+              <a:t> </a:t>
+            </a:r>
+            <a:r>
+              <a:rPr lang="fa-IR" dirty="0"/>
+              <a:t> - </a:t>
+            </a:r>
+            <a:r>
+              <a:rPr lang="en-US" sz="2200" dirty="0"/>
+              <a:t>C-RAN</a:t>
+            </a:r>
+            <a:r>
+              <a:rPr lang="fa-IR" dirty="0"/>
+              <a:t> و </a:t>
+            </a:r>
+            <a:r>
+              <a:rPr lang="en-US" sz="2200" dirty="0"/>
+              <a:t>XRAN</a:t>
+            </a:r>
+            <a:endParaRPr lang="fa-IR" sz="2200" dirty="0"/>
+          </a:p>
+          <a:p>
+            <a:r>
+              <a:rPr lang="fa-IR" dirty="0"/>
+              <a:t>استفاده از روشهای یادگیری ماشین برای هوشمندسازی لایه‌های </a:t>
+            </a:r>
+            <a:r>
+              <a:rPr lang="en-US" sz="2200" dirty="0"/>
+              <a:t>RAN</a:t>
+            </a:r>
+          </a:p>
+          <a:p>
+            <a:r>
+              <a:rPr lang="fa-IR" dirty="0"/>
+              <a:t>ويژگی</a:t>
+            </a:r>
+            <a:r>
+              <a:rPr lang="en-US" dirty="0"/>
+              <a:t> </a:t>
+            </a:r>
+            <a:r>
+              <a:rPr lang="fa-IR" dirty="0"/>
+              <a:t>های </a:t>
+            </a:r>
+            <a:r>
+              <a:rPr lang="en-US" sz="2000" dirty="0"/>
+              <a:t>ORAN</a:t>
+            </a:r>
+            <a:endParaRPr lang="en-US" dirty="0"/>
+          </a:p>
+          <a:p>
+            <a:pPr lvl="1"/>
+            <a:r>
+              <a:rPr lang="fa-IR" dirty="0"/>
+              <a:t>باز بودن</a:t>
+            </a:r>
+          </a:p>
+          <a:p>
+            <a:pPr lvl="1"/>
+            <a:r>
+              <a:rPr lang="fa-IR" dirty="0"/>
+              <a:t>هوشمندی</a:t>
+            </a:r>
+          </a:p>
+          <a:p>
+            <a:pPr lvl="1"/>
+            <a:r>
+              <a:rPr lang="fa-IR" dirty="0"/>
+              <a:t>مجازی سازی بخش </a:t>
+            </a:r>
+            <a:r>
+              <a:rPr lang="en-US" sz="1800" dirty="0"/>
+              <a:t>RAN</a:t>
+            </a:r>
+            <a:endParaRPr lang="en-US" dirty="0"/>
+          </a:p>
+          <a:p>
+            <a:pPr lvl="1"/>
+            <a:r>
+              <a:rPr lang="fa-IR" dirty="0"/>
+              <a:t>نرم افزار منبع باز</a:t>
+            </a:r>
+          </a:p>
+          <a:p>
+            <a:pPr lvl="1"/>
+            <a:r>
+              <a:rPr lang="fa-IR" dirty="0"/>
+              <a:t>سخت افزار سفید</a:t>
+            </a:r>
+            <a:endParaRPr lang="en-US" dirty="0"/>
+          </a:p>
+          <a:p>
+            <a:endParaRPr lang="en-US" dirty="0"/>
+          </a:p>
+          <a:p>
+            <a:endParaRPr lang="en-US" dirty="0"/>
+          </a:p>
+        </p:txBody>
+      </p:sp>
+      <p:sp>
+        <p:nvSpPr>
+          <p:cNvPr id="5" name="Rounded Rectangle 10">
+            <a:extLst>
+              <a:ext uri="{FF2B5EF4-FFF2-40B4-BE49-F238E27FC236}">
+                <a16:creationId xmlns:a16="http://schemas.microsoft.com/office/drawing/2014/main" id="{5CA220EA-4AFC-4AC8-8966-6013F09A17D7}"/>
+              </a:ext>
+            </a:extLst>
+          </p:cNvPr>
+          <p:cNvSpPr/>
+          <p:nvPr/>
+        </p:nvSpPr>
+        <p:spPr>
+          <a:xfrm>
+            <a:off x="10782746" y="1203235"/>
+            <a:ext cx="1300766" cy="5586089"/>
+          </a:xfrm>
+          <a:prstGeom prst="roundRect">
+            <a:avLst/>
+          </a:prstGeom>
+          <a:gradFill flip="none" rotWithShape="1">
+            <a:gsLst>
+              <a:gs pos="0">
+                <a:schemeClr val="accent1">
+                  <a:tint val="66000"/>
+                  <a:satMod val="160000"/>
+                </a:schemeClr>
+              </a:gs>
+              <a:gs pos="50000">
+                <a:schemeClr val="accent1">
+                  <a:tint val="44500"/>
+                  <a:satMod val="160000"/>
+                </a:schemeClr>
+              </a:gs>
+              <a:gs pos="100000">
+                <a:schemeClr val="accent1">
+                  <a:tint val="23500"/>
+                  <a:satMod val="160000"/>
+                </a:schemeClr>
+              </a:gs>
+            </a:gsLst>
+            <a:path path="circle">
+              <a:fillToRect l="100000" t="100000"/>
+            </a:path>
+            <a:tileRect r="-100000" b="-100000"/>
+          </a:gradFill>
+          <a:ln>
+            <a:prstDash val="solid"/>
+          </a:ln>
+        </p:spPr>
+        <p:style>
+          <a:lnRef idx="2">
+            <a:schemeClr val="accent1">
+              <a:shade val="50000"/>
+            </a:schemeClr>
+          </a:lnRef>
+          <a:fillRef idx="1">
+            <a:schemeClr val="accent1"/>
+          </a:fillRef>
+          <a:effectRef idx="0">
+            <a:schemeClr val="accent1"/>
+          </a:effectRef>
+          <a:fontRef idx="minor">
+            <a:schemeClr val="lt1"/>
+          </a:fontRef>
+        </p:style>
+        <p:txBody>
+          <a:bodyPr rtlCol="0" anchor="ctr"/>
+          <a:lstStyle/>
+          <a:p>
+            <a:pPr algn="ctr"/>
+            <a:endParaRPr lang="en-US" sz="1500">
+              <a:cs typeface="B Nazanin" panose="00000400000000000000" pitchFamily="2" charset="-78"/>
+            </a:endParaRPr>
+          </a:p>
+        </p:txBody>
+      </p:sp>
+      <p:sp>
+        <p:nvSpPr>
+          <p:cNvPr id="6" name="Rectangle 5">
+            <a:extLst>
+              <a:ext uri="{FF2B5EF4-FFF2-40B4-BE49-F238E27FC236}">
+                <a16:creationId xmlns:a16="http://schemas.microsoft.com/office/drawing/2014/main" id="{268CB366-97C1-436E-B473-11C0B8A2B94B}"/>
+              </a:ext>
+            </a:extLst>
+          </p:cNvPr>
+          <p:cNvSpPr/>
+          <p:nvPr/>
+        </p:nvSpPr>
+        <p:spPr>
+          <a:xfrm>
+            <a:off x="10975929" y="1382087"/>
+            <a:ext cx="927279" cy="872108"/>
+          </a:xfrm>
+          <a:prstGeom prst="rect">
+            <a:avLst/>
+          </a:prstGeom>
+          <a:solidFill>
+            <a:schemeClr val="tx2">
+              <a:lumMod val="60000"/>
+              <a:lumOff val="40000"/>
+            </a:schemeClr>
+          </a:solidFill>
+        </p:spPr>
+        <p:style>
+          <a:lnRef idx="2">
+            <a:schemeClr val="accent1">
+              <a:shade val="50000"/>
+            </a:schemeClr>
+          </a:lnRef>
+          <a:fillRef idx="1">
+            <a:schemeClr val="accent1"/>
+          </a:fillRef>
+          <a:effectRef idx="0">
+            <a:schemeClr val="accent1"/>
+          </a:effectRef>
+          <a:fontRef idx="minor">
+            <a:schemeClr val="lt1"/>
+          </a:fontRef>
+        </p:style>
+        <p:txBody>
+          <a:bodyPr rtlCol="0" anchor="ctr"/>
+          <a:lstStyle/>
+          <a:p>
+            <a:pPr algn="ctr"/>
+            <a:r>
+              <a:rPr lang="fa-IR" b="1" dirty="0">
+                <a:solidFill>
+                  <a:schemeClr val="bg1"/>
+                </a:solidFill>
+                <a:cs typeface="B Nazanin" panose="00000400000000000000" pitchFamily="2" charset="-78"/>
+              </a:rPr>
+              <a:t>مقدمه</a:t>
+            </a:r>
+            <a:endParaRPr lang="en-US" b="1" dirty="0">
+              <a:solidFill>
+                <a:schemeClr val="bg1"/>
+              </a:solidFill>
+              <a:cs typeface="B Nazanin" panose="00000400000000000000" pitchFamily="2" charset="-78"/>
+            </a:endParaRPr>
+          </a:p>
+        </p:txBody>
+      </p:sp>
+      <p:sp>
+        <p:nvSpPr>
+          <p:cNvPr id="7" name="Rectangle 6">
+            <a:extLst>
+              <a:ext uri="{FF2B5EF4-FFF2-40B4-BE49-F238E27FC236}">
+                <a16:creationId xmlns:a16="http://schemas.microsoft.com/office/drawing/2014/main" id="{4BD395B4-C568-4FE4-8C83-4C5CAA018C54}"/>
+              </a:ext>
+            </a:extLst>
+          </p:cNvPr>
+          <p:cNvSpPr/>
+          <p:nvPr/>
+        </p:nvSpPr>
+        <p:spPr>
+          <a:xfrm>
+            <a:off x="10975929" y="2415082"/>
+            <a:ext cx="914400" cy="914400"/>
+          </a:xfrm>
+          <a:prstGeom prst="rect">
+            <a:avLst/>
+          </a:prstGeom>
+          <a:gradFill flip="none" rotWithShape="1">
+            <a:gsLst>
+              <a:gs pos="0">
+                <a:schemeClr val="accent1">
+                  <a:tint val="66000"/>
+                  <a:satMod val="160000"/>
+                </a:schemeClr>
+              </a:gs>
+              <a:gs pos="50000">
+                <a:schemeClr val="accent1">
+                  <a:tint val="44500"/>
+                  <a:satMod val="160000"/>
+                </a:schemeClr>
+              </a:gs>
+              <a:gs pos="100000">
+                <a:schemeClr val="accent1">
+                  <a:tint val="23500"/>
+                  <a:satMod val="160000"/>
+                </a:schemeClr>
+              </a:gs>
+            </a:gsLst>
+            <a:path path="circle">
+              <a:fillToRect l="100000" t="100000"/>
+            </a:path>
+            <a:tileRect r="-100000" b="-100000"/>
+          </a:gradFill>
+        </p:spPr>
+        <p:style>
+          <a:lnRef idx="2">
+            <a:schemeClr val="accent1">
+              <a:shade val="50000"/>
+            </a:schemeClr>
+          </a:lnRef>
+          <a:fillRef idx="1">
+            <a:schemeClr val="accent1"/>
+          </a:fillRef>
+          <a:effectRef idx="0">
+            <a:schemeClr val="accent1"/>
+          </a:effectRef>
+          <a:fontRef idx="minor">
+            <a:schemeClr val="lt1"/>
+          </a:fontRef>
+        </p:style>
+        <p:txBody>
+          <a:bodyPr rtlCol="0" anchor="ctr"/>
+          <a:lstStyle/>
+          <a:p>
+            <a:pPr algn="ctr"/>
+            <a:r>
+              <a:rPr lang="fa-IR" sz="1500" dirty="0">
+                <a:solidFill>
+                  <a:schemeClr val="tx1"/>
+                </a:solidFill>
+                <a:cs typeface="B Nazanin" panose="00000400000000000000" pitchFamily="2" charset="-78"/>
+              </a:rPr>
+              <a:t>پیشینه ی تحقیق</a:t>
+            </a:r>
+            <a:endParaRPr lang="en-US" sz="1500" dirty="0">
+              <a:solidFill>
+                <a:schemeClr val="tx1"/>
+              </a:solidFill>
+              <a:cs typeface="B Nazanin" panose="00000400000000000000" pitchFamily="2" charset="-78"/>
+            </a:endParaRPr>
+          </a:p>
+        </p:txBody>
+      </p:sp>
+      <p:sp>
+        <p:nvSpPr>
+          <p:cNvPr id="8" name="Rectangle 7">
+            <a:extLst>
+              <a:ext uri="{FF2B5EF4-FFF2-40B4-BE49-F238E27FC236}">
+                <a16:creationId xmlns:a16="http://schemas.microsoft.com/office/drawing/2014/main" id="{1967F121-CEC3-4B97-8062-058D15C8F6D9}"/>
+              </a:ext>
+            </a:extLst>
+          </p:cNvPr>
+          <p:cNvSpPr/>
+          <p:nvPr/>
+        </p:nvSpPr>
+        <p:spPr>
+          <a:xfrm>
+            <a:off x="10975929" y="3409406"/>
+            <a:ext cx="914400" cy="1173749"/>
+          </a:xfrm>
+          <a:prstGeom prst="rect">
+            <a:avLst/>
+          </a:prstGeom>
+          <a:gradFill flip="none" rotWithShape="1">
+            <a:gsLst>
+              <a:gs pos="0">
+                <a:schemeClr val="accent1">
+                  <a:tint val="66000"/>
+                  <a:satMod val="160000"/>
+                </a:schemeClr>
+              </a:gs>
+              <a:gs pos="50000">
+                <a:schemeClr val="accent1">
+                  <a:tint val="44500"/>
+                  <a:satMod val="160000"/>
+                </a:schemeClr>
+              </a:gs>
+              <a:gs pos="100000">
+                <a:schemeClr val="accent1">
+                  <a:tint val="23500"/>
+                  <a:satMod val="160000"/>
+                </a:schemeClr>
+              </a:gs>
+            </a:gsLst>
+            <a:path path="circle">
+              <a:fillToRect l="50000" t="50000" r="50000" b="50000"/>
+            </a:path>
+            <a:tileRect/>
+          </a:gradFill>
+        </p:spPr>
+        <p:style>
+          <a:lnRef idx="2">
+            <a:schemeClr val="accent1">
+              <a:shade val="50000"/>
+            </a:schemeClr>
+          </a:lnRef>
+          <a:fillRef idx="1">
+            <a:schemeClr val="accent1"/>
+          </a:fillRef>
+          <a:effectRef idx="0">
+            <a:schemeClr val="accent1"/>
+          </a:effectRef>
+          <a:fontRef idx="minor">
+            <a:schemeClr val="lt1"/>
+          </a:fontRef>
+        </p:style>
+        <p:txBody>
+          <a:bodyPr rtlCol="0" anchor="ctr"/>
+          <a:lstStyle/>
+          <a:p>
+            <a:pPr algn="ctr"/>
+            <a:r>
+              <a:rPr lang="fa-IR" sz="1500" dirty="0">
+                <a:solidFill>
+                  <a:schemeClr val="tx1"/>
+                </a:solidFill>
+                <a:cs typeface="B Nazanin" panose="00000400000000000000" pitchFamily="2" charset="-78"/>
+              </a:rPr>
+              <a:t>تخصیص منابع در شبکه دسترسی رادیویی باز </a:t>
+            </a:r>
+            <a:endParaRPr lang="en-US" sz="1500" dirty="0">
+              <a:solidFill>
+                <a:schemeClr val="tx1"/>
+              </a:solidFill>
+              <a:cs typeface="B Nazanin" panose="00000400000000000000" pitchFamily="2" charset="-78"/>
+            </a:endParaRPr>
+          </a:p>
+        </p:txBody>
+      </p:sp>
+      <p:sp>
+        <p:nvSpPr>
+          <p:cNvPr id="9" name="Rectangle 8">
+            <a:extLst>
+              <a:ext uri="{FF2B5EF4-FFF2-40B4-BE49-F238E27FC236}">
+                <a16:creationId xmlns:a16="http://schemas.microsoft.com/office/drawing/2014/main" id="{92B5EB91-6867-4210-98DE-9C6E48E31DF3}"/>
+              </a:ext>
+            </a:extLst>
+          </p:cNvPr>
+          <p:cNvSpPr/>
+          <p:nvPr/>
+        </p:nvSpPr>
+        <p:spPr>
+          <a:xfrm>
+            <a:off x="10948455" y="4708310"/>
+            <a:ext cx="914400" cy="914400"/>
+          </a:xfrm>
+          <a:prstGeom prst="rect">
+            <a:avLst/>
+          </a:prstGeom>
+          <a:gradFill flip="none" rotWithShape="1">
+            <a:gsLst>
+              <a:gs pos="0">
+                <a:schemeClr val="accent1">
+                  <a:tint val="66000"/>
+                  <a:satMod val="160000"/>
+                </a:schemeClr>
+              </a:gs>
+              <a:gs pos="50000">
+                <a:schemeClr val="accent1">
+                  <a:tint val="44500"/>
+                  <a:satMod val="160000"/>
+                </a:schemeClr>
+              </a:gs>
+              <a:gs pos="100000">
+                <a:schemeClr val="accent1">
+                  <a:tint val="23500"/>
+                  <a:satMod val="160000"/>
+                </a:schemeClr>
+              </a:gs>
+            </a:gsLst>
+            <a:path path="circle">
+              <a:fillToRect l="50000" t="50000" r="50000" b="50000"/>
+            </a:path>
+            <a:tileRect/>
+          </a:gradFill>
+        </p:spPr>
+        <p:style>
+          <a:lnRef idx="2">
+            <a:schemeClr val="accent1">
+              <a:shade val="50000"/>
+            </a:schemeClr>
+          </a:lnRef>
+          <a:fillRef idx="1">
+            <a:schemeClr val="accent1"/>
+          </a:fillRef>
+          <a:effectRef idx="0">
+            <a:schemeClr val="accent1"/>
+          </a:effectRef>
+          <a:fontRef idx="minor">
+            <a:schemeClr val="lt1"/>
+          </a:fontRef>
+        </p:style>
+        <p:txBody>
+          <a:bodyPr rtlCol="0" anchor="ctr"/>
+          <a:lstStyle/>
+          <a:p>
+            <a:pPr algn="ctr" rtl="1"/>
+            <a:r>
+              <a:rPr lang="fa-IR" sz="1500" dirty="0">
+                <a:solidFill>
+                  <a:schemeClr val="tx1"/>
+                </a:solidFill>
+                <a:cs typeface="B Nazanin" pitchFamily="2" charset="-78"/>
+              </a:rPr>
+              <a:t>تخصیص برش شبکه به صورت دینامیکی</a:t>
+            </a:r>
+            <a:endParaRPr lang="en-US" sz="1500" dirty="0">
+              <a:solidFill>
+                <a:schemeClr val="tx1"/>
+              </a:solidFill>
+              <a:cs typeface="B Nazanin" pitchFamily="2" charset="-78"/>
+            </a:endParaRPr>
+          </a:p>
+        </p:txBody>
+      </p:sp>
+      <p:sp>
+        <p:nvSpPr>
+          <p:cNvPr id="10" name="Rectangle 9">
+            <a:extLst>
+              <a:ext uri="{FF2B5EF4-FFF2-40B4-BE49-F238E27FC236}">
+                <a16:creationId xmlns:a16="http://schemas.microsoft.com/office/drawing/2014/main" id="{043FCFD6-E24B-444D-B891-C4D66ED6A729}"/>
+              </a:ext>
+            </a:extLst>
+          </p:cNvPr>
+          <p:cNvSpPr/>
+          <p:nvPr/>
+        </p:nvSpPr>
+        <p:spPr>
+          <a:xfrm>
+            <a:off x="10975929" y="5747865"/>
+            <a:ext cx="914400" cy="1005335"/>
+          </a:xfrm>
+          <a:prstGeom prst="rect">
+            <a:avLst/>
+          </a:prstGeom>
+          <a:gradFill flip="none" rotWithShape="1">
+            <a:gsLst>
+              <a:gs pos="0">
+                <a:schemeClr val="accent1">
+                  <a:tint val="66000"/>
+                  <a:satMod val="160000"/>
+                </a:schemeClr>
+              </a:gs>
+              <a:gs pos="50000">
+                <a:schemeClr val="accent1">
+                  <a:tint val="44500"/>
+                  <a:satMod val="160000"/>
+                </a:schemeClr>
+              </a:gs>
+              <a:gs pos="100000">
+                <a:schemeClr val="accent1">
+                  <a:tint val="23500"/>
+                  <a:satMod val="160000"/>
+                </a:schemeClr>
+              </a:gs>
+            </a:gsLst>
+            <a:path path="circle">
+              <a:fillToRect l="50000" t="50000" r="50000" b="50000"/>
+            </a:path>
+            <a:tileRect/>
+          </a:gradFill>
+        </p:spPr>
+        <p:style>
+          <a:lnRef idx="2">
+            <a:schemeClr val="accent1">
+              <a:shade val="50000"/>
+            </a:schemeClr>
+          </a:lnRef>
+          <a:fillRef idx="1">
+            <a:schemeClr val="accent1"/>
+          </a:fillRef>
+          <a:effectRef idx="0">
+            <a:schemeClr val="accent1"/>
+          </a:effectRef>
+          <a:fontRef idx="minor">
+            <a:schemeClr val="lt1"/>
+          </a:fontRef>
+        </p:style>
+        <p:txBody>
+          <a:bodyPr rtlCol="0" anchor="ctr"/>
+          <a:lstStyle/>
+          <a:p>
+            <a:pPr algn="ctr"/>
+            <a:r>
+              <a:rPr lang="fa-IR" sz="1500" dirty="0">
+                <a:solidFill>
+                  <a:schemeClr val="tx1"/>
+                </a:solidFill>
+                <a:cs typeface="B Nazanin" panose="00000400000000000000" pitchFamily="2" charset="-78"/>
+              </a:rPr>
+              <a:t>نتیجه گیری و پیشنهادات</a:t>
+            </a:r>
+            <a:endParaRPr lang="en-US" sz="1500" dirty="0">
+              <a:solidFill>
+                <a:schemeClr val="tx1"/>
+              </a:solidFill>
+              <a:cs typeface="B Nazanin" panose="00000400000000000000" pitchFamily="2" charset="-78"/>
+            </a:endParaRPr>
+          </a:p>
+        </p:txBody>
+      </p:sp>
       <p:pic>
         <p:nvPicPr>
           <p:cNvPr id="11" name="Picture 10">
@@ -36065,7 +37903,13 @@
       </p:pic>
       <p:sp>
         <p:nvSpPr>
-          <p:cNvPr id="12" name="Slide Number Placeholder 11"/>
+          <p:cNvPr id="4" name="Slide Number Placeholder 3">
+            <a:extLst>
+              <a:ext uri="{FF2B5EF4-FFF2-40B4-BE49-F238E27FC236}">
+                <a16:creationId xmlns:a16="http://schemas.microsoft.com/office/drawing/2014/main" id="{5325C46C-7CAE-471A-B695-2430208C6332}"/>
+              </a:ext>
+            </a:extLst>
+          </p:cNvPr>
           <p:cNvSpPr>
             <a:spLocks noGrp="1"/>
           </p:cNvSpPr>
@@ -36085,7 +37929,11 @@
             </a:fld>
             <a:r>
               <a:rPr lang="en-US"/>
-              <a:t>/37</a:t>
+              <a:t>/3</a:t>
+            </a:r>
+            <a:r>
+              <a:rPr lang="fa-IR"/>
+              <a:t>9</a:t>
             </a:r>
             <a:endParaRPr lang="en-US" dirty="0"/>
           </a:p>

--- a/Latex/tex1/proposal.pptx
+++ b/Latex/tex1/proposal.pptx
@@ -5,7 +5,7 @@
     <p:sldMasterId id="2147483648" r:id="rId1"/>
   </p:sldMasterIdLst>
   <p:notesMasterIdLst>
-    <p:notesMasterId r:id="rId42"/>
+    <p:notesMasterId r:id="rId43"/>
   </p:notesMasterIdLst>
   <p:sldIdLst>
     <p:sldId id="256" r:id="rId2"/>
@@ -20,34 +20,35 @@
     <p:sldId id="330" r:id="rId11"/>
     <p:sldId id="331" r:id="rId12"/>
     <p:sldId id="334" r:id="rId13"/>
-    <p:sldId id="337" r:id="rId14"/>
-    <p:sldId id="338" r:id="rId15"/>
-    <p:sldId id="367" r:id="rId16"/>
-    <p:sldId id="336" r:id="rId17"/>
-    <p:sldId id="368" r:id="rId18"/>
-    <p:sldId id="285" r:id="rId19"/>
-    <p:sldId id="344" r:id="rId20"/>
-    <p:sldId id="347" r:id="rId21"/>
-    <p:sldId id="345" r:id="rId22"/>
-    <p:sldId id="346" r:id="rId23"/>
-    <p:sldId id="289" r:id="rId24"/>
-    <p:sldId id="348" r:id="rId25"/>
-    <p:sldId id="349" r:id="rId26"/>
-    <p:sldId id="351" r:id="rId27"/>
-    <p:sldId id="350" r:id="rId28"/>
-    <p:sldId id="352" r:id="rId29"/>
-    <p:sldId id="314" r:id="rId30"/>
-    <p:sldId id="353" r:id="rId31"/>
-    <p:sldId id="355" r:id="rId32"/>
-    <p:sldId id="356" r:id="rId33"/>
-    <p:sldId id="357" r:id="rId34"/>
-    <p:sldId id="359" r:id="rId35"/>
-    <p:sldId id="361" r:id="rId36"/>
-    <p:sldId id="365" r:id="rId37"/>
-    <p:sldId id="369" r:id="rId38"/>
-    <p:sldId id="370" r:id="rId39"/>
-    <p:sldId id="363" r:id="rId40"/>
-    <p:sldId id="366" r:id="rId41"/>
+    <p:sldId id="333" r:id="rId14"/>
+    <p:sldId id="337" r:id="rId15"/>
+    <p:sldId id="338" r:id="rId16"/>
+    <p:sldId id="367" r:id="rId17"/>
+    <p:sldId id="336" r:id="rId18"/>
+    <p:sldId id="368" r:id="rId19"/>
+    <p:sldId id="285" r:id="rId20"/>
+    <p:sldId id="344" r:id="rId21"/>
+    <p:sldId id="347" r:id="rId22"/>
+    <p:sldId id="345" r:id="rId23"/>
+    <p:sldId id="346" r:id="rId24"/>
+    <p:sldId id="289" r:id="rId25"/>
+    <p:sldId id="348" r:id="rId26"/>
+    <p:sldId id="349" r:id="rId27"/>
+    <p:sldId id="351" r:id="rId28"/>
+    <p:sldId id="350" r:id="rId29"/>
+    <p:sldId id="352" r:id="rId30"/>
+    <p:sldId id="314" r:id="rId31"/>
+    <p:sldId id="353" r:id="rId32"/>
+    <p:sldId id="355" r:id="rId33"/>
+    <p:sldId id="356" r:id="rId34"/>
+    <p:sldId id="357" r:id="rId35"/>
+    <p:sldId id="359" r:id="rId36"/>
+    <p:sldId id="361" r:id="rId37"/>
+    <p:sldId id="365" r:id="rId38"/>
+    <p:sldId id="369" r:id="rId39"/>
+    <p:sldId id="370" r:id="rId40"/>
+    <p:sldId id="363" r:id="rId41"/>
+    <p:sldId id="366" r:id="rId42"/>
   </p:sldIdLst>
   <p:sldSz cx="12192000" cy="6858000"/>
   <p:notesSz cx="6858000" cy="9144000"/>
@@ -860,7 +861,7 @@
           <a:bodyPr/>
           <a:lstStyle/>
           <a:p>
-            <a:fld id="{867030E2-AD92-4124-9E62-245B8A727018}" type="datetime1">
+            <a:fld id="{A06D63F3-DB9B-4CFC-B16E-BC719EE96600}" type="datetime1">
               <a:rPr lang="en-US" smtClean="0"/>
               <a:t>11/14/2020</a:t>
             </a:fld>
@@ -1003,7 +1004,7 @@
             </a:fld>
             <a:r>
               <a:rPr lang="en-US" dirty="0"/>
-              <a:t>/42</a:t>
+              <a:t>/41</a:t>
             </a:r>
           </a:p>
         </p:txBody>
@@ -1264,7 +1265,7 @@
           <a:bodyPr/>
           <a:lstStyle/>
           <a:p>
-            <a:fld id="{48617192-EB60-4DB6-A223-4EF2CBC9BE40}" type="datetime1">
+            <a:fld id="{77546F32-9D7A-42B9-BEDE-87D62D098AFE}" type="datetime1">
               <a:rPr lang="en-US" smtClean="0"/>
               <a:t>11/14/2020</a:t>
             </a:fld>
@@ -1661,7 +1662,7 @@
           <a:bodyPr/>
           <a:lstStyle/>
           <a:p>
-            <a:fld id="{00E0AF8D-FE0A-4694-8360-159B045B3614}" type="datetime1">
+            <a:fld id="{21C2E7FD-BC70-4739-A4DE-F4F03D68BC38}" type="datetime1">
               <a:rPr lang="en-US" smtClean="0"/>
               <a:t>11/14/2020</a:t>
             </a:fld>
@@ -1993,7 +1994,7 @@
           <a:bodyPr/>
           <a:lstStyle/>
           <a:p>
-            <a:fld id="{86E34266-5A4B-451A-9D00-652005285E7A}" type="datetime1">
+            <a:fld id="{9AD7BF60-6EA6-48D4-B69D-0A47688B91B6}" type="datetime1">
               <a:rPr lang="en-US" smtClean="0"/>
               <a:t>11/14/2020</a:t>
             </a:fld>
@@ -2309,7 +2310,7 @@
           <a:bodyPr/>
           <a:lstStyle/>
           <a:p>
-            <a:fld id="{EEC937F3-200E-4DFF-8A4D-B4D2D09ABD60}" type="datetime1">
+            <a:fld id="{62C898E1-2BD4-487C-ADC4-075188E51716}" type="datetime1">
               <a:rPr lang="en-US" smtClean="0"/>
               <a:t>11/14/2020</a:t>
             </a:fld>
@@ -2701,7 +2702,7 @@
           <a:bodyPr/>
           <a:lstStyle/>
           <a:p>
-            <a:fld id="{1F259103-A106-443A-BA41-4EECB824BB8C}" type="datetime1">
+            <a:fld id="{3CC0BB44-E3E9-424B-8834-24EFAC066A23}" type="datetime1">
               <a:rPr lang="en-US" smtClean="0"/>
               <a:t>11/14/2020</a:t>
             </a:fld>
@@ -2954,7 +2955,7 @@
           <a:bodyPr/>
           <a:lstStyle/>
           <a:p>
-            <a:fld id="{6A898A6F-F090-4FB2-AA13-2639E0F88832}" type="datetime1">
+            <a:fld id="{AD77A1F1-C64C-4FDE-B89C-5D828018195F}" type="datetime1">
               <a:rPr lang="en-US" smtClean="0"/>
               <a:t>11/14/2020</a:t>
             </a:fld>
@@ -3212,7 +3213,7 @@
           <a:bodyPr/>
           <a:lstStyle/>
           <a:p>
-            <a:fld id="{99433ABF-94D5-4867-9BFC-99B13D2941F4}" type="datetime1">
+            <a:fld id="{CF6906B3-D87A-4428-8548-D10EF02CA5E5}" type="datetime1">
               <a:rPr lang="en-US" smtClean="0"/>
               <a:t>11/14/2020</a:t>
             </a:fld>
@@ -3584,7 +3585,7 @@
           <a:bodyPr/>
           <a:lstStyle/>
           <a:p>
-            <a:fld id="{6AB78748-66E8-40D3-84CC-26F3DA6C09D7}" type="datetime1">
+            <a:fld id="{F785C484-8DFF-44EC-AEAE-A201991DF07F}" type="datetime1">
               <a:rPr lang="en-US" smtClean="0"/>
               <a:t>11/14/2020</a:t>
             </a:fld>
@@ -3727,13 +3728,8 @@
             </a:fld>
             <a:r>
               <a:rPr lang="en-US" dirty="0"/>
-              <a:t>/3</a:t>
-            </a:r>
-            <a:r>
-              <a:rPr lang="fa-IR" dirty="0"/>
-              <a:t>9</a:t>
-            </a:r>
-            <a:endParaRPr lang="en-US" dirty="0"/>
+              <a:t>/41</a:t>
+            </a:r>
           </a:p>
         </p:txBody>
       </p:sp>
@@ -3989,7 +3985,7 @@
           <a:bodyPr/>
           <a:lstStyle/>
           <a:p>
-            <a:fld id="{AA3C4549-9E32-4233-8AC0-4083AF5328D5}" type="datetime1">
+            <a:fld id="{62124420-099B-4345-A590-7B379B5BD2CA}" type="datetime1">
               <a:rPr lang="en-US" smtClean="0"/>
               <a:t>11/14/2020</a:t>
             </a:fld>
@@ -4132,13 +4128,8 @@
             </a:fld>
             <a:r>
               <a:rPr lang="en-US" dirty="0"/>
-              <a:t>/3</a:t>
-            </a:r>
-            <a:r>
-              <a:rPr lang="fa-IR" dirty="0"/>
-              <a:t>9</a:t>
-            </a:r>
-            <a:endParaRPr lang="en-US" dirty="0"/>
+              <a:t>/41</a:t>
+            </a:r>
           </a:p>
         </p:txBody>
       </p:sp>
@@ -4383,7 +4374,7 @@
           <a:bodyPr/>
           <a:lstStyle/>
           <a:p>
-            <a:fld id="{15099726-8316-4212-9FF6-21BDE334E70C}" type="datetime1">
+            <a:fld id="{8C99827F-4F84-4E3D-AC2E-63EDC6B7EDF9}" type="datetime1">
               <a:rPr lang="en-US" smtClean="0"/>
               <a:t>11/14/2020</a:t>
             </a:fld>
@@ -4896,7 +4887,7 @@
           <a:bodyPr/>
           <a:lstStyle/>
           <a:p>
-            <a:fld id="{B324B5CE-B8C3-4E09-AD7F-51949DFF9E2D}" type="datetime1">
+            <a:fld id="{3F65524B-0C93-4EF0-8FF7-488D92353176}" type="datetime1">
               <a:rPr lang="en-US" smtClean="0"/>
               <a:t>11/14/2020</a:t>
             </a:fld>
@@ -5097,7 +5088,7 @@
           <a:bodyPr/>
           <a:lstStyle/>
           <a:p>
-            <a:fld id="{FEC500A9-9B20-4805-A05B-BBF908858AB8}" type="datetime1">
+            <a:fld id="{441E4069-FCBC-40CA-8C67-698C6B211284}" type="datetime1">
               <a:rPr lang="en-US" smtClean="0"/>
               <a:t>11/14/2020</a:t>
             </a:fld>
@@ -5335,7 +5326,7 @@
           <a:bodyPr/>
           <a:lstStyle/>
           <a:p>
-            <a:fld id="{48E16F13-920A-4A78-BC58-3454A7B391E7}" type="datetime1">
+            <a:fld id="{01E25061-CF07-46CD-B882-F3A1FC6E46A2}" type="datetime1">
               <a:rPr lang="en-US" smtClean="0"/>
               <a:t>11/14/2020</a:t>
             </a:fld>
@@ -5454,17 +5445,25 @@
             <p:ph type="sldNum" sz="quarter" idx="12"/>
           </p:nvPr>
         </p:nvSpPr>
-        <p:spPr/>
+        <p:spPr>
+          <a:xfrm>
+            <a:off x="391886" y="787782"/>
+            <a:ext cx="919693" cy="365125"/>
+          </a:xfrm>
+        </p:spPr>
         <p:txBody>
           <a:bodyPr/>
           <a:lstStyle/>
           <a:p>
             <a:fld id="{D57F1E4F-1CFF-5643-939E-217C01CDF565}" type="slidenum">
-              <a:rPr lang="en-US" dirty="0"/>
+              <a:rPr lang="en-US" smtClean="0"/>
               <a:pPr/>
               <a:t>‹#›</a:t>
             </a:fld>
-            <a:endParaRPr lang="en-US" dirty="0"/>
+            <a:r>
+              <a:rPr lang="en-US" dirty="0"/>
+              <a:t>/41</a:t>
+            </a:r>
           </a:p>
         </p:txBody>
       </p:sp>
@@ -5664,7 +5663,7 @@
           <a:bodyPr/>
           <a:lstStyle/>
           <a:p>
-            <a:fld id="{A3FC062E-FDF8-4946-86BC-54EF60326C86}" type="datetime1">
+            <a:fld id="{03635B37-6690-46B4-8E15-DF940C439962}" type="datetime1">
               <a:rPr lang="en-US" smtClean="0"/>
               <a:t>11/14/2020</a:t>
             </a:fld>
@@ -6005,7 +6004,7 @@
           <a:bodyPr/>
           <a:lstStyle/>
           <a:p>
-            <a:fld id="{537A95DD-3D1D-439B-9B3E-6284D7FC85D4}" type="datetime1">
+            <a:fld id="{1DE1B343-28F5-48E6-9C91-CDEE69C96721}" type="datetime1">
               <a:rPr lang="en-US" smtClean="0"/>
               <a:t>11/14/2020</a:t>
             </a:fld>
@@ -8118,7 +8117,7 @@
             </a:lvl1pPr>
           </a:lstStyle>
           <a:p>
-            <a:fld id="{A7BF2141-20BA-4C25-A1B5-98B2A3E100BD}" type="datetime1">
+            <a:fld id="{BB1F109D-FD6A-41E9-B23A-7DD41F1C57FB}" type="datetime1">
               <a:rPr lang="en-US" smtClean="0"/>
               <a:t>11/14/2020</a:t>
             </a:fld>
@@ -8776,10 +8775,10 @@
       </p:sp>
       <p:sp>
         <p:nvSpPr>
-          <p:cNvPr id="5" name="Slide Number Placeholder 4">
+          <p:cNvPr id="4" name="Slide Number Placeholder 3">
             <a:extLst>
               <a:ext uri="{FF2B5EF4-FFF2-40B4-BE49-F238E27FC236}">
-                <a16:creationId xmlns:a16="http://schemas.microsoft.com/office/drawing/2014/main" id="{7B516AF1-72AC-4F48-8A15-28ADF34245FA}"/>
+                <a16:creationId xmlns:a16="http://schemas.microsoft.com/office/drawing/2014/main" id="{5B5F86B8-8F58-4B83-B06B-B4E73977A59E}"/>
               </a:ext>
             </a:extLst>
           </p:cNvPr>
@@ -8801,9 +8800,10 @@
               <a:t>1</a:t>
             </a:fld>
             <a:r>
-              <a:rPr lang="en-US" dirty="0"/>
-              <a:t>/39</a:t>
-            </a:r>
+              <a:rPr lang="en-US"/>
+              <a:t>/41</a:t>
+            </a:r>
+            <a:endParaRPr lang="en-US" dirty="0"/>
           </a:p>
         </p:txBody>
       </p:sp>
@@ -9663,10 +9663,10 @@
       </p:sp>
       <p:sp>
         <p:nvSpPr>
-          <p:cNvPr id="4" name="Slide Number Placeholder 3">
+          <p:cNvPr id="11" name="Slide Number Placeholder 10">
             <a:extLst>
               <a:ext uri="{FF2B5EF4-FFF2-40B4-BE49-F238E27FC236}">
-                <a16:creationId xmlns:a16="http://schemas.microsoft.com/office/drawing/2014/main" id="{4EEF226A-9D03-48ED-8433-6512A7E2DA2A}"/>
+                <a16:creationId xmlns:a16="http://schemas.microsoft.com/office/drawing/2014/main" id="{BF550255-3233-4C8D-BEAA-4F1036EEA722}"/>
               </a:ext>
             </a:extLst>
           </p:cNvPr>
@@ -9689,11 +9689,7 @@
             </a:fld>
             <a:r>
               <a:rPr lang="en-US"/>
-              <a:t>/3</a:t>
-            </a:r>
-            <a:r>
-              <a:rPr lang="fa-IR"/>
-              <a:t>9</a:t>
+              <a:t>/41</a:t>
             </a:r>
             <a:endParaRPr lang="en-US" dirty="0"/>
           </a:p>
@@ -10441,10 +10437,10 @@
       </p:pic>
       <p:sp>
         <p:nvSpPr>
-          <p:cNvPr id="4" name="Slide Number Placeholder 3">
+          <p:cNvPr id="12" name="Slide Number Placeholder 11">
             <a:extLst>
               <a:ext uri="{FF2B5EF4-FFF2-40B4-BE49-F238E27FC236}">
-                <a16:creationId xmlns:a16="http://schemas.microsoft.com/office/drawing/2014/main" id="{CA8957A5-9489-4152-AFDC-204FD35384C7}"/>
+                <a16:creationId xmlns:a16="http://schemas.microsoft.com/office/drawing/2014/main" id="{C3071642-0159-4937-BD2C-6EAAEEFE17DB}"/>
               </a:ext>
             </a:extLst>
           </p:cNvPr>
@@ -10467,11 +10463,7 @@
             </a:fld>
             <a:r>
               <a:rPr lang="en-US"/>
-              <a:t>/3</a:t>
-            </a:r>
-            <a:r>
-              <a:rPr lang="fa-IR"/>
-              <a:t>9</a:t>
+              <a:t>/41</a:t>
             </a:r>
             <a:endParaRPr lang="en-US" dirty="0"/>
           </a:p>
@@ -11203,10 +11195,10 @@
       </p:pic>
       <p:sp>
         <p:nvSpPr>
-          <p:cNvPr id="4" name="Slide Number Placeholder 3">
+          <p:cNvPr id="12" name="Slide Number Placeholder 11">
             <a:extLst>
               <a:ext uri="{FF2B5EF4-FFF2-40B4-BE49-F238E27FC236}">
-                <a16:creationId xmlns:a16="http://schemas.microsoft.com/office/drawing/2014/main" id="{7C49CA33-3D84-41E8-BB90-57730F053B6F}"/>
+                <a16:creationId xmlns:a16="http://schemas.microsoft.com/office/drawing/2014/main" id="{C8EF9CF5-2B40-43BC-8BB4-80474F91D27C}"/>
               </a:ext>
             </a:extLst>
           </p:cNvPr>
@@ -11229,11 +11221,7 @@
             </a:fld>
             <a:r>
               <a:rPr lang="en-US"/>
-              <a:t>/3</a:t>
-            </a:r>
-            <a:r>
-              <a:rPr lang="fa-IR"/>
-              <a:t>9</a:t>
+              <a:t>/41</a:t>
             </a:r>
             <a:endParaRPr lang="en-US" dirty="0"/>
           </a:p>
@@ -11285,9 +11273,12 @@
           <a:lstStyle/>
           <a:p>
             <a:r>
-              <a:rPr lang="fa-IR" dirty="0"/>
-              <a:t>مسئله کوله پشتی</a:t>
-            </a:r>
+              <a:rPr lang="ar-IQ" dirty="0"/>
+              <a:t>شبکه دسترسی رادیویی تعر یف شده نرم افزار </a:t>
+            </a:r>
+            <a:br>
+              <a:rPr lang="ar-IQ" dirty="0"/>
+            </a:br>
             <a:endParaRPr lang="en-US" dirty="0"/>
           </a:p>
         </p:txBody>
@@ -11304,91 +11295,125 @@
         </p:nvSpPr>
         <p:spPr>
           <a:xfrm>
-            <a:off x="1971690" y="2252183"/>
+            <a:off x="1687042" y="1540189"/>
             <a:ext cx="8915400" cy="3777622"/>
           </a:xfrm>
         </p:spPr>
         <p:txBody>
-          <a:bodyPr/>
+          <a:bodyPr>
+            <a:normAutofit fontScale="92500" lnSpcReduction="10000"/>
+          </a:bodyPr>
           <a:lstStyle/>
           <a:p>
             <a:r>
               <a:rPr lang="ar-IQ" dirty="0"/>
-              <a:t>می خواهیم تعدادی شی با وزنهای</a:t>
-            </a:r>
+              <a:t>شبکه تعریف شده توسط نرم افزار</a:t>
+            </a:r>
+            <a:r>
+              <a:rPr lang="en-US" dirty="0"/>
+              <a:t>SDN	</a:t>
+            </a:r>
+          </a:p>
+          <a:p>
+            <a:pPr lvl="1"/>
             <a:r>
               <a:rPr lang="fa-IR" dirty="0"/>
-              <a:t> </a:t>
+              <a:t>ج</a:t>
             </a:r>
             <a:r>
               <a:rPr lang="ar-IQ" dirty="0"/>
-              <a:t>مختلف را در تعدادی جایگاه با ظرفیت مشخص قرار دهیم. هدف در این مسئله قرارگیری بیشترین تعداد اشیاء در</a:t>
-            </a:r>
-            <a:r>
-              <a:rPr lang="fa-IR" dirty="0"/>
-              <a:t> </a:t>
-            </a:r>
+              <a:t>دا شدن صفحه ی کنترل و داده </a:t>
+            </a:r>
+            <a:endParaRPr lang="fa-IR" dirty="0"/>
+          </a:p>
+          <a:p>
+            <a:pPr lvl="1"/>
             <a:r>
               <a:rPr lang="ar-IQ" dirty="0"/>
-              <a:t>این جایگاه ها می باشد </a:t>
-            </a:r>
-            <a:endParaRPr lang="en-US" dirty="0"/>
-          </a:p>
-          <a:p>
-            <a:r>
-              <a:rPr lang="fa-IR" dirty="0"/>
-              <a:t>مسئله </a:t>
-            </a:r>
-            <a:r>
-              <a:rPr lang="en-US" sz="2000" dirty="0"/>
-              <a:t>NP-Hard</a:t>
-            </a:r>
-            <a:r>
-              <a:rPr lang="fa-IR" dirty="0"/>
-              <a:t> است</a:t>
-            </a:r>
-          </a:p>
-          <a:p>
-            <a:pPr marL="0" indent="0">
-              <a:buNone/>
-            </a:pPr>
+              <a:t> قابلیت برنامه ریزی در صفحه کنترل </a:t>
+            </a:r>
             <a:br>
               <a:rPr lang="ar-IQ" dirty="0"/>
             </a:br>
             <a:endParaRPr lang="fa-IR" dirty="0"/>
           </a:p>
           <a:p>
+            <a:r>
+              <a:rPr lang="en-US" dirty="0"/>
+              <a:t>SDRAN</a:t>
+            </a:r>
+            <a:r>
+              <a:rPr lang="fa-IR" dirty="0"/>
+              <a:t> </a:t>
+            </a:r>
+            <a:r>
+              <a:rPr lang="ar-IQ" dirty="0"/>
+              <a:t>یک صفحه‌ی کنترل متمرکز نرم‌افزار تعریف شده است برای بخش شبکه دسترسی رادیویی که ایستگاه‌های پایه را در یک مکان جغرافیایی داخلی، به عنوان یک ایستگاه پایه‌ی بزرگ مجازی با المانهای کنترلی مرکزی و رادیویی می‌باشد.</a:t>
+            </a:r>
+          </a:p>
+          <a:p>
+            <a:r>
+              <a:rPr lang="en-US" dirty="0"/>
+              <a:t>SDRAN</a:t>
+            </a:r>
+            <a:r>
+              <a:rPr lang="fa-IR" dirty="0"/>
+              <a:t> به </a:t>
+            </a:r>
+            <a:r>
+              <a:rPr lang="ar-IQ" dirty="0"/>
+              <a:t>مفهوم</a:t>
+            </a:r>
+            <a:r>
+              <a:rPr lang="en-US" dirty="0" err="1"/>
+              <a:t>vRAN</a:t>
+            </a:r>
+            <a:r>
+              <a:rPr lang="en-US" dirty="0"/>
+              <a:t> </a:t>
+            </a:r>
+            <a:r>
+              <a:rPr lang="fa-IR" dirty="0"/>
+              <a:t> </a:t>
+            </a:r>
+            <a:r>
+              <a:rPr lang="ar-IQ" dirty="0"/>
+              <a:t>بسیار نزدیک است.</a:t>
+            </a:r>
+            <a:endParaRPr lang="fa-IR" dirty="0"/>
+          </a:p>
+          <a:p>
+            <a:r>
+              <a:rPr lang="en-US" dirty="0"/>
+              <a:t>SDRAN</a:t>
+            </a:r>
+            <a:r>
+              <a:rPr lang="fa-IR" dirty="0"/>
+              <a:t> </a:t>
+            </a:r>
+            <a:r>
+              <a:rPr lang="ar-IQ" dirty="0"/>
+              <a:t>صفحه کنترل و صفحه داده را در</a:t>
+            </a:r>
+            <a:r>
+              <a:rPr lang="en-US" dirty="0"/>
+              <a:t>RAN </a:t>
+            </a:r>
+            <a:r>
+              <a:rPr lang="fa-IR" dirty="0"/>
+              <a:t> </a:t>
+            </a:r>
+            <a:r>
+              <a:rPr lang="ar-IQ" dirty="0"/>
+              <a:t>جدا می‌کند و تصمیمات کنترل را به صفحه کنترل متمرکز می‌کند.</a:t>
+            </a:r>
             <a:endParaRPr lang="en-US" dirty="0"/>
           </a:p>
         </p:txBody>
       </p:sp>
-      <p:pic>
-        <p:nvPicPr>
-          <p:cNvPr id="11" name="Picture 10"/>
-          <p:cNvPicPr>
-            <a:picLocks noChangeAspect="1"/>
-          </p:cNvPicPr>
-          <p:nvPr/>
-        </p:nvPicPr>
-        <p:blipFill>
-          <a:blip r:embed="rId2"/>
-          <a:stretch>
-            <a:fillRect/>
-          </a:stretch>
-        </p:blipFill>
-        <p:spPr>
-          <a:xfrm>
-            <a:off x="3527685" y="3754445"/>
-            <a:ext cx="4469870" cy="2275360"/>
-          </a:xfrm>
-          <a:prstGeom prst="rect">
-            <a:avLst/>
-          </a:prstGeom>
-        </p:spPr>
-      </p:pic>
-      <p:sp>
-        <p:nvSpPr>
-          <p:cNvPr id="13" name="Rounded Rectangle 10">
+      <p:sp>
+        <p:nvSpPr>
+          <p:cNvPr id="5" name="Rounded Rectangle 10">
             <a:extLst>
               <a:ext uri="{FF2B5EF4-FFF2-40B4-BE49-F238E27FC236}">
                 <a16:creationId xmlns:a16="http://schemas.microsoft.com/office/drawing/2014/main" id="{5CA220EA-4AFC-4AC8-8966-6013F09A17D7}"/>
@@ -11400,7 +11425,7 @@
         </p:nvSpPr>
         <p:spPr>
           <a:xfrm>
-            <a:off x="10782746" y="1177835"/>
+            <a:off x="10782746" y="1203235"/>
             <a:ext cx="1300766" cy="5586089"/>
           </a:xfrm>
           <a:prstGeom prst="roundRect">
@@ -11465,7 +11490,7 @@
       </p:sp>
       <p:sp>
         <p:nvSpPr>
-          <p:cNvPr id="14" name="Rectangle 13">
+          <p:cNvPr id="6" name="Rectangle 5">
             <a:extLst>
               <a:ext uri="{FF2B5EF4-FFF2-40B4-BE49-F238E27FC236}">
                 <a16:creationId xmlns:a16="http://schemas.microsoft.com/office/drawing/2014/main" id="{268CB366-97C1-436E-B473-11C0B8A2B94B}"/>
@@ -11512,17 +11537,17 @@
           <a:p>
             <a:pPr algn="ctr"/>
             <a:r>
-              <a:rPr lang="fa-IR" dirty="0">
+              <a:rPr lang="fa-IR" b="1" dirty="0">
                 <a:solidFill>
-                  <a:schemeClr val="tx1"/>
+                  <a:schemeClr val="bg1"/>
                 </a:solidFill>
                 <a:cs typeface="B Nazanin" panose="00000400000000000000" pitchFamily="2" charset="-78"/>
               </a:rPr>
               <a:t>مقدمه</a:t>
             </a:r>
-            <a:endParaRPr lang="en-US" dirty="0">
+            <a:endParaRPr lang="en-US" b="1" dirty="0">
               <a:solidFill>
-                <a:schemeClr val="tx1"/>
+                <a:schemeClr val="bg1"/>
               </a:solidFill>
               <a:cs typeface="B Nazanin" panose="00000400000000000000" pitchFamily="2" charset="-78"/>
             </a:endParaRPr>
@@ -11531,7 +11556,7 @@
       </p:sp>
       <p:sp>
         <p:nvSpPr>
-          <p:cNvPr id="15" name="Rectangle 14">
+          <p:cNvPr id="7" name="Rectangle 6">
             <a:extLst>
               <a:ext uri="{FF2B5EF4-FFF2-40B4-BE49-F238E27FC236}">
                 <a16:creationId xmlns:a16="http://schemas.microsoft.com/office/drawing/2014/main" id="{4BD395B4-C568-4FE4-8C83-4C5CAA018C54}"/>
@@ -11549,20 +11574,32 @@
           <a:prstGeom prst="rect">
             <a:avLst/>
           </a:prstGeom>
-          <a:solidFill>
-            <a:schemeClr val="tx2">
-              <a:lumMod val="60000"/>
-              <a:lumOff val="40000"/>
-            </a:schemeClr>
-          </a:solidFill>
-          <a:ln>
-            <a:solidFill>
-              <a:schemeClr val="tx2">
-                <a:lumMod val="60000"/>
-                <a:lumOff val="40000"/>
-              </a:schemeClr>
-            </a:solidFill>
-          </a:ln>
+          <a:gradFill flip="none" rotWithShape="1">
+            <a:gsLst>
+              <a:gs pos="0">
+                <a:schemeClr val="accent1">
+                  <a:tint val="66000"/>
+                  <a:satMod val="160000"/>
+                </a:schemeClr>
+              </a:gs>
+              <a:gs pos="50000">
+                <a:schemeClr val="accent1">
+                  <a:tint val="44500"/>
+                  <a:satMod val="160000"/>
+                </a:schemeClr>
+              </a:gs>
+              <a:gs pos="100000">
+                <a:schemeClr val="accent1">
+                  <a:tint val="23500"/>
+                  <a:satMod val="160000"/>
+                </a:schemeClr>
+              </a:gs>
+            </a:gsLst>
+            <a:path path="circle">
+              <a:fillToRect l="100000" t="100000"/>
+            </a:path>
+            <a:tileRect r="-100000" b="-100000"/>
+          </a:gradFill>
         </p:spPr>
         <p:style>
           <a:lnRef idx="2">
@@ -11586,17 +11623,17 @@
           <a:p>
             <a:pPr algn="ctr"/>
             <a:r>
-              <a:rPr lang="fa-IR" sz="1500" b="1" dirty="0">
+              <a:rPr lang="fa-IR" sz="1500" dirty="0">
                 <a:solidFill>
-                  <a:schemeClr val="bg1"/>
+                  <a:schemeClr val="tx1"/>
                 </a:solidFill>
                 <a:cs typeface="B Nazanin" panose="00000400000000000000" pitchFamily="2" charset="-78"/>
               </a:rPr>
               <a:t>پیشینه ی تحقیق</a:t>
             </a:r>
-            <a:endParaRPr lang="en-US" sz="1500" b="1" dirty="0">
+            <a:endParaRPr lang="en-US" sz="1500" dirty="0">
               <a:solidFill>
-                <a:schemeClr val="bg1"/>
+                <a:schemeClr val="tx1"/>
               </a:solidFill>
               <a:cs typeface="B Nazanin" panose="00000400000000000000" pitchFamily="2" charset="-78"/>
             </a:endParaRPr>
@@ -11605,7 +11642,7 @@
       </p:sp>
       <p:sp>
         <p:nvSpPr>
-          <p:cNvPr id="16" name="Rectangle 15">
+          <p:cNvPr id="8" name="Rectangle 7">
             <a:extLst>
               <a:ext uri="{FF2B5EF4-FFF2-40B4-BE49-F238E27FC236}">
                 <a16:creationId xmlns:a16="http://schemas.microsoft.com/office/drawing/2014/main" id="{1967F121-CEC3-4B97-8062-058D15C8F6D9}"/>
@@ -11691,7 +11728,7 @@
       </p:sp>
       <p:sp>
         <p:nvSpPr>
-          <p:cNvPr id="17" name="Rectangle 16">
+          <p:cNvPr id="9" name="Rectangle 8">
             <a:extLst>
               <a:ext uri="{FF2B5EF4-FFF2-40B4-BE49-F238E27FC236}">
                 <a16:creationId xmlns:a16="http://schemas.microsoft.com/office/drawing/2014/main" id="{92B5EB91-6867-4210-98DE-9C6E48E31DF3}"/>
@@ -11777,7 +11814,7 @@
       </p:sp>
       <p:sp>
         <p:nvSpPr>
-          <p:cNvPr id="18" name="Rectangle 17">
+          <p:cNvPr id="10" name="Rectangle 9">
             <a:extLst>
               <a:ext uri="{FF2B5EF4-FFF2-40B4-BE49-F238E27FC236}">
                 <a16:creationId xmlns:a16="http://schemas.microsoft.com/office/drawing/2014/main" id="{043FCFD6-E24B-444D-B891-C4D66ED6A729}"/>
@@ -11863,10 +11900,10 @@
       </p:sp>
       <p:sp>
         <p:nvSpPr>
-          <p:cNvPr id="4" name="Slide Number Placeholder 3">
+          <p:cNvPr id="11" name="Slide Number Placeholder 10">
             <a:extLst>
               <a:ext uri="{FF2B5EF4-FFF2-40B4-BE49-F238E27FC236}">
-                <a16:creationId xmlns:a16="http://schemas.microsoft.com/office/drawing/2014/main" id="{0BADCFF6-641E-4588-BDBC-1D7D2C9AADA4}"/>
+                <a16:creationId xmlns:a16="http://schemas.microsoft.com/office/drawing/2014/main" id="{FC6AA6F3-D33B-4DA2-98C2-127D48EE5674}"/>
               </a:ext>
             </a:extLst>
           </p:cNvPr>
@@ -11889,11 +11926,11 @@
             </a:fld>
             <a:r>
               <a:rPr lang="en-US"/>
-              <a:t>/3</a:t>
+              <a:t>/</a:t>
             </a:r>
             <a:r>
               <a:rPr lang="fa-IR"/>
-              <a:t>9</a:t>
+              <a:t>46</a:t>
             </a:r>
             <a:endParaRPr lang="en-US" dirty="0"/>
           </a:p>
@@ -11902,7 +11939,7 @@
     </p:spTree>
     <p:extLst>
       <p:ext uri="{BB962C8B-B14F-4D97-AF65-F5344CB8AC3E}">
-        <p14:creationId xmlns:p14="http://schemas.microsoft.com/office/powerpoint/2010/main" val="2616548537"/>
+        <p14:creationId xmlns:p14="http://schemas.microsoft.com/office/powerpoint/2010/main" val="4028051716"/>
       </p:ext>
     </p:extLst>
   </p:cSld>
@@ -11946,7 +11983,7 @@
           <a:p>
             <a:r>
               <a:rPr lang="fa-IR" dirty="0"/>
-              <a:t>مسئله بسته بندی جعبه</a:t>
+              <a:t>مسئله کوله پشتی</a:t>
             </a:r>
             <a:endParaRPr lang="en-US" dirty="0"/>
           </a:p>
@@ -11974,16 +12011,25 @@
           <a:p>
             <a:r>
               <a:rPr lang="ar-IQ" dirty="0"/>
-              <a:t>هدف قرار دادن تعدادی شیء در تعدادی جعبه با ظرفیت مشخص می باشد </a:t>
-            </a:r>
-            <a:endParaRPr lang="fa-IR" dirty="0"/>
-          </a:p>
-          <a:p>
+              <a:t>می خواهیم تعدادی شی با وزنهای</a:t>
+            </a:r>
+            <a:r>
+              <a:rPr lang="fa-IR" dirty="0"/>
+              <a:t> </a:t>
+            </a:r>
             <a:r>
               <a:rPr lang="ar-IQ" dirty="0"/>
-              <a:t>هدف کمینه کردن تعداد جعبه های ورودی با فرض اینکه همه ی اشیا در آن جا شوند </a:t>
-            </a:r>
-            <a:endParaRPr lang="fa-IR" dirty="0"/>
+              <a:t>مختلف را در تعدادی جایگاه با ظرفیت مشخص قرار دهیم. هدف در این مسئله قرارگیری بیشترین تعداد اشیاء در</a:t>
+            </a:r>
+            <a:r>
+              <a:rPr lang="fa-IR" dirty="0"/>
+              <a:t> </a:t>
+            </a:r>
+            <a:r>
+              <a:rPr lang="ar-IQ" dirty="0"/>
+              <a:t>این جایگاه ها می باشد </a:t>
+            </a:r>
+            <a:endParaRPr lang="en-US" dirty="0"/>
           </a:p>
           <a:p>
             <a:r>
@@ -12006,12 +12052,6 @@
             <a:br>
               <a:rPr lang="ar-IQ" dirty="0"/>
             </a:br>
-            <a:br>
-              <a:rPr lang="ar-IQ" dirty="0"/>
-            </a:br>
-            <a:br>
-              <a:rPr lang="ar-IQ" dirty="0"/>
-            </a:br>
             <a:endParaRPr lang="fa-IR" dirty="0"/>
           </a:p>
           <a:p>
@@ -12021,13 +12061,7 @@
       </p:sp>
       <p:pic>
         <p:nvPicPr>
-          <p:cNvPr id="4" name="Picture 3">
-            <a:extLst>
-              <a:ext uri="{FF2B5EF4-FFF2-40B4-BE49-F238E27FC236}">
-                <a16:creationId xmlns:a16="http://schemas.microsoft.com/office/drawing/2014/main" id="{E9AAD121-C239-4D9A-961B-3047D8F4AA8A}"/>
-              </a:ext>
-            </a:extLst>
-          </p:cNvPr>
+          <p:cNvPr id="11" name="Picture 10"/>
           <p:cNvPicPr>
             <a:picLocks noChangeAspect="1"/>
           </p:cNvPicPr>
@@ -12041,47 +12075,17 @@
         </p:blipFill>
         <p:spPr>
           <a:xfrm>
-            <a:off x="2889141" y="3860232"/>
-            <a:ext cx="3810000" cy="1819275"/>
+            <a:off x="3527685" y="3754445"/>
+            <a:ext cx="4469870" cy="2275360"/>
           </a:xfrm>
           <a:prstGeom prst="rect">
             <a:avLst/>
           </a:prstGeom>
         </p:spPr>
       </p:pic>
-      <p:pic>
-        <p:nvPicPr>
-          <p:cNvPr id="14" name="Picture 13">
-            <a:extLst>
-              <a:ext uri="{FF2B5EF4-FFF2-40B4-BE49-F238E27FC236}">
-                <a16:creationId xmlns:a16="http://schemas.microsoft.com/office/drawing/2014/main" id="{97885875-EA1E-47A7-8660-1BAF119F41D3}"/>
-              </a:ext>
-            </a:extLst>
-          </p:cNvPr>
-          <p:cNvPicPr>
-            <a:picLocks noChangeAspect="1"/>
-          </p:cNvPicPr>
-          <p:nvPr/>
-        </p:nvPicPr>
-        <p:blipFill>
-          <a:blip r:embed="rId3"/>
-          <a:stretch>
-            <a:fillRect/>
-          </a:stretch>
-        </p:blipFill>
-        <p:spPr>
-          <a:xfrm>
-            <a:off x="6999026" y="4174556"/>
-            <a:ext cx="2990850" cy="1190625"/>
-          </a:xfrm>
-          <a:prstGeom prst="rect">
-            <a:avLst/>
-          </a:prstGeom>
-        </p:spPr>
-      </p:pic>
-      <p:sp>
-        <p:nvSpPr>
-          <p:cNvPr id="15" name="Rounded Rectangle 10">
+      <p:sp>
+        <p:nvSpPr>
+          <p:cNvPr id="13" name="Rounded Rectangle 10">
             <a:extLst>
               <a:ext uri="{FF2B5EF4-FFF2-40B4-BE49-F238E27FC236}">
                 <a16:creationId xmlns:a16="http://schemas.microsoft.com/office/drawing/2014/main" id="{5CA220EA-4AFC-4AC8-8966-6013F09A17D7}"/>
@@ -12158,7 +12162,7 @@
       </p:sp>
       <p:sp>
         <p:nvSpPr>
-          <p:cNvPr id="16" name="Rectangle 15">
+          <p:cNvPr id="14" name="Rectangle 13">
             <a:extLst>
               <a:ext uri="{FF2B5EF4-FFF2-40B4-BE49-F238E27FC236}">
                 <a16:creationId xmlns:a16="http://schemas.microsoft.com/office/drawing/2014/main" id="{268CB366-97C1-436E-B473-11C0B8A2B94B}"/>
@@ -12224,7 +12228,7 @@
       </p:sp>
       <p:sp>
         <p:nvSpPr>
-          <p:cNvPr id="17" name="Rectangle 16">
+          <p:cNvPr id="15" name="Rectangle 14">
             <a:extLst>
               <a:ext uri="{FF2B5EF4-FFF2-40B4-BE49-F238E27FC236}">
                 <a16:creationId xmlns:a16="http://schemas.microsoft.com/office/drawing/2014/main" id="{4BD395B4-C568-4FE4-8C83-4C5CAA018C54}"/>
@@ -12298,7 +12302,7 @@
       </p:sp>
       <p:sp>
         <p:nvSpPr>
-          <p:cNvPr id="18" name="Rectangle 17">
+          <p:cNvPr id="16" name="Rectangle 15">
             <a:extLst>
               <a:ext uri="{FF2B5EF4-FFF2-40B4-BE49-F238E27FC236}">
                 <a16:creationId xmlns:a16="http://schemas.microsoft.com/office/drawing/2014/main" id="{1967F121-CEC3-4B97-8062-058D15C8F6D9}"/>
@@ -12384,7 +12388,7 @@
       </p:sp>
       <p:sp>
         <p:nvSpPr>
-          <p:cNvPr id="19" name="Rectangle 18">
+          <p:cNvPr id="17" name="Rectangle 16">
             <a:extLst>
               <a:ext uri="{FF2B5EF4-FFF2-40B4-BE49-F238E27FC236}">
                 <a16:creationId xmlns:a16="http://schemas.microsoft.com/office/drawing/2014/main" id="{92B5EB91-6867-4210-98DE-9C6E48E31DF3}"/>
@@ -12470,7 +12474,7 @@
       </p:sp>
       <p:sp>
         <p:nvSpPr>
-          <p:cNvPr id="20" name="Rectangle 19">
+          <p:cNvPr id="18" name="Rectangle 17">
             <a:extLst>
               <a:ext uri="{FF2B5EF4-FFF2-40B4-BE49-F238E27FC236}">
                 <a16:creationId xmlns:a16="http://schemas.microsoft.com/office/drawing/2014/main" id="{043FCFD6-E24B-444D-B891-C4D66ED6A729}"/>
@@ -12559,7 +12563,7 @@
           <p:cNvPr id="5" name="Slide Number Placeholder 4">
             <a:extLst>
               <a:ext uri="{FF2B5EF4-FFF2-40B4-BE49-F238E27FC236}">
-                <a16:creationId xmlns:a16="http://schemas.microsoft.com/office/drawing/2014/main" id="{E8ACD4E0-5222-4500-B009-3D707DF83521}"/>
+                <a16:creationId xmlns:a16="http://schemas.microsoft.com/office/drawing/2014/main" id="{F6A443DF-65DE-4F93-A9AC-D7D0CF74D83B}"/>
               </a:ext>
             </a:extLst>
           </p:cNvPr>
@@ -12582,11 +12586,7 @@
             </a:fld>
             <a:r>
               <a:rPr lang="en-US"/>
-              <a:t>/3</a:t>
-            </a:r>
-            <a:r>
-              <a:rPr lang="fa-IR"/>
-              <a:t>9</a:t>
+              <a:t>/41</a:t>
             </a:r>
             <a:endParaRPr lang="en-US" dirty="0"/>
           </a:p>
@@ -12595,7 +12595,7 @@
     </p:spTree>
     <p:extLst>
       <p:ext uri="{BB962C8B-B14F-4D97-AF65-F5344CB8AC3E}">
-        <p14:creationId xmlns:p14="http://schemas.microsoft.com/office/powerpoint/2010/main" val="727083562"/>
+        <p14:creationId xmlns:p14="http://schemas.microsoft.com/office/powerpoint/2010/main" val="2616548537"/>
       </p:ext>
     </p:extLst>
   </p:cSld>
@@ -12624,13 +12624,7 @@
       </p:grpSpPr>
       <p:sp>
         <p:nvSpPr>
-          <p:cNvPr id="2" name="Title 1">
-            <a:extLst>
-              <a:ext uri="{FF2B5EF4-FFF2-40B4-BE49-F238E27FC236}">
-                <a16:creationId xmlns:a16="http://schemas.microsoft.com/office/drawing/2014/main" id="{60DECAA3-7303-451E-A5BB-79A9E7A6B95C}"/>
-              </a:ext>
-            </a:extLst>
-          </p:cNvPr>
+          <p:cNvPr id="2" name="Title 1"/>
           <p:cNvSpPr>
             <a:spLocks noGrp="1"/>
           </p:cNvSpPr>
@@ -12644,12 +12638,8 @@
           <a:lstStyle/>
           <a:p>
             <a:r>
-              <a:rPr lang="ar-IQ" dirty="0"/>
-              <a:t>یادگیری تقویتی </a:t>
-            </a:r>
-            <a:r>
               <a:rPr lang="fa-IR" dirty="0"/>
-              <a:t>در حل مسئله</a:t>
+              <a:t>مسئله بسته بندی جعبه</a:t>
             </a:r>
             <a:endParaRPr lang="en-US" dirty="0"/>
           </a:p>
@@ -12657,13 +12647,7 @@
       </p:sp>
       <p:sp>
         <p:nvSpPr>
-          <p:cNvPr id="3" name="Content Placeholder 2">
-            <a:extLst>
-              <a:ext uri="{FF2B5EF4-FFF2-40B4-BE49-F238E27FC236}">
-                <a16:creationId xmlns:a16="http://schemas.microsoft.com/office/drawing/2014/main" id="{A91F6192-6C18-4A5B-8834-09C38DA74ACD}"/>
-              </a:ext>
-            </a:extLst>
-          </p:cNvPr>
+          <p:cNvPr id="3" name="Content Placeholder 2"/>
           <p:cNvSpPr>
             <a:spLocks noGrp="1"/>
           </p:cNvSpPr>
@@ -12673,7 +12657,7 @@
         </p:nvSpPr>
         <p:spPr>
           <a:xfrm>
-            <a:off x="1941511" y="1540189"/>
+            <a:off x="1971690" y="2252183"/>
             <a:ext cx="8915400" cy="3777622"/>
           </a:xfrm>
         </p:spPr>
@@ -12682,33 +12666,46 @@
           <a:lstStyle/>
           <a:p>
             <a:r>
+              <a:rPr lang="ar-IQ" dirty="0"/>
+              <a:t>هدف قرار دادن تعدادی شیء در تعدادی جعبه با ظرفیت مشخص می باشد </a:t>
+            </a:r>
+            <a:endParaRPr lang="fa-IR" dirty="0"/>
+          </a:p>
+          <a:p>
+            <a:r>
+              <a:rPr lang="ar-IQ" dirty="0"/>
+              <a:t>هدف کمینه کردن تعداد جعبه های ورودی با فرض اینکه همه ی اشیا در آن جا شوند </a:t>
+            </a:r>
+            <a:endParaRPr lang="fa-IR" dirty="0"/>
+          </a:p>
+          <a:p>
+            <a:r>
               <a:rPr lang="fa-IR" dirty="0"/>
-              <a:t>محیط : جهان فیزیکی که عامل در آن عمل می کند</a:t>
-            </a:r>
-          </a:p>
-          <a:p>
+              <a:t>مسئله </a:t>
+            </a:r>
+            <a:r>
+              <a:rPr lang="en-US" sz="2000" dirty="0"/>
+              <a:t>NP-Hard</a:t>
+            </a:r>
             <a:r>
               <a:rPr lang="fa-IR" dirty="0"/>
-              <a:t>حالت : موقعیت کنونی عامل</a:t>
-            </a:r>
-          </a:p>
-          <a:p>
-            <a:r>
-              <a:rPr lang="fa-IR" dirty="0"/>
-              <a:t>پاداش : بازخورد از محیط</a:t>
-            </a:r>
-          </a:p>
-          <a:p>
-            <a:r>
-              <a:rPr lang="fa-IR" dirty="0"/>
-              <a:t>سیاست : روشی برای نگاشت حالت عامل به عمل</a:t>
-            </a:r>
-          </a:p>
-          <a:p>
-            <a:r>
-              <a:rPr lang="fa-IR" dirty="0"/>
-              <a:t>ارزش : پاداش آینده که یک عامل  با اقدام به عمل در یک حالت خاص به آن دست می یابند</a:t>
-            </a:r>
+              <a:t> است</a:t>
+            </a:r>
+          </a:p>
+          <a:p>
+            <a:pPr marL="0" indent="0">
+              <a:buNone/>
+            </a:pPr>
+            <a:br>
+              <a:rPr lang="ar-IQ" dirty="0"/>
+            </a:br>
+            <a:br>
+              <a:rPr lang="ar-IQ" dirty="0"/>
+            </a:br>
+            <a:br>
+              <a:rPr lang="ar-IQ" dirty="0"/>
+            </a:br>
+            <a:endParaRPr lang="fa-IR" dirty="0"/>
           </a:p>
           <a:p>
             <a:endParaRPr lang="en-US" dirty="0"/>
@@ -12717,10 +12714,10 @@
       </p:sp>
       <p:pic>
         <p:nvPicPr>
-          <p:cNvPr id="5" name="Picture 4">
+          <p:cNvPr id="4" name="Picture 3">
             <a:extLst>
               <a:ext uri="{FF2B5EF4-FFF2-40B4-BE49-F238E27FC236}">
-                <a16:creationId xmlns:a16="http://schemas.microsoft.com/office/drawing/2014/main" id="{48C7E851-CEE7-4789-AC5E-142852822AAB}"/>
+                <a16:creationId xmlns:a16="http://schemas.microsoft.com/office/drawing/2014/main" id="{E9AAD121-C239-4D9A-961B-3047D8F4AA8A}"/>
               </a:ext>
             </a:extLst>
           </p:cNvPr>
@@ -12737,20 +12734,50 @@
         </p:blipFill>
         <p:spPr>
           <a:xfrm>
-            <a:off x="1639889" y="4342755"/>
-            <a:ext cx="5895975" cy="2171700"/>
+            <a:off x="2889141" y="3860232"/>
+            <a:ext cx="3810000" cy="1819275"/>
           </a:xfrm>
           <a:prstGeom prst="rect">
             <a:avLst/>
           </a:prstGeom>
         </p:spPr>
       </p:pic>
-      <p:sp>
-        <p:nvSpPr>
-          <p:cNvPr id="6" name="Rounded Rectangle 10">
+      <p:pic>
+        <p:nvPicPr>
+          <p:cNvPr id="14" name="Picture 13">
             <a:extLst>
               <a:ext uri="{FF2B5EF4-FFF2-40B4-BE49-F238E27FC236}">
-                <a16:creationId xmlns:a16="http://schemas.microsoft.com/office/drawing/2014/main" id="{64597149-8A22-45CA-8F53-1D9C2D9B48F2}"/>
+                <a16:creationId xmlns:a16="http://schemas.microsoft.com/office/drawing/2014/main" id="{97885875-EA1E-47A7-8660-1BAF119F41D3}"/>
+              </a:ext>
+            </a:extLst>
+          </p:cNvPr>
+          <p:cNvPicPr>
+            <a:picLocks noChangeAspect="1"/>
+          </p:cNvPicPr>
+          <p:nvPr/>
+        </p:nvPicPr>
+        <p:blipFill>
+          <a:blip r:embed="rId3"/>
+          <a:stretch>
+            <a:fillRect/>
+          </a:stretch>
+        </p:blipFill>
+        <p:spPr>
+          <a:xfrm>
+            <a:off x="6999026" y="4174556"/>
+            <a:ext cx="2990850" cy="1190625"/>
+          </a:xfrm>
+          <a:prstGeom prst="rect">
+            <a:avLst/>
+          </a:prstGeom>
+        </p:spPr>
+      </p:pic>
+      <p:sp>
+        <p:nvSpPr>
+          <p:cNvPr id="15" name="Rounded Rectangle 10">
+            <a:extLst>
+              <a:ext uri="{FF2B5EF4-FFF2-40B4-BE49-F238E27FC236}">
+                <a16:creationId xmlns:a16="http://schemas.microsoft.com/office/drawing/2014/main" id="{5CA220EA-4AFC-4AC8-8966-6013F09A17D7}"/>
               </a:ext>
             </a:extLst>
           </p:cNvPr>
@@ -12824,10 +12851,10 @@
       </p:sp>
       <p:sp>
         <p:nvSpPr>
-          <p:cNvPr id="7" name="Rectangle 6">
+          <p:cNvPr id="16" name="Rectangle 15">
             <a:extLst>
               <a:ext uri="{FF2B5EF4-FFF2-40B4-BE49-F238E27FC236}">
-                <a16:creationId xmlns:a16="http://schemas.microsoft.com/office/drawing/2014/main" id="{C9EAF04F-E335-414C-8702-0F04CCDCBEA9}"/>
+                <a16:creationId xmlns:a16="http://schemas.microsoft.com/office/drawing/2014/main" id="{268CB366-97C1-436E-B473-11C0B8A2B94B}"/>
               </a:ext>
             </a:extLst>
           </p:cNvPr>
@@ -12890,10 +12917,10 @@
       </p:sp>
       <p:sp>
         <p:nvSpPr>
-          <p:cNvPr id="8" name="Rectangle 7">
+          <p:cNvPr id="17" name="Rectangle 16">
             <a:extLst>
               <a:ext uri="{FF2B5EF4-FFF2-40B4-BE49-F238E27FC236}">
-                <a16:creationId xmlns:a16="http://schemas.microsoft.com/office/drawing/2014/main" id="{C172551F-D9C7-435E-BAD9-C0F087A78FB0}"/>
+                <a16:creationId xmlns:a16="http://schemas.microsoft.com/office/drawing/2014/main" id="{4BD395B4-C568-4FE4-8C83-4C5CAA018C54}"/>
               </a:ext>
             </a:extLst>
           </p:cNvPr>
@@ -12964,10 +12991,10 @@
       </p:sp>
       <p:sp>
         <p:nvSpPr>
-          <p:cNvPr id="9" name="Rectangle 8">
+          <p:cNvPr id="18" name="Rectangle 17">
             <a:extLst>
               <a:ext uri="{FF2B5EF4-FFF2-40B4-BE49-F238E27FC236}">
-                <a16:creationId xmlns:a16="http://schemas.microsoft.com/office/drawing/2014/main" id="{7508B625-D949-4C12-AC39-62ADBA09F00B}"/>
+                <a16:creationId xmlns:a16="http://schemas.microsoft.com/office/drawing/2014/main" id="{1967F121-CEC3-4B97-8062-058D15C8F6D9}"/>
               </a:ext>
             </a:extLst>
           </p:cNvPr>
@@ -13050,10 +13077,10 @@
       </p:sp>
       <p:sp>
         <p:nvSpPr>
-          <p:cNvPr id="10" name="Rectangle 9">
+          <p:cNvPr id="19" name="Rectangle 18">
             <a:extLst>
               <a:ext uri="{FF2B5EF4-FFF2-40B4-BE49-F238E27FC236}">
-                <a16:creationId xmlns:a16="http://schemas.microsoft.com/office/drawing/2014/main" id="{C8D94D89-4501-438A-85B7-5498CC224039}"/>
+                <a16:creationId xmlns:a16="http://schemas.microsoft.com/office/drawing/2014/main" id="{92B5EB91-6867-4210-98DE-9C6E48E31DF3}"/>
               </a:ext>
             </a:extLst>
           </p:cNvPr>
@@ -13136,10 +13163,10 @@
       </p:sp>
       <p:sp>
         <p:nvSpPr>
-          <p:cNvPr id="11" name="Rectangle 10">
+          <p:cNvPr id="20" name="Rectangle 19">
             <a:extLst>
               <a:ext uri="{FF2B5EF4-FFF2-40B4-BE49-F238E27FC236}">
-                <a16:creationId xmlns:a16="http://schemas.microsoft.com/office/drawing/2014/main" id="{0D0F9CC0-D0E3-4E20-9C7B-93252104B74C}"/>
+                <a16:creationId xmlns:a16="http://schemas.microsoft.com/office/drawing/2014/main" id="{043FCFD6-E24B-444D-B891-C4D66ED6A729}"/>
               </a:ext>
             </a:extLst>
           </p:cNvPr>
@@ -13222,10 +13249,10 @@
       </p:sp>
       <p:sp>
         <p:nvSpPr>
-          <p:cNvPr id="12" name="Slide Number Placeholder 11">
+          <p:cNvPr id="6" name="Slide Number Placeholder 5">
             <a:extLst>
               <a:ext uri="{FF2B5EF4-FFF2-40B4-BE49-F238E27FC236}">
-                <a16:creationId xmlns:a16="http://schemas.microsoft.com/office/drawing/2014/main" id="{1CF7F279-8267-4386-A9ED-01A79B1ADBBE}"/>
+                <a16:creationId xmlns:a16="http://schemas.microsoft.com/office/drawing/2014/main" id="{28EC6913-23E9-4106-B121-834AF9133084}"/>
               </a:ext>
             </a:extLst>
           </p:cNvPr>
@@ -13248,11 +13275,7 @@
             </a:fld>
             <a:r>
               <a:rPr lang="en-US"/>
-              <a:t>/3</a:t>
-            </a:r>
-            <a:r>
-              <a:rPr lang="fa-IR"/>
-              <a:t>9</a:t>
+              <a:t>/41</a:t>
             </a:r>
             <a:endParaRPr lang="en-US" dirty="0"/>
           </a:p>
@@ -13261,7 +13284,7 @@
     </p:spTree>
     <p:extLst>
       <p:ext uri="{BB962C8B-B14F-4D97-AF65-F5344CB8AC3E}">
-        <p14:creationId xmlns:p14="http://schemas.microsoft.com/office/powerpoint/2010/main" val="388994331"/>
+        <p14:creationId xmlns:p14="http://schemas.microsoft.com/office/powerpoint/2010/main" val="727083562"/>
       </p:ext>
     </p:extLst>
   </p:cSld>
@@ -13290,7 +13313,13 @@
       </p:grpSpPr>
       <p:sp>
         <p:nvSpPr>
-          <p:cNvPr id="2" name="Title 1"/>
+          <p:cNvPr id="2" name="Title 1">
+            <a:extLst>
+              <a:ext uri="{FF2B5EF4-FFF2-40B4-BE49-F238E27FC236}">
+                <a16:creationId xmlns:a16="http://schemas.microsoft.com/office/drawing/2014/main" id="{60DECAA3-7303-451E-A5BB-79A9E7A6B95C}"/>
+              </a:ext>
+            </a:extLst>
+          </p:cNvPr>
           <p:cNvSpPr>
             <a:spLocks noGrp="1"/>
           </p:cNvSpPr>
@@ -13298,30 +13327,32 @@
             <p:ph type="title"/>
           </p:nvPr>
         </p:nvSpPr>
-        <p:spPr>
-          <a:xfrm>
-            <a:off x="1950201" y="166977"/>
-            <a:ext cx="8911687" cy="1280890"/>
-          </a:xfrm>
-        </p:spPr>
+        <p:spPr/>
         <p:txBody>
           <a:bodyPr/>
           <a:lstStyle/>
           <a:p>
             <a:r>
+              <a:rPr lang="ar-IQ" dirty="0"/>
+              <a:t>یادگیری تقویتی </a:t>
+            </a:r>
+            <a:r>
               <a:rPr lang="fa-IR" dirty="0"/>
-              <a:t>بررسی برش شبکه به صورت دینامیکی در شبکه </a:t>
-            </a:r>
-            <a:r>
-              <a:rPr lang="en-US" dirty="0"/>
-              <a:t>HCRAN</a:t>
-            </a:r>
-          </a:p>
-        </p:txBody>
-      </p:sp>
-      <p:sp>
-        <p:nvSpPr>
-          <p:cNvPr id="3" name="Content Placeholder 2"/>
+              <a:t>در حل مسئله</a:t>
+            </a:r>
+            <a:endParaRPr lang="en-US" dirty="0"/>
+          </a:p>
+        </p:txBody>
+      </p:sp>
+      <p:sp>
+        <p:nvSpPr>
+          <p:cNvPr id="3" name="Content Placeholder 2">
+            <a:extLst>
+              <a:ext uri="{FF2B5EF4-FFF2-40B4-BE49-F238E27FC236}">
+                <a16:creationId xmlns:a16="http://schemas.microsoft.com/office/drawing/2014/main" id="{A91F6192-6C18-4A5B-8834-09C38DA74ACD}"/>
+              </a:ext>
+            </a:extLst>
+          </p:cNvPr>
           <p:cNvSpPr>
             <a:spLocks noGrp="1"/>
           </p:cNvSpPr>
@@ -13331,127 +13362,84 @@
         </p:nvSpPr>
         <p:spPr>
           <a:xfrm>
-            <a:off x="1936464" y="1387888"/>
+            <a:off x="1941511" y="1540189"/>
             <a:ext cx="8915400" cy="3777622"/>
           </a:xfrm>
         </p:spPr>
         <p:txBody>
-          <a:bodyPr>
-            <a:normAutofit/>
-          </a:bodyPr>
-          <a:lstStyle/>
-          <a:p>
-            <a:r>
-              <a:rPr lang="ar-IQ" dirty="0"/>
-              <a:t>برش شبکه به صورت دینامیکی در بخش رادیویی مورد بررسی قرار گرفته شده است </a:t>
-            </a:r>
+          <a:bodyPr/>
+          <a:lstStyle/>
+          <a:p>
+            <a:r>
+              <a:rPr lang="fa-IR" dirty="0"/>
+              <a:t>محیط : جهان فیزیکی که عامل در آن عمل می کند</a:t>
+            </a:r>
+          </a:p>
+          <a:p>
+            <a:r>
+              <a:rPr lang="fa-IR" dirty="0"/>
+              <a:t>حالت : موقعیت کنونی عامل</a:t>
+            </a:r>
+          </a:p>
+          <a:p>
+            <a:r>
+              <a:rPr lang="fa-IR" dirty="0"/>
+              <a:t>پاداش : بازخورد از محیط</a:t>
+            </a:r>
+          </a:p>
+          <a:p>
+            <a:r>
+              <a:rPr lang="fa-IR" dirty="0"/>
+              <a:t>سیاست : روشی برای نگاشت حالت عامل به عمل</a:t>
+            </a:r>
+          </a:p>
+          <a:p>
+            <a:r>
+              <a:rPr lang="fa-IR" dirty="0"/>
+              <a:t>ارزش : پاداش آینده که یک عامل  با اقدام به عمل در یک حالت خاص به آن دست می یابند</a:t>
+            </a:r>
+          </a:p>
+          <a:p>
             <a:endParaRPr lang="en-US" dirty="0"/>
           </a:p>
-          <a:p>
-            <a:r>
-              <a:rPr lang="ar-IQ" dirty="0"/>
-              <a:t>برش</a:t>
-            </a:r>
-            <a:r>
-              <a:rPr lang="en-US" dirty="0"/>
-              <a:t> </a:t>
-            </a:r>
-            <a:r>
-              <a:rPr lang="ar-IQ" dirty="0"/>
-              <a:t>شبکه </a:t>
-            </a:r>
-            <a:r>
-              <a:rPr lang="fa-IR" dirty="0"/>
-              <a:t>: </a:t>
-            </a:r>
-            <a:r>
-              <a:rPr lang="ar-IQ" dirty="0"/>
-              <a:t>فرآیند تخصیص منابع شبکه به کاربران </a:t>
-            </a:r>
-            <a:endParaRPr lang="en-US" dirty="0"/>
-          </a:p>
-          <a:p>
-            <a:pPr lvl="1"/>
-            <a:r>
-              <a:rPr lang="ar-IQ" dirty="0"/>
-              <a:t>یک سطح</a:t>
-            </a:r>
-            <a:r>
-              <a:rPr lang="fa-IR" dirty="0"/>
-              <a:t> </a:t>
-            </a:r>
-            <a:r>
-              <a:rPr lang="ar-IQ" dirty="0"/>
-              <a:t>بالاتر، که مدیریت کنترل پذیرش کاربران، ارتباط کاربر که شامل تخصیص واحد رادیویی </a:t>
-            </a:r>
-            <a:r>
-              <a:rPr lang="en-US" dirty="0"/>
-              <a:t>RRH</a:t>
-            </a:r>
-            <a:r>
-              <a:rPr lang="fa-IR" dirty="0"/>
-              <a:t> </a:t>
-            </a:r>
-            <a:r>
-              <a:rPr lang="ar-IQ" dirty="0"/>
-              <a:t>برای بیشینه</a:t>
-            </a:r>
-            <a:r>
-              <a:rPr lang="fa-IR" dirty="0"/>
-              <a:t> </a:t>
-            </a:r>
-            <a:r>
-              <a:rPr lang="ar-IQ" dirty="0"/>
-              <a:t>سازی نرخ کاربران و تخصیص ظرفیت منابع باند پایه </a:t>
-            </a:r>
-            <a:r>
-              <a:rPr lang="en-US" dirty="0"/>
-              <a:t>BBU</a:t>
-            </a:r>
-            <a:endParaRPr lang="fa-IR" dirty="0"/>
-          </a:p>
-          <a:p>
-            <a:pPr lvl="1"/>
-            <a:r>
-              <a:rPr lang="ar-IQ" dirty="0"/>
-              <a:t> یک سطح پایین تر، که تخصیص توان و بلوک</a:t>
-            </a:r>
-            <a:r>
-              <a:rPr lang="fa-IR" dirty="0"/>
-              <a:t> </a:t>
-            </a:r>
-            <a:r>
-              <a:rPr lang="ar-IQ" dirty="0"/>
-              <a:t>منابع فیزیکی </a:t>
-            </a:r>
-            <a:r>
-              <a:rPr lang="en-US" dirty="0"/>
-              <a:t>PRB</a:t>
-            </a:r>
-            <a:r>
-              <a:rPr lang="fa-IR" dirty="0"/>
-              <a:t> </a:t>
-            </a:r>
-            <a:r>
-              <a:rPr lang="ar-IQ" dirty="0"/>
-              <a:t>در میان کاربران می باشد. </a:t>
-            </a:r>
-            <a:br>
-              <a:rPr lang="ar-IQ" dirty="0"/>
-            </a:br>
-            <a:br>
-              <a:rPr lang="ar-IQ" dirty="0"/>
-            </a:br>
-            <a:endParaRPr lang="en-US" dirty="0"/>
-          </a:p>
-        </p:txBody>
-      </p:sp>
-      <p:sp>
-        <p:nvSpPr>
-          <p:cNvPr id="5" name="Rounded Rectangle 10">
+        </p:txBody>
+      </p:sp>
+      <p:pic>
+        <p:nvPicPr>
+          <p:cNvPr id="5" name="Picture 4">
             <a:extLst>
               <a:ext uri="{FF2B5EF4-FFF2-40B4-BE49-F238E27FC236}">
-                <a16:creationId xmlns:a16="http://schemas.microsoft.com/office/drawing/2014/main" id="{5CA220EA-4AFC-4AC8-8966-6013F09A17D7}"/>
+                <a16:creationId xmlns:a16="http://schemas.microsoft.com/office/drawing/2014/main" id="{48C7E851-CEE7-4789-AC5E-142852822AAB}"/>
+              </a:ext>
+            </a:extLst>
+          </p:cNvPr>
+          <p:cNvPicPr>
+            <a:picLocks noChangeAspect="1"/>
+          </p:cNvPicPr>
+          <p:nvPr/>
+        </p:nvPicPr>
+        <p:blipFill>
+          <a:blip r:embed="rId2"/>
+          <a:stretch>
+            <a:fillRect/>
+          </a:stretch>
+        </p:blipFill>
+        <p:spPr>
+          <a:xfrm>
+            <a:off x="1639889" y="4342755"/>
+            <a:ext cx="5895975" cy="2171700"/>
+          </a:xfrm>
+          <a:prstGeom prst="rect">
+            <a:avLst/>
+          </a:prstGeom>
+        </p:spPr>
+      </p:pic>
+      <p:sp>
+        <p:nvSpPr>
+          <p:cNvPr id="6" name="Rounded Rectangle 10">
+            <a:extLst>
+              <a:ext uri="{FF2B5EF4-FFF2-40B4-BE49-F238E27FC236}">
+                <a16:creationId xmlns:a16="http://schemas.microsoft.com/office/drawing/2014/main" id="{64597149-8A22-45CA-8F53-1D9C2D9B48F2}"/>
               </a:ext>
             </a:extLst>
           </p:cNvPr>
@@ -13525,10 +13513,10 @@
       </p:sp>
       <p:sp>
         <p:nvSpPr>
-          <p:cNvPr id="6" name="Rectangle 5">
+          <p:cNvPr id="7" name="Rectangle 6">
             <a:extLst>
               <a:ext uri="{FF2B5EF4-FFF2-40B4-BE49-F238E27FC236}">
-                <a16:creationId xmlns:a16="http://schemas.microsoft.com/office/drawing/2014/main" id="{268CB366-97C1-436E-B473-11C0B8A2B94B}"/>
+                <a16:creationId xmlns:a16="http://schemas.microsoft.com/office/drawing/2014/main" id="{C9EAF04F-E335-414C-8702-0F04CCDCBEA9}"/>
               </a:ext>
             </a:extLst>
           </p:cNvPr>
@@ -13591,10 +13579,10 @@
       </p:sp>
       <p:sp>
         <p:nvSpPr>
-          <p:cNvPr id="7" name="Rectangle 6">
+          <p:cNvPr id="8" name="Rectangle 7">
             <a:extLst>
               <a:ext uri="{FF2B5EF4-FFF2-40B4-BE49-F238E27FC236}">
-                <a16:creationId xmlns:a16="http://schemas.microsoft.com/office/drawing/2014/main" id="{4BD395B4-C568-4FE4-8C83-4C5CAA018C54}"/>
+                <a16:creationId xmlns:a16="http://schemas.microsoft.com/office/drawing/2014/main" id="{C172551F-D9C7-435E-BAD9-C0F087A78FB0}"/>
               </a:ext>
             </a:extLst>
           </p:cNvPr>
@@ -13665,10 +13653,10 @@
       </p:sp>
       <p:sp>
         <p:nvSpPr>
-          <p:cNvPr id="8" name="Rectangle 7">
+          <p:cNvPr id="9" name="Rectangle 8">
             <a:extLst>
               <a:ext uri="{FF2B5EF4-FFF2-40B4-BE49-F238E27FC236}">
-                <a16:creationId xmlns:a16="http://schemas.microsoft.com/office/drawing/2014/main" id="{1967F121-CEC3-4B97-8062-058D15C8F6D9}"/>
+                <a16:creationId xmlns:a16="http://schemas.microsoft.com/office/drawing/2014/main" id="{7508B625-D949-4C12-AC39-62ADBA09F00B}"/>
               </a:ext>
             </a:extLst>
           </p:cNvPr>
@@ -13751,10 +13739,10 @@
       </p:sp>
       <p:sp>
         <p:nvSpPr>
-          <p:cNvPr id="9" name="Rectangle 8">
+          <p:cNvPr id="10" name="Rectangle 9">
             <a:extLst>
               <a:ext uri="{FF2B5EF4-FFF2-40B4-BE49-F238E27FC236}">
-                <a16:creationId xmlns:a16="http://schemas.microsoft.com/office/drawing/2014/main" id="{92B5EB91-6867-4210-98DE-9C6E48E31DF3}"/>
+                <a16:creationId xmlns:a16="http://schemas.microsoft.com/office/drawing/2014/main" id="{C8D94D89-4501-438A-85B7-5498CC224039}"/>
               </a:ext>
             </a:extLst>
           </p:cNvPr>
@@ -13837,10 +13825,10 @@
       </p:sp>
       <p:sp>
         <p:nvSpPr>
-          <p:cNvPr id="10" name="Rectangle 9">
+          <p:cNvPr id="11" name="Rectangle 10">
             <a:extLst>
               <a:ext uri="{FF2B5EF4-FFF2-40B4-BE49-F238E27FC236}">
-                <a16:creationId xmlns:a16="http://schemas.microsoft.com/office/drawing/2014/main" id="{043FCFD6-E24B-444D-B891-C4D66ED6A729}"/>
+                <a16:creationId xmlns:a16="http://schemas.microsoft.com/office/drawing/2014/main" id="{0D0F9CC0-D0E3-4E20-9C7B-93252104B74C}"/>
               </a:ext>
             </a:extLst>
           </p:cNvPr>
@@ -13921,42 +13909,12 @@
           </a:p>
         </p:txBody>
       </p:sp>
-      <p:pic>
-        <p:nvPicPr>
-          <p:cNvPr id="12" name="Content Placeholder 10"/>
-          <p:cNvPicPr>
-            <a:picLocks noChangeAspect="1"/>
-          </p:cNvPicPr>
-          <p:nvPr/>
-        </p:nvPicPr>
-        <p:blipFill>
-          <a:blip r:embed="rId2">
-            <a:extLst>
-              <a:ext uri="{28A0092B-C50C-407E-A947-70E740481C1C}">
-                <a14:useLocalDpi xmlns:a14="http://schemas.microsoft.com/office/drawing/2010/main" val="0"/>
-              </a:ext>
-            </a:extLst>
-          </a:blip>
-          <a:stretch>
-            <a:fillRect/>
-          </a:stretch>
-        </p:blipFill>
-        <p:spPr>
-          <a:xfrm>
-            <a:off x="3350706" y="3703332"/>
-            <a:ext cx="5000772" cy="2725075"/>
-          </a:xfrm>
-          <a:prstGeom prst="rect">
-            <a:avLst/>
-          </a:prstGeom>
-        </p:spPr>
-      </p:pic>
       <p:sp>
         <p:nvSpPr>
           <p:cNvPr id="4" name="Slide Number Placeholder 3">
             <a:extLst>
               <a:ext uri="{FF2B5EF4-FFF2-40B4-BE49-F238E27FC236}">
-                <a16:creationId xmlns:a16="http://schemas.microsoft.com/office/drawing/2014/main" id="{45D65F30-58AB-4945-8122-45115F91EEEF}"/>
+                <a16:creationId xmlns:a16="http://schemas.microsoft.com/office/drawing/2014/main" id="{A5947835-6C21-43EA-9AF4-3EAA89C862B7}"/>
               </a:ext>
             </a:extLst>
           </p:cNvPr>
@@ -13979,11 +13937,7 @@
             </a:fld>
             <a:r>
               <a:rPr lang="en-US"/>
-              <a:t>/3</a:t>
-            </a:r>
-            <a:r>
-              <a:rPr lang="fa-IR"/>
-              <a:t>9</a:t>
+              <a:t>/41</a:t>
             </a:r>
             <a:endParaRPr lang="en-US" dirty="0"/>
           </a:p>
@@ -13992,7 +13946,7 @@
     </p:spTree>
     <p:extLst>
       <p:ext uri="{BB962C8B-B14F-4D97-AF65-F5344CB8AC3E}">
-        <p14:creationId xmlns:p14="http://schemas.microsoft.com/office/powerpoint/2010/main" val="2413237218"/>
+        <p14:creationId xmlns:p14="http://schemas.microsoft.com/office/powerpoint/2010/main" val="388994331"/>
       </p:ext>
     </p:extLst>
   </p:cSld>
@@ -14021,13 +13975,7 @@
       </p:grpSpPr>
       <p:sp>
         <p:nvSpPr>
-          <p:cNvPr id="2" name="Title 1">
-            <a:extLst>
-              <a:ext uri="{FF2B5EF4-FFF2-40B4-BE49-F238E27FC236}">
-                <a16:creationId xmlns:a16="http://schemas.microsoft.com/office/drawing/2014/main" id="{F071EB0B-0D3C-46B1-8D20-B480A7BE6158}"/>
-              </a:ext>
-            </a:extLst>
-          </p:cNvPr>
+          <p:cNvPr id="2" name="Title 1"/>
           <p:cNvSpPr>
             <a:spLocks noGrp="1"/>
           </p:cNvSpPr>
@@ -14037,7 +13985,7 @@
         </p:nvSpPr>
         <p:spPr>
           <a:xfrm>
-            <a:off x="1883938" y="468087"/>
+            <a:off x="1950201" y="166977"/>
             <a:ext cx="8911687" cy="1280890"/>
           </a:xfrm>
         </p:spPr>
@@ -14047,21 +13995,18 @@
           <a:p>
             <a:r>
               <a:rPr lang="fa-IR" dirty="0"/>
-              <a:t>انگیزه ی پژوهشی</a:t>
-            </a:r>
-            <a:endParaRPr lang="en-US" dirty="0"/>
-          </a:p>
-        </p:txBody>
-      </p:sp>
-      <p:sp>
-        <p:nvSpPr>
-          <p:cNvPr id="3" name="Content Placeholder 2">
-            <a:extLst>
-              <a:ext uri="{FF2B5EF4-FFF2-40B4-BE49-F238E27FC236}">
-                <a16:creationId xmlns:a16="http://schemas.microsoft.com/office/drawing/2014/main" id="{F3A681AD-6638-483B-8D8A-BF197A6B6CBC}"/>
-              </a:ext>
-            </a:extLst>
-          </p:cNvPr>
+              <a:t>بررسی برش شبکه به صورت دینامیکی در شبکه </a:t>
+            </a:r>
+            <a:r>
+              <a:rPr lang="en-US" dirty="0"/>
+              <a:t>HCRAN</a:t>
+            </a:r>
+          </a:p>
+        </p:txBody>
+      </p:sp>
+      <p:sp>
+        <p:nvSpPr>
+          <p:cNvPr id="3" name="Content Placeholder 2"/>
           <p:cNvSpPr>
             <a:spLocks noGrp="1"/>
           </p:cNvSpPr>
@@ -14071,150 +14016,116 @@
         </p:nvSpPr>
         <p:spPr>
           <a:xfrm>
-            <a:off x="1469571" y="1426964"/>
-            <a:ext cx="9258227" cy="4962949"/>
+            <a:off x="1936464" y="1387888"/>
+            <a:ext cx="8915400" cy="3777622"/>
           </a:xfrm>
         </p:spPr>
         <p:txBody>
           <a:bodyPr>
-            <a:normAutofit lnSpcReduction="10000"/>
+            <a:normAutofit/>
           </a:bodyPr>
           <a:lstStyle/>
           <a:p>
             <a:r>
-              <a:rPr lang="fa-IR" sz="2000" b="0" i="0" dirty="0">
-                <a:solidFill>
-                  <a:srgbClr val="000000"/>
-                </a:solidFill>
-                <a:effectLst/>
-              </a:rPr>
-              <a:t>اتحاد </a:t>
-            </a:r>
-            <a:r>
-              <a:rPr lang="en-US" sz="2000" b="0" i="0" dirty="0">
-                <a:solidFill>
-                  <a:srgbClr val="000000"/>
-                </a:solidFill>
-                <a:effectLst/>
-              </a:rPr>
-              <a:t> ORAN</a:t>
-            </a:r>
-            <a:r>
-              <a:rPr lang="fa-IR" sz="2000" b="0" i="0" dirty="0">
-                <a:solidFill>
-                  <a:srgbClr val="000000"/>
-                </a:solidFill>
-                <a:effectLst/>
-              </a:rPr>
-              <a:t>در جستجوی چشم انداز </a:t>
-            </a:r>
-            <a:r>
-              <a:rPr lang="fa-IR" sz="2000" b="1" i="0" dirty="0">
-                <a:solidFill>
-                  <a:srgbClr val="000000"/>
-                </a:solidFill>
-                <a:effectLst/>
-              </a:rPr>
-              <a:t>باز بودن </a:t>
-            </a:r>
-            <a:r>
-              <a:rPr lang="fa-IR" sz="2000" b="0" i="0" dirty="0">
-                <a:solidFill>
-                  <a:srgbClr val="000000"/>
-                </a:solidFill>
-                <a:effectLst/>
-              </a:rPr>
-              <a:t>و </a:t>
-            </a:r>
-            <a:r>
-              <a:rPr lang="fa-IR" sz="2000" b="1" i="0" dirty="0">
-                <a:solidFill>
-                  <a:srgbClr val="000000"/>
-                </a:solidFill>
-                <a:effectLst/>
-              </a:rPr>
-              <a:t>هوشمندی</a:t>
-            </a:r>
-            <a:r>
-              <a:rPr lang="fa-IR" sz="2000" b="0" i="0" dirty="0">
-                <a:solidFill>
-                  <a:srgbClr val="000000"/>
-                </a:solidFill>
-                <a:effectLst/>
-              </a:rPr>
-              <a:t> برای شبکه های بی سیم نسل بعدی و فراتر</a:t>
+              <a:rPr lang="ar-IQ" dirty="0"/>
+              <a:t>برش شبکه به صورت دینامیکی در بخش رادیویی مورد بررسی قرار گرفته شده است </a:t>
+            </a:r>
+            <a:endParaRPr lang="en-US" dirty="0"/>
+          </a:p>
+          <a:p>
+            <a:r>
+              <a:rPr lang="ar-IQ" dirty="0"/>
+              <a:t>برش</a:t>
+            </a:r>
+            <a:r>
+              <a:rPr lang="en-US" dirty="0"/>
+              <a:t> </a:t>
+            </a:r>
+            <a:r>
+              <a:rPr lang="ar-IQ" dirty="0"/>
+              <a:t>شبکه </a:t>
+            </a:r>
+            <a:r>
+              <a:rPr lang="fa-IR" dirty="0"/>
+              <a:t>: </a:t>
+            </a:r>
+            <a:r>
+              <a:rPr lang="ar-IQ" dirty="0"/>
+              <a:t>فرآیند تخصیص منابع شبکه به کاربران </a:t>
+            </a:r>
+            <a:endParaRPr lang="en-US" dirty="0"/>
+          </a:p>
+          <a:p>
+            <a:pPr lvl="1"/>
+            <a:r>
+              <a:rPr lang="ar-IQ" dirty="0"/>
+              <a:t>یک سطح</a:t>
+            </a:r>
+            <a:r>
+              <a:rPr lang="fa-IR" dirty="0"/>
+              <a:t> </a:t>
+            </a:r>
+            <a:r>
+              <a:rPr lang="ar-IQ" dirty="0"/>
+              <a:t>بالاتر، که مدیریت کنترل پذیرش کاربران، ارتباط کاربر که شامل تخصیص واحد رادیویی </a:t>
+            </a:r>
+            <a:r>
+              <a:rPr lang="en-US" dirty="0"/>
+              <a:t>RRH</a:t>
+            </a:r>
+            <a:r>
+              <a:rPr lang="fa-IR" dirty="0"/>
+              <a:t> </a:t>
+            </a:r>
+            <a:r>
+              <a:rPr lang="ar-IQ" dirty="0"/>
+              <a:t>برای بیشینه</a:t>
+            </a:r>
+            <a:r>
+              <a:rPr lang="fa-IR" dirty="0"/>
+              <a:t> </a:t>
+            </a:r>
+            <a:r>
+              <a:rPr lang="ar-IQ" dirty="0"/>
+              <a:t>سازی نرخ کاربران و تخصیص ظرفیت منابع باند پایه </a:t>
+            </a:r>
+            <a:r>
+              <a:rPr lang="en-US" dirty="0"/>
+              <a:t>BBU</a:t>
+            </a:r>
+            <a:endParaRPr lang="fa-IR" dirty="0"/>
+          </a:p>
+          <a:p>
+            <a:pPr lvl="1"/>
+            <a:r>
+              <a:rPr lang="ar-IQ" dirty="0"/>
+              <a:t> یک سطح پایین تر، که تخصیص توان و بلوک</a:t>
+            </a:r>
+            <a:r>
+              <a:rPr lang="fa-IR" dirty="0"/>
+              <a:t> </a:t>
+            </a:r>
+            <a:r>
+              <a:rPr lang="ar-IQ" dirty="0"/>
+              <a:t>منابع فیزیکی </a:t>
+            </a:r>
+            <a:r>
+              <a:rPr lang="en-US" dirty="0"/>
+              <a:t>PRB</a:t>
+            </a:r>
+            <a:r>
+              <a:rPr lang="fa-IR" dirty="0"/>
+              <a:t> </a:t>
+            </a:r>
+            <a:r>
+              <a:rPr lang="ar-IQ" dirty="0"/>
+              <a:t>در میان کاربران می باشد. </a:t>
             </a:r>
             <a:br>
-              <a:rPr lang="fa-IR" sz="2000" b="0" i="0" dirty="0">
-                <a:solidFill>
-                  <a:srgbClr val="000000"/>
-                </a:solidFill>
-                <a:effectLst/>
-              </a:rPr>
+              <a:rPr lang="ar-IQ" dirty="0"/>
             </a:br>
-            <a:r>
-              <a:rPr lang="fa-IR" sz="2000" b="0" i="0" dirty="0">
-                <a:solidFill>
-                  <a:srgbClr val="000000"/>
-                </a:solidFill>
-                <a:effectLst/>
-              </a:rPr>
-              <a:t>از آن است</a:t>
-            </a:r>
-            <a:r>
-              <a:rPr lang="fa-IR" sz="2000" dirty="0"/>
-              <a:t> </a:t>
-            </a:r>
-            <a:endParaRPr lang="en-US" sz="2000" dirty="0"/>
-          </a:p>
-          <a:p>
-            <a:r>
-              <a:rPr lang="fa-IR" sz="2000" dirty="0"/>
-              <a:t>در حال حاضر مقالات زیادی در زمینه ی تخصیص منابع در شبکه های دسترسی رادیویی ابری و مهی وجود دارد که نیازمند ارتقا به شبکه های دسترسی رادیویی باز می باشد که منجر به استفاده از روشهای هوش مصنوعی در بخش </a:t>
-            </a:r>
-            <a:r>
-              <a:rPr lang="fa-IR" sz="2000" dirty="0" err="1"/>
-              <a:t>کنترلگر</a:t>
-            </a:r>
-            <a:r>
-              <a:rPr lang="fa-IR" sz="2000" dirty="0"/>
-              <a:t> غیر زمان واقعی و نزدیک به زمان واقعی می باشد.</a:t>
-            </a:r>
-          </a:p>
-          <a:p>
-            <a:r>
-              <a:rPr lang="fa-IR" sz="2000" dirty="0"/>
-              <a:t>روشهای یادگیری تقویتی، درحال حاضر یکی از روشهای مورد توجه در زمینه ی تخصیص منابع می باشد که برای بدست آوردن متغیرهای پیوسته همانند توان کاربران نیازمند استفاده از روش یادگیری عمیق هستیم.</a:t>
-            </a:r>
-          </a:p>
-          <a:p>
-            <a:r>
-              <a:rPr lang="fa-IR" sz="2000" dirty="0"/>
-              <a:t>بدست آوردن </a:t>
-            </a:r>
-            <a:r>
-              <a:rPr lang="en-US" sz="2000" dirty="0"/>
-              <a:t>QoS</a:t>
-            </a:r>
-            <a:r>
-              <a:rPr lang="fa-IR" sz="2000" dirty="0"/>
-              <a:t> همانند تاخیر و نرخ در شبکه های دسترسی رادیویی باز و تخصیص پویای منابع به کاربران از اهداف رساله می باشد.</a:t>
-            </a:r>
-          </a:p>
-          <a:p>
-            <a:r>
-              <a:rPr lang="fa-IR" sz="2000" dirty="0"/>
-              <a:t>برش شبکه در بخش هسته و رادیویی، در نسل 5ام بسیار مورد توجه قرار گرفته شده که یکی از اهداف رساله، برش دهی شبکه ی دسترسی رادیویی باز می باشد.   </a:t>
-            </a:r>
-            <a:endParaRPr lang="en-US" sz="2000" dirty="0"/>
-          </a:p>
-          <a:p>
-            <a:r>
-              <a:rPr lang="fa-IR" sz="2000" dirty="0"/>
-              <a:t>همچنین قرار گیری توابع شبکه ی مجازی بر روی مراکز داده و تخصیص دینامیکی آن به صورتی که میزان هزینه ی مصرفی به کاهش یابد مورد توجه قرار گرفته است</a:t>
-            </a:r>
             <a:br>
-              <a:rPr lang="fa-IR" dirty="0"/>
+              <a:rPr lang="ar-IQ" dirty="0"/>
             </a:br>
             <a:endParaRPr lang="en-US" dirty="0"/>
           </a:p>
@@ -14225,7 +14136,7 @@
           <p:cNvPr id="5" name="Rounded Rectangle 10">
             <a:extLst>
               <a:ext uri="{FF2B5EF4-FFF2-40B4-BE49-F238E27FC236}">
-                <a16:creationId xmlns:a16="http://schemas.microsoft.com/office/drawing/2014/main" id="{60C9085C-D3E4-4D8A-A0F0-E8280D055E37}"/>
+                <a16:creationId xmlns:a16="http://schemas.microsoft.com/office/drawing/2014/main" id="{5CA220EA-4AFC-4AC8-8966-6013F09A17D7}"/>
               </a:ext>
             </a:extLst>
           </p:cNvPr>
@@ -14302,7 +14213,7 @@
           <p:cNvPr id="6" name="Rectangle 5">
             <a:extLst>
               <a:ext uri="{FF2B5EF4-FFF2-40B4-BE49-F238E27FC236}">
-                <a16:creationId xmlns:a16="http://schemas.microsoft.com/office/drawing/2014/main" id="{84C9E0DD-B909-43DF-9922-BE31D7347F1D}"/>
+                <a16:creationId xmlns:a16="http://schemas.microsoft.com/office/drawing/2014/main" id="{268CB366-97C1-436E-B473-11C0B8A2B94B}"/>
               </a:ext>
             </a:extLst>
           </p:cNvPr>
@@ -14368,7 +14279,7 @@
           <p:cNvPr id="7" name="Rectangle 6">
             <a:extLst>
               <a:ext uri="{FF2B5EF4-FFF2-40B4-BE49-F238E27FC236}">
-                <a16:creationId xmlns:a16="http://schemas.microsoft.com/office/drawing/2014/main" id="{94AA5673-AB6D-4AF0-875B-8DA7E7A5B140}"/>
+                <a16:creationId xmlns:a16="http://schemas.microsoft.com/office/drawing/2014/main" id="{4BD395B4-C568-4FE4-8C83-4C5CAA018C54}"/>
               </a:ext>
             </a:extLst>
           </p:cNvPr>
@@ -14442,7 +14353,7 @@
           <p:cNvPr id="8" name="Rectangle 7">
             <a:extLst>
               <a:ext uri="{FF2B5EF4-FFF2-40B4-BE49-F238E27FC236}">
-                <a16:creationId xmlns:a16="http://schemas.microsoft.com/office/drawing/2014/main" id="{52A80A28-987D-4F19-B306-D0919DFD7800}"/>
+                <a16:creationId xmlns:a16="http://schemas.microsoft.com/office/drawing/2014/main" id="{1967F121-CEC3-4B97-8062-058D15C8F6D9}"/>
               </a:ext>
             </a:extLst>
           </p:cNvPr>
@@ -14528,7 +14439,7 @@
           <p:cNvPr id="9" name="Rectangle 8">
             <a:extLst>
               <a:ext uri="{FF2B5EF4-FFF2-40B4-BE49-F238E27FC236}">
-                <a16:creationId xmlns:a16="http://schemas.microsoft.com/office/drawing/2014/main" id="{74DDC670-5BE6-4A9D-8998-087A67FF1526}"/>
+                <a16:creationId xmlns:a16="http://schemas.microsoft.com/office/drawing/2014/main" id="{92B5EB91-6867-4210-98DE-9C6E48E31DF3}"/>
               </a:ext>
             </a:extLst>
           </p:cNvPr>
@@ -14614,7 +14525,7 @@
           <p:cNvPr id="10" name="Rectangle 9">
             <a:extLst>
               <a:ext uri="{FF2B5EF4-FFF2-40B4-BE49-F238E27FC236}">
-                <a16:creationId xmlns:a16="http://schemas.microsoft.com/office/drawing/2014/main" id="{C1985BC2-FF90-47F6-8493-B3FF348592E1}"/>
+                <a16:creationId xmlns:a16="http://schemas.microsoft.com/office/drawing/2014/main" id="{043FCFD6-E24B-444D-B891-C4D66ED6A729}"/>
               </a:ext>
             </a:extLst>
           </p:cNvPr>
@@ -14695,12 +14606,42 @@
           </a:p>
         </p:txBody>
       </p:sp>
+      <p:pic>
+        <p:nvPicPr>
+          <p:cNvPr id="12" name="Content Placeholder 10"/>
+          <p:cNvPicPr>
+            <a:picLocks noChangeAspect="1"/>
+          </p:cNvPicPr>
+          <p:nvPr/>
+        </p:nvPicPr>
+        <p:blipFill>
+          <a:blip r:embed="rId2">
+            <a:extLst>
+              <a:ext uri="{28A0092B-C50C-407E-A947-70E740481C1C}">
+                <a14:useLocalDpi xmlns:a14="http://schemas.microsoft.com/office/drawing/2010/main" val="0"/>
+              </a:ext>
+            </a:extLst>
+          </a:blip>
+          <a:stretch>
+            <a:fillRect/>
+          </a:stretch>
+        </p:blipFill>
+        <p:spPr>
+          <a:xfrm>
+            <a:off x="3350706" y="3703332"/>
+            <a:ext cx="5000772" cy="2725075"/>
+          </a:xfrm>
+          <a:prstGeom prst="rect">
+            <a:avLst/>
+          </a:prstGeom>
+        </p:spPr>
+      </p:pic>
       <p:sp>
         <p:nvSpPr>
           <p:cNvPr id="11" name="Slide Number Placeholder 10">
             <a:extLst>
               <a:ext uri="{FF2B5EF4-FFF2-40B4-BE49-F238E27FC236}">
-                <a16:creationId xmlns:a16="http://schemas.microsoft.com/office/drawing/2014/main" id="{4BC65D51-7BB1-48BA-9908-964A0CB9BEFA}"/>
+                <a16:creationId xmlns:a16="http://schemas.microsoft.com/office/drawing/2014/main" id="{958D426D-B7A6-41BB-BC50-494950D71903}"/>
               </a:ext>
             </a:extLst>
           </p:cNvPr>
@@ -14723,11 +14664,747 @@
             </a:fld>
             <a:r>
               <a:rPr lang="en-US"/>
-              <a:t>/3</a:t>
-            </a:r>
-            <a:r>
-              <a:rPr lang="fa-IR"/>
-              <a:t>9</a:t>
+              <a:t>/41</a:t>
+            </a:r>
+            <a:endParaRPr lang="en-US" dirty="0"/>
+          </a:p>
+        </p:txBody>
+      </p:sp>
+    </p:spTree>
+    <p:extLst>
+      <p:ext uri="{BB962C8B-B14F-4D97-AF65-F5344CB8AC3E}">
+        <p14:creationId xmlns:p14="http://schemas.microsoft.com/office/powerpoint/2010/main" val="2413237218"/>
+      </p:ext>
+    </p:extLst>
+  </p:cSld>
+  <p:clrMapOvr>
+    <a:masterClrMapping/>
+  </p:clrMapOvr>
+</p:sld>
+</file>
+
+<file path=ppt/slides/slide18.xml><?xml version="1.0" encoding="utf-8"?>
+<p:sld xmlns:a="http://schemas.openxmlformats.org/drawingml/2006/main" xmlns:r="http://schemas.openxmlformats.org/officeDocument/2006/relationships" xmlns:p="http://schemas.openxmlformats.org/presentationml/2006/main">
+  <p:cSld>
+    <p:spTree>
+      <p:nvGrpSpPr>
+        <p:cNvPr id="1" name=""/>
+        <p:cNvGrpSpPr/>
+        <p:nvPr/>
+      </p:nvGrpSpPr>
+      <p:grpSpPr>
+        <a:xfrm>
+          <a:off x="0" y="0"/>
+          <a:ext cx="0" cy="0"/>
+          <a:chOff x="0" y="0"/>
+          <a:chExt cx="0" cy="0"/>
+        </a:xfrm>
+      </p:grpSpPr>
+      <p:sp>
+        <p:nvSpPr>
+          <p:cNvPr id="2" name="Title 1">
+            <a:extLst>
+              <a:ext uri="{FF2B5EF4-FFF2-40B4-BE49-F238E27FC236}">
+                <a16:creationId xmlns:a16="http://schemas.microsoft.com/office/drawing/2014/main" id="{F071EB0B-0D3C-46B1-8D20-B480A7BE6158}"/>
+              </a:ext>
+            </a:extLst>
+          </p:cNvPr>
+          <p:cNvSpPr>
+            <a:spLocks noGrp="1"/>
+          </p:cNvSpPr>
+          <p:nvPr>
+            <p:ph type="title"/>
+          </p:nvPr>
+        </p:nvSpPr>
+        <p:spPr>
+          <a:xfrm>
+            <a:off x="1883938" y="468087"/>
+            <a:ext cx="8911687" cy="1280890"/>
+          </a:xfrm>
+        </p:spPr>
+        <p:txBody>
+          <a:bodyPr/>
+          <a:lstStyle/>
+          <a:p>
+            <a:r>
+              <a:rPr lang="fa-IR" dirty="0"/>
+              <a:t>انگیزه ی پژوهشی</a:t>
+            </a:r>
+            <a:endParaRPr lang="en-US" dirty="0"/>
+          </a:p>
+        </p:txBody>
+      </p:sp>
+      <p:sp>
+        <p:nvSpPr>
+          <p:cNvPr id="3" name="Content Placeholder 2">
+            <a:extLst>
+              <a:ext uri="{FF2B5EF4-FFF2-40B4-BE49-F238E27FC236}">
+                <a16:creationId xmlns:a16="http://schemas.microsoft.com/office/drawing/2014/main" id="{F3A681AD-6638-483B-8D8A-BF197A6B6CBC}"/>
+              </a:ext>
+            </a:extLst>
+          </p:cNvPr>
+          <p:cNvSpPr>
+            <a:spLocks noGrp="1"/>
+          </p:cNvSpPr>
+          <p:nvPr>
+            <p:ph idx="1"/>
+          </p:nvPr>
+        </p:nvSpPr>
+        <p:spPr>
+          <a:xfrm>
+            <a:off x="1469571" y="1426964"/>
+            <a:ext cx="9258227" cy="4962949"/>
+          </a:xfrm>
+        </p:spPr>
+        <p:txBody>
+          <a:bodyPr>
+            <a:normAutofit lnSpcReduction="10000"/>
+          </a:bodyPr>
+          <a:lstStyle/>
+          <a:p>
+            <a:r>
+              <a:rPr lang="fa-IR" sz="2000" b="0" i="0" dirty="0">
+                <a:solidFill>
+                  <a:srgbClr val="000000"/>
+                </a:solidFill>
+                <a:effectLst/>
+              </a:rPr>
+              <a:t>اتحاد </a:t>
+            </a:r>
+            <a:r>
+              <a:rPr lang="en-US" sz="2000" b="0" i="0" dirty="0">
+                <a:solidFill>
+                  <a:srgbClr val="000000"/>
+                </a:solidFill>
+                <a:effectLst/>
+              </a:rPr>
+              <a:t> ORAN</a:t>
+            </a:r>
+            <a:r>
+              <a:rPr lang="fa-IR" sz="2000" b="0" i="0" dirty="0">
+                <a:solidFill>
+                  <a:srgbClr val="000000"/>
+                </a:solidFill>
+                <a:effectLst/>
+              </a:rPr>
+              <a:t>در جستجوی چشم انداز </a:t>
+            </a:r>
+            <a:r>
+              <a:rPr lang="fa-IR" sz="2000" b="1" i="0" dirty="0">
+                <a:solidFill>
+                  <a:srgbClr val="000000"/>
+                </a:solidFill>
+                <a:effectLst/>
+              </a:rPr>
+              <a:t>باز بودن </a:t>
+            </a:r>
+            <a:r>
+              <a:rPr lang="fa-IR" sz="2000" b="0" i="0" dirty="0">
+                <a:solidFill>
+                  <a:srgbClr val="000000"/>
+                </a:solidFill>
+                <a:effectLst/>
+              </a:rPr>
+              <a:t>و </a:t>
+            </a:r>
+            <a:r>
+              <a:rPr lang="fa-IR" sz="2000" b="1" i="0" dirty="0">
+                <a:solidFill>
+                  <a:srgbClr val="000000"/>
+                </a:solidFill>
+                <a:effectLst/>
+              </a:rPr>
+              <a:t>هوشمندی</a:t>
+            </a:r>
+            <a:r>
+              <a:rPr lang="fa-IR" sz="2000" b="0" i="0" dirty="0">
+                <a:solidFill>
+                  <a:srgbClr val="000000"/>
+                </a:solidFill>
+                <a:effectLst/>
+              </a:rPr>
+              <a:t> برای شبکه های بی سیم نسل بعدی و فراتر</a:t>
+            </a:r>
+            <a:br>
+              <a:rPr lang="fa-IR" sz="2000" b="0" i="0" dirty="0">
+                <a:solidFill>
+                  <a:srgbClr val="000000"/>
+                </a:solidFill>
+                <a:effectLst/>
+              </a:rPr>
+            </a:br>
+            <a:r>
+              <a:rPr lang="fa-IR" sz="2000" b="0" i="0" dirty="0">
+                <a:solidFill>
+                  <a:srgbClr val="000000"/>
+                </a:solidFill>
+                <a:effectLst/>
+              </a:rPr>
+              <a:t>از آن است</a:t>
+            </a:r>
+            <a:r>
+              <a:rPr lang="fa-IR" sz="2000" dirty="0"/>
+              <a:t> </a:t>
+            </a:r>
+            <a:endParaRPr lang="en-US" sz="2000" dirty="0"/>
+          </a:p>
+          <a:p>
+            <a:r>
+              <a:rPr lang="fa-IR" sz="2000" dirty="0"/>
+              <a:t>در حال حاضر مقالات زیادی در زمینه ی تخصیص منابع در شبکه های دسترسی رادیویی ابری و مهی وجود دارد که نیازمند ارتقا به شبکه های دسترسی رادیویی باز می باشد که منجر به استفاده از روشهای هوش مصنوعی در بخش </a:t>
+            </a:r>
+            <a:r>
+              <a:rPr lang="fa-IR" sz="2000" dirty="0" err="1"/>
+              <a:t>کنترلگر</a:t>
+            </a:r>
+            <a:r>
+              <a:rPr lang="fa-IR" sz="2000" dirty="0"/>
+              <a:t> غیر زمان واقعی و نزدیک به زمان واقعی می باشد.</a:t>
+            </a:r>
+          </a:p>
+          <a:p>
+            <a:r>
+              <a:rPr lang="fa-IR" sz="2000" dirty="0"/>
+              <a:t>روشهای یادگیری تقویتی، درحال حاضر یکی از روشهای مورد توجه در زمینه ی تخصیص منابع می باشد که برای بدست آوردن متغیرهای پیوسته همانند توان کاربران نیازمند استفاده از روش یادگیری عمیق هستیم.</a:t>
+            </a:r>
+          </a:p>
+          <a:p>
+            <a:r>
+              <a:rPr lang="fa-IR" sz="2000" dirty="0"/>
+              <a:t>بدست آوردن </a:t>
+            </a:r>
+            <a:r>
+              <a:rPr lang="en-US" sz="2000" dirty="0"/>
+              <a:t>QoS</a:t>
+            </a:r>
+            <a:r>
+              <a:rPr lang="fa-IR" sz="2000" dirty="0"/>
+              <a:t> همانند تاخیر و نرخ در شبکه های دسترسی رادیویی باز و تخصیص پویای منابع به کاربران از اهداف رساله می باشد.</a:t>
+            </a:r>
+          </a:p>
+          <a:p>
+            <a:r>
+              <a:rPr lang="fa-IR" sz="2000" dirty="0"/>
+              <a:t>برش شبکه در بخش هسته و رادیویی، در نسل 5ام بسیار مورد توجه قرار گرفته شده که یکی از اهداف رساله، برش دهی شبکه ی دسترسی رادیویی باز می باشد.   </a:t>
+            </a:r>
+            <a:endParaRPr lang="en-US" sz="2000" dirty="0"/>
+          </a:p>
+          <a:p>
+            <a:r>
+              <a:rPr lang="fa-IR" sz="2000" dirty="0"/>
+              <a:t>همچنین قرار گیری توابع شبکه ی مجازی بر روی مراکز داده و تخصیص دینامیکی آن به صورتی که میزان هزینه ی مصرفی به کاهش یابد مورد توجه قرار گرفته است</a:t>
+            </a:r>
+            <a:br>
+              <a:rPr lang="fa-IR" dirty="0"/>
+            </a:br>
+            <a:endParaRPr lang="en-US" dirty="0"/>
+          </a:p>
+        </p:txBody>
+      </p:sp>
+      <p:sp>
+        <p:nvSpPr>
+          <p:cNvPr id="5" name="Rounded Rectangle 10">
+            <a:extLst>
+              <a:ext uri="{FF2B5EF4-FFF2-40B4-BE49-F238E27FC236}">
+                <a16:creationId xmlns:a16="http://schemas.microsoft.com/office/drawing/2014/main" id="{60C9085C-D3E4-4D8A-A0F0-E8280D055E37}"/>
+              </a:ext>
+            </a:extLst>
+          </p:cNvPr>
+          <p:cNvSpPr/>
+          <p:nvPr/>
+        </p:nvSpPr>
+        <p:spPr>
+          <a:xfrm>
+            <a:off x="10782746" y="1177835"/>
+            <a:ext cx="1300766" cy="5586089"/>
+          </a:xfrm>
+          <a:prstGeom prst="roundRect">
+            <a:avLst/>
+          </a:prstGeom>
+          <a:gradFill flip="none" rotWithShape="1">
+            <a:gsLst>
+              <a:gs pos="0">
+                <a:schemeClr val="accent1">
+                  <a:tint val="66000"/>
+                  <a:satMod val="160000"/>
+                </a:schemeClr>
+              </a:gs>
+              <a:gs pos="50000">
+                <a:schemeClr val="accent1">
+                  <a:tint val="44500"/>
+                  <a:satMod val="160000"/>
+                </a:schemeClr>
+              </a:gs>
+              <a:gs pos="100000">
+                <a:schemeClr val="accent1">
+                  <a:tint val="23500"/>
+                  <a:satMod val="160000"/>
+                </a:schemeClr>
+              </a:gs>
+            </a:gsLst>
+            <a:path path="circle">
+              <a:fillToRect l="100000" t="100000"/>
+            </a:path>
+            <a:tileRect r="-100000" b="-100000"/>
+          </a:gradFill>
+          <a:ln>
+            <a:prstDash val="solid"/>
+          </a:ln>
+        </p:spPr>
+        <p:style>
+          <a:lnRef idx="2">
+            <a:schemeClr val="accent1">
+              <a:shade val="50000"/>
+            </a:schemeClr>
+          </a:lnRef>
+          <a:fillRef idx="1">
+            <a:schemeClr val="accent1"/>
+          </a:fillRef>
+          <a:effectRef idx="0">
+            <a:schemeClr val="accent1"/>
+          </a:effectRef>
+          <a:fontRef idx="minor">
+            <a:schemeClr val="lt1"/>
+          </a:fontRef>
+        </p:style>
+        <p:txBody>
+          <a:bodyPr rtlCol="0" anchor="ctr"/>
+          <a:lstStyle/>
+          <a:p>
+            <a:pPr algn="ctr"/>
+            <a:endParaRPr lang="en-US" sz="1500">
+              <a:cs typeface="B Nazanin" panose="00000400000000000000" pitchFamily="2" charset="-78"/>
+            </a:endParaRPr>
+          </a:p>
+        </p:txBody>
+      </p:sp>
+      <p:sp>
+        <p:nvSpPr>
+          <p:cNvPr id="6" name="Rectangle 5">
+            <a:extLst>
+              <a:ext uri="{FF2B5EF4-FFF2-40B4-BE49-F238E27FC236}">
+                <a16:creationId xmlns:a16="http://schemas.microsoft.com/office/drawing/2014/main" id="{84C9E0DD-B909-43DF-9922-BE31D7347F1D}"/>
+              </a:ext>
+            </a:extLst>
+          </p:cNvPr>
+          <p:cNvSpPr/>
+          <p:nvPr/>
+        </p:nvSpPr>
+        <p:spPr>
+          <a:xfrm>
+            <a:off x="10975929" y="1382087"/>
+            <a:ext cx="927279" cy="872108"/>
+          </a:xfrm>
+          <a:prstGeom prst="rect">
+            <a:avLst/>
+          </a:prstGeom>
+          <a:solidFill>
+            <a:schemeClr val="tx2">
+              <a:lumMod val="60000"/>
+              <a:lumOff val="40000"/>
+            </a:schemeClr>
+          </a:solidFill>
+        </p:spPr>
+        <p:style>
+          <a:lnRef idx="2">
+            <a:schemeClr val="accent1">
+              <a:shade val="50000"/>
+            </a:schemeClr>
+          </a:lnRef>
+          <a:fillRef idx="1">
+            <a:schemeClr val="accent1"/>
+          </a:fillRef>
+          <a:effectRef idx="0">
+            <a:schemeClr val="accent1"/>
+          </a:effectRef>
+          <a:fontRef idx="minor">
+            <a:schemeClr val="lt1"/>
+          </a:fontRef>
+        </p:style>
+        <p:txBody>
+          <a:bodyPr rtlCol="0" anchor="ctr"/>
+          <a:lstStyle/>
+          <a:p>
+            <a:pPr algn="ctr"/>
+            <a:r>
+              <a:rPr lang="fa-IR" dirty="0">
+                <a:solidFill>
+                  <a:schemeClr val="tx1"/>
+                </a:solidFill>
+                <a:cs typeface="B Nazanin" panose="00000400000000000000" pitchFamily="2" charset="-78"/>
+              </a:rPr>
+              <a:t>مقدمه</a:t>
+            </a:r>
+            <a:endParaRPr lang="en-US" dirty="0">
+              <a:solidFill>
+                <a:schemeClr val="tx1"/>
+              </a:solidFill>
+              <a:cs typeface="B Nazanin" panose="00000400000000000000" pitchFamily="2" charset="-78"/>
+            </a:endParaRPr>
+          </a:p>
+        </p:txBody>
+      </p:sp>
+      <p:sp>
+        <p:nvSpPr>
+          <p:cNvPr id="7" name="Rectangle 6">
+            <a:extLst>
+              <a:ext uri="{FF2B5EF4-FFF2-40B4-BE49-F238E27FC236}">
+                <a16:creationId xmlns:a16="http://schemas.microsoft.com/office/drawing/2014/main" id="{94AA5673-AB6D-4AF0-875B-8DA7E7A5B140}"/>
+              </a:ext>
+            </a:extLst>
+          </p:cNvPr>
+          <p:cNvSpPr/>
+          <p:nvPr/>
+        </p:nvSpPr>
+        <p:spPr>
+          <a:xfrm>
+            <a:off x="10975929" y="2415082"/>
+            <a:ext cx="914400" cy="914400"/>
+          </a:xfrm>
+          <a:prstGeom prst="rect">
+            <a:avLst/>
+          </a:prstGeom>
+          <a:solidFill>
+            <a:schemeClr val="tx2">
+              <a:lumMod val="60000"/>
+              <a:lumOff val="40000"/>
+            </a:schemeClr>
+          </a:solidFill>
+          <a:ln>
+            <a:solidFill>
+              <a:schemeClr val="tx2">
+                <a:lumMod val="60000"/>
+                <a:lumOff val="40000"/>
+              </a:schemeClr>
+            </a:solidFill>
+          </a:ln>
+        </p:spPr>
+        <p:style>
+          <a:lnRef idx="2">
+            <a:schemeClr val="accent1">
+              <a:shade val="50000"/>
+            </a:schemeClr>
+          </a:lnRef>
+          <a:fillRef idx="1">
+            <a:schemeClr val="accent1"/>
+          </a:fillRef>
+          <a:effectRef idx="0">
+            <a:schemeClr val="accent1"/>
+          </a:effectRef>
+          <a:fontRef idx="minor">
+            <a:schemeClr val="lt1"/>
+          </a:fontRef>
+        </p:style>
+        <p:txBody>
+          <a:bodyPr rtlCol="0" anchor="ctr"/>
+          <a:lstStyle/>
+          <a:p>
+            <a:pPr algn="ctr"/>
+            <a:r>
+              <a:rPr lang="fa-IR" sz="1500" b="1" dirty="0">
+                <a:solidFill>
+                  <a:schemeClr val="bg1"/>
+                </a:solidFill>
+                <a:cs typeface="B Nazanin" panose="00000400000000000000" pitchFamily="2" charset="-78"/>
+              </a:rPr>
+              <a:t>پیشینه ی تحقیق</a:t>
+            </a:r>
+            <a:endParaRPr lang="en-US" sz="1500" b="1" dirty="0">
+              <a:solidFill>
+                <a:schemeClr val="bg1"/>
+              </a:solidFill>
+              <a:cs typeface="B Nazanin" panose="00000400000000000000" pitchFamily="2" charset="-78"/>
+            </a:endParaRPr>
+          </a:p>
+        </p:txBody>
+      </p:sp>
+      <p:sp>
+        <p:nvSpPr>
+          <p:cNvPr id="8" name="Rectangle 7">
+            <a:extLst>
+              <a:ext uri="{FF2B5EF4-FFF2-40B4-BE49-F238E27FC236}">
+                <a16:creationId xmlns:a16="http://schemas.microsoft.com/office/drawing/2014/main" id="{52A80A28-987D-4F19-B306-D0919DFD7800}"/>
+              </a:ext>
+            </a:extLst>
+          </p:cNvPr>
+          <p:cNvSpPr/>
+          <p:nvPr/>
+        </p:nvSpPr>
+        <p:spPr>
+          <a:xfrm>
+            <a:off x="10975929" y="3409406"/>
+            <a:ext cx="914400" cy="1173749"/>
+          </a:xfrm>
+          <a:prstGeom prst="rect">
+            <a:avLst/>
+          </a:prstGeom>
+          <a:gradFill flip="none" rotWithShape="1">
+            <a:gsLst>
+              <a:gs pos="0">
+                <a:schemeClr val="accent1">
+                  <a:tint val="66000"/>
+                  <a:satMod val="160000"/>
+                </a:schemeClr>
+              </a:gs>
+              <a:gs pos="50000">
+                <a:schemeClr val="accent1">
+                  <a:tint val="44500"/>
+                  <a:satMod val="160000"/>
+                </a:schemeClr>
+              </a:gs>
+              <a:gs pos="100000">
+                <a:schemeClr val="accent1">
+                  <a:tint val="23500"/>
+                  <a:satMod val="160000"/>
+                </a:schemeClr>
+              </a:gs>
+            </a:gsLst>
+            <a:path path="circle">
+              <a:fillToRect l="50000" t="50000" r="50000" b="50000"/>
+            </a:path>
+            <a:tileRect/>
+          </a:gradFill>
+        </p:spPr>
+        <p:style>
+          <a:lnRef idx="2">
+            <a:schemeClr val="accent1">
+              <a:shade val="50000"/>
+            </a:schemeClr>
+          </a:lnRef>
+          <a:fillRef idx="1">
+            <a:schemeClr val="accent1"/>
+          </a:fillRef>
+          <a:effectRef idx="0">
+            <a:schemeClr val="accent1"/>
+          </a:effectRef>
+          <a:fontRef idx="minor">
+            <a:schemeClr val="lt1"/>
+          </a:fontRef>
+        </p:style>
+        <p:txBody>
+          <a:bodyPr rtlCol="0" anchor="ctr"/>
+          <a:lstStyle/>
+          <a:p>
+            <a:pPr algn="ctr"/>
+            <a:r>
+              <a:rPr lang="fa-IR" sz="1500" dirty="0">
+                <a:solidFill>
+                  <a:schemeClr val="tx1"/>
+                </a:solidFill>
+                <a:cs typeface="B Nazanin" panose="00000400000000000000" pitchFamily="2" charset="-78"/>
+              </a:rPr>
+              <a:t>تخصیص منابع در شبکه دسترسی رادیویی باز </a:t>
+            </a:r>
+            <a:endParaRPr lang="en-US" sz="1500" dirty="0">
+              <a:solidFill>
+                <a:schemeClr val="tx1"/>
+              </a:solidFill>
+              <a:cs typeface="B Nazanin" panose="00000400000000000000" pitchFamily="2" charset="-78"/>
+            </a:endParaRPr>
+          </a:p>
+        </p:txBody>
+      </p:sp>
+      <p:sp>
+        <p:nvSpPr>
+          <p:cNvPr id="9" name="Rectangle 8">
+            <a:extLst>
+              <a:ext uri="{FF2B5EF4-FFF2-40B4-BE49-F238E27FC236}">
+                <a16:creationId xmlns:a16="http://schemas.microsoft.com/office/drawing/2014/main" id="{74DDC670-5BE6-4A9D-8998-087A67FF1526}"/>
+              </a:ext>
+            </a:extLst>
+          </p:cNvPr>
+          <p:cNvSpPr/>
+          <p:nvPr/>
+        </p:nvSpPr>
+        <p:spPr>
+          <a:xfrm>
+            <a:off x="10948455" y="4708310"/>
+            <a:ext cx="914400" cy="914400"/>
+          </a:xfrm>
+          <a:prstGeom prst="rect">
+            <a:avLst/>
+          </a:prstGeom>
+          <a:gradFill flip="none" rotWithShape="1">
+            <a:gsLst>
+              <a:gs pos="0">
+                <a:schemeClr val="accent1">
+                  <a:tint val="66000"/>
+                  <a:satMod val="160000"/>
+                </a:schemeClr>
+              </a:gs>
+              <a:gs pos="50000">
+                <a:schemeClr val="accent1">
+                  <a:tint val="44500"/>
+                  <a:satMod val="160000"/>
+                </a:schemeClr>
+              </a:gs>
+              <a:gs pos="100000">
+                <a:schemeClr val="accent1">
+                  <a:tint val="23500"/>
+                  <a:satMod val="160000"/>
+                </a:schemeClr>
+              </a:gs>
+            </a:gsLst>
+            <a:path path="circle">
+              <a:fillToRect l="50000" t="50000" r="50000" b="50000"/>
+            </a:path>
+            <a:tileRect/>
+          </a:gradFill>
+        </p:spPr>
+        <p:style>
+          <a:lnRef idx="2">
+            <a:schemeClr val="accent1">
+              <a:shade val="50000"/>
+            </a:schemeClr>
+          </a:lnRef>
+          <a:fillRef idx="1">
+            <a:schemeClr val="accent1"/>
+          </a:fillRef>
+          <a:effectRef idx="0">
+            <a:schemeClr val="accent1"/>
+          </a:effectRef>
+          <a:fontRef idx="minor">
+            <a:schemeClr val="lt1"/>
+          </a:fontRef>
+        </p:style>
+        <p:txBody>
+          <a:bodyPr rtlCol="0" anchor="ctr"/>
+          <a:lstStyle/>
+          <a:p>
+            <a:pPr algn="ctr" rtl="1"/>
+            <a:r>
+              <a:rPr lang="fa-IR" sz="1500" dirty="0">
+                <a:solidFill>
+                  <a:schemeClr val="tx1"/>
+                </a:solidFill>
+                <a:cs typeface="B Nazanin" pitchFamily="2" charset="-78"/>
+              </a:rPr>
+              <a:t>تخصیص برش شبکه به صورت دینامیکی</a:t>
+            </a:r>
+            <a:endParaRPr lang="en-US" sz="1500" dirty="0">
+              <a:solidFill>
+                <a:schemeClr val="tx1"/>
+              </a:solidFill>
+              <a:cs typeface="B Nazanin" pitchFamily="2" charset="-78"/>
+            </a:endParaRPr>
+          </a:p>
+        </p:txBody>
+      </p:sp>
+      <p:sp>
+        <p:nvSpPr>
+          <p:cNvPr id="10" name="Rectangle 9">
+            <a:extLst>
+              <a:ext uri="{FF2B5EF4-FFF2-40B4-BE49-F238E27FC236}">
+                <a16:creationId xmlns:a16="http://schemas.microsoft.com/office/drawing/2014/main" id="{C1985BC2-FF90-47F6-8493-B3FF348592E1}"/>
+              </a:ext>
+            </a:extLst>
+          </p:cNvPr>
+          <p:cNvSpPr/>
+          <p:nvPr/>
+        </p:nvSpPr>
+        <p:spPr>
+          <a:xfrm>
+            <a:off x="10975929" y="5747865"/>
+            <a:ext cx="914400" cy="1005335"/>
+          </a:xfrm>
+          <a:prstGeom prst="rect">
+            <a:avLst/>
+          </a:prstGeom>
+          <a:gradFill flip="none" rotWithShape="1">
+            <a:gsLst>
+              <a:gs pos="0">
+                <a:schemeClr val="accent1">
+                  <a:tint val="66000"/>
+                  <a:satMod val="160000"/>
+                </a:schemeClr>
+              </a:gs>
+              <a:gs pos="50000">
+                <a:schemeClr val="accent1">
+                  <a:tint val="44500"/>
+                  <a:satMod val="160000"/>
+                </a:schemeClr>
+              </a:gs>
+              <a:gs pos="100000">
+                <a:schemeClr val="accent1">
+                  <a:tint val="23500"/>
+                  <a:satMod val="160000"/>
+                </a:schemeClr>
+              </a:gs>
+            </a:gsLst>
+            <a:path path="circle">
+              <a:fillToRect l="50000" t="50000" r="50000" b="50000"/>
+            </a:path>
+            <a:tileRect/>
+          </a:gradFill>
+        </p:spPr>
+        <p:style>
+          <a:lnRef idx="2">
+            <a:schemeClr val="accent1">
+              <a:shade val="50000"/>
+            </a:schemeClr>
+          </a:lnRef>
+          <a:fillRef idx="1">
+            <a:schemeClr val="accent1"/>
+          </a:fillRef>
+          <a:effectRef idx="0">
+            <a:schemeClr val="accent1"/>
+          </a:effectRef>
+          <a:fontRef idx="minor">
+            <a:schemeClr val="lt1"/>
+          </a:fontRef>
+        </p:style>
+        <p:txBody>
+          <a:bodyPr rtlCol="0" anchor="ctr"/>
+          <a:lstStyle/>
+          <a:p>
+            <a:pPr algn="ctr"/>
+            <a:r>
+              <a:rPr lang="fa-IR" sz="1500" dirty="0">
+                <a:solidFill>
+                  <a:schemeClr val="tx1"/>
+                </a:solidFill>
+                <a:cs typeface="B Nazanin" panose="00000400000000000000" pitchFamily="2" charset="-78"/>
+              </a:rPr>
+              <a:t>نتیجه گیری و پیشنهادات</a:t>
+            </a:r>
+            <a:endParaRPr lang="en-US" sz="1500" dirty="0">
+              <a:solidFill>
+                <a:schemeClr val="tx1"/>
+              </a:solidFill>
+              <a:cs typeface="B Nazanin" panose="00000400000000000000" pitchFamily="2" charset="-78"/>
+            </a:endParaRPr>
+          </a:p>
+        </p:txBody>
+      </p:sp>
+      <p:sp>
+        <p:nvSpPr>
+          <p:cNvPr id="4" name="Slide Number Placeholder 3">
+            <a:extLst>
+              <a:ext uri="{FF2B5EF4-FFF2-40B4-BE49-F238E27FC236}">
+                <a16:creationId xmlns:a16="http://schemas.microsoft.com/office/drawing/2014/main" id="{007D0427-4F31-42A0-81CF-C67988505C00}"/>
+              </a:ext>
+            </a:extLst>
+          </p:cNvPr>
+          <p:cNvSpPr>
+            <a:spLocks noGrp="1"/>
+          </p:cNvSpPr>
+          <p:nvPr>
+            <p:ph type="sldNum" sz="quarter" idx="12"/>
+          </p:nvPr>
+        </p:nvSpPr>
+        <p:spPr/>
+        <p:txBody>
+          <a:bodyPr/>
+          <a:lstStyle/>
+          <a:p>
+            <a:fld id="{D57F1E4F-1CFF-5643-939E-217C01CDF565}" type="slidenum">
+              <a:rPr lang="en-US" smtClean="0"/>
+              <a:pPr/>
+              <a:t>18</a:t>
+            </a:fld>
+            <a:r>
+              <a:rPr lang="en-US"/>
+              <a:t>/41</a:t>
             </a:r>
             <a:endParaRPr lang="en-US" dirty="0"/>
           </a:p>
@@ -14746,7 +15423,7 @@
 </p:sld>
 </file>
 
-<file path=ppt/slides/slide18.xml><?xml version="1.0" encoding="utf-8"?>
+<file path=ppt/slides/slide19.xml><?xml version="1.0" encoding="utf-8"?>
 <p:sld xmlns:a="http://schemas.openxmlformats.org/drawingml/2006/main" xmlns:r="http://schemas.openxmlformats.org/officeDocument/2006/relationships" xmlns:p="http://schemas.openxmlformats.org/presentationml/2006/main">
   <p:cSld>
     <p:spTree>
@@ -15653,10 +16330,10 @@
       </p:pic>
       <p:sp>
         <p:nvSpPr>
-          <p:cNvPr id="4" name="Slide Number Placeholder 3">
+          <p:cNvPr id="6" name="Slide Number Placeholder 5">
             <a:extLst>
               <a:ext uri="{FF2B5EF4-FFF2-40B4-BE49-F238E27FC236}">
-                <a16:creationId xmlns:a16="http://schemas.microsoft.com/office/drawing/2014/main" id="{60CE8F0B-EED8-419D-8083-B9D960F61B3B}"/>
+                <a16:creationId xmlns:a16="http://schemas.microsoft.com/office/drawing/2014/main" id="{943B035F-C1F5-4168-82DF-04AC066A3188}"/>
               </a:ext>
             </a:extLst>
           </p:cNvPr>
@@ -15675,15 +16352,11 @@
             <a:fld id="{D57F1E4F-1CFF-5643-939E-217C01CDF565}" type="slidenum">
               <a:rPr lang="en-US" smtClean="0"/>
               <a:pPr/>
-              <a:t>18</a:t>
+              <a:t>19</a:t>
             </a:fld>
             <a:r>
               <a:rPr lang="en-US"/>
-              <a:t>/3</a:t>
-            </a:r>
-            <a:r>
-              <a:rPr lang="fa-IR"/>
-              <a:t>9</a:t>
+              <a:t>/41</a:t>
             </a:r>
             <a:endParaRPr lang="en-US" dirty="0"/>
           </a:p>
@@ -15693,739 +16366,6 @@
     <p:extLst>
       <p:ext uri="{BB962C8B-B14F-4D97-AF65-F5344CB8AC3E}">
         <p14:creationId xmlns:p14="http://schemas.microsoft.com/office/powerpoint/2010/main" val="846105042"/>
-      </p:ext>
-    </p:extLst>
-  </p:cSld>
-  <p:clrMapOvr>
-    <a:masterClrMapping/>
-  </p:clrMapOvr>
-</p:sld>
-</file>
-
-<file path=ppt/slides/slide19.xml><?xml version="1.0" encoding="utf-8"?>
-<p:sld xmlns:a="http://schemas.openxmlformats.org/drawingml/2006/main" xmlns:r="http://schemas.openxmlformats.org/officeDocument/2006/relationships" xmlns:p="http://schemas.openxmlformats.org/presentationml/2006/main">
-  <p:cSld>
-    <p:spTree>
-      <p:nvGrpSpPr>
-        <p:cNvPr id="1" name=""/>
-        <p:cNvGrpSpPr/>
-        <p:nvPr/>
-      </p:nvGrpSpPr>
-      <p:grpSpPr>
-        <a:xfrm>
-          <a:off x="0" y="0"/>
-          <a:ext cx="0" cy="0"/>
-          <a:chOff x="0" y="0"/>
-          <a:chExt cx="0" cy="0"/>
-        </a:xfrm>
-      </p:grpSpPr>
-      <p:sp>
-        <p:nvSpPr>
-          <p:cNvPr id="2" name="Title 1">
-            <a:extLst>
-              <a:ext uri="{FF2B5EF4-FFF2-40B4-BE49-F238E27FC236}">
-                <a16:creationId xmlns:a16="http://schemas.microsoft.com/office/drawing/2014/main" id="{7231011B-9B40-41EA-B632-156DBDF20B64}"/>
-              </a:ext>
-            </a:extLst>
-          </p:cNvPr>
-          <p:cNvSpPr>
-            <a:spLocks noGrp="1"/>
-          </p:cNvSpPr>
-          <p:nvPr>
-            <p:ph type="title"/>
-          </p:nvPr>
-        </p:nvSpPr>
-        <p:spPr/>
-        <p:txBody>
-          <a:bodyPr/>
-          <a:lstStyle/>
-          <a:p>
-            <a:r>
-              <a:rPr lang="fa-IR" dirty="0"/>
-              <a:t>نرخ قابل دسترس</a:t>
-            </a:r>
-          </a:p>
-        </p:txBody>
-      </p:sp>
-      <p:sp>
-        <p:nvSpPr>
-          <p:cNvPr id="3" name="Content Placeholder 2">
-            <a:extLst>
-              <a:ext uri="{FF2B5EF4-FFF2-40B4-BE49-F238E27FC236}">
-                <a16:creationId xmlns:a16="http://schemas.microsoft.com/office/drawing/2014/main" id="{141CA199-8234-4922-ACD7-16E73F9A380E}"/>
-              </a:ext>
-            </a:extLst>
-          </p:cNvPr>
-          <p:cNvSpPr>
-            <a:spLocks noGrp="1"/>
-          </p:cNvSpPr>
-          <p:nvPr>
-            <p:ph idx="1"/>
-          </p:nvPr>
-        </p:nvSpPr>
-        <p:spPr>
-          <a:xfrm>
-            <a:off x="1941511" y="1404071"/>
-            <a:ext cx="8915400" cy="3777622"/>
-          </a:xfrm>
-        </p:spPr>
-        <p:txBody>
-          <a:bodyPr/>
-          <a:lstStyle/>
-          <a:p>
-            <a:r>
-              <a:rPr lang="fa-IR" dirty="0"/>
-              <a:t>نرخ قابل دسترس</a:t>
-            </a:r>
-          </a:p>
-          <a:p>
-            <a:r>
-              <a:rPr lang="fa-IR" dirty="0"/>
-              <a:t>نسبت سیگنال به نویز</a:t>
-            </a:r>
-          </a:p>
-          <a:p>
-            <a:endParaRPr lang="fa-IR" dirty="0"/>
-          </a:p>
-          <a:p>
-            <a:r>
-              <a:rPr lang="fa-IR" dirty="0"/>
-              <a:t>میزان تداخل کاربران</a:t>
-            </a:r>
-          </a:p>
-          <a:p>
-            <a:endParaRPr lang="fa-IR" dirty="0"/>
-          </a:p>
-          <a:p>
-            <a:endParaRPr lang="fa-IR" dirty="0"/>
-          </a:p>
-          <a:p>
-            <a:endParaRPr lang="fa-IR" dirty="0"/>
-          </a:p>
-          <a:p>
-            <a:endParaRPr lang="en-US" dirty="0"/>
-          </a:p>
-        </p:txBody>
-      </p:sp>
-      <p:sp>
-        <p:nvSpPr>
-          <p:cNvPr id="5" name="Rounded Rectangle 15">
-            <a:extLst>
-              <a:ext uri="{FF2B5EF4-FFF2-40B4-BE49-F238E27FC236}">
-                <a16:creationId xmlns:a16="http://schemas.microsoft.com/office/drawing/2014/main" id="{EE09FE82-3C14-490C-BD74-D0079E022B13}"/>
-              </a:ext>
-            </a:extLst>
-          </p:cNvPr>
-          <p:cNvSpPr/>
-          <p:nvPr/>
-        </p:nvSpPr>
-        <p:spPr>
-          <a:xfrm>
-            <a:off x="10782746" y="1177835"/>
-            <a:ext cx="1300766" cy="5586089"/>
-          </a:xfrm>
-          <a:prstGeom prst="roundRect">
-            <a:avLst/>
-          </a:prstGeom>
-          <a:gradFill flip="none" rotWithShape="1">
-            <a:gsLst>
-              <a:gs pos="0">
-                <a:schemeClr val="accent1">
-                  <a:tint val="66000"/>
-                  <a:satMod val="160000"/>
-                </a:schemeClr>
-              </a:gs>
-              <a:gs pos="50000">
-                <a:schemeClr val="accent1">
-                  <a:tint val="44500"/>
-                  <a:satMod val="160000"/>
-                </a:schemeClr>
-              </a:gs>
-              <a:gs pos="100000">
-                <a:schemeClr val="accent1">
-                  <a:tint val="23500"/>
-                  <a:satMod val="160000"/>
-                </a:schemeClr>
-              </a:gs>
-            </a:gsLst>
-            <a:path path="circle">
-              <a:fillToRect l="100000" t="100000"/>
-            </a:path>
-            <a:tileRect r="-100000" b="-100000"/>
-          </a:gradFill>
-          <a:ln>
-            <a:prstDash val="solid"/>
-          </a:ln>
-        </p:spPr>
-        <p:style>
-          <a:lnRef idx="2">
-            <a:schemeClr val="accent1">
-              <a:shade val="50000"/>
-            </a:schemeClr>
-          </a:lnRef>
-          <a:fillRef idx="1">
-            <a:schemeClr val="accent1"/>
-          </a:fillRef>
-          <a:effectRef idx="0">
-            <a:schemeClr val="accent1"/>
-          </a:effectRef>
-          <a:fontRef idx="minor">
-            <a:schemeClr val="lt1"/>
-          </a:fontRef>
-        </p:style>
-        <p:txBody>
-          <a:bodyPr rtlCol="0" anchor="ctr"/>
-          <a:lstStyle/>
-          <a:p>
-            <a:pPr algn="ctr"/>
-            <a:endParaRPr lang="en-US" sz="1500">
-              <a:cs typeface="B Nazanin" panose="00000400000000000000" pitchFamily="2" charset="-78"/>
-            </a:endParaRPr>
-          </a:p>
-        </p:txBody>
-      </p:sp>
-      <p:sp>
-        <p:nvSpPr>
-          <p:cNvPr id="6" name="Rectangle 5">
-            <a:extLst>
-              <a:ext uri="{FF2B5EF4-FFF2-40B4-BE49-F238E27FC236}">
-                <a16:creationId xmlns:a16="http://schemas.microsoft.com/office/drawing/2014/main" id="{AFC466D6-D7BC-430B-8E45-5F9731F46960}"/>
-              </a:ext>
-            </a:extLst>
-          </p:cNvPr>
-          <p:cNvSpPr/>
-          <p:nvPr/>
-        </p:nvSpPr>
-        <p:spPr>
-          <a:xfrm>
-            <a:off x="10975929" y="1382087"/>
-            <a:ext cx="927279" cy="872108"/>
-          </a:xfrm>
-          <a:prstGeom prst="rect">
-            <a:avLst/>
-          </a:prstGeom>
-          <a:solidFill>
-            <a:schemeClr val="tx2">
-              <a:lumMod val="60000"/>
-              <a:lumOff val="40000"/>
-            </a:schemeClr>
-          </a:solidFill>
-        </p:spPr>
-        <p:style>
-          <a:lnRef idx="2">
-            <a:schemeClr val="accent1">
-              <a:shade val="50000"/>
-            </a:schemeClr>
-          </a:lnRef>
-          <a:fillRef idx="1">
-            <a:schemeClr val="accent1"/>
-          </a:fillRef>
-          <a:effectRef idx="0">
-            <a:schemeClr val="accent1"/>
-          </a:effectRef>
-          <a:fontRef idx="minor">
-            <a:schemeClr val="lt1"/>
-          </a:fontRef>
-        </p:style>
-        <p:txBody>
-          <a:bodyPr rtlCol="0" anchor="ctr"/>
-          <a:lstStyle/>
-          <a:p>
-            <a:pPr algn="ctr"/>
-            <a:r>
-              <a:rPr lang="fa-IR" dirty="0">
-                <a:solidFill>
-                  <a:schemeClr val="tx1"/>
-                </a:solidFill>
-                <a:cs typeface="B Nazanin" panose="00000400000000000000" pitchFamily="2" charset="-78"/>
-              </a:rPr>
-              <a:t>مقدمه</a:t>
-            </a:r>
-            <a:endParaRPr lang="en-US" dirty="0">
-              <a:solidFill>
-                <a:schemeClr val="tx1"/>
-              </a:solidFill>
-              <a:cs typeface="B Nazanin" panose="00000400000000000000" pitchFamily="2" charset="-78"/>
-            </a:endParaRPr>
-          </a:p>
-        </p:txBody>
-      </p:sp>
-      <p:sp>
-        <p:nvSpPr>
-          <p:cNvPr id="7" name="Rectangle 6">
-            <a:extLst>
-              <a:ext uri="{FF2B5EF4-FFF2-40B4-BE49-F238E27FC236}">
-                <a16:creationId xmlns:a16="http://schemas.microsoft.com/office/drawing/2014/main" id="{5319FEE3-EE78-413F-B811-89F6CA7DC62F}"/>
-              </a:ext>
-            </a:extLst>
-          </p:cNvPr>
-          <p:cNvSpPr/>
-          <p:nvPr/>
-        </p:nvSpPr>
-        <p:spPr>
-          <a:xfrm>
-            <a:off x="10975929" y="2361423"/>
-            <a:ext cx="914400" cy="914400"/>
-          </a:xfrm>
-          <a:prstGeom prst="rect">
-            <a:avLst/>
-          </a:prstGeom>
-          <a:solidFill>
-            <a:schemeClr val="tx2">
-              <a:lumMod val="60000"/>
-              <a:lumOff val="40000"/>
-            </a:schemeClr>
-          </a:solidFill>
-          <a:ln>
-            <a:solidFill>
-              <a:schemeClr val="tx2">
-                <a:lumMod val="60000"/>
-                <a:lumOff val="40000"/>
-              </a:schemeClr>
-            </a:solidFill>
-          </a:ln>
-        </p:spPr>
-        <p:style>
-          <a:lnRef idx="2">
-            <a:schemeClr val="accent1">
-              <a:shade val="50000"/>
-            </a:schemeClr>
-          </a:lnRef>
-          <a:fillRef idx="1">
-            <a:schemeClr val="accent1"/>
-          </a:fillRef>
-          <a:effectRef idx="0">
-            <a:schemeClr val="accent1"/>
-          </a:effectRef>
-          <a:fontRef idx="minor">
-            <a:schemeClr val="lt1"/>
-          </a:fontRef>
-        </p:style>
-        <p:txBody>
-          <a:bodyPr rtlCol="0" anchor="ctr"/>
-          <a:lstStyle/>
-          <a:p>
-            <a:pPr algn="ctr"/>
-            <a:r>
-              <a:rPr lang="fa-IR" sz="1500" dirty="0">
-                <a:solidFill>
-                  <a:schemeClr val="tx1"/>
-                </a:solidFill>
-                <a:cs typeface="B Nazanin" panose="00000400000000000000" pitchFamily="2" charset="-78"/>
-              </a:rPr>
-              <a:t>پیشینه ی تحقیق</a:t>
-            </a:r>
-            <a:endParaRPr lang="en-US" sz="1500" dirty="0">
-              <a:solidFill>
-                <a:schemeClr val="tx1"/>
-              </a:solidFill>
-              <a:cs typeface="B Nazanin" panose="00000400000000000000" pitchFamily="2" charset="-78"/>
-            </a:endParaRPr>
-          </a:p>
-        </p:txBody>
-      </p:sp>
-      <p:sp>
-        <p:nvSpPr>
-          <p:cNvPr id="8" name="Rectangle 7">
-            <a:extLst>
-              <a:ext uri="{FF2B5EF4-FFF2-40B4-BE49-F238E27FC236}">
-                <a16:creationId xmlns:a16="http://schemas.microsoft.com/office/drawing/2014/main" id="{09991092-24C4-48FF-8484-BB95CDEA0422}"/>
-              </a:ext>
-            </a:extLst>
-          </p:cNvPr>
-          <p:cNvSpPr/>
-          <p:nvPr/>
-        </p:nvSpPr>
-        <p:spPr>
-          <a:xfrm>
-            <a:off x="10982668" y="3311326"/>
-            <a:ext cx="907660" cy="1343185"/>
-          </a:xfrm>
-          <a:prstGeom prst="rect">
-            <a:avLst/>
-          </a:prstGeom>
-          <a:solidFill>
-            <a:schemeClr val="accent1"/>
-          </a:solidFill>
-          <a:ln>
-            <a:solidFill>
-              <a:schemeClr val="accent1"/>
-            </a:solidFill>
-          </a:ln>
-        </p:spPr>
-        <p:style>
-          <a:lnRef idx="2">
-            <a:schemeClr val="accent1">
-              <a:shade val="50000"/>
-            </a:schemeClr>
-          </a:lnRef>
-          <a:fillRef idx="1">
-            <a:schemeClr val="accent1"/>
-          </a:fillRef>
-          <a:effectRef idx="0">
-            <a:schemeClr val="accent1"/>
-          </a:effectRef>
-          <a:fontRef idx="minor">
-            <a:schemeClr val="lt1"/>
-          </a:fontRef>
-        </p:style>
-        <p:txBody>
-          <a:bodyPr rtlCol="0" anchor="ctr"/>
-          <a:lstStyle/>
-          <a:p>
-            <a:pPr algn="ctr"/>
-            <a:r>
-              <a:rPr lang="fa-IR" sz="1500" b="1" dirty="0">
-                <a:solidFill>
-                  <a:schemeClr val="bg1"/>
-                </a:solidFill>
-                <a:cs typeface="B Nazanin" panose="00000400000000000000" pitchFamily="2" charset="-78"/>
-              </a:rPr>
-              <a:t>تخصیص منابع در شبکه دسترسی رادیویی باز </a:t>
-            </a:r>
-            <a:endParaRPr lang="en-US" sz="1500" b="1" dirty="0">
-              <a:solidFill>
-                <a:schemeClr val="bg1"/>
-              </a:solidFill>
-              <a:cs typeface="B Nazanin" panose="00000400000000000000" pitchFamily="2" charset="-78"/>
-            </a:endParaRPr>
-          </a:p>
-        </p:txBody>
-      </p:sp>
-      <p:sp>
-        <p:nvSpPr>
-          <p:cNvPr id="9" name="Rectangle 8">
-            <a:extLst>
-              <a:ext uri="{FF2B5EF4-FFF2-40B4-BE49-F238E27FC236}">
-                <a16:creationId xmlns:a16="http://schemas.microsoft.com/office/drawing/2014/main" id="{BD1FA9AE-A6C0-4D24-A569-2BC749237093}"/>
-              </a:ext>
-            </a:extLst>
-          </p:cNvPr>
-          <p:cNvSpPr/>
-          <p:nvPr/>
-        </p:nvSpPr>
-        <p:spPr>
-          <a:xfrm>
-            <a:off x="10988808" y="4701317"/>
-            <a:ext cx="914400" cy="914400"/>
-          </a:xfrm>
-          <a:prstGeom prst="rect">
-            <a:avLst/>
-          </a:prstGeom>
-          <a:gradFill flip="none" rotWithShape="1">
-            <a:gsLst>
-              <a:gs pos="0">
-                <a:schemeClr val="accent1">
-                  <a:tint val="66000"/>
-                  <a:satMod val="160000"/>
-                </a:schemeClr>
-              </a:gs>
-              <a:gs pos="50000">
-                <a:schemeClr val="accent1">
-                  <a:tint val="44500"/>
-                  <a:satMod val="160000"/>
-                </a:schemeClr>
-              </a:gs>
-              <a:gs pos="100000">
-                <a:schemeClr val="accent1">
-                  <a:tint val="23500"/>
-                  <a:satMod val="160000"/>
-                </a:schemeClr>
-              </a:gs>
-            </a:gsLst>
-            <a:path path="circle">
-              <a:fillToRect l="50000" t="50000" r="50000" b="50000"/>
-            </a:path>
-            <a:tileRect/>
-          </a:gradFill>
-        </p:spPr>
-        <p:style>
-          <a:lnRef idx="2">
-            <a:schemeClr val="accent1">
-              <a:shade val="50000"/>
-            </a:schemeClr>
-          </a:lnRef>
-          <a:fillRef idx="1">
-            <a:schemeClr val="accent1"/>
-          </a:fillRef>
-          <a:effectRef idx="0">
-            <a:schemeClr val="accent1"/>
-          </a:effectRef>
-          <a:fontRef idx="minor">
-            <a:schemeClr val="lt1"/>
-          </a:fontRef>
-        </p:style>
-        <p:txBody>
-          <a:bodyPr rtlCol="0" anchor="ctr"/>
-          <a:lstStyle/>
-          <a:p>
-            <a:pPr algn="ctr" rtl="1"/>
-            <a:r>
-              <a:rPr lang="fa-IR" sz="1500" dirty="0">
-                <a:solidFill>
-                  <a:schemeClr val="tx1"/>
-                </a:solidFill>
-                <a:cs typeface="B Nazanin" pitchFamily="2" charset="-78"/>
-              </a:rPr>
-              <a:t>تخصیص برش شبکه به صورت دینامیکی</a:t>
-            </a:r>
-            <a:endParaRPr lang="en-US" sz="1500" dirty="0">
-              <a:solidFill>
-                <a:schemeClr val="tx1"/>
-              </a:solidFill>
-              <a:cs typeface="B Nazanin" pitchFamily="2" charset="-78"/>
-            </a:endParaRPr>
-          </a:p>
-        </p:txBody>
-      </p:sp>
-      <p:sp>
-        <p:nvSpPr>
-          <p:cNvPr id="10" name="Rectangle 9">
-            <a:extLst>
-              <a:ext uri="{FF2B5EF4-FFF2-40B4-BE49-F238E27FC236}">
-                <a16:creationId xmlns:a16="http://schemas.microsoft.com/office/drawing/2014/main" id="{5DD58AFD-993B-4D97-A9F1-00520828A334}"/>
-              </a:ext>
-            </a:extLst>
-          </p:cNvPr>
-          <p:cNvSpPr/>
-          <p:nvPr/>
-        </p:nvSpPr>
-        <p:spPr>
-          <a:xfrm>
-            <a:off x="10975929" y="5747865"/>
-            <a:ext cx="914400" cy="1005335"/>
-          </a:xfrm>
-          <a:prstGeom prst="rect">
-            <a:avLst/>
-          </a:prstGeom>
-          <a:gradFill flip="none" rotWithShape="1">
-            <a:gsLst>
-              <a:gs pos="0">
-                <a:schemeClr val="accent1">
-                  <a:tint val="66000"/>
-                  <a:satMod val="160000"/>
-                </a:schemeClr>
-              </a:gs>
-              <a:gs pos="50000">
-                <a:schemeClr val="accent1">
-                  <a:tint val="44500"/>
-                  <a:satMod val="160000"/>
-                </a:schemeClr>
-              </a:gs>
-              <a:gs pos="100000">
-                <a:schemeClr val="accent1">
-                  <a:tint val="23500"/>
-                  <a:satMod val="160000"/>
-                </a:schemeClr>
-              </a:gs>
-            </a:gsLst>
-            <a:path path="circle">
-              <a:fillToRect l="50000" t="50000" r="50000" b="50000"/>
-            </a:path>
-            <a:tileRect/>
-          </a:gradFill>
-        </p:spPr>
-        <p:style>
-          <a:lnRef idx="2">
-            <a:schemeClr val="accent1">
-              <a:shade val="50000"/>
-            </a:schemeClr>
-          </a:lnRef>
-          <a:fillRef idx="1">
-            <a:schemeClr val="accent1"/>
-          </a:fillRef>
-          <a:effectRef idx="0">
-            <a:schemeClr val="accent1"/>
-          </a:effectRef>
-          <a:fontRef idx="minor">
-            <a:schemeClr val="lt1"/>
-          </a:fontRef>
-        </p:style>
-        <p:txBody>
-          <a:bodyPr rtlCol="0" anchor="ctr"/>
-          <a:lstStyle/>
-          <a:p>
-            <a:pPr algn="ctr"/>
-            <a:r>
-              <a:rPr lang="fa-IR" sz="1500" dirty="0">
-                <a:solidFill>
-                  <a:schemeClr val="tx1"/>
-                </a:solidFill>
-                <a:cs typeface="B Nazanin" panose="00000400000000000000" pitchFamily="2" charset="-78"/>
-              </a:rPr>
-              <a:t>نتیجه گیری و پیشنهادات</a:t>
-            </a:r>
-            <a:endParaRPr lang="en-US" sz="1500" dirty="0">
-              <a:solidFill>
-                <a:schemeClr val="tx1"/>
-              </a:solidFill>
-              <a:cs typeface="B Nazanin" panose="00000400000000000000" pitchFamily="2" charset="-78"/>
-            </a:endParaRPr>
-          </a:p>
-        </p:txBody>
-      </p:sp>
-      <p:pic>
-        <p:nvPicPr>
-          <p:cNvPr id="11" name="Picture 10">
-            <a:extLst>
-              <a:ext uri="{FF2B5EF4-FFF2-40B4-BE49-F238E27FC236}">
-                <a16:creationId xmlns:a16="http://schemas.microsoft.com/office/drawing/2014/main" id="{30F152CF-7EE1-4483-AB0C-CEC717A34B78}"/>
-              </a:ext>
-            </a:extLst>
-          </p:cNvPr>
-          <p:cNvPicPr>
-            <a:picLocks noChangeAspect="1"/>
-          </p:cNvPicPr>
-          <p:nvPr/>
-        </p:nvPicPr>
-        <p:blipFill>
-          <a:blip r:embed="rId2"/>
-          <a:stretch>
-            <a:fillRect/>
-          </a:stretch>
-        </p:blipFill>
-        <p:spPr>
-          <a:xfrm>
-            <a:off x="1818780" y="1452400"/>
-            <a:ext cx="2939706" cy="657111"/>
-          </a:xfrm>
-          <a:prstGeom prst="rect">
-            <a:avLst/>
-          </a:prstGeom>
-        </p:spPr>
-      </p:pic>
-      <p:pic>
-        <p:nvPicPr>
-          <p:cNvPr id="12" name="Picture 11">
-            <a:extLst>
-              <a:ext uri="{FF2B5EF4-FFF2-40B4-BE49-F238E27FC236}">
-                <a16:creationId xmlns:a16="http://schemas.microsoft.com/office/drawing/2014/main" id="{C64A67BD-B1CA-4B2D-8034-74002372E1B1}"/>
-              </a:ext>
-            </a:extLst>
-          </p:cNvPr>
-          <p:cNvPicPr>
-            <a:picLocks noChangeAspect="1"/>
-          </p:cNvPicPr>
-          <p:nvPr/>
-        </p:nvPicPr>
-        <p:blipFill>
-          <a:blip r:embed="rId3"/>
-          <a:stretch>
-            <a:fillRect/>
-          </a:stretch>
-        </p:blipFill>
-        <p:spPr>
-          <a:xfrm>
-            <a:off x="1822493" y="2150945"/>
-            <a:ext cx="3981450" cy="857250"/>
-          </a:xfrm>
-          <a:prstGeom prst="rect">
-            <a:avLst/>
-          </a:prstGeom>
-        </p:spPr>
-      </p:pic>
-      <p:pic>
-        <p:nvPicPr>
-          <p:cNvPr id="16" name="Picture 15">
-            <a:extLst>
-              <a:ext uri="{FF2B5EF4-FFF2-40B4-BE49-F238E27FC236}">
-                <a16:creationId xmlns:a16="http://schemas.microsoft.com/office/drawing/2014/main" id="{74C908C5-D1D3-42DF-9261-A6152896C3EA}"/>
-              </a:ext>
-            </a:extLst>
-          </p:cNvPr>
-          <p:cNvPicPr>
-            <a:picLocks noChangeAspect="1"/>
-          </p:cNvPicPr>
-          <p:nvPr/>
-        </p:nvPicPr>
-        <p:blipFill>
-          <a:blip r:embed="rId4"/>
-          <a:stretch>
-            <a:fillRect/>
-          </a:stretch>
-        </p:blipFill>
-        <p:spPr>
-          <a:xfrm>
-            <a:off x="1941511" y="6149307"/>
-            <a:ext cx="4991100" cy="466725"/>
-          </a:xfrm>
-          <a:prstGeom prst="rect">
-            <a:avLst/>
-          </a:prstGeom>
-        </p:spPr>
-      </p:pic>
-      <p:pic>
-        <p:nvPicPr>
-          <p:cNvPr id="17" name="Picture 16">
-            <a:extLst>
-              <a:ext uri="{FF2B5EF4-FFF2-40B4-BE49-F238E27FC236}">
-                <a16:creationId xmlns:a16="http://schemas.microsoft.com/office/drawing/2014/main" id="{F538C848-0A47-41BB-AABD-CEC3A4B6908D}"/>
-              </a:ext>
-            </a:extLst>
-          </p:cNvPr>
-          <p:cNvPicPr>
-            <a:picLocks noChangeAspect="1"/>
-          </p:cNvPicPr>
-          <p:nvPr/>
-        </p:nvPicPr>
-        <p:blipFill>
-          <a:blip r:embed="rId5"/>
-          <a:stretch>
-            <a:fillRect/>
-          </a:stretch>
-        </p:blipFill>
-        <p:spPr>
-          <a:xfrm>
-            <a:off x="1917743" y="3034632"/>
-            <a:ext cx="3790950" cy="3114675"/>
-          </a:xfrm>
-          <a:prstGeom prst="rect">
-            <a:avLst/>
-          </a:prstGeom>
-        </p:spPr>
-      </p:pic>
-      <p:sp>
-        <p:nvSpPr>
-          <p:cNvPr id="4" name="Slide Number Placeholder 3">
-            <a:extLst>
-              <a:ext uri="{FF2B5EF4-FFF2-40B4-BE49-F238E27FC236}">
-                <a16:creationId xmlns:a16="http://schemas.microsoft.com/office/drawing/2014/main" id="{E8C9DB88-838F-4E04-A9EC-546B52EFA0FA}"/>
-              </a:ext>
-            </a:extLst>
-          </p:cNvPr>
-          <p:cNvSpPr>
-            <a:spLocks noGrp="1"/>
-          </p:cNvSpPr>
-          <p:nvPr>
-            <p:ph type="sldNum" sz="quarter" idx="12"/>
-          </p:nvPr>
-        </p:nvSpPr>
-        <p:spPr/>
-        <p:txBody>
-          <a:bodyPr/>
-          <a:lstStyle/>
-          <a:p>
-            <a:fld id="{D57F1E4F-1CFF-5643-939E-217C01CDF565}" type="slidenum">
-              <a:rPr lang="en-US" smtClean="0"/>
-              <a:pPr/>
-              <a:t>19</a:t>
-            </a:fld>
-            <a:r>
-              <a:rPr lang="en-US"/>
-              <a:t>/3</a:t>
-            </a:r>
-            <a:r>
-              <a:rPr lang="fa-IR"/>
-              <a:t>9</a:t>
-            </a:r>
-            <a:endParaRPr lang="en-US" dirty="0"/>
-          </a:p>
-        </p:txBody>
-      </p:sp>
-    </p:spTree>
-    <p:extLst>
-      <p:ext uri="{BB962C8B-B14F-4D97-AF65-F5344CB8AC3E}">
-        <p14:creationId xmlns:p14="http://schemas.microsoft.com/office/powerpoint/2010/main" val="2427441313"/>
       </p:ext>
     </p:extLst>
   </p:cSld>
@@ -16528,10 +16468,10 @@
       </p:pic>
       <p:sp>
         <p:nvSpPr>
-          <p:cNvPr id="3" name="Slide Number Placeholder 2">
+          <p:cNvPr id="2" name="Slide Number Placeholder 1">
             <a:extLst>
               <a:ext uri="{FF2B5EF4-FFF2-40B4-BE49-F238E27FC236}">
-                <a16:creationId xmlns:a16="http://schemas.microsoft.com/office/drawing/2014/main" id="{CE783131-044F-4E3C-9001-C6AC4C78EC1D}"/>
+                <a16:creationId xmlns:a16="http://schemas.microsoft.com/office/drawing/2014/main" id="{BA137B9C-7538-4955-8179-3D067E8DBD57}"/>
               </a:ext>
             </a:extLst>
           </p:cNvPr>
@@ -16554,11 +16494,7 @@
             </a:fld>
             <a:r>
               <a:rPr lang="en-US"/>
-              <a:t>/3</a:t>
-            </a:r>
-            <a:r>
-              <a:rPr lang="fa-IR"/>
-              <a:t>9</a:t>
+              <a:t>/41</a:t>
             </a:r>
             <a:endParaRPr lang="en-US" dirty="0"/>
           </a:p>
@@ -16599,6 +16535,735 @@
           <p:cNvPr id="2" name="Title 1">
             <a:extLst>
               <a:ext uri="{FF2B5EF4-FFF2-40B4-BE49-F238E27FC236}">
+                <a16:creationId xmlns:a16="http://schemas.microsoft.com/office/drawing/2014/main" id="{7231011B-9B40-41EA-B632-156DBDF20B64}"/>
+              </a:ext>
+            </a:extLst>
+          </p:cNvPr>
+          <p:cNvSpPr>
+            <a:spLocks noGrp="1"/>
+          </p:cNvSpPr>
+          <p:nvPr>
+            <p:ph type="title"/>
+          </p:nvPr>
+        </p:nvSpPr>
+        <p:spPr/>
+        <p:txBody>
+          <a:bodyPr/>
+          <a:lstStyle/>
+          <a:p>
+            <a:r>
+              <a:rPr lang="fa-IR" dirty="0"/>
+              <a:t>نرخ قابل دسترس</a:t>
+            </a:r>
+          </a:p>
+        </p:txBody>
+      </p:sp>
+      <p:sp>
+        <p:nvSpPr>
+          <p:cNvPr id="3" name="Content Placeholder 2">
+            <a:extLst>
+              <a:ext uri="{FF2B5EF4-FFF2-40B4-BE49-F238E27FC236}">
+                <a16:creationId xmlns:a16="http://schemas.microsoft.com/office/drawing/2014/main" id="{141CA199-8234-4922-ACD7-16E73F9A380E}"/>
+              </a:ext>
+            </a:extLst>
+          </p:cNvPr>
+          <p:cNvSpPr>
+            <a:spLocks noGrp="1"/>
+          </p:cNvSpPr>
+          <p:nvPr>
+            <p:ph idx="1"/>
+          </p:nvPr>
+        </p:nvSpPr>
+        <p:spPr>
+          <a:xfrm>
+            <a:off x="1941511" y="1404071"/>
+            <a:ext cx="8915400" cy="3777622"/>
+          </a:xfrm>
+        </p:spPr>
+        <p:txBody>
+          <a:bodyPr/>
+          <a:lstStyle/>
+          <a:p>
+            <a:r>
+              <a:rPr lang="fa-IR" dirty="0"/>
+              <a:t>نرخ قابل دسترس</a:t>
+            </a:r>
+          </a:p>
+          <a:p>
+            <a:r>
+              <a:rPr lang="fa-IR" dirty="0"/>
+              <a:t>نسبت سیگنال به نویز</a:t>
+            </a:r>
+          </a:p>
+          <a:p>
+            <a:endParaRPr lang="fa-IR" dirty="0"/>
+          </a:p>
+          <a:p>
+            <a:r>
+              <a:rPr lang="fa-IR" dirty="0"/>
+              <a:t>میزان تداخل کاربران</a:t>
+            </a:r>
+          </a:p>
+          <a:p>
+            <a:endParaRPr lang="fa-IR" dirty="0"/>
+          </a:p>
+          <a:p>
+            <a:endParaRPr lang="fa-IR" dirty="0"/>
+          </a:p>
+          <a:p>
+            <a:endParaRPr lang="fa-IR" dirty="0"/>
+          </a:p>
+          <a:p>
+            <a:endParaRPr lang="en-US" dirty="0"/>
+          </a:p>
+        </p:txBody>
+      </p:sp>
+      <p:sp>
+        <p:nvSpPr>
+          <p:cNvPr id="5" name="Rounded Rectangle 15">
+            <a:extLst>
+              <a:ext uri="{FF2B5EF4-FFF2-40B4-BE49-F238E27FC236}">
+                <a16:creationId xmlns:a16="http://schemas.microsoft.com/office/drawing/2014/main" id="{EE09FE82-3C14-490C-BD74-D0079E022B13}"/>
+              </a:ext>
+            </a:extLst>
+          </p:cNvPr>
+          <p:cNvSpPr/>
+          <p:nvPr/>
+        </p:nvSpPr>
+        <p:spPr>
+          <a:xfrm>
+            <a:off x="10782746" y="1177835"/>
+            <a:ext cx="1300766" cy="5586089"/>
+          </a:xfrm>
+          <a:prstGeom prst="roundRect">
+            <a:avLst/>
+          </a:prstGeom>
+          <a:gradFill flip="none" rotWithShape="1">
+            <a:gsLst>
+              <a:gs pos="0">
+                <a:schemeClr val="accent1">
+                  <a:tint val="66000"/>
+                  <a:satMod val="160000"/>
+                </a:schemeClr>
+              </a:gs>
+              <a:gs pos="50000">
+                <a:schemeClr val="accent1">
+                  <a:tint val="44500"/>
+                  <a:satMod val="160000"/>
+                </a:schemeClr>
+              </a:gs>
+              <a:gs pos="100000">
+                <a:schemeClr val="accent1">
+                  <a:tint val="23500"/>
+                  <a:satMod val="160000"/>
+                </a:schemeClr>
+              </a:gs>
+            </a:gsLst>
+            <a:path path="circle">
+              <a:fillToRect l="100000" t="100000"/>
+            </a:path>
+            <a:tileRect r="-100000" b="-100000"/>
+          </a:gradFill>
+          <a:ln>
+            <a:prstDash val="solid"/>
+          </a:ln>
+        </p:spPr>
+        <p:style>
+          <a:lnRef idx="2">
+            <a:schemeClr val="accent1">
+              <a:shade val="50000"/>
+            </a:schemeClr>
+          </a:lnRef>
+          <a:fillRef idx="1">
+            <a:schemeClr val="accent1"/>
+          </a:fillRef>
+          <a:effectRef idx="0">
+            <a:schemeClr val="accent1"/>
+          </a:effectRef>
+          <a:fontRef idx="minor">
+            <a:schemeClr val="lt1"/>
+          </a:fontRef>
+        </p:style>
+        <p:txBody>
+          <a:bodyPr rtlCol="0" anchor="ctr"/>
+          <a:lstStyle/>
+          <a:p>
+            <a:pPr algn="ctr"/>
+            <a:endParaRPr lang="en-US" sz="1500">
+              <a:cs typeface="B Nazanin" panose="00000400000000000000" pitchFamily="2" charset="-78"/>
+            </a:endParaRPr>
+          </a:p>
+        </p:txBody>
+      </p:sp>
+      <p:sp>
+        <p:nvSpPr>
+          <p:cNvPr id="6" name="Rectangle 5">
+            <a:extLst>
+              <a:ext uri="{FF2B5EF4-FFF2-40B4-BE49-F238E27FC236}">
+                <a16:creationId xmlns:a16="http://schemas.microsoft.com/office/drawing/2014/main" id="{AFC466D6-D7BC-430B-8E45-5F9731F46960}"/>
+              </a:ext>
+            </a:extLst>
+          </p:cNvPr>
+          <p:cNvSpPr/>
+          <p:nvPr/>
+        </p:nvSpPr>
+        <p:spPr>
+          <a:xfrm>
+            <a:off x="10975929" y="1382087"/>
+            <a:ext cx="927279" cy="872108"/>
+          </a:xfrm>
+          <a:prstGeom prst="rect">
+            <a:avLst/>
+          </a:prstGeom>
+          <a:solidFill>
+            <a:schemeClr val="tx2">
+              <a:lumMod val="60000"/>
+              <a:lumOff val="40000"/>
+            </a:schemeClr>
+          </a:solidFill>
+        </p:spPr>
+        <p:style>
+          <a:lnRef idx="2">
+            <a:schemeClr val="accent1">
+              <a:shade val="50000"/>
+            </a:schemeClr>
+          </a:lnRef>
+          <a:fillRef idx="1">
+            <a:schemeClr val="accent1"/>
+          </a:fillRef>
+          <a:effectRef idx="0">
+            <a:schemeClr val="accent1"/>
+          </a:effectRef>
+          <a:fontRef idx="minor">
+            <a:schemeClr val="lt1"/>
+          </a:fontRef>
+        </p:style>
+        <p:txBody>
+          <a:bodyPr rtlCol="0" anchor="ctr"/>
+          <a:lstStyle/>
+          <a:p>
+            <a:pPr algn="ctr"/>
+            <a:r>
+              <a:rPr lang="fa-IR" dirty="0">
+                <a:solidFill>
+                  <a:schemeClr val="tx1"/>
+                </a:solidFill>
+                <a:cs typeface="B Nazanin" panose="00000400000000000000" pitchFamily="2" charset="-78"/>
+              </a:rPr>
+              <a:t>مقدمه</a:t>
+            </a:r>
+            <a:endParaRPr lang="en-US" dirty="0">
+              <a:solidFill>
+                <a:schemeClr val="tx1"/>
+              </a:solidFill>
+              <a:cs typeface="B Nazanin" panose="00000400000000000000" pitchFamily="2" charset="-78"/>
+            </a:endParaRPr>
+          </a:p>
+        </p:txBody>
+      </p:sp>
+      <p:sp>
+        <p:nvSpPr>
+          <p:cNvPr id="7" name="Rectangle 6">
+            <a:extLst>
+              <a:ext uri="{FF2B5EF4-FFF2-40B4-BE49-F238E27FC236}">
+                <a16:creationId xmlns:a16="http://schemas.microsoft.com/office/drawing/2014/main" id="{5319FEE3-EE78-413F-B811-89F6CA7DC62F}"/>
+              </a:ext>
+            </a:extLst>
+          </p:cNvPr>
+          <p:cNvSpPr/>
+          <p:nvPr/>
+        </p:nvSpPr>
+        <p:spPr>
+          <a:xfrm>
+            <a:off x="10975929" y="2361423"/>
+            <a:ext cx="914400" cy="914400"/>
+          </a:xfrm>
+          <a:prstGeom prst="rect">
+            <a:avLst/>
+          </a:prstGeom>
+          <a:solidFill>
+            <a:schemeClr val="tx2">
+              <a:lumMod val="60000"/>
+              <a:lumOff val="40000"/>
+            </a:schemeClr>
+          </a:solidFill>
+          <a:ln>
+            <a:solidFill>
+              <a:schemeClr val="tx2">
+                <a:lumMod val="60000"/>
+                <a:lumOff val="40000"/>
+              </a:schemeClr>
+            </a:solidFill>
+          </a:ln>
+        </p:spPr>
+        <p:style>
+          <a:lnRef idx="2">
+            <a:schemeClr val="accent1">
+              <a:shade val="50000"/>
+            </a:schemeClr>
+          </a:lnRef>
+          <a:fillRef idx="1">
+            <a:schemeClr val="accent1"/>
+          </a:fillRef>
+          <a:effectRef idx="0">
+            <a:schemeClr val="accent1"/>
+          </a:effectRef>
+          <a:fontRef idx="minor">
+            <a:schemeClr val="lt1"/>
+          </a:fontRef>
+        </p:style>
+        <p:txBody>
+          <a:bodyPr rtlCol="0" anchor="ctr"/>
+          <a:lstStyle/>
+          <a:p>
+            <a:pPr algn="ctr"/>
+            <a:r>
+              <a:rPr lang="fa-IR" sz="1500" dirty="0">
+                <a:solidFill>
+                  <a:schemeClr val="tx1"/>
+                </a:solidFill>
+                <a:cs typeface="B Nazanin" panose="00000400000000000000" pitchFamily="2" charset="-78"/>
+              </a:rPr>
+              <a:t>پیشینه ی تحقیق</a:t>
+            </a:r>
+            <a:endParaRPr lang="en-US" sz="1500" dirty="0">
+              <a:solidFill>
+                <a:schemeClr val="tx1"/>
+              </a:solidFill>
+              <a:cs typeface="B Nazanin" panose="00000400000000000000" pitchFamily="2" charset="-78"/>
+            </a:endParaRPr>
+          </a:p>
+        </p:txBody>
+      </p:sp>
+      <p:sp>
+        <p:nvSpPr>
+          <p:cNvPr id="8" name="Rectangle 7">
+            <a:extLst>
+              <a:ext uri="{FF2B5EF4-FFF2-40B4-BE49-F238E27FC236}">
+                <a16:creationId xmlns:a16="http://schemas.microsoft.com/office/drawing/2014/main" id="{09991092-24C4-48FF-8484-BB95CDEA0422}"/>
+              </a:ext>
+            </a:extLst>
+          </p:cNvPr>
+          <p:cNvSpPr/>
+          <p:nvPr/>
+        </p:nvSpPr>
+        <p:spPr>
+          <a:xfrm>
+            <a:off x="10982668" y="3311326"/>
+            <a:ext cx="907660" cy="1343185"/>
+          </a:xfrm>
+          <a:prstGeom prst="rect">
+            <a:avLst/>
+          </a:prstGeom>
+          <a:solidFill>
+            <a:schemeClr val="accent1"/>
+          </a:solidFill>
+          <a:ln>
+            <a:solidFill>
+              <a:schemeClr val="accent1"/>
+            </a:solidFill>
+          </a:ln>
+        </p:spPr>
+        <p:style>
+          <a:lnRef idx="2">
+            <a:schemeClr val="accent1">
+              <a:shade val="50000"/>
+            </a:schemeClr>
+          </a:lnRef>
+          <a:fillRef idx="1">
+            <a:schemeClr val="accent1"/>
+          </a:fillRef>
+          <a:effectRef idx="0">
+            <a:schemeClr val="accent1"/>
+          </a:effectRef>
+          <a:fontRef idx="minor">
+            <a:schemeClr val="lt1"/>
+          </a:fontRef>
+        </p:style>
+        <p:txBody>
+          <a:bodyPr rtlCol="0" anchor="ctr"/>
+          <a:lstStyle/>
+          <a:p>
+            <a:pPr algn="ctr"/>
+            <a:r>
+              <a:rPr lang="fa-IR" sz="1500" b="1" dirty="0">
+                <a:solidFill>
+                  <a:schemeClr val="bg1"/>
+                </a:solidFill>
+                <a:cs typeface="B Nazanin" panose="00000400000000000000" pitchFamily="2" charset="-78"/>
+              </a:rPr>
+              <a:t>تخصیص منابع در شبکه دسترسی رادیویی باز </a:t>
+            </a:r>
+            <a:endParaRPr lang="en-US" sz="1500" b="1" dirty="0">
+              <a:solidFill>
+                <a:schemeClr val="bg1"/>
+              </a:solidFill>
+              <a:cs typeface="B Nazanin" panose="00000400000000000000" pitchFamily="2" charset="-78"/>
+            </a:endParaRPr>
+          </a:p>
+        </p:txBody>
+      </p:sp>
+      <p:sp>
+        <p:nvSpPr>
+          <p:cNvPr id="9" name="Rectangle 8">
+            <a:extLst>
+              <a:ext uri="{FF2B5EF4-FFF2-40B4-BE49-F238E27FC236}">
+                <a16:creationId xmlns:a16="http://schemas.microsoft.com/office/drawing/2014/main" id="{BD1FA9AE-A6C0-4D24-A569-2BC749237093}"/>
+              </a:ext>
+            </a:extLst>
+          </p:cNvPr>
+          <p:cNvSpPr/>
+          <p:nvPr/>
+        </p:nvSpPr>
+        <p:spPr>
+          <a:xfrm>
+            <a:off x="10988808" y="4701317"/>
+            <a:ext cx="914400" cy="914400"/>
+          </a:xfrm>
+          <a:prstGeom prst="rect">
+            <a:avLst/>
+          </a:prstGeom>
+          <a:gradFill flip="none" rotWithShape="1">
+            <a:gsLst>
+              <a:gs pos="0">
+                <a:schemeClr val="accent1">
+                  <a:tint val="66000"/>
+                  <a:satMod val="160000"/>
+                </a:schemeClr>
+              </a:gs>
+              <a:gs pos="50000">
+                <a:schemeClr val="accent1">
+                  <a:tint val="44500"/>
+                  <a:satMod val="160000"/>
+                </a:schemeClr>
+              </a:gs>
+              <a:gs pos="100000">
+                <a:schemeClr val="accent1">
+                  <a:tint val="23500"/>
+                  <a:satMod val="160000"/>
+                </a:schemeClr>
+              </a:gs>
+            </a:gsLst>
+            <a:path path="circle">
+              <a:fillToRect l="50000" t="50000" r="50000" b="50000"/>
+            </a:path>
+            <a:tileRect/>
+          </a:gradFill>
+        </p:spPr>
+        <p:style>
+          <a:lnRef idx="2">
+            <a:schemeClr val="accent1">
+              <a:shade val="50000"/>
+            </a:schemeClr>
+          </a:lnRef>
+          <a:fillRef idx="1">
+            <a:schemeClr val="accent1"/>
+          </a:fillRef>
+          <a:effectRef idx="0">
+            <a:schemeClr val="accent1"/>
+          </a:effectRef>
+          <a:fontRef idx="minor">
+            <a:schemeClr val="lt1"/>
+          </a:fontRef>
+        </p:style>
+        <p:txBody>
+          <a:bodyPr rtlCol="0" anchor="ctr"/>
+          <a:lstStyle/>
+          <a:p>
+            <a:pPr algn="ctr" rtl="1"/>
+            <a:r>
+              <a:rPr lang="fa-IR" sz="1500" dirty="0">
+                <a:solidFill>
+                  <a:schemeClr val="tx1"/>
+                </a:solidFill>
+                <a:cs typeface="B Nazanin" pitchFamily="2" charset="-78"/>
+              </a:rPr>
+              <a:t>تخصیص برش شبکه به صورت دینامیکی</a:t>
+            </a:r>
+            <a:endParaRPr lang="en-US" sz="1500" dirty="0">
+              <a:solidFill>
+                <a:schemeClr val="tx1"/>
+              </a:solidFill>
+              <a:cs typeface="B Nazanin" pitchFamily="2" charset="-78"/>
+            </a:endParaRPr>
+          </a:p>
+        </p:txBody>
+      </p:sp>
+      <p:sp>
+        <p:nvSpPr>
+          <p:cNvPr id="10" name="Rectangle 9">
+            <a:extLst>
+              <a:ext uri="{FF2B5EF4-FFF2-40B4-BE49-F238E27FC236}">
+                <a16:creationId xmlns:a16="http://schemas.microsoft.com/office/drawing/2014/main" id="{5DD58AFD-993B-4D97-A9F1-00520828A334}"/>
+              </a:ext>
+            </a:extLst>
+          </p:cNvPr>
+          <p:cNvSpPr/>
+          <p:nvPr/>
+        </p:nvSpPr>
+        <p:spPr>
+          <a:xfrm>
+            <a:off x="10975929" y="5747865"/>
+            <a:ext cx="914400" cy="1005335"/>
+          </a:xfrm>
+          <a:prstGeom prst="rect">
+            <a:avLst/>
+          </a:prstGeom>
+          <a:gradFill flip="none" rotWithShape="1">
+            <a:gsLst>
+              <a:gs pos="0">
+                <a:schemeClr val="accent1">
+                  <a:tint val="66000"/>
+                  <a:satMod val="160000"/>
+                </a:schemeClr>
+              </a:gs>
+              <a:gs pos="50000">
+                <a:schemeClr val="accent1">
+                  <a:tint val="44500"/>
+                  <a:satMod val="160000"/>
+                </a:schemeClr>
+              </a:gs>
+              <a:gs pos="100000">
+                <a:schemeClr val="accent1">
+                  <a:tint val="23500"/>
+                  <a:satMod val="160000"/>
+                </a:schemeClr>
+              </a:gs>
+            </a:gsLst>
+            <a:path path="circle">
+              <a:fillToRect l="50000" t="50000" r="50000" b="50000"/>
+            </a:path>
+            <a:tileRect/>
+          </a:gradFill>
+        </p:spPr>
+        <p:style>
+          <a:lnRef idx="2">
+            <a:schemeClr val="accent1">
+              <a:shade val="50000"/>
+            </a:schemeClr>
+          </a:lnRef>
+          <a:fillRef idx="1">
+            <a:schemeClr val="accent1"/>
+          </a:fillRef>
+          <a:effectRef idx="0">
+            <a:schemeClr val="accent1"/>
+          </a:effectRef>
+          <a:fontRef idx="minor">
+            <a:schemeClr val="lt1"/>
+          </a:fontRef>
+        </p:style>
+        <p:txBody>
+          <a:bodyPr rtlCol="0" anchor="ctr"/>
+          <a:lstStyle/>
+          <a:p>
+            <a:pPr algn="ctr"/>
+            <a:r>
+              <a:rPr lang="fa-IR" sz="1500" dirty="0">
+                <a:solidFill>
+                  <a:schemeClr val="tx1"/>
+                </a:solidFill>
+                <a:cs typeface="B Nazanin" panose="00000400000000000000" pitchFamily="2" charset="-78"/>
+              </a:rPr>
+              <a:t>نتیجه گیری و پیشنهادات</a:t>
+            </a:r>
+            <a:endParaRPr lang="en-US" sz="1500" dirty="0">
+              <a:solidFill>
+                <a:schemeClr val="tx1"/>
+              </a:solidFill>
+              <a:cs typeface="B Nazanin" panose="00000400000000000000" pitchFamily="2" charset="-78"/>
+            </a:endParaRPr>
+          </a:p>
+        </p:txBody>
+      </p:sp>
+      <p:pic>
+        <p:nvPicPr>
+          <p:cNvPr id="11" name="Picture 10">
+            <a:extLst>
+              <a:ext uri="{FF2B5EF4-FFF2-40B4-BE49-F238E27FC236}">
+                <a16:creationId xmlns:a16="http://schemas.microsoft.com/office/drawing/2014/main" id="{30F152CF-7EE1-4483-AB0C-CEC717A34B78}"/>
+              </a:ext>
+            </a:extLst>
+          </p:cNvPr>
+          <p:cNvPicPr>
+            <a:picLocks noChangeAspect="1"/>
+          </p:cNvPicPr>
+          <p:nvPr/>
+        </p:nvPicPr>
+        <p:blipFill>
+          <a:blip r:embed="rId2"/>
+          <a:stretch>
+            <a:fillRect/>
+          </a:stretch>
+        </p:blipFill>
+        <p:spPr>
+          <a:xfrm>
+            <a:off x="1818780" y="1452400"/>
+            <a:ext cx="2939706" cy="657111"/>
+          </a:xfrm>
+          <a:prstGeom prst="rect">
+            <a:avLst/>
+          </a:prstGeom>
+        </p:spPr>
+      </p:pic>
+      <p:pic>
+        <p:nvPicPr>
+          <p:cNvPr id="12" name="Picture 11">
+            <a:extLst>
+              <a:ext uri="{FF2B5EF4-FFF2-40B4-BE49-F238E27FC236}">
+                <a16:creationId xmlns:a16="http://schemas.microsoft.com/office/drawing/2014/main" id="{C64A67BD-B1CA-4B2D-8034-74002372E1B1}"/>
+              </a:ext>
+            </a:extLst>
+          </p:cNvPr>
+          <p:cNvPicPr>
+            <a:picLocks noChangeAspect="1"/>
+          </p:cNvPicPr>
+          <p:nvPr/>
+        </p:nvPicPr>
+        <p:blipFill>
+          <a:blip r:embed="rId3"/>
+          <a:stretch>
+            <a:fillRect/>
+          </a:stretch>
+        </p:blipFill>
+        <p:spPr>
+          <a:xfrm>
+            <a:off x="1822493" y="2150945"/>
+            <a:ext cx="3981450" cy="857250"/>
+          </a:xfrm>
+          <a:prstGeom prst="rect">
+            <a:avLst/>
+          </a:prstGeom>
+        </p:spPr>
+      </p:pic>
+      <p:pic>
+        <p:nvPicPr>
+          <p:cNvPr id="16" name="Picture 15">
+            <a:extLst>
+              <a:ext uri="{FF2B5EF4-FFF2-40B4-BE49-F238E27FC236}">
+                <a16:creationId xmlns:a16="http://schemas.microsoft.com/office/drawing/2014/main" id="{74C908C5-D1D3-42DF-9261-A6152896C3EA}"/>
+              </a:ext>
+            </a:extLst>
+          </p:cNvPr>
+          <p:cNvPicPr>
+            <a:picLocks noChangeAspect="1"/>
+          </p:cNvPicPr>
+          <p:nvPr/>
+        </p:nvPicPr>
+        <p:blipFill>
+          <a:blip r:embed="rId4"/>
+          <a:stretch>
+            <a:fillRect/>
+          </a:stretch>
+        </p:blipFill>
+        <p:spPr>
+          <a:xfrm>
+            <a:off x="1941511" y="6149307"/>
+            <a:ext cx="4991100" cy="466725"/>
+          </a:xfrm>
+          <a:prstGeom prst="rect">
+            <a:avLst/>
+          </a:prstGeom>
+        </p:spPr>
+      </p:pic>
+      <p:pic>
+        <p:nvPicPr>
+          <p:cNvPr id="17" name="Picture 16">
+            <a:extLst>
+              <a:ext uri="{FF2B5EF4-FFF2-40B4-BE49-F238E27FC236}">
+                <a16:creationId xmlns:a16="http://schemas.microsoft.com/office/drawing/2014/main" id="{F538C848-0A47-41BB-AABD-CEC3A4B6908D}"/>
+              </a:ext>
+            </a:extLst>
+          </p:cNvPr>
+          <p:cNvPicPr>
+            <a:picLocks noChangeAspect="1"/>
+          </p:cNvPicPr>
+          <p:nvPr/>
+        </p:nvPicPr>
+        <p:blipFill>
+          <a:blip r:embed="rId5"/>
+          <a:stretch>
+            <a:fillRect/>
+          </a:stretch>
+        </p:blipFill>
+        <p:spPr>
+          <a:xfrm>
+            <a:off x="1917743" y="3034632"/>
+            <a:ext cx="3790950" cy="3114675"/>
+          </a:xfrm>
+          <a:prstGeom prst="rect">
+            <a:avLst/>
+          </a:prstGeom>
+        </p:spPr>
+      </p:pic>
+      <p:sp>
+        <p:nvSpPr>
+          <p:cNvPr id="13" name="Slide Number Placeholder 12">
+            <a:extLst>
+              <a:ext uri="{FF2B5EF4-FFF2-40B4-BE49-F238E27FC236}">
+                <a16:creationId xmlns:a16="http://schemas.microsoft.com/office/drawing/2014/main" id="{11FF93E9-17A8-4B1B-8D63-4B506B74BCF0}"/>
+              </a:ext>
+            </a:extLst>
+          </p:cNvPr>
+          <p:cNvSpPr>
+            <a:spLocks noGrp="1"/>
+          </p:cNvSpPr>
+          <p:nvPr>
+            <p:ph type="sldNum" sz="quarter" idx="12"/>
+          </p:nvPr>
+        </p:nvSpPr>
+        <p:spPr/>
+        <p:txBody>
+          <a:bodyPr/>
+          <a:lstStyle/>
+          <a:p>
+            <a:fld id="{D57F1E4F-1CFF-5643-939E-217C01CDF565}" type="slidenum">
+              <a:rPr lang="en-US" smtClean="0"/>
+              <a:pPr/>
+              <a:t>20</a:t>
+            </a:fld>
+            <a:r>
+              <a:rPr lang="en-US"/>
+              <a:t>/41</a:t>
+            </a:r>
+            <a:endParaRPr lang="en-US" dirty="0"/>
+          </a:p>
+        </p:txBody>
+      </p:sp>
+    </p:spTree>
+    <p:extLst>
+      <p:ext uri="{BB962C8B-B14F-4D97-AF65-F5344CB8AC3E}">
+        <p14:creationId xmlns:p14="http://schemas.microsoft.com/office/powerpoint/2010/main" val="2427441313"/>
+      </p:ext>
+    </p:extLst>
+  </p:cSld>
+  <p:clrMapOvr>
+    <a:masterClrMapping/>
+  </p:clrMapOvr>
+</p:sld>
+</file>
+
+<file path=ppt/slides/slide21.xml><?xml version="1.0" encoding="utf-8"?>
+<p:sld xmlns:a="http://schemas.openxmlformats.org/drawingml/2006/main" xmlns:r="http://schemas.openxmlformats.org/officeDocument/2006/relationships" xmlns:p="http://schemas.openxmlformats.org/presentationml/2006/main">
+  <p:cSld>
+    <p:spTree>
+      <p:nvGrpSpPr>
+        <p:cNvPr id="1" name=""/>
+        <p:cNvGrpSpPr/>
+        <p:nvPr/>
+      </p:nvGrpSpPr>
+      <p:grpSpPr>
+        <a:xfrm>
+          <a:off x="0" y="0"/>
+          <a:ext cx="0" cy="0"/>
+          <a:chOff x="0" y="0"/>
+          <a:chExt cx="0" cy="0"/>
+        </a:xfrm>
+      </p:grpSpPr>
+      <p:sp>
+        <p:nvSpPr>
+          <p:cNvPr id="2" name="Title 1">
+            <a:extLst>
+              <a:ext uri="{FF2B5EF4-FFF2-40B4-BE49-F238E27FC236}">
                 <a16:creationId xmlns:a16="http://schemas.microsoft.com/office/drawing/2014/main" id="{77D4327F-9A10-443D-B3C4-A6D5420F7822}"/>
               </a:ext>
             </a:extLst>
@@ -16626,8 +17291,8 @@
           </a:p>
         </p:txBody>
       </p:sp>
-      <mc:AlternateContent xmlns:mc="http://schemas.openxmlformats.org/markup-compatibility/2006" xmlns:a14="http://schemas.microsoft.com/office/drawing/2010/main">
-        <mc:Choice Requires="a14">
+      <mc:AlternateContent xmlns:mc="http://schemas.openxmlformats.org/markup-compatibility/2006">
+        <mc:Choice xmlns:a14="http://schemas.microsoft.com/office/drawing/2010/main" Requires="a14">
           <p:sp>
             <p:nvSpPr>
               <p:cNvPr id="3" name="Content Placeholder 2">
@@ -16646,7 +17311,9 @@
             </p:nvSpPr>
             <p:spPr/>
             <p:txBody>
-              <a:bodyPr/>
+              <a:bodyPr>
+                <a:normAutofit/>
+              </a:bodyPr>
               <a:lstStyle/>
               <a:p>
                 <a:r>
@@ -16659,7 +17326,7 @@
                   <a:t>توان سیگنال ارسالی از </a:t>
                 </a:r>
                 <a:r>
-                  <a:rPr lang="en-US" b="0" i="1" dirty="0">
+                  <a:rPr lang="en-US" sz="2000" b="0" dirty="0">
                     <a:solidFill>
                       <a:srgbClr val="000000"/>
                     </a:solidFill>
@@ -16695,7 +17362,7 @@
                   <a:t> </a:t>
                 </a:r>
                 <a:r>
-                  <a:rPr lang="en-US" b="0" i="1" dirty="0">
+                  <a:rPr lang="en-US" sz="2000" b="0" dirty="0">
                     <a:solidFill>
                       <a:srgbClr val="000000"/>
                     </a:solidFill>
@@ -16748,6 +17415,14 @@
                       <a:srgbClr val="000000"/>
                     </a:solidFill>
                   </a:rPr>
+                  <a:t> </a:t>
+                </a:r>
+                <a:r>
+                  <a:rPr lang="en-US" sz="2000" dirty="0">
+                    <a:solidFill>
+                      <a:srgbClr val="000000"/>
+                    </a:solidFill>
+                  </a:rPr>
                   <a:t>fronthaul</a:t>
                 </a:r>
                 <a:r>
@@ -16759,7 +17434,7 @@
                   <a:t>بین </a:t>
                 </a:r>
                 <a:r>
-                  <a:rPr lang="en-US" dirty="0">
+                  <a:rPr lang="en-US" sz="2000" dirty="0">
                     <a:solidFill>
                       <a:srgbClr val="000000"/>
                     </a:solidFill>
@@ -16772,10 +17447,10 @@
                       <a:srgbClr val="000000"/>
                     </a:solidFill>
                   </a:rPr>
-                  <a:t>امین واحد رادیویی در برش </a:t>
+                  <a:t> امین واحد رادیویی در برش </a:t>
                 </a:r>
                 <a:r>
-                  <a:rPr lang="en-US" dirty="0">
+                  <a:rPr lang="en-US" sz="2000" dirty="0">
                     <a:solidFill>
                       <a:srgbClr val="000000"/>
                     </a:solidFill>
@@ -16800,7 +17475,7 @@
               </a:p>
               <a:p>
                 <a:r>
-                  <a:rPr lang="en-US" dirty="0"/>
+                  <a:rPr lang="en-US" sz="2000" dirty="0"/>
                   <a:t> </a:t>
                 </a:r>
                 <a14:m>
@@ -16808,14 +17483,14 @@
                     <m:sSub>
                       <m:sSubPr>
                         <m:ctrlPr>
-                          <a:rPr lang="en-US" b="0" i="1" smtClean="0">
+                          <a:rPr lang="en-US" sz="2000" b="0" i="1" smtClean="0">
                             <a:latin typeface="Cambria Math" panose="02040503050406030204" pitchFamily="18" charset="0"/>
                           </a:rPr>
                         </m:ctrlPr>
                       </m:sSubPr>
                       <m:e>
                         <m:r>
-                          <a:rPr lang="en-US" b="0" i="1" smtClean="0">
+                          <a:rPr lang="en-US" sz="2000" b="0" i="1" smtClean="0">
                             <a:latin typeface="Cambria Math" panose="02040503050406030204" pitchFamily="18" charset="0"/>
                           </a:rPr>
                           <m:t>𝑎</m:t>
@@ -16823,19 +17498,19 @@
                       </m:e>
                       <m:sub>
                         <m:r>
-                          <a:rPr lang="en-US" b="0" i="1" smtClean="0">
+                          <a:rPr lang="en-US" sz="2000" b="0" i="1" smtClean="0">
                             <a:latin typeface="Cambria Math" panose="02040503050406030204" pitchFamily="18" charset="0"/>
                           </a:rPr>
                           <m:t>𝑣</m:t>
                         </m:r>
                         <m:r>
-                          <a:rPr lang="en-US" b="0" i="1" smtClean="0">
+                          <a:rPr lang="en-US" sz="2000" b="0" i="1" smtClean="0">
                             <a:latin typeface="Cambria Math" panose="02040503050406030204" pitchFamily="18" charset="0"/>
                           </a:rPr>
                           <m:t>,</m:t>
                         </m:r>
                         <m:r>
-                          <a:rPr lang="en-US" b="0" i="1" smtClean="0">
+                          <a:rPr lang="en-US" sz="2000" b="0" i="1" smtClean="0">
                             <a:latin typeface="Cambria Math" panose="02040503050406030204" pitchFamily="18" charset="0"/>
                           </a:rPr>
                           <m:t>𝑠</m:t>
@@ -16877,7 +17552,7 @@
             </p:txBody>
           </p:sp>
         </mc:Choice>
-        <mc:Fallback xmlns="">
+        <mc:Fallback>
           <p:sp>
             <p:nvSpPr>
               <p:cNvPr id="3" name="Content Placeholder 2">
@@ -16898,7 +17573,7 @@
               <a:blipFill>
                 <a:blip r:embed="rId2"/>
                 <a:stretch>
-                  <a:fillRect t="-2258" r="-957"/>
+                  <a:fillRect t="-1613" r="-957"/>
                 </a:stretch>
               </a:blipFill>
             </p:spPr>
@@ -17436,10 +18111,10 @@
       </p:pic>
       <p:sp>
         <p:nvSpPr>
-          <p:cNvPr id="5" name="Slide Number Placeholder 4">
+          <p:cNvPr id="6" name="Slide Number Placeholder 5">
             <a:extLst>
               <a:ext uri="{FF2B5EF4-FFF2-40B4-BE49-F238E27FC236}">
-                <a16:creationId xmlns:a16="http://schemas.microsoft.com/office/drawing/2014/main" id="{9C589D9D-2A28-466F-9483-9425FB32B5BE}"/>
+                <a16:creationId xmlns:a16="http://schemas.microsoft.com/office/drawing/2014/main" id="{9F14D555-6D82-4D78-AEFA-4AA26573464A}"/>
               </a:ext>
             </a:extLst>
           </p:cNvPr>
@@ -17458,15 +18133,11 @@
             <a:fld id="{D57F1E4F-1CFF-5643-939E-217C01CDF565}" type="slidenum">
               <a:rPr lang="en-US" smtClean="0"/>
               <a:pPr/>
-              <a:t>20</a:t>
+              <a:t>21</a:t>
             </a:fld>
             <a:r>
               <a:rPr lang="en-US"/>
-              <a:t>/3</a:t>
-            </a:r>
-            <a:r>
-              <a:rPr lang="fa-IR"/>
-              <a:t>9</a:t>
+              <a:t>/41</a:t>
             </a:r>
             <a:endParaRPr lang="en-US" dirty="0"/>
           </a:p>
@@ -17485,7 +18156,7 @@
 </p:sld>
 </file>
 
-<file path=ppt/slides/slide21.xml><?xml version="1.0" encoding="utf-8"?>
+<file path=ppt/slides/slide22.xml><?xml version="1.0" encoding="utf-8"?>
 <p:sld xmlns:a="http://schemas.openxmlformats.org/drawingml/2006/main" xmlns:r="http://schemas.openxmlformats.org/officeDocument/2006/relationships" xmlns:p="http://schemas.openxmlformats.org/presentationml/2006/main">
   <p:cSld>
     <p:spTree>
@@ -17562,16 +18233,20 @@
               <a:t>پردازش باند پایه هر</a:t>
             </a:r>
             <a:r>
+              <a:rPr lang="en-US" sz="2000" dirty="0"/>
+              <a:t>VNF</a:t>
+            </a:r>
+            <a:r>
+              <a:rPr lang="fa-IR" dirty="0"/>
+              <a:t> بوسیله ی پردازش صف</a:t>
+            </a:r>
+            <a:r>
               <a:rPr lang="en-US" dirty="0"/>
-              <a:t>VNF</a:t>
-            </a:r>
-            <a:r>
-              <a:rPr lang="fa-IR" dirty="0"/>
-              <a:t> بوسیله ی پردازش صف </a:t>
-            </a:r>
-            <a:r>
-              <a:rPr lang="en-US" dirty="0"/>
-              <a:t> M/M/1</a:t>
+              <a:t> </a:t>
+            </a:r>
+            <a:r>
+              <a:rPr lang="en-US" sz="2000" dirty="0"/>
+              <a:t>M/M/1</a:t>
             </a:r>
             <a:r>
               <a:rPr lang="fa-IR" dirty="0"/>
@@ -17585,7 +18260,7 @@
               <a:t>تاخیر پردازشی در </a:t>
             </a:r>
             <a:r>
-              <a:rPr lang="en-US" dirty="0"/>
+              <a:rPr lang="en-US" sz="2000" dirty="0"/>
               <a:t>CU</a:t>
             </a:r>
             <a:r>
@@ -17594,8 +18269,13 @@
             </a:r>
             <a:r>
               <a:rPr lang="en-US" dirty="0"/>
-              <a:t> DU</a:t>
-            </a:r>
+              <a:t> </a:t>
+            </a:r>
+            <a:r>
+              <a:rPr lang="en-US" sz="2000" dirty="0"/>
+              <a:t>DU</a:t>
+            </a:r>
+            <a:endParaRPr lang="en-US" dirty="0"/>
           </a:p>
           <a:p>
             <a:endParaRPr lang="fa-IR" dirty="0"/>
@@ -18257,10 +18937,10 @@
       </p:sp>
       <p:sp>
         <p:nvSpPr>
-          <p:cNvPr id="4" name="Slide Number Placeholder 3">
+          <p:cNvPr id="17" name="Slide Number Placeholder 16">
             <a:extLst>
               <a:ext uri="{FF2B5EF4-FFF2-40B4-BE49-F238E27FC236}">
-                <a16:creationId xmlns:a16="http://schemas.microsoft.com/office/drawing/2014/main" id="{FF43D37E-F15F-409C-A03B-6A4E0E20E8EC}"/>
+                <a16:creationId xmlns:a16="http://schemas.microsoft.com/office/drawing/2014/main" id="{AC7EFCB8-479B-4F41-96B8-63E8189CF6CF}"/>
               </a:ext>
             </a:extLst>
           </p:cNvPr>
@@ -18279,15 +18959,11 @@
             <a:fld id="{D57F1E4F-1CFF-5643-939E-217C01CDF565}" type="slidenum">
               <a:rPr lang="en-US" smtClean="0"/>
               <a:pPr/>
-              <a:t>21</a:t>
+              <a:t>22</a:t>
             </a:fld>
             <a:r>
               <a:rPr lang="en-US"/>
-              <a:t>/3</a:t>
-            </a:r>
-            <a:r>
-              <a:rPr lang="fa-IR"/>
-              <a:t>9</a:t>
+              <a:t>/41</a:t>
             </a:r>
             <a:endParaRPr lang="en-US" dirty="0"/>
           </a:p>
@@ -18306,7 +18982,7 @@
 </p:sld>
 </file>
 
-<file path=ppt/slides/slide22.xml><?xml version="1.0" encoding="utf-8"?>
+<file path=ppt/slides/slide23.xml><?xml version="1.0" encoding="utf-8"?>
 <p:sld xmlns:a="http://schemas.openxmlformats.org/drawingml/2006/main" xmlns:r="http://schemas.openxmlformats.org/officeDocument/2006/relationships" xmlns:p="http://schemas.openxmlformats.org/presentationml/2006/main">
   <p:cSld>
     <p:spTree>
@@ -19312,10 +19988,10 @@
       </p:sp>
       <p:sp>
         <p:nvSpPr>
-          <p:cNvPr id="4" name="Slide Number Placeholder 3">
+          <p:cNvPr id="14" name="Slide Number Placeholder 13">
             <a:extLst>
               <a:ext uri="{FF2B5EF4-FFF2-40B4-BE49-F238E27FC236}">
-                <a16:creationId xmlns:a16="http://schemas.microsoft.com/office/drawing/2014/main" id="{92940862-409B-4E47-92E1-F5B9B039C518}"/>
+                <a16:creationId xmlns:a16="http://schemas.microsoft.com/office/drawing/2014/main" id="{A2532130-5E61-4351-8503-B8B12EF46748}"/>
               </a:ext>
             </a:extLst>
           </p:cNvPr>
@@ -19334,15 +20010,11 @@
             <a:fld id="{D57F1E4F-1CFF-5643-939E-217C01CDF565}" type="slidenum">
               <a:rPr lang="en-US" smtClean="0"/>
               <a:pPr/>
-              <a:t>22</a:t>
+              <a:t>23</a:t>
             </a:fld>
             <a:r>
               <a:rPr lang="en-US"/>
-              <a:t>/3</a:t>
-            </a:r>
-            <a:r>
-              <a:rPr lang="fa-IR"/>
-              <a:t>9</a:t>
+              <a:t>/41</a:t>
             </a:r>
             <a:endParaRPr lang="en-US" dirty="0"/>
           </a:p>
@@ -19361,7 +20033,7 @@
 </p:sld>
 </file>
 
-<file path=ppt/slides/slide23.xml><?xml version="1.0" encoding="utf-8"?>
+<file path=ppt/slides/slide24.xml><?xml version="1.0" encoding="utf-8"?>
 <p:sld xmlns:a="http://schemas.openxmlformats.org/drawingml/2006/main" xmlns:r="http://schemas.openxmlformats.org/officeDocument/2006/relationships" xmlns:p="http://schemas.openxmlformats.org/presentationml/2006/main">
   <p:cSld>
     <p:spTree>
@@ -20100,10 +20772,10 @@
       </p:pic>
       <p:sp>
         <p:nvSpPr>
-          <p:cNvPr id="6" name="Slide Number Placeholder 5">
+          <p:cNvPr id="5" name="Slide Number Placeholder 4">
             <a:extLst>
               <a:ext uri="{FF2B5EF4-FFF2-40B4-BE49-F238E27FC236}">
-                <a16:creationId xmlns:a16="http://schemas.microsoft.com/office/drawing/2014/main" id="{15D5126F-7003-42A5-AF8B-626536F29EAA}"/>
+                <a16:creationId xmlns:a16="http://schemas.microsoft.com/office/drawing/2014/main" id="{902538A9-BF73-4B6E-A60A-34D09D9FBF61}"/>
               </a:ext>
             </a:extLst>
           </p:cNvPr>
@@ -20122,15 +20794,11 @@
             <a:fld id="{D57F1E4F-1CFF-5643-939E-217C01CDF565}" type="slidenum">
               <a:rPr lang="en-US" smtClean="0"/>
               <a:pPr/>
-              <a:t>23</a:t>
+              <a:t>24</a:t>
             </a:fld>
             <a:r>
               <a:rPr lang="en-US"/>
-              <a:t>/3</a:t>
-            </a:r>
-            <a:r>
-              <a:rPr lang="fa-IR"/>
-              <a:t>9</a:t>
+              <a:t>/41</a:t>
             </a:r>
             <a:endParaRPr lang="en-US" dirty="0"/>
           </a:p>
@@ -20149,7 +20817,7 @@
 </p:sld>
 </file>
 
-<file path=ppt/slides/slide24.xml><?xml version="1.0" encoding="utf-8"?>
+<file path=ppt/slides/slide25.xml><?xml version="1.0" encoding="utf-8"?>
 <p:sld xmlns:a="http://schemas.openxmlformats.org/drawingml/2006/main" xmlns:r="http://schemas.openxmlformats.org/officeDocument/2006/relationships" xmlns:p="http://schemas.openxmlformats.org/presentationml/2006/main">
   <p:cSld>
     <p:spTree>
@@ -20741,7 +21409,7 @@
         </p:blipFill>
         <p:spPr>
           <a:xfrm>
-            <a:off x="5223507" y="4521157"/>
+            <a:off x="5934068" y="5010150"/>
             <a:ext cx="4819650" cy="1847850"/>
           </a:xfrm>
           <a:prstGeom prst="rect">
@@ -20813,10 +21481,10 @@
       </p:pic>
       <p:sp>
         <p:nvSpPr>
-          <p:cNvPr id="4" name="Slide Number Placeholder 3">
+          <p:cNvPr id="3" name="Slide Number Placeholder 2">
             <a:extLst>
               <a:ext uri="{FF2B5EF4-FFF2-40B4-BE49-F238E27FC236}">
-                <a16:creationId xmlns:a16="http://schemas.microsoft.com/office/drawing/2014/main" id="{E419219F-B403-45E4-A78C-1D20F7579C7A}"/>
+                <a16:creationId xmlns:a16="http://schemas.microsoft.com/office/drawing/2014/main" id="{9988084B-3233-475C-B3A2-6B90A9D5685C}"/>
               </a:ext>
             </a:extLst>
           </p:cNvPr>
@@ -20835,15 +21503,11 @@
             <a:fld id="{D57F1E4F-1CFF-5643-939E-217C01CDF565}" type="slidenum">
               <a:rPr lang="en-US" smtClean="0"/>
               <a:pPr/>
-              <a:t>24</a:t>
+              <a:t>25</a:t>
             </a:fld>
             <a:r>
               <a:rPr lang="en-US"/>
-              <a:t>/3</a:t>
-            </a:r>
-            <a:r>
-              <a:rPr lang="fa-IR"/>
-              <a:t>9</a:t>
+              <a:t>/41</a:t>
             </a:r>
             <a:endParaRPr lang="en-US" dirty="0"/>
           </a:p>
@@ -20862,7 +21526,7 @@
 </p:sld>
 </file>
 
-<file path=ppt/slides/slide25.xml><?xml version="1.0" encoding="utf-8"?>
+<file path=ppt/slides/slide26.xml><?xml version="1.0" encoding="utf-8"?>
 <p:sld xmlns:a="http://schemas.openxmlformats.org/drawingml/2006/main" xmlns:r="http://schemas.openxmlformats.org/officeDocument/2006/relationships" xmlns:p="http://schemas.openxmlformats.org/presentationml/2006/main">
   <p:cSld>
     <p:spTree>
@@ -21406,10 +22070,10 @@
       </p:sp>
       <p:sp>
         <p:nvSpPr>
-          <p:cNvPr id="4" name="Slide Number Placeholder 3">
+          <p:cNvPr id="3" name="Slide Number Placeholder 2">
             <a:extLst>
               <a:ext uri="{FF2B5EF4-FFF2-40B4-BE49-F238E27FC236}">
-                <a16:creationId xmlns:a16="http://schemas.microsoft.com/office/drawing/2014/main" id="{32761FB4-2FDE-4A46-821D-A3184F1F8DE3}"/>
+                <a16:creationId xmlns:a16="http://schemas.microsoft.com/office/drawing/2014/main" id="{35C91E7F-926F-4929-8325-9BFE9E3EB9E1}"/>
               </a:ext>
             </a:extLst>
           </p:cNvPr>
@@ -21428,15 +22092,11 @@
             <a:fld id="{D57F1E4F-1CFF-5643-939E-217C01CDF565}" type="slidenum">
               <a:rPr lang="en-US" smtClean="0"/>
               <a:pPr/>
-              <a:t>25</a:t>
+              <a:t>26</a:t>
             </a:fld>
             <a:r>
               <a:rPr lang="en-US"/>
-              <a:t>/3</a:t>
-            </a:r>
-            <a:r>
-              <a:rPr lang="fa-IR"/>
-              <a:t>9</a:t>
+              <a:t>/41</a:t>
             </a:r>
             <a:endParaRPr lang="en-US" dirty="0"/>
           </a:p>
@@ -21455,7 +22115,7 @@
 </p:sld>
 </file>
 
-<file path=ppt/slides/slide26.xml><?xml version="1.0" encoding="utf-8"?>
+<file path=ppt/slides/slide27.xml><?xml version="1.0" encoding="utf-8"?>
 <p:sld xmlns:a="http://schemas.openxmlformats.org/drawingml/2006/main" xmlns:r="http://schemas.openxmlformats.org/officeDocument/2006/relationships" xmlns:p="http://schemas.openxmlformats.org/presentationml/2006/main">
   <p:cSld>
     <p:spTree>
@@ -22110,10 +22770,10 @@
       </p:sp>
       <p:sp>
         <p:nvSpPr>
-          <p:cNvPr id="4" name="Slide Number Placeholder 3">
+          <p:cNvPr id="3" name="Slide Number Placeholder 2">
             <a:extLst>
               <a:ext uri="{FF2B5EF4-FFF2-40B4-BE49-F238E27FC236}">
-                <a16:creationId xmlns:a16="http://schemas.microsoft.com/office/drawing/2014/main" id="{7D64A65D-37AF-44DC-9FE6-3E65E864ED1D}"/>
+                <a16:creationId xmlns:a16="http://schemas.microsoft.com/office/drawing/2014/main" id="{8011B179-2AC1-458A-BDB9-0B291E2B0220}"/>
               </a:ext>
             </a:extLst>
           </p:cNvPr>
@@ -22132,15 +22792,11 @@
             <a:fld id="{D57F1E4F-1CFF-5643-939E-217C01CDF565}" type="slidenum">
               <a:rPr lang="en-US" smtClean="0"/>
               <a:pPr/>
-              <a:t>26</a:t>
+              <a:t>27</a:t>
             </a:fld>
             <a:r>
               <a:rPr lang="en-US"/>
-              <a:t>/3</a:t>
-            </a:r>
-            <a:r>
-              <a:rPr lang="fa-IR"/>
-              <a:t>9</a:t>
+              <a:t>/41</a:t>
             </a:r>
             <a:endParaRPr lang="en-US" dirty="0"/>
           </a:p>
@@ -22159,7 +22815,7 @@
 </p:sld>
 </file>
 
-<file path=ppt/slides/slide27.xml><?xml version="1.0" encoding="utf-8"?>
+<file path=ppt/slides/slide28.xml><?xml version="1.0" encoding="utf-8"?>
 <p:sld xmlns:a="http://schemas.openxmlformats.org/drawingml/2006/main" xmlns:r="http://schemas.openxmlformats.org/officeDocument/2006/relationships" xmlns:p="http://schemas.openxmlformats.org/presentationml/2006/main">
   <p:cSld>
     <p:spTree>
@@ -22698,10 +23354,10 @@
       </p:pic>
       <p:sp>
         <p:nvSpPr>
-          <p:cNvPr id="4" name="Slide Number Placeholder 3">
+          <p:cNvPr id="3" name="Slide Number Placeholder 2">
             <a:extLst>
               <a:ext uri="{FF2B5EF4-FFF2-40B4-BE49-F238E27FC236}">
-                <a16:creationId xmlns:a16="http://schemas.microsoft.com/office/drawing/2014/main" id="{CF52BFF9-35BE-41B4-B7D0-857BD0C45E27}"/>
+                <a16:creationId xmlns:a16="http://schemas.microsoft.com/office/drawing/2014/main" id="{7F006D04-84DD-4FFF-8B13-C843E8027707}"/>
               </a:ext>
             </a:extLst>
           </p:cNvPr>
@@ -22720,15 +23376,11 @@
             <a:fld id="{D57F1E4F-1CFF-5643-939E-217C01CDF565}" type="slidenum">
               <a:rPr lang="en-US" smtClean="0"/>
               <a:pPr/>
-              <a:t>27</a:t>
+              <a:t>28</a:t>
             </a:fld>
             <a:r>
               <a:rPr lang="en-US"/>
-              <a:t>/3</a:t>
-            </a:r>
-            <a:r>
-              <a:rPr lang="fa-IR"/>
-              <a:t>9</a:t>
+              <a:t>/41</a:t>
             </a:r>
             <a:endParaRPr lang="en-US" dirty="0"/>
           </a:p>
@@ -22747,7 +23399,7 @@
 </p:sld>
 </file>
 
-<file path=ppt/slides/slide28.xml><?xml version="1.0" encoding="utf-8"?>
+<file path=ppt/slides/slide29.xml><?xml version="1.0" encoding="utf-8"?>
 <p:sld xmlns:a="http://schemas.openxmlformats.org/drawingml/2006/main" xmlns:r="http://schemas.openxmlformats.org/officeDocument/2006/relationships" xmlns:p="http://schemas.openxmlformats.org/presentationml/2006/main">
   <p:cSld>
     <p:spTree>
@@ -23349,10 +24001,10 @@
       </p:pic>
       <p:sp>
         <p:nvSpPr>
-          <p:cNvPr id="4" name="Slide Number Placeholder 3">
+          <p:cNvPr id="3" name="Slide Number Placeholder 2">
             <a:extLst>
               <a:ext uri="{FF2B5EF4-FFF2-40B4-BE49-F238E27FC236}">
-                <a16:creationId xmlns:a16="http://schemas.microsoft.com/office/drawing/2014/main" id="{6866DC8D-B55A-49D3-9BE8-EA1E9D7D5CF0}"/>
+                <a16:creationId xmlns:a16="http://schemas.microsoft.com/office/drawing/2014/main" id="{7593F1B7-4552-46D4-B5BB-6D459F54720A}"/>
               </a:ext>
             </a:extLst>
           </p:cNvPr>
@@ -23371,15 +24023,11 @@
             <a:fld id="{D57F1E4F-1CFF-5643-939E-217C01CDF565}" type="slidenum">
               <a:rPr lang="en-US" smtClean="0"/>
               <a:pPr/>
-              <a:t>28</a:t>
+              <a:t>29</a:t>
             </a:fld>
             <a:r>
               <a:rPr lang="en-US"/>
-              <a:t>/3</a:t>
-            </a:r>
-            <a:r>
-              <a:rPr lang="fa-IR"/>
-              <a:t>9</a:t>
+              <a:t>/41</a:t>
             </a:r>
             <a:endParaRPr lang="en-US" dirty="0"/>
           </a:p>
@@ -23389,679 +24037,6 @@
     <p:extLst>
       <p:ext uri="{BB962C8B-B14F-4D97-AF65-F5344CB8AC3E}">
         <p14:creationId xmlns:p14="http://schemas.microsoft.com/office/powerpoint/2010/main" val="1906024353"/>
-      </p:ext>
-    </p:extLst>
-  </p:cSld>
-  <p:clrMapOvr>
-    <a:masterClrMapping/>
-  </p:clrMapOvr>
-</p:sld>
-</file>
-
-<file path=ppt/slides/slide29.xml><?xml version="1.0" encoding="utf-8"?>
-<p:sld xmlns:a="http://schemas.openxmlformats.org/drawingml/2006/main" xmlns:r="http://schemas.openxmlformats.org/officeDocument/2006/relationships" xmlns:p="http://schemas.openxmlformats.org/presentationml/2006/main">
-  <p:cSld>
-    <p:spTree>
-      <p:nvGrpSpPr>
-        <p:cNvPr id="1" name=""/>
-        <p:cNvGrpSpPr/>
-        <p:nvPr/>
-      </p:nvGrpSpPr>
-      <p:grpSpPr>
-        <a:xfrm>
-          <a:off x="0" y="0"/>
-          <a:ext cx="0" cy="0"/>
-          <a:chOff x="0" y="0"/>
-          <a:chExt cx="0" cy="0"/>
-        </a:xfrm>
-      </p:grpSpPr>
-      <p:sp>
-        <p:nvSpPr>
-          <p:cNvPr id="2" name="Title 1"/>
-          <p:cNvSpPr>
-            <a:spLocks noGrp="1"/>
-          </p:cNvSpPr>
-          <p:nvPr>
-            <p:ph type="title"/>
-          </p:nvPr>
-        </p:nvSpPr>
-        <p:spPr>
-          <a:xfrm>
-            <a:off x="1879442" y="29183"/>
-            <a:ext cx="8911687" cy="1280890"/>
-          </a:xfrm>
-        </p:spPr>
-        <p:txBody>
-          <a:bodyPr/>
-          <a:lstStyle/>
-          <a:p>
-            <a:r>
-              <a:rPr lang="fa-IR" dirty="0"/>
-              <a:t>نتایج عددی مسئله ی تخصیص منابع در بخش رادیویی</a:t>
-            </a:r>
-            <a:endParaRPr lang="en-US" dirty="0"/>
-          </a:p>
-        </p:txBody>
-      </p:sp>
-      <p:pic>
-        <p:nvPicPr>
-          <p:cNvPr id="3" name="Picture 2">
-            <a:extLst>
-              <a:ext uri="{FF2B5EF4-FFF2-40B4-BE49-F238E27FC236}">
-                <a16:creationId xmlns:a16="http://schemas.microsoft.com/office/drawing/2014/main" id="{6E6F5C49-CC74-48A2-87F8-381F411140FF}"/>
-              </a:ext>
-            </a:extLst>
-          </p:cNvPr>
-          <p:cNvPicPr>
-            <a:picLocks noChangeAspect="1"/>
-          </p:cNvPicPr>
-          <p:nvPr/>
-        </p:nvPicPr>
-        <p:blipFill>
-          <a:blip r:embed="rId2"/>
-          <a:stretch>
-            <a:fillRect/>
-          </a:stretch>
-        </p:blipFill>
-        <p:spPr>
-          <a:xfrm>
-            <a:off x="2163293" y="617382"/>
-            <a:ext cx="3905250" cy="3181350"/>
-          </a:xfrm>
-          <a:prstGeom prst="rect">
-            <a:avLst/>
-          </a:prstGeom>
-        </p:spPr>
-      </p:pic>
-      <p:pic>
-        <p:nvPicPr>
-          <p:cNvPr id="15" name="Picture 14">
-            <a:extLst>
-              <a:ext uri="{FF2B5EF4-FFF2-40B4-BE49-F238E27FC236}">
-                <a16:creationId xmlns:a16="http://schemas.microsoft.com/office/drawing/2014/main" id="{43F9349D-89E7-42CE-9C91-0E08C10EB684}"/>
-              </a:ext>
-            </a:extLst>
-          </p:cNvPr>
-          <p:cNvPicPr>
-            <a:picLocks noChangeAspect="1"/>
-          </p:cNvPicPr>
-          <p:nvPr/>
-        </p:nvPicPr>
-        <p:blipFill>
-          <a:blip r:embed="rId3"/>
-          <a:stretch>
-            <a:fillRect/>
-          </a:stretch>
-        </p:blipFill>
-        <p:spPr>
-          <a:xfrm>
-            <a:off x="6123459" y="3410426"/>
-            <a:ext cx="4238625" cy="3362325"/>
-          </a:xfrm>
-          <a:prstGeom prst="rect">
-            <a:avLst/>
-          </a:prstGeom>
-        </p:spPr>
-      </p:pic>
-      <p:pic>
-        <p:nvPicPr>
-          <p:cNvPr id="16" name="Picture 15">
-            <a:extLst>
-              <a:ext uri="{FF2B5EF4-FFF2-40B4-BE49-F238E27FC236}">
-                <a16:creationId xmlns:a16="http://schemas.microsoft.com/office/drawing/2014/main" id="{1AE1F95A-F089-4330-8359-A78E0E515024}"/>
-              </a:ext>
-            </a:extLst>
-          </p:cNvPr>
-          <p:cNvPicPr>
-            <a:picLocks noChangeAspect="1"/>
-          </p:cNvPicPr>
-          <p:nvPr/>
-        </p:nvPicPr>
-        <p:blipFill>
-          <a:blip r:embed="rId4"/>
-          <a:stretch>
-            <a:fillRect/>
-          </a:stretch>
-        </p:blipFill>
-        <p:spPr>
-          <a:xfrm>
-            <a:off x="2025181" y="3850978"/>
-            <a:ext cx="4181475" cy="3057525"/>
-          </a:xfrm>
-          <a:prstGeom prst="rect">
-            <a:avLst/>
-          </a:prstGeom>
-        </p:spPr>
-      </p:pic>
-      <p:pic>
-        <p:nvPicPr>
-          <p:cNvPr id="17" name="Picture 16">
-            <a:extLst>
-              <a:ext uri="{FF2B5EF4-FFF2-40B4-BE49-F238E27FC236}">
-                <a16:creationId xmlns:a16="http://schemas.microsoft.com/office/drawing/2014/main" id="{7088F81D-3D52-4DA2-B9DC-CDA0C9BB7866}"/>
-              </a:ext>
-            </a:extLst>
-          </p:cNvPr>
-          <p:cNvPicPr>
-            <a:picLocks noChangeAspect="1"/>
-          </p:cNvPicPr>
-          <p:nvPr/>
-        </p:nvPicPr>
-        <p:blipFill>
-          <a:blip r:embed="rId5"/>
-          <a:stretch>
-            <a:fillRect/>
-          </a:stretch>
-        </p:blipFill>
-        <p:spPr>
-          <a:xfrm>
-            <a:off x="6534955" y="1052262"/>
-            <a:ext cx="3289655" cy="2050958"/>
-          </a:xfrm>
-          <a:prstGeom prst="rect">
-            <a:avLst/>
-          </a:prstGeom>
-        </p:spPr>
-      </p:pic>
-      <p:sp>
-        <p:nvSpPr>
-          <p:cNvPr id="18" name="Rounded Rectangle 15">
-            <a:extLst>
-              <a:ext uri="{FF2B5EF4-FFF2-40B4-BE49-F238E27FC236}">
-                <a16:creationId xmlns:a16="http://schemas.microsoft.com/office/drawing/2014/main" id="{F12611DC-4E6B-4D5C-BB3C-A3DD4B8A56EA}"/>
-              </a:ext>
-            </a:extLst>
-          </p:cNvPr>
-          <p:cNvSpPr/>
-          <p:nvPr/>
-        </p:nvSpPr>
-        <p:spPr>
-          <a:xfrm>
-            <a:off x="10891234" y="1271911"/>
-            <a:ext cx="1300766" cy="5586089"/>
-          </a:xfrm>
-          <a:prstGeom prst="roundRect">
-            <a:avLst/>
-          </a:prstGeom>
-          <a:gradFill flip="none" rotWithShape="1">
-            <a:gsLst>
-              <a:gs pos="0">
-                <a:schemeClr val="accent1">
-                  <a:tint val="66000"/>
-                  <a:satMod val="160000"/>
-                </a:schemeClr>
-              </a:gs>
-              <a:gs pos="50000">
-                <a:schemeClr val="accent1">
-                  <a:tint val="44500"/>
-                  <a:satMod val="160000"/>
-                </a:schemeClr>
-              </a:gs>
-              <a:gs pos="100000">
-                <a:schemeClr val="accent1">
-                  <a:tint val="23500"/>
-                  <a:satMod val="160000"/>
-                </a:schemeClr>
-              </a:gs>
-            </a:gsLst>
-            <a:path path="circle">
-              <a:fillToRect l="100000" t="100000"/>
-            </a:path>
-            <a:tileRect r="-100000" b="-100000"/>
-          </a:gradFill>
-          <a:ln>
-            <a:prstDash val="solid"/>
-          </a:ln>
-        </p:spPr>
-        <p:style>
-          <a:lnRef idx="2">
-            <a:schemeClr val="accent1">
-              <a:shade val="50000"/>
-            </a:schemeClr>
-          </a:lnRef>
-          <a:fillRef idx="1">
-            <a:schemeClr val="accent1"/>
-          </a:fillRef>
-          <a:effectRef idx="0">
-            <a:schemeClr val="accent1"/>
-          </a:effectRef>
-          <a:fontRef idx="minor">
-            <a:schemeClr val="lt1"/>
-          </a:fontRef>
-        </p:style>
-        <p:txBody>
-          <a:bodyPr rtlCol="0" anchor="ctr"/>
-          <a:lstStyle/>
-          <a:p>
-            <a:pPr algn="ctr"/>
-            <a:endParaRPr lang="en-US" sz="1500">
-              <a:cs typeface="B Nazanin" panose="00000400000000000000" pitchFamily="2" charset="-78"/>
-            </a:endParaRPr>
-          </a:p>
-        </p:txBody>
-      </p:sp>
-      <p:sp>
-        <p:nvSpPr>
-          <p:cNvPr id="19" name="Rectangle 18">
-            <a:extLst>
-              <a:ext uri="{FF2B5EF4-FFF2-40B4-BE49-F238E27FC236}">
-                <a16:creationId xmlns:a16="http://schemas.microsoft.com/office/drawing/2014/main" id="{08C04C1D-A594-4B07-A11D-BA3C462C7B3B}"/>
-              </a:ext>
-            </a:extLst>
-          </p:cNvPr>
-          <p:cNvSpPr/>
-          <p:nvPr/>
-        </p:nvSpPr>
-        <p:spPr>
-          <a:xfrm>
-            <a:off x="11084417" y="1476163"/>
-            <a:ext cx="927279" cy="872108"/>
-          </a:xfrm>
-          <a:prstGeom prst="rect">
-            <a:avLst/>
-          </a:prstGeom>
-          <a:solidFill>
-            <a:schemeClr val="tx2">
-              <a:lumMod val="60000"/>
-              <a:lumOff val="40000"/>
-            </a:schemeClr>
-          </a:solidFill>
-        </p:spPr>
-        <p:style>
-          <a:lnRef idx="2">
-            <a:schemeClr val="accent1">
-              <a:shade val="50000"/>
-            </a:schemeClr>
-          </a:lnRef>
-          <a:fillRef idx="1">
-            <a:schemeClr val="accent1"/>
-          </a:fillRef>
-          <a:effectRef idx="0">
-            <a:schemeClr val="accent1"/>
-          </a:effectRef>
-          <a:fontRef idx="minor">
-            <a:schemeClr val="lt1"/>
-          </a:fontRef>
-        </p:style>
-        <p:txBody>
-          <a:bodyPr rtlCol="0" anchor="ctr"/>
-          <a:lstStyle/>
-          <a:p>
-            <a:pPr algn="ctr"/>
-            <a:r>
-              <a:rPr lang="fa-IR" dirty="0">
-                <a:solidFill>
-                  <a:schemeClr val="tx1"/>
-                </a:solidFill>
-                <a:cs typeface="B Nazanin" panose="00000400000000000000" pitchFamily="2" charset="-78"/>
-              </a:rPr>
-              <a:t>مقدمه</a:t>
-            </a:r>
-            <a:endParaRPr lang="en-US" dirty="0">
-              <a:solidFill>
-                <a:schemeClr val="tx1"/>
-              </a:solidFill>
-              <a:cs typeface="B Nazanin" panose="00000400000000000000" pitchFamily="2" charset="-78"/>
-            </a:endParaRPr>
-          </a:p>
-        </p:txBody>
-      </p:sp>
-      <p:sp>
-        <p:nvSpPr>
-          <p:cNvPr id="20" name="Rectangle 19">
-            <a:extLst>
-              <a:ext uri="{FF2B5EF4-FFF2-40B4-BE49-F238E27FC236}">
-                <a16:creationId xmlns:a16="http://schemas.microsoft.com/office/drawing/2014/main" id="{A581AA8C-BC02-4449-93D2-1C1478266F2D}"/>
-              </a:ext>
-            </a:extLst>
-          </p:cNvPr>
-          <p:cNvSpPr/>
-          <p:nvPr/>
-        </p:nvSpPr>
-        <p:spPr>
-          <a:xfrm>
-            <a:off x="11084417" y="2455499"/>
-            <a:ext cx="914400" cy="914400"/>
-          </a:xfrm>
-          <a:prstGeom prst="rect">
-            <a:avLst/>
-          </a:prstGeom>
-          <a:solidFill>
-            <a:schemeClr val="tx2">
-              <a:lumMod val="60000"/>
-              <a:lumOff val="40000"/>
-            </a:schemeClr>
-          </a:solidFill>
-          <a:ln>
-            <a:solidFill>
-              <a:schemeClr val="tx2">
-                <a:lumMod val="60000"/>
-                <a:lumOff val="40000"/>
-              </a:schemeClr>
-            </a:solidFill>
-          </a:ln>
-        </p:spPr>
-        <p:style>
-          <a:lnRef idx="2">
-            <a:schemeClr val="accent1">
-              <a:shade val="50000"/>
-            </a:schemeClr>
-          </a:lnRef>
-          <a:fillRef idx="1">
-            <a:schemeClr val="accent1"/>
-          </a:fillRef>
-          <a:effectRef idx="0">
-            <a:schemeClr val="accent1"/>
-          </a:effectRef>
-          <a:fontRef idx="minor">
-            <a:schemeClr val="lt1"/>
-          </a:fontRef>
-        </p:style>
-        <p:txBody>
-          <a:bodyPr rtlCol="0" anchor="ctr"/>
-          <a:lstStyle/>
-          <a:p>
-            <a:pPr algn="ctr"/>
-            <a:r>
-              <a:rPr lang="fa-IR" sz="1500" dirty="0">
-                <a:solidFill>
-                  <a:schemeClr val="tx1"/>
-                </a:solidFill>
-                <a:cs typeface="B Nazanin" panose="00000400000000000000" pitchFamily="2" charset="-78"/>
-              </a:rPr>
-              <a:t>پیشینه ی تحقیق</a:t>
-            </a:r>
-            <a:endParaRPr lang="en-US" sz="1500" dirty="0">
-              <a:solidFill>
-                <a:schemeClr val="tx1"/>
-              </a:solidFill>
-              <a:cs typeface="B Nazanin" panose="00000400000000000000" pitchFamily="2" charset="-78"/>
-            </a:endParaRPr>
-          </a:p>
-        </p:txBody>
-      </p:sp>
-      <p:sp>
-        <p:nvSpPr>
-          <p:cNvPr id="21" name="Rectangle 20">
-            <a:extLst>
-              <a:ext uri="{FF2B5EF4-FFF2-40B4-BE49-F238E27FC236}">
-                <a16:creationId xmlns:a16="http://schemas.microsoft.com/office/drawing/2014/main" id="{D5860F8D-79B7-4C59-B693-D74FA96F315F}"/>
-              </a:ext>
-            </a:extLst>
-          </p:cNvPr>
-          <p:cNvSpPr/>
-          <p:nvPr/>
-        </p:nvSpPr>
-        <p:spPr>
-          <a:xfrm>
-            <a:off x="11091156" y="3405402"/>
-            <a:ext cx="907660" cy="1343185"/>
-          </a:xfrm>
-          <a:prstGeom prst="rect">
-            <a:avLst/>
-          </a:prstGeom>
-          <a:solidFill>
-            <a:schemeClr val="accent1"/>
-          </a:solidFill>
-          <a:ln>
-            <a:solidFill>
-              <a:schemeClr val="accent1"/>
-            </a:solidFill>
-          </a:ln>
-        </p:spPr>
-        <p:style>
-          <a:lnRef idx="2">
-            <a:schemeClr val="accent1">
-              <a:shade val="50000"/>
-            </a:schemeClr>
-          </a:lnRef>
-          <a:fillRef idx="1">
-            <a:schemeClr val="accent1"/>
-          </a:fillRef>
-          <a:effectRef idx="0">
-            <a:schemeClr val="accent1"/>
-          </a:effectRef>
-          <a:fontRef idx="minor">
-            <a:schemeClr val="lt1"/>
-          </a:fontRef>
-        </p:style>
-        <p:txBody>
-          <a:bodyPr rtlCol="0" anchor="ctr"/>
-          <a:lstStyle/>
-          <a:p>
-            <a:pPr algn="ctr"/>
-            <a:r>
-              <a:rPr lang="fa-IR" sz="1500" b="1" dirty="0">
-                <a:solidFill>
-                  <a:schemeClr val="bg1"/>
-                </a:solidFill>
-                <a:cs typeface="B Nazanin" panose="00000400000000000000" pitchFamily="2" charset="-78"/>
-              </a:rPr>
-              <a:t>تخصیص منابع در شبکه دسترسی رادیویی باز </a:t>
-            </a:r>
-            <a:endParaRPr lang="en-US" sz="1500" b="1" dirty="0">
-              <a:solidFill>
-                <a:schemeClr val="bg1"/>
-              </a:solidFill>
-              <a:cs typeface="B Nazanin" panose="00000400000000000000" pitchFamily="2" charset="-78"/>
-            </a:endParaRPr>
-          </a:p>
-        </p:txBody>
-      </p:sp>
-      <p:sp>
-        <p:nvSpPr>
-          <p:cNvPr id="22" name="Rectangle 21">
-            <a:extLst>
-              <a:ext uri="{FF2B5EF4-FFF2-40B4-BE49-F238E27FC236}">
-                <a16:creationId xmlns:a16="http://schemas.microsoft.com/office/drawing/2014/main" id="{1C3148BF-8A19-406A-B5C2-AF1A312755DE}"/>
-              </a:ext>
-            </a:extLst>
-          </p:cNvPr>
-          <p:cNvSpPr/>
-          <p:nvPr/>
-        </p:nvSpPr>
-        <p:spPr>
-          <a:xfrm>
-            <a:off x="11097296" y="4795393"/>
-            <a:ext cx="914400" cy="914400"/>
-          </a:xfrm>
-          <a:prstGeom prst="rect">
-            <a:avLst/>
-          </a:prstGeom>
-          <a:gradFill flip="none" rotWithShape="1">
-            <a:gsLst>
-              <a:gs pos="0">
-                <a:schemeClr val="accent1">
-                  <a:tint val="66000"/>
-                  <a:satMod val="160000"/>
-                </a:schemeClr>
-              </a:gs>
-              <a:gs pos="50000">
-                <a:schemeClr val="accent1">
-                  <a:tint val="44500"/>
-                  <a:satMod val="160000"/>
-                </a:schemeClr>
-              </a:gs>
-              <a:gs pos="100000">
-                <a:schemeClr val="accent1">
-                  <a:tint val="23500"/>
-                  <a:satMod val="160000"/>
-                </a:schemeClr>
-              </a:gs>
-            </a:gsLst>
-            <a:path path="circle">
-              <a:fillToRect l="50000" t="50000" r="50000" b="50000"/>
-            </a:path>
-            <a:tileRect/>
-          </a:gradFill>
-        </p:spPr>
-        <p:style>
-          <a:lnRef idx="2">
-            <a:schemeClr val="accent1">
-              <a:shade val="50000"/>
-            </a:schemeClr>
-          </a:lnRef>
-          <a:fillRef idx="1">
-            <a:schemeClr val="accent1"/>
-          </a:fillRef>
-          <a:effectRef idx="0">
-            <a:schemeClr val="accent1"/>
-          </a:effectRef>
-          <a:fontRef idx="minor">
-            <a:schemeClr val="lt1"/>
-          </a:fontRef>
-        </p:style>
-        <p:txBody>
-          <a:bodyPr rtlCol="0" anchor="ctr"/>
-          <a:lstStyle/>
-          <a:p>
-            <a:pPr algn="ctr" rtl="1"/>
-            <a:r>
-              <a:rPr lang="fa-IR" sz="1500" dirty="0">
-                <a:solidFill>
-                  <a:schemeClr val="tx1"/>
-                </a:solidFill>
-                <a:cs typeface="B Nazanin" pitchFamily="2" charset="-78"/>
-              </a:rPr>
-              <a:t>تخصیص برش شبکه به صورت دینامیکی</a:t>
-            </a:r>
-            <a:endParaRPr lang="en-US" sz="1500" dirty="0">
-              <a:solidFill>
-                <a:schemeClr val="tx1"/>
-              </a:solidFill>
-              <a:cs typeface="B Nazanin" pitchFamily="2" charset="-78"/>
-            </a:endParaRPr>
-          </a:p>
-        </p:txBody>
-      </p:sp>
-      <p:sp>
-        <p:nvSpPr>
-          <p:cNvPr id="23" name="Rectangle 22">
-            <a:extLst>
-              <a:ext uri="{FF2B5EF4-FFF2-40B4-BE49-F238E27FC236}">
-                <a16:creationId xmlns:a16="http://schemas.microsoft.com/office/drawing/2014/main" id="{3AA04084-BAB8-4F4A-A462-3C6CE67653FB}"/>
-              </a:ext>
-            </a:extLst>
-          </p:cNvPr>
-          <p:cNvSpPr/>
-          <p:nvPr/>
-        </p:nvSpPr>
-        <p:spPr>
-          <a:xfrm>
-            <a:off x="11084417" y="5841941"/>
-            <a:ext cx="914400" cy="1005335"/>
-          </a:xfrm>
-          <a:prstGeom prst="rect">
-            <a:avLst/>
-          </a:prstGeom>
-          <a:gradFill flip="none" rotWithShape="1">
-            <a:gsLst>
-              <a:gs pos="0">
-                <a:schemeClr val="accent1">
-                  <a:tint val="66000"/>
-                  <a:satMod val="160000"/>
-                </a:schemeClr>
-              </a:gs>
-              <a:gs pos="50000">
-                <a:schemeClr val="accent1">
-                  <a:tint val="44500"/>
-                  <a:satMod val="160000"/>
-                </a:schemeClr>
-              </a:gs>
-              <a:gs pos="100000">
-                <a:schemeClr val="accent1">
-                  <a:tint val="23500"/>
-                  <a:satMod val="160000"/>
-                </a:schemeClr>
-              </a:gs>
-            </a:gsLst>
-            <a:path path="circle">
-              <a:fillToRect l="50000" t="50000" r="50000" b="50000"/>
-            </a:path>
-            <a:tileRect/>
-          </a:gradFill>
-        </p:spPr>
-        <p:style>
-          <a:lnRef idx="2">
-            <a:schemeClr val="accent1">
-              <a:shade val="50000"/>
-            </a:schemeClr>
-          </a:lnRef>
-          <a:fillRef idx="1">
-            <a:schemeClr val="accent1"/>
-          </a:fillRef>
-          <a:effectRef idx="0">
-            <a:schemeClr val="accent1"/>
-          </a:effectRef>
-          <a:fontRef idx="minor">
-            <a:schemeClr val="lt1"/>
-          </a:fontRef>
-        </p:style>
-        <p:txBody>
-          <a:bodyPr rtlCol="0" anchor="ctr"/>
-          <a:lstStyle/>
-          <a:p>
-            <a:pPr algn="ctr"/>
-            <a:r>
-              <a:rPr lang="fa-IR" sz="1500" dirty="0">
-                <a:solidFill>
-                  <a:schemeClr val="tx1"/>
-                </a:solidFill>
-                <a:cs typeface="B Nazanin" panose="00000400000000000000" pitchFamily="2" charset="-78"/>
-              </a:rPr>
-              <a:t>نتیجه گیری و پیشنهادات</a:t>
-            </a:r>
-            <a:endParaRPr lang="en-US" sz="1500" dirty="0">
-              <a:solidFill>
-                <a:schemeClr val="tx1"/>
-              </a:solidFill>
-              <a:cs typeface="B Nazanin" panose="00000400000000000000" pitchFamily="2" charset="-78"/>
-            </a:endParaRPr>
-          </a:p>
-        </p:txBody>
-      </p:sp>
-      <p:sp>
-        <p:nvSpPr>
-          <p:cNvPr id="4" name="Slide Number Placeholder 3">
-            <a:extLst>
-              <a:ext uri="{FF2B5EF4-FFF2-40B4-BE49-F238E27FC236}">
-                <a16:creationId xmlns:a16="http://schemas.microsoft.com/office/drawing/2014/main" id="{ECE8155E-C29F-427C-837C-4CDCF79DA227}"/>
-              </a:ext>
-            </a:extLst>
-          </p:cNvPr>
-          <p:cNvSpPr>
-            <a:spLocks noGrp="1"/>
-          </p:cNvSpPr>
-          <p:nvPr>
-            <p:ph type="sldNum" sz="quarter" idx="12"/>
-          </p:nvPr>
-        </p:nvSpPr>
-        <p:spPr/>
-        <p:txBody>
-          <a:bodyPr/>
-          <a:lstStyle/>
-          <a:p>
-            <a:fld id="{D57F1E4F-1CFF-5643-939E-217C01CDF565}" type="slidenum">
-              <a:rPr lang="en-US" smtClean="0"/>
-              <a:pPr/>
-              <a:t>29</a:t>
-            </a:fld>
-            <a:r>
-              <a:rPr lang="en-US"/>
-              <a:t>/3</a:t>
-            </a:r>
-            <a:r>
-              <a:rPr lang="fa-IR"/>
-              <a:t>9</a:t>
-            </a:r>
-            <a:endParaRPr lang="en-US" dirty="0"/>
-          </a:p>
-        </p:txBody>
-      </p:sp>
-    </p:spTree>
-    <p:extLst>
-      <p:ext uri="{BB962C8B-B14F-4D97-AF65-F5344CB8AC3E}">
-        <p14:creationId xmlns:p14="http://schemas.microsoft.com/office/powerpoint/2010/main" val="767726509"/>
       </p:ext>
     </p:extLst>
   </p:cSld>
@@ -25086,10 +25061,10 @@
       </p:sp>
       <p:sp>
         <p:nvSpPr>
-          <p:cNvPr id="4" name="Slide Number Placeholder 3">
+          <p:cNvPr id="3" name="Slide Number Placeholder 2">
             <a:extLst>
               <a:ext uri="{FF2B5EF4-FFF2-40B4-BE49-F238E27FC236}">
-                <a16:creationId xmlns:a16="http://schemas.microsoft.com/office/drawing/2014/main" id="{3498A2F0-1CC2-4810-A97F-501240F03E87}"/>
+                <a16:creationId xmlns:a16="http://schemas.microsoft.com/office/drawing/2014/main" id="{E21F1DCC-25BE-4F72-8A9B-214D2F2994C0}"/>
               </a:ext>
             </a:extLst>
           </p:cNvPr>
@@ -25110,7 +25085,10 @@
               <a:pPr/>
               <a:t>3</a:t>
             </a:fld>
-            <a:endParaRPr lang="en-US" dirty="0"/>
+            <a:r>
+              <a:rPr lang="en-US" dirty="0"/>
+              <a:t>/41</a:t>
+            </a:r>
           </a:p>
         </p:txBody>
       </p:sp>
@@ -25647,13 +25625,7 @@
       </p:grpSpPr>
       <p:sp>
         <p:nvSpPr>
-          <p:cNvPr id="2" name="Title 1">
-            <a:extLst>
-              <a:ext uri="{FF2B5EF4-FFF2-40B4-BE49-F238E27FC236}">
-                <a16:creationId xmlns:a16="http://schemas.microsoft.com/office/drawing/2014/main" id="{CBEB093E-1C29-4DA4-BACB-1A754279807B}"/>
-              </a:ext>
-            </a:extLst>
-          </p:cNvPr>
+          <p:cNvPr id="2" name="Title 1"/>
           <p:cNvSpPr>
             <a:spLocks noGrp="1"/>
           </p:cNvSpPr>
@@ -25663,7 +25635,7 @@
         </p:nvSpPr>
         <p:spPr>
           <a:xfrm>
-            <a:off x="1970539" y="254187"/>
+            <a:off x="1879442" y="29183"/>
             <a:ext cx="8911687" cy="1280890"/>
           </a:xfrm>
         </p:spPr>
@@ -25673,7 +25645,7 @@
           <a:p>
             <a:r>
               <a:rPr lang="fa-IR" dirty="0"/>
-              <a:t>نتایج عددی مسئله ی تخصیص منابع فیزیکی به توابع مجازی</a:t>
+              <a:t>نتایج عددی مسئله ی تخصیص منابع در بخش رادیویی</a:t>
             </a:r>
             <a:endParaRPr lang="en-US" dirty="0"/>
           </a:p>
@@ -25681,19 +25653,17 @@
       </p:sp>
       <p:pic>
         <p:nvPicPr>
-          <p:cNvPr id="5" name="Content Placeholder 4">
+          <p:cNvPr id="3" name="Picture 2">
             <a:extLst>
               <a:ext uri="{FF2B5EF4-FFF2-40B4-BE49-F238E27FC236}">
-                <a16:creationId xmlns:a16="http://schemas.microsoft.com/office/drawing/2014/main" id="{37338FA8-ACC6-4953-9BCD-C69241631148}"/>
+                <a16:creationId xmlns:a16="http://schemas.microsoft.com/office/drawing/2014/main" id="{6E6F5C49-CC74-48A2-87F8-381F411140FF}"/>
               </a:ext>
             </a:extLst>
           </p:cNvPr>
           <p:cNvPicPr>
-            <a:picLocks noGrp="1" noChangeAspect="1"/>
+            <a:picLocks noChangeAspect="1"/>
           </p:cNvPicPr>
-          <p:nvPr>
-            <p:ph idx="1"/>
-          </p:nvPr>
+          <p:nvPr/>
         </p:nvPicPr>
         <p:blipFill>
           <a:blip r:embed="rId2"/>
@@ -25703,8 +25673,8 @@
         </p:blipFill>
         <p:spPr>
           <a:xfrm>
-            <a:off x="2924769" y="1352550"/>
-            <a:ext cx="2209800" cy="1981200"/>
+            <a:off x="2163293" y="617382"/>
+            <a:ext cx="3905250" cy="3181350"/>
           </a:xfrm>
           <a:prstGeom prst="rect">
             <a:avLst/>
@@ -25713,10 +25683,10 @@
       </p:pic>
       <p:pic>
         <p:nvPicPr>
-          <p:cNvPr id="6" name="Picture 5">
+          <p:cNvPr id="15" name="Picture 14">
             <a:extLst>
               <a:ext uri="{FF2B5EF4-FFF2-40B4-BE49-F238E27FC236}">
-                <a16:creationId xmlns:a16="http://schemas.microsoft.com/office/drawing/2014/main" id="{ADA4A33E-AC6A-4FAF-BA11-F15CAA7C6D07}"/>
+                <a16:creationId xmlns:a16="http://schemas.microsoft.com/office/drawing/2014/main" id="{43F9349D-89E7-42CE-9C91-0E08C10EB684}"/>
               </a:ext>
             </a:extLst>
           </p:cNvPr>
@@ -25733,8 +25703,8 @@
         </p:blipFill>
         <p:spPr>
           <a:xfrm>
-            <a:off x="186436" y="3333750"/>
-            <a:ext cx="4800600" cy="3524250"/>
+            <a:off x="6123459" y="3410426"/>
+            <a:ext cx="4238625" cy="3362325"/>
           </a:xfrm>
           <a:prstGeom prst="rect">
             <a:avLst/>
@@ -25743,10 +25713,10 @@
       </p:pic>
       <p:pic>
         <p:nvPicPr>
-          <p:cNvPr id="7" name="Picture 6">
+          <p:cNvPr id="16" name="Picture 15">
             <a:extLst>
               <a:ext uri="{FF2B5EF4-FFF2-40B4-BE49-F238E27FC236}">
-                <a16:creationId xmlns:a16="http://schemas.microsoft.com/office/drawing/2014/main" id="{558B6729-5E5C-4F4F-932D-DAA2C3DA9184}"/>
+                <a16:creationId xmlns:a16="http://schemas.microsoft.com/office/drawing/2014/main" id="{1AE1F95A-F089-4330-8359-A78E0E515024}"/>
               </a:ext>
             </a:extLst>
           </p:cNvPr>
@@ -25763,20 +25733,50 @@
         </p:blipFill>
         <p:spPr>
           <a:xfrm>
-            <a:off x="5393889" y="1718818"/>
-            <a:ext cx="4933950" cy="3533775"/>
+            <a:off x="2025181" y="3850978"/>
+            <a:ext cx="4181475" cy="3057525"/>
           </a:xfrm>
           <a:prstGeom prst="rect">
             <a:avLst/>
           </a:prstGeom>
         </p:spPr>
       </p:pic>
-      <p:sp>
-        <p:nvSpPr>
-          <p:cNvPr id="8" name="Rounded Rectangle 15">
+      <p:pic>
+        <p:nvPicPr>
+          <p:cNvPr id="17" name="Picture 16">
             <a:extLst>
               <a:ext uri="{FF2B5EF4-FFF2-40B4-BE49-F238E27FC236}">
-                <a16:creationId xmlns:a16="http://schemas.microsoft.com/office/drawing/2014/main" id="{95B9E0A5-0908-47B4-AF09-AF8F044F2B4F}"/>
+                <a16:creationId xmlns:a16="http://schemas.microsoft.com/office/drawing/2014/main" id="{7088F81D-3D52-4DA2-B9DC-CDA0C9BB7866}"/>
+              </a:ext>
+            </a:extLst>
+          </p:cNvPr>
+          <p:cNvPicPr>
+            <a:picLocks noChangeAspect="1"/>
+          </p:cNvPicPr>
+          <p:nvPr/>
+        </p:nvPicPr>
+        <p:blipFill>
+          <a:blip r:embed="rId5"/>
+          <a:stretch>
+            <a:fillRect/>
+          </a:stretch>
+        </p:blipFill>
+        <p:spPr>
+          <a:xfrm>
+            <a:off x="6534955" y="1052262"/>
+            <a:ext cx="3289655" cy="2050958"/>
+          </a:xfrm>
+          <a:prstGeom prst="rect">
+            <a:avLst/>
+          </a:prstGeom>
+        </p:spPr>
+      </p:pic>
+      <p:sp>
+        <p:nvSpPr>
+          <p:cNvPr id="18" name="Rounded Rectangle 15">
+            <a:extLst>
+              <a:ext uri="{FF2B5EF4-FFF2-40B4-BE49-F238E27FC236}">
+                <a16:creationId xmlns:a16="http://schemas.microsoft.com/office/drawing/2014/main" id="{F12611DC-4E6B-4D5C-BB3C-A3DD4B8A56EA}"/>
               </a:ext>
             </a:extLst>
           </p:cNvPr>
@@ -25850,10 +25850,10 @@
       </p:sp>
       <p:sp>
         <p:nvSpPr>
-          <p:cNvPr id="9" name="Rectangle 8">
+          <p:cNvPr id="19" name="Rectangle 18">
             <a:extLst>
               <a:ext uri="{FF2B5EF4-FFF2-40B4-BE49-F238E27FC236}">
-                <a16:creationId xmlns:a16="http://schemas.microsoft.com/office/drawing/2014/main" id="{1D506D2B-494B-4D41-B5F9-D8C3A432BE35}"/>
+                <a16:creationId xmlns:a16="http://schemas.microsoft.com/office/drawing/2014/main" id="{08C04C1D-A594-4B07-A11D-BA3C462C7B3B}"/>
               </a:ext>
             </a:extLst>
           </p:cNvPr>
@@ -25916,10 +25916,10 @@
       </p:sp>
       <p:sp>
         <p:nvSpPr>
-          <p:cNvPr id="10" name="Rectangle 9">
+          <p:cNvPr id="20" name="Rectangle 19">
             <a:extLst>
               <a:ext uri="{FF2B5EF4-FFF2-40B4-BE49-F238E27FC236}">
-                <a16:creationId xmlns:a16="http://schemas.microsoft.com/office/drawing/2014/main" id="{9381BF1E-AB7A-4212-A01A-468A5F758111}"/>
+                <a16:creationId xmlns:a16="http://schemas.microsoft.com/office/drawing/2014/main" id="{A581AA8C-BC02-4449-93D2-1C1478266F2D}"/>
               </a:ext>
             </a:extLst>
           </p:cNvPr>
@@ -25990,10 +25990,10 @@
       </p:sp>
       <p:sp>
         <p:nvSpPr>
-          <p:cNvPr id="11" name="Rectangle 10">
+          <p:cNvPr id="21" name="Rectangle 20">
             <a:extLst>
               <a:ext uri="{FF2B5EF4-FFF2-40B4-BE49-F238E27FC236}">
-                <a16:creationId xmlns:a16="http://schemas.microsoft.com/office/drawing/2014/main" id="{5239F94F-1A1F-444A-945B-1905EA08A277}"/>
+                <a16:creationId xmlns:a16="http://schemas.microsoft.com/office/drawing/2014/main" id="{D5860F8D-79B7-4C59-B693-D74FA96F315F}"/>
               </a:ext>
             </a:extLst>
           </p:cNvPr>
@@ -26058,10 +26058,10 @@
       </p:sp>
       <p:sp>
         <p:nvSpPr>
-          <p:cNvPr id="12" name="Rectangle 11">
+          <p:cNvPr id="22" name="Rectangle 21">
             <a:extLst>
               <a:ext uri="{FF2B5EF4-FFF2-40B4-BE49-F238E27FC236}">
-                <a16:creationId xmlns:a16="http://schemas.microsoft.com/office/drawing/2014/main" id="{0DB6ACF8-CAE7-45F2-9666-10320CE54921}"/>
+                <a16:creationId xmlns:a16="http://schemas.microsoft.com/office/drawing/2014/main" id="{1C3148BF-8A19-406A-B5C2-AF1A312755DE}"/>
               </a:ext>
             </a:extLst>
           </p:cNvPr>
@@ -26144,10 +26144,10 @@
       </p:sp>
       <p:sp>
         <p:nvSpPr>
-          <p:cNvPr id="13" name="Rectangle 12">
+          <p:cNvPr id="23" name="Rectangle 22">
             <a:extLst>
               <a:ext uri="{FF2B5EF4-FFF2-40B4-BE49-F238E27FC236}">
-                <a16:creationId xmlns:a16="http://schemas.microsoft.com/office/drawing/2014/main" id="{D1E40B5C-0D99-463B-96EE-9AD9BC27EF9E}"/>
+                <a16:creationId xmlns:a16="http://schemas.microsoft.com/office/drawing/2014/main" id="{3AA04084-BAB8-4F4A-A462-3C6CE67653FB}"/>
               </a:ext>
             </a:extLst>
           </p:cNvPr>
@@ -26230,10 +26230,10 @@
       </p:sp>
       <p:sp>
         <p:nvSpPr>
-          <p:cNvPr id="4" name="Slide Number Placeholder 3">
+          <p:cNvPr id="5" name="Slide Number Placeholder 4">
             <a:extLst>
               <a:ext uri="{FF2B5EF4-FFF2-40B4-BE49-F238E27FC236}">
-                <a16:creationId xmlns:a16="http://schemas.microsoft.com/office/drawing/2014/main" id="{AC32E465-ABB8-4178-B68A-6DA25F5257EB}"/>
+                <a16:creationId xmlns:a16="http://schemas.microsoft.com/office/drawing/2014/main" id="{E5113628-4665-4370-B790-89037ACB7638}"/>
               </a:ext>
             </a:extLst>
           </p:cNvPr>
@@ -26256,11 +26256,7 @@
             </a:fld>
             <a:r>
               <a:rPr lang="en-US"/>
-              <a:t>/3</a:t>
-            </a:r>
-            <a:r>
-              <a:rPr lang="fa-IR"/>
-              <a:t>9</a:t>
+              <a:t>/41</a:t>
             </a:r>
             <a:endParaRPr lang="en-US" dirty="0"/>
           </a:p>
@@ -26269,7 +26265,7 @@
     </p:spTree>
     <p:extLst>
       <p:ext uri="{BB962C8B-B14F-4D97-AF65-F5344CB8AC3E}">
-        <p14:creationId xmlns:p14="http://schemas.microsoft.com/office/powerpoint/2010/main" val="2904826782"/>
+        <p14:creationId xmlns:p14="http://schemas.microsoft.com/office/powerpoint/2010/main" val="767726509"/>
       </p:ext>
     </p:extLst>
   </p:cSld>
@@ -26301,7 +26297,7 @@
           <p:cNvPr id="2" name="Title 1">
             <a:extLst>
               <a:ext uri="{FF2B5EF4-FFF2-40B4-BE49-F238E27FC236}">
-                <a16:creationId xmlns:a16="http://schemas.microsoft.com/office/drawing/2014/main" id="{05569867-6B96-41A9-B2F3-7E04750333DD}"/>
+                <a16:creationId xmlns:a16="http://schemas.microsoft.com/office/drawing/2014/main" id="{CBEB093E-1C29-4DA4-BACB-1A754279807B}"/>
               </a:ext>
             </a:extLst>
           </p:cNvPr>
@@ -26312,225 +26308,39 @@
             <p:ph type="title"/>
           </p:nvPr>
         </p:nvSpPr>
-        <p:spPr/>
-        <p:txBody>
-          <a:bodyPr>
-            <a:normAutofit fontScale="90000"/>
-          </a:bodyPr>
-          <a:lstStyle/>
-          <a:p>
-            <a:r>
-              <a:rPr lang="fa-IR" sz="4000" b="1" i="0" dirty="0">
-                <a:solidFill>
-                  <a:srgbClr val="000000"/>
-                </a:solidFill>
-                <a:effectLst/>
-                <a:latin typeface="IRlotus-Bold"/>
-              </a:rPr>
-              <a:t>مدل سیستم و صورت مسئله ی بخش رادیویی</a:t>
-            </a:r>
-            <a:r>
-              <a:rPr lang="fa-IR" sz="6700" dirty="0"/>
-              <a:t> </a:t>
-            </a:r>
-            <a:br>
+        <p:spPr>
+          <a:xfrm>
+            <a:off x="1970539" y="254187"/>
+            <a:ext cx="8911687" cy="1280890"/>
+          </a:xfrm>
+        </p:spPr>
+        <p:txBody>
+          <a:bodyPr/>
+          <a:lstStyle/>
+          <a:p>
+            <a:r>
               <a:rPr lang="fa-IR" dirty="0"/>
-            </a:br>
+              <a:t>نتایج عددی مسئله ی تخصیص منابع فیزیکی به توابع مجازی</a:t>
+            </a:r>
             <a:endParaRPr lang="en-US" dirty="0"/>
           </a:p>
         </p:txBody>
       </p:sp>
-      <p:sp>
-        <p:nvSpPr>
-          <p:cNvPr id="3" name="Content Placeholder 2">
+      <p:pic>
+        <p:nvPicPr>
+          <p:cNvPr id="5" name="Content Placeholder 4">
             <a:extLst>
               <a:ext uri="{FF2B5EF4-FFF2-40B4-BE49-F238E27FC236}">
-                <a16:creationId xmlns:a16="http://schemas.microsoft.com/office/drawing/2014/main" id="{BE9AE378-4899-4E24-9C4B-51347ADA3C1F}"/>
-              </a:ext>
-            </a:extLst>
-          </p:cNvPr>
-          <p:cNvSpPr>
-            <a:spLocks noGrp="1"/>
-          </p:cNvSpPr>
-          <p:nvPr>
-            <p:ph idx="1"/>
-          </p:nvPr>
-        </p:nvSpPr>
-        <p:spPr/>
-        <p:txBody>
-          <a:bodyPr/>
-          <a:lstStyle/>
-          <a:p>
-            <a:r>
-              <a:rPr lang="fa-IR" sz="2000" dirty="0">
-                <a:solidFill>
-                  <a:srgbClr val="000000"/>
-                </a:solidFill>
-                <a:cs typeface="Times New Roman" panose="02020603050405020304" pitchFamily="18" charset="0"/>
-              </a:rPr>
-              <a:t> </a:t>
-            </a:r>
-            <a:r>
-              <a:rPr lang="fa-IR" dirty="0">
-                <a:solidFill>
-                  <a:srgbClr val="000000"/>
-                </a:solidFill>
-              </a:rPr>
-              <a:t>سیستم شامل : </a:t>
-            </a:r>
-            <a:r>
-              <a:rPr lang="en-US" sz="2000" b="0" dirty="0">
-                <a:solidFill>
-                  <a:srgbClr val="000000"/>
-                </a:solidFill>
-                <a:effectLst/>
-                <a:cs typeface="Times New Roman" panose="02020603050405020304" pitchFamily="18" charset="0"/>
-              </a:rPr>
-              <a:t>S</a:t>
-            </a:r>
-            <a:r>
-              <a:rPr lang="fa-IR" b="0" i="1" dirty="0">
-                <a:solidFill>
-                  <a:srgbClr val="000000"/>
-                </a:solidFill>
-                <a:effectLst/>
-                <a:latin typeface="CMMI12"/>
-              </a:rPr>
-              <a:t> </a:t>
-            </a:r>
-            <a:r>
-              <a:rPr lang="fa-IR" b="0" i="0" dirty="0">
-                <a:solidFill>
-                  <a:srgbClr val="000000"/>
-                </a:solidFill>
-                <a:effectLst/>
-                <a:latin typeface="IRLotus"/>
-              </a:rPr>
-              <a:t>برش شبکه</a:t>
-            </a:r>
-            <a:r>
-              <a:rPr lang="en-US" b="0" i="0" dirty="0">
-                <a:solidFill>
-                  <a:srgbClr val="000000"/>
-                </a:solidFill>
-                <a:effectLst/>
-                <a:latin typeface="IRLotus"/>
-              </a:rPr>
-              <a:t>- </a:t>
-            </a:r>
-            <a:r>
-              <a:rPr lang="fa-IR" b="0" i="0" dirty="0">
-                <a:solidFill>
-                  <a:srgbClr val="000000"/>
-                </a:solidFill>
-                <a:effectLst/>
-                <a:latin typeface="IRLotus"/>
-              </a:rPr>
-              <a:t> </a:t>
-            </a:r>
-            <a:r>
-              <a:rPr lang="en-US" sz="2000" b="0" dirty="0">
-                <a:solidFill>
-                  <a:srgbClr val="000000"/>
-                </a:solidFill>
-                <a:effectLst/>
-                <a:cs typeface="Times New Roman" panose="02020603050405020304" pitchFamily="18" charset="0"/>
-              </a:rPr>
-              <a:t>V</a:t>
-            </a:r>
-            <a:r>
-              <a:rPr lang="fa-IR" b="0" i="1" dirty="0">
-                <a:solidFill>
-                  <a:srgbClr val="000000"/>
-                </a:solidFill>
-                <a:effectLst/>
-                <a:latin typeface="CMMI12"/>
-              </a:rPr>
-              <a:t> </a:t>
-            </a:r>
-            <a:r>
-              <a:rPr lang="fa-IR" b="0" i="0" dirty="0">
-                <a:solidFill>
-                  <a:srgbClr val="000000"/>
-                </a:solidFill>
-                <a:effectLst/>
-                <a:latin typeface="IRLotus"/>
-              </a:rPr>
-              <a:t>سرویس مختلف</a:t>
-            </a:r>
-            <a:endParaRPr lang="en-US" b="0" i="0" dirty="0">
-              <a:solidFill>
-                <a:srgbClr val="000000"/>
-              </a:solidFill>
-              <a:effectLst/>
-              <a:latin typeface="IRLotus"/>
-            </a:endParaRPr>
-          </a:p>
-          <a:p>
-            <a:r>
-              <a:rPr lang="fa-IR" dirty="0">
-                <a:solidFill>
-                  <a:srgbClr val="000000"/>
-                </a:solidFill>
-                <a:latin typeface="IRLotus"/>
-              </a:rPr>
-              <a:t>هدف حل مسئله در هر اسلات زمانی </a:t>
-            </a:r>
-            <a:r>
-              <a:rPr lang="en-US" sz="2000" dirty="0">
-                <a:solidFill>
-                  <a:srgbClr val="000000"/>
-                </a:solidFill>
-                <a:cs typeface="Times New Roman" panose="02020603050405020304" pitchFamily="18" charset="0"/>
-              </a:rPr>
-              <a:t>t</a:t>
-            </a:r>
-            <a:r>
-              <a:rPr lang="fa-IR" dirty="0">
-                <a:solidFill>
-                  <a:srgbClr val="000000"/>
-                </a:solidFill>
-                <a:latin typeface="IRLotus"/>
-              </a:rPr>
-              <a:t> می باشد </a:t>
-            </a:r>
-          </a:p>
-          <a:p>
-            <a:r>
-              <a:rPr lang="fa-IR" dirty="0">
-                <a:solidFill>
-                  <a:srgbClr val="000000"/>
-                </a:solidFill>
-                <a:latin typeface="IRLotus"/>
-              </a:rPr>
-              <a:t>هدف در اینجا بیشینه سازی تعداد سرویسهای پذیرفته شده توسط برشهای شبکه می باشد به صورتی که شرط تاخیر و نرخ سرویس را ضمانت کنند </a:t>
-            </a:r>
-            <a:br>
-              <a:rPr lang="fa-IR" dirty="0"/>
-            </a:br>
-            <a:br>
-              <a:rPr lang="fa-IR" dirty="0"/>
-            </a:br>
-            <a:br>
-              <a:rPr lang="fa-IR" dirty="0"/>
-            </a:br>
-            <a:endParaRPr lang="en-US" dirty="0"/>
-          </a:p>
-        </p:txBody>
-      </p:sp>
-      <p:pic>
-        <p:nvPicPr>
-          <p:cNvPr id="5" name="Picture 4">
-            <a:extLst>
-              <a:ext uri="{FF2B5EF4-FFF2-40B4-BE49-F238E27FC236}">
-                <a16:creationId xmlns:a16="http://schemas.microsoft.com/office/drawing/2014/main" id="{E11A08DD-565C-4D99-9047-519C0FEBD510}"/>
+                <a16:creationId xmlns:a16="http://schemas.microsoft.com/office/drawing/2014/main" id="{37338FA8-ACC6-4953-9BCD-C69241631148}"/>
               </a:ext>
             </a:extLst>
           </p:cNvPr>
           <p:cNvPicPr>
-            <a:picLocks noChangeAspect="1"/>
+            <a:picLocks noGrp="1" noChangeAspect="1"/>
           </p:cNvPicPr>
-          <p:nvPr/>
+          <p:nvPr>
+            <p:ph idx="1"/>
+          </p:nvPr>
         </p:nvPicPr>
         <p:blipFill>
           <a:blip r:embed="rId2"/>
@@ -26540,8 +26350,8 @@
         </p:blipFill>
         <p:spPr>
           <a:xfrm>
-            <a:off x="2427967" y="4305754"/>
-            <a:ext cx="2952750" cy="1352550"/>
+            <a:off x="2924769" y="1352550"/>
+            <a:ext cx="2209800" cy="1981200"/>
           </a:xfrm>
           <a:prstGeom prst="rect">
             <a:avLst/>
@@ -26553,7 +26363,7 @@
           <p:cNvPr id="6" name="Picture 5">
             <a:extLst>
               <a:ext uri="{FF2B5EF4-FFF2-40B4-BE49-F238E27FC236}">
-                <a16:creationId xmlns:a16="http://schemas.microsoft.com/office/drawing/2014/main" id="{AB1E10AB-FFC8-4A5F-9165-2673A0C21A8B}"/>
+                <a16:creationId xmlns:a16="http://schemas.microsoft.com/office/drawing/2014/main" id="{ADA4A33E-AC6A-4FAF-BA11-F15CAA7C6D07}"/>
               </a:ext>
             </a:extLst>
           </p:cNvPr>
@@ -26570,20 +26380,50 @@
         </p:blipFill>
         <p:spPr>
           <a:xfrm>
-            <a:off x="7030358" y="4353379"/>
-            <a:ext cx="2733675" cy="1304925"/>
+            <a:off x="186436" y="3333750"/>
+            <a:ext cx="4800600" cy="3524250"/>
           </a:xfrm>
           <a:prstGeom prst="rect">
             <a:avLst/>
           </a:prstGeom>
         </p:spPr>
       </p:pic>
-      <p:sp>
-        <p:nvSpPr>
-          <p:cNvPr id="7" name="Rounded Rectangle 15">
+      <p:pic>
+        <p:nvPicPr>
+          <p:cNvPr id="7" name="Picture 6">
             <a:extLst>
               <a:ext uri="{FF2B5EF4-FFF2-40B4-BE49-F238E27FC236}">
-                <a16:creationId xmlns:a16="http://schemas.microsoft.com/office/drawing/2014/main" id="{E87D833B-E016-4839-A08E-C7575EF6B90B}"/>
+                <a16:creationId xmlns:a16="http://schemas.microsoft.com/office/drawing/2014/main" id="{558B6729-5E5C-4F4F-932D-DAA2C3DA9184}"/>
+              </a:ext>
+            </a:extLst>
+          </p:cNvPr>
+          <p:cNvPicPr>
+            <a:picLocks noChangeAspect="1"/>
+          </p:cNvPicPr>
+          <p:nvPr/>
+        </p:nvPicPr>
+        <p:blipFill>
+          <a:blip r:embed="rId4"/>
+          <a:stretch>
+            <a:fillRect/>
+          </a:stretch>
+        </p:blipFill>
+        <p:spPr>
+          <a:xfrm>
+            <a:off x="5393889" y="1718818"/>
+            <a:ext cx="4933950" cy="3533775"/>
+          </a:xfrm>
+          <a:prstGeom prst="rect">
+            <a:avLst/>
+          </a:prstGeom>
+        </p:spPr>
+      </p:pic>
+      <p:sp>
+        <p:nvSpPr>
+          <p:cNvPr id="8" name="Rounded Rectangle 15">
+            <a:extLst>
+              <a:ext uri="{FF2B5EF4-FFF2-40B4-BE49-F238E27FC236}">
+                <a16:creationId xmlns:a16="http://schemas.microsoft.com/office/drawing/2014/main" id="{95B9E0A5-0908-47B4-AF09-AF8F044F2B4F}"/>
               </a:ext>
             </a:extLst>
           </p:cNvPr>
@@ -26657,10 +26497,10 @@
       </p:sp>
       <p:sp>
         <p:nvSpPr>
-          <p:cNvPr id="8" name="Rectangle 7">
+          <p:cNvPr id="9" name="Rectangle 8">
             <a:extLst>
               <a:ext uri="{FF2B5EF4-FFF2-40B4-BE49-F238E27FC236}">
-                <a16:creationId xmlns:a16="http://schemas.microsoft.com/office/drawing/2014/main" id="{A59D47C2-595C-4060-AB29-CCE96F5BD391}"/>
+                <a16:creationId xmlns:a16="http://schemas.microsoft.com/office/drawing/2014/main" id="{1D506D2B-494B-4D41-B5F9-D8C3A432BE35}"/>
               </a:ext>
             </a:extLst>
           </p:cNvPr>
@@ -26723,10 +26563,10 @@
       </p:sp>
       <p:sp>
         <p:nvSpPr>
-          <p:cNvPr id="9" name="Rectangle 8">
+          <p:cNvPr id="10" name="Rectangle 9">
             <a:extLst>
               <a:ext uri="{FF2B5EF4-FFF2-40B4-BE49-F238E27FC236}">
-                <a16:creationId xmlns:a16="http://schemas.microsoft.com/office/drawing/2014/main" id="{AE7A59FA-DFCA-4405-9469-FDE5995B176F}"/>
+                <a16:creationId xmlns:a16="http://schemas.microsoft.com/office/drawing/2014/main" id="{9381BF1E-AB7A-4212-A01A-468A5F758111}"/>
               </a:ext>
             </a:extLst>
           </p:cNvPr>
@@ -26797,10 +26637,10 @@
       </p:sp>
       <p:sp>
         <p:nvSpPr>
-          <p:cNvPr id="10" name="Rectangle 9">
+          <p:cNvPr id="11" name="Rectangle 10">
             <a:extLst>
               <a:ext uri="{FF2B5EF4-FFF2-40B4-BE49-F238E27FC236}">
-                <a16:creationId xmlns:a16="http://schemas.microsoft.com/office/drawing/2014/main" id="{7BC9DE5A-1479-46EA-BE85-9B2E47A83044}"/>
+                <a16:creationId xmlns:a16="http://schemas.microsoft.com/office/drawing/2014/main" id="{5239F94F-1A1F-444A-945B-1905EA08A277}"/>
               </a:ext>
             </a:extLst>
           </p:cNvPr>
@@ -26809,8 +26649,8 @@
         </p:nvSpPr>
         <p:spPr>
           <a:xfrm>
-            <a:off x="11097296" y="3429000"/>
-            <a:ext cx="901520" cy="1234245"/>
+            <a:off x="11091156" y="3405402"/>
+            <a:ext cx="907660" cy="1343185"/>
           </a:xfrm>
           <a:prstGeom prst="rect">
             <a:avLst/>
@@ -26846,17 +26686,17 @@
           <a:p>
             <a:pPr algn="ctr"/>
             <a:r>
-              <a:rPr lang="fa-IR" sz="1500" dirty="0">
+              <a:rPr lang="fa-IR" sz="1500" b="1" dirty="0">
                 <a:solidFill>
-                  <a:schemeClr val="tx1"/>
+                  <a:schemeClr val="bg1"/>
                 </a:solidFill>
                 <a:cs typeface="B Nazanin" panose="00000400000000000000" pitchFamily="2" charset="-78"/>
               </a:rPr>
               <a:t>تخصیص منابع در شبکه دسترسی رادیویی باز </a:t>
             </a:r>
-            <a:endParaRPr lang="en-US" sz="1500" dirty="0">
+            <a:endParaRPr lang="en-US" sz="1500" b="1" dirty="0">
               <a:solidFill>
-                <a:schemeClr val="tx1"/>
+                <a:schemeClr val="bg1"/>
               </a:solidFill>
               <a:cs typeface="B Nazanin" panose="00000400000000000000" pitchFamily="2" charset="-78"/>
             </a:endParaRPr>
@@ -26865,10 +26705,10 @@
       </p:sp>
       <p:sp>
         <p:nvSpPr>
-          <p:cNvPr id="11" name="Rectangle 10">
+          <p:cNvPr id="12" name="Rectangle 11">
             <a:extLst>
               <a:ext uri="{FF2B5EF4-FFF2-40B4-BE49-F238E27FC236}">
-                <a16:creationId xmlns:a16="http://schemas.microsoft.com/office/drawing/2014/main" id="{1D3C871C-CA31-4012-B1C5-1CCE34DB202A}"/>
+                <a16:creationId xmlns:a16="http://schemas.microsoft.com/office/drawing/2014/main" id="{0DB6ACF8-CAE7-45F2-9666-10320CE54921}"/>
               </a:ext>
             </a:extLst>
           </p:cNvPr>
@@ -26877,71 +26717,8 @@
         </p:nvSpPr>
         <p:spPr>
           <a:xfrm>
-            <a:off x="11110176" y="4722346"/>
-            <a:ext cx="901520" cy="987447"/>
-          </a:xfrm>
-          <a:prstGeom prst="rect">
-            <a:avLst/>
-          </a:prstGeom>
-          <a:solidFill>
-            <a:schemeClr val="accent1"/>
-          </a:solidFill>
-        </p:spPr>
-        <p:style>
-          <a:lnRef idx="2">
-            <a:schemeClr val="accent1">
-              <a:shade val="50000"/>
-            </a:schemeClr>
-          </a:lnRef>
-          <a:fillRef idx="1">
-            <a:schemeClr val="accent1"/>
-          </a:fillRef>
-          <a:effectRef idx="0">
-            <a:schemeClr val="accent1"/>
-          </a:effectRef>
-          <a:fontRef idx="minor">
-            <a:schemeClr val="lt1"/>
-          </a:fontRef>
-        </p:style>
-        <p:txBody>
-          <a:bodyPr rtlCol="0" anchor="ctr"/>
-          <a:lstStyle/>
-          <a:p>
-            <a:pPr algn="ctr" rtl="1"/>
-            <a:r>
-              <a:rPr lang="fa-IR" sz="1500" b="1" dirty="0">
-                <a:solidFill>
-                  <a:schemeClr val="bg1"/>
-                </a:solidFill>
-                <a:cs typeface="B Nazanin" pitchFamily="2" charset="-78"/>
-              </a:rPr>
-              <a:t>تخصیص برش شبکه به صورت دینامیکی</a:t>
-            </a:r>
-            <a:endParaRPr lang="en-US" sz="1500" b="1" dirty="0">
-              <a:solidFill>
-                <a:schemeClr val="bg1"/>
-              </a:solidFill>
-              <a:cs typeface="B Nazanin" pitchFamily="2" charset="-78"/>
-            </a:endParaRPr>
-          </a:p>
-        </p:txBody>
-      </p:sp>
-      <p:sp>
-        <p:nvSpPr>
-          <p:cNvPr id="12" name="Rectangle 11">
-            <a:extLst>
-              <a:ext uri="{FF2B5EF4-FFF2-40B4-BE49-F238E27FC236}">
-                <a16:creationId xmlns:a16="http://schemas.microsoft.com/office/drawing/2014/main" id="{946280CD-AB29-42BE-966D-61EB85B59121}"/>
-              </a:ext>
-            </a:extLst>
-          </p:cNvPr>
-          <p:cNvSpPr/>
-          <p:nvPr/>
-        </p:nvSpPr>
-        <p:spPr>
-          <a:xfrm>
-            <a:off x="11084417" y="5841941"/>
-            <a:ext cx="914400" cy="1005335"/>
+            <a:off x="11097296" y="4795393"/>
+            <a:ext cx="914400" cy="914400"/>
           </a:xfrm>
           <a:prstGeom prst="rect">
             <a:avLst/>
@@ -26993,6 +26770,92 @@
           <a:bodyPr rtlCol="0" anchor="ctr"/>
           <a:lstStyle/>
           <a:p>
+            <a:pPr algn="ctr" rtl="1"/>
+            <a:r>
+              <a:rPr lang="fa-IR" sz="1500" dirty="0">
+                <a:solidFill>
+                  <a:schemeClr val="tx1"/>
+                </a:solidFill>
+                <a:cs typeface="B Nazanin" pitchFamily="2" charset="-78"/>
+              </a:rPr>
+              <a:t>تخصیص برش شبکه به صورت دینامیکی</a:t>
+            </a:r>
+            <a:endParaRPr lang="en-US" sz="1500" dirty="0">
+              <a:solidFill>
+                <a:schemeClr val="tx1"/>
+              </a:solidFill>
+              <a:cs typeface="B Nazanin" pitchFamily="2" charset="-78"/>
+            </a:endParaRPr>
+          </a:p>
+        </p:txBody>
+      </p:sp>
+      <p:sp>
+        <p:nvSpPr>
+          <p:cNvPr id="13" name="Rectangle 12">
+            <a:extLst>
+              <a:ext uri="{FF2B5EF4-FFF2-40B4-BE49-F238E27FC236}">
+                <a16:creationId xmlns:a16="http://schemas.microsoft.com/office/drawing/2014/main" id="{D1E40B5C-0D99-463B-96EE-9AD9BC27EF9E}"/>
+              </a:ext>
+            </a:extLst>
+          </p:cNvPr>
+          <p:cNvSpPr/>
+          <p:nvPr/>
+        </p:nvSpPr>
+        <p:spPr>
+          <a:xfrm>
+            <a:off x="11084417" y="5841941"/>
+            <a:ext cx="914400" cy="1005335"/>
+          </a:xfrm>
+          <a:prstGeom prst="rect">
+            <a:avLst/>
+          </a:prstGeom>
+          <a:gradFill flip="none" rotWithShape="1">
+            <a:gsLst>
+              <a:gs pos="0">
+                <a:schemeClr val="accent1">
+                  <a:tint val="66000"/>
+                  <a:satMod val="160000"/>
+                </a:schemeClr>
+              </a:gs>
+              <a:gs pos="50000">
+                <a:schemeClr val="accent1">
+                  <a:tint val="44500"/>
+                  <a:satMod val="160000"/>
+                </a:schemeClr>
+              </a:gs>
+              <a:gs pos="100000">
+                <a:schemeClr val="accent1">
+                  <a:tint val="23500"/>
+                  <a:satMod val="160000"/>
+                </a:schemeClr>
+              </a:gs>
+            </a:gsLst>
+            <a:path path="circle">
+              <a:fillToRect l="50000" t="50000" r="50000" b="50000"/>
+            </a:path>
+            <a:tileRect/>
+          </a:gradFill>
+        </p:spPr>
+        <p:style>
+          <a:lnRef idx="2">
+            <a:schemeClr val="accent1">
+              <a:shade val="50000"/>
+            </a:schemeClr>
+          </a:lnRef>
+          <a:fillRef idx="1">
+            <a:schemeClr val="accent1"/>
+          </a:fillRef>
+          <a:effectRef idx="0">
+            <a:schemeClr val="accent1"/>
+          </a:effectRef>
+          <a:fontRef idx="minor">
+            <a:schemeClr val="lt1"/>
+          </a:fontRef>
+        </p:style>
+        <p:txBody>
+          <a:bodyPr rtlCol="0" anchor="ctr"/>
+          <a:lstStyle/>
+          <a:p>
             <a:pPr algn="ctr"/>
             <a:r>
               <a:rPr lang="fa-IR" sz="1500" dirty="0">
@@ -27014,10 +26877,10 @@
       </p:sp>
       <p:sp>
         <p:nvSpPr>
-          <p:cNvPr id="4" name="Slide Number Placeholder 3">
+          <p:cNvPr id="3" name="Slide Number Placeholder 2">
             <a:extLst>
               <a:ext uri="{FF2B5EF4-FFF2-40B4-BE49-F238E27FC236}">
-                <a16:creationId xmlns:a16="http://schemas.microsoft.com/office/drawing/2014/main" id="{04255FEA-69B3-4F73-B3BC-F347D852784E}"/>
+                <a16:creationId xmlns:a16="http://schemas.microsoft.com/office/drawing/2014/main" id="{40184894-9BB7-4790-9393-F0D931BEDAA1}"/>
               </a:ext>
             </a:extLst>
           </p:cNvPr>
@@ -27040,11 +26903,787 @@
             </a:fld>
             <a:r>
               <a:rPr lang="en-US"/>
-              <a:t>/3</a:t>
-            </a:r>
-            <a:r>
-              <a:rPr lang="fa-IR"/>
-              <a:t>9</a:t>
+              <a:t>/41</a:t>
+            </a:r>
+            <a:endParaRPr lang="en-US" dirty="0"/>
+          </a:p>
+        </p:txBody>
+      </p:sp>
+    </p:spTree>
+    <p:extLst>
+      <p:ext uri="{BB962C8B-B14F-4D97-AF65-F5344CB8AC3E}">
+        <p14:creationId xmlns:p14="http://schemas.microsoft.com/office/powerpoint/2010/main" val="2904826782"/>
+      </p:ext>
+    </p:extLst>
+  </p:cSld>
+  <p:clrMapOvr>
+    <a:masterClrMapping/>
+  </p:clrMapOvr>
+</p:sld>
+</file>
+
+<file path=ppt/slides/slide32.xml><?xml version="1.0" encoding="utf-8"?>
+<p:sld xmlns:a="http://schemas.openxmlformats.org/drawingml/2006/main" xmlns:r="http://schemas.openxmlformats.org/officeDocument/2006/relationships" xmlns:p="http://schemas.openxmlformats.org/presentationml/2006/main">
+  <p:cSld>
+    <p:spTree>
+      <p:nvGrpSpPr>
+        <p:cNvPr id="1" name=""/>
+        <p:cNvGrpSpPr/>
+        <p:nvPr/>
+      </p:nvGrpSpPr>
+      <p:grpSpPr>
+        <a:xfrm>
+          <a:off x="0" y="0"/>
+          <a:ext cx="0" cy="0"/>
+          <a:chOff x="0" y="0"/>
+          <a:chExt cx="0" cy="0"/>
+        </a:xfrm>
+      </p:grpSpPr>
+      <p:sp>
+        <p:nvSpPr>
+          <p:cNvPr id="2" name="Title 1">
+            <a:extLst>
+              <a:ext uri="{FF2B5EF4-FFF2-40B4-BE49-F238E27FC236}">
+                <a16:creationId xmlns:a16="http://schemas.microsoft.com/office/drawing/2014/main" id="{05569867-6B96-41A9-B2F3-7E04750333DD}"/>
+              </a:ext>
+            </a:extLst>
+          </p:cNvPr>
+          <p:cNvSpPr>
+            <a:spLocks noGrp="1"/>
+          </p:cNvSpPr>
+          <p:nvPr>
+            <p:ph type="title"/>
+          </p:nvPr>
+        </p:nvSpPr>
+        <p:spPr/>
+        <p:txBody>
+          <a:bodyPr>
+            <a:normAutofit fontScale="90000"/>
+          </a:bodyPr>
+          <a:lstStyle/>
+          <a:p>
+            <a:r>
+              <a:rPr lang="fa-IR" sz="4000" b="1" i="0" dirty="0">
+                <a:solidFill>
+                  <a:srgbClr val="000000"/>
+                </a:solidFill>
+                <a:effectLst/>
+                <a:latin typeface="IRlotus-Bold"/>
+              </a:rPr>
+              <a:t>مدل سیستم و صورت مسئله ی بخش رادیویی</a:t>
+            </a:r>
+            <a:r>
+              <a:rPr lang="fa-IR" sz="6700" dirty="0"/>
+              <a:t> </a:t>
+            </a:r>
+            <a:br>
+              <a:rPr lang="fa-IR" dirty="0"/>
+            </a:br>
+            <a:endParaRPr lang="en-US" dirty="0"/>
+          </a:p>
+        </p:txBody>
+      </p:sp>
+      <p:sp>
+        <p:nvSpPr>
+          <p:cNvPr id="3" name="Content Placeholder 2">
+            <a:extLst>
+              <a:ext uri="{FF2B5EF4-FFF2-40B4-BE49-F238E27FC236}">
+                <a16:creationId xmlns:a16="http://schemas.microsoft.com/office/drawing/2014/main" id="{BE9AE378-4899-4E24-9C4B-51347ADA3C1F}"/>
+              </a:ext>
+            </a:extLst>
+          </p:cNvPr>
+          <p:cNvSpPr>
+            <a:spLocks noGrp="1"/>
+          </p:cNvSpPr>
+          <p:nvPr>
+            <p:ph idx="1"/>
+          </p:nvPr>
+        </p:nvSpPr>
+        <p:spPr/>
+        <p:txBody>
+          <a:bodyPr/>
+          <a:lstStyle/>
+          <a:p>
+            <a:r>
+              <a:rPr lang="fa-IR" sz="2000" dirty="0">
+                <a:solidFill>
+                  <a:srgbClr val="000000"/>
+                </a:solidFill>
+                <a:cs typeface="Times New Roman" panose="02020603050405020304" pitchFamily="18" charset="0"/>
+              </a:rPr>
+              <a:t> </a:t>
+            </a:r>
+            <a:r>
+              <a:rPr lang="fa-IR" dirty="0">
+                <a:solidFill>
+                  <a:srgbClr val="000000"/>
+                </a:solidFill>
+              </a:rPr>
+              <a:t>سیستم شامل : </a:t>
+            </a:r>
+            <a:r>
+              <a:rPr lang="en-US" sz="2000" b="0" dirty="0">
+                <a:solidFill>
+                  <a:srgbClr val="000000"/>
+                </a:solidFill>
+                <a:effectLst/>
+                <a:cs typeface="Times New Roman" panose="02020603050405020304" pitchFamily="18" charset="0"/>
+              </a:rPr>
+              <a:t>S</a:t>
+            </a:r>
+            <a:r>
+              <a:rPr lang="fa-IR" b="0" i="1" dirty="0">
+                <a:solidFill>
+                  <a:srgbClr val="000000"/>
+                </a:solidFill>
+                <a:effectLst/>
+                <a:latin typeface="CMMI12"/>
+              </a:rPr>
+              <a:t> </a:t>
+            </a:r>
+            <a:r>
+              <a:rPr lang="fa-IR" b="0" i="0" dirty="0">
+                <a:solidFill>
+                  <a:srgbClr val="000000"/>
+                </a:solidFill>
+                <a:effectLst/>
+                <a:latin typeface="IRLotus"/>
+              </a:rPr>
+              <a:t>برش شبکه</a:t>
+            </a:r>
+            <a:r>
+              <a:rPr lang="en-US" b="0" i="0" dirty="0">
+                <a:solidFill>
+                  <a:srgbClr val="000000"/>
+                </a:solidFill>
+                <a:effectLst/>
+                <a:latin typeface="IRLotus"/>
+              </a:rPr>
+              <a:t>- </a:t>
+            </a:r>
+            <a:r>
+              <a:rPr lang="fa-IR" b="0" i="0" dirty="0">
+                <a:solidFill>
+                  <a:srgbClr val="000000"/>
+                </a:solidFill>
+                <a:effectLst/>
+                <a:latin typeface="IRLotus"/>
+              </a:rPr>
+              <a:t> </a:t>
+            </a:r>
+            <a:r>
+              <a:rPr lang="en-US" sz="2000" b="0" dirty="0">
+                <a:solidFill>
+                  <a:srgbClr val="000000"/>
+                </a:solidFill>
+                <a:effectLst/>
+                <a:cs typeface="Times New Roman" panose="02020603050405020304" pitchFamily="18" charset="0"/>
+              </a:rPr>
+              <a:t>V</a:t>
+            </a:r>
+            <a:r>
+              <a:rPr lang="fa-IR" b="0" i="1" dirty="0">
+                <a:solidFill>
+                  <a:srgbClr val="000000"/>
+                </a:solidFill>
+                <a:effectLst/>
+                <a:latin typeface="CMMI12"/>
+              </a:rPr>
+              <a:t> </a:t>
+            </a:r>
+            <a:r>
+              <a:rPr lang="fa-IR" b="0" i="0" dirty="0">
+                <a:solidFill>
+                  <a:srgbClr val="000000"/>
+                </a:solidFill>
+                <a:effectLst/>
+                <a:latin typeface="IRLotus"/>
+              </a:rPr>
+              <a:t>سرویس مختلف</a:t>
+            </a:r>
+            <a:endParaRPr lang="en-US" b="0" i="0" dirty="0">
+              <a:solidFill>
+                <a:srgbClr val="000000"/>
+              </a:solidFill>
+              <a:effectLst/>
+              <a:latin typeface="IRLotus"/>
+            </a:endParaRPr>
+          </a:p>
+          <a:p>
+            <a:r>
+              <a:rPr lang="fa-IR" dirty="0">
+                <a:solidFill>
+                  <a:srgbClr val="000000"/>
+                </a:solidFill>
+                <a:latin typeface="IRLotus"/>
+              </a:rPr>
+              <a:t>هدف حل مسئله در هر اسلات زمانی </a:t>
+            </a:r>
+            <a:r>
+              <a:rPr lang="en-US" sz="2000" dirty="0">
+                <a:solidFill>
+                  <a:srgbClr val="000000"/>
+                </a:solidFill>
+                <a:cs typeface="Times New Roman" panose="02020603050405020304" pitchFamily="18" charset="0"/>
+              </a:rPr>
+              <a:t>t</a:t>
+            </a:r>
+            <a:r>
+              <a:rPr lang="fa-IR" dirty="0">
+                <a:solidFill>
+                  <a:srgbClr val="000000"/>
+                </a:solidFill>
+                <a:latin typeface="IRLotus"/>
+              </a:rPr>
+              <a:t> می باشد </a:t>
+            </a:r>
+          </a:p>
+          <a:p>
+            <a:r>
+              <a:rPr lang="fa-IR" dirty="0">
+                <a:solidFill>
+                  <a:srgbClr val="000000"/>
+                </a:solidFill>
+                <a:latin typeface="IRLotus"/>
+              </a:rPr>
+              <a:t>هدف در اینجا بیشینه سازی تعداد سرویسهای پذیرفته شده توسط برشهای شبکه می باشد به صورتی که شرط تاخیر و نرخ سرویس را ضمانت کنند </a:t>
+            </a:r>
+            <a:br>
+              <a:rPr lang="fa-IR" dirty="0"/>
+            </a:br>
+            <a:br>
+              <a:rPr lang="fa-IR" dirty="0"/>
+            </a:br>
+            <a:br>
+              <a:rPr lang="fa-IR" dirty="0"/>
+            </a:br>
+            <a:endParaRPr lang="en-US" dirty="0"/>
+          </a:p>
+        </p:txBody>
+      </p:sp>
+      <p:pic>
+        <p:nvPicPr>
+          <p:cNvPr id="5" name="Picture 4">
+            <a:extLst>
+              <a:ext uri="{FF2B5EF4-FFF2-40B4-BE49-F238E27FC236}">
+                <a16:creationId xmlns:a16="http://schemas.microsoft.com/office/drawing/2014/main" id="{E11A08DD-565C-4D99-9047-519C0FEBD510}"/>
+              </a:ext>
+            </a:extLst>
+          </p:cNvPr>
+          <p:cNvPicPr>
+            <a:picLocks noChangeAspect="1"/>
+          </p:cNvPicPr>
+          <p:nvPr/>
+        </p:nvPicPr>
+        <p:blipFill>
+          <a:blip r:embed="rId2"/>
+          <a:stretch>
+            <a:fillRect/>
+          </a:stretch>
+        </p:blipFill>
+        <p:spPr>
+          <a:xfrm>
+            <a:off x="2427967" y="4305754"/>
+            <a:ext cx="2952750" cy="1352550"/>
+          </a:xfrm>
+          <a:prstGeom prst="rect">
+            <a:avLst/>
+          </a:prstGeom>
+        </p:spPr>
+      </p:pic>
+      <p:pic>
+        <p:nvPicPr>
+          <p:cNvPr id="6" name="Picture 5">
+            <a:extLst>
+              <a:ext uri="{FF2B5EF4-FFF2-40B4-BE49-F238E27FC236}">
+                <a16:creationId xmlns:a16="http://schemas.microsoft.com/office/drawing/2014/main" id="{AB1E10AB-FFC8-4A5F-9165-2673A0C21A8B}"/>
+              </a:ext>
+            </a:extLst>
+          </p:cNvPr>
+          <p:cNvPicPr>
+            <a:picLocks noChangeAspect="1"/>
+          </p:cNvPicPr>
+          <p:nvPr/>
+        </p:nvPicPr>
+        <p:blipFill>
+          <a:blip r:embed="rId3"/>
+          <a:stretch>
+            <a:fillRect/>
+          </a:stretch>
+        </p:blipFill>
+        <p:spPr>
+          <a:xfrm>
+            <a:off x="7030358" y="4353379"/>
+            <a:ext cx="2733675" cy="1304925"/>
+          </a:xfrm>
+          <a:prstGeom prst="rect">
+            <a:avLst/>
+          </a:prstGeom>
+        </p:spPr>
+      </p:pic>
+      <p:sp>
+        <p:nvSpPr>
+          <p:cNvPr id="7" name="Rounded Rectangle 15">
+            <a:extLst>
+              <a:ext uri="{FF2B5EF4-FFF2-40B4-BE49-F238E27FC236}">
+                <a16:creationId xmlns:a16="http://schemas.microsoft.com/office/drawing/2014/main" id="{E87D833B-E016-4839-A08E-C7575EF6B90B}"/>
+              </a:ext>
+            </a:extLst>
+          </p:cNvPr>
+          <p:cNvSpPr/>
+          <p:nvPr/>
+        </p:nvSpPr>
+        <p:spPr>
+          <a:xfrm>
+            <a:off x="10891234" y="1271911"/>
+            <a:ext cx="1300766" cy="5586089"/>
+          </a:xfrm>
+          <a:prstGeom prst="roundRect">
+            <a:avLst/>
+          </a:prstGeom>
+          <a:gradFill flip="none" rotWithShape="1">
+            <a:gsLst>
+              <a:gs pos="0">
+                <a:schemeClr val="accent1">
+                  <a:tint val="66000"/>
+                  <a:satMod val="160000"/>
+                </a:schemeClr>
+              </a:gs>
+              <a:gs pos="50000">
+                <a:schemeClr val="accent1">
+                  <a:tint val="44500"/>
+                  <a:satMod val="160000"/>
+                </a:schemeClr>
+              </a:gs>
+              <a:gs pos="100000">
+                <a:schemeClr val="accent1">
+                  <a:tint val="23500"/>
+                  <a:satMod val="160000"/>
+                </a:schemeClr>
+              </a:gs>
+            </a:gsLst>
+            <a:path path="circle">
+              <a:fillToRect l="100000" t="100000"/>
+            </a:path>
+            <a:tileRect r="-100000" b="-100000"/>
+          </a:gradFill>
+          <a:ln>
+            <a:prstDash val="solid"/>
+          </a:ln>
+        </p:spPr>
+        <p:style>
+          <a:lnRef idx="2">
+            <a:schemeClr val="accent1">
+              <a:shade val="50000"/>
+            </a:schemeClr>
+          </a:lnRef>
+          <a:fillRef idx="1">
+            <a:schemeClr val="accent1"/>
+          </a:fillRef>
+          <a:effectRef idx="0">
+            <a:schemeClr val="accent1"/>
+          </a:effectRef>
+          <a:fontRef idx="minor">
+            <a:schemeClr val="lt1"/>
+          </a:fontRef>
+        </p:style>
+        <p:txBody>
+          <a:bodyPr rtlCol="0" anchor="ctr"/>
+          <a:lstStyle/>
+          <a:p>
+            <a:pPr algn="ctr"/>
+            <a:endParaRPr lang="en-US" sz="1500">
+              <a:cs typeface="B Nazanin" panose="00000400000000000000" pitchFamily="2" charset="-78"/>
+            </a:endParaRPr>
+          </a:p>
+        </p:txBody>
+      </p:sp>
+      <p:sp>
+        <p:nvSpPr>
+          <p:cNvPr id="8" name="Rectangle 7">
+            <a:extLst>
+              <a:ext uri="{FF2B5EF4-FFF2-40B4-BE49-F238E27FC236}">
+                <a16:creationId xmlns:a16="http://schemas.microsoft.com/office/drawing/2014/main" id="{A59D47C2-595C-4060-AB29-CCE96F5BD391}"/>
+              </a:ext>
+            </a:extLst>
+          </p:cNvPr>
+          <p:cNvSpPr/>
+          <p:nvPr/>
+        </p:nvSpPr>
+        <p:spPr>
+          <a:xfrm>
+            <a:off x="11084417" y="1476163"/>
+            <a:ext cx="927279" cy="872108"/>
+          </a:xfrm>
+          <a:prstGeom prst="rect">
+            <a:avLst/>
+          </a:prstGeom>
+          <a:solidFill>
+            <a:schemeClr val="tx2">
+              <a:lumMod val="60000"/>
+              <a:lumOff val="40000"/>
+            </a:schemeClr>
+          </a:solidFill>
+        </p:spPr>
+        <p:style>
+          <a:lnRef idx="2">
+            <a:schemeClr val="accent1">
+              <a:shade val="50000"/>
+            </a:schemeClr>
+          </a:lnRef>
+          <a:fillRef idx="1">
+            <a:schemeClr val="accent1"/>
+          </a:fillRef>
+          <a:effectRef idx="0">
+            <a:schemeClr val="accent1"/>
+          </a:effectRef>
+          <a:fontRef idx="minor">
+            <a:schemeClr val="lt1"/>
+          </a:fontRef>
+        </p:style>
+        <p:txBody>
+          <a:bodyPr rtlCol="0" anchor="ctr"/>
+          <a:lstStyle/>
+          <a:p>
+            <a:pPr algn="ctr"/>
+            <a:r>
+              <a:rPr lang="fa-IR" dirty="0">
+                <a:solidFill>
+                  <a:schemeClr val="tx1"/>
+                </a:solidFill>
+                <a:cs typeface="B Nazanin" panose="00000400000000000000" pitchFamily="2" charset="-78"/>
+              </a:rPr>
+              <a:t>مقدمه</a:t>
+            </a:r>
+            <a:endParaRPr lang="en-US" dirty="0">
+              <a:solidFill>
+                <a:schemeClr val="tx1"/>
+              </a:solidFill>
+              <a:cs typeface="B Nazanin" panose="00000400000000000000" pitchFamily="2" charset="-78"/>
+            </a:endParaRPr>
+          </a:p>
+        </p:txBody>
+      </p:sp>
+      <p:sp>
+        <p:nvSpPr>
+          <p:cNvPr id="9" name="Rectangle 8">
+            <a:extLst>
+              <a:ext uri="{FF2B5EF4-FFF2-40B4-BE49-F238E27FC236}">
+                <a16:creationId xmlns:a16="http://schemas.microsoft.com/office/drawing/2014/main" id="{AE7A59FA-DFCA-4405-9469-FDE5995B176F}"/>
+              </a:ext>
+            </a:extLst>
+          </p:cNvPr>
+          <p:cNvSpPr/>
+          <p:nvPr/>
+        </p:nvSpPr>
+        <p:spPr>
+          <a:xfrm>
+            <a:off x="11084417" y="2455499"/>
+            <a:ext cx="914400" cy="914400"/>
+          </a:xfrm>
+          <a:prstGeom prst="rect">
+            <a:avLst/>
+          </a:prstGeom>
+          <a:solidFill>
+            <a:schemeClr val="tx2">
+              <a:lumMod val="60000"/>
+              <a:lumOff val="40000"/>
+            </a:schemeClr>
+          </a:solidFill>
+          <a:ln>
+            <a:solidFill>
+              <a:schemeClr val="tx2">
+                <a:lumMod val="60000"/>
+                <a:lumOff val="40000"/>
+              </a:schemeClr>
+            </a:solidFill>
+          </a:ln>
+        </p:spPr>
+        <p:style>
+          <a:lnRef idx="2">
+            <a:schemeClr val="accent1">
+              <a:shade val="50000"/>
+            </a:schemeClr>
+          </a:lnRef>
+          <a:fillRef idx="1">
+            <a:schemeClr val="accent1"/>
+          </a:fillRef>
+          <a:effectRef idx="0">
+            <a:schemeClr val="accent1"/>
+          </a:effectRef>
+          <a:fontRef idx="minor">
+            <a:schemeClr val="lt1"/>
+          </a:fontRef>
+        </p:style>
+        <p:txBody>
+          <a:bodyPr rtlCol="0" anchor="ctr"/>
+          <a:lstStyle/>
+          <a:p>
+            <a:pPr algn="ctr"/>
+            <a:r>
+              <a:rPr lang="fa-IR" sz="1500" dirty="0">
+                <a:solidFill>
+                  <a:schemeClr val="tx1"/>
+                </a:solidFill>
+                <a:cs typeface="B Nazanin" panose="00000400000000000000" pitchFamily="2" charset="-78"/>
+              </a:rPr>
+              <a:t>پیشینه ی تحقیق</a:t>
+            </a:r>
+            <a:endParaRPr lang="en-US" sz="1500" dirty="0">
+              <a:solidFill>
+                <a:schemeClr val="tx1"/>
+              </a:solidFill>
+              <a:cs typeface="B Nazanin" panose="00000400000000000000" pitchFamily="2" charset="-78"/>
+            </a:endParaRPr>
+          </a:p>
+        </p:txBody>
+      </p:sp>
+      <p:sp>
+        <p:nvSpPr>
+          <p:cNvPr id="10" name="Rectangle 9">
+            <a:extLst>
+              <a:ext uri="{FF2B5EF4-FFF2-40B4-BE49-F238E27FC236}">
+                <a16:creationId xmlns:a16="http://schemas.microsoft.com/office/drawing/2014/main" id="{7BC9DE5A-1479-46EA-BE85-9B2E47A83044}"/>
+              </a:ext>
+            </a:extLst>
+          </p:cNvPr>
+          <p:cNvSpPr/>
+          <p:nvPr/>
+        </p:nvSpPr>
+        <p:spPr>
+          <a:xfrm>
+            <a:off x="11097296" y="3429000"/>
+            <a:ext cx="901520" cy="1234245"/>
+          </a:xfrm>
+          <a:prstGeom prst="rect">
+            <a:avLst/>
+          </a:prstGeom>
+          <a:solidFill>
+            <a:schemeClr val="accent1"/>
+          </a:solidFill>
+          <a:ln>
+            <a:solidFill>
+              <a:schemeClr val="accent1"/>
+            </a:solidFill>
+          </a:ln>
+        </p:spPr>
+        <p:style>
+          <a:lnRef idx="2">
+            <a:schemeClr val="accent1">
+              <a:shade val="50000"/>
+            </a:schemeClr>
+          </a:lnRef>
+          <a:fillRef idx="1">
+            <a:schemeClr val="accent1"/>
+          </a:fillRef>
+          <a:effectRef idx="0">
+            <a:schemeClr val="accent1"/>
+          </a:effectRef>
+          <a:fontRef idx="minor">
+            <a:schemeClr val="lt1"/>
+          </a:fontRef>
+        </p:style>
+        <p:txBody>
+          <a:bodyPr rtlCol="0" anchor="ctr"/>
+          <a:lstStyle/>
+          <a:p>
+            <a:pPr algn="ctr"/>
+            <a:r>
+              <a:rPr lang="fa-IR" sz="1500" dirty="0">
+                <a:solidFill>
+                  <a:schemeClr val="tx1"/>
+                </a:solidFill>
+                <a:cs typeface="B Nazanin" panose="00000400000000000000" pitchFamily="2" charset="-78"/>
+              </a:rPr>
+              <a:t>تخصیص منابع در شبکه دسترسی رادیویی باز </a:t>
+            </a:r>
+            <a:endParaRPr lang="en-US" sz="1500" dirty="0">
+              <a:solidFill>
+                <a:schemeClr val="tx1"/>
+              </a:solidFill>
+              <a:cs typeface="B Nazanin" panose="00000400000000000000" pitchFamily="2" charset="-78"/>
+            </a:endParaRPr>
+          </a:p>
+        </p:txBody>
+      </p:sp>
+      <p:sp>
+        <p:nvSpPr>
+          <p:cNvPr id="11" name="Rectangle 10">
+            <a:extLst>
+              <a:ext uri="{FF2B5EF4-FFF2-40B4-BE49-F238E27FC236}">
+                <a16:creationId xmlns:a16="http://schemas.microsoft.com/office/drawing/2014/main" id="{1D3C871C-CA31-4012-B1C5-1CCE34DB202A}"/>
+              </a:ext>
+            </a:extLst>
+          </p:cNvPr>
+          <p:cNvSpPr/>
+          <p:nvPr/>
+        </p:nvSpPr>
+        <p:spPr>
+          <a:xfrm>
+            <a:off x="11110176" y="4722346"/>
+            <a:ext cx="901520" cy="987447"/>
+          </a:xfrm>
+          <a:prstGeom prst="rect">
+            <a:avLst/>
+          </a:prstGeom>
+          <a:solidFill>
+            <a:schemeClr val="accent1"/>
+          </a:solidFill>
+        </p:spPr>
+        <p:style>
+          <a:lnRef idx="2">
+            <a:schemeClr val="accent1">
+              <a:shade val="50000"/>
+            </a:schemeClr>
+          </a:lnRef>
+          <a:fillRef idx="1">
+            <a:schemeClr val="accent1"/>
+          </a:fillRef>
+          <a:effectRef idx="0">
+            <a:schemeClr val="accent1"/>
+          </a:effectRef>
+          <a:fontRef idx="minor">
+            <a:schemeClr val="lt1"/>
+          </a:fontRef>
+        </p:style>
+        <p:txBody>
+          <a:bodyPr rtlCol="0" anchor="ctr"/>
+          <a:lstStyle/>
+          <a:p>
+            <a:pPr algn="ctr" rtl="1"/>
+            <a:r>
+              <a:rPr lang="fa-IR" sz="1500" b="1" dirty="0">
+                <a:solidFill>
+                  <a:schemeClr val="bg1"/>
+                </a:solidFill>
+                <a:cs typeface="B Nazanin" pitchFamily="2" charset="-78"/>
+              </a:rPr>
+              <a:t>تخصیص برش شبکه به صورت دینامیکی</a:t>
+            </a:r>
+            <a:endParaRPr lang="en-US" sz="1500" b="1" dirty="0">
+              <a:solidFill>
+                <a:schemeClr val="bg1"/>
+              </a:solidFill>
+              <a:cs typeface="B Nazanin" pitchFamily="2" charset="-78"/>
+            </a:endParaRPr>
+          </a:p>
+        </p:txBody>
+      </p:sp>
+      <p:sp>
+        <p:nvSpPr>
+          <p:cNvPr id="12" name="Rectangle 11">
+            <a:extLst>
+              <a:ext uri="{FF2B5EF4-FFF2-40B4-BE49-F238E27FC236}">
+                <a16:creationId xmlns:a16="http://schemas.microsoft.com/office/drawing/2014/main" id="{946280CD-AB29-42BE-966D-61EB85B59121}"/>
+              </a:ext>
+            </a:extLst>
+          </p:cNvPr>
+          <p:cNvSpPr/>
+          <p:nvPr/>
+        </p:nvSpPr>
+        <p:spPr>
+          <a:xfrm>
+            <a:off x="11084417" y="5841941"/>
+            <a:ext cx="914400" cy="1005335"/>
+          </a:xfrm>
+          <a:prstGeom prst="rect">
+            <a:avLst/>
+          </a:prstGeom>
+          <a:gradFill flip="none" rotWithShape="1">
+            <a:gsLst>
+              <a:gs pos="0">
+                <a:schemeClr val="accent1">
+                  <a:tint val="66000"/>
+                  <a:satMod val="160000"/>
+                </a:schemeClr>
+              </a:gs>
+              <a:gs pos="50000">
+                <a:schemeClr val="accent1">
+                  <a:tint val="44500"/>
+                  <a:satMod val="160000"/>
+                </a:schemeClr>
+              </a:gs>
+              <a:gs pos="100000">
+                <a:schemeClr val="accent1">
+                  <a:tint val="23500"/>
+                  <a:satMod val="160000"/>
+                </a:schemeClr>
+              </a:gs>
+            </a:gsLst>
+            <a:path path="circle">
+              <a:fillToRect l="50000" t="50000" r="50000" b="50000"/>
+            </a:path>
+            <a:tileRect/>
+          </a:gradFill>
+        </p:spPr>
+        <p:style>
+          <a:lnRef idx="2">
+            <a:schemeClr val="accent1">
+              <a:shade val="50000"/>
+            </a:schemeClr>
+          </a:lnRef>
+          <a:fillRef idx="1">
+            <a:schemeClr val="accent1"/>
+          </a:fillRef>
+          <a:effectRef idx="0">
+            <a:schemeClr val="accent1"/>
+          </a:effectRef>
+          <a:fontRef idx="minor">
+            <a:schemeClr val="lt1"/>
+          </a:fontRef>
+        </p:style>
+        <p:txBody>
+          <a:bodyPr rtlCol="0" anchor="ctr"/>
+          <a:lstStyle/>
+          <a:p>
+            <a:pPr algn="ctr"/>
+            <a:r>
+              <a:rPr lang="fa-IR" sz="1500" dirty="0">
+                <a:solidFill>
+                  <a:schemeClr val="tx1"/>
+                </a:solidFill>
+                <a:cs typeface="B Nazanin" panose="00000400000000000000" pitchFamily="2" charset="-78"/>
+              </a:rPr>
+              <a:t>نتیجه گیری و پیشنهادات</a:t>
+            </a:r>
+            <a:endParaRPr lang="en-US" sz="1500" dirty="0">
+              <a:solidFill>
+                <a:schemeClr val="tx1"/>
+              </a:solidFill>
+              <a:cs typeface="B Nazanin" panose="00000400000000000000" pitchFamily="2" charset="-78"/>
+            </a:endParaRPr>
+          </a:p>
+        </p:txBody>
+      </p:sp>
+      <p:sp>
+        <p:nvSpPr>
+          <p:cNvPr id="13" name="Slide Number Placeholder 12">
+            <a:extLst>
+              <a:ext uri="{FF2B5EF4-FFF2-40B4-BE49-F238E27FC236}">
+                <a16:creationId xmlns:a16="http://schemas.microsoft.com/office/drawing/2014/main" id="{84445089-1483-4A86-8752-3CDF12DAC006}"/>
+              </a:ext>
+            </a:extLst>
+          </p:cNvPr>
+          <p:cNvSpPr>
+            <a:spLocks noGrp="1"/>
+          </p:cNvSpPr>
+          <p:nvPr>
+            <p:ph type="sldNum" sz="quarter" idx="12"/>
+          </p:nvPr>
+        </p:nvSpPr>
+        <p:spPr/>
+        <p:txBody>
+          <a:bodyPr/>
+          <a:lstStyle/>
+          <a:p>
+            <a:fld id="{D57F1E4F-1CFF-5643-939E-217C01CDF565}" type="slidenum">
+              <a:rPr lang="en-US" smtClean="0"/>
+              <a:pPr/>
+              <a:t>32</a:t>
+            </a:fld>
+            <a:r>
+              <a:rPr lang="en-US"/>
+              <a:t>/41</a:t>
             </a:r>
             <a:endParaRPr lang="en-US" dirty="0"/>
           </a:p>
@@ -27063,7 +27702,7 @@
 </p:sld>
 </file>
 
-<file path=ppt/slides/slide32.xml><?xml version="1.0" encoding="utf-8"?>
+<file path=ppt/slides/slide33.xml><?xml version="1.0" encoding="utf-8"?>
 <p:sld xmlns:a="http://schemas.openxmlformats.org/drawingml/2006/main" xmlns:r="http://schemas.openxmlformats.org/officeDocument/2006/relationships" xmlns:p="http://schemas.openxmlformats.org/presentationml/2006/main">
   <p:cSld>
     <p:spTree>
@@ -28228,10 +28867,10 @@
       </p:pic>
       <p:sp>
         <p:nvSpPr>
-          <p:cNvPr id="4" name="Slide Number Placeholder 3">
+          <p:cNvPr id="11" name="Slide Number Placeholder 10">
             <a:extLst>
               <a:ext uri="{FF2B5EF4-FFF2-40B4-BE49-F238E27FC236}">
-                <a16:creationId xmlns:a16="http://schemas.microsoft.com/office/drawing/2014/main" id="{EBBFCE75-9A23-453E-96F0-9F9E93EDAAE9}"/>
+                <a16:creationId xmlns:a16="http://schemas.microsoft.com/office/drawing/2014/main" id="{D561330F-756F-4E91-95D7-0440F5C4E65C}"/>
               </a:ext>
             </a:extLst>
           </p:cNvPr>
@@ -28250,15 +28889,11 @@
             <a:fld id="{D57F1E4F-1CFF-5643-939E-217C01CDF565}" type="slidenum">
               <a:rPr lang="en-US" smtClean="0"/>
               <a:pPr/>
-              <a:t>32</a:t>
+              <a:t>33</a:t>
             </a:fld>
             <a:r>
               <a:rPr lang="en-US"/>
-              <a:t>/3</a:t>
-            </a:r>
-            <a:r>
-              <a:rPr lang="fa-IR"/>
-              <a:t>9</a:t>
+              <a:t>/41</a:t>
             </a:r>
             <a:endParaRPr lang="en-US" dirty="0"/>
           </a:p>
@@ -28277,7 +28912,7 @@
 </p:sld>
 </file>
 
-<file path=ppt/slides/slide33.xml><?xml version="1.0" encoding="utf-8"?>
+<file path=ppt/slides/slide34.xml><?xml version="1.0" encoding="utf-8"?>
 <p:sld xmlns:a="http://schemas.openxmlformats.org/drawingml/2006/main" xmlns:r="http://schemas.openxmlformats.org/officeDocument/2006/relationships" xmlns:p="http://schemas.openxmlformats.org/presentationml/2006/main">
   <p:cSld>
     <p:spTree>
@@ -29096,10 +29731,10 @@
       </p:pic>
       <p:sp>
         <p:nvSpPr>
-          <p:cNvPr id="4" name="Slide Number Placeholder 3">
+          <p:cNvPr id="14" name="Slide Number Placeholder 13">
             <a:extLst>
               <a:ext uri="{FF2B5EF4-FFF2-40B4-BE49-F238E27FC236}">
-                <a16:creationId xmlns:a16="http://schemas.microsoft.com/office/drawing/2014/main" id="{3B0AF921-7C2B-4D5F-ABE4-67A51A51E576}"/>
+                <a16:creationId xmlns:a16="http://schemas.microsoft.com/office/drawing/2014/main" id="{4D0600B8-7491-47DB-A0D5-58D5A73C7621}"/>
               </a:ext>
             </a:extLst>
           </p:cNvPr>
@@ -29118,15 +29753,11 @@
             <a:fld id="{D57F1E4F-1CFF-5643-939E-217C01CDF565}" type="slidenum">
               <a:rPr lang="en-US" smtClean="0"/>
               <a:pPr/>
-              <a:t>33</a:t>
+              <a:t>34</a:t>
             </a:fld>
             <a:r>
               <a:rPr lang="en-US"/>
-              <a:t>/3</a:t>
-            </a:r>
-            <a:r>
-              <a:rPr lang="fa-IR"/>
-              <a:t>9</a:t>
+              <a:t>/41</a:t>
             </a:r>
             <a:endParaRPr lang="en-US" dirty="0"/>
           </a:p>
@@ -29145,7 +29776,7 @@
 </p:sld>
 </file>
 
-<file path=ppt/slides/slide34.xml><?xml version="1.0" encoding="utf-8"?>
+<file path=ppt/slides/slide35.xml><?xml version="1.0" encoding="utf-8"?>
 <p:sld xmlns:a="http://schemas.openxmlformats.org/drawingml/2006/main" xmlns:r="http://schemas.openxmlformats.org/officeDocument/2006/relationships" xmlns:p="http://schemas.openxmlformats.org/presentationml/2006/main">
   <p:cSld>
     <p:spTree>
@@ -29746,10 +30377,10 @@
       </p:sp>
       <p:sp>
         <p:nvSpPr>
-          <p:cNvPr id="4" name="Slide Number Placeholder 3">
+          <p:cNvPr id="3" name="Slide Number Placeholder 2">
             <a:extLst>
               <a:ext uri="{FF2B5EF4-FFF2-40B4-BE49-F238E27FC236}">
-                <a16:creationId xmlns:a16="http://schemas.microsoft.com/office/drawing/2014/main" id="{30804B8E-1DAE-40C7-AFD0-98E8B169F4D4}"/>
+                <a16:creationId xmlns:a16="http://schemas.microsoft.com/office/drawing/2014/main" id="{F3496A28-39FB-4E27-98E7-9CD4F1361194}"/>
               </a:ext>
             </a:extLst>
           </p:cNvPr>
@@ -29768,15 +30399,11 @@
             <a:fld id="{D57F1E4F-1CFF-5643-939E-217C01CDF565}" type="slidenum">
               <a:rPr lang="en-US" smtClean="0"/>
               <a:pPr/>
-              <a:t>34</a:t>
+              <a:t>35</a:t>
             </a:fld>
             <a:r>
               <a:rPr lang="en-US"/>
-              <a:t>/3</a:t>
-            </a:r>
-            <a:r>
-              <a:rPr lang="fa-IR"/>
-              <a:t>9</a:t>
+              <a:t>/41</a:t>
             </a:r>
             <a:endParaRPr lang="en-US" dirty="0"/>
           </a:p>
@@ -29795,7 +30422,7 @@
 </p:sld>
 </file>
 
-<file path=ppt/slides/slide35.xml><?xml version="1.0" encoding="utf-8"?>
+<file path=ppt/slides/slide36.xml><?xml version="1.0" encoding="utf-8"?>
 <p:sld xmlns:a="http://schemas.openxmlformats.org/drawingml/2006/main" xmlns:r="http://schemas.openxmlformats.org/officeDocument/2006/relationships" xmlns:p="http://schemas.openxmlformats.org/presentationml/2006/main">
   <p:cSld>
     <p:spTree>
@@ -30355,10 +30982,10 @@
       </p:pic>
       <p:sp>
         <p:nvSpPr>
-          <p:cNvPr id="4" name="Slide Number Placeholder 3">
+          <p:cNvPr id="3" name="Slide Number Placeholder 2">
             <a:extLst>
               <a:ext uri="{FF2B5EF4-FFF2-40B4-BE49-F238E27FC236}">
-                <a16:creationId xmlns:a16="http://schemas.microsoft.com/office/drawing/2014/main" id="{FCA0FBE6-D7E8-49C5-866A-39F7F6D2EC5D}"/>
+                <a16:creationId xmlns:a16="http://schemas.microsoft.com/office/drawing/2014/main" id="{278672A7-C87C-4934-ABBA-153C8454A4B2}"/>
               </a:ext>
             </a:extLst>
           </p:cNvPr>
@@ -30377,15 +31004,11 @@
             <a:fld id="{D57F1E4F-1CFF-5643-939E-217C01CDF565}" type="slidenum">
               <a:rPr lang="en-US" smtClean="0"/>
               <a:pPr/>
-              <a:t>35</a:t>
+              <a:t>36</a:t>
             </a:fld>
             <a:r>
               <a:rPr lang="en-US"/>
-              <a:t>/3</a:t>
-            </a:r>
-            <a:r>
-              <a:rPr lang="fa-IR"/>
-              <a:t>9</a:t>
+              <a:t>/41</a:t>
             </a:r>
             <a:endParaRPr lang="en-US" dirty="0"/>
           </a:p>
@@ -30404,7 +31027,7 @@
 </p:sld>
 </file>
 
-<file path=ppt/slides/slide36.xml><?xml version="1.0" encoding="utf-8"?>
+<file path=ppt/slides/slide37.xml><?xml version="1.0" encoding="utf-8"?>
 <p:sld xmlns:a="http://schemas.openxmlformats.org/drawingml/2006/main" xmlns:r="http://schemas.openxmlformats.org/officeDocument/2006/relationships" xmlns:p="http://schemas.openxmlformats.org/presentationml/2006/main">
   <p:cSld>
     <p:spTree>
@@ -31114,10 +31737,10 @@
       </p:sp>
       <p:sp>
         <p:nvSpPr>
-          <p:cNvPr id="4" name="Slide Number Placeholder 3">
+          <p:cNvPr id="11" name="Slide Number Placeholder 10">
             <a:extLst>
               <a:ext uri="{FF2B5EF4-FFF2-40B4-BE49-F238E27FC236}">
-                <a16:creationId xmlns:a16="http://schemas.microsoft.com/office/drawing/2014/main" id="{A0BCD735-4B9F-4651-A221-23374B4DD0AF}"/>
+                <a16:creationId xmlns:a16="http://schemas.microsoft.com/office/drawing/2014/main" id="{981EC7A0-BF2E-4022-8030-025C5D67540A}"/>
               </a:ext>
             </a:extLst>
           </p:cNvPr>
@@ -31136,15 +31759,11 @@
             <a:fld id="{D57F1E4F-1CFF-5643-939E-217C01CDF565}" type="slidenum">
               <a:rPr lang="en-US" smtClean="0"/>
               <a:pPr/>
-              <a:t>36</a:t>
+              <a:t>37</a:t>
             </a:fld>
             <a:r>
               <a:rPr lang="en-US"/>
-              <a:t>/3</a:t>
-            </a:r>
-            <a:r>
-              <a:rPr lang="fa-IR"/>
-              <a:t>9</a:t>
+              <a:t>/41</a:t>
             </a:r>
             <a:endParaRPr lang="en-US" dirty="0"/>
           </a:p>
@@ -31163,7 +31782,7 @@
 </p:sld>
 </file>
 
-<file path=ppt/slides/slide37.xml><?xml version="1.0" encoding="utf-8"?>
+<file path=ppt/slides/slide38.xml><?xml version="1.0" encoding="utf-8"?>
 <p:sld xmlns:a="http://schemas.openxmlformats.org/drawingml/2006/main" xmlns:r="http://schemas.openxmlformats.org/officeDocument/2006/relationships" xmlns:p="http://schemas.openxmlformats.org/presentationml/2006/main">
   <p:cSld>
     <p:spTree>
@@ -31874,10 +32493,10 @@
       </p:sp>
       <p:sp>
         <p:nvSpPr>
-          <p:cNvPr id="4" name="Slide Number Placeholder 3">
+          <p:cNvPr id="11" name="Slide Number Placeholder 10">
             <a:extLst>
               <a:ext uri="{FF2B5EF4-FFF2-40B4-BE49-F238E27FC236}">
-                <a16:creationId xmlns:a16="http://schemas.microsoft.com/office/drawing/2014/main" id="{D4CFC062-200B-4E4B-A62C-C4204A4583A0}"/>
+                <a16:creationId xmlns:a16="http://schemas.microsoft.com/office/drawing/2014/main" id="{CED1FE5A-6C8C-42C1-A59A-21F68ABC4527}"/>
               </a:ext>
             </a:extLst>
           </p:cNvPr>
@@ -31896,15 +32515,11 @@
             <a:fld id="{D57F1E4F-1CFF-5643-939E-217C01CDF565}" type="slidenum">
               <a:rPr lang="en-US" smtClean="0"/>
               <a:pPr/>
-              <a:t>37</a:t>
+              <a:t>38</a:t>
             </a:fld>
             <a:r>
               <a:rPr lang="en-US"/>
-              <a:t>/3</a:t>
-            </a:r>
-            <a:r>
-              <a:rPr lang="fa-IR"/>
-              <a:t>9</a:t>
+              <a:t>/41</a:t>
             </a:r>
             <a:endParaRPr lang="en-US" dirty="0"/>
           </a:p>
@@ -31923,7 +32538,7 @@
 </p:sld>
 </file>
 
-<file path=ppt/slides/slide38.xml><?xml version="1.0" encoding="utf-8"?>
+<file path=ppt/slides/slide39.xml><?xml version="1.0" encoding="utf-8"?>
 <p:sld xmlns:a="http://schemas.openxmlformats.org/drawingml/2006/main" xmlns:r="http://schemas.openxmlformats.org/officeDocument/2006/relationships" xmlns:p="http://schemas.openxmlformats.org/presentationml/2006/main">
   <p:cSld>
     <p:spTree>
@@ -32003,44 +32618,6 @@
             </a:r>
           </a:p>
           <a:p>
-            <a:endParaRPr lang="en-US" dirty="0"/>
-          </a:p>
-        </p:txBody>
-      </p:sp>
-      <p:sp>
-        <p:nvSpPr>
-          <p:cNvPr id="4" name="Slide Number Placeholder 3">
-            <a:extLst>
-              <a:ext uri="{FF2B5EF4-FFF2-40B4-BE49-F238E27FC236}">
-                <a16:creationId xmlns:a16="http://schemas.microsoft.com/office/drawing/2014/main" id="{8FAA5576-D7DF-4CAA-8440-1F7A1C386B9F}"/>
-              </a:ext>
-            </a:extLst>
-          </p:cNvPr>
-          <p:cNvSpPr>
-            <a:spLocks noGrp="1"/>
-          </p:cNvSpPr>
-          <p:nvPr>
-            <p:ph type="sldNum" sz="quarter" idx="12"/>
-          </p:nvPr>
-        </p:nvSpPr>
-        <p:spPr/>
-        <p:txBody>
-          <a:bodyPr/>
-          <a:lstStyle/>
-          <a:p>
-            <a:fld id="{D57F1E4F-1CFF-5643-939E-217C01CDF565}" type="slidenum">
-              <a:rPr lang="en-US" smtClean="0"/>
-              <a:pPr/>
-              <a:t>38</a:t>
-            </a:fld>
-            <a:r>
-              <a:rPr lang="en-US"/>
-              <a:t>/3</a:t>
-            </a:r>
-            <a:r>
-              <a:rPr lang="fa-IR"/>
-              <a:t>9</a:t>
-            </a:r>
             <a:endParaRPr lang="en-US" dirty="0"/>
           </a:p>
         </p:txBody>
@@ -32456,6 +33033,40 @@
           </a:p>
         </p:txBody>
       </p:sp>
+      <p:sp>
+        <p:nvSpPr>
+          <p:cNvPr id="11" name="Slide Number Placeholder 10">
+            <a:extLst>
+              <a:ext uri="{FF2B5EF4-FFF2-40B4-BE49-F238E27FC236}">
+                <a16:creationId xmlns:a16="http://schemas.microsoft.com/office/drawing/2014/main" id="{B3FE5684-E517-42F4-884D-4A25713E5026}"/>
+              </a:ext>
+            </a:extLst>
+          </p:cNvPr>
+          <p:cNvSpPr>
+            <a:spLocks noGrp="1"/>
+          </p:cNvSpPr>
+          <p:nvPr>
+            <p:ph type="sldNum" sz="quarter" idx="12"/>
+          </p:nvPr>
+        </p:nvSpPr>
+        <p:spPr/>
+        <p:txBody>
+          <a:bodyPr/>
+          <a:lstStyle/>
+          <a:p>
+            <a:fld id="{D57F1E4F-1CFF-5643-939E-217C01CDF565}" type="slidenum">
+              <a:rPr lang="en-US" smtClean="0"/>
+              <a:pPr/>
+              <a:t>39</a:t>
+            </a:fld>
+            <a:r>
+              <a:rPr lang="en-US"/>
+              <a:t>/41</a:t>
+            </a:r>
+            <a:endParaRPr lang="en-US" dirty="0"/>
+          </a:p>
+        </p:txBody>
+      </p:sp>
     </p:spTree>
     <p:extLst>
       <p:ext uri="{BB962C8B-B14F-4D97-AF65-F5344CB8AC3E}">
@@ -32469,7 +33080,7 @@
 </p:sld>
 </file>
 
-<file path=ppt/slides/slide39.xml><?xml version="1.0" encoding="utf-8"?>
+<file path=ppt/slides/slide4.xml><?xml version="1.0" encoding="utf-8"?>
 <p:sld xmlns:a="http://schemas.openxmlformats.org/drawingml/2006/main" xmlns:r="http://schemas.openxmlformats.org/officeDocument/2006/relationships" xmlns:p="http://schemas.openxmlformats.org/presentationml/2006/main">
   <p:cSld>
     <p:spTree>
@@ -32488,13 +33099,7 @@
       </p:grpSpPr>
       <p:sp>
         <p:nvSpPr>
-          <p:cNvPr id="2" name="Title 1">
-            <a:extLst>
-              <a:ext uri="{FF2B5EF4-FFF2-40B4-BE49-F238E27FC236}">
-                <a16:creationId xmlns:a16="http://schemas.microsoft.com/office/drawing/2014/main" id="{B9834827-EA64-4773-99FB-9C8E5839F54E}"/>
-              </a:ext>
-            </a:extLst>
-          </p:cNvPr>
+          <p:cNvPr id="2" name="Title 1"/>
           <p:cNvSpPr>
             <a:spLocks noGrp="1"/>
           </p:cNvSpPr>
@@ -32502,28 +33107,31 @@
             <p:ph type="title"/>
           </p:nvPr>
         </p:nvSpPr>
-        <p:spPr/>
+        <p:spPr>
+          <a:xfrm>
+            <a:off x="1178779" y="634407"/>
+            <a:ext cx="8911687" cy="1054705"/>
+          </a:xfrm>
+        </p:spPr>
         <p:txBody>
           <a:bodyPr/>
           <a:lstStyle/>
           <a:p>
-            <a:r>
-              <a:rPr lang="fa-IR" dirty="0"/>
-              <a:t>نتیجه گیری</a:t>
-            </a:r>
-            <a:endParaRPr lang="en-US" dirty="0"/>
-          </a:p>
-        </p:txBody>
-      </p:sp>
-      <p:sp>
-        <p:nvSpPr>
-          <p:cNvPr id="3" name="Content Placeholder 2">
-            <a:extLst>
-              <a:ext uri="{FF2B5EF4-FFF2-40B4-BE49-F238E27FC236}">
-                <a16:creationId xmlns:a16="http://schemas.microsoft.com/office/drawing/2014/main" id="{9E5977FC-AB01-4C81-8BAE-2A5C6A7983C1}"/>
-              </a:ext>
-            </a:extLst>
-          </p:cNvPr>
+            <a:pPr algn="ctr"/>
+            <a:r>
+              <a:rPr lang="fa-IR" b="1" dirty="0"/>
+              <a:t>نسل پنجم مخابرات </a:t>
+            </a:r>
+            <a:r>
+              <a:rPr lang="en-US" sz="3200" b="1" dirty="0"/>
+              <a:t>5G</a:t>
+            </a:r>
+          </a:p>
+        </p:txBody>
+      </p:sp>
+      <p:sp>
+        <p:nvSpPr>
+          <p:cNvPr id="3" name="Content Placeholder 2"/>
           <p:cNvSpPr>
             <a:spLocks noGrp="1"/>
           </p:cNvSpPr>
@@ -32533,117 +33141,317 @@
         </p:nvSpPr>
         <p:spPr>
           <a:xfrm>
-            <a:off x="1336948" y="1621306"/>
-            <a:ext cx="9328916" cy="5165258"/>
+            <a:off x="668618" y="1449300"/>
+            <a:ext cx="9514412" cy="5093958"/>
           </a:xfrm>
         </p:spPr>
         <p:txBody>
           <a:bodyPr>
-            <a:normAutofit fontScale="25000" lnSpcReduction="20000"/>
+            <a:normAutofit fontScale="92500" lnSpcReduction="10000"/>
           </a:bodyPr>
           <a:lstStyle/>
           <a:p>
-            <a:r>
-              <a:rPr lang="fa-IR" sz="9600" b="0" i="0" dirty="0">
+            <a:pPr>
+              <a:buFont typeface="Wingdings" panose="05000000000000000000" pitchFamily="2" charset="2"/>
+              <a:buChar char="Ø"/>
+            </a:pPr>
+            <a:r>
+              <a:rPr lang="fa-IR" dirty="0">
                 <a:solidFill>
-                  <a:srgbClr val="000000"/>
+                  <a:schemeClr val="tx1"/>
                 </a:solidFill>
-                <a:effectLst/>
-                <a:latin typeface="IRLotus"/>
               </a:rPr>
-              <a:t>مسئله ی برش شبکه در بخش رادیویی و قرارگیری توابع مجازی شبکه برروی مراکز داده باهم مورد بررسی قرار گرفته شد</a:t>
-            </a:r>
-            <a:r>
-              <a:rPr lang="fa-IR" sz="9600" dirty="0"/>
+              <a:t>مزایای </a:t>
+            </a:r>
+            <a:r>
+              <a:rPr lang="en-US" sz="1800" dirty="0">
+                <a:solidFill>
+                  <a:schemeClr val="tx1"/>
+                </a:solidFill>
+              </a:rPr>
+              <a:t>5G</a:t>
+            </a:r>
+            <a:r>
+              <a:rPr lang="fa-IR" sz="2400" dirty="0">
+                <a:solidFill>
+                  <a:schemeClr val="tx1"/>
+                </a:solidFill>
+              </a:rPr>
               <a:t> </a:t>
             </a:r>
-          </a:p>
-          <a:p>
-            <a:r>
-              <a:rPr lang="fa-IR" sz="9600" dirty="0"/>
-              <a:t>مسئله را می توان به دو مسئله تبدیل کرد و هر کدام را با الگوریتمهای مرکزی حل نمود</a:t>
-            </a:r>
-          </a:p>
-          <a:p>
-            <a:r>
-              <a:rPr lang="fa-IR" sz="9600" dirty="0"/>
-              <a:t>این دو مسئله به صورت مسئله ی بسته بندی جعبه چند بعدی می باشد</a:t>
-            </a:r>
-          </a:p>
-          <a:p>
-            <a:r>
-              <a:rPr lang="fa-IR" sz="9600" b="0" i="0" dirty="0">
+            <a:r>
+              <a:rPr lang="fa-IR" dirty="0">
                 <a:solidFill>
-                  <a:srgbClr val="000000"/>
+                  <a:schemeClr val="tx1"/>
                 </a:solidFill>
-                <a:effectLst/>
-                <a:latin typeface="IRLotus"/>
               </a:rPr>
-              <a:t>حالتی که تداخل به نسبت کم باشد به حالت بهینه بسیار نزدیک است</a:t>
-            </a:r>
-            <a:r>
-              <a:rPr lang="fa-IR" sz="9600" dirty="0"/>
+              <a:t>در برابر </a:t>
+            </a:r>
+            <a:r>
+              <a:rPr lang="en-US" sz="1800" dirty="0">
+                <a:solidFill>
+                  <a:schemeClr val="tx1"/>
+                </a:solidFill>
+              </a:rPr>
+              <a:t>4G</a:t>
+            </a:r>
+            <a:r>
+              <a:rPr lang="fa-IR" sz="2400" dirty="0">
+                <a:solidFill>
+                  <a:schemeClr val="tx1"/>
+                </a:solidFill>
+              </a:rPr>
               <a:t> </a:t>
             </a:r>
-            <a:endParaRPr lang="en-US" sz="9600" dirty="0"/>
-          </a:p>
-          <a:p>
-            <a:r>
-              <a:rPr lang="fa-IR" sz="9600" dirty="0"/>
-              <a:t>مسئله بخش رادیویی و هسته به صورت ساده شده در حالت دینامیکی حل گردیده است</a:t>
-            </a:r>
-          </a:p>
-          <a:p>
-            <a:r>
-              <a:rPr lang="fa-IR" sz="9600" dirty="0"/>
-              <a:t>از روش یادگیری تقویتی برای حل مسئله استفاده شده است</a:t>
-            </a:r>
-          </a:p>
-          <a:p>
-            <a:r>
-              <a:rPr lang="fa-IR" sz="9600" dirty="0"/>
-              <a:t>در این مسئله مقادیر طوری در نظر گرفته شده اند که تعداد حالتها و اعمال گسسته و قابل شمارش باشند </a:t>
-            </a:r>
-          </a:p>
-          <a:p>
-            <a:r>
-              <a:rPr lang="fa-IR" sz="9600" dirty="0"/>
-              <a:t>با افزایش تعداد برشهای شبکه مقدار خروجی از مقدار بهینه فاصله می گیرد</a:t>
-            </a:r>
-            <a:endParaRPr lang="en-US" sz="9600" dirty="0"/>
-          </a:p>
-          <a:p>
-            <a:endParaRPr lang="fa-IR" sz="9600" dirty="0"/>
+            <a:r>
+              <a:rPr lang="fa-IR" dirty="0">
+                <a:solidFill>
+                  <a:schemeClr val="tx1"/>
+                </a:solidFill>
+              </a:rPr>
+              <a:t>:</a:t>
+            </a:r>
+          </a:p>
+          <a:p>
+            <a:pPr lvl="1">
+              <a:buFont typeface="Wingdings" panose="05000000000000000000" pitchFamily="2" charset="2"/>
+              <a:buChar char="Ø"/>
+            </a:pPr>
+            <a:r>
+              <a:rPr lang="fa-IR" dirty="0">
+                <a:solidFill>
+                  <a:schemeClr val="tx1"/>
+                </a:solidFill>
+              </a:rPr>
+              <a:t>ارائه طیف بالاتر و بهره وری انرژی بیشتر</a:t>
+            </a:r>
+            <a:endParaRPr lang="en-US" dirty="0">
+              <a:solidFill>
+                <a:schemeClr val="tx1"/>
+              </a:solidFill>
+            </a:endParaRPr>
+          </a:p>
+          <a:p>
+            <a:pPr lvl="1">
+              <a:buFont typeface="Wingdings" panose="05000000000000000000" pitchFamily="2" charset="2"/>
+              <a:buChar char="Ø"/>
+            </a:pPr>
+            <a:r>
+              <a:rPr lang="fa-IR" dirty="0">
+                <a:solidFill>
+                  <a:schemeClr val="tx1"/>
+                </a:solidFill>
+              </a:rPr>
+              <a:t>دستیابی</a:t>
+            </a:r>
+            <a:r>
+              <a:rPr lang="en-US" sz="1800" dirty="0">
+                <a:solidFill>
+                  <a:schemeClr val="tx1"/>
+                </a:solidFill>
+              </a:rPr>
+              <a:t>5G</a:t>
+            </a:r>
+            <a:r>
+              <a:rPr lang="en-US" dirty="0">
+                <a:solidFill>
+                  <a:schemeClr val="tx1"/>
+                </a:solidFill>
+              </a:rPr>
+              <a:t> </a:t>
+            </a:r>
+            <a:r>
+              <a:rPr lang="fa-IR" dirty="0">
+                <a:solidFill>
+                  <a:schemeClr val="tx1"/>
+                </a:solidFill>
+              </a:rPr>
+              <a:t> به رشد ظرفیت سیستم با ضریب حداقل 1000</a:t>
+            </a:r>
+          </a:p>
+          <a:p>
+            <a:pPr lvl="1">
+              <a:buFont typeface="Wingdings" panose="05000000000000000000" pitchFamily="2" charset="2"/>
+              <a:buChar char="Ø"/>
+            </a:pPr>
+            <a:r>
+              <a:rPr lang="fa-IR" dirty="0">
+                <a:solidFill>
+                  <a:schemeClr val="tx1"/>
+                </a:solidFill>
+              </a:rPr>
+              <a:t> بهینه سازی انرژی با ضریب حداقل 10</a:t>
+            </a:r>
+          </a:p>
+          <a:p>
+            <a:pPr>
+              <a:buFont typeface="Wingdings" panose="05000000000000000000" pitchFamily="2" charset="2"/>
+              <a:buChar char="Ø"/>
+            </a:pPr>
+            <a:r>
+              <a:rPr lang="fa-IR" dirty="0">
+                <a:solidFill>
+                  <a:schemeClr val="tx1"/>
+                </a:solidFill>
+              </a:rPr>
+              <a:t>شامل یک شبکه ی فشرده با هسته ی هوشمند و منعطف</a:t>
+            </a:r>
+          </a:p>
+          <a:p>
+            <a:pPr>
+              <a:buFont typeface="Wingdings" panose="05000000000000000000" pitchFamily="2" charset="2"/>
+              <a:buChar char="Ø"/>
+            </a:pPr>
+            <a:r>
+              <a:rPr lang="fa-IR" dirty="0">
+                <a:solidFill>
+                  <a:schemeClr val="tx1"/>
+                </a:solidFill>
+              </a:rPr>
+              <a:t>فناوری های مورد استفاده</a:t>
+            </a:r>
+            <a:endParaRPr lang="en-US" dirty="0">
+              <a:solidFill>
+                <a:schemeClr val="tx1"/>
+              </a:solidFill>
+            </a:endParaRPr>
+          </a:p>
+          <a:p>
+            <a:pPr lvl="1"/>
+            <a:r>
+              <a:rPr lang="ar-IQ" dirty="0"/>
+              <a:t>شبکه ی تعریف شده ی نرم افزاری </a:t>
+            </a:r>
+            <a:r>
+              <a:rPr lang="en-US" dirty="0"/>
+              <a:t>SDN</a:t>
+            </a:r>
+            <a:r>
+              <a:rPr lang="ar-IQ" dirty="0"/>
+              <a:t> </a:t>
+            </a:r>
+            <a:endParaRPr lang="en-US" dirty="0">
+              <a:solidFill>
+                <a:schemeClr val="tx1"/>
+              </a:solidFill>
+            </a:endParaRPr>
+          </a:p>
+          <a:p>
+            <a:pPr lvl="1"/>
+            <a:r>
+              <a:rPr lang="fa-IR" dirty="0">
+                <a:solidFill>
+                  <a:schemeClr val="tx1"/>
+                </a:solidFill>
+              </a:rPr>
+              <a:t>برش شبکه</a:t>
+            </a:r>
+          </a:p>
+          <a:p>
+            <a:pPr lvl="1"/>
+            <a:r>
+              <a:rPr lang="fa-IR" dirty="0">
+                <a:solidFill>
+                  <a:schemeClr val="tx1"/>
+                </a:solidFill>
+              </a:rPr>
+              <a:t>مجازی سازی توابع شبکه</a:t>
+            </a:r>
+          </a:p>
+          <a:p>
+            <a:pPr lvl="1">
+              <a:buFont typeface="Wingdings" panose="05000000000000000000" pitchFamily="2" charset="2"/>
+              <a:buChar char="Ø"/>
+            </a:pPr>
+            <a:r>
+              <a:rPr lang="fa-IR" dirty="0">
+                <a:solidFill>
+                  <a:schemeClr val="tx1"/>
+                </a:solidFill>
+              </a:rPr>
+              <a:t>موج میلیمتری</a:t>
+            </a:r>
+          </a:p>
+          <a:p>
+            <a:pPr lvl="1">
+              <a:buFont typeface="Wingdings" panose="05000000000000000000" pitchFamily="2" charset="2"/>
+              <a:buChar char="Ø"/>
+            </a:pPr>
+            <a:r>
+              <a:rPr lang="en-US" dirty="0">
+                <a:solidFill>
+                  <a:schemeClr val="tx1"/>
+                </a:solidFill>
+              </a:rPr>
+              <a:t>femtocell</a:t>
+            </a:r>
+            <a:endParaRPr lang="fa-IR" dirty="0">
+              <a:solidFill>
+                <a:schemeClr val="tx1"/>
+              </a:solidFill>
+            </a:endParaRPr>
+          </a:p>
+          <a:p>
+            <a:pPr lvl="1">
+              <a:buFont typeface="Wingdings" panose="05000000000000000000" pitchFamily="2" charset="2"/>
+              <a:buChar char="Ø"/>
+            </a:pPr>
+            <a:r>
+              <a:rPr lang="en-US" sz="1800" dirty="0">
+                <a:solidFill>
+                  <a:schemeClr val="tx1"/>
+                </a:solidFill>
+              </a:rPr>
+              <a:t>Massive MIMO</a:t>
+            </a:r>
+            <a:endParaRPr lang="fa-IR" sz="1800" dirty="0">
+              <a:solidFill>
+                <a:schemeClr val="tx1"/>
+              </a:solidFill>
+            </a:endParaRPr>
+          </a:p>
+          <a:p>
+            <a:pPr lvl="1">
+              <a:buFont typeface="Wingdings" panose="05000000000000000000" pitchFamily="2" charset="2"/>
+              <a:buChar char="Ø"/>
+            </a:pPr>
+            <a:r>
+              <a:rPr lang="en-US" sz="1800" dirty="0">
+                <a:solidFill>
+                  <a:schemeClr val="tx1"/>
+                </a:solidFill>
+              </a:rPr>
+              <a:t>ORAN</a:t>
+            </a:r>
+          </a:p>
+          <a:p>
+            <a:pPr lvl="1">
+              <a:buFont typeface="Wingdings" panose="05000000000000000000" pitchFamily="2" charset="2"/>
+              <a:buChar char="Ø"/>
+            </a:pPr>
+            <a:endParaRPr lang="fa-IR" dirty="0">
+              <a:solidFill>
+                <a:schemeClr val="tx1"/>
+              </a:solidFill>
+            </a:endParaRPr>
           </a:p>
           <a:p>
             <a:pPr marL="0" indent="0">
               <a:buNone/>
             </a:pPr>
-            <a:br>
-              <a:rPr lang="fa-IR" dirty="0"/>
-            </a:br>
-            <a:br>
-              <a:rPr lang="fa-IR" dirty="0"/>
-            </a:br>
             <a:endParaRPr lang="en-US" dirty="0"/>
           </a:p>
         </p:txBody>
       </p:sp>
       <p:sp>
         <p:nvSpPr>
-          <p:cNvPr id="5" name="Rounded Rectangle 15">
-            <a:extLst>
-              <a:ext uri="{FF2B5EF4-FFF2-40B4-BE49-F238E27FC236}">
-                <a16:creationId xmlns:a16="http://schemas.microsoft.com/office/drawing/2014/main" id="{1748D836-D739-4E10-8B42-31F5850C44CF}"/>
-              </a:ext>
-            </a:extLst>
-          </p:cNvPr>
+          <p:cNvPr id="11" name="Rounded Rectangle 10"/>
           <p:cNvSpPr/>
           <p:nvPr/>
         </p:nvSpPr>
         <p:spPr>
           <a:xfrm>
-            <a:off x="10891234" y="1271911"/>
+            <a:off x="10782746" y="1203235"/>
             <a:ext cx="1300766" cy="5586089"/>
           </a:xfrm>
           <a:prstGeom prst="roundRect">
@@ -32708,19 +33516,13 @@
       </p:sp>
       <p:sp>
         <p:nvSpPr>
-          <p:cNvPr id="6" name="Rectangle 5">
-            <a:extLst>
-              <a:ext uri="{FF2B5EF4-FFF2-40B4-BE49-F238E27FC236}">
-                <a16:creationId xmlns:a16="http://schemas.microsoft.com/office/drawing/2014/main" id="{B97418D3-2DBA-4EA8-8E3B-0784D0FC82C2}"/>
-              </a:ext>
-            </a:extLst>
-          </p:cNvPr>
+          <p:cNvPr id="12" name="Rectangle 11"/>
           <p:cNvSpPr/>
           <p:nvPr/>
         </p:nvSpPr>
         <p:spPr>
           <a:xfrm>
-            <a:off x="11084417" y="1476163"/>
+            <a:off x="10975929" y="1382087"/>
             <a:ext cx="927279" cy="872108"/>
           </a:xfrm>
           <a:prstGeom prst="rect">
@@ -32755,17 +33557,17 @@
           <a:p>
             <a:pPr algn="ctr"/>
             <a:r>
-              <a:rPr lang="fa-IR" dirty="0">
+              <a:rPr lang="fa-IR" b="1" dirty="0">
                 <a:solidFill>
-                  <a:schemeClr val="tx1"/>
+                  <a:schemeClr val="bg1"/>
                 </a:solidFill>
                 <a:cs typeface="B Nazanin" panose="00000400000000000000" pitchFamily="2" charset="-78"/>
               </a:rPr>
               <a:t>مقدمه</a:t>
             </a:r>
-            <a:endParaRPr lang="en-US" dirty="0">
+            <a:endParaRPr lang="en-US" b="1" dirty="0">
               <a:solidFill>
-                <a:schemeClr val="tx1"/>
+                <a:schemeClr val="bg1"/>
               </a:solidFill>
               <a:cs typeface="B Nazanin" panose="00000400000000000000" pitchFamily="2" charset="-78"/>
             </a:endParaRPr>
@@ -32774,38 +33576,44 @@
       </p:sp>
       <p:sp>
         <p:nvSpPr>
-          <p:cNvPr id="7" name="Rectangle 6">
-            <a:extLst>
-              <a:ext uri="{FF2B5EF4-FFF2-40B4-BE49-F238E27FC236}">
-                <a16:creationId xmlns:a16="http://schemas.microsoft.com/office/drawing/2014/main" id="{B420E5A3-32DC-4519-8E67-2DF912C68621}"/>
-              </a:ext>
-            </a:extLst>
-          </p:cNvPr>
+          <p:cNvPr id="13" name="Rectangle 12"/>
           <p:cNvSpPr/>
           <p:nvPr/>
         </p:nvSpPr>
         <p:spPr>
           <a:xfrm>
-            <a:off x="11084417" y="2455499"/>
+            <a:off x="10975929" y="2415082"/>
             <a:ext cx="914400" cy="914400"/>
           </a:xfrm>
           <a:prstGeom prst="rect">
             <a:avLst/>
           </a:prstGeom>
-          <a:solidFill>
-            <a:schemeClr val="tx2">
-              <a:lumMod val="60000"/>
-              <a:lumOff val="40000"/>
-            </a:schemeClr>
-          </a:solidFill>
-          <a:ln>
-            <a:solidFill>
-              <a:schemeClr val="tx2">
-                <a:lumMod val="60000"/>
-                <a:lumOff val="40000"/>
-              </a:schemeClr>
-            </a:solidFill>
-          </a:ln>
+          <a:gradFill flip="none" rotWithShape="1">
+            <a:gsLst>
+              <a:gs pos="0">
+                <a:schemeClr val="accent1">
+                  <a:tint val="66000"/>
+                  <a:satMod val="160000"/>
+                </a:schemeClr>
+              </a:gs>
+              <a:gs pos="50000">
+                <a:schemeClr val="accent1">
+                  <a:tint val="44500"/>
+                  <a:satMod val="160000"/>
+                </a:schemeClr>
+              </a:gs>
+              <a:gs pos="100000">
+                <a:schemeClr val="accent1">
+                  <a:tint val="23500"/>
+                  <a:satMod val="160000"/>
+                </a:schemeClr>
+              </a:gs>
+            </a:gsLst>
+            <a:path path="circle">
+              <a:fillToRect l="100000" t="100000"/>
+            </a:path>
+            <a:tileRect r="-100000" b="-100000"/>
+          </a:gradFill>
         </p:spPr>
         <p:style>
           <a:lnRef idx="2">
@@ -32848,32 +33656,44 @@
       </p:sp>
       <p:sp>
         <p:nvSpPr>
-          <p:cNvPr id="8" name="Rectangle 7">
-            <a:extLst>
-              <a:ext uri="{FF2B5EF4-FFF2-40B4-BE49-F238E27FC236}">
-                <a16:creationId xmlns:a16="http://schemas.microsoft.com/office/drawing/2014/main" id="{30ADA281-566B-497E-9A6D-4687BC410F54}"/>
-              </a:ext>
-            </a:extLst>
-          </p:cNvPr>
+          <p:cNvPr id="14" name="Rectangle 13"/>
           <p:cNvSpPr/>
           <p:nvPr/>
         </p:nvSpPr>
         <p:spPr>
           <a:xfrm>
-            <a:off x="11097296" y="3429000"/>
-            <a:ext cx="901520" cy="1234245"/>
+            <a:off x="10975929" y="3409406"/>
+            <a:ext cx="914400" cy="1173749"/>
           </a:xfrm>
           <a:prstGeom prst="rect">
             <a:avLst/>
           </a:prstGeom>
-          <a:solidFill>
-            <a:schemeClr val="accent1"/>
-          </a:solidFill>
-          <a:ln>
-            <a:solidFill>
-              <a:schemeClr val="accent1"/>
-            </a:solidFill>
-          </a:ln>
+          <a:gradFill flip="none" rotWithShape="1">
+            <a:gsLst>
+              <a:gs pos="0">
+                <a:schemeClr val="accent1">
+                  <a:tint val="66000"/>
+                  <a:satMod val="160000"/>
+                </a:schemeClr>
+              </a:gs>
+              <a:gs pos="50000">
+                <a:schemeClr val="accent1">
+                  <a:tint val="44500"/>
+                  <a:satMod val="160000"/>
+                </a:schemeClr>
+              </a:gs>
+              <a:gs pos="100000">
+                <a:schemeClr val="accent1">
+                  <a:tint val="23500"/>
+                  <a:satMod val="160000"/>
+                </a:schemeClr>
+              </a:gs>
+            </a:gsLst>
+            <a:path path="circle">
+              <a:fillToRect l="50000" t="50000" r="50000" b="50000"/>
+            </a:path>
+            <a:tileRect/>
+          </a:gradFill>
         </p:spPr>
         <p:style>
           <a:lnRef idx="2">
@@ -32916,27 +33736,44 @@
       </p:sp>
       <p:sp>
         <p:nvSpPr>
-          <p:cNvPr id="9" name="Rectangle 8">
-            <a:extLst>
-              <a:ext uri="{FF2B5EF4-FFF2-40B4-BE49-F238E27FC236}">
-                <a16:creationId xmlns:a16="http://schemas.microsoft.com/office/drawing/2014/main" id="{A4AA7B1A-76B9-4D9D-907C-868E92F7CA03}"/>
-              </a:ext>
-            </a:extLst>
-          </p:cNvPr>
+          <p:cNvPr id="15" name="Rectangle 14"/>
           <p:cNvSpPr/>
           <p:nvPr/>
         </p:nvSpPr>
         <p:spPr>
           <a:xfrm>
-            <a:off x="11110176" y="4722346"/>
-            <a:ext cx="901520" cy="987447"/>
+            <a:off x="10948455" y="4708310"/>
+            <a:ext cx="914400" cy="914400"/>
           </a:xfrm>
           <a:prstGeom prst="rect">
             <a:avLst/>
           </a:prstGeom>
-          <a:solidFill>
-            <a:schemeClr val="accent1"/>
-          </a:solidFill>
+          <a:gradFill flip="none" rotWithShape="1">
+            <a:gsLst>
+              <a:gs pos="0">
+                <a:schemeClr val="accent1">
+                  <a:tint val="66000"/>
+                  <a:satMod val="160000"/>
+                </a:schemeClr>
+              </a:gs>
+              <a:gs pos="50000">
+                <a:schemeClr val="accent1">
+                  <a:tint val="44500"/>
+                  <a:satMod val="160000"/>
+                </a:schemeClr>
+              </a:gs>
+              <a:gs pos="100000">
+                <a:schemeClr val="accent1">
+                  <a:tint val="23500"/>
+                  <a:satMod val="160000"/>
+                </a:schemeClr>
+              </a:gs>
+            </a:gsLst>
+            <a:path path="circle">
+              <a:fillToRect l="50000" t="50000" r="50000" b="50000"/>
+            </a:path>
+            <a:tileRect/>
+          </a:gradFill>
         </p:spPr>
         <p:style>
           <a:lnRef idx="2">
@@ -32979,27 +33816,44 @@
       </p:sp>
       <p:sp>
         <p:nvSpPr>
-          <p:cNvPr id="10" name="Rectangle 9">
-            <a:extLst>
-              <a:ext uri="{FF2B5EF4-FFF2-40B4-BE49-F238E27FC236}">
-                <a16:creationId xmlns:a16="http://schemas.microsoft.com/office/drawing/2014/main" id="{43BA74E0-177B-4ABD-A8BC-BE4E97BCA6C6}"/>
-              </a:ext>
-            </a:extLst>
-          </p:cNvPr>
+          <p:cNvPr id="16" name="Rectangle 15"/>
           <p:cNvSpPr/>
           <p:nvPr/>
         </p:nvSpPr>
         <p:spPr>
           <a:xfrm>
-            <a:off x="11110176" y="5781229"/>
+            <a:off x="10975929" y="5747865"/>
             <a:ext cx="914400" cy="1005335"/>
           </a:xfrm>
           <a:prstGeom prst="rect">
             <a:avLst/>
           </a:prstGeom>
-          <a:solidFill>
-            <a:schemeClr val="accent1"/>
-          </a:solidFill>
+          <a:gradFill flip="none" rotWithShape="1">
+            <a:gsLst>
+              <a:gs pos="0">
+                <a:schemeClr val="accent1">
+                  <a:tint val="66000"/>
+                  <a:satMod val="160000"/>
+                </a:schemeClr>
+              </a:gs>
+              <a:gs pos="50000">
+                <a:schemeClr val="accent1">
+                  <a:tint val="44500"/>
+                  <a:satMod val="160000"/>
+                </a:schemeClr>
+              </a:gs>
+              <a:gs pos="100000">
+                <a:schemeClr val="accent1">
+                  <a:tint val="23500"/>
+                  <a:satMod val="160000"/>
+                </a:schemeClr>
+              </a:gs>
+            </a:gsLst>
+            <a:path path="circle">
+              <a:fillToRect l="50000" t="50000" r="50000" b="50000"/>
+            </a:path>
+            <a:tileRect/>
+          </a:gradFill>
         </p:spPr>
         <p:style>
           <a:lnRef idx="2">
@@ -33023,17 +33877,17 @@
           <a:p>
             <a:pPr algn="ctr"/>
             <a:r>
-              <a:rPr lang="fa-IR" sz="1500" b="1" dirty="0">
+              <a:rPr lang="fa-IR" sz="1500" dirty="0">
                 <a:solidFill>
-                  <a:schemeClr val="bg1"/>
+                  <a:schemeClr val="tx1"/>
                 </a:solidFill>
                 <a:cs typeface="B Nazanin" panose="00000400000000000000" pitchFamily="2" charset="-78"/>
               </a:rPr>
               <a:t>نتیجه گیری و پیشنهادات</a:t>
             </a:r>
-            <a:endParaRPr lang="en-US" sz="1500" b="1" dirty="0">
+            <a:endParaRPr lang="en-US" sz="1500" dirty="0">
               <a:solidFill>
-                <a:schemeClr val="bg1"/>
+                <a:schemeClr val="tx1"/>
               </a:solidFill>
               <a:cs typeface="B Nazanin" panose="00000400000000000000" pitchFamily="2" charset="-78"/>
             </a:endParaRPr>
@@ -33045,7 +33899,7 @@
           <p:cNvPr id="4" name="Slide Number Placeholder 3">
             <a:extLst>
               <a:ext uri="{FF2B5EF4-FFF2-40B4-BE49-F238E27FC236}">
-                <a16:creationId xmlns:a16="http://schemas.microsoft.com/office/drawing/2014/main" id="{4D3EC6E1-19B6-4F98-B187-B4E263217E12}"/>
+                <a16:creationId xmlns:a16="http://schemas.microsoft.com/office/drawing/2014/main" id="{6718B5B1-8F37-4724-ACB7-D4DFD02718D3}"/>
               </a:ext>
             </a:extLst>
           </p:cNvPr>
@@ -33064,15 +33918,11 @@
             <a:fld id="{D57F1E4F-1CFF-5643-939E-217C01CDF565}" type="slidenum">
               <a:rPr lang="en-US" smtClean="0"/>
               <a:pPr/>
-              <a:t>39</a:t>
+              <a:t>4</a:t>
             </a:fld>
             <a:r>
               <a:rPr lang="en-US"/>
-              <a:t>/3</a:t>
-            </a:r>
-            <a:r>
-              <a:rPr lang="fa-IR"/>
-              <a:t>9</a:t>
+              <a:t>/41</a:t>
             </a:r>
             <a:endParaRPr lang="en-US" dirty="0"/>
           </a:p>
@@ -33081,7 +33931,7 @@
     </p:spTree>
     <p:extLst>
       <p:ext uri="{BB962C8B-B14F-4D97-AF65-F5344CB8AC3E}">
-        <p14:creationId xmlns:p14="http://schemas.microsoft.com/office/powerpoint/2010/main" val="1847395843"/>
+        <p14:creationId xmlns:p14="http://schemas.microsoft.com/office/powerpoint/2010/main" val="3427082847"/>
       </p:ext>
     </p:extLst>
   </p:cSld>
@@ -33091,7 +33941,7 @@
 </p:sld>
 </file>
 
-<file path=ppt/slides/slide4.xml><?xml version="1.0" encoding="utf-8"?>
+<file path=ppt/slides/slide40.xml><?xml version="1.0" encoding="utf-8"?>
 <p:sld xmlns:a="http://schemas.openxmlformats.org/drawingml/2006/main" xmlns:r="http://schemas.openxmlformats.org/officeDocument/2006/relationships" xmlns:p="http://schemas.openxmlformats.org/presentationml/2006/main">
   <p:cSld>
     <p:spTree>
@@ -33110,7 +33960,13 @@
       </p:grpSpPr>
       <p:sp>
         <p:nvSpPr>
-          <p:cNvPr id="2" name="Title 1"/>
+          <p:cNvPr id="2" name="Title 1">
+            <a:extLst>
+              <a:ext uri="{FF2B5EF4-FFF2-40B4-BE49-F238E27FC236}">
+                <a16:creationId xmlns:a16="http://schemas.microsoft.com/office/drawing/2014/main" id="{B9834827-EA64-4773-99FB-9C8E5839F54E}"/>
+              </a:ext>
+            </a:extLst>
+          </p:cNvPr>
           <p:cNvSpPr>
             <a:spLocks noGrp="1"/>
           </p:cNvSpPr>
@@ -33118,31 +33974,28 @@
             <p:ph type="title"/>
           </p:nvPr>
         </p:nvSpPr>
-        <p:spPr>
-          <a:xfrm>
-            <a:off x="1178779" y="634407"/>
-            <a:ext cx="8911687" cy="1054705"/>
-          </a:xfrm>
-        </p:spPr>
+        <p:spPr/>
         <p:txBody>
           <a:bodyPr/>
           <a:lstStyle/>
           <a:p>
-            <a:pPr algn="ctr"/>
-            <a:r>
-              <a:rPr lang="fa-IR" b="1" dirty="0"/>
-              <a:t>نسل پنجم مخابرات </a:t>
-            </a:r>
-            <a:r>
-              <a:rPr lang="en-US" sz="3200" b="1" dirty="0"/>
-              <a:t>5G</a:t>
-            </a:r>
-          </a:p>
-        </p:txBody>
-      </p:sp>
-      <p:sp>
-        <p:nvSpPr>
-          <p:cNvPr id="3" name="Content Placeholder 2"/>
+            <a:r>
+              <a:rPr lang="fa-IR" dirty="0"/>
+              <a:t>نتیجه گیری</a:t>
+            </a:r>
+            <a:endParaRPr lang="en-US" dirty="0"/>
+          </a:p>
+        </p:txBody>
+      </p:sp>
+      <p:sp>
+        <p:nvSpPr>
+          <p:cNvPr id="3" name="Content Placeholder 2">
+            <a:extLst>
+              <a:ext uri="{FF2B5EF4-FFF2-40B4-BE49-F238E27FC236}">
+                <a16:creationId xmlns:a16="http://schemas.microsoft.com/office/drawing/2014/main" id="{9E5977FC-AB01-4C81-8BAE-2A5C6A7983C1}"/>
+              </a:ext>
+            </a:extLst>
+          </p:cNvPr>
           <p:cNvSpPr>
             <a:spLocks noGrp="1"/>
           </p:cNvSpPr>
@@ -33152,317 +34005,117 @@
         </p:nvSpPr>
         <p:spPr>
           <a:xfrm>
-            <a:off x="668618" y="1449300"/>
-            <a:ext cx="9514412" cy="5093958"/>
+            <a:off x="1336948" y="1621306"/>
+            <a:ext cx="9328916" cy="5165258"/>
           </a:xfrm>
         </p:spPr>
         <p:txBody>
           <a:bodyPr>
-            <a:normAutofit fontScale="92500" lnSpcReduction="10000"/>
+            <a:normAutofit fontScale="25000" lnSpcReduction="20000"/>
           </a:bodyPr>
           <a:lstStyle/>
           <a:p>
-            <a:pPr>
-              <a:buFont typeface="Wingdings" panose="05000000000000000000" pitchFamily="2" charset="2"/>
-              <a:buChar char="Ø"/>
-            </a:pPr>
-            <a:r>
-              <a:rPr lang="fa-IR" dirty="0">
+            <a:r>
+              <a:rPr lang="fa-IR" sz="9600" b="0" i="0" dirty="0">
                 <a:solidFill>
-                  <a:schemeClr val="tx1"/>
+                  <a:srgbClr val="000000"/>
                 </a:solidFill>
+                <a:effectLst/>
+                <a:latin typeface="IRLotus"/>
               </a:rPr>
-              <a:t>مزایای </a:t>
-            </a:r>
-            <a:r>
-              <a:rPr lang="en-US" sz="1800" dirty="0">
+              <a:t>مسئله ی برش شبکه در بخش رادیویی و قرارگیری توابع مجازی شبکه برروی مراکز داده باهم مورد بررسی قرار گرفته شد</a:t>
+            </a:r>
+            <a:r>
+              <a:rPr lang="fa-IR" sz="9600" dirty="0"/>
+              <a:t> </a:t>
+            </a:r>
+          </a:p>
+          <a:p>
+            <a:r>
+              <a:rPr lang="fa-IR" sz="9600" dirty="0"/>
+              <a:t>مسئله را می توان به دو مسئله تبدیل کرد و هر کدام را با الگوریتمهای مرکزی حل نمود</a:t>
+            </a:r>
+          </a:p>
+          <a:p>
+            <a:r>
+              <a:rPr lang="fa-IR" sz="9600" dirty="0"/>
+              <a:t>این دو مسئله به صورت مسئله ی بسته بندی جعبه چند بعدی می باشد</a:t>
+            </a:r>
+          </a:p>
+          <a:p>
+            <a:r>
+              <a:rPr lang="fa-IR" sz="9600" b="0" i="0" dirty="0">
                 <a:solidFill>
-                  <a:schemeClr val="tx1"/>
+                  <a:srgbClr val="000000"/>
                 </a:solidFill>
+                <a:effectLst/>
+                <a:latin typeface="IRLotus"/>
               </a:rPr>
-              <a:t>5G</a:t>
-            </a:r>
-            <a:r>
-              <a:rPr lang="fa-IR" sz="2400" dirty="0">
-                <a:solidFill>
-                  <a:schemeClr val="tx1"/>
-                </a:solidFill>
-              </a:rPr>
+              <a:t>حالتی که تداخل به نسبت کم باشد به حالت بهینه بسیار نزدیک است</a:t>
+            </a:r>
+            <a:r>
+              <a:rPr lang="fa-IR" sz="9600" dirty="0"/>
               <a:t> </a:t>
             </a:r>
-            <a:r>
-              <a:rPr lang="fa-IR" dirty="0">
-                <a:solidFill>
-                  <a:schemeClr val="tx1"/>
-                </a:solidFill>
-              </a:rPr>
-              <a:t>در برابر </a:t>
-            </a:r>
-            <a:r>
-              <a:rPr lang="en-US" sz="1800" dirty="0">
-                <a:solidFill>
-                  <a:schemeClr val="tx1"/>
-                </a:solidFill>
-              </a:rPr>
-              <a:t>4G</a:t>
-            </a:r>
-            <a:r>
-              <a:rPr lang="fa-IR" sz="2400" dirty="0">
-                <a:solidFill>
-                  <a:schemeClr val="tx1"/>
-                </a:solidFill>
-              </a:rPr>
-              <a:t> </a:t>
-            </a:r>
-            <a:r>
-              <a:rPr lang="fa-IR" dirty="0">
-                <a:solidFill>
-                  <a:schemeClr val="tx1"/>
-                </a:solidFill>
-              </a:rPr>
-              <a:t>:</a:t>
-            </a:r>
-          </a:p>
-          <a:p>
-            <a:pPr lvl="1">
-              <a:buFont typeface="Wingdings" panose="05000000000000000000" pitchFamily="2" charset="2"/>
-              <a:buChar char="Ø"/>
-            </a:pPr>
-            <a:r>
-              <a:rPr lang="fa-IR" dirty="0">
-                <a:solidFill>
-                  <a:schemeClr val="tx1"/>
-                </a:solidFill>
-              </a:rPr>
-              <a:t>ارائه طیف بالاتر و بهره وری انرژی بیشتر</a:t>
-            </a:r>
-            <a:endParaRPr lang="en-US" dirty="0">
-              <a:solidFill>
-                <a:schemeClr val="tx1"/>
-              </a:solidFill>
-            </a:endParaRPr>
-          </a:p>
-          <a:p>
-            <a:pPr lvl="1">
-              <a:buFont typeface="Wingdings" panose="05000000000000000000" pitchFamily="2" charset="2"/>
-              <a:buChar char="Ø"/>
-            </a:pPr>
-            <a:r>
-              <a:rPr lang="fa-IR" dirty="0">
-                <a:solidFill>
-                  <a:schemeClr val="tx1"/>
-                </a:solidFill>
-              </a:rPr>
-              <a:t>دستیابی</a:t>
-            </a:r>
-            <a:r>
-              <a:rPr lang="en-US" sz="1800" dirty="0">
-                <a:solidFill>
-                  <a:schemeClr val="tx1"/>
-                </a:solidFill>
-              </a:rPr>
-              <a:t>5G</a:t>
-            </a:r>
-            <a:r>
-              <a:rPr lang="en-US" dirty="0">
-                <a:solidFill>
-                  <a:schemeClr val="tx1"/>
-                </a:solidFill>
-              </a:rPr>
-              <a:t> </a:t>
-            </a:r>
-            <a:r>
-              <a:rPr lang="fa-IR" dirty="0">
-                <a:solidFill>
-                  <a:schemeClr val="tx1"/>
-                </a:solidFill>
-              </a:rPr>
-              <a:t> به رشد ظرفیت سیستم با ضریب حداقل 1000</a:t>
-            </a:r>
-          </a:p>
-          <a:p>
-            <a:pPr lvl="1">
-              <a:buFont typeface="Wingdings" panose="05000000000000000000" pitchFamily="2" charset="2"/>
-              <a:buChar char="Ø"/>
-            </a:pPr>
-            <a:r>
-              <a:rPr lang="fa-IR" dirty="0">
-                <a:solidFill>
-                  <a:schemeClr val="tx1"/>
-                </a:solidFill>
-              </a:rPr>
-              <a:t> بهینه سازی انرژی با ضریب حداقل 10</a:t>
-            </a:r>
-          </a:p>
-          <a:p>
-            <a:pPr>
-              <a:buFont typeface="Wingdings" panose="05000000000000000000" pitchFamily="2" charset="2"/>
-              <a:buChar char="Ø"/>
-            </a:pPr>
-            <a:r>
-              <a:rPr lang="fa-IR" dirty="0">
-                <a:solidFill>
-                  <a:schemeClr val="tx1"/>
-                </a:solidFill>
-              </a:rPr>
-              <a:t>شامل یک شبکه ی فشرده با هسته ی هوشمند و منعطف</a:t>
-            </a:r>
-          </a:p>
-          <a:p>
-            <a:pPr>
-              <a:buFont typeface="Wingdings" panose="05000000000000000000" pitchFamily="2" charset="2"/>
-              <a:buChar char="Ø"/>
-            </a:pPr>
-            <a:r>
-              <a:rPr lang="fa-IR" dirty="0">
-                <a:solidFill>
-                  <a:schemeClr val="tx1"/>
-                </a:solidFill>
-              </a:rPr>
-              <a:t>فناوری های مورد استفاده</a:t>
-            </a:r>
-            <a:endParaRPr lang="en-US" dirty="0">
-              <a:solidFill>
-                <a:schemeClr val="tx1"/>
-              </a:solidFill>
-            </a:endParaRPr>
-          </a:p>
-          <a:p>
-            <a:pPr lvl="1"/>
-            <a:r>
-              <a:rPr lang="ar-IQ" dirty="0"/>
-              <a:t>شبکه ی تعریف شده ی نرم افزاری </a:t>
-            </a:r>
-            <a:r>
-              <a:rPr lang="en-US" dirty="0"/>
-              <a:t>SDN</a:t>
-            </a:r>
-            <a:r>
-              <a:rPr lang="ar-IQ" dirty="0"/>
-              <a:t> </a:t>
-            </a:r>
-            <a:endParaRPr lang="en-US" dirty="0">
-              <a:solidFill>
-                <a:schemeClr val="tx1"/>
-              </a:solidFill>
-            </a:endParaRPr>
-          </a:p>
-          <a:p>
-            <a:pPr lvl="1"/>
-            <a:r>
-              <a:rPr lang="fa-IR" dirty="0">
-                <a:solidFill>
-                  <a:schemeClr val="tx1"/>
-                </a:solidFill>
-              </a:rPr>
-              <a:t>برش شبکه</a:t>
-            </a:r>
-          </a:p>
-          <a:p>
-            <a:pPr lvl="1"/>
-            <a:r>
-              <a:rPr lang="fa-IR" dirty="0">
-                <a:solidFill>
-                  <a:schemeClr val="tx1"/>
-                </a:solidFill>
-              </a:rPr>
-              <a:t>مجازی سازی توابع شبکه</a:t>
-            </a:r>
-          </a:p>
-          <a:p>
-            <a:pPr lvl="1">
-              <a:buFont typeface="Wingdings" panose="05000000000000000000" pitchFamily="2" charset="2"/>
-              <a:buChar char="Ø"/>
-            </a:pPr>
-            <a:r>
-              <a:rPr lang="fa-IR" dirty="0">
-                <a:solidFill>
-                  <a:schemeClr val="tx1"/>
-                </a:solidFill>
-              </a:rPr>
-              <a:t>موج میلیمتری</a:t>
-            </a:r>
-          </a:p>
-          <a:p>
-            <a:pPr lvl="1">
-              <a:buFont typeface="Wingdings" panose="05000000000000000000" pitchFamily="2" charset="2"/>
-              <a:buChar char="Ø"/>
-            </a:pPr>
-            <a:r>
-              <a:rPr lang="en-US" dirty="0">
-                <a:solidFill>
-                  <a:schemeClr val="tx1"/>
-                </a:solidFill>
-              </a:rPr>
-              <a:t>femtocell</a:t>
-            </a:r>
-            <a:endParaRPr lang="fa-IR" dirty="0">
-              <a:solidFill>
-                <a:schemeClr val="tx1"/>
-              </a:solidFill>
-            </a:endParaRPr>
-          </a:p>
-          <a:p>
-            <a:pPr lvl="1">
-              <a:buFont typeface="Wingdings" panose="05000000000000000000" pitchFamily="2" charset="2"/>
-              <a:buChar char="Ø"/>
-            </a:pPr>
-            <a:r>
-              <a:rPr lang="en-US" sz="1800" dirty="0">
-                <a:solidFill>
-                  <a:schemeClr val="tx1"/>
-                </a:solidFill>
-              </a:rPr>
-              <a:t>Massive MIMO</a:t>
-            </a:r>
-            <a:endParaRPr lang="fa-IR" sz="1800" dirty="0">
-              <a:solidFill>
-                <a:schemeClr val="tx1"/>
-              </a:solidFill>
-            </a:endParaRPr>
-          </a:p>
-          <a:p>
-            <a:pPr lvl="1">
-              <a:buFont typeface="Wingdings" panose="05000000000000000000" pitchFamily="2" charset="2"/>
-              <a:buChar char="Ø"/>
-            </a:pPr>
-            <a:r>
-              <a:rPr lang="en-US" sz="1800" dirty="0">
-                <a:solidFill>
-                  <a:schemeClr val="tx1"/>
-                </a:solidFill>
-              </a:rPr>
-              <a:t>ORAN</a:t>
-            </a:r>
-          </a:p>
-          <a:p>
-            <a:pPr lvl="1">
-              <a:buFont typeface="Wingdings" panose="05000000000000000000" pitchFamily="2" charset="2"/>
-              <a:buChar char="Ø"/>
-            </a:pPr>
-            <a:endParaRPr lang="fa-IR" dirty="0">
-              <a:solidFill>
-                <a:schemeClr val="tx1"/>
-              </a:solidFill>
-            </a:endParaRPr>
+            <a:endParaRPr lang="en-US" sz="9600" dirty="0"/>
+          </a:p>
+          <a:p>
+            <a:r>
+              <a:rPr lang="fa-IR" sz="9600" dirty="0"/>
+              <a:t>مسئله بخش رادیویی و هسته به صورت ساده شده در حالت دینامیکی حل گردیده است</a:t>
+            </a:r>
+          </a:p>
+          <a:p>
+            <a:r>
+              <a:rPr lang="fa-IR" sz="9600" dirty="0"/>
+              <a:t>از روش یادگیری تقویتی برای حل مسئله استفاده شده است</a:t>
+            </a:r>
+          </a:p>
+          <a:p>
+            <a:r>
+              <a:rPr lang="fa-IR" sz="9600" dirty="0"/>
+              <a:t>در این مسئله مقادیر طوری در نظر گرفته شده اند که تعداد حالتها و اعمال گسسته و قابل شمارش باشند </a:t>
+            </a:r>
+          </a:p>
+          <a:p>
+            <a:r>
+              <a:rPr lang="fa-IR" sz="9600" dirty="0"/>
+              <a:t>با افزایش تعداد برشهای شبکه مقدار خروجی از مقدار بهینه فاصله می گیرد</a:t>
+            </a:r>
+            <a:endParaRPr lang="en-US" sz="9600" dirty="0"/>
+          </a:p>
+          <a:p>
+            <a:endParaRPr lang="fa-IR" sz="9600" dirty="0"/>
           </a:p>
           <a:p>
             <a:pPr marL="0" indent="0">
               <a:buNone/>
             </a:pPr>
+            <a:br>
+              <a:rPr lang="fa-IR" dirty="0"/>
+            </a:br>
+            <a:br>
+              <a:rPr lang="fa-IR" dirty="0"/>
+            </a:br>
             <a:endParaRPr lang="en-US" dirty="0"/>
           </a:p>
         </p:txBody>
       </p:sp>
       <p:sp>
         <p:nvSpPr>
-          <p:cNvPr id="11" name="Rounded Rectangle 10"/>
+          <p:cNvPr id="5" name="Rounded Rectangle 15">
+            <a:extLst>
+              <a:ext uri="{FF2B5EF4-FFF2-40B4-BE49-F238E27FC236}">
+                <a16:creationId xmlns:a16="http://schemas.microsoft.com/office/drawing/2014/main" id="{1748D836-D739-4E10-8B42-31F5850C44CF}"/>
+              </a:ext>
+            </a:extLst>
+          </p:cNvPr>
           <p:cNvSpPr/>
           <p:nvPr/>
         </p:nvSpPr>
         <p:spPr>
           <a:xfrm>
-            <a:off x="10782746" y="1203235"/>
+            <a:off x="10891234" y="1271911"/>
             <a:ext cx="1300766" cy="5586089"/>
           </a:xfrm>
           <a:prstGeom prst="roundRect">
@@ -33527,13 +34180,19 @@
       </p:sp>
       <p:sp>
         <p:nvSpPr>
-          <p:cNvPr id="12" name="Rectangle 11"/>
+          <p:cNvPr id="6" name="Rectangle 5">
+            <a:extLst>
+              <a:ext uri="{FF2B5EF4-FFF2-40B4-BE49-F238E27FC236}">
+                <a16:creationId xmlns:a16="http://schemas.microsoft.com/office/drawing/2014/main" id="{B97418D3-2DBA-4EA8-8E3B-0784D0FC82C2}"/>
+              </a:ext>
+            </a:extLst>
+          </p:cNvPr>
           <p:cNvSpPr/>
           <p:nvPr/>
         </p:nvSpPr>
         <p:spPr>
           <a:xfrm>
-            <a:off x="10975929" y="1382087"/>
+            <a:off x="11084417" y="1476163"/>
             <a:ext cx="927279" cy="872108"/>
           </a:xfrm>
           <a:prstGeom prst="rect">
@@ -33568,17 +34227,17 @@
           <a:p>
             <a:pPr algn="ctr"/>
             <a:r>
-              <a:rPr lang="fa-IR" b="1" dirty="0">
+              <a:rPr lang="fa-IR" dirty="0">
                 <a:solidFill>
-                  <a:schemeClr val="bg1"/>
+                  <a:schemeClr val="tx1"/>
                 </a:solidFill>
                 <a:cs typeface="B Nazanin" panose="00000400000000000000" pitchFamily="2" charset="-78"/>
               </a:rPr>
               <a:t>مقدمه</a:t>
             </a:r>
-            <a:endParaRPr lang="en-US" b="1" dirty="0">
+            <a:endParaRPr lang="en-US" dirty="0">
               <a:solidFill>
-                <a:schemeClr val="bg1"/>
+                <a:schemeClr val="tx1"/>
               </a:solidFill>
               <a:cs typeface="B Nazanin" panose="00000400000000000000" pitchFamily="2" charset="-78"/>
             </a:endParaRPr>
@@ -33587,44 +34246,38 @@
       </p:sp>
       <p:sp>
         <p:nvSpPr>
-          <p:cNvPr id="13" name="Rectangle 12"/>
+          <p:cNvPr id="7" name="Rectangle 6">
+            <a:extLst>
+              <a:ext uri="{FF2B5EF4-FFF2-40B4-BE49-F238E27FC236}">
+                <a16:creationId xmlns:a16="http://schemas.microsoft.com/office/drawing/2014/main" id="{B420E5A3-32DC-4519-8E67-2DF912C68621}"/>
+              </a:ext>
+            </a:extLst>
+          </p:cNvPr>
           <p:cNvSpPr/>
           <p:nvPr/>
         </p:nvSpPr>
         <p:spPr>
           <a:xfrm>
-            <a:off x="10975929" y="2415082"/>
+            <a:off x="11084417" y="2455499"/>
             <a:ext cx="914400" cy="914400"/>
           </a:xfrm>
           <a:prstGeom prst="rect">
             <a:avLst/>
           </a:prstGeom>
-          <a:gradFill flip="none" rotWithShape="1">
-            <a:gsLst>
-              <a:gs pos="0">
-                <a:schemeClr val="accent1">
-                  <a:tint val="66000"/>
-                  <a:satMod val="160000"/>
-                </a:schemeClr>
-              </a:gs>
-              <a:gs pos="50000">
-                <a:schemeClr val="accent1">
-                  <a:tint val="44500"/>
-                  <a:satMod val="160000"/>
-                </a:schemeClr>
-              </a:gs>
-              <a:gs pos="100000">
-                <a:schemeClr val="accent1">
-                  <a:tint val="23500"/>
-                  <a:satMod val="160000"/>
-                </a:schemeClr>
-              </a:gs>
-            </a:gsLst>
-            <a:path path="circle">
-              <a:fillToRect l="100000" t="100000"/>
-            </a:path>
-            <a:tileRect r="-100000" b="-100000"/>
-          </a:gradFill>
+          <a:solidFill>
+            <a:schemeClr val="tx2">
+              <a:lumMod val="60000"/>
+              <a:lumOff val="40000"/>
+            </a:schemeClr>
+          </a:solidFill>
+          <a:ln>
+            <a:solidFill>
+              <a:schemeClr val="tx2">
+                <a:lumMod val="60000"/>
+                <a:lumOff val="40000"/>
+              </a:schemeClr>
+            </a:solidFill>
+          </a:ln>
         </p:spPr>
         <p:style>
           <a:lnRef idx="2">
@@ -33667,44 +34320,32 @@
       </p:sp>
       <p:sp>
         <p:nvSpPr>
-          <p:cNvPr id="14" name="Rectangle 13"/>
+          <p:cNvPr id="8" name="Rectangle 7">
+            <a:extLst>
+              <a:ext uri="{FF2B5EF4-FFF2-40B4-BE49-F238E27FC236}">
+                <a16:creationId xmlns:a16="http://schemas.microsoft.com/office/drawing/2014/main" id="{30ADA281-566B-497E-9A6D-4687BC410F54}"/>
+              </a:ext>
+            </a:extLst>
+          </p:cNvPr>
           <p:cNvSpPr/>
           <p:nvPr/>
         </p:nvSpPr>
         <p:spPr>
           <a:xfrm>
-            <a:off x="10975929" y="3409406"/>
-            <a:ext cx="914400" cy="1173749"/>
+            <a:off x="11097296" y="3429000"/>
+            <a:ext cx="901520" cy="1234245"/>
           </a:xfrm>
           <a:prstGeom prst="rect">
             <a:avLst/>
           </a:prstGeom>
-          <a:gradFill flip="none" rotWithShape="1">
-            <a:gsLst>
-              <a:gs pos="0">
-                <a:schemeClr val="accent1">
-                  <a:tint val="66000"/>
-                  <a:satMod val="160000"/>
-                </a:schemeClr>
-              </a:gs>
-              <a:gs pos="50000">
-                <a:schemeClr val="accent1">
-                  <a:tint val="44500"/>
-                  <a:satMod val="160000"/>
-                </a:schemeClr>
-              </a:gs>
-              <a:gs pos="100000">
-                <a:schemeClr val="accent1">
-                  <a:tint val="23500"/>
-                  <a:satMod val="160000"/>
-                </a:schemeClr>
-              </a:gs>
-            </a:gsLst>
-            <a:path path="circle">
-              <a:fillToRect l="50000" t="50000" r="50000" b="50000"/>
-            </a:path>
-            <a:tileRect/>
-          </a:gradFill>
+          <a:solidFill>
+            <a:schemeClr val="accent1"/>
+          </a:solidFill>
+          <a:ln>
+            <a:solidFill>
+              <a:schemeClr val="accent1"/>
+            </a:solidFill>
+          </a:ln>
         </p:spPr>
         <p:style>
           <a:lnRef idx="2">
@@ -33747,44 +34388,27 @@
       </p:sp>
       <p:sp>
         <p:nvSpPr>
-          <p:cNvPr id="15" name="Rectangle 14"/>
+          <p:cNvPr id="9" name="Rectangle 8">
+            <a:extLst>
+              <a:ext uri="{FF2B5EF4-FFF2-40B4-BE49-F238E27FC236}">
+                <a16:creationId xmlns:a16="http://schemas.microsoft.com/office/drawing/2014/main" id="{A4AA7B1A-76B9-4D9D-907C-868E92F7CA03}"/>
+              </a:ext>
+            </a:extLst>
+          </p:cNvPr>
           <p:cNvSpPr/>
           <p:nvPr/>
         </p:nvSpPr>
         <p:spPr>
           <a:xfrm>
-            <a:off x="10948455" y="4708310"/>
-            <a:ext cx="914400" cy="914400"/>
+            <a:off x="11110176" y="4722346"/>
+            <a:ext cx="901520" cy="987447"/>
           </a:xfrm>
           <a:prstGeom prst="rect">
             <a:avLst/>
           </a:prstGeom>
-          <a:gradFill flip="none" rotWithShape="1">
-            <a:gsLst>
-              <a:gs pos="0">
-                <a:schemeClr val="accent1">
-                  <a:tint val="66000"/>
-                  <a:satMod val="160000"/>
-                </a:schemeClr>
-              </a:gs>
-              <a:gs pos="50000">
-                <a:schemeClr val="accent1">
-                  <a:tint val="44500"/>
-                  <a:satMod val="160000"/>
-                </a:schemeClr>
-              </a:gs>
-              <a:gs pos="100000">
-                <a:schemeClr val="accent1">
-                  <a:tint val="23500"/>
-                  <a:satMod val="160000"/>
-                </a:schemeClr>
-              </a:gs>
-            </a:gsLst>
-            <a:path path="circle">
-              <a:fillToRect l="50000" t="50000" r="50000" b="50000"/>
-            </a:path>
-            <a:tileRect/>
-          </a:gradFill>
+          <a:solidFill>
+            <a:schemeClr val="accent1"/>
+          </a:solidFill>
         </p:spPr>
         <p:style>
           <a:lnRef idx="2">
@@ -33827,44 +34451,27 @@
       </p:sp>
       <p:sp>
         <p:nvSpPr>
-          <p:cNvPr id="16" name="Rectangle 15"/>
+          <p:cNvPr id="10" name="Rectangle 9">
+            <a:extLst>
+              <a:ext uri="{FF2B5EF4-FFF2-40B4-BE49-F238E27FC236}">
+                <a16:creationId xmlns:a16="http://schemas.microsoft.com/office/drawing/2014/main" id="{43BA74E0-177B-4ABD-A8BC-BE4E97BCA6C6}"/>
+              </a:ext>
+            </a:extLst>
+          </p:cNvPr>
           <p:cNvSpPr/>
           <p:nvPr/>
         </p:nvSpPr>
         <p:spPr>
           <a:xfrm>
-            <a:off x="10975929" y="5747865"/>
+            <a:off x="11110176" y="5781229"/>
             <a:ext cx="914400" cy="1005335"/>
           </a:xfrm>
           <a:prstGeom prst="rect">
             <a:avLst/>
           </a:prstGeom>
-          <a:gradFill flip="none" rotWithShape="1">
-            <a:gsLst>
-              <a:gs pos="0">
-                <a:schemeClr val="accent1">
-                  <a:tint val="66000"/>
-                  <a:satMod val="160000"/>
-                </a:schemeClr>
-              </a:gs>
-              <a:gs pos="50000">
-                <a:schemeClr val="accent1">
-                  <a:tint val="44500"/>
-                  <a:satMod val="160000"/>
-                </a:schemeClr>
-              </a:gs>
-              <a:gs pos="100000">
-                <a:schemeClr val="accent1">
-                  <a:tint val="23500"/>
-                  <a:satMod val="160000"/>
-                </a:schemeClr>
-              </a:gs>
-            </a:gsLst>
-            <a:path path="circle">
-              <a:fillToRect l="50000" t="50000" r="50000" b="50000"/>
-            </a:path>
-            <a:tileRect/>
-          </a:gradFill>
+          <a:solidFill>
+            <a:schemeClr val="accent1"/>
+          </a:solidFill>
         </p:spPr>
         <p:style>
           <a:lnRef idx="2">
@@ -33888,17 +34495,17 @@
           <a:p>
             <a:pPr algn="ctr"/>
             <a:r>
-              <a:rPr lang="fa-IR" sz="1500" dirty="0">
+              <a:rPr lang="fa-IR" sz="1500" b="1" dirty="0">
                 <a:solidFill>
-                  <a:schemeClr val="tx1"/>
+                  <a:schemeClr val="bg1"/>
                 </a:solidFill>
                 <a:cs typeface="B Nazanin" panose="00000400000000000000" pitchFamily="2" charset="-78"/>
               </a:rPr>
               <a:t>نتیجه گیری و پیشنهادات</a:t>
             </a:r>
-            <a:endParaRPr lang="en-US" sz="1500" dirty="0">
+            <a:endParaRPr lang="en-US" sz="1500" b="1" dirty="0">
               <a:solidFill>
-                <a:schemeClr val="tx1"/>
+                <a:schemeClr val="bg1"/>
               </a:solidFill>
               <a:cs typeface="B Nazanin" panose="00000400000000000000" pitchFamily="2" charset="-78"/>
             </a:endParaRPr>
@@ -33907,10 +34514,10 @@
       </p:sp>
       <p:sp>
         <p:nvSpPr>
-          <p:cNvPr id="5" name="Slide Number Placeholder 4">
+          <p:cNvPr id="11" name="Slide Number Placeholder 10">
             <a:extLst>
               <a:ext uri="{FF2B5EF4-FFF2-40B4-BE49-F238E27FC236}">
-                <a16:creationId xmlns:a16="http://schemas.microsoft.com/office/drawing/2014/main" id="{723D8EBB-EFB6-4342-8757-582748EDF95D}"/>
+                <a16:creationId xmlns:a16="http://schemas.microsoft.com/office/drawing/2014/main" id="{B5BF63E0-CE7E-48FE-9A86-E412CD8C85B0}"/>
               </a:ext>
             </a:extLst>
           </p:cNvPr>
@@ -33929,15 +34536,11 @@
             <a:fld id="{D57F1E4F-1CFF-5643-939E-217C01CDF565}" type="slidenum">
               <a:rPr lang="en-US" smtClean="0"/>
               <a:pPr/>
-              <a:t>4</a:t>
+              <a:t>40</a:t>
             </a:fld>
             <a:r>
               <a:rPr lang="en-US"/>
-              <a:t>/3</a:t>
-            </a:r>
-            <a:r>
-              <a:rPr lang="fa-IR"/>
-              <a:t>9</a:t>
+              <a:t>/41</a:t>
             </a:r>
             <a:endParaRPr lang="en-US" dirty="0"/>
           </a:p>
@@ -33946,7 +34549,7 @@
     </p:spTree>
     <p:extLst>
       <p:ext uri="{BB962C8B-B14F-4D97-AF65-F5344CB8AC3E}">
-        <p14:creationId xmlns:p14="http://schemas.microsoft.com/office/powerpoint/2010/main" val="3427082847"/>
+        <p14:creationId xmlns:p14="http://schemas.microsoft.com/office/powerpoint/2010/main" val="1847395843"/>
       </p:ext>
     </p:extLst>
   </p:cSld>
@@ -33956,7 +34559,7 @@
 </p:sld>
 </file>
 
-<file path=ppt/slides/slide40.xml><?xml version="1.0" encoding="utf-8"?>
+<file path=ppt/slides/slide41.xml><?xml version="1.0" encoding="utf-8"?>
 <p:sld xmlns:a="http://schemas.openxmlformats.org/drawingml/2006/main" xmlns:r="http://schemas.openxmlformats.org/officeDocument/2006/relationships" xmlns:p="http://schemas.openxmlformats.org/presentationml/2006/main">
   <p:cSld>
     <p:spTree>
@@ -34009,10 +34612,10 @@
       </p:sp>
       <p:sp>
         <p:nvSpPr>
-          <p:cNvPr id="3" name="Slide Number Placeholder 2">
+          <p:cNvPr id="4" name="Slide Number Placeholder 3">
             <a:extLst>
               <a:ext uri="{FF2B5EF4-FFF2-40B4-BE49-F238E27FC236}">
-                <a16:creationId xmlns:a16="http://schemas.microsoft.com/office/drawing/2014/main" id="{191BE204-428F-457D-A733-B19DFA2B31AC}"/>
+                <a16:creationId xmlns:a16="http://schemas.microsoft.com/office/drawing/2014/main" id="{7B5166E8-EF91-43B9-A31A-D3B2274D6A0C}"/>
               </a:ext>
             </a:extLst>
           </p:cNvPr>
@@ -34031,15 +34634,11 @@
             <a:fld id="{D57F1E4F-1CFF-5643-939E-217C01CDF565}" type="slidenum">
               <a:rPr lang="en-US" smtClean="0"/>
               <a:pPr/>
-              <a:t>40</a:t>
+              <a:t>41</a:t>
             </a:fld>
             <a:r>
               <a:rPr lang="en-US"/>
-              <a:t>/3</a:t>
-            </a:r>
-            <a:r>
-              <a:rPr lang="fa-IR"/>
-              <a:t>9</a:t>
+              <a:t>/41</a:t>
             </a:r>
             <a:endParaRPr lang="en-US" dirty="0"/>
           </a:p>
@@ -34800,10 +35399,10 @@
       </p:pic>
       <p:sp>
         <p:nvSpPr>
-          <p:cNvPr id="4" name="Slide Number Placeholder 3">
+          <p:cNvPr id="5" name="Slide Number Placeholder 4">
             <a:extLst>
               <a:ext uri="{FF2B5EF4-FFF2-40B4-BE49-F238E27FC236}">
-                <a16:creationId xmlns:a16="http://schemas.microsoft.com/office/drawing/2014/main" id="{BEA19846-E4B1-4A71-8B1B-2015327F4AE7}"/>
+                <a16:creationId xmlns:a16="http://schemas.microsoft.com/office/drawing/2014/main" id="{77726C75-53A1-4AC6-93E6-CECE2C150CEA}"/>
               </a:ext>
             </a:extLst>
           </p:cNvPr>
@@ -34826,11 +35425,7 @@
             </a:fld>
             <a:r>
               <a:rPr lang="en-US"/>
-              <a:t>/3</a:t>
-            </a:r>
-            <a:r>
-              <a:rPr lang="fa-IR"/>
-              <a:t>9</a:t>
+              <a:t>/41</a:t>
             </a:r>
             <a:endParaRPr lang="en-US" dirty="0"/>
           </a:p>
@@ -35648,10 +36243,10 @@
       </p:pic>
       <p:sp>
         <p:nvSpPr>
-          <p:cNvPr id="4" name="Slide Number Placeholder 3">
+          <p:cNvPr id="6" name="Slide Number Placeholder 5">
             <a:extLst>
               <a:ext uri="{FF2B5EF4-FFF2-40B4-BE49-F238E27FC236}">
-                <a16:creationId xmlns:a16="http://schemas.microsoft.com/office/drawing/2014/main" id="{3B3AF3C5-844B-4E67-A88F-0F2D0311BD3F}"/>
+                <a16:creationId xmlns:a16="http://schemas.microsoft.com/office/drawing/2014/main" id="{9422CBF5-BAD2-434A-BEAA-C63C6CFF3377}"/>
               </a:ext>
             </a:extLst>
           </p:cNvPr>
@@ -35674,11 +36269,7 @@
             </a:fld>
             <a:r>
               <a:rPr lang="en-US"/>
-              <a:t>/3</a:t>
-            </a:r>
-            <a:r>
-              <a:rPr lang="fa-IR"/>
-              <a:t>9</a:t>
+              <a:t>/41</a:t>
             </a:r>
             <a:endParaRPr lang="en-US" dirty="0"/>
           </a:p>
@@ -36387,10 +36978,10 @@
       </p:sp>
       <p:sp>
         <p:nvSpPr>
-          <p:cNvPr id="4" name="Slide Number Placeholder 3">
+          <p:cNvPr id="11" name="Slide Number Placeholder 10">
             <a:extLst>
               <a:ext uri="{FF2B5EF4-FFF2-40B4-BE49-F238E27FC236}">
-                <a16:creationId xmlns:a16="http://schemas.microsoft.com/office/drawing/2014/main" id="{3C774782-4F7E-40C8-9544-9BADA6F496C5}"/>
+                <a16:creationId xmlns:a16="http://schemas.microsoft.com/office/drawing/2014/main" id="{229C57AF-94E6-4304-BE90-8402A29B2290}"/>
               </a:ext>
             </a:extLst>
           </p:cNvPr>
@@ -36413,11 +37004,7 @@
             </a:fld>
             <a:r>
               <a:rPr lang="en-US"/>
-              <a:t>/3</a:t>
-            </a:r>
-            <a:r>
-              <a:rPr lang="fa-IR"/>
-              <a:t>9</a:t>
+              <a:t>/41</a:t>
             </a:r>
             <a:endParaRPr lang="en-US" dirty="0"/>
           </a:p>
@@ -37131,10 +37718,10 @@
       </p:sp>
       <p:sp>
         <p:nvSpPr>
-          <p:cNvPr id="4" name="Slide Number Placeholder 3">
+          <p:cNvPr id="12" name="Slide Number Placeholder 11">
             <a:extLst>
               <a:ext uri="{FF2B5EF4-FFF2-40B4-BE49-F238E27FC236}">
-                <a16:creationId xmlns:a16="http://schemas.microsoft.com/office/drawing/2014/main" id="{0F323CDE-5937-4BF3-9427-A396516946B4}"/>
+                <a16:creationId xmlns:a16="http://schemas.microsoft.com/office/drawing/2014/main" id="{73BB2158-B04B-481F-9DF6-164CE5B4D931}"/>
               </a:ext>
             </a:extLst>
           </p:cNvPr>
@@ -37157,11 +37744,7 @@
             </a:fld>
             <a:r>
               <a:rPr lang="en-US"/>
-              <a:t>/3</a:t>
-            </a:r>
-            <a:r>
-              <a:rPr lang="fa-IR"/>
-              <a:t>9</a:t>
+              <a:t>/41</a:t>
             </a:r>
             <a:endParaRPr lang="en-US" dirty="0"/>
           </a:p>
@@ -37903,10 +38486,10 @@
       </p:pic>
       <p:sp>
         <p:nvSpPr>
-          <p:cNvPr id="4" name="Slide Number Placeholder 3">
+          <p:cNvPr id="12" name="Slide Number Placeholder 11">
             <a:extLst>
               <a:ext uri="{FF2B5EF4-FFF2-40B4-BE49-F238E27FC236}">
-                <a16:creationId xmlns:a16="http://schemas.microsoft.com/office/drawing/2014/main" id="{5325C46C-7CAE-471A-B695-2430208C6332}"/>
+                <a16:creationId xmlns:a16="http://schemas.microsoft.com/office/drawing/2014/main" id="{295C14C4-CDB1-40AB-91F7-A3AFAEF80824}"/>
               </a:ext>
             </a:extLst>
           </p:cNvPr>
@@ -37929,11 +38512,7 @@
             </a:fld>
             <a:r>
               <a:rPr lang="en-US"/>
-              <a:t>/3</a:t>
-            </a:r>
-            <a:r>
-              <a:rPr lang="fa-IR"/>
-              <a:t>9</a:t>
+              <a:t>/41</a:t>
             </a:r>
             <a:endParaRPr lang="en-US" dirty="0"/>
           </a:p>

--- a/Latex/tex1/proposal.pptx
+++ b/Latex/tex1/proposal.pptx
@@ -237,7 +237,7 @@
           <a:p>
             <a:fld id="{63335B88-4C89-4578-A075-4D3E83B0A887}" type="datetimeFigureOut">
               <a:rPr lang="en-US" smtClean="0"/>
-              <a:t>11/14/2020</a:t>
+              <a:t>11/15/2020</a:t>
             </a:fld>
             <a:endParaRPr lang="en-US"/>
           </a:p>
@@ -863,7 +863,7 @@
           <a:p>
             <a:fld id="{A06D63F3-DB9B-4CFC-B16E-BC719EE96600}" type="datetime1">
               <a:rPr lang="en-US" smtClean="0"/>
-              <a:t>11/14/2020</a:t>
+              <a:t>11/15/2020</a:t>
             </a:fld>
             <a:endParaRPr lang="en-US" dirty="0"/>
           </a:p>
@@ -1267,7 +1267,7 @@
           <a:p>
             <a:fld id="{77546F32-9D7A-42B9-BEDE-87D62D098AFE}" type="datetime1">
               <a:rPr lang="en-US" smtClean="0"/>
-              <a:t>11/14/2020</a:t>
+              <a:t>11/15/2020</a:t>
             </a:fld>
             <a:endParaRPr lang="en-US" dirty="0"/>
           </a:p>
@@ -1664,7 +1664,7 @@
           <a:p>
             <a:fld id="{21C2E7FD-BC70-4739-A4DE-F4F03D68BC38}" type="datetime1">
               <a:rPr lang="en-US" smtClean="0"/>
-              <a:t>11/14/2020</a:t>
+              <a:t>11/15/2020</a:t>
             </a:fld>
             <a:endParaRPr lang="en-US" dirty="0"/>
           </a:p>
@@ -1996,7 +1996,7 @@
           <a:p>
             <a:fld id="{9AD7BF60-6EA6-48D4-B69D-0A47688B91B6}" type="datetime1">
               <a:rPr lang="en-US" smtClean="0"/>
-              <a:t>11/14/2020</a:t>
+              <a:t>11/15/2020</a:t>
             </a:fld>
             <a:endParaRPr lang="en-US" dirty="0"/>
           </a:p>
@@ -2312,7 +2312,7 @@
           <a:p>
             <a:fld id="{62C898E1-2BD4-487C-ADC4-075188E51716}" type="datetime1">
               <a:rPr lang="en-US" smtClean="0"/>
-              <a:t>11/14/2020</a:t>
+              <a:t>11/15/2020</a:t>
             </a:fld>
             <a:endParaRPr lang="en-US" dirty="0"/>
           </a:p>
@@ -2704,7 +2704,7 @@
           <a:p>
             <a:fld id="{3CC0BB44-E3E9-424B-8834-24EFAC066A23}" type="datetime1">
               <a:rPr lang="en-US" smtClean="0"/>
-              <a:t>11/14/2020</a:t>
+              <a:t>11/15/2020</a:t>
             </a:fld>
             <a:endParaRPr lang="en-US" dirty="0"/>
           </a:p>
@@ -2957,7 +2957,7 @@
           <a:p>
             <a:fld id="{AD77A1F1-C64C-4FDE-B89C-5D828018195F}" type="datetime1">
               <a:rPr lang="en-US" smtClean="0"/>
-              <a:t>11/14/2020</a:t>
+              <a:t>11/15/2020</a:t>
             </a:fld>
             <a:endParaRPr lang="en-US" dirty="0"/>
           </a:p>
@@ -3215,7 +3215,7 @@
           <a:p>
             <a:fld id="{CF6906B3-D87A-4428-8548-D10EF02CA5E5}" type="datetime1">
               <a:rPr lang="en-US" smtClean="0"/>
-              <a:t>11/14/2020</a:t>
+              <a:t>11/15/2020</a:t>
             </a:fld>
             <a:endParaRPr lang="en-US" dirty="0"/>
           </a:p>
@@ -3587,7 +3587,7 @@
           <a:p>
             <a:fld id="{F785C484-8DFF-44EC-AEAE-A201991DF07F}" type="datetime1">
               <a:rPr lang="en-US" smtClean="0"/>
-              <a:t>11/14/2020</a:t>
+              <a:t>11/15/2020</a:t>
             </a:fld>
             <a:endParaRPr lang="en-US" dirty="0"/>
           </a:p>
@@ -3987,7 +3987,7 @@
           <a:p>
             <a:fld id="{62124420-099B-4345-A590-7B379B5BD2CA}" type="datetime1">
               <a:rPr lang="en-US" smtClean="0"/>
-              <a:t>11/14/2020</a:t>
+              <a:t>11/15/2020</a:t>
             </a:fld>
             <a:endParaRPr lang="en-US" dirty="0"/>
           </a:p>
@@ -4376,7 +4376,7 @@
           <a:p>
             <a:fld id="{8C99827F-4F84-4E3D-AC2E-63EDC6B7EDF9}" type="datetime1">
               <a:rPr lang="en-US" smtClean="0"/>
-              <a:t>11/14/2020</a:t>
+              <a:t>11/15/2020</a:t>
             </a:fld>
             <a:endParaRPr lang="en-US" dirty="0"/>
           </a:p>
@@ -4889,7 +4889,7 @@
           <a:p>
             <a:fld id="{3F65524B-0C93-4EF0-8FF7-488D92353176}" type="datetime1">
               <a:rPr lang="en-US" smtClean="0"/>
-              <a:t>11/14/2020</a:t>
+              <a:t>11/15/2020</a:t>
             </a:fld>
             <a:endParaRPr lang="en-US" dirty="0"/>
           </a:p>
@@ -5090,7 +5090,7 @@
           <a:p>
             <a:fld id="{441E4069-FCBC-40CA-8C67-698C6B211284}" type="datetime1">
               <a:rPr lang="en-US" smtClean="0"/>
-              <a:t>11/14/2020</a:t>
+              <a:t>11/15/2020</a:t>
             </a:fld>
             <a:endParaRPr lang="en-US" dirty="0"/>
           </a:p>
@@ -5328,7 +5328,7 @@
           <a:p>
             <a:fld id="{01E25061-CF07-46CD-B882-F3A1FC6E46A2}" type="datetime1">
               <a:rPr lang="en-US" smtClean="0"/>
-              <a:t>11/14/2020</a:t>
+              <a:t>11/15/2020</a:t>
             </a:fld>
             <a:endParaRPr lang="en-US" dirty="0"/>
           </a:p>
@@ -5665,7 +5665,7 @@
           <a:p>
             <a:fld id="{03635B37-6690-46B4-8E15-DF940C439962}" type="datetime1">
               <a:rPr lang="en-US" smtClean="0"/>
-              <a:t>11/14/2020</a:t>
+              <a:t>11/15/2020</a:t>
             </a:fld>
             <a:endParaRPr lang="en-US" dirty="0"/>
           </a:p>
@@ -6006,7 +6006,7 @@
           <a:p>
             <a:fld id="{1DE1B343-28F5-48E6-9C91-CDEE69C96721}" type="datetime1">
               <a:rPr lang="en-US" smtClean="0"/>
-              <a:t>11/14/2020</a:t>
+              <a:t>11/15/2020</a:t>
             </a:fld>
             <a:endParaRPr lang="en-US" dirty="0"/>
           </a:p>
@@ -8119,7 +8119,7 @@
           <a:p>
             <a:fld id="{BB1F109D-FD6A-41E9-B23A-7DD41F1C57FB}" type="datetime1">
               <a:rPr lang="en-US" smtClean="0"/>
-              <a:t>11/14/2020</a:t>
+              <a:t>11/15/2020</a:t>
             </a:fld>
             <a:endParaRPr lang="en-US" dirty="0"/>
           </a:p>
@@ -11274,7 +11274,19 @@
           <a:p>
             <a:r>
               <a:rPr lang="ar-IQ" dirty="0"/>
-              <a:t>شبکه دسترسی رادیویی تعر یف شده نرم افزار </a:t>
+              <a:t>شبکه دسترسی رادیویی تع</a:t>
+            </a:r>
+            <a:r>
+              <a:rPr lang="fa-IR"/>
+              <a:t>ر</a:t>
+            </a:r>
+            <a:r>
+              <a:rPr lang="ar-IQ"/>
+              <a:t>یف </a:t>
+            </a:r>
+            <a:r>
+              <a:rPr lang="ar-IQ" dirty="0"/>
+              <a:t>شده نرم افزار </a:t>
             </a:r>
             <a:br>
               <a:rPr lang="ar-IQ" dirty="0"/>
@@ -17291,8 +17303,8 @@
           </a:p>
         </p:txBody>
       </p:sp>
-      <mc:AlternateContent xmlns:mc="http://schemas.openxmlformats.org/markup-compatibility/2006">
-        <mc:Choice xmlns:a14="http://schemas.microsoft.com/office/drawing/2010/main" Requires="a14">
+      <mc:AlternateContent xmlns:mc="http://schemas.openxmlformats.org/markup-compatibility/2006" xmlns:a14="http://schemas.microsoft.com/office/drawing/2010/main">
+        <mc:Choice Requires="a14">
           <p:sp>
             <p:nvSpPr>
               <p:cNvPr id="3" name="Content Placeholder 2">
@@ -17552,7 +17564,7 @@
             </p:txBody>
           </p:sp>
         </mc:Choice>
-        <mc:Fallback>
+        <mc:Fallback xmlns="">
           <p:sp>
             <p:nvSpPr>
               <p:cNvPr id="3" name="Content Placeholder 2">

--- a/Latex/tex1/proposal.pptx
+++ b/Latex/tex1/proposal.pptx
@@ -237,7 +237,7 @@
           <a:p>
             <a:fld id="{63335B88-4C89-4578-A075-4D3E83B0A887}" type="datetimeFigureOut">
               <a:rPr lang="en-US" smtClean="0"/>
-              <a:t>11/15/2020</a:t>
+              <a:t>11/16/2020</a:t>
             </a:fld>
             <a:endParaRPr lang="en-US"/>
           </a:p>
@@ -863,7 +863,7 @@
           <a:p>
             <a:fld id="{A06D63F3-DB9B-4CFC-B16E-BC719EE96600}" type="datetime1">
               <a:rPr lang="en-US" smtClean="0"/>
-              <a:t>11/15/2020</a:t>
+              <a:t>11/16/2020</a:t>
             </a:fld>
             <a:endParaRPr lang="en-US" dirty="0"/>
           </a:p>
@@ -1267,7 +1267,7 @@
           <a:p>
             <a:fld id="{77546F32-9D7A-42B9-BEDE-87D62D098AFE}" type="datetime1">
               <a:rPr lang="en-US" smtClean="0"/>
-              <a:t>11/15/2020</a:t>
+              <a:t>11/16/2020</a:t>
             </a:fld>
             <a:endParaRPr lang="en-US" dirty="0"/>
           </a:p>
@@ -1664,7 +1664,7 @@
           <a:p>
             <a:fld id="{21C2E7FD-BC70-4739-A4DE-F4F03D68BC38}" type="datetime1">
               <a:rPr lang="en-US" smtClean="0"/>
-              <a:t>11/15/2020</a:t>
+              <a:t>11/16/2020</a:t>
             </a:fld>
             <a:endParaRPr lang="en-US" dirty="0"/>
           </a:p>
@@ -1996,7 +1996,7 @@
           <a:p>
             <a:fld id="{9AD7BF60-6EA6-48D4-B69D-0A47688B91B6}" type="datetime1">
               <a:rPr lang="en-US" smtClean="0"/>
-              <a:t>11/15/2020</a:t>
+              <a:t>11/16/2020</a:t>
             </a:fld>
             <a:endParaRPr lang="en-US" dirty="0"/>
           </a:p>
@@ -2312,7 +2312,7 @@
           <a:p>
             <a:fld id="{62C898E1-2BD4-487C-ADC4-075188E51716}" type="datetime1">
               <a:rPr lang="en-US" smtClean="0"/>
-              <a:t>11/15/2020</a:t>
+              <a:t>11/16/2020</a:t>
             </a:fld>
             <a:endParaRPr lang="en-US" dirty="0"/>
           </a:p>
@@ -2704,7 +2704,7 @@
           <a:p>
             <a:fld id="{3CC0BB44-E3E9-424B-8834-24EFAC066A23}" type="datetime1">
               <a:rPr lang="en-US" smtClean="0"/>
-              <a:t>11/15/2020</a:t>
+              <a:t>11/16/2020</a:t>
             </a:fld>
             <a:endParaRPr lang="en-US" dirty="0"/>
           </a:p>
@@ -2957,7 +2957,7 @@
           <a:p>
             <a:fld id="{AD77A1F1-C64C-4FDE-B89C-5D828018195F}" type="datetime1">
               <a:rPr lang="en-US" smtClean="0"/>
-              <a:t>11/15/2020</a:t>
+              <a:t>11/16/2020</a:t>
             </a:fld>
             <a:endParaRPr lang="en-US" dirty="0"/>
           </a:p>
@@ -3215,7 +3215,7 @@
           <a:p>
             <a:fld id="{CF6906B3-D87A-4428-8548-D10EF02CA5E5}" type="datetime1">
               <a:rPr lang="en-US" smtClean="0"/>
-              <a:t>11/15/2020</a:t>
+              <a:t>11/16/2020</a:t>
             </a:fld>
             <a:endParaRPr lang="en-US" dirty="0"/>
           </a:p>
@@ -3587,7 +3587,7 @@
           <a:p>
             <a:fld id="{F785C484-8DFF-44EC-AEAE-A201991DF07F}" type="datetime1">
               <a:rPr lang="en-US" smtClean="0"/>
-              <a:t>11/15/2020</a:t>
+              <a:t>11/16/2020</a:t>
             </a:fld>
             <a:endParaRPr lang="en-US" dirty="0"/>
           </a:p>
@@ -3987,7 +3987,7 @@
           <a:p>
             <a:fld id="{62124420-099B-4345-A590-7B379B5BD2CA}" type="datetime1">
               <a:rPr lang="en-US" smtClean="0"/>
-              <a:t>11/15/2020</a:t>
+              <a:t>11/16/2020</a:t>
             </a:fld>
             <a:endParaRPr lang="en-US" dirty="0"/>
           </a:p>
@@ -4376,7 +4376,7 @@
           <a:p>
             <a:fld id="{8C99827F-4F84-4E3D-AC2E-63EDC6B7EDF9}" type="datetime1">
               <a:rPr lang="en-US" smtClean="0"/>
-              <a:t>11/15/2020</a:t>
+              <a:t>11/16/2020</a:t>
             </a:fld>
             <a:endParaRPr lang="en-US" dirty="0"/>
           </a:p>
@@ -4889,7 +4889,7 @@
           <a:p>
             <a:fld id="{3F65524B-0C93-4EF0-8FF7-488D92353176}" type="datetime1">
               <a:rPr lang="en-US" smtClean="0"/>
-              <a:t>11/15/2020</a:t>
+              <a:t>11/16/2020</a:t>
             </a:fld>
             <a:endParaRPr lang="en-US" dirty="0"/>
           </a:p>
@@ -5090,7 +5090,7 @@
           <a:p>
             <a:fld id="{441E4069-FCBC-40CA-8C67-698C6B211284}" type="datetime1">
               <a:rPr lang="en-US" smtClean="0"/>
-              <a:t>11/15/2020</a:t>
+              <a:t>11/16/2020</a:t>
             </a:fld>
             <a:endParaRPr lang="en-US" dirty="0"/>
           </a:p>
@@ -5328,7 +5328,7 @@
           <a:p>
             <a:fld id="{01E25061-CF07-46CD-B882-F3A1FC6E46A2}" type="datetime1">
               <a:rPr lang="en-US" smtClean="0"/>
-              <a:t>11/15/2020</a:t>
+              <a:t>11/16/2020</a:t>
             </a:fld>
             <a:endParaRPr lang="en-US" dirty="0"/>
           </a:p>
@@ -5665,7 +5665,7 @@
           <a:p>
             <a:fld id="{03635B37-6690-46B4-8E15-DF940C439962}" type="datetime1">
               <a:rPr lang="en-US" smtClean="0"/>
-              <a:t>11/15/2020</a:t>
+              <a:t>11/16/2020</a:t>
             </a:fld>
             <a:endParaRPr lang="en-US" dirty="0"/>
           </a:p>
@@ -6006,7 +6006,7 @@
           <a:p>
             <a:fld id="{1DE1B343-28F5-48E6-9C91-CDEE69C96721}" type="datetime1">
               <a:rPr lang="en-US" smtClean="0"/>
-              <a:t>11/15/2020</a:t>
+              <a:t>11/16/2020</a:t>
             </a:fld>
             <a:endParaRPr lang="en-US" dirty="0"/>
           </a:p>
@@ -8119,7 +8119,7 @@
           <a:p>
             <a:fld id="{BB1F109D-FD6A-41E9-B23A-7DD41F1C57FB}" type="datetime1">
               <a:rPr lang="en-US" smtClean="0"/>
-              <a:t>11/15/2020</a:t>
+              <a:t>11/16/2020</a:t>
             </a:fld>
             <a:endParaRPr lang="en-US" dirty="0"/>
           </a:p>
@@ -8678,6 +8678,10 @@
             <a:br>
               <a:rPr lang="fa-IR" sz="2200" b="1" dirty="0"/>
             </a:br>
+            <a:r>
+              <a:rPr lang="en-US" dirty="0"/>
+              <a:t/>
+            </a:r>
             <a:br>
               <a:rPr lang="en-US" dirty="0"/>
             </a:br>
@@ -8817,6 +8821,13 @@
   <p:clrMapOvr>
     <a:masterClrMapping/>
   </p:clrMapOvr>
+  <p:timing>
+    <p:tnLst>
+      <p:par>
+        <p:cTn id="1" dur="indefinite" restart="never" nodeType="tmRoot"/>
+      </p:par>
+    </p:tnLst>
+  </p:timing>
 </p:sld>
 </file>
 
@@ -8894,123 +8905,8 @@
           <a:p>
             <a:pPr lvl="1"/>
             <a:r>
-              <a:rPr lang="fa-IR" dirty="0"/>
-              <a:t>کنترلگر هوشمند </a:t>
-            </a:r>
-            <a:r>
               <a:rPr lang="en-US" sz="1800" dirty="0"/>
-              <a:t>RAN</a:t>
-            </a:r>
-            <a:r>
-              <a:rPr lang="fa-IR" dirty="0"/>
-              <a:t> </a:t>
-            </a:r>
-            <a:r>
-              <a:rPr lang="en-US" dirty="0"/>
-              <a:t>(</a:t>
-            </a:r>
-            <a:r>
-              <a:rPr lang="en-US" sz="1800" dirty="0"/>
-              <a:t>RIC</a:t>
-            </a:r>
-            <a:r>
-              <a:rPr lang="en-US" dirty="0"/>
-              <a:t>)</a:t>
-            </a:r>
-            <a:r>
-              <a:rPr lang="fa-IR" dirty="0"/>
-              <a:t> ،غیر زمان واقعی (بالاتر از یک ثانیه)</a:t>
-            </a:r>
-          </a:p>
-          <a:p>
-            <a:pPr lvl="2"/>
-            <a:r>
-              <a:rPr lang="fa-IR" dirty="0"/>
-              <a:t>مدیریت سیاست</a:t>
-            </a:r>
-          </a:p>
-          <a:p>
-            <a:pPr lvl="2"/>
-            <a:r>
-              <a:rPr lang="fa-IR" dirty="0"/>
-              <a:t>آنالیز </a:t>
-            </a:r>
-            <a:r>
-              <a:rPr lang="en-US" dirty="0"/>
-              <a:t>RAN</a:t>
-            </a:r>
-          </a:p>
-          <a:p>
-            <a:pPr lvl="2"/>
-            <a:r>
-              <a:rPr lang="fa-IR" dirty="0"/>
-              <a:t>مدیریت توابعی که از هوش مصنوعی استفاده می گردد</a:t>
-            </a:r>
-          </a:p>
-          <a:p>
-            <a:pPr lvl="1"/>
-            <a:r>
-              <a:rPr lang="fa-IR" dirty="0"/>
-              <a:t>کنترلگر هوشمند </a:t>
-            </a:r>
-            <a:r>
-              <a:rPr lang="en-US" dirty="0"/>
-              <a:t>(</a:t>
-            </a:r>
-            <a:r>
-              <a:rPr lang="en-US" sz="1800" dirty="0"/>
-              <a:t>RIC</a:t>
-            </a:r>
-            <a:r>
-              <a:rPr lang="en-US" dirty="0"/>
-              <a:t>)</a:t>
-            </a:r>
-            <a:r>
-              <a:rPr lang="fa-IR" dirty="0"/>
-              <a:t> ، نزدیک به زمان واقعی(کمتر از یک ثانیه )</a:t>
-            </a:r>
-          </a:p>
-          <a:p>
-            <a:pPr lvl="2"/>
-            <a:r>
-              <a:rPr lang="en-US" sz="1600" dirty="0"/>
-              <a:t>RRM</a:t>
-            </a:r>
-            <a:r>
-              <a:rPr lang="en-US" dirty="0"/>
-              <a:t> </a:t>
-            </a:r>
-            <a:r>
-              <a:rPr lang="fa-IR" dirty="0"/>
-              <a:t> -مدیریت تعادل بار، </a:t>
-            </a:r>
-            <a:r>
-              <a:rPr lang="en-US" sz="1600" dirty="0"/>
-              <a:t>RB</a:t>
-            </a:r>
-            <a:r>
-              <a:rPr lang="fa-IR" dirty="0"/>
-              <a:t> </a:t>
-            </a:r>
-            <a:endParaRPr lang="en-US" dirty="0"/>
-          </a:p>
-          <a:p>
-            <a:pPr lvl="2"/>
-            <a:r>
-              <a:rPr lang="en-US" sz="1600" dirty="0" err="1"/>
-              <a:t>QoS</a:t>
-            </a:r>
-            <a:endParaRPr lang="fa-IR" dirty="0"/>
-          </a:p>
-          <a:p>
-            <a:pPr lvl="1"/>
-            <a:r>
-              <a:rPr lang="fa-IR" dirty="0"/>
-              <a:t>پشته پروتکل </a:t>
-            </a:r>
-            <a:r>
-              <a:rPr lang="en-US" sz="1800" dirty="0"/>
-              <a:t>CU</a:t>
+              <a:t>RU</a:t>
             </a:r>
             <a:r>
               <a:rPr lang="fa-IR" dirty="0"/>
@@ -9023,6 +8919,98 @@
               <a:t> </a:t>
             </a:r>
             <a:r>
+              <a:rPr lang="en-US" sz="1800" dirty="0" err="1">
+                <a:sym typeface="Wingdings" panose="05000000000000000000" pitchFamily="2" charset="2"/>
+              </a:rPr>
+              <a:t>phy</a:t>
+            </a:r>
+            <a:r>
+              <a:rPr lang="fa-IR" dirty="0">
+                <a:sym typeface="Wingdings" panose="05000000000000000000" pitchFamily="2" charset="2"/>
+              </a:rPr>
+              <a:t> لایه ی پایین</a:t>
+            </a:r>
+            <a:endParaRPr lang="en-US" dirty="0">
+              <a:sym typeface="Wingdings" panose="05000000000000000000" pitchFamily="2" charset="2"/>
+            </a:endParaRPr>
+          </a:p>
+          <a:p>
+            <a:pPr lvl="1"/>
+            <a:r>
+              <a:rPr lang="en-US" sz="1800" dirty="0"/>
+              <a:t>DU</a:t>
+            </a:r>
+            <a:r>
+              <a:rPr lang="fa-IR" dirty="0"/>
+              <a:t> </a:t>
+            </a:r>
+            <a:r>
+              <a:rPr lang="fa-IR" dirty="0">
+                <a:sym typeface="Wingdings" panose="05000000000000000000" pitchFamily="2" charset="2"/>
+              </a:rPr>
+              <a:t> </a:t>
+            </a:r>
+            <a:r>
+              <a:rPr lang="en-US" sz="1800" dirty="0" err="1">
+                <a:sym typeface="Wingdings" panose="05000000000000000000" pitchFamily="2" charset="2"/>
+              </a:rPr>
+              <a:t>phy</a:t>
+            </a:r>
+            <a:r>
+              <a:rPr lang="en-US" dirty="0">
+                <a:sym typeface="Wingdings" panose="05000000000000000000" pitchFamily="2" charset="2"/>
+              </a:rPr>
+              <a:t> </a:t>
+            </a:r>
+            <a:r>
+              <a:rPr lang="fa-IR" dirty="0">
+                <a:sym typeface="Wingdings" panose="05000000000000000000" pitchFamily="2" charset="2"/>
+              </a:rPr>
+              <a:t> لایه بالاتر، </a:t>
+            </a:r>
+            <a:r>
+              <a:rPr lang="en-US" sz="1600" dirty="0">
+                <a:sym typeface="Wingdings" panose="05000000000000000000" pitchFamily="2" charset="2"/>
+              </a:rPr>
+              <a:t>RLC</a:t>
+            </a:r>
+            <a:r>
+              <a:rPr lang="fa-IR" dirty="0">
+                <a:sym typeface="Wingdings" panose="05000000000000000000" pitchFamily="2" charset="2"/>
+              </a:rPr>
+              <a:t> و </a:t>
+            </a:r>
+            <a:r>
+              <a:rPr lang="en-US" sz="1600" dirty="0">
+                <a:sym typeface="Wingdings" panose="05000000000000000000" pitchFamily="2" charset="2"/>
+              </a:rPr>
+              <a:t>MAC</a:t>
+            </a:r>
+            <a:endParaRPr lang="en-US" dirty="0">
+              <a:sym typeface="Wingdings" panose="05000000000000000000" pitchFamily="2" charset="2"/>
+            </a:endParaRPr>
+          </a:p>
+          <a:p>
+            <a:pPr lvl="1"/>
+            <a:r>
+              <a:rPr lang="fa-IR" dirty="0"/>
+              <a:t>پشته پروتکل </a:t>
+            </a:r>
+            <a:r>
+              <a:rPr lang="en-US" sz="1800" dirty="0"/>
+              <a:t>CU</a:t>
+            </a:r>
+            <a:r>
+              <a:rPr lang="fa-IR" dirty="0"/>
+              <a:t> </a:t>
+            </a:r>
+            <a:r>
+              <a:rPr lang="fa-IR" dirty="0">
+                <a:sym typeface="Wingdings" panose="05000000000000000000" pitchFamily="2" charset="2"/>
+              </a:rPr>
+              <a:t> </a:t>
+            </a:r>
+            <a:r>
               <a:rPr lang="en-US" sz="1800" dirty="0">
                 <a:sym typeface="Wingdings" panose="05000000000000000000" pitchFamily="2" charset="2"/>
               </a:rPr>
@@ -9079,88 +9067,113 @@
           <a:p>
             <a:pPr lvl="1"/>
             <a:r>
+              <a:rPr lang="fa-IR" dirty="0"/>
+              <a:t>کنترلگر هوشمند </a:t>
+            </a:r>
+            <a:r>
+              <a:rPr lang="en-US" dirty="0"/>
+              <a:t>(</a:t>
+            </a:r>
+            <a:r>
               <a:rPr lang="en-US" sz="1800" dirty="0"/>
-              <a:t>DU</a:t>
+              <a:t>RIC</a:t>
+            </a:r>
+            <a:r>
+              <a:rPr lang="en-US" dirty="0"/>
+              <a:t>)</a:t>
+            </a:r>
+            <a:r>
+              <a:rPr lang="fa-IR" dirty="0"/>
+              <a:t> ، نزدیک به زمان واقعی(کمتر از یک ثانیه )</a:t>
+            </a:r>
+          </a:p>
+          <a:p>
+            <a:pPr lvl="2"/>
+            <a:r>
+              <a:rPr lang="en-US" sz="1600" dirty="0"/>
+              <a:t>RRM</a:t>
+            </a:r>
+            <a:r>
+              <a:rPr lang="en-US" dirty="0"/>
+              <a:t> </a:t>
+            </a:r>
+            <a:r>
+              <a:rPr lang="fa-IR" dirty="0"/>
+              <a:t> -مدیریت تعادل بار، </a:t>
+            </a:r>
+            <a:r>
+              <a:rPr lang="en-US" sz="1600" dirty="0"/>
+              <a:t>RB</a:t>
             </a:r>
             <a:r>
               <a:rPr lang="fa-IR" dirty="0"/>
               <a:t> </a:t>
             </a:r>
-            <a:r>
-              <a:rPr lang="fa-IR" dirty="0">
-                <a:sym typeface="Wingdings" panose="05000000000000000000" pitchFamily="2" charset="2"/>
-              </a:rPr>
-              <a:t> </a:t>
-            </a:r>
-            <a:r>
-              <a:rPr lang="en-US" sz="1800" dirty="0" err="1">
-                <a:sym typeface="Wingdings" panose="05000000000000000000" pitchFamily="2" charset="2"/>
-              </a:rPr>
-              <a:t>phy</a:t>
-            </a:r>
-            <a:r>
-              <a:rPr lang="en-US" dirty="0">
-                <a:sym typeface="Wingdings" panose="05000000000000000000" pitchFamily="2" charset="2"/>
-              </a:rPr>
-              <a:t> </a:t>
-            </a:r>
-            <a:r>
-              <a:rPr lang="fa-IR" dirty="0">
-                <a:sym typeface="Wingdings" panose="05000000000000000000" pitchFamily="2" charset="2"/>
-              </a:rPr>
-              <a:t> لایه بالاتر، </a:t>
-            </a:r>
-            <a:r>
-              <a:rPr lang="en-US" sz="1600" dirty="0">
-                <a:sym typeface="Wingdings" panose="05000000000000000000" pitchFamily="2" charset="2"/>
-              </a:rPr>
-              <a:t>RLC</a:t>
-            </a:r>
-            <a:r>
-              <a:rPr lang="fa-IR" dirty="0">
-                <a:sym typeface="Wingdings" panose="05000000000000000000" pitchFamily="2" charset="2"/>
-              </a:rPr>
-              <a:t> و </a:t>
-            </a:r>
-            <a:r>
-              <a:rPr lang="en-US" sz="1600" dirty="0">
-                <a:sym typeface="Wingdings" panose="05000000000000000000" pitchFamily="2" charset="2"/>
-              </a:rPr>
-              <a:t>MAC</a:t>
-            </a:r>
-            <a:endParaRPr lang="en-US" dirty="0">
-              <a:sym typeface="Wingdings" panose="05000000000000000000" pitchFamily="2" charset="2"/>
-            </a:endParaRPr>
+            <a:endParaRPr lang="en-US" dirty="0"/>
+          </a:p>
+          <a:p>
+            <a:pPr lvl="2"/>
+            <a:r>
+              <a:rPr lang="en-US" sz="1600" dirty="0" err="1"/>
+              <a:t>QoS</a:t>
+            </a:r>
+            <a:endParaRPr lang="fa-IR" dirty="0"/>
           </a:p>
           <a:p>
             <a:pPr lvl="1"/>
             <a:r>
+              <a:rPr lang="fa-IR" dirty="0"/>
+              <a:t>کنترلگر هوشمند </a:t>
+            </a:r>
+            <a:r>
               <a:rPr lang="en-US" sz="1800" dirty="0"/>
-              <a:t>RU</a:t>
+              <a:t>RAN</a:t>
             </a:r>
             <a:r>
               <a:rPr lang="fa-IR" dirty="0"/>
               <a:t> </a:t>
             </a:r>
             <a:r>
-              <a:rPr lang="fa-IR" dirty="0">
-                <a:sym typeface="Wingdings" panose="05000000000000000000" pitchFamily="2" charset="2"/>
-              </a:rPr>
-              <a:t> </a:t>
-            </a:r>
-            <a:r>
-              <a:rPr lang="en-US" sz="1800" dirty="0" err="1">
-                <a:sym typeface="Wingdings" panose="05000000000000000000" pitchFamily="2" charset="2"/>
-              </a:rPr>
-              <a:t>phy</a:t>
-            </a:r>
-            <a:r>
-              <a:rPr lang="fa-IR" dirty="0">
-                <a:sym typeface="Wingdings" panose="05000000000000000000" pitchFamily="2" charset="2"/>
-              </a:rPr>
-              <a:t> لایه ی پایین</a:t>
-            </a:r>
-            <a:endParaRPr lang="en-US" dirty="0"/>
+              <a:rPr lang="en-US" dirty="0"/>
+              <a:t>(</a:t>
+            </a:r>
+            <a:r>
+              <a:rPr lang="en-US" sz="1800" dirty="0"/>
+              <a:t>RIC</a:t>
+            </a:r>
+            <a:r>
+              <a:rPr lang="en-US" dirty="0"/>
+              <a:t>)</a:t>
+            </a:r>
+            <a:r>
+              <a:rPr lang="fa-IR" dirty="0"/>
+              <a:t> ،غیر زمان واقعی (بالاتر از یک ثانیه)</a:t>
+            </a:r>
+          </a:p>
+          <a:p>
+            <a:pPr lvl="2"/>
+            <a:r>
+              <a:rPr lang="fa-IR" dirty="0"/>
+              <a:t>مدیریت سیاست</a:t>
+            </a:r>
+          </a:p>
+          <a:p>
+            <a:pPr lvl="2"/>
+            <a:r>
+              <a:rPr lang="fa-IR" dirty="0"/>
+              <a:t>آنالیز </a:t>
+            </a:r>
+            <a:r>
+              <a:rPr lang="en-US" dirty="0"/>
+              <a:t>RAN</a:t>
+            </a:r>
+          </a:p>
+          <a:p>
+            <a:pPr lvl="2"/>
+            <a:r>
+              <a:rPr lang="fa-IR" dirty="0"/>
+              <a:t>مدیریت توابعی که از هوش مصنوعی استفاده می گردد</a:t>
+            </a:r>
           </a:p>
           <a:p>
             <a:pPr lvl="1"/>
@@ -9705,6 +9718,13 @@
   <p:clrMapOvr>
     <a:masterClrMapping/>
   </p:clrMapOvr>
+  <p:timing>
+    <p:tnLst>
+      <p:par>
+        <p:cTn id="1" dur="indefinite" restart="never" nodeType="tmRoot"/>
+      </p:par>
+    </p:tnLst>
+  </p:timing>
 </p:sld>
 </file>
 
@@ -9892,9 +9912,17 @@
             <a:pPr marL="457200" lvl="1" indent="0">
               <a:buNone/>
             </a:pPr>
+            <a:r>
+              <a:rPr lang="ar-IQ" dirty="0"/>
+              <a:t/>
+            </a:r>
             <a:br>
               <a:rPr lang="ar-IQ" dirty="0"/>
             </a:br>
+            <a:r>
+              <a:rPr lang="ar-IQ" dirty="0"/>
+              <a:t/>
+            </a:r>
             <a:br>
               <a:rPr lang="ar-IQ" dirty="0"/>
             </a:br>
@@ -9905,12 +9933,24 @@
             <a:br>
               <a:rPr lang="ar-IQ" dirty="0"/>
             </a:br>
+            <a:r>
+              <a:rPr lang="ar-IQ" dirty="0"/>
+              <a:t/>
+            </a:r>
             <a:br>
               <a:rPr lang="ar-IQ" dirty="0"/>
             </a:br>
+            <a:r>
+              <a:rPr lang="ar-IQ" dirty="0"/>
+              <a:t/>
+            </a:r>
             <a:br>
               <a:rPr lang="ar-IQ" dirty="0"/>
             </a:br>
+            <a:r>
+              <a:rPr lang="ar-IQ" dirty="0"/>
+              <a:t/>
+            </a:r>
             <a:br>
               <a:rPr lang="ar-IQ" dirty="0"/>
             </a:br>
@@ -10479,6 +10519,13 @@
   <p:clrMapOvr>
     <a:masterClrMapping/>
   </p:clrMapOvr>
+  <p:timing>
+    <p:tnLst>
+      <p:par>
+        <p:cTn id="1" dur="indefinite" restart="never" nodeType="tmRoot"/>
+      </p:par>
+    </p:tnLst>
+  </p:timing>
 </p:sld>
 </file>
 
@@ -10660,15 +10707,31 @@
               <a:rPr lang="fa-IR" dirty="0"/>
               <a:t>سطح و قدرت جداسازی ممکن است بسته به نیاز برش و سناریوهای استفاده متفاوت باشد</a:t>
             </a:r>
+            <a:r>
+              <a:rPr lang="ar-IQ" dirty="0"/>
+              <a:t/>
+            </a:r>
             <a:br>
               <a:rPr lang="ar-IQ" dirty="0"/>
             </a:br>
+            <a:r>
+              <a:rPr lang="ar-IQ" dirty="0"/>
+              <a:t/>
+            </a:r>
             <a:br>
               <a:rPr lang="ar-IQ" dirty="0"/>
             </a:br>
+            <a:r>
+              <a:rPr lang="ar-IQ" dirty="0"/>
+              <a:t/>
+            </a:r>
             <a:br>
               <a:rPr lang="ar-IQ" dirty="0"/>
             </a:br>
+            <a:r>
+              <a:rPr lang="ar-IQ" dirty="0"/>
+              <a:t/>
+            </a:r>
             <a:br>
               <a:rPr lang="ar-IQ" dirty="0"/>
             </a:br>
@@ -11237,6 +11300,13 @@
   <p:clrMapOvr>
     <a:masterClrMapping/>
   </p:clrMapOvr>
+  <p:timing>
+    <p:tnLst>
+      <p:par>
+        <p:cTn id="1" dur="indefinite" restart="never" nodeType="tmRoot"/>
+      </p:par>
+    </p:tnLst>
+  </p:timing>
 </p:sld>
 </file>
 
@@ -11958,6 +12028,13 @@
   <p:clrMapOvr>
     <a:masterClrMapping/>
   </p:clrMapOvr>
+  <p:timing>
+    <p:tnLst>
+      <p:par>
+        <p:cTn id="1" dur="indefinite" restart="never" nodeType="tmRoot"/>
+      </p:par>
+    </p:tnLst>
+  </p:timing>
 </p:sld>
 </file>
 
@@ -12061,6 +12138,10 @@
             <a:pPr marL="0" indent="0">
               <a:buNone/>
             </a:pPr>
+            <a:r>
+              <a:rPr lang="ar-IQ" dirty="0"/>
+              <a:t/>
+            </a:r>
             <a:br>
               <a:rPr lang="ar-IQ" dirty="0"/>
             </a:br>
@@ -12708,12 +12789,24 @@
             <a:pPr marL="0" indent="0">
               <a:buNone/>
             </a:pPr>
+            <a:r>
+              <a:rPr lang="ar-IQ" dirty="0"/>
+              <a:t/>
+            </a:r>
             <a:br>
               <a:rPr lang="ar-IQ" dirty="0"/>
             </a:br>
+            <a:r>
+              <a:rPr lang="ar-IQ" dirty="0"/>
+              <a:t/>
+            </a:r>
             <a:br>
               <a:rPr lang="ar-IQ" dirty="0"/>
             </a:br>
+            <a:r>
+              <a:rPr lang="ar-IQ" dirty="0"/>
+              <a:t/>
+            </a:r>
             <a:br>
               <a:rPr lang="ar-IQ" dirty="0"/>
             </a:br>
@@ -14136,6 +14229,10 @@
             <a:br>
               <a:rPr lang="ar-IQ" dirty="0"/>
             </a:br>
+            <a:r>
+              <a:rPr lang="ar-IQ" dirty="0"/>
+              <a:t/>
+            </a:r>
             <a:br>
               <a:rPr lang="ar-IQ" dirty="0"/>
             </a:br>
@@ -14905,6 +15002,10 @@
             <a:r>
               <a:rPr lang="fa-IR" sz="2000" dirty="0"/>
               <a:t>همچنین قرار گیری توابع شبکه ی مجازی بر روی مراکز داده و تخصیص دینامیکی آن به صورتی که میزان هزینه ی مصرفی به کاهش یابد مورد توجه قرار گرفته است</a:t>
+            </a:r>
+            <a:r>
+              <a:rPr lang="fa-IR" dirty="0"/>
+              <a:t/>
             </a:r>
             <a:br>
               <a:rPr lang="fa-IR" dirty="0"/>
@@ -15810,9 +15911,17 @@
                 <a:pPr marL="0" indent="0">
                   <a:buNone/>
                 </a:pPr>
+                <a:r>
+                  <a:rPr lang="fa-IR" dirty="0"/>
+                  <a:t/>
+                </a:r>
                 <a:br>
                   <a:rPr lang="fa-IR" dirty="0"/>
                 </a:br>
+                <a:r>
+                  <a:rPr lang="fa-IR" dirty="0"/>
+                  <a:t/>
+                </a:r>
                 <a:br>
                   <a:rPr lang="fa-IR" dirty="0"/>
                 </a:br>
@@ -16522,6 +16631,13 @@
   <p:clrMapOvr>
     <a:masterClrMapping/>
   </p:clrMapOvr>
+  <p:timing>
+    <p:tnLst>
+      <p:par>
+        <p:cTn id="1" dur="indefinite" restart="never" nodeType="tmRoot"/>
+      </p:par>
+    </p:tnLst>
+  </p:timing>
 </p:sld>
 </file>
 
@@ -17477,9 +17593,17 @@
                   </a:rPr>
                   <a:t>ام با واحد توزیع شده </a:t>
                 </a:r>
+                <a:r>
+                  <a:rPr lang="fa-IR" dirty="0"/>
+                  <a:t/>
+                </a:r>
                 <a:br>
                   <a:rPr lang="fa-IR" dirty="0"/>
                 </a:br>
+                <a:r>
+                  <a:rPr lang="fa-IR" dirty="0"/>
+                  <a:t/>
+                </a:r>
                 <a:br>
                   <a:rPr lang="fa-IR" dirty="0"/>
                 </a:br>
@@ -19399,6 +19523,10 @@
                 <a:br>
                   <a:rPr lang="fa-IR" dirty="0"/>
                 </a:br>
+                <a:r>
+                  <a:rPr lang="fa-IR" dirty="0"/>
+                  <a:t/>
+                </a:r>
                 <a:br>
                   <a:rPr lang="fa-IR" dirty="0"/>
                 </a:br>
@@ -20222,12 +20350,24 @@
               <a:rPr lang="fa-IR" sz="3200" dirty="0"/>
               <a:t> </a:t>
             </a:r>
+            <a:r>
+              <a:rPr lang="fa-IR" dirty="0"/>
+              <a:t/>
+            </a:r>
             <a:br>
               <a:rPr lang="fa-IR" dirty="0"/>
             </a:br>
+            <a:r>
+              <a:rPr lang="fa-IR" dirty="0"/>
+              <a:t/>
+            </a:r>
             <a:br>
               <a:rPr lang="fa-IR" dirty="0"/>
             </a:br>
+            <a:r>
+              <a:rPr lang="fa-IR" dirty="0"/>
+              <a:t/>
+            </a:r>
             <a:br>
               <a:rPr lang="fa-IR" dirty="0"/>
             </a:br>
@@ -26988,6 +27128,10 @@
               <a:rPr lang="fa-IR" sz="6700" dirty="0"/>
               <a:t> </a:t>
             </a:r>
+            <a:r>
+              <a:rPr lang="fa-IR" dirty="0"/>
+              <a:t/>
+            </a:r>
             <a:br>
               <a:rPr lang="fa-IR" dirty="0"/>
             </a:br>
@@ -27160,12 +27304,24 @@
               </a:rPr>
               <a:t>هدف در اینجا بیشینه سازی تعداد سرویسهای پذیرفته شده توسط برشهای شبکه می باشد به صورتی که شرط تاخیر و نرخ سرویس را ضمانت کنند </a:t>
             </a:r>
+            <a:r>
+              <a:rPr lang="fa-IR" dirty="0"/>
+              <a:t/>
+            </a:r>
             <a:br>
               <a:rPr lang="fa-IR" dirty="0"/>
             </a:br>
+            <a:r>
+              <a:rPr lang="fa-IR" dirty="0"/>
+              <a:t/>
+            </a:r>
             <a:br>
               <a:rPr lang="fa-IR" dirty="0"/>
             </a:br>
+            <a:r>
+              <a:rPr lang="fa-IR" dirty="0"/>
+              <a:t/>
+            </a:r>
             <a:br>
               <a:rPr lang="fa-IR" dirty="0"/>
             </a:br>
@@ -27767,6 +27923,10 @@
             <a:r>
               <a:rPr lang="fa-IR" sz="7300" dirty="0"/>
               <a:t> </a:t>
+            </a:r>
+            <a:r>
+              <a:rPr lang="fa-IR" dirty="0"/>
+              <a:t/>
             </a:r>
             <a:br>
               <a:rPr lang="fa-IR" dirty="0"/>
@@ -28229,12 +28389,24 @@
                     </m:r>
                   </m:oMath>
                 </a14:m>
+                <a:r>
+                  <a:rPr lang="en-US" dirty="0"/>
+                  <a:t/>
+                </a:r>
                 <a:br>
                   <a:rPr lang="en-US" dirty="0"/>
                 </a:br>
+                <a:r>
+                  <a:rPr lang="fa-IR" dirty="0"/>
+                  <a:t/>
+                </a:r>
                 <a:br>
                   <a:rPr lang="fa-IR" dirty="0"/>
                 </a:br>
+                <a:r>
+                  <a:rPr lang="fa-IR" dirty="0"/>
+                  <a:t/>
+                </a:r>
                 <a:br>
                   <a:rPr lang="fa-IR" dirty="0"/>
                 </a:br>
@@ -28301,6 +28473,10 @@
                   <a:rPr lang="en-US" dirty="0"/>
                   <a:t>d</a:t>
                 </a:r>
+                <a:r>
+                  <a:rPr lang="fa-IR" dirty="0"/>
+                  <a:t/>
+                </a:r>
                 <a:br>
                   <a:rPr lang="fa-IR" dirty="0"/>
                 </a:br>
@@ -30431,6 +30607,13 @@
   <p:clrMapOvr>
     <a:masterClrMapping/>
   </p:clrMapOvr>
+  <p:timing>
+    <p:tnLst>
+      <p:par>
+        <p:cTn id="1" dur="indefinite" restart="never" nodeType="tmRoot"/>
+      </p:par>
+    </p:tnLst>
+  </p:timing>
 </p:sld>
 </file>
 
@@ -31036,6 +31219,13 @@
   <p:clrMapOvr>
     <a:masterClrMapping/>
   </p:clrMapOvr>
+  <p:timing>
+    <p:tnLst>
+      <p:par>
+        <p:cTn id="1" dur="indefinite" restart="never" nodeType="tmRoot"/>
+      </p:par>
+    </p:tnLst>
+  </p:timing>
 </p:sld>
 </file>
 
@@ -31320,12 +31510,24 @@
               <a:rPr lang="fa-IR" sz="2200" dirty="0"/>
               <a:t> </a:t>
             </a:r>
+            <a:r>
+              <a:rPr lang="fa-IR" dirty="0"/>
+              <a:t/>
+            </a:r>
             <a:br>
               <a:rPr lang="fa-IR" dirty="0"/>
             </a:br>
+            <a:r>
+              <a:rPr lang="fa-IR" dirty="0"/>
+              <a:t/>
+            </a:r>
             <a:br>
               <a:rPr lang="fa-IR" dirty="0"/>
             </a:br>
+            <a:r>
+              <a:rPr lang="fa-IR" dirty="0"/>
+              <a:t/>
+            </a:r>
             <a:br>
               <a:rPr lang="fa-IR" dirty="0"/>
             </a:br>
@@ -31791,6 +31993,13 @@
   <p:clrMapOvr>
     <a:masterClrMapping/>
   </p:clrMapOvr>
+  <p:timing>
+    <p:tnLst>
+      <p:par>
+        <p:cTn id="1" dur="indefinite" restart="never" nodeType="tmRoot"/>
+      </p:par>
+    </p:tnLst>
+  </p:timing>
 </p:sld>
 </file>
 
@@ -31863,8 +32072,8 @@
         </p:nvSpPr>
         <p:spPr>
           <a:xfrm>
-            <a:off x="1124444" y="1416336"/>
-            <a:ext cx="9657319" cy="5259571"/>
+            <a:off x="1253234" y="1102095"/>
+            <a:ext cx="9637999" cy="5403996"/>
           </a:xfrm>
         </p:spPr>
         <p:txBody>
@@ -31916,7 +32125,39 @@
                   <a:srgbClr val="000000"/>
                 </a:solidFill>
               </a:rPr>
-              <a:t>که شامل تاخیر انتها به انتها، میزان از دست دادن بسته ها ، قابلیت اطمینان و ... می باشد. در</a:t>
+              <a:t>که شامل تاخیر انتها به انتها، میزان از دست دادن بسته ها ، قابلیت اطمینان و ... می </a:t>
+            </a:r>
+            <a:r>
+              <a:rPr lang="fa-IR" dirty="0" smtClean="0">
+                <a:solidFill>
+                  <a:srgbClr val="000000"/>
+                </a:solidFill>
+              </a:rPr>
+              <a:t>باشد</a:t>
+            </a:r>
+            <a:r>
+              <a:rPr lang="en-US" dirty="0" smtClean="0">
+                <a:solidFill>
+                  <a:srgbClr val="000000"/>
+                </a:solidFill>
+              </a:rPr>
+              <a:t>. </a:t>
+            </a:r>
+            <a:r>
+              <a:rPr lang="fa-IR" dirty="0" smtClean="0">
+                <a:solidFill>
+                  <a:srgbClr val="000000"/>
+                </a:solidFill>
+              </a:rPr>
+              <a:t> </a:t>
+            </a:r>
+            <a:r>
+              <a:rPr lang="fa-IR" dirty="0">
+                <a:solidFill>
+                  <a:srgbClr val="000000"/>
+                </a:solidFill>
+              </a:rPr>
+              <a:t>به منظور</a:t>
             </a:r>
             <a:r>
               <a:rPr lang="en-US" dirty="0">
@@ -31932,7 +32173,23 @@
                   <a:srgbClr val="000000"/>
                 </a:solidFill>
               </a:rPr>
-              <a:t>اینجا می توان تاخیر را هم در بخش رادیویی هم در بخش هسته ی شبکه بدست آورد. همچنین، به منظور</a:t>
+              <a:t>نشان دادن نقش هوش در </a:t>
+            </a:r>
+            <a:r>
+              <a:rPr lang="en-US" dirty="0">
+                <a:solidFill>
+                  <a:srgbClr val="000000"/>
+                </a:solidFill>
+              </a:rPr>
+              <a:t>ORAN </a:t>
+            </a:r>
+            <a:r>
+              <a:rPr lang="fa-IR" dirty="0">
+                <a:solidFill>
+                  <a:srgbClr val="000000"/>
+                </a:solidFill>
+              </a:rPr>
+              <a:t> طرح مدیریت هوشمند منابع رادیویی را برای کنترل تراکم ترافیک و</a:t>
             </a:r>
             <a:r>
               <a:rPr lang="en-US" dirty="0">
@@ -31948,23 +32205,22 @@
                   <a:srgbClr val="000000"/>
                 </a:solidFill>
               </a:rPr>
-              <a:t>نشان دادن نقش هوش در </a:t>
-            </a:r>
-            <a:r>
-              <a:rPr lang="en-US" dirty="0">
-                <a:solidFill>
-                  <a:srgbClr val="000000"/>
-                </a:solidFill>
-              </a:rPr>
-              <a:t>ORAN </a:t>
-            </a:r>
+              <a:t>نشان دادن کارایی آن در یک مجموعه داده واقعی از یک اپراتور بزرگ بدست می آوریم </a:t>
+            </a:r>
+          </a:p>
+          <a:p>
+            <a:pPr>
+              <a:lnSpc>
+                <a:spcPct val="120000"/>
+              </a:lnSpc>
+            </a:pPr>
             <a:r>
               <a:rPr lang="fa-IR" dirty="0">
                 <a:solidFill>
                   <a:srgbClr val="000000"/>
                 </a:solidFill>
               </a:rPr>
-              <a:t> طرح مدیریت هوشمند منابع رادیویی را برای کنترل تراکم ترافیک و</a:t>
+              <a:t>بارهای ترافیکی در برش های مختلف با گذشت زمان تحت تغییر</a:t>
             </a:r>
             <a:r>
               <a:rPr lang="en-US" dirty="0">
@@ -31980,46 +32236,65 @@
                   <a:srgbClr val="000000"/>
                 </a:solidFill>
               </a:rPr>
-              <a:t>نشان دادن کارایی آن در یک مجموعه داده واقعی از یک اپراتور بزرگ بدست می آوریم </a:t>
-            </a:r>
-          </a:p>
-          <a:p>
-            <a:pPr>
+              <a:t>قرار می گیرند </a:t>
+            </a:r>
+            <a:endParaRPr lang="en-US" dirty="0" smtClean="0">
+              <a:solidFill>
+                <a:srgbClr val="000000"/>
+              </a:solidFill>
+            </a:endParaRPr>
+          </a:p>
+          <a:p>
+            <a:pPr lvl="1">
               <a:lnSpc>
                 <a:spcPct val="120000"/>
               </a:lnSpc>
             </a:pPr>
+            <a:r>
+              <a:rPr lang="fa-IR" dirty="0" smtClean="0">
+                <a:solidFill>
+                  <a:srgbClr val="000000"/>
+                </a:solidFill>
+              </a:rPr>
+              <a:t>چالش </a:t>
+            </a:r>
             <a:r>
               <a:rPr lang="fa-IR" dirty="0">
                 <a:solidFill>
                   <a:srgbClr val="000000"/>
                 </a:solidFill>
               </a:rPr>
-              <a:t>بارهای ترافیکی در برش های مختلف با گذشت زمان تحت تغییر</a:t>
-            </a:r>
-            <a:r>
-              <a:rPr lang="en-US" dirty="0">
+              <a:t>هایی برای تأمین کیفیت مداوم ایجاد می شود</a:t>
+            </a:r>
+            <a:r>
+              <a:rPr lang="fa-IR" dirty="0" smtClean="0">
                 <a:solidFill>
                   <a:srgbClr val="000000"/>
                 </a:solidFill>
               </a:rPr>
-              <a:t> </a:t>
-            </a:r>
-            <a:r>
-              <a:rPr lang="fa-IR" dirty="0">
+              <a:t>.</a:t>
+            </a:r>
+            <a:endParaRPr lang="en-US" dirty="0" smtClean="0">
+              <a:solidFill>
+                <a:srgbClr val="000000"/>
+              </a:solidFill>
+            </a:endParaRPr>
+          </a:p>
+          <a:p>
+            <a:pPr lvl="1">
+              <a:lnSpc>
+                <a:spcPct val="120000"/>
+              </a:lnSpc>
+            </a:pPr>
+            <a:r>
+              <a:rPr lang="fa-IR" b="0" i="0" dirty="0" smtClean="0">
                 <a:solidFill>
                   <a:srgbClr val="000000"/>
                 </a:solidFill>
+                <a:effectLst/>
+                <a:latin typeface="IRLotus"/>
               </a:rPr>
-              <a:t>قرار می گیرند در نتیجه چالش هایی برای تأمین کیفیت مداوم ایجاد می شود. حل این مشکل از کارهای آتی می باشد که</a:t>
-            </a:r>
-            <a:r>
-              <a:rPr lang="en-US" dirty="0">
-                <a:solidFill>
-                  <a:srgbClr val="000000"/>
-                </a:solidFill>
-              </a:rPr>
-              <a:t> </a:t>
+              <a:t>انتقال </a:t>
             </a:r>
             <a:r>
               <a:rPr lang="fa-IR" b="0" i="0" dirty="0">
@@ -32029,7 +32304,7 @@
                 <a:effectLst/>
                 <a:latin typeface="IRLotus"/>
               </a:rPr>
-              <a:t>یک مشکل انتقال جریان پویا برای سرویس های متصل شده به برش شبکه، برای پاسخگویی به نیازهای تأخیر پایان</a:t>
+              <a:t>جریان پویا برای سرویس های متصل شده به برش شبکه، برای پاسخگویی به نیازهای تأخیر پایان</a:t>
             </a:r>
             <a:r>
               <a:rPr lang="en-US" b="0" i="0" dirty="0">
@@ -32049,11 +32324,17 @@
                 <a:effectLst/>
                 <a:latin typeface="IRLotus"/>
               </a:rPr>
-              <a:t>انتها به انتها  با ترافیک متغیر، مورد بررسی قرار خواهد گرفت</a:t>
-            </a:r>
-            <a:r>
-              <a:rPr lang="fa-IR" dirty="0"/>
-              <a:t> </a:t>
+              <a:t>انتها به انتها  با ترافیک </a:t>
+            </a:r>
+            <a:r>
+              <a:rPr lang="fa-IR" b="0" i="0" dirty="0" smtClean="0">
+                <a:solidFill>
+                  <a:srgbClr val="000000"/>
+                </a:solidFill>
+                <a:effectLst/>
+                <a:latin typeface="IRLotus"/>
+              </a:rPr>
+              <a:t>متغیر</a:t>
             </a:r>
             <a:endParaRPr lang="en-US" dirty="0"/>
           </a:p>
@@ -32064,24 +32345,104 @@
               </a:lnSpc>
             </a:pPr>
             <a:r>
+              <a:rPr lang="fa-IR" dirty="0" smtClean="0"/>
+              <a:t>مسئله </a:t>
+            </a:r>
+            <a:r>
               <a:rPr lang="fa-IR" dirty="0"/>
-              <a:t>یکی دیگر از مسائل مورد توجه، مسئله ی برش شبکه در شبکه ی دسترسی  رادیویی باز که شامل تخصیص منابع محدود به صورت دینامیکی به کاربران شهر هوشمند شامل دستگاه های زیاد با توان کم و وسایل نقلیه با سرعت  می باشد که نیازمند تاخیر کم و قابلیت اطمینان بالا هستند. در این حالت بخشی از پردازش در قسمت لبه ی شبکه انجام می پذیرد.</a:t>
+              <a:t>ی برش شبکه در شبکه ی دسترسی  رادیویی باز </a:t>
+            </a:r>
+            <a:endParaRPr lang="en-US" dirty="0" smtClean="0"/>
+          </a:p>
+          <a:p>
+            <a:pPr lvl="1">
+              <a:lnSpc>
+                <a:spcPct val="120000"/>
+              </a:lnSpc>
+            </a:pPr>
+            <a:r>
+              <a:rPr lang="fa-IR" dirty="0" smtClean="0"/>
+              <a:t>تخصیص </a:t>
+            </a:r>
+            <a:r>
+              <a:rPr lang="fa-IR" dirty="0"/>
+              <a:t>منابع محدود به صورت دینامیکی به کاربران شهر هوشمند شامل دستگاه های زیاد با توان کم و وسایل نقلیه با </a:t>
+            </a:r>
+            <a:r>
+              <a:rPr lang="fa-IR" dirty="0" smtClean="0"/>
+              <a:t>سرعت </a:t>
+            </a:r>
+            <a:endParaRPr lang="en-US" dirty="0" smtClean="0"/>
+          </a:p>
+          <a:p>
+            <a:pPr lvl="1">
+              <a:lnSpc>
+                <a:spcPct val="120000"/>
+              </a:lnSpc>
+            </a:pPr>
+            <a:r>
+              <a:rPr lang="fa-IR" dirty="0" smtClean="0"/>
+              <a:t> </a:t>
+            </a:r>
+            <a:r>
+              <a:rPr lang="fa-IR" dirty="0"/>
+              <a:t>نیازمند تاخیر کم و قابلیت اطمینان </a:t>
+            </a:r>
+            <a:r>
+              <a:rPr lang="fa-IR" dirty="0" smtClean="0"/>
+              <a:t>بالا</a:t>
+            </a:r>
+            <a:endParaRPr lang="en-US" dirty="0" smtClean="0"/>
+          </a:p>
+          <a:p>
+            <a:pPr lvl="1">
+              <a:lnSpc>
+                <a:spcPct val="120000"/>
+              </a:lnSpc>
+            </a:pPr>
+            <a:r>
+              <a:rPr lang="fa-IR" dirty="0" smtClean="0"/>
+              <a:t>بخشی </a:t>
+            </a:r>
+            <a:r>
+              <a:rPr lang="fa-IR" dirty="0"/>
+              <a:t>از پردازش در قسمت لبه ی شبکه انجام می پذیرد.</a:t>
             </a:r>
             <a:br>
               <a:rPr lang="fa-IR" dirty="0"/>
             </a:br>
+            <a:r>
+              <a:rPr lang="fa-IR" dirty="0"/>
+              <a:t/>
+            </a:r>
             <a:br>
               <a:rPr lang="fa-IR" dirty="0"/>
             </a:br>
+            <a:r>
+              <a:rPr lang="fa-IR" dirty="0"/>
+              <a:t/>
+            </a:r>
             <a:br>
               <a:rPr lang="fa-IR" dirty="0"/>
             </a:br>
+            <a:r>
+              <a:rPr lang="fa-IR" dirty="0"/>
+              <a:t/>
+            </a:r>
             <a:br>
               <a:rPr lang="fa-IR" dirty="0"/>
             </a:br>
+            <a:r>
+              <a:rPr lang="fa-IR" dirty="0"/>
+              <a:t/>
+            </a:r>
             <a:br>
               <a:rPr lang="fa-IR" dirty="0"/>
             </a:br>
+            <a:r>
+              <a:rPr lang="fa-IR" dirty="0"/>
+              <a:t/>
+            </a:r>
             <a:br>
               <a:rPr lang="fa-IR" dirty="0"/>
             </a:br>
@@ -32547,6 +32908,13 @@
   <p:clrMapOvr>
     <a:masterClrMapping/>
   </p:clrMapOvr>
+  <p:timing>
+    <p:tnLst>
+      <p:par>
+        <p:cTn id="1" dur="indefinite" restart="never" nodeType="tmRoot"/>
+      </p:par>
+    </p:tnLst>
+  </p:timing>
 </p:sld>
 </file>
 
@@ -33089,6 +33457,13 @@
   <p:clrMapOvr>
     <a:masterClrMapping/>
   </p:clrMapOvr>
+  <p:timing>
+    <p:tnLst>
+      <p:par>
+        <p:cTn id="1" dur="indefinite" restart="never" nodeType="tmRoot"/>
+      </p:par>
+    </p:tnLst>
+  </p:timing>
 </p:sld>
 </file>
 
@@ -33159,7 +33534,7 @@
         </p:spPr>
         <p:txBody>
           <a:bodyPr>
-            <a:normAutofit fontScale="92500" lnSpcReduction="10000"/>
+            <a:normAutofit lnSpcReduction="10000"/>
           </a:bodyPr>
           <a:lstStyle/>
           <a:p>
@@ -33301,26 +33676,20 @@
               <a:buChar char="Ø"/>
             </a:pPr>
             <a:r>
+              <a:rPr lang="fa-IR" dirty="0" smtClean="0">
+                <a:solidFill>
+                  <a:schemeClr val="tx1"/>
+                </a:solidFill>
+              </a:rPr>
+              <a:t>فناوری </a:t>
+            </a:r>
+            <a:r>
               <a:rPr lang="fa-IR" dirty="0">
                 <a:solidFill>
                   <a:schemeClr val="tx1"/>
                 </a:solidFill>
               </a:rPr>
-              <a:t>شامل یک شبکه ی فشرده با هسته ی هوشمند و منعطف</a:t>
-            </a:r>
-          </a:p>
-          <a:p>
-            <a:pPr>
-              <a:buFont typeface="Wingdings" panose="05000000000000000000" pitchFamily="2" charset="2"/>
-              <a:buChar char="Ø"/>
-            </a:pPr>
-            <a:r>
-              <a:rPr lang="fa-IR" dirty="0">
-                <a:solidFill>
-                  <a:schemeClr val="tx1"/>
-                </a:solidFill>
-              </a:rPr>
-              <a:t>فناوری های مورد استفاده</a:t>
+              <a:t>های مورد استفاده</a:t>
             </a:r>
             <a:endParaRPr lang="en-US" dirty="0">
               <a:solidFill>
@@ -33950,6 +34319,13 @@
   <p:clrMapOvr>
     <a:masterClrMapping/>
   </p:clrMapOvr>
+  <p:timing>
+    <p:tnLst>
+      <p:par>
+        <p:cTn id="1" dur="indefinite" restart="never" nodeType="tmRoot"/>
+      </p:par>
+    </p:tnLst>
+  </p:timing>
 </p:sld>
 </file>
 
@@ -34103,9 +34479,17 @@
             <a:pPr marL="0" indent="0">
               <a:buNone/>
             </a:pPr>
+            <a:r>
+              <a:rPr lang="fa-IR" dirty="0"/>
+              <a:t/>
+            </a:r>
             <a:br>
               <a:rPr lang="fa-IR" dirty="0"/>
             </a:br>
+            <a:r>
+              <a:rPr lang="fa-IR" dirty="0"/>
+              <a:t/>
+            </a:r>
             <a:br>
               <a:rPr lang="fa-IR" dirty="0"/>
             </a:br>
@@ -34568,6 +34952,13 @@
   <p:clrMapOvr>
     <a:masterClrMapping/>
   </p:clrMapOvr>
+  <p:timing>
+    <p:tnLst>
+      <p:par>
+        <p:cTn id="1" dur="indefinite" restart="never" nodeType="tmRoot"/>
+      </p:par>
+    </p:tnLst>
+  </p:timing>
 </p:sld>
 </file>
 
@@ -34666,6 +35057,13 @@
   <p:clrMapOvr>
     <a:masterClrMapping/>
   </p:clrMapOvr>
+  <p:timing>
+    <p:tnLst>
+      <p:par>
+        <p:cTn id="1" dur="indefinite" restart="never" nodeType="tmRoot"/>
+      </p:par>
+    </p:tnLst>
+  </p:timing>
 </p:sld>
 </file>
 
@@ -35453,6 +35851,13 @@
   <p:clrMapOvr>
     <a:masterClrMapping/>
   </p:clrMapOvr>
+  <p:timing>
+    <p:tnLst>
+      <p:par>
+        <p:cTn id="1" dur="indefinite" restart="never" nodeType="tmRoot"/>
+      </p:par>
+    </p:tnLst>
+  </p:timing>
 </p:sld>
 </file>
 
@@ -35705,6 +36110,10 @@
             <a:pPr marL="457200" lvl="1" indent="0" algn="r" rtl="1">
               <a:buNone/>
             </a:pPr>
+            <a:r>
+              <a:rPr lang="en-US" dirty="0"/>
+              <a:t/>
+            </a:r>
             <a:br>
               <a:rPr lang="en-US" dirty="0"/>
             </a:br>
@@ -36297,6 +36706,13 @@
   <p:clrMapOvr>
     <a:masterClrMapping/>
   </p:clrMapOvr>
+  <p:timing>
+    <p:tnLst>
+      <p:par>
+        <p:cTn id="1" dur="indefinite" restart="never" nodeType="tmRoot"/>
+      </p:par>
+    </p:tnLst>
+  </p:timing>
 </p:sld>
 </file>
 
@@ -37032,6 +37448,13 @@
   <p:clrMapOvr>
     <a:masterClrMapping/>
   </p:clrMapOvr>
+  <p:timing>
+    <p:tnLst>
+      <p:par>
+        <p:cTn id="1" dur="indefinite" restart="never" nodeType="tmRoot"/>
+      </p:par>
+    </p:tnLst>
+  </p:timing>
 </p:sld>
 </file>
 
@@ -37772,6 +38195,13 @@
   <p:clrMapOvr>
     <a:masterClrMapping/>
   </p:clrMapOvr>
+  <p:timing>
+    <p:tnLst>
+      <p:par>
+        <p:cTn id="1" dur="indefinite" restart="never" nodeType="tmRoot"/>
+      </p:par>
+    </p:tnLst>
+  </p:timing>
 </p:sld>
 </file>
 
@@ -38540,6 +38970,13 @@
   <p:clrMapOvr>
     <a:masterClrMapping/>
   </p:clrMapOvr>
+  <p:timing>
+    <p:tnLst>
+      <p:par>
+        <p:cTn id="1" dur="indefinite" restart="never" nodeType="tmRoot"/>
+      </p:par>
+    </p:tnLst>
+  </p:timing>
 </p:sld>
 </file>
 
